--- a/TSQL_Translate_Operator/TSQL Translate.pptx
+++ b/TSQL_Translate_Operator/TSQL Translate.pptx
@@ -2343,7 +2343,7 @@
           <a:p>
             <a:fld id="{D6A2AC56-E20D-4719-9E66-68604E547144}" type="datetimeFigureOut">
               <a:rPr lang="en-US" smtClean="0"/>
-              <a:t>7/24/2023</a:t>
+              <a:t>8/9/2023</a:t>
             </a:fld>
             <a:endParaRPr lang="en-US"/>
           </a:p>
@@ -3360,7 +3360,7 @@
           <a:p>
             <a:fld id="{94E3A28C-D62F-4439-8BFC-9924939B4D00}" type="datetimeFigureOut">
               <a:rPr lang="en-US" smtClean="0"/>
-              <a:t>7/24/2023</a:t>
+              <a:t>8/9/2023</a:t>
             </a:fld>
             <a:endParaRPr lang="en-US"/>
           </a:p>
@@ -3558,7 +3558,7 @@
           <a:p>
             <a:fld id="{94E3A28C-D62F-4439-8BFC-9924939B4D00}" type="datetimeFigureOut">
               <a:rPr lang="en-US" smtClean="0"/>
-              <a:t>7/24/2023</a:t>
+              <a:t>8/9/2023</a:t>
             </a:fld>
             <a:endParaRPr lang="en-US"/>
           </a:p>
@@ -3766,7 +3766,7 @@
           <a:p>
             <a:fld id="{94E3A28C-D62F-4439-8BFC-9924939B4D00}" type="datetimeFigureOut">
               <a:rPr lang="en-US" smtClean="0"/>
-              <a:t>7/24/2023</a:t>
+              <a:t>8/9/2023</a:t>
             </a:fld>
             <a:endParaRPr lang="en-US"/>
           </a:p>
@@ -3964,7 +3964,7 @@
           <a:p>
             <a:fld id="{94E3A28C-D62F-4439-8BFC-9924939B4D00}" type="datetimeFigureOut">
               <a:rPr lang="en-US" smtClean="0"/>
-              <a:t>7/24/2023</a:t>
+              <a:t>8/9/2023</a:t>
             </a:fld>
             <a:endParaRPr lang="en-US"/>
           </a:p>
@@ -4239,7 +4239,7 @@
           <a:p>
             <a:fld id="{94E3A28C-D62F-4439-8BFC-9924939B4D00}" type="datetimeFigureOut">
               <a:rPr lang="en-US" smtClean="0"/>
-              <a:t>7/24/2023</a:t>
+              <a:t>8/9/2023</a:t>
             </a:fld>
             <a:endParaRPr lang="en-US"/>
           </a:p>
@@ -4504,7 +4504,7 @@
           <a:p>
             <a:fld id="{94E3A28C-D62F-4439-8BFC-9924939B4D00}" type="datetimeFigureOut">
               <a:rPr lang="en-US" smtClean="0"/>
-              <a:t>7/24/2023</a:t>
+              <a:t>8/9/2023</a:t>
             </a:fld>
             <a:endParaRPr lang="en-US"/>
           </a:p>
@@ -4916,7 +4916,7 @@
           <a:p>
             <a:fld id="{94E3A28C-D62F-4439-8BFC-9924939B4D00}" type="datetimeFigureOut">
               <a:rPr lang="en-US" smtClean="0"/>
-              <a:t>7/24/2023</a:t>
+              <a:t>8/9/2023</a:t>
             </a:fld>
             <a:endParaRPr lang="en-US"/>
           </a:p>
@@ -5057,7 +5057,7 @@
           <a:p>
             <a:fld id="{94E3A28C-D62F-4439-8BFC-9924939B4D00}" type="datetimeFigureOut">
               <a:rPr lang="en-US" smtClean="0"/>
-              <a:t>7/24/2023</a:t>
+              <a:t>8/9/2023</a:t>
             </a:fld>
             <a:endParaRPr lang="en-US"/>
           </a:p>
@@ -5170,7 +5170,7 @@
           <a:p>
             <a:fld id="{94E3A28C-D62F-4439-8BFC-9924939B4D00}" type="datetimeFigureOut">
               <a:rPr lang="en-US" smtClean="0"/>
-              <a:t>7/24/2023</a:t>
+              <a:t>8/9/2023</a:t>
             </a:fld>
             <a:endParaRPr lang="en-US"/>
           </a:p>
@@ -5481,7 +5481,7 @@
           <a:p>
             <a:fld id="{94E3A28C-D62F-4439-8BFC-9924939B4D00}" type="datetimeFigureOut">
               <a:rPr lang="en-US" smtClean="0"/>
-              <a:t>7/24/2023</a:t>
+              <a:t>8/9/2023</a:t>
             </a:fld>
             <a:endParaRPr lang="en-US"/>
           </a:p>
@@ -5769,7 +5769,7 @@
           <a:p>
             <a:fld id="{94E3A28C-D62F-4439-8BFC-9924939B4D00}" type="datetimeFigureOut">
               <a:rPr lang="en-US" smtClean="0"/>
-              <a:t>7/24/2023</a:t>
+              <a:t>8/9/2023</a:t>
             </a:fld>
             <a:endParaRPr lang="en-US"/>
           </a:p>
@@ -6010,7 +6010,7 @@
           <a:p>
             <a:fld id="{94E3A28C-D62F-4439-8BFC-9924939B4D00}" type="datetimeFigureOut">
               <a:rPr lang="en-US" smtClean="0"/>
-              <a:t>7/24/2023</a:t>
+              <a:t>8/9/2023</a:t>
             </a:fld>
             <a:endParaRPr lang="en-US"/>
           </a:p>
@@ -23597,7 +23597,7 @@
                 </a:solidFill>
                 <a:latin typeface="Consolas" panose="020B0609020204030204" pitchFamily="49" charset="0"/>
               </a:rPr>
-              <a:t>10</a:t>
+              <a:t>12</a:t>
             </a:r>
             <a:r>
               <a:rPr lang="en-US" sz="2400" dirty="0">
@@ -23663,7 +23663,7 @@
               <a:t>“”</a:t>
             </a:r>
             <a:r>
-              <a:rPr lang="en-US" sz="1800" b="0" i="0" u="none" strike="noStrike" kern="1200" dirty="0">
+              <a:rPr lang="en-US" sz="2400" b="0" i="0" u="none" strike="noStrike" kern="1200" dirty="0">
                 <a:solidFill>
                   <a:srgbClr val="FF0000"/>
                 </a:solidFill>
@@ -23673,7 +23673,7 @@
               <a:t>‘</a:t>
             </a:r>
             <a:r>
-              <a:rPr lang="en-US" sz="1800" b="1" i="0" u="none" strike="noStrike" kern="1200" dirty="0">
+              <a:rPr lang="en-US" sz="2400" b="1" i="0" u="none" strike="noStrike" kern="1200" dirty="0">
                 <a:solidFill>
                   <a:srgbClr val="FF0000"/>
                 </a:solidFill>
@@ -23742,7 +23742,7 @@
                 </a:solidFill>
                 <a:latin typeface="Consolas" panose="020B0609020204030204" pitchFamily="49" charset="0"/>
               </a:rPr>
-              <a:t>10</a:t>
+              <a:t>12</a:t>
             </a:r>
             <a:r>
               <a:rPr lang="es-ES" sz="2400" dirty="0">

--- a/TSQL_Translate_Operator/TSQL Translate.pptx
+++ b/TSQL_Translate_Operator/TSQL Translate.pptx
@@ -9,15 +9,15 @@
   </p:notesMasterIdLst>
   <p:sldIdLst>
     <p:sldId id="256" r:id="rId2"/>
-    <p:sldId id="257" r:id="rId3"/>
-    <p:sldId id="258" r:id="rId4"/>
-    <p:sldId id="283" r:id="rId5"/>
-    <p:sldId id="259" r:id="rId6"/>
-    <p:sldId id="260" r:id="rId7"/>
-    <p:sldId id="282" r:id="rId8"/>
-    <p:sldId id="277" r:id="rId9"/>
-    <p:sldId id="285" r:id="rId10"/>
-    <p:sldId id="298" r:id="rId11"/>
+    <p:sldId id="316" r:id="rId3"/>
+    <p:sldId id="257" r:id="rId4"/>
+    <p:sldId id="258" r:id="rId5"/>
+    <p:sldId id="283" r:id="rId6"/>
+    <p:sldId id="315" r:id="rId7"/>
+    <p:sldId id="259" r:id="rId8"/>
+    <p:sldId id="260" r:id="rId9"/>
+    <p:sldId id="282" r:id="rId10"/>
+    <p:sldId id="277" r:id="rId11"/>
     <p:sldId id="292" r:id="rId12"/>
     <p:sldId id="293" r:id="rId13"/>
     <p:sldId id="284" r:id="rId14"/>
@@ -33,10 +33,10 @@
     <p:sldId id="280" r:id="rId24"/>
     <p:sldId id="301" r:id="rId25"/>
     <p:sldId id="302" r:id="rId26"/>
-    <p:sldId id="303" r:id="rId27"/>
-    <p:sldId id="300" r:id="rId28"/>
-    <p:sldId id="297" r:id="rId29"/>
-    <p:sldId id="299" r:id="rId30"/>
+    <p:sldId id="300" r:id="rId27"/>
+    <p:sldId id="297" r:id="rId28"/>
+    <p:sldId id="299" r:id="rId29"/>
+    <p:sldId id="314" r:id="rId30"/>
   </p:sldIdLst>
   <p:sldSz cx="12192000" cy="6858000"/>
   <p:notesSz cx="6858000" cy="9144000"/>
@@ -2343,7 +2343,7 @@
           <a:p>
             <a:fld id="{D6A2AC56-E20D-4719-9E66-68604E547144}" type="datetimeFigureOut">
               <a:rPr lang="en-US" smtClean="0"/>
-              <a:t>8/9/2023</a:t>
+              <a:t>1/23/2024</a:t>
             </a:fld>
             <a:endParaRPr lang="en-US"/>
           </a:p>
@@ -2656,13 +2656,7 @@
           <a:p>
             <a:r>
               <a:rPr lang="en-US" dirty="0"/>
-              <a:t>Do you or a loved one suffer from nested REPLACE statements?</a:t>
-            </a:r>
-          </a:p>
-          <a:p>
-            <a:r>
-              <a:rPr lang="en-US" dirty="0"/>
-              <a:t>Do you properly indent them? (probably not)</a:t>
+              <a:t>REPLACE is a very versatile function in TSQL</a:t>
             </a:r>
           </a:p>
         </p:txBody>
@@ -2693,7 +2687,7 @@
     </p:spTree>
     <p:extLst>
       <p:ext uri="{BB962C8B-B14F-4D97-AF65-F5344CB8AC3E}">
-        <p14:creationId xmlns:p14="http://schemas.microsoft.com/office/powerpoint/2010/main" val="993601051"/>
+        <p14:creationId xmlns:p14="http://schemas.microsoft.com/office/powerpoint/2010/main" val="179565188"/>
       </p:ext>
     </p:extLst>
   </p:cSld>
@@ -2749,7 +2743,19 @@
           <a:p>
             <a:r>
               <a:rPr lang="en-US" dirty="0"/>
-              <a:t>They probably look like this. </a:t>
+              <a:t>But it gets overused.</a:t>
+            </a:r>
+          </a:p>
+          <a:p>
+            <a:r>
+              <a:rPr lang="en-US" dirty="0"/>
+              <a:t>Do you or a loved one suffer from nested REPLACE statements?</a:t>
+            </a:r>
+          </a:p>
+          <a:p>
+            <a:r>
+              <a:rPr lang="en-US" dirty="0"/>
+              <a:t>Do you properly indent them? (probably not)</a:t>
             </a:r>
           </a:p>
         </p:txBody>
@@ -2780,7 +2786,7 @@
     </p:spTree>
     <p:extLst>
       <p:ext uri="{BB962C8B-B14F-4D97-AF65-F5344CB8AC3E}">
-        <p14:creationId xmlns:p14="http://schemas.microsoft.com/office/powerpoint/2010/main" val="1428648063"/>
+        <p14:creationId xmlns:p14="http://schemas.microsoft.com/office/powerpoint/2010/main" val="993601051"/>
       </p:ext>
     </p:extLst>
   </p:cSld>
@@ -2836,7 +2842,7 @@
           <a:p>
             <a:r>
               <a:rPr lang="en-US" dirty="0"/>
-              <a:t>Or I go into some SSIS package and don’t get the benefit of fixed-width formatting, so I get this rat’s nest of a statement knowing somewhere in here is a column.</a:t>
+              <a:t>They probably look like this. </a:t>
             </a:r>
           </a:p>
         </p:txBody>
@@ -2867,7 +2873,7 @@
     </p:spTree>
     <p:extLst>
       <p:ext uri="{BB962C8B-B14F-4D97-AF65-F5344CB8AC3E}">
-        <p14:creationId xmlns:p14="http://schemas.microsoft.com/office/powerpoint/2010/main" val="2504445069"/>
+        <p14:creationId xmlns:p14="http://schemas.microsoft.com/office/powerpoint/2010/main" val="1428648063"/>
       </p:ext>
     </p:extLst>
   </p:cSld>
@@ -2921,7 +2927,10 @@
           <a:bodyPr/>
           <a:lstStyle/>
           <a:p>
-            <a:endParaRPr lang="en-US" dirty="0"/>
+            <a:r>
+              <a:rPr lang="en-US" dirty="0"/>
+              <a:t>Or I go into some SSIS package and don’t get the benefit of fixed-width formatting, so I get this rat’s nest of a statement knowing somewhere in here is a column.</a:t>
+            </a:r>
           </a:p>
         </p:txBody>
       </p:sp>
@@ -2942,7 +2951,7 @@
           <a:p>
             <a:fld id="{3FD7DB7D-0C53-4255-829B-DFDF02E6CE3A}" type="slidenum">
               <a:rPr lang="en-US" smtClean="0"/>
-              <a:t>7</a:t>
+              <a:t>5</a:t>
             </a:fld>
             <a:endParaRPr lang="en-US"/>
           </a:p>
@@ -2951,7 +2960,7 @@
     </p:spTree>
     <p:extLst>
       <p:ext uri="{BB962C8B-B14F-4D97-AF65-F5344CB8AC3E}">
-        <p14:creationId xmlns:p14="http://schemas.microsoft.com/office/powerpoint/2010/main" val="3042365892"/>
+        <p14:creationId xmlns:p14="http://schemas.microsoft.com/office/powerpoint/2010/main" val="2504445069"/>
       </p:ext>
     </p:extLst>
   </p:cSld>
@@ -3005,7 +3014,10 @@
           <a:bodyPr/>
           <a:lstStyle/>
           <a:p>
-            <a:endParaRPr lang="en-US"/>
+            <a:r>
+              <a:rPr lang="en-US" dirty="0"/>
+              <a:t>It’s also perfectly fine to re-use characters as source. However, the logic exits out on the first match from left-to-right.</a:t>
+            </a:r>
           </a:p>
         </p:txBody>
       </p:sp>
@@ -3026,7 +3038,7 @@
           <a:p>
             <a:fld id="{3FD7DB7D-0C53-4255-829B-DFDF02E6CE3A}" type="slidenum">
               <a:rPr lang="en-US" smtClean="0"/>
-              <a:t>26</a:t>
+              <a:t>9</a:t>
             </a:fld>
             <a:endParaRPr lang="en-US"/>
           </a:p>
@@ -3035,7 +3047,7 @@
     </p:spTree>
     <p:extLst>
       <p:ext uri="{BB962C8B-B14F-4D97-AF65-F5344CB8AC3E}">
-        <p14:creationId xmlns:p14="http://schemas.microsoft.com/office/powerpoint/2010/main" val="112789312"/>
+        <p14:creationId xmlns:p14="http://schemas.microsoft.com/office/powerpoint/2010/main" val="3042365892"/>
       </p:ext>
     </p:extLst>
   </p:cSld>
@@ -3089,7 +3101,10 @@
           <a:bodyPr/>
           <a:lstStyle/>
           <a:p>
-            <a:endParaRPr lang="en-US" dirty="0"/>
+            <a:r>
+              <a:rPr lang="en-US" dirty="0"/>
+              <a:t>Bonus: Try this exercise again with CHAR(0), the NULL character. What happens?</a:t>
+            </a:r>
           </a:p>
         </p:txBody>
       </p:sp>
@@ -3110,7 +3125,7 @@
           <a:p>
             <a:fld id="{3FD7DB7D-0C53-4255-829B-DFDF02E6CE3A}" type="slidenum">
               <a:rPr lang="en-US" smtClean="0"/>
-              <a:t>27</a:t>
+              <a:t>24</a:t>
             </a:fld>
             <a:endParaRPr lang="en-US"/>
           </a:p>
@@ -3119,7 +3134,7 @@
     </p:spTree>
     <p:extLst>
       <p:ext uri="{BB962C8B-B14F-4D97-AF65-F5344CB8AC3E}">
-        <p14:creationId xmlns:p14="http://schemas.microsoft.com/office/powerpoint/2010/main" val="1592477599"/>
+        <p14:creationId xmlns:p14="http://schemas.microsoft.com/office/powerpoint/2010/main" val="2614263377"/>
       </p:ext>
     </p:extLst>
   </p:cSld>
@@ -3173,7 +3188,10 @@
           <a:bodyPr/>
           <a:lstStyle/>
           <a:p>
-            <a:endParaRPr lang="en-US" dirty="0"/>
+            <a:r>
+              <a:rPr lang="en-US" dirty="0"/>
+              <a:t>Everything “Translated” turns into a varchar(8000), and truncates beyond the 8000-character mark</a:t>
+            </a:r>
           </a:p>
         </p:txBody>
       </p:sp>
@@ -3194,7 +3212,91 @@
           <a:p>
             <a:fld id="{3FD7DB7D-0C53-4255-829B-DFDF02E6CE3A}" type="slidenum">
               <a:rPr lang="en-US" smtClean="0"/>
-              <a:t>28</a:t>
+              <a:t>26</a:t>
+            </a:fld>
+            <a:endParaRPr lang="en-US"/>
+          </a:p>
+        </p:txBody>
+      </p:sp>
+    </p:spTree>
+    <p:extLst>
+      <p:ext uri="{BB962C8B-B14F-4D97-AF65-F5344CB8AC3E}">
+        <p14:creationId xmlns:p14="http://schemas.microsoft.com/office/powerpoint/2010/main" val="1592477599"/>
+      </p:ext>
+    </p:extLst>
+  </p:cSld>
+  <p:clrMapOvr>
+    <a:masterClrMapping/>
+  </p:clrMapOvr>
+</p:notes>
+</file>
+
+<file path=ppt/notesSlides/notesSlide8.xml><?xml version="1.0" encoding="utf-8"?>
+<p:notes xmlns:a="http://schemas.openxmlformats.org/drawingml/2006/main" xmlns:r="http://schemas.openxmlformats.org/officeDocument/2006/relationships" xmlns:p="http://schemas.openxmlformats.org/presentationml/2006/main">
+  <p:cSld>
+    <p:spTree>
+      <p:nvGrpSpPr>
+        <p:cNvPr id="1" name=""/>
+        <p:cNvGrpSpPr/>
+        <p:nvPr/>
+      </p:nvGrpSpPr>
+      <p:grpSpPr>
+        <a:xfrm>
+          <a:off x="0" y="0"/>
+          <a:ext cx="0" cy="0"/>
+          <a:chOff x="0" y="0"/>
+          <a:chExt cx="0" cy="0"/>
+        </a:xfrm>
+      </p:grpSpPr>
+      <p:sp>
+        <p:nvSpPr>
+          <p:cNvPr id="2" name="Slide Image Placeholder 1"/>
+          <p:cNvSpPr>
+            <a:spLocks noGrp="1" noRot="1" noChangeAspect="1"/>
+          </p:cNvSpPr>
+          <p:nvPr>
+            <p:ph type="sldImg"/>
+          </p:nvPr>
+        </p:nvSpPr>
+        <p:spPr/>
+      </p:sp>
+      <p:sp>
+        <p:nvSpPr>
+          <p:cNvPr id="3" name="Notes Placeholder 2"/>
+          <p:cNvSpPr>
+            <a:spLocks noGrp="1"/>
+          </p:cNvSpPr>
+          <p:nvPr>
+            <p:ph type="body" idx="1"/>
+          </p:nvPr>
+        </p:nvSpPr>
+        <p:spPr/>
+        <p:txBody>
+          <a:bodyPr/>
+          <a:lstStyle/>
+          <a:p>
+            <a:endParaRPr lang="en-US" dirty="0"/>
+          </a:p>
+        </p:txBody>
+      </p:sp>
+      <p:sp>
+        <p:nvSpPr>
+          <p:cNvPr id="4" name="Slide Number Placeholder 3"/>
+          <p:cNvSpPr>
+            <a:spLocks noGrp="1"/>
+          </p:cNvSpPr>
+          <p:nvPr>
+            <p:ph type="sldNum" sz="quarter" idx="5"/>
+          </p:nvPr>
+        </p:nvSpPr>
+        <p:spPr/>
+        <p:txBody>
+          <a:bodyPr/>
+          <a:lstStyle/>
+          <a:p>
+            <a:fld id="{3FD7DB7D-0C53-4255-829B-DFDF02E6CE3A}" type="slidenum">
+              <a:rPr lang="en-US" smtClean="0"/>
+              <a:t>27</a:t>
             </a:fld>
             <a:endParaRPr lang="en-US"/>
           </a:p>
@@ -3360,7 +3462,7 @@
           <a:p>
             <a:fld id="{94E3A28C-D62F-4439-8BFC-9924939B4D00}" type="datetimeFigureOut">
               <a:rPr lang="en-US" smtClean="0"/>
-              <a:t>8/9/2023</a:t>
+              <a:t>1/23/2024</a:t>
             </a:fld>
             <a:endParaRPr lang="en-US"/>
           </a:p>
@@ -3558,7 +3660,7 @@
           <a:p>
             <a:fld id="{94E3A28C-D62F-4439-8BFC-9924939B4D00}" type="datetimeFigureOut">
               <a:rPr lang="en-US" smtClean="0"/>
-              <a:t>8/9/2023</a:t>
+              <a:t>1/23/2024</a:t>
             </a:fld>
             <a:endParaRPr lang="en-US"/>
           </a:p>
@@ -3766,7 +3868,7 @@
           <a:p>
             <a:fld id="{94E3A28C-D62F-4439-8BFC-9924939B4D00}" type="datetimeFigureOut">
               <a:rPr lang="en-US" smtClean="0"/>
-              <a:t>8/9/2023</a:t>
+              <a:t>1/23/2024</a:t>
             </a:fld>
             <a:endParaRPr lang="en-US"/>
           </a:p>
@@ -3964,7 +4066,7 @@
           <a:p>
             <a:fld id="{94E3A28C-D62F-4439-8BFC-9924939B4D00}" type="datetimeFigureOut">
               <a:rPr lang="en-US" smtClean="0"/>
-              <a:t>8/9/2023</a:t>
+              <a:t>1/23/2024</a:t>
             </a:fld>
             <a:endParaRPr lang="en-US"/>
           </a:p>
@@ -4239,7 +4341,7 @@
           <a:p>
             <a:fld id="{94E3A28C-D62F-4439-8BFC-9924939B4D00}" type="datetimeFigureOut">
               <a:rPr lang="en-US" smtClean="0"/>
-              <a:t>8/9/2023</a:t>
+              <a:t>1/23/2024</a:t>
             </a:fld>
             <a:endParaRPr lang="en-US"/>
           </a:p>
@@ -4504,7 +4606,7 @@
           <a:p>
             <a:fld id="{94E3A28C-D62F-4439-8BFC-9924939B4D00}" type="datetimeFigureOut">
               <a:rPr lang="en-US" smtClean="0"/>
-              <a:t>8/9/2023</a:t>
+              <a:t>1/23/2024</a:t>
             </a:fld>
             <a:endParaRPr lang="en-US"/>
           </a:p>
@@ -4916,7 +5018,7 @@
           <a:p>
             <a:fld id="{94E3A28C-D62F-4439-8BFC-9924939B4D00}" type="datetimeFigureOut">
               <a:rPr lang="en-US" smtClean="0"/>
-              <a:t>8/9/2023</a:t>
+              <a:t>1/23/2024</a:t>
             </a:fld>
             <a:endParaRPr lang="en-US"/>
           </a:p>
@@ -5057,7 +5159,7 @@
           <a:p>
             <a:fld id="{94E3A28C-D62F-4439-8BFC-9924939B4D00}" type="datetimeFigureOut">
               <a:rPr lang="en-US" smtClean="0"/>
-              <a:t>8/9/2023</a:t>
+              <a:t>1/23/2024</a:t>
             </a:fld>
             <a:endParaRPr lang="en-US"/>
           </a:p>
@@ -5170,7 +5272,7 @@
           <a:p>
             <a:fld id="{94E3A28C-D62F-4439-8BFC-9924939B4D00}" type="datetimeFigureOut">
               <a:rPr lang="en-US" smtClean="0"/>
-              <a:t>8/9/2023</a:t>
+              <a:t>1/23/2024</a:t>
             </a:fld>
             <a:endParaRPr lang="en-US"/>
           </a:p>
@@ -5481,7 +5583,7 @@
           <a:p>
             <a:fld id="{94E3A28C-D62F-4439-8BFC-9924939B4D00}" type="datetimeFigureOut">
               <a:rPr lang="en-US" smtClean="0"/>
-              <a:t>8/9/2023</a:t>
+              <a:t>1/23/2024</a:t>
             </a:fld>
             <a:endParaRPr lang="en-US"/>
           </a:p>
@@ -5769,7 +5871,7 @@
           <a:p>
             <a:fld id="{94E3A28C-D62F-4439-8BFC-9924939B4D00}" type="datetimeFigureOut">
               <a:rPr lang="en-US" smtClean="0"/>
-              <a:t>8/9/2023</a:t>
+              <a:t>1/23/2024</a:t>
             </a:fld>
             <a:endParaRPr lang="en-US"/>
           </a:p>
@@ -6010,7 +6112,7 @@
           <a:p>
             <a:fld id="{94E3A28C-D62F-4439-8BFC-9924939B4D00}" type="datetimeFigureOut">
               <a:rPr lang="en-US" smtClean="0"/>
-              <a:t>8/9/2023</a:t>
+              <a:t>1/23/2024</a:t>
             </a:fld>
             <a:endParaRPr lang="en-US"/>
           </a:p>
@@ -6546,8 +6648,8 @@
         </p:nvSpPr>
         <p:spPr>
           <a:xfrm>
-            <a:off x="3364671" y="2967335"/>
-            <a:ext cx="5083516" cy="461665"/>
+            <a:off x="3364670" y="2967335"/>
+            <a:ext cx="5563429" cy="523220"/>
           </a:xfrm>
           <a:prstGeom prst="rect">
             <a:avLst/>
@@ -6561,11 +6663,11 @@
           <a:lstStyle/>
           <a:p>
             <a:r>
-              <a:rPr lang="en-US" sz="2400" dirty="0"/>
+              <a:rPr lang="en-US" sz="2800" dirty="0"/>
               <a:t>An alternative to nested-</a:t>
             </a:r>
             <a:r>
-              <a:rPr lang="en-US" sz="2400" dirty="0">
+              <a:rPr lang="en-US" sz="2800" dirty="0">
                 <a:solidFill>
                   <a:srgbClr val="FF00FF"/>
                 </a:solidFill>
@@ -6574,7 +6676,7 @@
               <a:t>REPLACE</a:t>
             </a:r>
             <a:r>
-              <a:rPr lang="en-US" sz="2400" dirty="0">
+              <a:rPr lang="en-US" sz="2800" dirty="0">
                 <a:solidFill>
                   <a:srgbClr val="808080"/>
                 </a:solidFill>
@@ -6582,7 +6684,7 @@
               </a:rPr>
               <a:t>()</a:t>
             </a:r>
-            <a:endParaRPr lang="en-US" sz="2400" dirty="0"/>
+            <a:endParaRPr lang="en-US" sz="2800" dirty="0"/>
           </a:p>
         </p:txBody>
       </p:sp>
@@ -6616,64 +6718,37 @@
           <a:chExt cx="0" cy="0"/>
         </a:xfrm>
       </p:grpSpPr>
-      <p:pic>
-        <p:nvPicPr>
-          <p:cNvPr id="5" name="Picture 4">
+      <p:sp>
+        <p:nvSpPr>
+          <p:cNvPr id="11" name="Content Placeholder 10">
             <a:extLst>
               <a:ext uri="{FF2B5EF4-FFF2-40B4-BE49-F238E27FC236}">
-                <a16:creationId xmlns:a16="http://schemas.microsoft.com/office/drawing/2014/main" id="{476FEDA4-31B5-C3DB-A878-EEC71CB7FB3D}"/>
+                <a16:creationId xmlns:a16="http://schemas.microsoft.com/office/drawing/2014/main" id="{29EE55F7-A509-833B-6B17-93F3A4528D73}"/>
               </a:ext>
             </a:extLst>
           </p:cNvPr>
-          <p:cNvPicPr>
-            <a:picLocks noChangeAspect="1"/>
-          </p:cNvPicPr>
-          <p:nvPr/>
-        </p:nvPicPr>
-        <p:blipFill>
-          <a:blip r:embed="rId2"/>
-          <a:stretch>
-            <a:fillRect/>
-          </a:stretch>
-        </p:blipFill>
-        <p:spPr>
-          <a:xfrm>
-            <a:off x="6783439" y="1252036"/>
-            <a:ext cx="4274288" cy="913684"/>
-          </a:xfrm>
-          <a:prstGeom prst="rect">
-            <a:avLst/>
-          </a:prstGeom>
-        </p:spPr>
-      </p:pic>
-      <p:sp>
-        <p:nvSpPr>
-          <p:cNvPr id="7" name="TextBox 6">
-            <a:extLst>
-              <a:ext uri="{FF2B5EF4-FFF2-40B4-BE49-F238E27FC236}">
-                <a16:creationId xmlns:a16="http://schemas.microsoft.com/office/drawing/2014/main" id="{60C42B0B-8E71-81D4-9D5C-47905475F9CD}"/>
-              </a:ext>
-            </a:extLst>
-          </p:cNvPr>
-          <p:cNvSpPr txBox="1"/>
-          <p:nvPr/>
+          <p:cNvSpPr>
+            <a:spLocks noGrp="1"/>
+          </p:cNvSpPr>
+          <p:nvPr>
+            <p:ph idx="1"/>
+          </p:nvPr>
         </p:nvSpPr>
         <p:spPr>
           <a:xfrm>
-            <a:off x="1041991" y="2870791"/>
-            <a:ext cx="4805917" cy="461665"/>
+            <a:off x="838200" y="1655504"/>
+            <a:ext cx="10515600" cy="4351338"/>
           </a:xfrm>
-          <a:prstGeom prst="rect">
-            <a:avLst/>
-          </a:prstGeom>
-          <a:noFill/>
         </p:spPr>
         <p:txBody>
-          <a:bodyPr wrap="square" rtlCol="0">
-            <a:spAutoFit/>
+          <a:bodyPr>
+            <a:normAutofit fontScale="92500" lnSpcReduction="20000"/>
           </a:bodyPr>
           <a:lstStyle/>
           <a:p>
+            <a:pPr marL="0" indent="0">
+              <a:buNone/>
+            </a:pPr>
             <a:r>
               <a:rPr lang="en-US" sz="2400" dirty="0">
                 <a:solidFill>
@@ -6681,6 +6756,280 @@
                 </a:solidFill>
                 <a:latin typeface="Consolas" panose="020B0609020204030204" pitchFamily="49" charset="0"/>
               </a:rPr>
+              <a:t>DECLARE</a:t>
+            </a:r>
+            <a:r>
+              <a:rPr lang="en-US" sz="2400" dirty="0">
+                <a:solidFill>
+                  <a:srgbClr val="000000"/>
+                </a:solidFill>
+                <a:latin typeface="Consolas" panose="020B0609020204030204" pitchFamily="49" charset="0"/>
+              </a:rPr>
+              <a:t> @_beforemap </a:t>
+            </a:r>
+            <a:r>
+              <a:rPr lang="en-US" sz="2400" dirty="0">
+                <a:solidFill>
+                  <a:srgbClr val="0000FF"/>
+                </a:solidFill>
+                <a:latin typeface="Consolas" panose="020B0609020204030204" pitchFamily="49" charset="0"/>
+              </a:rPr>
+              <a:t>varchar</a:t>
+            </a:r>
+            <a:r>
+              <a:rPr lang="en-US" sz="2400" dirty="0">
+                <a:solidFill>
+                  <a:srgbClr val="808080"/>
+                </a:solidFill>
+                <a:latin typeface="Consolas" panose="020B0609020204030204" pitchFamily="49" charset="0"/>
+              </a:rPr>
+              <a:t>(</a:t>
+            </a:r>
+            <a:r>
+              <a:rPr lang="en-US" sz="2400" dirty="0">
+                <a:solidFill>
+                  <a:srgbClr val="000000"/>
+                </a:solidFill>
+                <a:latin typeface="Consolas" panose="020B0609020204030204" pitchFamily="49" charset="0"/>
+              </a:rPr>
+              <a:t>100</a:t>
+            </a:r>
+            <a:r>
+              <a:rPr lang="en-US" sz="2400" dirty="0">
+                <a:solidFill>
+                  <a:srgbClr val="808080"/>
+                </a:solidFill>
+                <a:latin typeface="Consolas" panose="020B0609020204030204" pitchFamily="49" charset="0"/>
+              </a:rPr>
+              <a:t>)</a:t>
+            </a:r>
+            <a:r>
+              <a:rPr lang="en-US" sz="2400" dirty="0">
+                <a:solidFill>
+                  <a:srgbClr val="000000"/>
+                </a:solidFill>
+                <a:latin typeface="Consolas" panose="020B0609020204030204" pitchFamily="49" charset="0"/>
+              </a:rPr>
+              <a:t> </a:t>
+            </a:r>
+          </a:p>
+          <a:p>
+            <a:pPr marL="0" indent="0">
+              <a:buNone/>
+            </a:pPr>
+            <a:r>
+              <a:rPr lang="en-US" sz="2400" dirty="0">
+                <a:solidFill>
+                  <a:srgbClr val="000000"/>
+                </a:solidFill>
+                <a:latin typeface="Consolas" panose="020B0609020204030204" pitchFamily="49" charset="0"/>
+              </a:rPr>
+              <a:t>   </a:t>
+            </a:r>
+            <a:r>
+              <a:rPr lang="en-US" sz="2400" dirty="0">
+                <a:solidFill>
+                  <a:srgbClr val="808080"/>
+                </a:solidFill>
+                <a:latin typeface="Consolas" panose="020B0609020204030204" pitchFamily="49" charset="0"/>
+              </a:rPr>
+              <a:t>=</a:t>
+            </a:r>
+            <a:r>
+              <a:rPr lang="en-US" sz="2400" dirty="0">
+                <a:solidFill>
+                  <a:srgbClr val="000000"/>
+                </a:solidFill>
+                <a:latin typeface="Consolas" panose="020B0609020204030204" pitchFamily="49" charset="0"/>
+              </a:rPr>
+              <a:t> </a:t>
+            </a:r>
+            <a:r>
+              <a:rPr lang="en-US" sz="2400" dirty="0">
+                <a:solidFill>
+                  <a:srgbClr val="FF0000"/>
+                </a:solidFill>
+                <a:latin typeface="Consolas" panose="020B0609020204030204" pitchFamily="49" charset="0"/>
+              </a:rPr>
+              <a:t>'</a:t>
+            </a:r>
+            <a:r>
+              <a:rPr lang="en-US" sz="2400" dirty="0" err="1">
+                <a:solidFill>
+                  <a:srgbClr val="FF0000"/>
+                </a:solidFill>
+                <a:latin typeface="Consolas" panose="020B0609020204030204" pitchFamily="49" charset="0"/>
+              </a:rPr>
+              <a:t>ABCDEFGHIJKLMNOPQRSTUVWXYZabcdefghijklmnopqrstuvwxyz</a:t>
+            </a:r>
+            <a:r>
+              <a:rPr lang="en-US" sz="2400" dirty="0">
+                <a:solidFill>
+                  <a:srgbClr val="FF0000"/>
+                </a:solidFill>
+                <a:latin typeface="Consolas" panose="020B0609020204030204" pitchFamily="49" charset="0"/>
+              </a:rPr>
+              <a:t>'</a:t>
+            </a:r>
+            <a:endParaRPr lang="en-US" sz="2400" dirty="0">
+              <a:solidFill>
+                <a:srgbClr val="000000"/>
+              </a:solidFill>
+              <a:latin typeface="Consolas" panose="020B0609020204030204" pitchFamily="49" charset="0"/>
+            </a:endParaRPr>
+          </a:p>
+          <a:p>
+            <a:pPr marL="0" indent="0">
+              <a:buNone/>
+            </a:pPr>
+            <a:r>
+              <a:rPr lang="en-US" sz="2400" dirty="0">
+                <a:solidFill>
+                  <a:srgbClr val="0000FF"/>
+                </a:solidFill>
+                <a:latin typeface="Consolas" panose="020B0609020204030204" pitchFamily="49" charset="0"/>
+              </a:rPr>
+              <a:t>DECLARE</a:t>
+            </a:r>
+            <a:r>
+              <a:rPr lang="en-US" sz="2400" dirty="0">
+                <a:solidFill>
+                  <a:srgbClr val="000000"/>
+                </a:solidFill>
+                <a:latin typeface="Consolas" panose="020B0609020204030204" pitchFamily="49" charset="0"/>
+              </a:rPr>
+              <a:t> @_aftermap </a:t>
+            </a:r>
+            <a:r>
+              <a:rPr lang="en-US" sz="2400" dirty="0">
+                <a:solidFill>
+                  <a:srgbClr val="0000FF"/>
+                </a:solidFill>
+                <a:latin typeface="Consolas" panose="020B0609020204030204" pitchFamily="49" charset="0"/>
+              </a:rPr>
+              <a:t>varchar</a:t>
+            </a:r>
+            <a:r>
+              <a:rPr lang="en-US" sz="2400" dirty="0">
+                <a:solidFill>
+                  <a:srgbClr val="808080"/>
+                </a:solidFill>
+                <a:latin typeface="Consolas" panose="020B0609020204030204" pitchFamily="49" charset="0"/>
+              </a:rPr>
+              <a:t>(</a:t>
+            </a:r>
+            <a:r>
+              <a:rPr lang="en-US" sz="2400" dirty="0">
+                <a:solidFill>
+                  <a:srgbClr val="000000"/>
+                </a:solidFill>
+                <a:latin typeface="Consolas" panose="020B0609020204030204" pitchFamily="49" charset="0"/>
+              </a:rPr>
+              <a:t>100</a:t>
+            </a:r>
+            <a:r>
+              <a:rPr lang="en-US" sz="2400" dirty="0">
+                <a:solidFill>
+                  <a:srgbClr val="808080"/>
+                </a:solidFill>
+                <a:latin typeface="Consolas" panose="020B0609020204030204" pitchFamily="49" charset="0"/>
+              </a:rPr>
+              <a:t>)</a:t>
+            </a:r>
+            <a:r>
+              <a:rPr lang="en-US" sz="2400" dirty="0">
+                <a:solidFill>
+                  <a:srgbClr val="000000"/>
+                </a:solidFill>
+                <a:latin typeface="Consolas" panose="020B0609020204030204" pitchFamily="49" charset="0"/>
+              </a:rPr>
+              <a:t>  </a:t>
+            </a:r>
+          </a:p>
+          <a:p>
+            <a:pPr marL="0" indent="0">
+              <a:buNone/>
+            </a:pPr>
+            <a:r>
+              <a:rPr lang="en-US" sz="2400" dirty="0">
+                <a:solidFill>
+                  <a:srgbClr val="000000"/>
+                </a:solidFill>
+                <a:latin typeface="Consolas" panose="020B0609020204030204" pitchFamily="49" charset="0"/>
+              </a:rPr>
+              <a:t>   </a:t>
+            </a:r>
+            <a:r>
+              <a:rPr lang="en-US" sz="2400" dirty="0">
+                <a:solidFill>
+                  <a:srgbClr val="808080"/>
+                </a:solidFill>
+                <a:latin typeface="Consolas" panose="020B0609020204030204" pitchFamily="49" charset="0"/>
+              </a:rPr>
+              <a:t>=</a:t>
+            </a:r>
+            <a:r>
+              <a:rPr lang="en-US" sz="2400" dirty="0">
+                <a:solidFill>
+                  <a:srgbClr val="000000"/>
+                </a:solidFill>
+                <a:latin typeface="Consolas" panose="020B0609020204030204" pitchFamily="49" charset="0"/>
+              </a:rPr>
+              <a:t> </a:t>
+            </a:r>
+            <a:r>
+              <a:rPr lang="en-US" sz="2400" dirty="0">
+                <a:solidFill>
+                  <a:srgbClr val="FF0000"/>
+                </a:solidFill>
+                <a:latin typeface="Consolas" panose="020B0609020204030204" pitchFamily="49" charset="0"/>
+              </a:rPr>
+              <a:t>'</a:t>
+            </a:r>
+            <a:r>
+              <a:rPr lang="en-US" sz="2400" dirty="0" err="1">
+                <a:solidFill>
+                  <a:srgbClr val="FF0000"/>
+                </a:solidFill>
+                <a:latin typeface="Consolas" panose="020B0609020204030204" pitchFamily="49" charset="0"/>
+              </a:rPr>
+              <a:t>NOPQRSTUVWXYZABCDEFGHIJKLMnopqrstuvwxyzabcdefghijklm</a:t>
+            </a:r>
+            <a:r>
+              <a:rPr lang="en-US" sz="2400" dirty="0">
+                <a:solidFill>
+                  <a:srgbClr val="FF0000"/>
+                </a:solidFill>
+                <a:latin typeface="Consolas" panose="020B0609020204030204" pitchFamily="49" charset="0"/>
+              </a:rPr>
+              <a:t>'</a:t>
+            </a:r>
+            <a:endParaRPr lang="en-US" sz="2400" dirty="0">
+              <a:solidFill>
+                <a:srgbClr val="000000"/>
+              </a:solidFill>
+              <a:latin typeface="Consolas" panose="020B0609020204030204" pitchFamily="49" charset="0"/>
+            </a:endParaRPr>
+          </a:p>
+          <a:p>
+            <a:endParaRPr lang="en-US" sz="2400" dirty="0">
+              <a:solidFill>
+                <a:srgbClr val="000000"/>
+              </a:solidFill>
+              <a:latin typeface="Consolas" panose="020B0609020204030204" pitchFamily="49" charset="0"/>
+            </a:endParaRPr>
+          </a:p>
+          <a:p>
+            <a:pPr marL="0" indent="0">
+              <a:buNone/>
+            </a:pPr>
+            <a:r>
+              <a:rPr lang="en-US" sz="2400" dirty="0">
+                <a:solidFill>
+                  <a:srgbClr val="0000FF"/>
+                </a:solidFill>
+                <a:latin typeface="Consolas" panose="020B0609020204030204" pitchFamily="49" charset="0"/>
+              </a:rPr>
               <a:t>SELECT</a:t>
             </a:r>
             <a:r>
@@ -6695,11 +7044,43 @@
             <a:r>
               <a:rPr lang="en-US" sz="2400" dirty="0">
                 <a:solidFill>
+                  <a:srgbClr val="FF00FF"/>
+                </a:solidFill>
+                <a:latin typeface="Consolas" panose="020B0609020204030204" pitchFamily="49" charset="0"/>
+              </a:rPr>
+              <a:t>TRANSLATE</a:t>
+            </a:r>
+            <a:r>
+              <a:rPr lang="en-US" sz="2400" dirty="0">
+                <a:solidFill>
+                  <a:srgbClr val="808080"/>
+                </a:solidFill>
+                <a:latin typeface="Consolas" panose="020B0609020204030204" pitchFamily="49" charset="0"/>
+              </a:rPr>
+              <a:t>(</a:t>
+            </a:r>
+          </a:p>
+          <a:p>
+            <a:pPr marL="0" indent="0">
+              <a:buNone/>
+            </a:pPr>
+            <a:r>
+              <a:rPr lang="en-US" sz="2400" dirty="0">
+                <a:solidFill>
+                  <a:srgbClr val="808080"/>
+                </a:solidFill>
+                <a:latin typeface="Consolas" panose="020B0609020204030204" pitchFamily="49" charset="0"/>
+              </a:rPr>
+              <a:t>   </a:t>
+            </a:r>
+            <a:r>
+              <a:rPr lang="en-US" sz="2400" dirty="0">
+                <a:solidFill>
                   <a:srgbClr val="FF0000"/>
                 </a:solidFill>
                 <a:latin typeface="Consolas" panose="020B0609020204030204" pitchFamily="49" charset="0"/>
               </a:rPr>
-              <a:t>'banana'</a:t>
+              <a:t>'Hello'</a:t>
             </a:r>
             <a:r>
               <a:rPr lang="en-US" sz="2400" dirty="0">
@@ -6713,6 +7094,98 @@
             <a:r>
               <a:rPr lang="en-US" sz="2400" dirty="0">
                 <a:solidFill>
+                  <a:srgbClr val="FF00FF"/>
+                </a:solidFill>
+                <a:highlight>
+                  <a:srgbClr val="FFFF00"/>
+                </a:highlight>
+                <a:latin typeface="Consolas" panose="020B0609020204030204" pitchFamily="49" charset="0"/>
+              </a:rPr>
+              <a:t>COLLATE</a:t>
+            </a:r>
+            <a:r>
+              <a:rPr lang="en-US" sz="2400" dirty="0">
+                <a:solidFill>
+                  <a:srgbClr val="000000"/>
+                </a:solidFill>
+                <a:highlight>
+                  <a:srgbClr val="FFFF00"/>
+                </a:highlight>
+                <a:latin typeface="Consolas" panose="020B0609020204030204" pitchFamily="49" charset="0"/>
+              </a:rPr>
+              <a:t> Latin1_General_CS_AS</a:t>
+            </a:r>
+          </a:p>
+          <a:p>
+            <a:pPr marL="0" indent="0">
+              <a:buNone/>
+            </a:pPr>
+            <a:r>
+              <a:rPr lang="en-US" sz="2400" dirty="0">
+                <a:solidFill>
+                  <a:srgbClr val="000000"/>
+                </a:solidFill>
+                <a:latin typeface="Consolas" panose="020B0609020204030204" pitchFamily="49" charset="0"/>
+              </a:rPr>
+              <a:t>   </a:t>
+            </a:r>
+            <a:r>
+              <a:rPr lang="en-US" sz="2400" dirty="0">
+                <a:solidFill>
+                  <a:srgbClr val="808080"/>
+                </a:solidFill>
+                <a:latin typeface="Consolas" panose="020B0609020204030204" pitchFamily="49" charset="0"/>
+              </a:rPr>
+              <a:t>,</a:t>
+            </a:r>
+            <a:r>
+              <a:rPr lang="en-US" sz="2400" dirty="0">
+                <a:solidFill>
+                  <a:srgbClr val="000000"/>
+                </a:solidFill>
+                <a:latin typeface="Consolas" panose="020B0609020204030204" pitchFamily="49" charset="0"/>
+              </a:rPr>
+              <a:t> @_beforemap</a:t>
+            </a:r>
+            <a:r>
+              <a:rPr lang="en-US" sz="2400" dirty="0">
+                <a:solidFill>
+                  <a:srgbClr val="808080"/>
+                </a:solidFill>
+                <a:latin typeface="Consolas" panose="020B0609020204030204" pitchFamily="49" charset="0"/>
+              </a:rPr>
+              <a:t>,</a:t>
+            </a:r>
+            <a:r>
+              <a:rPr lang="en-US" sz="2400" dirty="0">
+                <a:solidFill>
+                  <a:srgbClr val="000000"/>
+                </a:solidFill>
+                <a:latin typeface="Consolas" panose="020B0609020204030204" pitchFamily="49" charset="0"/>
+              </a:rPr>
+              <a:t> @_aftermap</a:t>
+            </a:r>
+            <a:r>
+              <a:rPr lang="en-US" sz="2400" dirty="0">
+                <a:solidFill>
+                  <a:srgbClr val="808080"/>
+                </a:solidFill>
+                <a:latin typeface="Consolas" panose="020B0609020204030204" pitchFamily="49" charset="0"/>
+              </a:rPr>
+              <a:t>)</a:t>
+            </a:r>
+            <a:r>
+              <a:rPr lang="en-US" sz="2400" dirty="0">
+                <a:solidFill>
+                  <a:srgbClr val="000000"/>
+                </a:solidFill>
+                <a:latin typeface="Consolas" panose="020B0609020204030204" pitchFamily="49" charset="0"/>
+              </a:rPr>
+              <a:t> </a:t>
+            </a:r>
+            <a:r>
+              <a:rPr lang="en-US" sz="2400" dirty="0">
+                <a:solidFill>
                   <a:srgbClr val="0000FF"/>
                 </a:solidFill>
                 <a:latin typeface="Consolas" panose="020B0609020204030204" pitchFamily="49" charset="0"/>
@@ -6728,1971 +7201,192 @@
               </a:rPr>
               <a:t> [Value]</a:t>
             </a:r>
+          </a:p>
+          <a:p>
+            <a:pPr marL="0" indent="0">
+              <a:buNone/>
+            </a:pPr>
+            <a:endParaRPr lang="en-US" sz="2400" dirty="0">
+              <a:solidFill>
+                <a:srgbClr val="000000"/>
+              </a:solidFill>
+              <a:latin typeface="Consolas" panose="020B0609020204030204" pitchFamily="49" charset="0"/>
+            </a:endParaRPr>
+          </a:p>
+          <a:p>
+            <a:pPr marL="0" indent="0">
+              <a:buNone/>
+            </a:pPr>
+            <a:r>
+              <a:rPr lang="en-US" sz="2400" dirty="0">
+                <a:solidFill>
+                  <a:srgbClr val="0000FF"/>
+                </a:solidFill>
+                <a:latin typeface="Consolas" panose="020B0609020204030204" pitchFamily="49" charset="0"/>
+              </a:rPr>
+              <a:t>SELECT</a:t>
+            </a:r>
+            <a:r>
+              <a:rPr lang="en-US" sz="2400" dirty="0">
+                <a:solidFill>
+                  <a:srgbClr val="000000"/>
+                </a:solidFill>
+                <a:latin typeface="Consolas" panose="020B0609020204030204" pitchFamily="49" charset="0"/>
+              </a:rPr>
+              <a:t> </a:t>
+            </a:r>
+            <a:r>
+              <a:rPr lang="en-US" sz="2400" dirty="0">
+                <a:solidFill>
+                  <a:srgbClr val="FF00FF"/>
+                </a:solidFill>
+                <a:latin typeface="Consolas" panose="020B0609020204030204" pitchFamily="49" charset="0"/>
+              </a:rPr>
+              <a:t>TRANSLATE</a:t>
+            </a:r>
+            <a:r>
+              <a:rPr lang="en-US" sz="2400" dirty="0">
+                <a:solidFill>
+                  <a:srgbClr val="808080"/>
+                </a:solidFill>
+                <a:latin typeface="Consolas" panose="020B0609020204030204" pitchFamily="49" charset="0"/>
+              </a:rPr>
+              <a:t>(</a:t>
+            </a:r>
+          </a:p>
+          <a:p>
+            <a:pPr marL="0" indent="0">
+              <a:buNone/>
+            </a:pPr>
+            <a:r>
+              <a:rPr lang="en-US" sz="2400" dirty="0">
+                <a:solidFill>
+                  <a:srgbClr val="808080"/>
+                </a:solidFill>
+                <a:latin typeface="Consolas" panose="020B0609020204030204" pitchFamily="49" charset="0"/>
+              </a:rPr>
+              <a:t>   </a:t>
+            </a:r>
+            <a:r>
+              <a:rPr lang="en-US" sz="2400" dirty="0">
+                <a:solidFill>
+                  <a:srgbClr val="FF0000"/>
+                </a:solidFill>
+                <a:latin typeface="Consolas" panose="020B0609020204030204" pitchFamily="49" charset="0"/>
+              </a:rPr>
+              <a:t>'Hello'</a:t>
+            </a:r>
+            <a:endParaRPr lang="en-US" sz="2400" dirty="0">
+              <a:solidFill>
+                <a:srgbClr val="000000"/>
+              </a:solidFill>
+              <a:highlight>
+                <a:srgbClr val="FFFF00"/>
+              </a:highlight>
+              <a:latin typeface="Consolas" panose="020B0609020204030204" pitchFamily="49" charset="0"/>
+            </a:endParaRPr>
+          </a:p>
+          <a:p>
+            <a:pPr marL="0" indent="0">
+              <a:buNone/>
+            </a:pPr>
+            <a:r>
+              <a:rPr lang="en-US" sz="2400" dirty="0">
+                <a:solidFill>
+                  <a:srgbClr val="000000"/>
+                </a:solidFill>
+                <a:latin typeface="Consolas" panose="020B0609020204030204" pitchFamily="49" charset="0"/>
+              </a:rPr>
+              <a:t>   </a:t>
+            </a:r>
+            <a:r>
+              <a:rPr lang="en-US" sz="2400" dirty="0">
+                <a:solidFill>
+                  <a:srgbClr val="808080"/>
+                </a:solidFill>
+                <a:latin typeface="Consolas" panose="020B0609020204030204" pitchFamily="49" charset="0"/>
+              </a:rPr>
+              <a:t>,</a:t>
+            </a:r>
+            <a:r>
+              <a:rPr lang="en-US" sz="2400" dirty="0">
+                <a:solidFill>
+                  <a:srgbClr val="000000"/>
+                </a:solidFill>
+                <a:latin typeface="Consolas" panose="020B0609020204030204" pitchFamily="49" charset="0"/>
+              </a:rPr>
+              <a:t> @_beforemap</a:t>
+            </a:r>
+            <a:r>
+              <a:rPr lang="en-US" sz="2400" dirty="0">
+                <a:solidFill>
+                  <a:srgbClr val="808080"/>
+                </a:solidFill>
+                <a:latin typeface="Consolas" panose="020B0609020204030204" pitchFamily="49" charset="0"/>
+              </a:rPr>
+              <a:t>,</a:t>
+            </a:r>
+            <a:r>
+              <a:rPr lang="en-US" sz="2400" dirty="0">
+                <a:solidFill>
+                  <a:srgbClr val="000000"/>
+                </a:solidFill>
+                <a:latin typeface="Consolas" panose="020B0609020204030204" pitchFamily="49" charset="0"/>
+              </a:rPr>
+              <a:t> @_aftermap</a:t>
+            </a:r>
+            <a:r>
+              <a:rPr lang="en-US" sz="2400" dirty="0">
+                <a:solidFill>
+                  <a:srgbClr val="808080"/>
+                </a:solidFill>
+                <a:latin typeface="Consolas" panose="020B0609020204030204" pitchFamily="49" charset="0"/>
+              </a:rPr>
+              <a:t>)</a:t>
+            </a:r>
+            <a:r>
+              <a:rPr lang="en-US" sz="2400" dirty="0">
+                <a:solidFill>
+                  <a:srgbClr val="000000"/>
+                </a:solidFill>
+                <a:latin typeface="Consolas" panose="020B0609020204030204" pitchFamily="49" charset="0"/>
+              </a:rPr>
+              <a:t> </a:t>
+            </a:r>
+            <a:r>
+              <a:rPr lang="en-US" sz="2400" dirty="0">
+                <a:solidFill>
+                  <a:srgbClr val="0000FF"/>
+                </a:solidFill>
+                <a:latin typeface="Consolas" panose="020B0609020204030204" pitchFamily="49" charset="0"/>
+              </a:rPr>
+              <a:t>AS</a:t>
+            </a:r>
+            <a:r>
+              <a:rPr lang="en-US" sz="2400" dirty="0">
+                <a:solidFill>
+                  <a:srgbClr val="000000"/>
+                </a:solidFill>
+                <a:latin typeface="Consolas" panose="020B0609020204030204" pitchFamily="49" charset="0"/>
+              </a:rPr>
+              <a:t> [Value]</a:t>
+            </a:r>
+            <a:endParaRPr lang="en-US" sz="2400" dirty="0"/>
+          </a:p>
+          <a:p>
+            <a:pPr marL="0" indent="0">
+              <a:buNone/>
+            </a:pPr>
             <a:endParaRPr lang="en-US" sz="2400" dirty="0"/>
           </a:p>
         </p:txBody>
       </p:sp>
-      <p:pic>
-        <p:nvPicPr>
-          <p:cNvPr id="8" name="Picture 7">
+      <p:sp>
+        <p:nvSpPr>
+          <p:cNvPr id="16" name="TextBox 15">
             <a:extLst>
               <a:ext uri="{FF2B5EF4-FFF2-40B4-BE49-F238E27FC236}">
-                <a16:creationId xmlns:a16="http://schemas.microsoft.com/office/drawing/2014/main" id="{547E5549-7A3C-189B-9A4A-2B6D4C065F12}"/>
-              </a:ext>
-            </a:extLst>
-          </p:cNvPr>
-          <p:cNvPicPr>
-            <a:picLocks noChangeAspect="1"/>
-          </p:cNvPicPr>
-          <p:nvPr/>
-        </p:nvPicPr>
-        <p:blipFill>
-          <a:blip r:embed="rId3"/>
-          <a:stretch>
-            <a:fillRect/>
-          </a:stretch>
-        </p:blipFill>
-        <p:spPr>
-          <a:xfrm>
-            <a:off x="9044438" y="4921989"/>
-            <a:ext cx="2181494" cy="1055562"/>
-          </a:xfrm>
-          <a:prstGeom prst="rect">
-            <a:avLst/>
-          </a:prstGeom>
-        </p:spPr>
-      </p:pic>
-      <p:grpSp>
-        <p:nvGrpSpPr>
-          <p:cNvPr id="10" name="Group 9">
-            <a:extLst>
-              <a:ext uri="{FF2B5EF4-FFF2-40B4-BE49-F238E27FC236}">
-                <a16:creationId xmlns:a16="http://schemas.microsoft.com/office/drawing/2014/main" id="{E952C2CC-6FE3-7F96-DDFF-08F1A408188F}"/>
-              </a:ext>
-            </a:extLst>
-          </p:cNvPr>
-          <p:cNvGrpSpPr/>
-          <p:nvPr/>
-        </p:nvGrpSpPr>
-        <p:grpSpPr>
-          <a:xfrm>
-            <a:off x="1041991" y="2870791"/>
-            <a:ext cx="10339320" cy="3207335"/>
-            <a:chOff x="1041991" y="2870791"/>
-            <a:chExt cx="10339320" cy="3207335"/>
-          </a:xfrm>
-        </p:grpSpPr>
-        <p:pic>
-          <p:nvPicPr>
-            <p:cNvPr id="9" name="Picture 8">
-              <a:extLst>
-                <a:ext uri="{FF2B5EF4-FFF2-40B4-BE49-F238E27FC236}">
-                  <a16:creationId xmlns:a16="http://schemas.microsoft.com/office/drawing/2014/main" id="{BE5209B3-A038-B5D2-79F7-BE7D67731C72}"/>
-                </a:ext>
-              </a:extLst>
-            </p:cNvPr>
-            <p:cNvPicPr>
-              <a:picLocks noChangeAspect="1"/>
-            </p:cNvPicPr>
-            <p:nvPr/>
-          </p:nvPicPr>
-          <p:blipFill>
-            <a:blip r:embed="rId4"/>
-            <a:stretch>
-              <a:fillRect/>
-            </a:stretch>
-          </p:blipFill>
-          <p:spPr>
-            <a:xfrm>
-              <a:off x="9044438" y="4921989"/>
-              <a:ext cx="2336873" cy="1156137"/>
-            </a:xfrm>
-            <a:prstGeom prst="rect">
-              <a:avLst/>
-            </a:prstGeom>
-          </p:spPr>
-        </p:pic>
-        <p:sp>
-          <p:nvSpPr>
-            <p:cNvPr id="6" name="TextBox 5">
-              <a:extLst>
-                <a:ext uri="{FF2B5EF4-FFF2-40B4-BE49-F238E27FC236}">
-                  <a16:creationId xmlns:a16="http://schemas.microsoft.com/office/drawing/2014/main" id="{A0912072-2B09-ACEC-129C-76035BAA936A}"/>
-                </a:ext>
-              </a:extLst>
-            </p:cNvPr>
-            <p:cNvSpPr txBox="1"/>
-            <p:nvPr/>
-          </p:nvSpPr>
-          <p:spPr>
-            <a:xfrm>
-              <a:off x="1041991" y="2870791"/>
-              <a:ext cx="7995683" cy="461665"/>
-            </a:xfrm>
-            <a:prstGeom prst="rect">
-              <a:avLst/>
-            </a:prstGeom>
-            <a:solidFill>
-              <a:schemeClr val="bg1"/>
-            </a:solidFill>
-          </p:spPr>
-          <p:txBody>
-            <a:bodyPr wrap="square" rtlCol="0">
-              <a:spAutoFit/>
-            </a:bodyPr>
-            <a:lstStyle/>
-            <a:p>
-              <a:r>
-                <a:rPr lang="en-US" sz="2400" dirty="0">
-                  <a:solidFill>
-                    <a:srgbClr val="0000FF"/>
-                  </a:solidFill>
-                  <a:latin typeface="Consolas" panose="020B0609020204030204" pitchFamily="49" charset="0"/>
-                </a:rPr>
-                <a:t>SELECT</a:t>
-              </a:r>
-              <a:r>
-                <a:rPr lang="en-US" sz="2400" dirty="0">
-                  <a:solidFill>
-                    <a:srgbClr val="000000"/>
-                  </a:solidFill>
-                  <a:latin typeface="Consolas" panose="020B0609020204030204" pitchFamily="49" charset="0"/>
-                </a:rPr>
-                <a:t> </a:t>
-              </a:r>
-              <a:r>
-                <a:rPr lang="en-US" sz="2400" dirty="0">
-                  <a:solidFill>
-                    <a:srgbClr val="FF00FF"/>
-                  </a:solidFill>
-                  <a:latin typeface="Consolas" panose="020B0609020204030204" pitchFamily="49" charset="0"/>
-                </a:rPr>
-                <a:t>REPLACE</a:t>
-              </a:r>
-              <a:r>
-                <a:rPr lang="en-US" sz="2400" dirty="0">
-                  <a:solidFill>
-                    <a:srgbClr val="808080"/>
-                  </a:solidFill>
-                  <a:latin typeface="Consolas" panose="020B0609020204030204" pitchFamily="49" charset="0"/>
-                </a:rPr>
-                <a:t>(</a:t>
-              </a:r>
-              <a:r>
-                <a:rPr lang="en-US" sz="2400" dirty="0">
-                  <a:solidFill>
-                    <a:srgbClr val="FF0000"/>
-                  </a:solidFill>
-                  <a:latin typeface="Consolas" panose="020B0609020204030204" pitchFamily="49" charset="0"/>
-                </a:rPr>
-                <a:t>'banana'</a:t>
-              </a:r>
-              <a:r>
-                <a:rPr lang="en-US" sz="2400" dirty="0">
-                  <a:solidFill>
-                    <a:srgbClr val="808080"/>
-                  </a:solidFill>
-                  <a:latin typeface="Consolas" panose="020B0609020204030204" pitchFamily="49" charset="0"/>
-                </a:rPr>
-                <a:t>,</a:t>
-              </a:r>
-              <a:r>
-                <a:rPr lang="en-US" sz="2400" dirty="0">
-                  <a:solidFill>
-                    <a:srgbClr val="000000"/>
-                  </a:solidFill>
-                  <a:latin typeface="Consolas" panose="020B0609020204030204" pitchFamily="49" charset="0"/>
-                </a:rPr>
-                <a:t> </a:t>
-              </a:r>
-              <a:r>
-                <a:rPr lang="en-US" sz="2400" dirty="0">
-                  <a:solidFill>
-                    <a:srgbClr val="FF0000"/>
-                  </a:solidFill>
-                  <a:latin typeface="Consolas" panose="020B0609020204030204" pitchFamily="49" charset="0"/>
-                </a:rPr>
-                <a:t>'b'</a:t>
-              </a:r>
-              <a:r>
-                <a:rPr lang="en-US" sz="2400" dirty="0">
-                  <a:solidFill>
-                    <a:srgbClr val="808080"/>
-                  </a:solidFill>
-                  <a:latin typeface="Consolas" panose="020B0609020204030204" pitchFamily="49" charset="0"/>
-                </a:rPr>
-                <a:t>,</a:t>
-              </a:r>
-              <a:r>
-                <a:rPr lang="en-US" sz="2400" dirty="0">
-                  <a:solidFill>
-                    <a:srgbClr val="000000"/>
-                  </a:solidFill>
-                  <a:latin typeface="Consolas" panose="020B0609020204030204" pitchFamily="49" charset="0"/>
-                </a:rPr>
-                <a:t> </a:t>
-              </a:r>
-              <a:r>
-                <a:rPr lang="en-US" sz="2400" dirty="0">
-                  <a:solidFill>
-                    <a:srgbClr val="FF0000"/>
-                  </a:solidFill>
-                  <a:latin typeface="Consolas" panose="020B0609020204030204" pitchFamily="49" charset="0"/>
-                </a:rPr>
-                <a:t>'o'</a:t>
-              </a:r>
-              <a:r>
-                <a:rPr lang="en-US" sz="2400" dirty="0">
-                  <a:solidFill>
-                    <a:srgbClr val="808080"/>
-                  </a:solidFill>
-                  <a:latin typeface="Consolas" panose="020B0609020204030204" pitchFamily="49" charset="0"/>
-                </a:rPr>
-                <a:t>)</a:t>
-              </a:r>
-              <a:r>
-                <a:rPr lang="en-US" sz="2400" dirty="0">
-                  <a:solidFill>
-                    <a:srgbClr val="000000"/>
-                  </a:solidFill>
-                  <a:latin typeface="Consolas" panose="020B0609020204030204" pitchFamily="49" charset="0"/>
-                </a:rPr>
-                <a:t> </a:t>
-              </a:r>
-              <a:r>
-                <a:rPr lang="en-US" sz="2400" dirty="0">
-                  <a:solidFill>
-                    <a:srgbClr val="0000FF"/>
-                  </a:solidFill>
-                  <a:latin typeface="Consolas" panose="020B0609020204030204" pitchFamily="49" charset="0"/>
-                </a:rPr>
-                <a:t>AS</a:t>
-              </a:r>
-              <a:r>
-                <a:rPr lang="en-US" sz="2400" dirty="0">
-                  <a:solidFill>
-                    <a:srgbClr val="000000"/>
-                  </a:solidFill>
-                  <a:latin typeface="Consolas" panose="020B0609020204030204" pitchFamily="49" charset="0"/>
-                </a:rPr>
-                <a:t> [Value]</a:t>
-              </a:r>
-              <a:endParaRPr lang="en-US" sz="2400" dirty="0"/>
-            </a:p>
-          </p:txBody>
-        </p:sp>
-      </p:grpSp>
-      <p:grpSp>
-        <p:nvGrpSpPr>
-          <p:cNvPr id="13" name="Group 12">
-            <a:extLst>
-              <a:ext uri="{FF2B5EF4-FFF2-40B4-BE49-F238E27FC236}">
-                <a16:creationId xmlns:a16="http://schemas.microsoft.com/office/drawing/2014/main" id="{6D409912-25E1-6C91-3AA6-708A568CC084}"/>
-              </a:ext>
-            </a:extLst>
-          </p:cNvPr>
-          <p:cNvGrpSpPr/>
-          <p:nvPr/>
-        </p:nvGrpSpPr>
-        <p:grpSpPr>
-          <a:xfrm>
-            <a:off x="1047174" y="2870791"/>
-            <a:ext cx="10254485" cy="3151450"/>
-            <a:chOff x="1047174" y="2870791"/>
-            <a:chExt cx="10254485" cy="3151450"/>
-          </a:xfrm>
-        </p:grpSpPr>
-        <p:sp>
-          <p:nvSpPr>
-            <p:cNvPr id="11" name="TextBox 10">
-              <a:extLst>
-                <a:ext uri="{FF2B5EF4-FFF2-40B4-BE49-F238E27FC236}">
-                  <a16:creationId xmlns:a16="http://schemas.microsoft.com/office/drawing/2014/main" id="{51884787-2FDC-2E6A-5B17-1C7A2A2DBC38}"/>
-                </a:ext>
-              </a:extLst>
-            </p:cNvPr>
-            <p:cNvSpPr txBox="1"/>
-            <p:nvPr/>
-          </p:nvSpPr>
-          <p:spPr>
-            <a:xfrm>
-              <a:off x="1047174" y="2870791"/>
-              <a:ext cx="7873409" cy="1569660"/>
-            </a:xfrm>
-            <a:prstGeom prst="rect">
-              <a:avLst/>
-            </a:prstGeom>
-            <a:solidFill>
-              <a:schemeClr val="bg1"/>
-            </a:solidFill>
-          </p:spPr>
-          <p:txBody>
-            <a:bodyPr wrap="square" rtlCol="0">
-              <a:spAutoFit/>
-            </a:bodyPr>
-            <a:lstStyle/>
-            <a:p>
-              <a:r>
-                <a:rPr lang="en-US" sz="2400" dirty="0">
-                  <a:solidFill>
-                    <a:srgbClr val="0000FF"/>
-                  </a:solidFill>
-                  <a:latin typeface="Consolas" panose="020B0609020204030204" pitchFamily="49" charset="0"/>
-                </a:rPr>
-                <a:t>SELECT</a:t>
-              </a:r>
-              <a:r>
-                <a:rPr lang="en-US" sz="2400" dirty="0">
-                  <a:solidFill>
-                    <a:srgbClr val="000000"/>
-                  </a:solidFill>
-                  <a:latin typeface="Consolas" panose="020B0609020204030204" pitchFamily="49" charset="0"/>
-                </a:rPr>
-                <a:t> </a:t>
-              </a:r>
-              <a:r>
-                <a:rPr lang="en-US" sz="2400" dirty="0">
-                  <a:solidFill>
-                    <a:srgbClr val="FF00FF"/>
-                  </a:solidFill>
-                  <a:latin typeface="Consolas" panose="020B0609020204030204" pitchFamily="49" charset="0"/>
-                </a:rPr>
-                <a:t>REPLACE</a:t>
-              </a:r>
-              <a:r>
-                <a:rPr lang="en-US" sz="2400" dirty="0">
-                  <a:solidFill>
-                    <a:srgbClr val="808080"/>
-                  </a:solidFill>
-                  <a:latin typeface="Consolas" panose="020B0609020204030204" pitchFamily="49" charset="0"/>
-                </a:rPr>
-                <a:t>(</a:t>
-              </a:r>
-              <a:endParaRPr lang="en-US" sz="2400" dirty="0">
-                <a:solidFill>
-                  <a:srgbClr val="000000"/>
-                </a:solidFill>
-                <a:latin typeface="Consolas" panose="020B0609020204030204" pitchFamily="49" charset="0"/>
-              </a:endParaRPr>
-            </a:p>
-            <a:p>
-              <a:r>
-                <a:rPr lang="en-US" sz="2400" dirty="0">
-                  <a:solidFill>
-                    <a:srgbClr val="FF00FF"/>
-                  </a:solidFill>
-                  <a:latin typeface="Consolas" panose="020B0609020204030204" pitchFamily="49" charset="0"/>
-                </a:rPr>
-                <a:t>  REPLACE</a:t>
-              </a:r>
-              <a:r>
-                <a:rPr lang="en-US" sz="2400" dirty="0">
-                  <a:solidFill>
-                    <a:srgbClr val="808080"/>
-                  </a:solidFill>
-                  <a:latin typeface="Consolas" panose="020B0609020204030204" pitchFamily="49" charset="0"/>
-                </a:rPr>
-                <a:t>(</a:t>
-              </a:r>
-              <a:r>
-                <a:rPr lang="en-US" sz="2400" dirty="0">
-                  <a:solidFill>
-                    <a:srgbClr val="FF0000"/>
-                  </a:solidFill>
-                  <a:latin typeface="Consolas" panose="020B0609020204030204" pitchFamily="49" charset="0"/>
-                </a:rPr>
-                <a:t>'banana'</a:t>
-              </a:r>
-              <a:r>
-                <a:rPr lang="en-US" sz="2400" dirty="0">
-                  <a:solidFill>
-                    <a:srgbClr val="808080"/>
-                  </a:solidFill>
-                  <a:latin typeface="Consolas" panose="020B0609020204030204" pitchFamily="49" charset="0"/>
-                </a:rPr>
-                <a:t>,</a:t>
-              </a:r>
-              <a:r>
-                <a:rPr lang="en-US" sz="2400" dirty="0">
-                  <a:solidFill>
-                    <a:srgbClr val="000000"/>
-                  </a:solidFill>
-                  <a:latin typeface="Consolas" panose="020B0609020204030204" pitchFamily="49" charset="0"/>
-                </a:rPr>
-                <a:t> </a:t>
-              </a:r>
-              <a:r>
-                <a:rPr lang="en-US" sz="2400" dirty="0">
-                  <a:solidFill>
-                    <a:srgbClr val="FF0000"/>
-                  </a:solidFill>
-                  <a:latin typeface="Consolas" panose="020B0609020204030204" pitchFamily="49" charset="0"/>
-                </a:rPr>
-                <a:t>'a'</a:t>
-              </a:r>
-              <a:r>
-                <a:rPr lang="en-US" sz="2400" dirty="0">
-                  <a:solidFill>
-                    <a:srgbClr val="808080"/>
-                  </a:solidFill>
-                  <a:latin typeface="Consolas" panose="020B0609020204030204" pitchFamily="49" charset="0"/>
-                </a:rPr>
-                <a:t>,</a:t>
-              </a:r>
-              <a:r>
-                <a:rPr lang="en-US" sz="2400" dirty="0">
-                  <a:solidFill>
-                    <a:srgbClr val="000000"/>
-                  </a:solidFill>
-                  <a:latin typeface="Consolas" panose="020B0609020204030204" pitchFamily="49" charset="0"/>
-                </a:rPr>
-                <a:t> </a:t>
-              </a:r>
-              <a:r>
-                <a:rPr lang="en-US" sz="2400" dirty="0">
-                  <a:solidFill>
-                    <a:srgbClr val="FF0000"/>
-                  </a:solidFill>
-                  <a:latin typeface="Consolas" panose="020B0609020204030204" pitchFamily="49" charset="0"/>
-                </a:rPr>
-                <a:t>'n'</a:t>
-              </a:r>
-              <a:r>
-                <a:rPr lang="en-US" sz="2400" dirty="0">
-                  <a:solidFill>
-                    <a:srgbClr val="808080"/>
-                  </a:solidFill>
-                  <a:latin typeface="Consolas" panose="020B0609020204030204" pitchFamily="49" charset="0"/>
-                </a:rPr>
-                <a:t>)</a:t>
-              </a:r>
-              <a:endParaRPr lang="en-US" sz="2400" dirty="0">
-                <a:solidFill>
-                  <a:srgbClr val="000000"/>
-                </a:solidFill>
-                <a:latin typeface="Consolas" panose="020B0609020204030204" pitchFamily="49" charset="0"/>
-              </a:endParaRPr>
-            </a:p>
-            <a:p>
-              <a:r>
-                <a:rPr lang="en-US" sz="2400" dirty="0">
-                  <a:solidFill>
-                    <a:srgbClr val="808080"/>
-                  </a:solidFill>
-                  <a:latin typeface="Consolas" panose="020B0609020204030204" pitchFamily="49" charset="0"/>
-                </a:rPr>
-                <a:t>  ,</a:t>
-              </a:r>
-              <a:r>
-                <a:rPr lang="en-US" sz="2400" dirty="0">
-                  <a:solidFill>
-                    <a:srgbClr val="000000"/>
-                  </a:solidFill>
-                  <a:latin typeface="Consolas" panose="020B0609020204030204" pitchFamily="49" charset="0"/>
-                </a:rPr>
-                <a:t> </a:t>
-              </a:r>
-              <a:r>
-                <a:rPr lang="en-US" sz="2400" dirty="0">
-                  <a:solidFill>
-                    <a:srgbClr val="FF0000"/>
-                  </a:solidFill>
-                  <a:latin typeface="Consolas" panose="020B0609020204030204" pitchFamily="49" charset="0"/>
-                </a:rPr>
-                <a:t>'b'</a:t>
-              </a:r>
-              <a:r>
-                <a:rPr lang="en-US" sz="2400" dirty="0">
-                  <a:solidFill>
-                    <a:srgbClr val="808080"/>
-                  </a:solidFill>
-                  <a:latin typeface="Consolas" panose="020B0609020204030204" pitchFamily="49" charset="0"/>
-                </a:rPr>
-                <a:t>,</a:t>
-              </a:r>
-              <a:r>
-                <a:rPr lang="en-US" sz="2400" dirty="0">
-                  <a:solidFill>
-                    <a:srgbClr val="000000"/>
-                  </a:solidFill>
-                  <a:latin typeface="Consolas" panose="020B0609020204030204" pitchFamily="49" charset="0"/>
-                </a:rPr>
-                <a:t> </a:t>
-              </a:r>
-              <a:r>
-                <a:rPr lang="en-US" sz="2400" dirty="0">
-                  <a:solidFill>
-                    <a:srgbClr val="FF0000"/>
-                  </a:solidFill>
-                  <a:latin typeface="Consolas" panose="020B0609020204030204" pitchFamily="49" charset="0"/>
-                </a:rPr>
-                <a:t>'o'</a:t>
-              </a:r>
-              <a:endParaRPr lang="en-US" sz="2400" dirty="0">
-                <a:solidFill>
-                  <a:srgbClr val="000000"/>
-                </a:solidFill>
-                <a:latin typeface="Consolas" panose="020B0609020204030204" pitchFamily="49" charset="0"/>
-              </a:endParaRPr>
-            </a:p>
-            <a:p>
-              <a:r>
-                <a:rPr lang="en-US" sz="2400" dirty="0">
-                  <a:solidFill>
-                    <a:srgbClr val="808080"/>
-                  </a:solidFill>
-                  <a:latin typeface="Consolas" panose="020B0609020204030204" pitchFamily="49" charset="0"/>
-                </a:rPr>
-                <a:t>)</a:t>
-              </a:r>
-              <a:r>
-                <a:rPr lang="en-US" sz="2400" dirty="0">
-                  <a:solidFill>
-                    <a:srgbClr val="000000"/>
-                  </a:solidFill>
-                  <a:latin typeface="Consolas" panose="020B0609020204030204" pitchFamily="49" charset="0"/>
-                </a:rPr>
-                <a:t> </a:t>
-              </a:r>
-              <a:r>
-                <a:rPr lang="en-US" sz="2400" dirty="0">
-                  <a:solidFill>
-                    <a:srgbClr val="0000FF"/>
-                  </a:solidFill>
-                  <a:latin typeface="Consolas" panose="020B0609020204030204" pitchFamily="49" charset="0"/>
-                </a:rPr>
-                <a:t>AS</a:t>
-              </a:r>
-              <a:r>
-                <a:rPr lang="en-US" sz="2400" dirty="0">
-                  <a:solidFill>
-                    <a:srgbClr val="000000"/>
-                  </a:solidFill>
-                  <a:latin typeface="Consolas" panose="020B0609020204030204" pitchFamily="49" charset="0"/>
-                </a:rPr>
-                <a:t> [Value]</a:t>
-              </a:r>
-              <a:endParaRPr lang="en-US" sz="2400" dirty="0"/>
-            </a:p>
-          </p:txBody>
-        </p:sp>
-        <p:pic>
-          <p:nvPicPr>
-            <p:cNvPr id="12" name="Picture 11">
-              <a:extLst>
-                <a:ext uri="{FF2B5EF4-FFF2-40B4-BE49-F238E27FC236}">
-                  <a16:creationId xmlns:a16="http://schemas.microsoft.com/office/drawing/2014/main" id="{8D997DAB-844D-93EB-8C16-980ABCC6D287}"/>
-                </a:ext>
-              </a:extLst>
-            </p:cNvPr>
-            <p:cNvPicPr>
-              <a:picLocks noChangeAspect="1"/>
-            </p:cNvPicPr>
-            <p:nvPr/>
-          </p:nvPicPr>
-          <p:blipFill>
-            <a:blip r:embed="rId5"/>
-            <a:stretch>
-              <a:fillRect/>
-            </a:stretch>
-          </p:blipFill>
-          <p:spPr>
-            <a:xfrm>
-              <a:off x="9037674" y="4914857"/>
-              <a:ext cx="2263985" cy="1107384"/>
-            </a:xfrm>
-            <a:prstGeom prst="rect">
-              <a:avLst/>
-            </a:prstGeom>
-          </p:spPr>
-        </p:pic>
-      </p:grpSp>
-      <p:grpSp>
-        <p:nvGrpSpPr>
-          <p:cNvPr id="16" name="Group 15">
-            <a:extLst>
-              <a:ext uri="{FF2B5EF4-FFF2-40B4-BE49-F238E27FC236}">
-                <a16:creationId xmlns:a16="http://schemas.microsoft.com/office/drawing/2014/main" id="{3F471292-83FB-2457-6344-BE22B7C45290}"/>
-              </a:ext>
-            </a:extLst>
-          </p:cNvPr>
-          <p:cNvGrpSpPr/>
-          <p:nvPr/>
-        </p:nvGrpSpPr>
-        <p:grpSpPr>
-          <a:xfrm>
-            <a:off x="1041991" y="2870791"/>
-            <a:ext cx="10249595" cy="3186685"/>
-            <a:chOff x="1041991" y="2870791"/>
-            <a:chExt cx="10249595" cy="3186685"/>
-          </a:xfrm>
-        </p:grpSpPr>
-        <p:sp>
-          <p:nvSpPr>
-            <p:cNvPr id="14" name="TextBox 13">
-              <a:extLst>
-                <a:ext uri="{FF2B5EF4-FFF2-40B4-BE49-F238E27FC236}">
-                  <a16:creationId xmlns:a16="http://schemas.microsoft.com/office/drawing/2014/main" id="{5B3E3CF1-7832-0B56-06C9-C8B0E081780F}"/>
-                </a:ext>
-              </a:extLst>
-            </p:cNvPr>
-            <p:cNvSpPr txBox="1"/>
-            <p:nvPr/>
-          </p:nvSpPr>
-          <p:spPr>
-            <a:xfrm>
-              <a:off x="1041991" y="2870791"/>
-              <a:ext cx="5233079" cy="1569660"/>
-            </a:xfrm>
-            <a:prstGeom prst="rect">
-              <a:avLst/>
-            </a:prstGeom>
-            <a:solidFill>
-              <a:schemeClr val="bg1"/>
-            </a:solidFill>
-          </p:spPr>
-          <p:txBody>
-            <a:bodyPr wrap="square" rtlCol="0">
-              <a:spAutoFit/>
-            </a:bodyPr>
-            <a:lstStyle/>
-            <a:p>
-              <a:r>
-                <a:rPr lang="en-US" sz="2400" dirty="0">
-                  <a:solidFill>
-                    <a:srgbClr val="0000FF"/>
-                  </a:solidFill>
-                  <a:latin typeface="Consolas" panose="020B0609020204030204" pitchFamily="49" charset="0"/>
-                </a:rPr>
-                <a:t>SELECT</a:t>
-              </a:r>
-              <a:r>
-                <a:rPr lang="en-US" sz="2400" dirty="0">
-                  <a:solidFill>
-                    <a:srgbClr val="000000"/>
-                  </a:solidFill>
-                  <a:latin typeface="Consolas" panose="020B0609020204030204" pitchFamily="49" charset="0"/>
-                </a:rPr>
-                <a:t> </a:t>
-              </a:r>
-              <a:r>
-                <a:rPr lang="en-US" sz="2400" dirty="0">
-                  <a:solidFill>
-                    <a:srgbClr val="FF00FF"/>
-                  </a:solidFill>
-                  <a:latin typeface="Consolas" panose="020B0609020204030204" pitchFamily="49" charset="0"/>
-                </a:rPr>
-                <a:t>REPLACE</a:t>
-              </a:r>
-              <a:r>
-                <a:rPr lang="en-US" sz="2400" dirty="0">
-                  <a:solidFill>
-                    <a:srgbClr val="808080"/>
-                  </a:solidFill>
-                  <a:latin typeface="Consolas" panose="020B0609020204030204" pitchFamily="49" charset="0"/>
-                </a:rPr>
-                <a:t>(</a:t>
-              </a:r>
-              <a:endParaRPr lang="en-US" sz="2400" dirty="0">
-                <a:solidFill>
-                  <a:srgbClr val="000000"/>
-                </a:solidFill>
-                <a:latin typeface="Consolas" panose="020B0609020204030204" pitchFamily="49" charset="0"/>
-              </a:endParaRPr>
-            </a:p>
-            <a:p>
-              <a:r>
-                <a:rPr lang="en-US" sz="2400" dirty="0">
-                  <a:solidFill>
-                    <a:srgbClr val="FF00FF"/>
-                  </a:solidFill>
-                  <a:latin typeface="Consolas" panose="020B0609020204030204" pitchFamily="49" charset="0"/>
-                </a:rPr>
-                <a:t>  REPLACE</a:t>
-              </a:r>
-              <a:r>
-                <a:rPr lang="en-US" sz="2400" dirty="0">
-                  <a:solidFill>
-                    <a:srgbClr val="808080"/>
-                  </a:solidFill>
-                  <a:latin typeface="Consolas" panose="020B0609020204030204" pitchFamily="49" charset="0"/>
-                </a:rPr>
-                <a:t>(</a:t>
-              </a:r>
-              <a:r>
-                <a:rPr lang="en-US" sz="2400" dirty="0">
-                  <a:solidFill>
-                    <a:srgbClr val="FF0000"/>
-                  </a:solidFill>
-                  <a:latin typeface="Consolas" panose="020B0609020204030204" pitchFamily="49" charset="0"/>
-                </a:rPr>
-                <a:t>'banana'</a:t>
-              </a:r>
-              <a:r>
-                <a:rPr lang="en-US" sz="2400" dirty="0">
-                  <a:solidFill>
-                    <a:srgbClr val="808080"/>
-                  </a:solidFill>
-                  <a:latin typeface="Consolas" panose="020B0609020204030204" pitchFamily="49" charset="0"/>
-                </a:rPr>
-                <a:t>,</a:t>
-              </a:r>
-              <a:r>
-                <a:rPr lang="en-US" sz="2400" dirty="0">
-                  <a:solidFill>
-                    <a:srgbClr val="000000"/>
-                  </a:solidFill>
-                  <a:latin typeface="Consolas" panose="020B0609020204030204" pitchFamily="49" charset="0"/>
-                </a:rPr>
-                <a:t> </a:t>
-              </a:r>
-              <a:r>
-                <a:rPr lang="en-US" sz="2400" dirty="0">
-                  <a:solidFill>
-                    <a:srgbClr val="FF0000"/>
-                  </a:solidFill>
-                  <a:latin typeface="Consolas" panose="020B0609020204030204" pitchFamily="49" charset="0"/>
-                </a:rPr>
-                <a:t>'a'</a:t>
-              </a:r>
-              <a:r>
-                <a:rPr lang="en-US" sz="2400" dirty="0">
-                  <a:solidFill>
-                    <a:srgbClr val="808080"/>
-                  </a:solidFill>
-                  <a:latin typeface="Consolas" panose="020B0609020204030204" pitchFamily="49" charset="0"/>
-                </a:rPr>
-                <a:t>,</a:t>
-              </a:r>
-              <a:r>
-                <a:rPr lang="en-US" sz="2400" dirty="0">
-                  <a:solidFill>
-                    <a:srgbClr val="000000"/>
-                  </a:solidFill>
-                  <a:latin typeface="Consolas" panose="020B0609020204030204" pitchFamily="49" charset="0"/>
-                </a:rPr>
-                <a:t> </a:t>
-              </a:r>
-              <a:r>
-                <a:rPr lang="en-US" sz="2400" dirty="0">
-                  <a:solidFill>
-                    <a:srgbClr val="FF0000"/>
-                  </a:solidFill>
-                  <a:latin typeface="Consolas" panose="020B0609020204030204" pitchFamily="49" charset="0"/>
-                </a:rPr>
-                <a:t>'•'</a:t>
-              </a:r>
-              <a:r>
-                <a:rPr lang="en-US" sz="2400" dirty="0">
-                  <a:solidFill>
-                    <a:srgbClr val="808080"/>
-                  </a:solidFill>
-                  <a:latin typeface="Consolas" panose="020B0609020204030204" pitchFamily="49" charset="0"/>
-                </a:rPr>
-                <a:t>)</a:t>
-              </a:r>
-              <a:endParaRPr lang="en-US" sz="2400" dirty="0">
-                <a:solidFill>
-                  <a:srgbClr val="000000"/>
-                </a:solidFill>
-                <a:latin typeface="Consolas" panose="020B0609020204030204" pitchFamily="49" charset="0"/>
-              </a:endParaRPr>
-            </a:p>
-            <a:p>
-              <a:r>
-                <a:rPr lang="en-US" sz="2400" dirty="0">
-                  <a:solidFill>
-                    <a:srgbClr val="808080"/>
-                  </a:solidFill>
-                  <a:latin typeface="Consolas" panose="020B0609020204030204" pitchFamily="49" charset="0"/>
-                </a:rPr>
-                <a:t>  ,</a:t>
-              </a:r>
-              <a:r>
-                <a:rPr lang="en-US" sz="2400" dirty="0">
-                  <a:solidFill>
-                    <a:srgbClr val="000000"/>
-                  </a:solidFill>
-                  <a:latin typeface="Consolas" panose="020B0609020204030204" pitchFamily="49" charset="0"/>
-                </a:rPr>
-                <a:t> </a:t>
-              </a:r>
-              <a:r>
-                <a:rPr lang="en-US" sz="2400" dirty="0">
-                  <a:solidFill>
-                    <a:srgbClr val="FF0000"/>
-                  </a:solidFill>
-                  <a:latin typeface="Consolas" panose="020B0609020204030204" pitchFamily="49" charset="0"/>
-                </a:rPr>
-                <a:t>'b'</a:t>
-              </a:r>
-              <a:r>
-                <a:rPr lang="en-US" sz="2400" dirty="0">
-                  <a:solidFill>
-                    <a:srgbClr val="808080"/>
-                  </a:solidFill>
-                  <a:latin typeface="Consolas" panose="020B0609020204030204" pitchFamily="49" charset="0"/>
-                </a:rPr>
-                <a:t>,</a:t>
-              </a:r>
-              <a:r>
-                <a:rPr lang="en-US" sz="2400" dirty="0">
-                  <a:solidFill>
-                    <a:srgbClr val="000000"/>
-                  </a:solidFill>
-                  <a:latin typeface="Consolas" panose="020B0609020204030204" pitchFamily="49" charset="0"/>
-                </a:rPr>
-                <a:t> </a:t>
-              </a:r>
-              <a:r>
-                <a:rPr lang="en-US" sz="2400" dirty="0">
-                  <a:solidFill>
-                    <a:srgbClr val="FF0000"/>
-                  </a:solidFill>
-                  <a:latin typeface="Consolas" panose="020B0609020204030204" pitchFamily="49" charset="0"/>
-                </a:rPr>
-                <a:t>'o'</a:t>
-              </a:r>
-              <a:endParaRPr lang="en-US" sz="2400" dirty="0">
-                <a:solidFill>
-                  <a:srgbClr val="000000"/>
-                </a:solidFill>
-                <a:latin typeface="Consolas" panose="020B0609020204030204" pitchFamily="49" charset="0"/>
-              </a:endParaRPr>
-            </a:p>
-            <a:p>
-              <a:r>
-                <a:rPr lang="en-US" sz="2400" dirty="0">
-                  <a:solidFill>
-                    <a:srgbClr val="808080"/>
-                  </a:solidFill>
-                  <a:latin typeface="Consolas" panose="020B0609020204030204" pitchFamily="49" charset="0"/>
-                </a:rPr>
-                <a:t>)</a:t>
-              </a:r>
-              <a:r>
-                <a:rPr lang="en-US" sz="2400" dirty="0">
-                  <a:solidFill>
-                    <a:srgbClr val="000000"/>
-                  </a:solidFill>
-                  <a:latin typeface="Consolas" panose="020B0609020204030204" pitchFamily="49" charset="0"/>
-                </a:rPr>
-                <a:t> </a:t>
-              </a:r>
-              <a:r>
-                <a:rPr lang="en-US" sz="2400" dirty="0">
-                  <a:solidFill>
-                    <a:srgbClr val="0000FF"/>
-                  </a:solidFill>
-                  <a:latin typeface="Consolas" panose="020B0609020204030204" pitchFamily="49" charset="0"/>
-                </a:rPr>
-                <a:t>AS</a:t>
-              </a:r>
-              <a:r>
-                <a:rPr lang="en-US" sz="2400" dirty="0">
-                  <a:solidFill>
-                    <a:srgbClr val="000000"/>
-                  </a:solidFill>
-                  <a:latin typeface="Consolas" panose="020B0609020204030204" pitchFamily="49" charset="0"/>
-                </a:rPr>
-                <a:t> [Value]</a:t>
-              </a:r>
-              <a:endParaRPr lang="en-US" sz="2400" dirty="0"/>
-            </a:p>
-          </p:txBody>
-        </p:sp>
-        <p:pic>
-          <p:nvPicPr>
-            <p:cNvPr id="15" name="Picture 14">
-              <a:extLst>
-                <a:ext uri="{FF2B5EF4-FFF2-40B4-BE49-F238E27FC236}">
-                  <a16:creationId xmlns:a16="http://schemas.microsoft.com/office/drawing/2014/main" id="{A3588E27-2D25-C360-DE52-2CF115C388FF}"/>
-                </a:ext>
-              </a:extLst>
-            </p:cNvPr>
-            <p:cNvPicPr>
-              <a:picLocks noChangeAspect="1"/>
-            </p:cNvPicPr>
-            <p:nvPr/>
-          </p:nvPicPr>
-          <p:blipFill>
-            <a:blip r:embed="rId6"/>
-            <a:stretch>
-              <a:fillRect/>
-            </a:stretch>
-          </p:blipFill>
-          <p:spPr>
-            <a:xfrm>
-              <a:off x="9037674" y="4942638"/>
-              <a:ext cx="2253912" cy="1114838"/>
-            </a:xfrm>
-            <a:prstGeom prst="rect">
-              <a:avLst/>
-            </a:prstGeom>
-          </p:spPr>
-        </p:pic>
-      </p:grpSp>
-      <p:grpSp>
-        <p:nvGrpSpPr>
-          <p:cNvPr id="21" name="Group 20">
-            <a:extLst>
-              <a:ext uri="{FF2B5EF4-FFF2-40B4-BE49-F238E27FC236}">
-                <a16:creationId xmlns:a16="http://schemas.microsoft.com/office/drawing/2014/main" id="{A8274E52-B1D7-CCAA-A24F-3C879481E370}"/>
-              </a:ext>
-            </a:extLst>
-          </p:cNvPr>
-          <p:cNvGrpSpPr/>
-          <p:nvPr/>
-        </p:nvGrpSpPr>
-        <p:grpSpPr>
-          <a:xfrm>
-            <a:off x="1041991" y="2881116"/>
-            <a:ext cx="10256359" cy="3117084"/>
-            <a:chOff x="1041991" y="2881116"/>
-            <a:chExt cx="10256359" cy="3117084"/>
-          </a:xfrm>
-        </p:grpSpPr>
-        <p:sp>
-          <p:nvSpPr>
-            <p:cNvPr id="17" name="TextBox 16">
-              <a:extLst>
-                <a:ext uri="{FF2B5EF4-FFF2-40B4-BE49-F238E27FC236}">
-                  <a16:creationId xmlns:a16="http://schemas.microsoft.com/office/drawing/2014/main" id="{D2AE6855-0360-0BE9-B554-534DD183F9D7}"/>
-                </a:ext>
-              </a:extLst>
-            </p:cNvPr>
-            <p:cNvSpPr txBox="1"/>
-            <p:nvPr/>
-          </p:nvSpPr>
-          <p:spPr>
-            <a:xfrm>
-              <a:off x="1041991" y="2881116"/>
-              <a:ext cx="8719229" cy="2308324"/>
-            </a:xfrm>
-            <a:prstGeom prst="rect">
-              <a:avLst/>
-            </a:prstGeom>
-            <a:solidFill>
-              <a:schemeClr val="bg1"/>
-            </a:solidFill>
-          </p:spPr>
-          <p:txBody>
-            <a:bodyPr wrap="square" rtlCol="0">
-              <a:spAutoFit/>
-            </a:bodyPr>
-            <a:lstStyle/>
-            <a:p>
-              <a:r>
-                <a:rPr lang="en-US" sz="2400" dirty="0">
-                  <a:solidFill>
-                    <a:srgbClr val="0000FF"/>
-                  </a:solidFill>
-                  <a:latin typeface="Consolas" panose="020B0609020204030204" pitchFamily="49" charset="0"/>
-                </a:rPr>
-                <a:t>SELECT</a:t>
-              </a:r>
-              <a:r>
-                <a:rPr lang="en-US" sz="2400" dirty="0">
-                  <a:solidFill>
-                    <a:srgbClr val="000000"/>
-                  </a:solidFill>
-                  <a:latin typeface="Consolas" panose="020B0609020204030204" pitchFamily="49" charset="0"/>
-                </a:rPr>
-                <a:t> </a:t>
-              </a:r>
-              <a:r>
-                <a:rPr lang="en-US" sz="2400" dirty="0">
-                  <a:solidFill>
-                    <a:srgbClr val="FF00FF"/>
-                  </a:solidFill>
-                  <a:latin typeface="Consolas" panose="020B0609020204030204" pitchFamily="49" charset="0"/>
-                </a:rPr>
-                <a:t>REPLACE</a:t>
-              </a:r>
-              <a:r>
-                <a:rPr lang="en-US" sz="2400" dirty="0">
-                  <a:solidFill>
-                    <a:srgbClr val="808080"/>
-                  </a:solidFill>
-                  <a:latin typeface="Consolas" panose="020B0609020204030204" pitchFamily="49" charset="0"/>
-                </a:rPr>
-                <a:t>(</a:t>
-              </a:r>
-              <a:endParaRPr lang="en-US" sz="2400" dirty="0">
-                <a:solidFill>
-                  <a:srgbClr val="000000"/>
-                </a:solidFill>
-                <a:latin typeface="Consolas" panose="020B0609020204030204" pitchFamily="49" charset="0"/>
-              </a:endParaRPr>
-            </a:p>
-            <a:p>
-              <a:r>
-                <a:rPr lang="en-US" sz="2400" dirty="0">
-                  <a:solidFill>
-                    <a:srgbClr val="FF00FF"/>
-                  </a:solidFill>
-                  <a:latin typeface="Consolas" panose="020B0609020204030204" pitchFamily="49" charset="0"/>
-                </a:rPr>
-                <a:t>  REPLACE</a:t>
-              </a:r>
-              <a:r>
-                <a:rPr lang="en-US" sz="2400" dirty="0">
-                  <a:solidFill>
-                    <a:srgbClr val="808080"/>
-                  </a:solidFill>
-                  <a:latin typeface="Consolas" panose="020B0609020204030204" pitchFamily="49" charset="0"/>
-                </a:rPr>
-                <a:t>(</a:t>
-              </a:r>
-            </a:p>
-            <a:p>
-              <a:r>
-                <a:rPr lang="en-US" sz="2400" dirty="0">
-                  <a:solidFill>
-                    <a:srgbClr val="808080"/>
-                  </a:solidFill>
-                  <a:latin typeface="Consolas" panose="020B0609020204030204" pitchFamily="49" charset="0"/>
-                </a:rPr>
-                <a:t>    </a:t>
-              </a:r>
-              <a:r>
-                <a:rPr lang="en-US" sz="2400" dirty="0">
-                  <a:solidFill>
-                    <a:srgbClr val="FF00FF"/>
-                  </a:solidFill>
-                  <a:latin typeface="Consolas" panose="020B0609020204030204" pitchFamily="49" charset="0"/>
-                </a:rPr>
-                <a:t>REPLACE</a:t>
-              </a:r>
-              <a:r>
-                <a:rPr lang="en-US" sz="2400" dirty="0">
-                  <a:solidFill>
-                    <a:srgbClr val="808080"/>
-                  </a:solidFill>
-                  <a:latin typeface="Consolas" panose="020B0609020204030204" pitchFamily="49" charset="0"/>
-                </a:rPr>
-                <a:t>(</a:t>
-              </a:r>
-              <a:r>
-                <a:rPr lang="en-US" sz="2400" dirty="0">
-                  <a:solidFill>
-                    <a:srgbClr val="FF0000"/>
-                  </a:solidFill>
-                  <a:latin typeface="Consolas" panose="020B0609020204030204" pitchFamily="49" charset="0"/>
-                </a:rPr>
-                <a:t>'banana'</a:t>
-              </a:r>
-              <a:r>
-                <a:rPr lang="en-US" sz="2400" dirty="0">
-                  <a:solidFill>
-                    <a:srgbClr val="808080"/>
-                  </a:solidFill>
-                  <a:latin typeface="Consolas" panose="020B0609020204030204" pitchFamily="49" charset="0"/>
-                </a:rPr>
-                <a:t>,</a:t>
-              </a:r>
-              <a:r>
-                <a:rPr lang="en-US" sz="2400" dirty="0">
-                  <a:solidFill>
-                    <a:srgbClr val="000000"/>
-                  </a:solidFill>
-                  <a:latin typeface="Consolas" panose="020B0609020204030204" pitchFamily="49" charset="0"/>
-                </a:rPr>
-                <a:t> </a:t>
-              </a:r>
-              <a:r>
-                <a:rPr lang="en-US" sz="2400" dirty="0">
-                  <a:solidFill>
-                    <a:srgbClr val="FF0000"/>
-                  </a:solidFill>
-                  <a:latin typeface="Consolas" panose="020B0609020204030204" pitchFamily="49" charset="0"/>
-                </a:rPr>
-                <a:t>'a'</a:t>
-              </a:r>
-              <a:r>
-                <a:rPr lang="en-US" sz="2400" dirty="0">
-                  <a:solidFill>
-                    <a:srgbClr val="808080"/>
-                  </a:solidFill>
-                  <a:latin typeface="Consolas" panose="020B0609020204030204" pitchFamily="49" charset="0"/>
-                </a:rPr>
-                <a:t>,</a:t>
-              </a:r>
-              <a:r>
-                <a:rPr lang="en-US" sz="2400" dirty="0">
-                  <a:solidFill>
-                    <a:srgbClr val="000000"/>
-                  </a:solidFill>
-                  <a:latin typeface="Consolas" panose="020B0609020204030204" pitchFamily="49" charset="0"/>
-                </a:rPr>
-                <a:t> </a:t>
-              </a:r>
-              <a:r>
-                <a:rPr lang="en-US" sz="2400" dirty="0">
-                  <a:solidFill>
-                    <a:srgbClr val="FF0000"/>
-                  </a:solidFill>
-                  <a:latin typeface="Consolas" panose="020B0609020204030204" pitchFamily="49" charset="0"/>
-                </a:rPr>
-                <a:t>'•'</a:t>
-              </a:r>
-              <a:r>
-                <a:rPr lang="en-US" sz="2400" dirty="0">
-                  <a:solidFill>
-                    <a:srgbClr val="808080"/>
-                  </a:solidFill>
-                  <a:latin typeface="Consolas" panose="020B0609020204030204" pitchFamily="49" charset="0"/>
-                </a:rPr>
-                <a:t>)</a:t>
-              </a:r>
-            </a:p>
-            <a:p>
-              <a:r>
-                <a:rPr lang="en-US" sz="2400" dirty="0">
-                  <a:solidFill>
-                    <a:srgbClr val="808080"/>
-                  </a:solidFill>
-                  <a:latin typeface="Consolas" panose="020B0609020204030204" pitchFamily="49" charset="0"/>
-                </a:rPr>
-                <a:t>     ,</a:t>
-              </a:r>
-              <a:r>
-                <a:rPr lang="en-US" sz="2400" dirty="0">
-                  <a:solidFill>
-                    <a:srgbClr val="000000"/>
-                  </a:solidFill>
-                  <a:latin typeface="Consolas" panose="020B0609020204030204" pitchFamily="49" charset="0"/>
-                </a:rPr>
-                <a:t> </a:t>
-              </a:r>
-              <a:r>
-                <a:rPr lang="en-US" sz="2400" dirty="0">
-                  <a:solidFill>
-                    <a:srgbClr val="FF0000"/>
-                  </a:solidFill>
-                  <a:latin typeface="Consolas" panose="020B0609020204030204" pitchFamily="49" charset="0"/>
-                </a:rPr>
-                <a:t>'n'</a:t>
-              </a:r>
-              <a:r>
-                <a:rPr lang="en-US" sz="2400" dirty="0">
-                  <a:solidFill>
-                    <a:srgbClr val="808080"/>
-                  </a:solidFill>
-                  <a:latin typeface="Consolas" panose="020B0609020204030204" pitchFamily="49" charset="0"/>
-                </a:rPr>
-                <a:t>,</a:t>
-              </a:r>
-              <a:r>
-                <a:rPr lang="en-US" sz="2400" dirty="0">
-                  <a:solidFill>
-                    <a:srgbClr val="000000"/>
-                  </a:solidFill>
-                  <a:latin typeface="Consolas" panose="020B0609020204030204" pitchFamily="49" charset="0"/>
-                </a:rPr>
-                <a:t> </a:t>
-              </a:r>
-              <a:r>
-                <a:rPr lang="en-US" sz="2400" dirty="0">
-                  <a:solidFill>
-                    <a:srgbClr val="FF0000"/>
-                  </a:solidFill>
-                  <a:latin typeface="Consolas" panose="020B0609020204030204" pitchFamily="49" charset="0"/>
-                </a:rPr>
-                <a:t>'a'</a:t>
-              </a:r>
-              <a:r>
-                <a:rPr lang="en-US" sz="2400" dirty="0">
-                  <a:solidFill>
-                    <a:srgbClr val="808080"/>
-                  </a:solidFill>
-                  <a:latin typeface="Consolas" panose="020B0609020204030204" pitchFamily="49" charset="0"/>
-                </a:rPr>
-                <a:t>)</a:t>
-              </a:r>
-              <a:endParaRPr lang="en-US" sz="2400" dirty="0">
-                <a:solidFill>
-                  <a:srgbClr val="000000"/>
-                </a:solidFill>
-                <a:latin typeface="Consolas" panose="020B0609020204030204" pitchFamily="49" charset="0"/>
-              </a:endParaRPr>
-            </a:p>
-            <a:p>
-              <a:r>
-                <a:rPr lang="en-US" sz="2400" dirty="0">
-                  <a:solidFill>
-                    <a:srgbClr val="808080"/>
-                  </a:solidFill>
-                  <a:latin typeface="Consolas" panose="020B0609020204030204" pitchFamily="49" charset="0"/>
-                </a:rPr>
-                <a:t>  ,</a:t>
-              </a:r>
-              <a:r>
-                <a:rPr lang="en-US" sz="2400" dirty="0">
-                  <a:solidFill>
-                    <a:srgbClr val="000000"/>
-                  </a:solidFill>
-                  <a:latin typeface="Consolas" panose="020B0609020204030204" pitchFamily="49" charset="0"/>
-                </a:rPr>
-                <a:t> </a:t>
-              </a:r>
-              <a:r>
-                <a:rPr lang="en-US" sz="2400" dirty="0">
-                  <a:solidFill>
-                    <a:srgbClr val="FF0000"/>
-                  </a:solidFill>
-                  <a:latin typeface="Consolas" panose="020B0609020204030204" pitchFamily="49" charset="0"/>
-                </a:rPr>
-                <a:t>'b'</a:t>
-              </a:r>
-              <a:r>
-                <a:rPr lang="en-US" sz="2400" dirty="0">
-                  <a:solidFill>
-                    <a:srgbClr val="808080"/>
-                  </a:solidFill>
-                  <a:latin typeface="Consolas" panose="020B0609020204030204" pitchFamily="49" charset="0"/>
-                </a:rPr>
-                <a:t>,</a:t>
-              </a:r>
-              <a:r>
-                <a:rPr lang="en-US" sz="2400" dirty="0">
-                  <a:solidFill>
-                    <a:srgbClr val="000000"/>
-                  </a:solidFill>
-                  <a:latin typeface="Consolas" panose="020B0609020204030204" pitchFamily="49" charset="0"/>
-                </a:rPr>
-                <a:t> </a:t>
-              </a:r>
-              <a:r>
-                <a:rPr lang="en-US" sz="2400" dirty="0">
-                  <a:solidFill>
-                    <a:srgbClr val="FF0000"/>
-                  </a:solidFill>
-                  <a:latin typeface="Consolas" panose="020B0609020204030204" pitchFamily="49" charset="0"/>
-                </a:rPr>
-                <a:t>'o'</a:t>
-              </a:r>
-              <a:endParaRPr lang="en-US" sz="2400" dirty="0">
-                <a:solidFill>
-                  <a:srgbClr val="000000"/>
-                </a:solidFill>
-                <a:latin typeface="Consolas" panose="020B0609020204030204" pitchFamily="49" charset="0"/>
-              </a:endParaRPr>
-            </a:p>
-            <a:p>
-              <a:r>
-                <a:rPr lang="en-US" sz="2400" dirty="0">
-                  <a:solidFill>
-                    <a:srgbClr val="808080"/>
-                  </a:solidFill>
-                  <a:latin typeface="Consolas" panose="020B0609020204030204" pitchFamily="49" charset="0"/>
-                </a:rPr>
-                <a:t>)</a:t>
-              </a:r>
-              <a:r>
-                <a:rPr lang="en-US" sz="2400" dirty="0">
-                  <a:solidFill>
-                    <a:srgbClr val="000000"/>
-                  </a:solidFill>
-                  <a:latin typeface="Consolas" panose="020B0609020204030204" pitchFamily="49" charset="0"/>
-                </a:rPr>
-                <a:t> </a:t>
-              </a:r>
-              <a:r>
-                <a:rPr lang="en-US" sz="2400" dirty="0">
-                  <a:solidFill>
-                    <a:srgbClr val="0000FF"/>
-                  </a:solidFill>
-                  <a:latin typeface="Consolas" panose="020B0609020204030204" pitchFamily="49" charset="0"/>
-                </a:rPr>
-                <a:t>AS</a:t>
-              </a:r>
-              <a:r>
-                <a:rPr lang="en-US" sz="2400" dirty="0">
-                  <a:solidFill>
-                    <a:srgbClr val="000000"/>
-                  </a:solidFill>
-                  <a:latin typeface="Consolas" panose="020B0609020204030204" pitchFamily="49" charset="0"/>
-                </a:rPr>
-                <a:t> [Value]</a:t>
-              </a:r>
-              <a:endParaRPr lang="en-US" sz="2400" dirty="0"/>
-            </a:p>
-          </p:txBody>
-        </p:sp>
-        <p:pic>
-          <p:nvPicPr>
-            <p:cNvPr id="20" name="Picture 19">
-              <a:extLst>
-                <a:ext uri="{FF2B5EF4-FFF2-40B4-BE49-F238E27FC236}">
-                  <a16:creationId xmlns:a16="http://schemas.microsoft.com/office/drawing/2014/main" id="{20FA14A6-CB36-1B3B-96B8-FCFC4A8905B2}"/>
-                </a:ext>
-              </a:extLst>
-            </p:cNvPr>
-            <p:cNvPicPr>
-              <a:picLocks noChangeAspect="1"/>
-            </p:cNvPicPr>
-            <p:nvPr/>
-          </p:nvPicPr>
-          <p:blipFill>
-            <a:blip r:embed="rId7"/>
-            <a:stretch>
-              <a:fillRect/>
-            </a:stretch>
-          </p:blipFill>
-          <p:spPr>
-            <a:xfrm>
-              <a:off x="9043286" y="4942638"/>
-              <a:ext cx="2255064" cy="1055562"/>
-            </a:xfrm>
-            <a:prstGeom prst="rect">
-              <a:avLst/>
-            </a:prstGeom>
-          </p:spPr>
-        </p:pic>
-      </p:grpSp>
-      <p:grpSp>
-        <p:nvGrpSpPr>
-          <p:cNvPr id="24" name="Group 23">
-            <a:extLst>
-              <a:ext uri="{FF2B5EF4-FFF2-40B4-BE49-F238E27FC236}">
-                <a16:creationId xmlns:a16="http://schemas.microsoft.com/office/drawing/2014/main" id="{9AD7CB3C-AE7E-7443-1EFC-EFCBF28B8AE1}"/>
-              </a:ext>
-            </a:extLst>
-          </p:cNvPr>
-          <p:cNvGrpSpPr/>
-          <p:nvPr/>
-        </p:nvGrpSpPr>
-        <p:grpSpPr>
-          <a:xfrm>
-            <a:off x="1047174" y="2881116"/>
-            <a:ext cx="10246821" cy="3152809"/>
-            <a:chOff x="1047174" y="2881116"/>
-            <a:chExt cx="10246821" cy="3152809"/>
-          </a:xfrm>
-        </p:grpSpPr>
-        <p:sp>
-          <p:nvSpPr>
-            <p:cNvPr id="22" name="TextBox 21">
-              <a:extLst>
-                <a:ext uri="{FF2B5EF4-FFF2-40B4-BE49-F238E27FC236}">
-                  <a16:creationId xmlns:a16="http://schemas.microsoft.com/office/drawing/2014/main" id="{35318C77-AACA-FDB8-85C1-A00DAFAFFB6D}"/>
-                </a:ext>
-              </a:extLst>
-            </p:cNvPr>
-            <p:cNvSpPr txBox="1"/>
-            <p:nvPr/>
-          </p:nvSpPr>
-          <p:spPr>
-            <a:xfrm>
-              <a:off x="1047174" y="2881116"/>
-              <a:ext cx="9004979" cy="2677656"/>
-            </a:xfrm>
-            <a:prstGeom prst="rect">
-              <a:avLst/>
-            </a:prstGeom>
-            <a:solidFill>
-              <a:schemeClr val="bg1"/>
-            </a:solidFill>
-          </p:spPr>
-          <p:txBody>
-            <a:bodyPr wrap="square" rtlCol="0">
-              <a:spAutoFit/>
-            </a:bodyPr>
-            <a:lstStyle/>
-            <a:p>
-              <a:r>
-                <a:rPr lang="en-US" sz="2400" dirty="0">
-                  <a:solidFill>
-                    <a:srgbClr val="0000FF"/>
-                  </a:solidFill>
-                  <a:latin typeface="Consolas" panose="020B0609020204030204" pitchFamily="49" charset="0"/>
-                </a:rPr>
-                <a:t>SELECT</a:t>
-              </a:r>
-              <a:r>
-                <a:rPr lang="en-US" sz="2400" dirty="0">
-                  <a:solidFill>
-                    <a:srgbClr val="000000"/>
-                  </a:solidFill>
-                  <a:latin typeface="Consolas" panose="020B0609020204030204" pitchFamily="49" charset="0"/>
-                </a:rPr>
-                <a:t> </a:t>
-              </a:r>
-              <a:r>
-                <a:rPr lang="en-US" sz="2400" dirty="0">
-                  <a:solidFill>
-                    <a:srgbClr val="FF00FF"/>
-                  </a:solidFill>
-                  <a:latin typeface="Consolas" panose="020B0609020204030204" pitchFamily="49" charset="0"/>
-                </a:rPr>
-                <a:t>REPLACE</a:t>
-              </a:r>
-              <a:r>
-                <a:rPr lang="en-US" sz="2400" dirty="0">
-                  <a:solidFill>
-                    <a:srgbClr val="808080"/>
-                  </a:solidFill>
-                  <a:latin typeface="Consolas" panose="020B0609020204030204" pitchFamily="49" charset="0"/>
-                </a:rPr>
-                <a:t>(</a:t>
-              </a:r>
-              <a:endParaRPr lang="en-US" sz="2400" dirty="0">
-                <a:solidFill>
-                  <a:srgbClr val="000000"/>
-                </a:solidFill>
-                <a:latin typeface="Consolas" panose="020B0609020204030204" pitchFamily="49" charset="0"/>
-              </a:endParaRPr>
-            </a:p>
-            <a:p>
-              <a:r>
-                <a:rPr lang="en-US" sz="2400" dirty="0">
-                  <a:solidFill>
-                    <a:srgbClr val="FF00FF"/>
-                  </a:solidFill>
-                  <a:latin typeface="Consolas" panose="020B0609020204030204" pitchFamily="49" charset="0"/>
-                </a:rPr>
-                <a:t>    REPLACE</a:t>
-              </a:r>
-              <a:r>
-                <a:rPr lang="en-US" sz="2400" dirty="0">
-                  <a:solidFill>
-                    <a:srgbClr val="808080"/>
-                  </a:solidFill>
-                  <a:latin typeface="Consolas" panose="020B0609020204030204" pitchFamily="49" charset="0"/>
-                </a:rPr>
-                <a:t>(</a:t>
-              </a:r>
-              <a:endParaRPr lang="en-US" sz="2400" dirty="0">
-                <a:solidFill>
-                  <a:srgbClr val="000000"/>
-                </a:solidFill>
-                <a:latin typeface="Consolas" panose="020B0609020204030204" pitchFamily="49" charset="0"/>
-              </a:endParaRPr>
-            </a:p>
-            <a:p>
-              <a:r>
-                <a:rPr lang="en-US" sz="2400" dirty="0">
-                  <a:solidFill>
-                    <a:srgbClr val="FF00FF"/>
-                  </a:solidFill>
-                  <a:latin typeface="Consolas" panose="020B0609020204030204" pitchFamily="49" charset="0"/>
-                </a:rPr>
-                <a:t>      REPLACE</a:t>
-              </a:r>
-              <a:r>
-                <a:rPr lang="en-US" sz="2400" dirty="0">
-                  <a:solidFill>
-                    <a:srgbClr val="808080"/>
-                  </a:solidFill>
-                  <a:latin typeface="Consolas" panose="020B0609020204030204" pitchFamily="49" charset="0"/>
-                </a:rPr>
-                <a:t>(</a:t>
-              </a:r>
-              <a:endParaRPr lang="en-US" sz="2400" dirty="0">
-                <a:solidFill>
-                  <a:srgbClr val="000000"/>
-                </a:solidFill>
-                <a:latin typeface="Consolas" panose="020B0609020204030204" pitchFamily="49" charset="0"/>
-              </a:endParaRPr>
-            </a:p>
-            <a:p>
-              <a:r>
-                <a:rPr lang="en-US" sz="2400" dirty="0">
-                  <a:solidFill>
-                    <a:srgbClr val="FF00FF"/>
-                  </a:solidFill>
-                  <a:latin typeface="Consolas" panose="020B0609020204030204" pitchFamily="49" charset="0"/>
-                </a:rPr>
-                <a:t>        REPLACE</a:t>
-              </a:r>
-              <a:r>
-                <a:rPr lang="en-US" sz="2400" dirty="0">
-                  <a:solidFill>
-                    <a:srgbClr val="808080"/>
-                  </a:solidFill>
-                  <a:latin typeface="Consolas" panose="020B0609020204030204" pitchFamily="49" charset="0"/>
-                </a:rPr>
-                <a:t>(</a:t>
-              </a:r>
-              <a:r>
-                <a:rPr lang="en-US" sz="2400" dirty="0">
-                  <a:solidFill>
-                    <a:srgbClr val="FF0000"/>
-                  </a:solidFill>
-                  <a:latin typeface="Consolas" panose="020B0609020204030204" pitchFamily="49" charset="0"/>
-                </a:rPr>
-                <a:t>'banana'</a:t>
-              </a:r>
-              <a:r>
-                <a:rPr lang="en-US" sz="2400" dirty="0">
-                  <a:solidFill>
-                    <a:srgbClr val="808080"/>
-                  </a:solidFill>
-                  <a:latin typeface="Consolas" panose="020B0609020204030204" pitchFamily="49" charset="0"/>
-                </a:rPr>
-                <a:t>,</a:t>
-              </a:r>
-              <a:r>
-                <a:rPr lang="en-US" sz="2400" dirty="0">
-                  <a:solidFill>
-                    <a:srgbClr val="000000"/>
-                  </a:solidFill>
-                  <a:latin typeface="Consolas" panose="020B0609020204030204" pitchFamily="49" charset="0"/>
-                </a:rPr>
-                <a:t> </a:t>
-              </a:r>
-              <a:r>
-                <a:rPr lang="en-US" sz="2400" dirty="0">
-                  <a:solidFill>
-                    <a:srgbClr val="FF0000"/>
-                  </a:solidFill>
-                  <a:latin typeface="Consolas" panose="020B0609020204030204" pitchFamily="49" charset="0"/>
-                </a:rPr>
-                <a:t>'a'</a:t>
-              </a:r>
-              <a:r>
-                <a:rPr lang="en-US" sz="2400" dirty="0">
-                  <a:solidFill>
-                    <a:srgbClr val="808080"/>
-                  </a:solidFill>
-                  <a:latin typeface="Consolas" panose="020B0609020204030204" pitchFamily="49" charset="0"/>
-                </a:rPr>
-                <a:t>,</a:t>
-              </a:r>
-              <a:r>
-                <a:rPr lang="en-US" sz="2400" dirty="0">
-                  <a:solidFill>
-                    <a:srgbClr val="000000"/>
-                  </a:solidFill>
-                  <a:latin typeface="Consolas" panose="020B0609020204030204" pitchFamily="49" charset="0"/>
-                </a:rPr>
-                <a:t> </a:t>
-              </a:r>
-              <a:r>
-                <a:rPr lang="en-US" sz="2400" dirty="0">
-                  <a:solidFill>
-                    <a:srgbClr val="FF0000"/>
-                  </a:solidFill>
-                  <a:latin typeface="Consolas" panose="020B0609020204030204" pitchFamily="49" charset="0"/>
-                </a:rPr>
-                <a:t>'•'</a:t>
-              </a:r>
-              <a:r>
-                <a:rPr lang="en-US" sz="2400" dirty="0">
-                  <a:solidFill>
-                    <a:srgbClr val="808080"/>
-                  </a:solidFill>
-                  <a:latin typeface="Consolas" panose="020B0609020204030204" pitchFamily="49" charset="0"/>
-                </a:rPr>
-                <a:t>)</a:t>
-              </a:r>
-              <a:endParaRPr lang="en-US" sz="2400" dirty="0">
-                <a:solidFill>
-                  <a:srgbClr val="000000"/>
-                </a:solidFill>
-                <a:latin typeface="Consolas" panose="020B0609020204030204" pitchFamily="49" charset="0"/>
-              </a:endParaRPr>
-            </a:p>
-            <a:p>
-              <a:r>
-                <a:rPr lang="en-US" sz="2400" dirty="0">
-                  <a:solidFill>
-                    <a:srgbClr val="808080"/>
-                  </a:solidFill>
-                  <a:latin typeface="Consolas" panose="020B0609020204030204" pitchFamily="49" charset="0"/>
-                </a:rPr>
-                <a:t>        ,</a:t>
-              </a:r>
-              <a:r>
-                <a:rPr lang="en-US" sz="2400" dirty="0">
-                  <a:solidFill>
-                    <a:srgbClr val="000000"/>
-                  </a:solidFill>
-                  <a:latin typeface="Consolas" panose="020B0609020204030204" pitchFamily="49" charset="0"/>
-                </a:rPr>
-                <a:t> </a:t>
-              </a:r>
-              <a:r>
-                <a:rPr lang="en-US" sz="2400" dirty="0">
-                  <a:solidFill>
-                    <a:srgbClr val="FF0000"/>
-                  </a:solidFill>
-                  <a:latin typeface="Consolas" panose="020B0609020204030204" pitchFamily="49" charset="0"/>
-                </a:rPr>
-                <a:t>'n'</a:t>
-              </a:r>
-              <a:r>
-                <a:rPr lang="en-US" sz="2400" dirty="0">
-                  <a:solidFill>
-                    <a:srgbClr val="808080"/>
-                  </a:solidFill>
-                  <a:latin typeface="Consolas" panose="020B0609020204030204" pitchFamily="49" charset="0"/>
-                </a:rPr>
-                <a:t>,</a:t>
-              </a:r>
-              <a:r>
-                <a:rPr lang="en-US" sz="2400" dirty="0">
-                  <a:solidFill>
-                    <a:srgbClr val="000000"/>
-                  </a:solidFill>
-                  <a:latin typeface="Consolas" panose="020B0609020204030204" pitchFamily="49" charset="0"/>
-                </a:rPr>
-                <a:t> </a:t>
-              </a:r>
-              <a:r>
-                <a:rPr lang="en-US" sz="2400" dirty="0">
-                  <a:solidFill>
-                    <a:srgbClr val="FF0000"/>
-                  </a:solidFill>
-                  <a:latin typeface="Consolas" panose="020B0609020204030204" pitchFamily="49" charset="0"/>
-                </a:rPr>
-                <a:t>'a'</a:t>
-              </a:r>
-              <a:r>
-                <a:rPr lang="en-US" sz="2400" dirty="0">
-                  <a:solidFill>
-                    <a:srgbClr val="808080"/>
-                  </a:solidFill>
-                  <a:latin typeface="Consolas" panose="020B0609020204030204" pitchFamily="49" charset="0"/>
-                </a:rPr>
-                <a:t>)</a:t>
-              </a:r>
-              <a:endParaRPr lang="en-US" sz="2400" dirty="0">
-                <a:solidFill>
-                  <a:srgbClr val="000000"/>
-                </a:solidFill>
-                <a:latin typeface="Consolas" panose="020B0609020204030204" pitchFamily="49" charset="0"/>
-              </a:endParaRPr>
-            </a:p>
-            <a:p>
-              <a:r>
-                <a:rPr lang="en-US" sz="2400" dirty="0">
-                  <a:solidFill>
-                    <a:srgbClr val="808080"/>
-                  </a:solidFill>
-                  <a:latin typeface="Consolas" panose="020B0609020204030204" pitchFamily="49" charset="0"/>
-                </a:rPr>
-                <a:t>      ,</a:t>
-              </a:r>
-              <a:r>
-                <a:rPr lang="en-US" sz="2400" dirty="0">
-                  <a:solidFill>
-                    <a:srgbClr val="000000"/>
-                  </a:solidFill>
-                  <a:latin typeface="Consolas" panose="020B0609020204030204" pitchFamily="49" charset="0"/>
-                </a:rPr>
-                <a:t> </a:t>
-              </a:r>
-              <a:r>
-                <a:rPr lang="en-US" sz="2400" dirty="0">
-                  <a:solidFill>
-                    <a:srgbClr val="FF0000"/>
-                  </a:solidFill>
-                  <a:latin typeface="Consolas" panose="020B0609020204030204" pitchFamily="49" charset="0"/>
-                </a:rPr>
-                <a:t>'•'</a:t>
-              </a:r>
-              <a:r>
-                <a:rPr lang="en-US" sz="2400" dirty="0">
-                  <a:solidFill>
-                    <a:srgbClr val="808080"/>
-                  </a:solidFill>
-                  <a:latin typeface="Consolas" panose="020B0609020204030204" pitchFamily="49" charset="0"/>
-                </a:rPr>
-                <a:t>,</a:t>
-              </a:r>
-              <a:r>
-                <a:rPr lang="en-US" sz="2400" dirty="0">
-                  <a:solidFill>
-                    <a:srgbClr val="000000"/>
-                  </a:solidFill>
-                  <a:latin typeface="Consolas" panose="020B0609020204030204" pitchFamily="49" charset="0"/>
-                </a:rPr>
-                <a:t> </a:t>
-              </a:r>
-              <a:r>
-                <a:rPr lang="en-US" sz="2400" dirty="0">
-                  <a:solidFill>
-                    <a:srgbClr val="FF0000"/>
-                  </a:solidFill>
-                  <a:latin typeface="Consolas" panose="020B0609020204030204" pitchFamily="49" charset="0"/>
-                </a:rPr>
-                <a:t>'n'</a:t>
-              </a:r>
-              <a:r>
-                <a:rPr lang="en-US" sz="2400" dirty="0">
-                  <a:solidFill>
-                    <a:srgbClr val="808080"/>
-                  </a:solidFill>
-                  <a:latin typeface="Consolas" panose="020B0609020204030204" pitchFamily="49" charset="0"/>
-                </a:rPr>
-                <a:t>)</a:t>
-              </a:r>
-              <a:endParaRPr lang="en-US" sz="2400" dirty="0">
-                <a:solidFill>
-                  <a:srgbClr val="000000"/>
-                </a:solidFill>
-                <a:latin typeface="Consolas" panose="020B0609020204030204" pitchFamily="49" charset="0"/>
-              </a:endParaRPr>
-            </a:p>
-            <a:p>
-              <a:r>
-                <a:rPr lang="en-US" sz="2400" dirty="0">
-                  <a:solidFill>
-                    <a:srgbClr val="808080"/>
-                  </a:solidFill>
-                  <a:latin typeface="Consolas" panose="020B0609020204030204" pitchFamily="49" charset="0"/>
-                </a:rPr>
-                <a:t>    ,</a:t>
-              </a:r>
-              <a:r>
-                <a:rPr lang="en-US" sz="2400" dirty="0">
-                  <a:solidFill>
-                    <a:srgbClr val="000000"/>
-                  </a:solidFill>
-                  <a:latin typeface="Consolas" panose="020B0609020204030204" pitchFamily="49" charset="0"/>
-                </a:rPr>
-                <a:t> </a:t>
-              </a:r>
-              <a:r>
-                <a:rPr lang="en-US" sz="2400" dirty="0">
-                  <a:solidFill>
-                    <a:srgbClr val="FF0000"/>
-                  </a:solidFill>
-                  <a:latin typeface="Consolas" panose="020B0609020204030204" pitchFamily="49" charset="0"/>
-                </a:rPr>
-                <a:t>'b'</a:t>
-              </a:r>
-              <a:r>
-                <a:rPr lang="en-US" sz="2400" dirty="0">
-                  <a:solidFill>
-                    <a:srgbClr val="808080"/>
-                  </a:solidFill>
-                  <a:latin typeface="Consolas" panose="020B0609020204030204" pitchFamily="49" charset="0"/>
-                </a:rPr>
-                <a:t>,</a:t>
-              </a:r>
-              <a:r>
-                <a:rPr lang="en-US" sz="2400" dirty="0">
-                  <a:solidFill>
-                    <a:srgbClr val="000000"/>
-                  </a:solidFill>
-                  <a:latin typeface="Consolas" panose="020B0609020204030204" pitchFamily="49" charset="0"/>
-                </a:rPr>
-                <a:t> </a:t>
-              </a:r>
-              <a:r>
-                <a:rPr lang="en-US" sz="2400" dirty="0">
-                  <a:solidFill>
-                    <a:srgbClr val="FF0000"/>
-                  </a:solidFill>
-                  <a:latin typeface="Consolas" panose="020B0609020204030204" pitchFamily="49" charset="0"/>
-                </a:rPr>
-                <a:t>'o'</a:t>
-              </a:r>
-              <a:r>
-                <a:rPr lang="en-US" sz="2400" dirty="0">
-                  <a:solidFill>
-                    <a:srgbClr val="808080"/>
-                  </a:solidFill>
-                  <a:latin typeface="Consolas" panose="020B0609020204030204" pitchFamily="49" charset="0"/>
-                </a:rPr>
-                <a:t>)</a:t>
-              </a:r>
-              <a:r>
-                <a:rPr lang="en-US" sz="2400" dirty="0">
-                  <a:solidFill>
-                    <a:srgbClr val="000000"/>
-                  </a:solidFill>
-                  <a:latin typeface="Consolas" panose="020B0609020204030204" pitchFamily="49" charset="0"/>
-                </a:rPr>
-                <a:t> </a:t>
-              </a:r>
-              <a:r>
-                <a:rPr lang="en-US" sz="2400" dirty="0">
-                  <a:solidFill>
-                    <a:srgbClr val="0000FF"/>
-                  </a:solidFill>
-                  <a:latin typeface="Consolas" panose="020B0609020204030204" pitchFamily="49" charset="0"/>
-                </a:rPr>
-                <a:t>AS</a:t>
-              </a:r>
-              <a:r>
-                <a:rPr lang="en-US" sz="2400" dirty="0">
-                  <a:solidFill>
-                    <a:srgbClr val="000000"/>
-                  </a:solidFill>
-                  <a:latin typeface="Consolas" panose="020B0609020204030204" pitchFamily="49" charset="0"/>
-                </a:rPr>
-                <a:t> [Value]</a:t>
-              </a:r>
-              <a:endParaRPr lang="en-US" sz="2400" dirty="0"/>
-            </a:p>
-          </p:txBody>
-        </p:sp>
-        <p:pic>
-          <p:nvPicPr>
-            <p:cNvPr id="23" name="Picture 22">
-              <a:extLst>
-                <a:ext uri="{FF2B5EF4-FFF2-40B4-BE49-F238E27FC236}">
-                  <a16:creationId xmlns:a16="http://schemas.microsoft.com/office/drawing/2014/main" id="{6D8399B2-0F1A-11CE-A592-6FB79230530E}"/>
-                </a:ext>
-              </a:extLst>
-            </p:cNvPr>
-            <p:cNvPicPr>
-              <a:picLocks noChangeAspect="1"/>
-            </p:cNvPicPr>
-            <p:nvPr/>
-          </p:nvPicPr>
-          <p:blipFill>
-            <a:blip r:embed="rId8"/>
-            <a:stretch>
-              <a:fillRect/>
-            </a:stretch>
-          </p:blipFill>
-          <p:spPr>
-            <a:xfrm>
-              <a:off x="9067882" y="4969262"/>
-              <a:ext cx="2226113" cy="1064663"/>
-            </a:xfrm>
-            <a:prstGeom prst="rect">
-              <a:avLst/>
-            </a:prstGeom>
-          </p:spPr>
-        </p:pic>
-      </p:grpSp>
-      <p:grpSp>
-        <p:nvGrpSpPr>
-          <p:cNvPr id="27" name="Group 26">
-            <a:extLst>
-              <a:ext uri="{FF2B5EF4-FFF2-40B4-BE49-F238E27FC236}">
-                <a16:creationId xmlns:a16="http://schemas.microsoft.com/office/drawing/2014/main" id="{CE78134A-0D4D-90FC-206A-1DC386FFBBE2}"/>
-              </a:ext>
-            </a:extLst>
-          </p:cNvPr>
-          <p:cNvGrpSpPr/>
-          <p:nvPr/>
-        </p:nvGrpSpPr>
-        <p:grpSpPr>
-          <a:xfrm>
-            <a:off x="1651000" y="1208118"/>
-            <a:ext cx="5575300" cy="3937404"/>
-            <a:chOff x="1651000" y="1208118"/>
-            <a:chExt cx="5575300" cy="3937404"/>
-          </a:xfrm>
-        </p:grpSpPr>
-        <p:sp>
-          <p:nvSpPr>
-            <p:cNvPr id="25" name="Rectangle 24">
-              <a:extLst>
-                <a:ext uri="{FF2B5EF4-FFF2-40B4-BE49-F238E27FC236}">
-                  <a16:creationId xmlns:a16="http://schemas.microsoft.com/office/drawing/2014/main" id="{EA95DCCC-5155-2920-8E8D-43E39A9D2DAE}"/>
-                </a:ext>
-              </a:extLst>
-            </p:cNvPr>
-            <p:cNvSpPr/>
-            <p:nvPr/>
-          </p:nvSpPr>
-          <p:spPr>
-            <a:xfrm>
-              <a:off x="1651000" y="3332456"/>
-              <a:ext cx="5473700" cy="1813066"/>
-            </a:xfrm>
-            <a:prstGeom prst="rect">
-              <a:avLst/>
-            </a:prstGeom>
-            <a:noFill/>
-            <a:ln w="50800">
-              <a:solidFill>
-                <a:srgbClr val="FF0000"/>
-              </a:solidFill>
-            </a:ln>
-          </p:spPr>
-          <p:style>
-            <a:lnRef idx="2">
-              <a:schemeClr val="accent1">
-                <a:shade val="15000"/>
-              </a:schemeClr>
-            </a:lnRef>
-            <a:fillRef idx="1">
-              <a:schemeClr val="accent1"/>
-            </a:fillRef>
-            <a:effectRef idx="0">
-              <a:schemeClr val="accent1"/>
-            </a:effectRef>
-            <a:fontRef idx="minor">
-              <a:schemeClr val="lt1"/>
-            </a:fontRef>
-          </p:style>
-          <p:txBody>
-            <a:bodyPr rtlCol="0" anchor="ctr"/>
-            <a:lstStyle/>
-            <a:p>
-              <a:pPr algn="ctr"/>
-              <a:endParaRPr lang="en-US"/>
-            </a:p>
-          </p:txBody>
-        </p:sp>
-        <p:sp>
-          <p:nvSpPr>
-            <p:cNvPr id="26" name="Rectangle 25">
-              <a:extLst>
-                <a:ext uri="{FF2B5EF4-FFF2-40B4-BE49-F238E27FC236}">
-                  <a16:creationId xmlns:a16="http://schemas.microsoft.com/office/drawing/2014/main" id="{6E05DB69-5517-FF57-D3DD-2B2BAE4208D4}"/>
-                </a:ext>
-              </a:extLst>
-            </p:cNvPr>
-            <p:cNvSpPr/>
-            <p:nvPr/>
-          </p:nvSpPr>
-          <p:spPr>
-            <a:xfrm>
-              <a:off x="6783439" y="1208118"/>
-              <a:ext cx="442861" cy="1052482"/>
-            </a:xfrm>
-            <a:prstGeom prst="rect">
-              <a:avLst/>
-            </a:prstGeom>
-            <a:noFill/>
-            <a:ln w="50800">
-              <a:solidFill>
-                <a:srgbClr val="FF0000"/>
-              </a:solidFill>
-            </a:ln>
-          </p:spPr>
-          <p:style>
-            <a:lnRef idx="2">
-              <a:schemeClr val="accent1">
-                <a:shade val="15000"/>
-              </a:schemeClr>
-            </a:lnRef>
-            <a:fillRef idx="1">
-              <a:schemeClr val="accent1"/>
-            </a:fillRef>
-            <a:effectRef idx="0">
-              <a:schemeClr val="accent1"/>
-            </a:effectRef>
-            <a:fontRef idx="minor">
-              <a:schemeClr val="lt1"/>
-            </a:fontRef>
-          </p:style>
-          <p:txBody>
-            <a:bodyPr rtlCol="0" anchor="ctr"/>
-            <a:lstStyle/>
-            <a:p>
-              <a:pPr algn="ctr"/>
-              <a:endParaRPr lang="en-US"/>
-            </a:p>
-          </p:txBody>
-        </p:sp>
-      </p:grpSp>
-      <p:sp>
-        <p:nvSpPr>
-          <p:cNvPr id="28" name="TextBox 27">
-            <a:extLst>
-              <a:ext uri="{FF2B5EF4-FFF2-40B4-BE49-F238E27FC236}">
-                <a16:creationId xmlns:a16="http://schemas.microsoft.com/office/drawing/2014/main" id="{B8C7E8E2-3B55-1F9A-5146-C54FC94B3AF5}"/>
+                <a16:creationId xmlns:a16="http://schemas.microsoft.com/office/drawing/2014/main" id="{518F514F-F40E-03CC-E40C-F65960AC64B5}"/>
               </a:ext>
             </a:extLst>
           </p:cNvPr>
@@ -8722,409 +7416,111 @@
           </a:p>
         </p:txBody>
       </p:sp>
+      <p:pic>
+        <p:nvPicPr>
+          <p:cNvPr id="3" name="Picture 2">
+            <a:extLst>
+              <a:ext uri="{FF2B5EF4-FFF2-40B4-BE49-F238E27FC236}">
+                <a16:creationId xmlns:a16="http://schemas.microsoft.com/office/drawing/2014/main" id="{9DD602FA-F060-9FC7-0047-7D24AD78905A}"/>
+              </a:ext>
+            </a:extLst>
+          </p:cNvPr>
+          <p:cNvPicPr>
+            <a:picLocks noChangeAspect="1"/>
+          </p:cNvPicPr>
+          <p:nvPr/>
+        </p:nvPicPr>
+        <p:blipFill>
+          <a:blip r:embed="rId2"/>
+          <a:stretch>
+            <a:fillRect/>
+          </a:stretch>
+        </p:blipFill>
+        <p:spPr>
+          <a:xfrm>
+            <a:off x="8264561" y="3429000"/>
+            <a:ext cx="2232025" cy="1057275"/>
+          </a:xfrm>
+          <a:prstGeom prst="rect">
+            <a:avLst/>
+          </a:prstGeom>
+        </p:spPr>
+      </p:pic>
+      <p:pic>
+        <p:nvPicPr>
+          <p:cNvPr id="5" name="Picture 4">
+            <a:extLst>
+              <a:ext uri="{FF2B5EF4-FFF2-40B4-BE49-F238E27FC236}">
+                <a16:creationId xmlns:a16="http://schemas.microsoft.com/office/drawing/2014/main" id="{FA417494-9E8B-E8A0-1EDB-0B48BBBA858D}"/>
+              </a:ext>
+            </a:extLst>
+          </p:cNvPr>
+          <p:cNvPicPr>
+            <a:picLocks noChangeAspect="1"/>
+          </p:cNvPicPr>
+          <p:nvPr/>
+        </p:nvPicPr>
+        <p:blipFill>
+          <a:blip r:embed="rId3"/>
+          <a:stretch>
+            <a:fillRect/>
+          </a:stretch>
+        </p:blipFill>
+        <p:spPr>
+          <a:xfrm>
+            <a:off x="8315361" y="4903657"/>
+            <a:ext cx="2322229" cy="1057275"/>
+          </a:xfrm>
+          <a:prstGeom prst="rect">
+            <a:avLst/>
+          </a:prstGeom>
+        </p:spPr>
+      </p:pic>
+      <p:sp>
+        <p:nvSpPr>
+          <p:cNvPr id="2" name="TextBox 1">
+            <a:extLst>
+              <a:ext uri="{FF2B5EF4-FFF2-40B4-BE49-F238E27FC236}">
+                <a16:creationId xmlns:a16="http://schemas.microsoft.com/office/drawing/2014/main" id="{F9EAAA29-BE03-136B-952B-BAA96411D324}"/>
+              </a:ext>
+            </a:extLst>
+          </p:cNvPr>
+          <p:cNvSpPr txBox="1"/>
+          <p:nvPr/>
+        </p:nvSpPr>
+        <p:spPr>
+          <a:xfrm>
+            <a:off x="10385407" y="4022366"/>
+            <a:ext cx="1397000" cy="369332"/>
+          </a:xfrm>
+          <a:prstGeom prst="rect">
+            <a:avLst/>
+          </a:prstGeom>
+          <a:noFill/>
+        </p:spPr>
+        <p:txBody>
+          <a:bodyPr wrap="square" rtlCol="0">
+            <a:spAutoFit/>
+          </a:bodyPr>
+          <a:lstStyle/>
+          <a:p>
+            <a:r>
+              <a:rPr lang="en-US" dirty="0"/>
+              <a:t>(Mixed-case)</a:t>
+            </a:r>
+          </a:p>
+        </p:txBody>
+      </p:sp>
     </p:spTree>
     <p:extLst>
       <p:ext uri="{BB962C8B-B14F-4D97-AF65-F5344CB8AC3E}">
-        <p14:creationId xmlns:p14="http://schemas.microsoft.com/office/powerpoint/2010/main" val="481351864"/>
+        <p14:creationId xmlns:p14="http://schemas.microsoft.com/office/powerpoint/2010/main" val="3831394830"/>
       </p:ext>
     </p:extLst>
   </p:cSld>
   <p:clrMapOvr>
     <a:masterClrMapping/>
   </p:clrMapOvr>
-  <p:timing>
-    <p:tnLst>
-      <p:par>
-        <p:cTn id="1" dur="indefinite" restart="never" nodeType="tmRoot">
-          <p:childTnLst>
-            <p:seq concurrent="1" nextAc="seek">
-              <p:cTn id="2" dur="indefinite" nodeType="mainSeq">
-                <p:childTnLst>
-                  <p:par>
-                    <p:cTn id="3" fill="hold">
-                      <p:stCondLst>
-                        <p:cond delay="indefinite"/>
-                      </p:stCondLst>
-                      <p:childTnLst>
-                        <p:par>
-                          <p:cTn id="4" fill="hold">
-                            <p:stCondLst>
-                              <p:cond delay="0"/>
-                            </p:stCondLst>
-                            <p:childTnLst>
-                              <p:par>
-                                <p:cTn id="5" presetID="1" presetClass="entr" presetSubtype="0" fill="hold" grpId="0" nodeType="clickEffect">
-                                  <p:stCondLst>
-                                    <p:cond delay="0"/>
-                                  </p:stCondLst>
-                                  <p:childTnLst>
-                                    <p:set>
-                                      <p:cBhvr>
-                                        <p:cTn id="6" dur="1" fill="hold">
-                                          <p:stCondLst>
-                                            <p:cond delay="0"/>
-                                          </p:stCondLst>
-                                        </p:cTn>
-                                        <p:tgtEl>
-                                          <p:spTgt spid="7"/>
-                                        </p:tgtEl>
-                                        <p:attrNameLst>
-                                          <p:attrName>style.visibility</p:attrName>
-                                        </p:attrNameLst>
-                                      </p:cBhvr>
-                                      <p:to>
-                                        <p:strVal val="visible"/>
-                                      </p:to>
-                                    </p:set>
-                                  </p:childTnLst>
-                                </p:cTn>
-                              </p:par>
-                            </p:childTnLst>
-                          </p:cTn>
-                        </p:par>
-                      </p:childTnLst>
-                    </p:cTn>
-                  </p:par>
-                  <p:par>
-                    <p:cTn id="7" fill="hold">
-                      <p:stCondLst>
-                        <p:cond delay="indefinite"/>
-                      </p:stCondLst>
-                      <p:childTnLst>
-                        <p:par>
-                          <p:cTn id="8" fill="hold">
-                            <p:stCondLst>
-                              <p:cond delay="0"/>
-                            </p:stCondLst>
-                            <p:childTnLst>
-                              <p:par>
-                                <p:cTn id="9" presetID="1" presetClass="entr" presetSubtype="0" fill="hold" nodeType="clickEffect">
-                                  <p:stCondLst>
-                                    <p:cond delay="0"/>
-                                  </p:stCondLst>
-                                  <p:childTnLst>
-                                    <p:set>
-                                      <p:cBhvr>
-                                        <p:cTn id="10" dur="1" fill="hold">
-                                          <p:stCondLst>
-                                            <p:cond delay="0"/>
-                                          </p:stCondLst>
-                                        </p:cTn>
-                                        <p:tgtEl>
-                                          <p:spTgt spid="8"/>
-                                        </p:tgtEl>
-                                        <p:attrNameLst>
-                                          <p:attrName>style.visibility</p:attrName>
-                                        </p:attrNameLst>
-                                      </p:cBhvr>
-                                      <p:to>
-                                        <p:strVal val="visible"/>
-                                      </p:to>
-                                    </p:set>
-                                  </p:childTnLst>
-                                </p:cTn>
-                              </p:par>
-                            </p:childTnLst>
-                          </p:cTn>
-                        </p:par>
-                      </p:childTnLst>
-                    </p:cTn>
-                  </p:par>
-                  <p:par>
-                    <p:cTn id="11" fill="hold">
-                      <p:stCondLst>
-                        <p:cond delay="indefinite"/>
-                      </p:stCondLst>
-                      <p:childTnLst>
-                        <p:par>
-                          <p:cTn id="12" fill="hold">
-                            <p:stCondLst>
-                              <p:cond delay="0"/>
-                            </p:stCondLst>
-                            <p:childTnLst>
-                              <p:par>
-                                <p:cTn id="13" presetID="1" presetClass="entr" presetSubtype="0" fill="hold" nodeType="clickEffect">
-                                  <p:stCondLst>
-                                    <p:cond delay="0"/>
-                                  </p:stCondLst>
-                                  <p:childTnLst>
-                                    <p:set>
-                                      <p:cBhvr>
-                                        <p:cTn id="14" dur="1" fill="hold">
-                                          <p:stCondLst>
-                                            <p:cond delay="0"/>
-                                          </p:stCondLst>
-                                        </p:cTn>
-                                        <p:tgtEl>
-                                          <p:spTgt spid="10"/>
-                                        </p:tgtEl>
-                                        <p:attrNameLst>
-                                          <p:attrName>style.visibility</p:attrName>
-                                        </p:attrNameLst>
-                                      </p:cBhvr>
-                                      <p:to>
-                                        <p:strVal val="visible"/>
-                                      </p:to>
-                                    </p:set>
-                                  </p:childTnLst>
-                                </p:cTn>
-                              </p:par>
-                            </p:childTnLst>
-                          </p:cTn>
-                        </p:par>
-                      </p:childTnLst>
-                    </p:cTn>
-                  </p:par>
-                  <p:par>
-                    <p:cTn id="15" fill="hold">
-                      <p:stCondLst>
-                        <p:cond delay="indefinite"/>
-                      </p:stCondLst>
-                      <p:childTnLst>
-                        <p:par>
-                          <p:cTn id="16" fill="hold">
-                            <p:stCondLst>
-                              <p:cond delay="0"/>
-                            </p:stCondLst>
-                            <p:childTnLst>
-                              <p:par>
-                                <p:cTn id="17" presetID="1" presetClass="entr" presetSubtype="0" fill="hold" nodeType="clickEffect">
-                                  <p:stCondLst>
-                                    <p:cond delay="0"/>
-                                  </p:stCondLst>
-                                  <p:childTnLst>
-                                    <p:set>
-                                      <p:cBhvr>
-                                        <p:cTn id="18" dur="1" fill="hold">
-                                          <p:stCondLst>
-                                            <p:cond delay="0"/>
-                                          </p:stCondLst>
-                                        </p:cTn>
-                                        <p:tgtEl>
-                                          <p:spTgt spid="13"/>
-                                        </p:tgtEl>
-                                        <p:attrNameLst>
-                                          <p:attrName>style.visibility</p:attrName>
-                                        </p:attrNameLst>
-                                      </p:cBhvr>
-                                      <p:to>
-                                        <p:strVal val="visible"/>
-                                      </p:to>
-                                    </p:set>
-                                  </p:childTnLst>
-                                </p:cTn>
-                              </p:par>
-                            </p:childTnLst>
-                          </p:cTn>
-                        </p:par>
-                      </p:childTnLst>
-                    </p:cTn>
-                  </p:par>
-                  <p:par>
-                    <p:cTn id="19" fill="hold">
-                      <p:stCondLst>
-                        <p:cond delay="indefinite"/>
-                      </p:stCondLst>
-                      <p:childTnLst>
-                        <p:par>
-                          <p:cTn id="20" fill="hold">
-                            <p:stCondLst>
-                              <p:cond delay="0"/>
-                            </p:stCondLst>
-                            <p:childTnLst>
-                              <p:par>
-                                <p:cTn id="21" presetID="1" presetClass="entr" presetSubtype="0" fill="hold" nodeType="clickEffect">
-                                  <p:stCondLst>
-                                    <p:cond delay="0"/>
-                                  </p:stCondLst>
-                                  <p:childTnLst>
-                                    <p:set>
-                                      <p:cBhvr>
-                                        <p:cTn id="22" dur="1" fill="hold">
-                                          <p:stCondLst>
-                                            <p:cond delay="0"/>
-                                          </p:stCondLst>
-                                        </p:cTn>
-                                        <p:tgtEl>
-                                          <p:spTgt spid="16"/>
-                                        </p:tgtEl>
-                                        <p:attrNameLst>
-                                          <p:attrName>style.visibility</p:attrName>
-                                        </p:attrNameLst>
-                                      </p:cBhvr>
-                                      <p:to>
-                                        <p:strVal val="visible"/>
-                                      </p:to>
-                                    </p:set>
-                                  </p:childTnLst>
-                                </p:cTn>
-                              </p:par>
-                            </p:childTnLst>
-                          </p:cTn>
-                        </p:par>
-                      </p:childTnLst>
-                    </p:cTn>
-                  </p:par>
-                  <p:par>
-                    <p:cTn id="23" fill="hold">
-                      <p:stCondLst>
-                        <p:cond delay="indefinite"/>
-                      </p:stCondLst>
-                      <p:childTnLst>
-                        <p:par>
-                          <p:cTn id="24" fill="hold">
-                            <p:stCondLst>
-                              <p:cond delay="0"/>
-                            </p:stCondLst>
-                            <p:childTnLst>
-                              <p:par>
-                                <p:cTn id="25" presetID="1" presetClass="entr" presetSubtype="0" fill="hold" nodeType="clickEffect">
-                                  <p:stCondLst>
-                                    <p:cond delay="0"/>
-                                  </p:stCondLst>
-                                  <p:childTnLst>
-                                    <p:set>
-                                      <p:cBhvr>
-                                        <p:cTn id="26" dur="1" fill="hold">
-                                          <p:stCondLst>
-                                            <p:cond delay="0"/>
-                                          </p:stCondLst>
-                                        </p:cTn>
-                                        <p:tgtEl>
-                                          <p:spTgt spid="21"/>
-                                        </p:tgtEl>
-                                        <p:attrNameLst>
-                                          <p:attrName>style.visibility</p:attrName>
-                                        </p:attrNameLst>
-                                      </p:cBhvr>
-                                      <p:to>
-                                        <p:strVal val="visible"/>
-                                      </p:to>
-                                    </p:set>
-                                  </p:childTnLst>
-                                </p:cTn>
-                              </p:par>
-                            </p:childTnLst>
-                          </p:cTn>
-                        </p:par>
-                      </p:childTnLst>
-                    </p:cTn>
-                  </p:par>
-                  <p:par>
-                    <p:cTn id="27" fill="hold">
-                      <p:stCondLst>
-                        <p:cond delay="indefinite"/>
-                      </p:stCondLst>
-                      <p:childTnLst>
-                        <p:par>
-                          <p:cTn id="28" fill="hold">
-                            <p:stCondLst>
-                              <p:cond delay="0"/>
-                            </p:stCondLst>
-                            <p:childTnLst>
-                              <p:par>
-                                <p:cTn id="29" presetID="1" presetClass="entr" presetSubtype="0" fill="hold" nodeType="clickEffect">
-                                  <p:stCondLst>
-                                    <p:cond delay="0"/>
-                                  </p:stCondLst>
-                                  <p:childTnLst>
-                                    <p:set>
-                                      <p:cBhvr>
-                                        <p:cTn id="30" dur="1" fill="hold">
-                                          <p:stCondLst>
-                                            <p:cond delay="0"/>
-                                          </p:stCondLst>
-                                        </p:cTn>
-                                        <p:tgtEl>
-                                          <p:spTgt spid="24"/>
-                                        </p:tgtEl>
-                                        <p:attrNameLst>
-                                          <p:attrName>style.visibility</p:attrName>
-                                        </p:attrNameLst>
-                                      </p:cBhvr>
-                                      <p:to>
-                                        <p:strVal val="visible"/>
-                                      </p:to>
-                                    </p:set>
-                                  </p:childTnLst>
-                                </p:cTn>
-                              </p:par>
-                            </p:childTnLst>
-                          </p:cTn>
-                        </p:par>
-                      </p:childTnLst>
-                    </p:cTn>
-                  </p:par>
-                  <p:par>
-                    <p:cTn id="31" fill="hold">
-                      <p:stCondLst>
-                        <p:cond delay="indefinite"/>
-                      </p:stCondLst>
-                      <p:childTnLst>
-                        <p:par>
-                          <p:cTn id="32" fill="hold">
-                            <p:stCondLst>
-                              <p:cond delay="0"/>
-                            </p:stCondLst>
-                            <p:childTnLst>
-                              <p:par>
-                                <p:cTn id="33" presetID="1" presetClass="entr" presetSubtype="0" fill="hold" nodeType="clickEffect">
-                                  <p:stCondLst>
-                                    <p:cond delay="0"/>
-                                  </p:stCondLst>
-                                  <p:childTnLst>
-                                    <p:set>
-                                      <p:cBhvr>
-                                        <p:cTn id="34" dur="1" fill="hold">
-                                          <p:stCondLst>
-                                            <p:cond delay="0"/>
-                                          </p:stCondLst>
-                                        </p:cTn>
-                                        <p:tgtEl>
-                                          <p:spTgt spid="27"/>
-                                        </p:tgtEl>
-                                        <p:attrNameLst>
-                                          <p:attrName>style.visibility</p:attrName>
-                                        </p:attrNameLst>
-                                      </p:cBhvr>
-                                      <p:to>
-                                        <p:strVal val="visible"/>
-                                      </p:to>
-                                    </p:set>
-                                  </p:childTnLst>
-                                </p:cTn>
-                              </p:par>
-                            </p:childTnLst>
-                          </p:cTn>
-                        </p:par>
-                      </p:childTnLst>
-                    </p:cTn>
-                  </p:par>
-                </p:childTnLst>
-              </p:cTn>
-              <p:prevCondLst>
-                <p:cond evt="onPrev" delay="0">
-                  <p:tgtEl>
-                    <p:sldTgt/>
-                  </p:tgtEl>
-                </p:cond>
-              </p:prevCondLst>
-              <p:nextCondLst>
-                <p:cond evt="onNext" delay="0">
-                  <p:tgtEl>
-                    <p:sldTgt/>
-                  </p:tgtEl>
-                </p:cond>
-              </p:nextCondLst>
-            </p:seq>
-          </p:childTnLst>
-        </p:cTn>
-      </p:par>
-    </p:tnLst>
-    <p:bldLst>
-      <p:bldP spid="7" grpId="0"/>
-    </p:bldLst>
-  </p:timing>
 </p:sld>
 </file>
 
@@ -9540,7 +7936,7 @@
                 </a:solidFill>
                 <a:latin typeface="Consolas" panose="020B0609020204030204" pitchFamily="49" charset="0"/>
               </a:rPr>
-              <a:t>)  ===  </a:t>
+              <a:t>)   =  </a:t>
             </a:r>
             <a:r>
               <a:rPr lang="en-US" sz="2400" dirty="0">
@@ -10454,6 +8850,9 @@
                 <a:solidFill>
                   <a:srgbClr val="0000FF"/>
                 </a:solidFill>
+                <a:highlight>
+                  <a:srgbClr val="FFFF00"/>
+                </a:highlight>
                 <a:latin typeface="Consolas" panose="020B0609020204030204" pitchFamily="49" charset="0"/>
               </a:rPr>
               <a:t>varchar</a:t>
@@ -10463,6 +8862,9 @@
                 <a:solidFill>
                   <a:srgbClr val="808080"/>
                 </a:solidFill>
+                <a:highlight>
+                  <a:srgbClr val="FFFF00"/>
+                </a:highlight>
                 <a:latin typeface="Consolas" panose="020B0609020204030204" pitchFamily="49" charset="0"/>
               </a:rPr>
               <a:t>(</a:t>
@@ -10472,6 +8874,9 @@
                 <a:solidFill>
                   <a:srgbClr val="000000"/>
                 </a:solidFill>
+                <a:highlight>
+                  <a:srgbClr val="FFFF00"/>
+                </a:highlight>
                 <a:latin typeface="Consolas" panose="020B0609020204030204" pitchFamily="49" charset="0"/>
               </a:rPr>
               <a:t>20</a:t>
@@ -10481,6 +8886,9 @@
                 <a:solidFill>
                   <a:srgbClr val="808080"/>
                 </a:solidFill>
+                <a:highlight>
+                  <a:srgbClr val="FFFF00"/>
+                </a:highlight>
                 <a:latin typeface="Consolas" panose="020B0609020204030204" pitchFamily="49" charset="0"/>
               </a:rPr>
               <a:t>)</a:t>
@@ -10490,6 +8898,9 @@
                 <a:solidFill>
                   <a:srgbClr val="000000"/>
                 </a:solidFill>
+                <a:highlight>
+                  <a:srgbClr val="FFFF00"/>
+                </a:highlight>
                 <a:latin typeface="Consolas" panose="020B0609020204030204" pitchFamily="49" charset="0"/>
               </a:rPr>
               <a:t> </a:t>
@@ -10499,6 +8910,9 @@
                 <a:solidFill>
                   <a:srgbClr val="808080"/>
                 </a:solidFill>
+                <a:highlight>
+                  <a:srgbClr val="FFFF00"/>
+                </a:highlight>
                 <a:latin typeface="Consolas" panose="020B0609020204030204" pitchFamily="49" charset="0"/>
               </a:rPr>
               <a:t>=</a:t>
@@ -10508,6 +8922,9 @@
                 <a:solidFill>
                   <a:srgbClr val="000000"/>
                 </a:solidFill>
+                <a:highlight>
+                  <a:srgbClr val="FFFF00"/>
+                </a:highlight>
                 <a:latin typeface="Consolas" panose="020B0609020204030204" pitchFamily="49" charset="0"/>
               </a:rPr>
               <a:t> </a:t>
@@ -10851,6 +9268,9 @@
                 <a:solidFill>
                   <a:srgbClr val="808080"/>
                 </a:solidFill>
+                <a:highlight>
+                  <a:srgbClr val="FFFF00"/>
+                </a:highlight>
                 <a:latin typeface="Consolas" panose="020B0609020204030204" pitchFamily="49" charset="0"/>
               </a:rPr>
               <a:t>=</a:t>
@@ -10860,6 +9280,9 @@
                 <a:solidFill>
                   <a:srgbClr val="000000"/>
                 </a:solidFill>
+                <a:highlight>
+                  <a:srgbClr val="FFFF00"/>
+                </a:highlight>
                 <a:latin typeface="Consolas" panose="020B0609020204030204" pitchFamily="49" charset="0"/>
               </a:rPr>
               <a:t> </a:t>
@@ -10869,6 +9292,9 @@
                 <a:solidFill>
                   <a:srgbClr val="FF00FF"/>
                 </a:solidFill>
+                <a:highlight>
+                  <a:srgbClr val="FFFF00"/>
+                </a:highlight>
                 <a:latin typeface="Consolas" panose="020B0609020204030204" pitchFamily="49" charset="0"/>
               </a:rPr>
               <a:t>SPACE</a:t>
@@ -10878,6 +9304,9 @@
                 <a:solidFill>
                   <a:srgbClr val="808080"/>
                 </a:solidFill>
+                <a:highlight>
+                  <a:srgbClr val="FFFF00"/>
+                </a:highlight>
                 <a:latin typeface="Consolas" panose="020B0609020204030204" pitchFamily="49" charset="0"/>
               </a:rPr>
               <a:t>(</a:t>
@@ -10887,6 +9316,9 @@
                 <a:solidFill>
                   <a:srgbClr val="000000"/>
                 </a:solidFill>
+                <a:highlight>
+                  <a:srgbClr val="FFFF00"/>
+                </a:highlight>
                 <a:latin typeface="Consolas" panose="020B0609020204030204" pitchFamily="49" charset="0"/>
               </a:rPr>
               <a:t>20</a:t>
@@ -10896,6 +9328,9 @@
                 <a:solidFill>
                   <a:srgbClr val="808080"/>
                 </a:solidFill>
+                <a:highlight>
+                  <a:srgbClr val="FFFF00"/>
+                </a:highlight>
                 <a:latin typeface="Consolas" panose="020B0609020204030204" pitchFamily="49" charset="0"/>
               </a:rPr>
               <a:t>)</a:t>
@@ -10904,6 +9339,9 @@
               <a:solidFill>
                 <a:srgbClr val="000000"/>
               </a:solidFill>
+              <a:highlight>
+                <a:srgbClr val="FFFF00"/>
+              </a:highlight>
               <a:latin typeface="Consolas" panose="020B0609020204030204" pitchFamily="49" charset="0"/>
             </a:endParaRPr>
           </a:p>
@@ -10912,6 +9350,9 @@
               <a:solidFill>
                 <a:srgbClr val="000000"/>
               </a:solidFill>
+              <a:highlight>
+                <a:srgbClr val="FFFF00"/>
+              </a:highlight>
               <a:latin typeface="Consolas" panose="020B0609020204030204" pitchFamily="49" charset="0"/>
             </a:endParaRPr>
           </a:p>
@@ -13079,6 +11520,9 @@
                 <a:solidFill>
                   <a:srgbClr val="FF0000"/>
                 </a:solidFill>
+                <a:highlight>
+                  <a:srgbClr val="FFFF00"/>
+                </a:highlight>
                 <a:latin typeface="Consolas" panose="020B0609020204030204" pitchFamily="49" charset="0"/>
               </a:rPr>
               <a:t>'ABCDEF-'</a:t>
@@ -13087,6 +11531,9 @@
               <a:solidFill>
                 <a:srgbClr val="000000"/>
               </a:solidFill>
+              <a:highlight>
+                <a:srgbClr val="FFFF00"/>
+              </a:highlight>
               <a:latin typeface="Consolas" panose="020B0609020204030204" pitchFamily="49" charset="0"/>
             </a:endParaRPr>
           </a:p>
@@ -13241,7 +11688,7 @@
                 </a:highlight>
                 <a:latin typeface="Consolas" panose="020B0609020204030204" pitchFamily="49" charset="0"/>
               </a:rPr>
-              <a:t>@_beforemap </a:t>
+              <a:t>@_beforemap</a:t>
             </a:r>
             <a:r>
               <a:rPr lang="en-US" sz="2400" dirty="0">
@@ -13253,67 +11700,7 @@
                 </a:highlight>
                 <a:latin typeface="Consolas" panose="020B0609020204030204" pitchFamily="49" charset="0"/>
               </a:rPr>
-              <a:t>+</a:t>
-            </a:r>
-            <a:r>
-              <a:rPr lang="en-US" sz="2400" dirty="0">
-                <a:solidFill>
-                  <a:srgbClr val="000000"/>
-                </a:solidFill>
-                <a:highlight>
-                  <a:srgbClr val="FFFF00"/>
-                </a:highlight>
-                <a:latin typeface="Consolas" panose="020B0609020204030204" pitchFamily="49" charset="0"/>
-              </a:rPr>
-              <a:t> </a:t>
-            </a:r>
-            <a:r>
-              <a:rPr lang="en-US" sz="2400" dirty="0">
-                <a:solidFill>
-                  <a:srgbClr val="FF0000"/>
-                </a:solidFill>
-                <a:highlight>
-                  <a:srgbClr val="FFFF00"/>
-                </a:highlight>
-                <a:latin typeface="Consolas" panose="020B0609020204030204" pitchFamily="49" charset="0"/>
-              </a:rPr>
-              <a:t>'#'</a:t>
-            </a:r>
-            <a:r>
-              <a:rPr lang="en-US" sz="2400" dirty="0">
-                <a:solidFill>
-                  <a:srgbClr val="808080"/>
-                </a:solidFill>
-                <a:highlight>
-                  <a:srgbClr val="FFFF00"/>
-                </a:highlight>
-                <a:latin typeface="Consolas" panose="020B0609020204030204" pitchFamily="49" charset="0"/>
-              </a:rPr>
-              <a:t>) - </a:t>
-            </a:r>
-            <a:r>
-              <a:rPr lang="en-US" sz="2400" dirty="0">
-                <a:solidFill>
-                  <a:srgbClr val="000000"/>
-                </a:solidFill>
-                <a:highlight>
-                  <a:srgbClr val="FFFF00"/>
-                </a:highlight>
-                <a:latin typeface="Consolas" panose="020B0609020204030204" pitchFamily="49" charset="0"/>
-              </a:rPr>
-              <a:t>1</a:t>
-            </a:r>
-            <a:r>
-              <a:rPr lang="en-US" sz="2400" dirty="0">
-                <a:solidFill>
-                  <a:srgbClr val="808080"/>
-                </a:solidFill>
-                <a:highlight>
-                  <a:srgbClr val="FFFF00"/>
-                </a:highlight>
-                <a:latin typeface="Consolas" panose="020B0609020204030204" pitchFamily="49" charset="0"/>
-              </a:rPr>
-              <a:t>)</a:t>
+              <a:t>))</a:t>
             </a:r>
             <a:endParaRPr lang="en-US" sz="2400" dirty="0">
               <a:solidFill>
@@ -13571,6 +11958,421 @@
           </a:prstGeom>
         </p:spPr>
       </p:pic>
+      <p:grpSp>
+        <p:nvGrpSpPr>
+          <p:cNvPr id="13" name="Group 12">
+            <a:extLst>
+              <a:ext uri="{FF2B5EF4-FFF2-40B4-BE49-F238E27FC236}">
+                <a16:creationId xmlns:a16="http://schemas.microsoft.com/office/drawing/2014/main" id="{197BF792-0FEE-5817-4853-3CD347D0D894}"/>
+              </a:ext>
+            </a:extLst>
+          </p:cNvPr>
+          <p:cNvGrpSpPr/>
+          <p:nvPr/>
+        </p:nvGrpSpPr>
+        <p:grpSpPr>
+          <a:xfrm>
+            <a:off x="4616767" y="1305998"/>
+            <a:ext cx="6241309" cy="4633415"/>
+            <a:chOff x="4616767" y="1302039"/>
+            <a:chExt cx="6241309" cy="4633415"/>
+          </a:xfrm>
+        </p:grpSpPr>
+        <p:sp>
+          <p:nvSpPr>
+            <p:cNvPr id="3" name="TextBox 2">
+              <a:extLst>
+                <a:ext uri="{FF2B5EF4-FFF2-40B4-BE49-F238E27FC236}">
+                  <a16:creationId xmlns:a16="http://schemas.microsoft.com/office/drawing/2014/main" id="{76F33F14-E7D1-347E-C70D-1440C1EAA39C}"/>
+                </a:ext>
+              </a:extLst>
+            </p:cNvPr>
+            <p:cNvSpPr txBox="1"/>
+            <p:nvPr/>
+          </p:nvSpPr>
+          <p:spPr>
+            <a:xfrm>
+              <a:off x="6883400" y="1302039"/>
+              <a:ext cx="1930400" cy="461665"/>
+            </a:xfrm>
+            <a:prstGeom prst="rect">
+              <a:avLst/>
+            </a:prstGeom>
+            <a:noFill/>
+          </p:spPr>
+          <p:txBody>
+            <a:bodyPr wrap="square" rtlCol="0">
+              <a:spAutoFit/>
+            </a:bodyPr>
+            <a:lstStyle/>
+            <a:p>
+              <a:r>
+                <a:rPr lang="en-US" sz="2400" dirty="0">
+                  <a:solidFill>
+                    <a:srgbClr val="FF0000"/>
+                  </a:solidFill>
+                  <a:highlight>
+                    <a:srgbClr val="FFFF00"/>
+                  </a:highlight>
+                  <a:latin typeface="Consolas" panose="020B0609020204030204" pitchFamily="49" charset="0"/>
+                </a:rPr>
+                <a:t>'ABCDEF- '</a:t>
+              </a:r>
+              <a:endParaRPr lang="en-US" sz="2400" dirty="0"/>
+            </a:p>
+          </p:txBody>
+        </p:sp>
+        <p:sp>
+          <p:nvSpPr>
+            <p:cNvPr id="5" name="TextBox 4">
+              <a:extLst>
+                <a:ext uri="{FF2B5EF4-FFF2-40B4-BE49-F238E27FC236}">
+                  <a16:creationId xmlns:a16="http://schemas.microsoft.com/office/drawing/2014/main" id="{1401B3D8-6C73-3338-F7A6-395FC1208646}"/>
+                </a:ext>
+              </a:extLst>
+            </p:cNvPr>
+            <p:cNvSpPr txBox="1"/>
+            <p:nvPr/>
+          </p:nvSpPr>
+          <p:spPr>
+            <a:xfrm>
+              <a:off x="4616767" y="4642792"/>
+              <a:ext cx="6241309" cy="1292662"/>
+            </a:xfrm>
+            <a:prstGeom prst="rect">
+              <a:avLst/>
+            </a:prstGeom>
+            <a:solidFill>
+              <a:schemeClr val="bg1"/>
+            </a:solidFill>
+          </p:spPr>
+          <p:txBody>
+            <a:bodyPr wrap="square" rtlCol="0">
+              <a:spAutoFit/>
+            </a:bodyPr>
+            <a:lstStyle/>
+            <a:p>
+              <a:r>
+                <a:rPr lang="en-US" sz="2000" dirty="0">
+                  <a:solidFill>
+                    <a:srgbClr val="FF0000"/>
+                  </a:solidFill>
+                  <a:latin typeface="Consolas" panose="020B0609020204030204" pitchFamily="49" charset="0"/>
+                </a:rPr>
+                <a:t>The second and third arguments of the TRANSLATE built-in function must contain an equal number of characters.</a:t>
+              </a:r>
+            </a:p>
+            <a:p>
+              <a:endParaRPr lang="en-US" dirty="0"/>
+            </a:p>
+          </p:txBody>
+        </p:sp>
+        <p:sp>
+          <p:nvSpPr>
+            <p:cNvPr id="6" name="TextBox 5">
+              <a:extLst>
+                <a:ext uri="{FF2B5EF4-FFF2-40B4-BE49-F238E27FC236}">
+                  <a16:creationId xmlns:a16="http://schemas.microsoft.com/office/drawing/2014/main" id="{679FD45C-05A9-66B4-FF9C-73BA72EF2083}"/>
+                </a:ext>
+              </a:extLst>
+            </p:cNvPr>
+            <p:cNvSpPr txBox="1"/>
+            <p:nvPr/>
+          </p:nvSpPr>
+          <p:spPr>
+            <a:xfrm>
+              <a:off x="8813800" y="1602992"/>
+              <a:ext cx="1676400" cy="369332"/>
+            </a:xfrm>
+            <a:prstGeom prst="rect">
+              <a:avLst/>
+            </a:prstGeom>
+            <a:noFill/>
+          </p:spPr>
+          <p:txBody>
+            <a:bodyPr wrap="square" rtlCol="0">
+              <a:spAutoFit/>
+            </a:bodyPr>
+            <a:lstStyle/>
+            <a:p>
+              <a:r>
+                <a:rPr lang="en-US" dirty="0"/>
+                <a:t>(Trailing space)</a:t>
+              </a:r>
+            </a:p>
+          </p:txBody>
+        </p:sp>
+        <p:cxnSp>
+          <p:nvCxnSpPr>
+            <p:cNvPr id="9" name="Straight Arrow Connector 8">
+              <a:extLst>
+                <a:ext uri="{FF2B5EF4-FFF2-40B4-BE49-F238E27FC236}">
+                  <a16:creationId xmlns:a16="http://schemas.microsoft.com/office/drawing/2014/main" id="{8586F787-B452-007A-714E-3C29D930D500}"/>
+                </a:ext>
+              </a:extLst>
+            </p:cNvPr>
+            <p:cNvCxnSpPr>
+              <a:stCxn id="6" idx="1"/>
+            </p:cNvCxnSpPr>
+            <p:nvPr/>
+          </p:nvCxnSpPr>
+          <p:spPr>
+            <a:xfrm flipH="1" flipV="1">
+              <a:off x="8445500" y="1595246"/>
+              <a:ext cx="368300" cy="192412"/>
+            </a:xfrm>
+            <a:prstGeom prst="straightConnector1">
+              <a:avLst/>
+            </a:prstGeom>
+            <a:ln w="44450">
+              <a:solidFill>
+                <a:srgbClr val="FF0000"/>
+              </a:solidFill>
+              <a:tailEnd type="triangle"/>
+            </a:ln>
+          </p:spPr>
+          <p:style>
+            <a:lnRef idx="1">
+              <a:schemeClr val="accent1"/>
+            </a:lnRef>
+            <a:fillRef idx="0">
+              <a:schemeClr val="accent1"/>
+            </a:fillRef>
+            <a:effectRef idx="0">
+              <a:schemeClr val="accent1"/>
+            </a:effectRef>
+            <a:fontRef idx="minor">
+              <a:schemeClr val="tx1"/>
+            </a:fontRef>
+          </p:style>
+        </p:cxnSp>
+      </p:grpSp>
+      <p:grpSp>
+        <p:nvGrpSpPr>
+          <p:cNvPr id="11" name="Group 10">
+            <a:extLst>
+              <a:ext uri="{FF2B5EF4-FFF2-40B4-BE49-F238E27FC236}">
+                <a16:creationId xmlns:a16="http://schemas.microsoft.com/office/drawing/2014/main" id="{B0B9674F-57AA-99C6-CDBC-2622BB51D298}"/>
+              </a:ext>
+            </a:extLst>
+          </p:cNvPr>
+          <p:cNvGrpSpPr/>
+          <p:nvPr/>
+        </p:nvGrpSpPr>
+        <p:grpSpPr>
+          <a:xfrm>
+            <a:off x="2146300" y="2032636"/>
+            <a:ext cx="8711776" cy="3935234"/>
+            <a:chOff x="2146300" y="2032636"/>
+            <a:chExt cx="8711776" cy="3935234"/>
+          </a:xfrm>
+        </p:grpSpPr>
+        <p:sp>
+          <p:nvSpPr>
+            <p:cNvPr id="2" name="TextBox 1">
+              <a:extLst>
+                <a:ext uri="{FF2B5EF4-FFF2-40B4-BE49-F238E27FC236}">
+                  <a16:creationId xmlns:a16="http://schemas.microsoft.com/office/drawing/2014/main" id="{32448D99-8CAE-77B4-0EAC-1917BD826C76}"/>
+                </a:ext>
+              </a:extLst>
+            </p:cNvPr>
+            <p:cNvSpPr txBox="1"/>
+            <p:nvPr/>
+          </p:nvSpPr>
+          <p:spPr>
+            <a:xfrm>
+              <a:off x="2146300" y="2032636"/>
+              <a:ext cx="6591300" cy="830997"/>
+            </a:xfrm>
+            <a:prstGeom prst="rect">
+              <a:avLst/>
+            </a:prstGeom>
+            <a:noFill/>
+          </p:spPr>
+          <p:txBody>
+            <a:bodyPr wrap="square" rtlCol="0">
+              <a:spAutoFit/>
+            </a:bodyPr>
+            <a:lstStyle/>
+            <a:p>
+              <a:r>
+                <a:rPr lang="en-US" sz="2400" dirty="0">
+                  <a:solidFill>
+                    <a:srgbClr val="FF00FF"/>
+                  </a:solidFill>
+                  <a:highlight>
+                    <a:srgbClr val="FFFF00"/>
+                  </a:highlight>
+                  <a:latin typeface="Consolas" panose="020B0609020204030204" pitchFamily="49" charset="0"/>
+                </a:rPr>
+                <a:t>SPACE</a:t>
+              </a:r>
+              <a:r>
+                <a:rPr lang="en-US" sz="2400" dirty="0">
+                  <a:solidFill>
+                    <a:srgbClr val="808080"/>
+                  </a:solidFill>
+                  <a:highlight>
+                    <a:srgbClr val="FFFF00"/>
+                  </a:highlight>
+                  <a:latin typeface="Consolas" panose="020B0609020204030204" pitchFamily="49" charset="0"/>
+                </a:rPr>
+                <a:t>(</a:t>
+              </a:r>
+              <a:r>
+                <a:rPr lang="en-US" sz="2400" dirty="0">
+                  <a:solidFill>
+                    <a:srgbClr val="FF00FF"/>
+                  </a:solidFill>
+                  <a:highlight>
+                    <a:srgbClr val="FFFF00"/>
+                  </a:highlight>
+                  <a:latin typeface="Consolas" panose="020B0609020204030204" pitchFamily="49" charset="0"/>
+                </a:rPr>
+                <a:t>LEN</a:t>
+              </a:r>
+              <a:r>
+                <a:rPr lang="en-US" sz="2400" dirty="0">
+                  <a:solidFill>
+                    <a:srgbClr val="808080"/>
+                  </a:solidFill>
+                  <a:highlight>
+                    <a:srgbClr val="FFFF00"/>
+                  </a:highlight>
+                  <a:latin typeface="Consolas" panose="020B0609020204030204" pitchFamily="49" charset="0"/>
+                </a:rPr>
+                <a:t>(</a:t>
+              </a:r>
+              <a:r>
+                <a:rPr lang="en-US" sz="2400" dirty="0">
+                  <a:solidFill>
+                    <a:srgbClr val="000000"/>
+                  </a:solidFill>
+                  <a:highlight>
+                    <a:srgbClr val="FFFF00"/>
+                  </a:highlight>
+                  <a:latin typeface="Consolas" panose="020B0609020204030204" pitchFamily="49" charset="0"/>
+                </a:rPr>
+                <a:t>@_beforemap </a:t>
+              </a:r>
+              <a:r>
+                <a:rPr lang="en-US" sz="2400" dirty="0">
+                  <a:solidFill>
+                    <a:srgbClr val="808080"/>
+                  </a:solidFill>
+                  <a:highlight>
+                    <a:srgbClr val="FFFF00"/>
+                  </a:highlight>
+                  <a:latin typeface="Consolas" panose="020B0609020204030204" pitchFamily="49" charset="0"/>
+                </a:rPr>
+                <a:t>+</a:t>
+              </a:r>
+              <a:r>
+                <a:rPr lang="en-US" sz="2400" dirty="0">
+                  <a:solidFill>
+                    <a:srgbClr val="000000"/>
+                  </a:solidFill>
+                  <a:highlight>
+                    <a:srgbClr val="FFFF00"/>
+                  </a:highlight>
+                  <a:latin typeface="Consolas" panose="020B0609020204030204" pitchFamily="49" charset="0"/>
+                </a:rPr>
+                <a:t> </a:t>
+              </a:r>
+              <a:r>
+                <a:rPr lang="en-US" sz="2400" dirty="0">
+                  <a:solidFill>
+                    <a:srgbClr val="FF0000"/>
+                  </a:solidFill>
+                  <a:highlight>
+                    <a:srgbClr val="FFFF00"/>
+                  </a:highlight>
+                  <a:latin typeface="Consolas" panose="020B0609020204030204" pitchFamily="49" charset="0"/>
+                </a:rPr>
+                <a:t>'#'</a:t>
+              </a:r>
+              <a:r>
+                <a:rPr lang="en-US" sz="2400" dirty="0">
+                  <a:solidFill>
+                    <a:srgbClr val="808080"/>
+                  </a:solidFill>
+                  <a:highlight>
+                    <a:srgbClr val="FFFF00"/>
+                  </a:highlight>
+                  <a:latin typeface="Consolas" panose="020B0609020204030204" pitchFamily="49" charset="0"/>
+                </a:rPr>
+                <a:t>) - </a:t>
+              </a:r>
+              <a:r>
+                <a:rPr lang="en-US" sz="2400" dirty="0">
+                  <a:solidFill>
+                    <a:srgbClr val="000000"/>
+                  </a:solidFill>
+                  <a:highlight>
+                    <a:srgbClr val="FFFF00"/>
+                  </a:highlight>
+                  <a:latin typeface="Consolas" panose="020B0609020204030204" pitchFamily="49" charset="0"/>
+                </a:rPr>
+                <a:t>1</a:t>
+              </a:r>
+              <a:r>
+                <a:rPr lang="en-US" sz="2400" dirty="0">
+                  <a:solidFill>
+                    <a:srgbClr val="808080"/>
+                  </a:solidFill>
+                  <a:highlight>
+                    <a:srgbClr val="FFFF00"/>
+                  </a:highlight>
+                  <a:latin typeface="Consolas" panose="020B0609020204030204" pitchFamily="49" charset="0"/>
+                </a:rPr>
+                <a:t>)</a:t>
+              </a:r>
+              <a:endParaRPr lang="en-US" sz="2400" dirty="0">
+                <a:solidFill>
+                  <a:srgbClr val="000000"/>
+                </a:solidFill>
+                <a:highlight>
+                  <a:srgbClr val="FFFF00"/>
+                </a:highlight>
+                <a:latin typeface="Consolas" panose="020B0609020204030204" pitchFamily="49" charset="0"/>
+              </a:endParaRPr>
+            </a:p>
+            <a:p>
+              <a:endParaRPr lang="en-US" sz="2400" dirty="0"/>
+            </a:p>
+          </p:txBody>
+        </p:sp>
+        <p:pic>
+          <p:nvPicPr>
+            <p:cNvPr id="4" name="Picture 3">
+              <a:extLst>
+                <a:ext uri="{FF2B5EF4-FFF2-40B4-BE49-F238E27FC236}">
+                  <a16:creationId xmlns:a16="http://schemas.microsoft.com/office/drawing/2014/main" id="{9A8765DD-D4B4-AB9F-C2D6-019DF942B655}"/>
+                </a:ext>
+              </a:extLst>
+            </p:cNvPr>
+            <p:cNvPicPr>
+              <a:picLocks noChangeAspect="1"/>
+            </p:cNvPicPr>
+            <p:nvPr/>
+          </p:nvPicPr>
+          <p:blipFill>
+            <a:blip r:embed="rId2"/>
+            <a:stretch>
+              <a:fillRect/>
+            </a:stretch>
+          </p:blipFill>
+          <p:spPr>
+            <a:xfrm>
+              <a:off x="4616767" y="4642792"/>
+              <a:ext cx="6241309" cy="1325078"/>
+            </a:xfrm>
+            <a:prstGeom prst="rect">
+              <a:avLst/>
+            </a:prstGeom>
+          </p:spPr>
+        </p:pic>
+      </p:grpSp>
     </p:spTree>
     <p:extLst>
       <p:ext uri="{BB962C8B-B14F-4D97-AF65-F5344CB8AC3E}">
@@ -13616,6 +12418,96 @@
                                         </p:cTn>
                                         <p:tgtEl>
                                           <p:spTgt spid="12"/>
+                                        </p:tgtEl>
+                                        <p:attrNameLst>
+                                          <p:attrName>style.visibility</p:attrName>
+                                        </p:attrNameLst>
+                                      </p:cBhvr>
+                                      <p:to>
+                                        <p:strVal val="visible"/>
+                                      </p:to>
+                                    </p:set>
+                                  </p:childTnLst>
+                                </p:cTn>
+                              </p:par>
+                            </p:childTnLst>
+                          </p:cTn>
+                        </p:par>
+                      </p:childTnLst>
+                    </p:cTn>
+                  </p:par>
+                  <p:par>
+                    <p:cTn id="7" fill="hold">
+                      <p:stCondLst>
+                        <p:cond delay="indefinite"/>
+                      </p:stCondLst>
+                      <p:childTnLst>
+                        <p:par>
+                          <p:cTn id="8" fill="hold">
+                            <p:stCondLst>
+                              <p:cond delay="0"/>
+                            </p:stCondLst>
+                            <p:childTnLst>
+                              <p:par>
+                                <p:cTn id="9" presetID="1" presetClass="entr" presetSubtype="0" fill="hold" nodeType="clickEffect">
+                                  <p:stCondLst>
+                                    <p:cond delay="0"/>
+                                  </p:stCondLst>
+                                  <p:childTnLst>
+                                    <p:set>
+                                      <p:cBhvr>
+                                        <p:cTn id="10" dur="1" fill="hold">
+                                          <p:stCondLst>
+                                            <p:cond delay="0"/>
+                                          </p:stCondLst>
+                                        </p:cTn>
+                                        <p:tgtEl>
+                                          <p:spTgt spid="13"/>
+                                        </p:tgtEl>
+                                        <p:attrNameLst>
+                                          <p:attrName>style.visibility</p:attrName>
+                                        </p:attrNameLst>
+                                      </p:cBhvr>
+                                      <p:to>
+                                        <p:strVal val="visible"/>
+                                      </p:to>
+                                    </p:set>
+                                  </p:childTnLst>
+                                </p:cTn>
+                              </p:par>
+                            </p:childTnLst>
+                          </p:cTn>
+                        </p:par>
+                      </p:childTnLst>
+                    </p:cTn>
+                  </p:par>
+                  <p:par>
+                    <p:cTn id="11" fill="hold">
+                      <p:stCondLst>
+                        <p:cond delay="indefinite"/>
+                      </p:stCondLst>
+                      <p:childTnLst>
+                        <p:par>
+                          <p:cTn id="12" fill="hold">
+                            <p:stCondLst>
+                              <p:cond delay="0"/>
+                            </p:stCondLst>
+                            <p:childTnLst>
+                              <p:par>
+                                <p:cTn id="13" presetID="1" presetClass="entr" presetSubtype="0" fill="hold" nodeType="clickEffect">
+                                  <p:stCondLst>
+                                    <p:cond delay="0"/>
+                                  </p:stCondLst>
+                                  <p:childTnLst>
+                                    <p:set>
+                                      <p:cBhvr>
+                                        <p:cTn id="14" dur="1" fill="hold">
+                                          <p:stCondLst>
+                                            <p:cond delay="0"/>
+                                          </p:stCondLst>
+                                        </p:cTn>
+                                        <p:tgtEl>
+                                          <p:spTgt spid="11"/>
                                         </p:tgtEl>
                                         <p:attrNameLst>
                                           <p:attrName>style.visibility</p:attrName>
@@ -14375,10 +13267,10 @@
       </p:sp>
       <p:pic>
         <p:nvPicPr>
-          <p:cNvPr id="14" name="Picture 13">
+          <p:cNvPr id="3" name="Picture 2">
             <a:extLst>
               <a:ext uri="{FF2B5EF4-FFF2-40B4-BE49-F238E27FC236}">
-                <a16:creationId xmlns:a16="http://schemas.microsoft.com/office/drawing/2014/main" id="{E58BEAAF-29F3-DC6B-0423-9C4759AE09C2}"/>
+                <a16:creationId xmlns:a16="http://schemas.microsoft.com/office/drawing/2014/main" id="{3D37E974-D5CA-3F70-BDC6-574ADFF9AE3C}"/>
               </a:ext>
             </a:extLst>
           </p:cNvPr>
@@ -14395,8 +13287,8 @@
         </p:blipFill>
         <p:spPr>
           <a:xfrm>
-            <a:off x="993319" y="1207770"/>
-            <a:ext cx="10060050" cy="4255770"/>
+            <a:off x="949324" y="1141412"/>
+            <a:ext cx="10295831" cy="4014788"/>
           </a:xfrm>
           <a:prstGeom prst="rect">
             <a:avLst/>
@@ -14920,10 +13812,10 @@
       </p:pic>
       <p:grpSp>
         <p:nvGrpSpPr>
-          <p:cNvPr id="25" name="Group 24">
+          <p:cNvPr id="4" name="Group 3">
             <a:extLst>
               <a:ext uri="{FF2B5EF4-FFF2-40B4-BE49-F238E27FC236}">
-                <a16:creationId xmlns:a16="http://schemas.microsoft.com/office/drawing/2014/main" id="{EB305E18-F7C5-E2B9-56B8-7CFB2BD6D2C8}"/>
+                <a16:creationId xmlns:a16="http://schemas.microsoft.com/office/drawing/2014/main" id="{FC5EFDD0-7025-6182-DC7F-F036D52F0F66}"/>
               </a:ext>
             </a:extLst>
           </p:cNvPr>
@@ -15224,6 +14116,58 @@
             </a:prstGeom>
           </p:spPr>
         </p:pic>
+        <p:sp>
+          <p:nvSpPr>
+            <p:cNvPr id="3" name="Rectangle 2">
+              <a:extLst>
+                <a:ext uri="{FF2B5EF4-FFF2-40B4-BE49-F238E27FC236}">
+                  <a16:creationId xmlns:a16="http://schemas.microsoft.com/office/drawing/2014/main" id="{95540982-242D-BFE5-C796-46FA0E3335F3}"/>
+                </a:ext>
+              </a:extLst>
+            </p:cNvPr>
+            <p:cNvSpPr/>
+            <p:nvPr/>
+          </p:nvSpPr>
+          <p:spPr>
+            <a:xfrm>
+              <a:off x="3860800" y="4497855"/>
+              <a:ext cx="1460500" cy="449968"/>
+            </a:xfrm>
+            <a:prstGeom prst="rect">
+              <a:avLst/>
+            </a:prstGeom>
+            <a:noFill/>
+            <a:ln w="38100">
+              <a:solidFill>
+                <a:srgbClr val="FF0000"/>
+              </a:solidFill>
+            </a:ln>
+          </p:spPr>
+          <p:style>
+            <a:lnRef idx="2">
+              <a:schemeClr val="accent1">
+                <a:shade val="15000"/>
+              </a:schemeClr>
+            </a:lnRef>
+            <a:fillRef idx="1">
+              <a:schemeClr val="accent1"/>
+            </a:fillRef>
+            <a:effectRef idx="0">
+              <a:schemeClr val="accent1"/>
+            </a:effectRef>
+            <a:fontRef idx="minor">
+              <a:schemeClr val="lt1"/>
+            </a:fontRef>
+          </p:style>
+          <p:txBody>
+            <a:bodyPr rtlCol="0" anchor="ctr"/>
+            <a:lstStyle/>
+            <a:p>
+              <a:pPr algn="ctr"/>
+              <a:endParaRPr lang="en-US"/>
+            </a:p>
+          </p:txBody>
+        </p:sp>
       </p:grpSp>
     </p:spTree>
     <p:extLst>
@@ -15269,7 +14213,7 @@
                                           </p:stCondLst>
                                         </p:cTn>
                                         <p:tgtEl>
-                                          <p:spTgt spid="25"/>
+                                          <p:spTgt spid="4"/>
                                         </p:tgtEl>
                                         <p:attrNameLst>
                                           <p:attrName>style.visibility</p:attrName>
@@ -15332,10 +14276,10 @@
       </p:grpSpPr>
       <p:sp>
         <p:nvSpPr>
-          <p:cNvPr id="3" name="TextBox 2">
+          <p:cNvPr id="6" name="TextBox 5">
             <a:extLst>
               <a:ext uri="{FF2B5EF4-FFF2-40B4-BE49-F238E27FC236}">
-                <a16:creationId xmlns:a16="http://schemas.microsoft.com/office/drawing/2014/main" id="{4884DBA6-B21C-5ADD-9E6A-294ED35CD087}"/>
+                <a16:creationId xmlns:a16="http://schemas.microsoft.com/office/drawing/2014/main" id="{44410209-5076-4902-0710-FB5CB3CD3FB0}"/>
               </a:ext>
             </a:extLst>
           </p:cNvPr>
@@ -15344,8 +14288,8 @@
         </p:nvSpPr>
         <p:spPr>
           <a:xfrm>
-            <a:off x="1398270" y="1476405"/>
-            <a:ext cx="9395460" cy="3539430"/>
+            <a:off x="981075" y="2279439"/>
+            <a:ext cx="5406390" cy="430887"/>
           </a:xfrm>
           <a:prstGeom prst="rect">
             <a:avLst/>
@@ -15359,7 +14303,7 @@
           <a:lstStyle/>
           <a:p>
             <a:r>
-              <a:rPr lang="en-US" sz="2800" dirty="0">
+              <a:rPr lang="en-US" sz="2200" dirty="0">
                 <a:solidFill>
                   <a:srgbClr val="0000FF"/>
                 </a:solidFill>
@@ -15368,7 +14312,7 @@
               <a:t>SELECT</a:t>
             </a:r>
             <a:r>
-              <a:rPr lang="en-US" sz="2800" dirty="0">
+              <a:rPr lang="en-US" sz="2200" dirty="0">
                 <a:solidFill>
                   <a:srgbClr val="000000"/>
                 </a:solidFill>
@@ -15377,7 +14321,7 @@
               <a:t> </a:t>
             </a:r>
             <a:r>
-              <a:rPr lang="en-US" sz="2800" dirty="0">
+              <a:rPr lang="en-US" sz="2200" dirty="0">
                 <a:solidFill>
                   <a:srgbClr val="FF00FF"/>
                 </a:solidFill>
@@ -15386,7 +14330,7 @@
               <a:t>REPLACE</a:t>
             </a:r>
             <a:r>
-              <a:rPr lang="en-US" sz="2800" dirty="0">
+              <a:rPr lang="en-US" sz="2200" dirty="0">
                 <a:solidFill>
                   <a:srgbClr val="808080"/>
                 </a:solidFill>
@@ -15394,104 +14338,17 @@
               </a:rPr>
               <a:t>(</a:t>
             </a:r>
-          </a:p>
-          <a:p>
-            <a:r>
-              <a:rPr lang="en-US" sz="2800" dirty="0">
-                <a:solidFill>
-                  <a:srgbClr val="808080"/>
-                </a:solidFill>
-                <a:latin typeface="Consolas" panose="020B0609020204030204" pitchFamily="49" charset="0"/>
-              </a:rPr>
-              <a:t>	    </a:t>
-            </a:r>
-            <a:r>
-              <a:rPr lang="en-US" sz="2800" dirty="0">
-                <a:solidFill>
-                  <a:srgbClr val="FF00FF"/>
-                </a:solidFill>
-                <a:latin typeface="Consolas" panose="020B0609020204030204" pitchFamily="49" charset="0"/>
-              </a:rPr>
-              <a:t>REPLACE</a:t>
-            </a:r>
-            <a:r>
-              <a:rPr lang="en-US" sz="2800" dirty="0">
-                <a:solidFill>
-                  <a:srgbClr val="808080"/>
-                </a:solidFill>
-                <a:latin typeface="Consolas" panose="020B0609020204030204" pitchFamily="49" charset="0"/>
-              </a:rPr>
-              <a:t>(</a:t>
-            </a:r>
-          </a:p>
-          <a:p>
-            <a:r>
-              <a:rPr lang="en-US" sz="2800" dirty="0">
-                <a:solidFill>
-                  <a:srgbClr val="808080"/>
-                </a:solidFill>
-                <a:latin typeface="Consolas" panose="020B0609020204030204" pitchFamily="49" charset="0"/>
-              </a:rPr>
-              <a:t>	      </a:t>
-            </a:r>
-            <a:r>
-              <a:rPr lang="en-US" sz="2800" dirty="0">
-                <a:solidFill>
-                  <a:srgbClr val="FF00FF"/>
-                </a:solidFill>
-                <a:latin typeface="Consolas" panose="020B0609020204030204" pitchFamily="49" charset="0"/>
-              </a:rPr>
-              <a:t>REPLACE</a:t>
-            </a:r>
-            <a:r>
-              <a:rPr lang="en-US" sz="2800" dirty="0">
-                <a:solidFill>
-                  <a:srgbClr val="808080"/>
-                </a:solidFill>
-                <a:latin typeface="Consolas" panose="020B0609020204030204" pitchFamily="49" charset="0"/>
-              </a:rPr>
-              <a:t>(</a:t>
-            </a:r>
-          </a:p>
-          <a:p>
-            <a:r>
-              <a:rPr lang="en-US" sz="2800" dirty="0">
-                <a:solidFill>
-                  <a:srgbClr val="808080"/>
-                </a:solidFill>
-                <a:latin typeface="Consolas" panose="020B0609020204030204" pitchFamily="49" charset="0"/>
-              </a:rPr>
-              <a:t>	        </a:t>
-            </a:r>
-            <a:r>
-              <a:rPr lang="en-US" sz="2800" dirty="0">
-                <a:solidFill>
-                  <a:srgbClr val="FF00FF"/>
-                </a:solidFill>
-                <a:latin typeface="Consolas" panose="020B0609020204030204" pitchFamily="49" charset="0"/>
-              </a:rPr>
-              <a:t>REPLACE</a:t>
-            </a:r>
-            <a:r>
-              <a:rPr lang="en-US" sz="2800" dirty="0">
-                <a:solidFill>
-                  <a:srgbClr val="808080"/>
-                </a:solidFill>
-                <a:latin typeface="Consolas" panose="020B0609020204030204" pitchFamily="49" charset="0"/>
-              </a:rPr>
-              <a:t>(</a:t>
-            </a:r>
-            <a:r>
-              <a:rPr lang="en-US" sz="2800" dirty="0" err="1">
-                <a:solidFill>
-                  <a:srgbClr val="000000"/>
-                </a:solidFill>
-                <a:latin typeface="Consolas" panose="020B0609020204030204" pitchFamily="49" charset="0"/>
-              </a:rPr>
-              <a:t>ColumnName</a:t>
-            </a:r>
-            <a:r>
-              <a:rPr lang="en-US" sz="2800" dirty="0">
+            <a:r>
+              <a:rPr lang="en-US" sz="2200" dirty="0">
+                <a:solidFill>
+                  <a:srgbClr val="FF0000"/>
+                </a:solidFill>
+                <a:latin typeface="Consolas" panose="020B0609020204030204" pitchFamily="49" charset="0"/>
+              </a:rPr>
+              <a:t>'hello'</a:t>
+            </a:r>
+            <a:r>
+              <a:rPr lang="en-US" sz="2200" dirty="0">
                 <a:solidFill>
                   <a:srgbClr val="808080"/>
                 </a:solidFill>
@@ -15500,7 +14357,7 @@
               <a:t>,</a:t>
             </a:r>
             <a:r>
-              <a:rPr lang="en-US" sz="2800" dirty="0">
+              <a:rPr lang="en-US" sz="2200" dirty="0">
                 <a:solidFill>
                   <a:srgbClr val="000000"/>
                 </a:solidFill>
@@ -15509,16 +14366,16 @@
               <a:t> </a:t>
             </a:r>
             <a:r>
-              <a:rPr lang="en-US" sz="2800" dirty="0">
+              <a:rPr lang="en-US" sz="2200" dirty="0">
                 <a:solidFill>
                   <a:srgbClr val="FF0000"/>
                 </a:solidFill>
                 <a:latin typeface="Consolas" panose="020B0609020204030204" pitchFamily="49" charset="0"/>
               </a:rPr>
-              <a:t>'['</a:t>
-            </a:r>
-            <a:r>
-              <a:rPr lang="en-US" sz="2800" dirty="0">
+              <a:t>'e'</a:t>
+            </a:r>
+            <a:r>
+              <a:rPr lang="en-US" sz="2200" dirty="0">
                 <a:solidFill>
                   <a:srgbClr val="808080"/>
                 </a:solidFill>
@@ -15527,7 +14384,7 @@
               <a:t>,</a:t>
             </a:r>
             <a:r>
-              <a:rPr lang="en-US" sz="2800" dirty="0">
+              <a:rPr lang="en-US" sz="2200" dirty="0">
                 <a:solidFill>
                   <a:srgbClr val="000000"/>
                 </a:solidFill>
@@ -15536,16 +14393,16 @@
               <a:t> </a:t>
             </a:r>
             <a:r>
-              <a:rPr lang="en-US" sz="2800" dirty="0">
+              <a:rPr lang="en-US" sz="2200" dirty="0">
                 <a:solidFill>
                   <a:srgbClr val="FF0000"/>
                 </a:solidFill>
                 <a:latin typeface="Consolas" panose="020B0609020204030204" pitchFamily="49" charset="0"/>
               </a:rPr>
-              <a:t>''</a:t>
-            </a:r>
-            <a:r>
-              <a:rPr lang="en-US" sz="2800" dirty="0">
+              <a:t>'a'</a:t>
+            </a:r>
+            <a:r>
+              <a:rPr lang="en-US" sz="2200" dirty="0">
                 <a:solidFill>
                   <a:srgbClr val="808080"/>
                 </a:solidFill>
@@ -15553,243 +14410,521 @@
               </a:rPr>
               <a:t>)</a:t>
             </a:r>
-          </a:p>
-          <a:p>
-            <a:r>
-              <a:rPr lang="en-US" sz="2800" dirty="0">
-                <a:solidFill>
-                  <a:srgbClr val="808080"/>
-                </a:solidFill>
-                <a:latin typeface="Consolas" panose="020B0609020204030204" pitchFamily="49" charset="0"/>
-              </a:rPr>
-              <a:t>		 ,</a:t>
-            </a:r>
-            <a:r>
-              <a:rPr lang="en-US" sz="2800" dirty="0">
-                <a:solidFill>
-                  <a:srgbClr val="000000"/>
-                </a:solidFill>
-                <a:latin typeface="Consolas" panose="020B0609020204030204" pitchFamily="49" charset="0"/>
-              </a:rPr>
-              <a:t> </a:t>
-            </a:r>
-            <a:r>
-              <a:rPr lang="en-US" sz="2800" dirty="0">
-                <a:solidFill>
-                  <a:srgbClr val="FF0000"/>
-                </a:solidFill>
-                <a:latin typeface="Consolas" panose="020B0609020204030204" pitchFamily="49" charset="0"/>
-              </a:rPr>
-              <a:t>']'</a:t>
-            </a:r>
-            <a:r>
-              <a:rPr lang="en-US" sz="2800" dirty="0">
-                <a:solidFill>
-                  <a:srgbClr val="808080"/>
-                </a:solidFill>
-                <a:latin typeface="Consolas" panose="020B0609020204030204" pitchFamily="49" charset="0"/>
-              </a:rPr>
-              <a:t>,</a:t>
-            </a:r>
-            <a:r>
-              <a:rPr lang="en-US" sz="2800" dirty="0">
-                <a:solidFill>
-                  <a:srgbClr val="000000"/>
-                </a:solidFill>
-                <a:latin typeface="Consolas" panose="020B0609020204030204" pitchFamily="49" charset="0"/>
-              </a:rPr>
-              <a:t> </a:t>
-            </a:r>
-            <a:r>
-              <a:rPr lang="en-US" sz="2800" dirty="0">
-                <a:solidFill>
-                  <a:srgbClr val="FF0000"/>
-                </a:solidFill>
-                <a:latin typeface="Consolas" panose="020B0609020204030204" pitchFamily="49" charset="0"/>
-              </a:rPr>
-              <a:t>''</a:t>
-            </a:r>
-            <a:r>
-              <a:rPr lang="en-US" sz="2800" dirty="0">
-                <a:solidFill>
-                  <a:srgbClr val="808080"/>
-                </a:solidFill>
-                <a:latin typeface="Consolas" panose="020B0609020204030204" pitchFamily="49" charset="0"/>
-              </a:rPr>
-              <a:t>)</a:t>
-            </a:r>
-          </a:p>
-          <a:p>
-            <a:r>
-              <a:rPr lang="en-US" sz="2800" dirty="0">
-                <a:solidFill>
-                  <a:srgbClr val="808080"/>
-                </a:solidFill>
-                <a:latin typeface="Consolas" panose="020B0609020204030204" pitchFamily="49" charset="0"/>
-              </a:rPr>
-              <a:t>	    ,</a:t>
-            </a:r>
-            <a:r>
-              <a:rPr lang="en-US" sz="2800" dirty="0">
-                <a:solidFill>
-                  <a:srgbClr val="000000"/>
-                </a:solidFill>
-                <a:latin typeface="Consolas" panose="020B0609020204030204" pitchFamily="49" charset="0"/>
-              </a:rPr>
-              <a:t> </a:t>
-            </a:r>
-            <a:r>
-              <a:rPr lang="en-US" sz="2800" dirty="0">
-                <a:solidFill>
-                  <a:srgbClr val="FF0000"/>
-                </a:solidFill>
-                <a:latin typeface="Consolas" panose="020B0609020204030204" pitchFamily="49" charset="0"/>
-              </a:rPr>
-              <a:t>'('</a:t>
-            </a:r>
-            <a:r>
-              <a:rPr lang="en-US" sz="2800" dirty="0">
-                <a:solidFill>
-                  <a:srgbClr val="808080"/>
-                </a:solidFill>
-                <a:latin typeface="Consolas" panose="020B0609020204030204" pitchFamily="49" charset="0"/>
-              </a:rPr>
-              <a:t>,</a:t>
-            </a:r>
-            <a:r>
-              <a:rPr lang="en-US" sz="2800" dirty="0">
-                <a:solidFill>
-                  <a:srgbClr val="000000"/>
-                </a:solidFill>
-                <a:latin typeface="Consolas" panose="020B0609020204030204" pitchFamily="49" charset="0"/>
-              </a:rPr>
-              <a:t> </a:t>
-            </a:r>
-            <a:r>
-              <a:rPr lang="en-US" sz="2800" dirty="0">
-                <a:solidFill>
-                  <a:srgbClr val="FF0000"/>
-                </a:solidFill>
-                <a:latin typeface="Consolas" panose="020B0609020204030204" pitchFamily="49" charset="0"/>
-              </a:rPr>
-              <a:t>''</a:t>
-            </a:r>
-            <a:r>
-              <a:rPr lang="en-US" sz="2800" dirty="0">
-                <a:solidFill>
-                  <a:srgbClr val="808080"/>
-                </a:solidFill>
-                <a:latin typeface="Consolas" panose="020B0609020204030204" pitchFamily="49" charset="0"/>
-              </a:rPr>
-              <a:t>)</a:t>
-            </a:r>
-          </a:p>
-          <a:p>
-            <a:r>
-              <a:rPr lang="en-US" sz="2800" dirty="0">
-                <a:solidFill>
-                  <a:srgbClr val="808080"/>
-                </a:solidFill>
-                <a:latin typeface="Consolas" panose="020B0609020204030204" pitchFamily="49" charset="0"/>
-              </a:rPr>
-              <a:t>       ,</a:t>
-            </a:r>
-            <a:r>
-              <a:rPr lang="en-US" sz="2800" dirty="0">
-                <a:solidFill>
-                  <a:srgbClr val="000000"/>
-                </a:solidFill>
-                <a:latin typeface="Consolas" panose="020B0609020204030204" pitchFamily="49" charset="0"/>
-              </a:rPr>
-              <a:t> </a:t>
-            </a:r>
-            <a:r>
-              <a:rPr lang="en-US" sz="2800" dirty="0">
-                <a:solidFill>
-                  <a:srgbClr val="FF0000"/>
-                </a:solidFill>
-                <a:latin typeface="Consolas" panose="020B0609020204030204" pitchFamily="49" charset="0"/>
-              </a:rPr>
-              <a:t>')'</a:t>
-            </a:r>
-            <a:r>
-              <a:rPr lang="en-US" sz="2800" dirty="0">
-                <a:solidFill>
-                  <a:srgbClr val="808080"/>
-                </a:solidFill>
-                <a:latin typeface="Consolas" panose="020B0609020204030204" pitchFamily="49" charset="0"/>
-              </a:rPr>
-              <a:t>,</a:t>
-            </a:r>
-            <a:r>
-              <a:rPr lang="en-US" sz="2800" dirty="0">
-                <a:solidFill>
-                  <a:srgbClr val="000000"/>
-                </a:solidFill>
-                <a:latin typeface="Consolas" panose="020B0609020204030204" pitchFamily="49" charset="0"/>
-              </a:rPr>
-              <a:t> </a:t>
-            </a:r>
-            <a:r>
-              <a:rPr lang="en-US" sz="2800" dirty="0">
-                <a:solidFill>
-                  <a:srgbClr val="FF0000"/>
-                </a:solidFill>
-                <a:latin typeface="Consolas" panose="020B0609020204030204" pitchFamily="49" charset="0"/>
-              </a:rPr>
-              <a:t>''</a:t>
-            </a:r>
-            <a:r>
-              <a:rPr lang="en-US" sz="2800" dirty="0">
-                <a:solidFill>
-                  <a:srgbClr val="808080"/>
-                </a:solidFill>
-                <a:latin typeface="Consolas" panose="020B0609020204030204" pitchFamily="49" charset="0"/>
-              </a:rPr>
-              <a:t>)</a:t>
-            </a:r>
-            <a:endParaRPr lang="en-US" sz="2800" dirty="0">
+            <a:endParaRPr lang="es-ES" sz="2200" dirty="0">
               <a:solidFill>
                 <a:srgbClr val="000000"/>
               </a:solidFill>
               <a:latin typeface="Consolas" panose="020B0609020204030204" pitchFamily="49" charset="0"/>
             </a:endParaRPr>
           </a:p>
-          <a:p>
-            <a:r>
-              <a:rPr lang="en-US" sz="2800" dirty="0">
-                <a:solidFill>
-                  <a:srgbClr val="0000FF"/>
-                </a:solidFill>
-                <a:latin typeface="Consolas" panose="020B0609020204030204" pitchFamily="49" charset="0"/>
-              </a:rPr>
-              <a:t>FROM </a:t>
-            </a:r>
-            <a:r>
-              <a:rPr lang="en-US" sz="2800" dirty="0">
-                <a:solidFill>
-                  <a:schemeClr val="bg1">
-                    <a:lumMod val="50000"/>
-                  </a:schemeClr>
-                </a:solidFill>
-                <a:latin typeface="Consolas" panose="020B0609020204030204" pitchFamily="49" charset="0"/>
-              </a:rPr>
-              <a:t>...</a:t>
-            </a:r>
-            <a:endParaRPr lang="en-US" sz="6000" dirty="0">
-              <a:solidFill>
-                <a:schemeClr val="bg1">
-                  <a:lumMod val="50000"/>
-                </a:schemeClr>
-              </a:solidFill>
-            </a:endParaRPr>
-          </a:p>
         </p:txBody>
       </p:sp>
+      <p:sp>
+        <p:nvSpPr>
+          <p:cNvPr id="8" name="TextBox 7">
+            <a:extLst>
+              <a:ext uri="{FF2B5EF4-FFF2-40B4-BE49-F238E27FC236}">
+                <a16:creationId xmlns:a16="http://schemas.microsoft.com/office/drawing/2014/main" id="{604B7F01-18FC-0134-829F-DE82552E8BE8}"/>
+              </a:ext>
+            </a:extLst>
+          </p:cNvPr>
+          <p:cNvSpPr txBox="1"/>
+          <p:nvPr/>
+        </p:nvSpPr>
+        <p:spPr>
+          <a:xfrm>
+            <a:off x="738055" y="744925"/>
+            <a:ext cx="10583913" cy="646331"/>
+          </a:xfrm>
+          <a:prstGeom prst="rect">
+            <a:avLst/>
+          </a:prstGeom>
+          <a:noFill/>
+        </p:spPr>
+        <p:txBody>
+          <a:bodyPr wrap="square">
+            <a:spAutoFit/>
+          </a:bodyPr>
+          <a:lstStyle/>
+          <a:p>
+            <a:r>
+              <a:rPr lang="en-US" sz="3600" dirty="0">
+                <a:solidFill>
+                  <a:srgbClr val="FF00FF"/>
+                </a:solidFill>
+                <a:latin typeface="Consolas" panose="020B0609020204030204" pitchFamily="49" charset="0"/>
+              </a:rPr>
+              <a:t>REPLACE</a:t>
+            </a:r>
+            <a:r>
+              <a:rPr lang="en-US" sz="3600" dirty="0">
+                <a:solidFill>
+                  <a:srgbClr val="808080"/>
+                </a:solidFill>
+                <a:latin typeface="Consolas" panose="020B0609020204030204" pitchFamily="49" charset="0"/>
+              </a:rPr>
+              <a:t>(</a:t>
+            </a:r>
+            <a:r>
+              <a:rPr lang="en-US" sz="3200" dirty="0" err="1">
+                <a:solidFill>
+                  <a:srgbClr val="000000"/>
+                </a:solidFill>
+                <a:latin typeface="Consolas" panose="020B0609020204030204" pitchFamily="49" charset="0"/>
+              </a:rPr>
+              <a:t>stringable</a:t>
+            </a:r>
+            <a:r>
+              <a:rPr lang="en-US" sz="3600" dirty="0">
+                <a:solidFill>
+                  <a:srgbClr val="808080"/>
+                </a:solidFill>
+                <a:latin typeface="Consolas" panose="020B0609020204030204" pitchFamily="49" charset="0"/>
+              </a:rPr>
+              <a:t>,</a:t>
+            </a:r>
+            <a:r>
+              <a:rPr lang="en-US" sz="2400" dirty="0">
+                <a:solidFill>
+                  <a:srgbClr val="000000"/>
+                </a:solidFill>
+                <a:latin typeface="Consolas" panose="020B0609020204030204" pitchFamily="49" charset="0"/>
+              </a:rPr>
+              <a:t> </a:t>
+            </a:r>
+            <a:r>
+              <a:rPr lang="en-US" sz="3200" dirty="0" err="1">
+                <a:solidFill>
+                  <a:srgbClr val="000000"/>
+                </a:solidFill>
+                <a:latin typeface="Consolas" panose="020B0609020204030204" pitchFamily="49" charset="0"/>
+              </a:rPr>
+              <a:t>what_phrase</a:t>
+            </a:r>
+            <a:r>
+              <a:rPr lang="en-US" sz="3600" dirty="0">
+                <a:solidFill>
+                  <a:srgbClr val="808080"/>
+                </a:solidFill>
+                <a:latin typeface="Consolas" panose="020B0609020204030204" pitchFamily="49" charset="0"/>
+              </a:rPr>
+              <a:t>,</a:t>
+            </a:r>
+            <a:r>
+              <a:rPr lang="en-US" sz="2400" dirty="0">
+                <a:solidFill>
+                  <a:srgbClr val="000000"/>
+                </a:solidFill>
+                <a:latin typeface="Consolas" panose="020B0609020204030204" pitchFamily="49" charset="0"/>
+              </a:rPr>
+              <a:t> </a:t>
+            </a:r>
+            <a:r>
+              <a:rPr lang="en-US" sz="3200" dirty="0" err="1">
+                <a:solidFill>
+                  <a:srgbClr val="000000"/>
+                </a:solidFill>
+                <a:latin typeface="Consolas" panose="020B0609020204030204" pitchFamily="49" charset="0"/>
+              </a:rPr>
+              <a:t>with_what</a:t>
+            </a:r>
+            <a:r>
+              <a:rPr lang="en-US" sz="3600" dirty="0">
+                <a:solidFill>
+                  <a:srgbClr val="808080"/>
+                </a:solidFill>
+                <a:latin typeface="Consolas" panose="020B0609020204030204" pitchFamily="49" charset="0"/>
+              </a:rPr>
+              <a:t>)</a:t>
+            </a:r>
+            <a:endParaRPr lang="en-US" sz="3600" dirty="0"/>
+          </a:p>
+        </p:txBody>
+      </p:sp>
+      <p:sp>
+        <p:nvSpPr>
+          <p:cNvPr id="10" name="TextBox 9">
+            <a:extLst>
+              <a:ext uri="{FF2B5EF4-FFF2-40B4-BE49-F238E27FC236}">
+                <a16:creationId xmlns:a16="http://schemas.microsoft.com/office/drawing/2014/main" id="{D9D26083-FA3C-901C-884B-A94F10A0D1FB}"/>
+              </a:ext>
+            </a:extLst>
+          </p:cNvPr>
+          <p:cNvSpPr txBox="1"/>
+          <p:nvPr/>
+        </p:nvSpPr>
+        <p:spPr>
+          <a:xfrm>
+            <a:off x="981075" y="4455914"/>
+            <a:ext cx="5406390" cy="430887"/>
+          </a:xfrm>
+          <a:prstGeom prst="rect">
+            <a:avLst/>
+          </a:prstGeom>
+          <a:noFill/>
+        </p:spPr>
+        <p:txBody>
+          <a:bodyPr wrap="square">
+            <a:spAutoFit/>
+          </a:bodyPr>
+          <a:lstStyle/>
+          <a:p>
+            <a:r>
+              <a:rPr lang="en-US" sz="2200" dirty="0">
+                <a:solidFill>
+                  <a:srgbClr val="0000FF"/>
+                </a:solidFill>
+                <a:latin typeface="Consolas" panose="020B0609020204030204" pitchFamily="49" charset="0"/>
+              </a:rPr>
+              <a:t>SELECT</a:t>
+            </a:r>
+            <a:r>
+              <a:rPr lang="en-US" sz="2200" dirty="0">
+                <a:solidFill>
+                  <a:srgbClr val="000000"/>
+                </a:solidFill>
+                <a:latin typeface="Consolas" panose="020B0609020204030204" pitchFamily="49" charset="0"/>
+              </a:rPr>
+              <a:t> </a:t>
+            </a:r>
+            <a:r>
+              <a:rPr lang="en-US" sz="2200" dirty="0">
+                <a:solidFill>
+                  <a:srgbClr val="FF00FF"/>
+                </a:solidFill>
+                <a:latin typeface="Consolas" panose="020B0609020204030204" pitchFamily="49" charset="0"/>
+              </a:rPr>
+              <a:t>REPLACE</a:t>
+            </a:r>
+            <a:r>
+              <a:rPr lang="en-US" sz="2200" dirty="0">
+                <a:solidFill>
+                  <a:srgbClr val="808080"/>
+                </a:solidFill>
+                <a:latin typeface="Consolas" panose="020B0609020204030204" pitchFamily="49" charset="0"/>
+              </a:rPr>
+              <a:t>(</a:t>
+            </a:r>
+            <a:r>
+              <a:rPr lang="en-US" sz="2200" dirty="0">
+                <a:solidFill>
+                  <a:srgbClr val="000000"/>
+                </a:solidFill>
+                <a:latin typeface="Consolas" panose="020B0609020204030204" pitchFamily="49" charset="0"/>
+              </a:rPr>
+              <a:t>123</a:t>
+            </a:r>
+            <a:r>
+              <a:rPr lang="en-US" sz="2200" dirty="0">
+                <a:solidFill>
+                  <a:srgbClr val="808080"/>
+                </a:solidFill>
+                <a:latin typeface="Consolas" panose="020B0609020204030204" pitchFamily="49" charset="0"/>
+              </a:rPr>
+              <a:t>,</a:t>
+            </a:r>
+            <a:r>
+              <a:rPr lang="en-US" sz="2200" dirty="0">
+                <a:solidFill>
+                  <a:srgbClr val="000000"/>
+                </a:solidFill>
+                <a:latin typeface="Consolas" panose="020B0609020204030204" pitchFamily="49" charset="0"/>
+              </a:rPr>
+              <a:t> </a:t>
+            </a:r>
+            <a:r>
+              <a:rPr lang="en-US" sz="2200" dirty="0">
+                <a:solidFill>
+                  <a:srgbClr val="FF0000"/>
+                </a:solidFill>
+                <a:latin typeface="Consolas" panose="020B0609020204030204" pitchFamily="49" charset="0"/>
+              </a:rPr>
+              <a:t>'3'</a:t>
+            </a:r>
+            <a:r>
+              <a:rPr lang="en-US" sz="2200" dirty="0">
+                <a:solidFill>
+                  <a:srgbClr val="808080"/>
+                </a:solidFill>
+                <a:latin typeface="Consolas" panose="020B0609020204030204" pitchFamily="49" charset="0"/>
+              </a:rPr>
+              <a:t>,</a:t>
+            </a:r>
+            <a:r>
+              <a:rPr lang="en-US" sz="2200" dirty="0">
+                <a:solidFill>
+                  <a:srgbClr val="000000"/>
+                </a:solidFill>
+                <a:latin typeface="Consolas" panose="020B0609020204030204" pitchFamily="49" charset="0"/>
+              </a:rPr>
+              <a:t> </a:t>
+            </a:r>
+            <a:r>
+              <a:rPr lang="en-US" sz="2200" dirty="0">
+                <a:solidFill>
+                  <a:srgbClr val="FF0000"/>
+                </a:solidFill>
+                <a:latin typeface="Consolas" panose="020B0609020204030204" pitchFamily="49" charset="0"/>
+              </a:rPr>
+              <a:t>'6'</a:t>
+            </a:r>
+            <a:r>
+              <a:rPr lang="en-US" sz="2200" dirty="0">
+                <a:solidFill>
+                  <a:srgbClr val="808080"/>
+                </a:solidFill>
+                <a:latin typeface="Consolas" panose="020B0609020204030204" pitchFamily="49" charset="0"/>
+              </a:rPr>
+              <a:t>)</a:t>
+            </a:r>
+            <a:endParaRPr lang="en-US" sz="2200" dirty="0"/>
+          </a:p>
+        </p:txBody>
+      </p:sp>
+      <p:sp>
+        <p:nvSpPr>
+          <p:cNvPr id="14" name="TextBox 13">
+            <a:extLst>
+              <a:ext uri="{FF2B5EF4-FFF2-40B4-BE49-F238E27FC236}">
+                <a16:creationId xmlns:a16="http://schemas.microsoft.com/office/drawing/2014/main" id="{A274B8B0-A303-1D1D-3E99-08F362298D87}"/>
+              </a:ext>
+            </a:extLst>
+          </p:cNvPr>
+          <p:cNvSpPr txBox="1"/>
+          <p:nvPr/>
+        </p:nvSpPr>
+        <p:spPr>
+          <a:xfrm>
+            <a:off x="6839503" y="2088358"/>
+            <a:ext cx="4585335" cy="923330"/>
+          </a:xfrm>
+          <a:prstGeom prst="rect">
+            <a:avLst/>
+          </a:prstGeom>
+          <a:noFill/>
+        </p:spPr>
+        <p:txBody>
+          <a:bodyPr wrap="square" rtlCol="0">
+            <a:spAutoFit/>
+          </a:bodyPr>
+          <a:lstStyle/>
+          <a:p>
+            <a:r>
+              <a:rPr lang="en-US" dirty="0"/>
+              <a:t>“</a:t>
+            </a:r>
+            <a:r>
+              <a:rPr lang="en-US" dirty="0" err="1"/>
+              <a:t>Stringable</a:t>
+            </a:r>
+            <a:r>
+              <a:rPr lang="en-US" dirty="0"/>
+              <a:t>” refers to anything that can be represented as a string, including </a:t>
+            </a:r>
+            <a:r>
+              <a:rPr lang="en-US" dirty="0" err="1"/>
+              <a:t>numerics</a:t>
+            </a:r>
+            <a:r>
+              <a:rPr lang="en-US" dirty="0"/>
+              <a:t>, datetimes, </a:t>
+            </a:r>
+            <a:r>
+              <a:rPr lang="en-US" dirty="0" err="1"/>
+              <a:t>guids</a:t>
+            </a:r>
+            <a:r>
+              <a:rPr lang="en-US" dirty="0"/>
+              <a:t>, etc.</a:t>
+            </a:r>
+          </a:p>
+        </p:txBody>
+      </p:sp>
+      <p:sp>
+        <p:nvSpPr>
+          <p:cNvPr id="15" name="TextBox 14">
+            <a:extLst>
+              <a:ext uri="{FF2B5EF4-FFF2-40B4-BE49-F238E27FC236}">
+                <a16:creationId xmlns:a16="http://schemas.microsoft.com/office/drawing/2014/main" id="{4E95F8E7-F4ED-2BD1-D94C-38120D18DDD4}"/>
+              </a:ext>
+            </a:extLst>
+          </p:cNvPr>
+          <p:cNvSpPr txBox="1"/>
+          <p:nvPr/>
+        </p:nvSpPr>
+        <p:spPr>
+          <a:xfrm>
+            <a:off x="6839503" y="3376414"/>
+            <a:ext cx="4482465" cy="923330"/>
+          </a:xfrm>
+          <a:prstGeom prst="rect">
+            <a:avLst/>
+          </a:prstGeom>
+          <a:noFill/>
+        </p:spPr>
+        <p:txBody>
+          <a:bodyPr wrap="square" rtlCol="0">
+            <a:spAutoFit/>
+          </a:bodyPr>
+          <a:lstStyle/>
+          <a:p>
+            <a:r>
+              <a:rPr lang="en-US" dirty="0"/>
+              <a:t>Number of characters in </a:t>
+            </a:r>
+            <a:r>
+              <a:rPr lang="en-US" dirty="0">
+                <a:latin typeface="Consolas" panose="020B0609020204030204" pitchFamily="49" charset="0"/>
+              </a:rPr>
+              <a:t>(</a:t>
+            </a:r>
+            <a:r>
+              <a:rPr lang="en-US" dirty="0" err="1">
+                <a:solidFill>
+                  <a:srgbClr val="000000"/>
+                </a:solidFill>
+                <a:latin typeface="Consolas" panose="020B0609020204030204" pitchFamily="49" charset="0"/>
+              </a:rPr>
+              <a:t>what_phrase</a:t>
+            </a:r>
+            <a:r>
+              <a:rPr lang="en-US" dirty="0">
+                <a:latin typeface="Consolas" panose="020B0609020204030204" pitchFamily="49" charset="0"/>
+              </a:rPr>
+              <a:t>) </a:t>
+            </a:r>
+            <a:r>
+              <a:rPr lang="en-US" dirty="0"/>
+              <a:t>do </a:t>
+            </a:r>
+            <a:r>
+              <a:rPr lang="en-US" b="1" dirty="0"/>
+              <a:t>not</a:t>
+            </a:r>
+            <a:r>
+              <a:rPr lang="en-US" dirty="0"/>
+              <a:t> have to equal number of characters in </a:t>
+            </a:r>
+            <a:r>
+              <a:rPr lang="en-US" dirty="0">
+                <a:latin typeface="Consolas" panose="020B0609020204030204" pitchFamily="49" charset="0"/>
+              </a:rPr>
+              <a:t>(</a:t>
+            </a:r>
+            <a:r>
+              <a:rPr lang="en-US" dirty="0" err="1">
+                <a:solidFill>
+                  <a:srgbClr val="000000"/>
+                </a:solidFill>
+                <a:latin typeface="Consolas" panose="020B0609020204030204" pitchFamily="49" charset="0"/>
+              </a:rPr>
+              <a:t>with_what</a:t>
+            </a:r>
+            <a:r>
+              <a:rPr lang="en-US" dirty="0">
+                <a:latin typeface="Consolas" panose="020B0609020204030204" pitchFamily="49" charset="0"/>
+              </a:rPr>
+              <a:t>)</a:t>
+            </a:r>
+          </a:p>
+        </p:txBody>
+      </p:sp>
+      <p:sp>
+        <p:nvSpPr>
+          <p:cNvPr id="17" name="TextBox 16">
+            <a:extLst>
+              <a:ext uri="{FF2B5EF4-FFF2-40B4-BE49-F238E27FC236}">
+                <a16:creationId xmlns:a16="http://schemas.microsoft.com/office/drawing/2014/main" id="{B3435BAF-BCE3-BA22-9B52-7A37E3EE1481}"/>
+              </a:ext>
+            </a:extLst>
+          </p:cNvPr>
+          <p:cNvSpPr txBox="1"/>
+          <p:nvPr/>
+        </p:nvSpPr>
+        <p:spPr>
+          <a:xfrm>
+            <a:off x="6839503" y="2279439"/>
+            <a:ext cx="4133297" cy="369332"/>
+          </a:xfrm>
+          <a:prstGeom prst="rect">
+            <a:avLst/>
+          </a:prstGeom>
+          <a:noFill/>
+        </p:spPr>
+        <p:txBody>
+          <a:bodyPr wrap="square" rtlCol="0">
+            <a:spAutoFit/>
+          </a:bodyPr>
+          <a:lstStyle/>
+          <a:p>
+            <a:endParaRPr lang="en-US"/>
+          </a:p>
+        </p:txBody>
+      </p:sp>
+      <p:pic>
+        <p:nvPicPr>
+          <p:cNvPr id="3" name="Picture 2">
+            <a:extLst>
+              <a:ext uri="{FF2B5EF4-FFF2-40B4-BE49-F238E27FC236}">
+                <a16:creationId xmlns:a16="http://schemas.microsoft.com/office/drawing/2014/main" id="{2328E7AE-EB38-9B1C-ABDD-912D660205B1}"/>
+              </a:ext>
+            </a:extLst>
+          </p:cNvPr>
+          <p:cNvPicPr>
+            <a:picLocks noChangeAspect="1"/>
+          </p:cNvPicPr>
+          <p:nvPr/>
+        </p:nvPicPr>
+        <p:blipFill>
+          <a:blip r:embed="rId3"/>
+          <a:stretch>
+            <a:fillRect/>
+          </a:stretch>
+        </p:blipFill>
+        <p:spPr>
+          <a:xfrm>
+            <a:off x="1289684" y="3048421"/>
+            <a:ext cx="3132723" cy="869290"/>
+          </a:xfrm>
+          <a:prstGeom prst="rect">
+            <a:avLst/>
+          </a:prstGeom>
+        </p:spPr>
+      </p:pic>
+      <p:pic>
+        <p:nvPicPr>
+          <p:cNvPr id="5" name="Picture 4">
+            <a:extLst>
+              <a:ext uri="{FF2B5EF4-FFF2-40B4-BE49-F238E27FC236}">
+                <a16:creationId xmlns:a16="http://schemas.microsoft.com/office/drawing/2014/main" id="{6C257DC0-E182-BE6A-F00D-9AFF85521558}"/>
+              </a:ext>
+            </a:extLst>
+          </p:cNvPr>
+          <p:cNvPicPr>
+            <a:picLocks noChangeAspect="1"/>
+          </p:cNvPicPr>
+          <p:nvPr/>
+        </p:nvPicPr>
+        <p:blipFill>
+          <a:blip r:embed="rId4"/>
+          <a:stretch>
+            <a:fillRect/>
+          </a:stretch>
+        </p:blipFill>
+        <p:spPr>
+          <a:xfrm>
+            <a:off x="1289683" y="4912043"/>
+            <a:ext cx="3202061" cy="917257"/>
+          </a:xfrm>
+          <a:prstGeom prst="rect">
+            <a:avLst/>
+          </a:prstGeom>
+        </p:spPr>
+      </p:pic>
     </p:spTree>
     <p:extLst>
       <p:ext uri="{BB962C8B-B14F-4D97-AF65-F5344CB8AC3E}">
-        <p14:creationId xmlns:p14="http://schemas.microsoft.com/office/powerpoint/2010/main" val="3609271250"/>
+        <p14:creationId xmlns:p14="http://schemas.microsoft.com/office/powerpoint/2010/main" val="584012983"/>
       </p:ext>
     </p:extLst>
   </p:cSld>
@@ -16972,81 +16107,6 @@
   <p:clrMapOvr>
     <a:masterClrMapping/>
   </p:clrMapOvr>
-  <p:timing>
-    <p:tnLst>
-      <p:par>
-        <p:cTn id="1" dur="indefinite" restart="never" nodeType="tmRoot">
-          <p:childTnLst>
-            <p:seq concurrent="1" nextAc="seek">
-              <p:cTn id="2" dur="indefinite" nodeType="mainSeq">
-                <p:childTnLst>
-                  <p:par>
-                    <p:cTn id="3" fill="hold">
-                      <p:stCondLst>
-                        <p:cond delay="indefinite"/>
-                      </p:stCondLst>
-                      <p:childTnLst>
-                        <p:par>
-                          <p:cTn id="4" fill="hold">
-                            <p:stCondLst>
-                              <p:cond delay="0"/>
-                            </p:stCondLst>
-                            <p:childTnLst>
-                              <p:par>
-                                <p:cTn id="5" presetID="1" presetClass="entr" presetSubtype="0" fill="hold" nodeType="clickEffect">
-                                  <p:stCondLst>
-                                    <p:cond delay="0"/>
-                                  </p:stCondLst>
-                                  <p:childTnLst>
-                                    <p:set>
-                                      <p:cBhvr>
-                                        <p:cTn id="6" dur="1" fill="hold">
-                                          <p:stCondLst>
-                                            <p:cond delay="0"/>
-                                          </p:stCondLst>
-                                        </p:cTn>
-                                        <p:tgtEl>
-                                          <p:spTgt spid="5"/>
-                                        </p:tgtEl>
-                                        <p:attrNameLst>
-                                          <p:attrName>style.visibility</p:attrName>
-                                        </p:attrNameLst>
-                                      </p:cBhvr>
-                                      <p:to>
-                                        <p:strVal val="visible"/>
-                                      </p:to>
-                                    </p:set>
-                                  </p:childTnLst>
-                                </p:cTn>
-                              </p:par>
-                            </p:childTnLst>
-                          </p:cTn>
-                        </p:par>
-                      </p:childTnLst>
-                    </p:cTn>
-                  </p:par>
-                </p:childTnLst>
-              </p:cTn>
-              <p:prevCondLst>
-                <p:cond evt="onPrev" delay="0">
-                  <p:tgtEl>
-                    <p:sldTgt/>
-                  </p:tgtEl>
-                </p:cond>
-              </p:prevCondLst>
-              <p:nextCondLst>
-                <p:cond evt="onNext" delay="0">
-                  <p:tgtEl>
-                    <p:sldTgt/>
-                  </p:tgtEl>
-                </p:cond>
-              </p:nextCondLst>
-            </p:seq>
-          </p:childTnLst>
-        </p:cTn>
-      </p:par>
-    </p:tnLst>
-  </p:timing>
 </p:sld>
 </file>
 
@@ -18363,36 +17423,6 @@
           </a:p>
         </p:txBody>
       </p:sp>
-      <p:pic>
-        <p:nvPicPr>
-          <p:cNvPr id="3" name="Picture 2">
-            <a:extLst>
-              <a:ext uri="{FF2B5EF4-FFF2-40B4-BE49-F238E27FC236}">
-                <a16:creationId xmlns:a16="http://schemas.microsoft.com/office/drawing/2014/main" id="{5D2B1B6B-ABDB-C155-E617-8503CAACD105}"/>
-              </a:ext>
-            </a:extLst>
-          </p:cNvPr>
-          <p:cNvPicPr>
-            <a:picLocks noChangeAspect="1"/>
-          </p:cNvPicPr>
-          <p:nvPr/>
-        </p:nvPicPr>
-        <p:blipFill>
-          <a:blip r:embed="rId2"/>
-          <a:stretch>
-            <a:fillRect/>
-          </a:stretch>
-        </p:blipFill>
-        <p:spPr>
-          <a:xfrm>
-            <a:off x="8933043" y="1257276"/>
-            <a:ext cx="2247900" cy="1762125"/>
-          </a:xfrm>
-          <a:prstGeom prst="rect">
-            <a:avLst/>
-          </a:prstGeom>
-        </p:spPr>
-      </p:pic>
       <p:sp>
         <p:nvSpPr>
           <p:cNvPr id="5" name="Rectangle 4">
@@ -18497,50 +17527,101 @@
           </a:p>
         </p:txBody>
       </p:sp>
-      <p:cxnSp>
-        <p:nvCxnSpPr>
-          <p:cNvPr id="10" name="Straight Arrow Connector 9">
+      <p:grpSp>
+        <p:nvGrpSpPr>
+          <p:cNvPr id="2" name="Group 1">
             <a:extLst>
               <a:ext uri="{FF2B5EF4-FFF2-40B4-BE49-F238E27FC236}">
-                <a16:creationId xmlns:a16="http://schemas.microsoft.com/office/drawing/2014/main" id="{A4AD0C74-E43E-5D75-FAD8-739E01DB3B9C}"/>
+                <a16:creationId xmlns:a16="http://schemas.microsoft.com/office/drawing/2014/main" id="{C179EF7B-E04F-2981-B1D2-0E7837A4F849}"/>
               </a:ext>
             </a:extLst>
           </p:cNvPr>
-          <p:cNvCxnSpPr>
-            <a:cxnSpLocks/>
-          </p:cNvCxnSpPr>
+          <p:cNvGrpSpPr/>
           <p:nvPr/>
-        </p:nvCxnSpPr>
-        <p:spPr>
-          <a:xfrm flipH="1" flipV="1">
-            <a:off x="10458450" y="2846070"/>
-            <a:ext cx="160020" cy="582930"/>
+        </p:nvGrpSpPr>
+        <p:grpSpPr>
+          <a:xfrm>
+            <a:off x="8933043" y="1257276"/>
+            <a:ext cx="2247900" cy="2171724"/>
+            <a:chOff x="8933043" y="1257276"/>
+            <a:chExt cx="2247900" cy="2171724"/>
           </a:xfrm>
-          <a:prstGeom prst="straightConnector1">
-            <a:avLst/>
-          </a:prstGeom>
-          <a:ln w="41275">
-            <a:solidFill>
-              <a:srgbClr val="FF0000"/>
-            </a:solidFill>
-            <a:tailEnd type="triangle" w="lg" len="lg"/>
-          </a:ln>
-        </p:spPr>
-        <p:style>
-          <a:lnRef idx="1">
-            <a:schemeClr val="accent1"/>
-          </a:lnRef>
-          <a:fillRef idx="0">
-            <a:schemeClr val="accent1"/>
-          </a:fillRef>
-          <a:effectRef idx="0">
-            <a:schemeClr val="accent1"/>
-          </a:effectRef>
-          <a:fontRef idx="minor">
-            <a:schemeClr val="tx1"/>
-          </a:fontRef>
-        </p:style>
-      </p:cxnSp>
+        </p:grpSpPr>
+        <p:pic>
+          <p:nvPicPr>
+            <p:cNvPr id="3" name="Picture 2">
+              <a:extLst>
+                <a:ext uri="{FF2B5EF4-FFF2-40B4-BE49-F238E27FC236}">
+                  <a16:creationId xmlns:a16="http://schemas.microsoft.com/office/drawing/2014/main" id="{5D2B1B6B-ABDB-C155-E617-8503CAACD105}"/>
+                </a:ext>
+              </a:extLst>
+            </p:cNvPr>
+            <p:cNvPicPr>
+              <a:picLocks noChangeAspect="1"/>
+            </p:cNvPicPr>
+            <p:nvPr/>
+          </p:nvPicPr>
+          <p:blipFill>
+            <a:blip r:embed="rId2"/>
+            <a:stretch>
+              <a:fillRect/>
+            </a:stretch>
+          </p:blipFill>
+          <p:spPr>
+            <a:xfrm>
+              <a:off x="8933043" y="1257276"/>
+              <a:ext cx="2247900" cy="1762125"/>
+            </a:xfrm>
+            <a:prstGeom prst="rect">
+              <a:avLst/>
+            </a:prstGeom>
+          </p:spPr>
+        </p:pic>
+        <p:cxnSp>
+          <p:nvCxnSpPr>
+            <p:cNvPr id="10" name="Straight Arrow Connector 9">
+              <a:extLst>
+                <a:ext uri="{FF2B5EF4-FFF2-40B4-BE49-F238E27FC236}">
+                  <a16:creationId xmlns:a16="http://schemas.microsoft.com/office/drawing/2014/main" id="{A4AD0C74-E43E-5D75-FAD8-739E01DB3B9C}"/>
+                </a:ext>
+              </a:extLst>
+            </p:cNvPr>
+            <p:cNvCxnSpPr>
+              <a:cxnSpLocks/>
+            </p:cNvCxnSpPr>
+            <p:nvPr/>
+          </p:nvCxnSpPr>
+          <p:spPr>
+            <a:xfrm flipH="1" flipV="1">
+              <a:off x="10458450" y="2846070"/>
+              <a:ext cx="160020" cy="582930"/>
+            </a:xfrm>
+            <a:prstGeom prst="straightConnector1">
+              <a:avLst/>
+            </a:prstGeom>
+            <a:ln w="41275">
+              <a:solidFill>
+                <a:srgbClr val="FF0000"/>
+              </a:solidFill>
+              <a:tailEnd type="triangle" w="lg" len="lg"/>
+            </a:ln>
+          </p:spPr>
+          <p:style>
+            <a:lnRef idx="1">
+              <a:schemeClr val="accent1"/>
+            </a:lnRef>
+            <a:fillRef idx="0">
+              <a:schemeClr val="accent1"/>
+            </a:fillRef>
+            <a:effectRef idx="0">
+              <a:schemeClr val="accent1"/>
+            </a:effectRef>
+            <a:fontRef idx="minor">
+              <a:schemeClr val="tx1"/>
+            </a:fontRef>
+          </p:style>
+        </p:cxnSp>
+      </p:grpSp>
     </p:spTree>
     <p:extLst>
       <p:ext uri="{BB962C8B-B14F-4D97-AF65-F5344CB8AC3E}">
@@ -18585,7 +17666,7 @@
                                           </p:stCondLst>
                                         </p:cTn>
                                         <p:tgtEl>
-                                          <p:spTgt spid="3"/>
+                                          <p:spTgt spid="2"/>
                                         </p:tgtEl>
                                         <p:attrNameLst>
                                           <p:attrName>style.visibility</p:attrName>
@@ -18648,10 +17729,10 @@
       </p:grpSpPr>
       <p:pic>
         <p:nvPicPr>
-          <p:cNvPr id="12" name="Picture 11">
+          <p:cNvPr id="5" name="Picture 4">
             <a:extLst>
               <a:ext uri="{FF2B5EF4-FFF2-40B4-BE49-F238E27FC236}">
-                <a16:creationId xmlns:a16="http://schemas.microsoft.com/office/drawing/2014/main" id="{37B2FC8A-DBD6-7F95-0D83-70CD9E2BF7E4}"/>
+                <a16:creationId xmlns:a16="http://schemas.microsoft.com/office/drawing/2014/main" id="{91611481-75A9-1696-088D-9C683713CFD5}"/>
               </a:ext>
             </a:extLst>
           </p:cNvPr>
@@ -18661,15 +17742,15 @@
           <p:nvPr/>
         </p:nvPicPr>
         <p:blipFill>
-          <a:blip r:embed="rId2"/>
+          <a:blip r:embed="rId3"/>
           <a:stretch>
             <a:fillRect/>
           </a:stretch>
         </p:blipFill>
         <p:spPr>
           <a:xfrm>
-            <a:off x="2027237" y="1984374"/>
-            <a:ext cx="7672158" cy="2447926"/>
+            <a:off x="1900237" y="1558280"/>
+            <a:ext cx="7649286" cy="2683520"/>
           </a:xfrm>
           <a:prstGeom prst="rect">
             <a:avLst/>
@@ -20009,143 +19090,10 @@
   <p:clrMapOvr>
     <a:masterClrMapping/>
   </p:clrMapOvr>
-  <p:timing>
-    <p:tnLst>
-      <p:par>
-        <p:cTn id="1" dur="indefinite" restart="never" nodeType="tmRoot">
-          <p:childTnLst>
-            <p:seq concurrent="1" nextAc="seek">
-              <p:cTn id="2" dur="indefinite" nodeType="mainSeq">
-                <p:childTnLst>
-                  <p:par>
-                    <p:cTn id="3" fill="hold">
-                      <p:stCondLst>
-                        <p:cond delay="indefinite"/>
-                      </p:stCondLst>
-                      <p:childTnLst>
-                        <p:par>
-                          <p:cTn id="4" fill="hold">
-                            <p:stCondLst>
-                              <p:cond delay="0"/>
-                            </p:stCondLst>
-                            <p:childTnLst>
-                              <p:par>
-                                <p:cTn id="5" presetID="1" presetClass="entr" presetSubtype="0" fill="hold" nodeType="clickEffect">
-                                  <p:stCondLst>
-                                    <p:cond delay="0"/>
-                                  </p:stCondLst>
-                                  <p:childTnLst>
-                                    <p:set>
-                                      <p:cBhvr>
-                                        <p:cTn id="6" dur="1" fill="hold">
-                                          <p:stCondLst>
-                                            <p:cond delay="0"/>
-                                          </p:stCondLst>
-                                        </p:cTn>
-                                        <p:tgtEl>
-                                          <p:spTgt spid="3"/>
-                                        </p:tgtEl>
-                                        <p:attrNameLst>
-                                          <p:attrName>style.visibility</p:attrName>
-                                        </p:attrNameLst>
-                                      </p:cBhvr>
-                                      <p:to>
-                                        <p:strVal val="visible"/>
-                                      </p:to>
-                                    </p:set>
-                                  </p:childTnLst>
-                                </p:cTn>
-                              </p:par>
-                            </p:childTnLst>
-                          </p:cTn>
-                        </p:par>
-                      </p:childTnLst>
-                    </p:cTn>
-                  </p:par>
-                </p:childTnLst>
-              </p:cTn>
-              <p:prevCondLst>
-                <p:cond evt="onPrev" delay="0">
-                  <p:tgtEl>
-                    <p:sldTgt/>
-                  </p:tgtEl>
-                </p:cond>
-              </p:prevCondLst>
-              <p:nextCondLst>
-                <p:cond evt="onNext" delay="0">
-                  <p:tgtEl>
-                    <p:sldTgt/>
-                  </p:tgtEl>
-                </p:cond>
-              </p:nextCondLst>
-            </p:seq>
-          </p:childTnLst>
-        </p:cTn>
-      </p:par>
-    </p:tnLst>
-  </p:timing>
 </p:sld>
 </file>
 
 <file path=ppt/slides/slide26.xml><?xml version="1.0" encoding="utf-8"?>
-<p:sld xmlns:a="http://schemas.openxmlformats.org/drawingml/2006/main" xmlns:r="http://schemas.openxmlformats.org/officeDocument/2006/relationships" xmlns:p="http://schemas.openxmlformats.org/presentationml/2006/main">
-  <p:cSld>
-    <p:spTree>
-      <p:nvGrpSpPr>
-        <p:cNvPr id="1" name=""/>
-        <p:cNvGrpSpPr/>
-        <p:nvPr/>
-      </p:nvGrpSpPr>
-      <p:grpSpPr>
-        <a:xfrm>
-          <a:off x="0" y="0"/>
-          <a:ext cx="0" cy="0"/>
-          <a:chOff x="0" y="0"/>
-          <a:chExt cx="0" cy="0"/>
-        </a:xfrm>
-      </p:grpSpPr>
-      <p:sp>
-        <p:nvSpPr>
-          <p:cNvPr id="2" name="Title 1">
-            <a:extLst>
-              <a:ext uri="{FF2B5EF4-FFF2-40B4-BE49-F238E27FC236}">
-                <a16:creationId xmlns:a16="http://schemas.microsoft.com/office/drawing/2014/main" id="{1A96A5F5-2C57-07D4-DF17-8FE9866ECC1A}"/>
-              </a:ext>
-            </a:extLst>
-          </p:cNvPr>
-          <p:cNvSpPr>
-            <a:spLocks noGrp="1"/>
-          </p:cNvSpPr>
-          <p:nvPr>
-            <p:ph type="title"/>
-          </p:nvPr>
-        </p:nvSpPr>
-        <p:spPr/>
-        <p:txBody>
-          <a:bodyPr/>
-          <a:lstStyle/>
-          <a:p>
-            <a:r>
-              <a:rPr lang="en-US" dirty="0"/>
-              <a:t>Demo Time</a:t>
-            </a:r>
-          </a:p>
-        </p:txBody>
-      </p:sp>
-    </p:spTree>
-    <p:extLst>
-      <p:ext uri="{BB962C8B-B14F-4D97-AF65-F5344CB8AC3E}">
-        <p14:creationId xmlns:p14="http://schemas.microsoft.com/office/powerpoint/2010/main" val="3988150757"/>
-      </p:ext>
-    </p:extLst>
-  </p:cSld>
-  <p:clrMapOvr>
-    <a:masterClrMapping/>
-  </p:clrMapOvr>
-</p:sld>
-</file>
-
-<file path=ppt/slides/slide27.xml><?xml version="1.0" encoding="utf-8"?>
 <p:sld xmlns:a="http://schemas.openxmlformats.org/drawingml/2006/main" xmlns:r="http://schemas.openxmlformats.org/officeDocument/2006/relationships" xmlns:p="http://schemas.openxmlformats.org/presentationml/2006/main">
   <p:cSld>
     <p:spTree>
@@ -20841,12 +19789,42 @@
           </a:p>
         </p:txBody>
       </p:sp>
+      <p:pic>
+        <p:nvPicPr>
+          <p:cNvPr id="22" name="Picture 21">
+            <a:extLst>
+              <a:ext uri="{FF2B5EF4-FFF2-40B4-BE49-F238E27FC236}">
+                <a16:creationId xmlns:a16="http://schemas.microsoft.com/office/drawing/2014/main" id="{0CA3F68A-CC00-CE9B-E92A-6F48FB11378C}"/>
+              </a:ext>
+            </a:extLst>
+          </p:cNvPr>
+          <p:cNvPicPr>
+            <a:picLocks noChangeAspect="1"/>
+          </p:cNvPicPr>
+          <p:nvPr/>
+        </p:nvPicPr>
+        <p:blipFill>
+          <a:blip r:embed="rId3"/>
+          <a:stretch>
+            <a:fillRect/>
+          </a:stretch>
+        </p:blipFill>
+        <p:spPr>
+          <a:xfrm>
+            <a:off x="7715250" y="991239"/>
+            <a:ext cx="3380942" cy="1957388"/>
+          </a:xfrm>
+          <a:prstGeom prst="rect">
+            <a:avLst/>
+          </a:prstGeom>
+        </p:spPr>
+      </p:pic>
       <p:grpSp>
         <p:nvGrpSpPr>
-          <p:cNvPr id="18" name="Group 17">
+          <p:cNvPr id="6" name="Group 5">
             <a:extLst>
               <a:ext uri="{FF2B5EF4-FFF2-40B4-BE49-F238E27FC236}">
-                <a16:creationId xmlns:a16="http://schemas.microsoft.com/office/drawing/2014/main" id="{B6075168-B32E-BBBB-C3A2-9BC376CD9D8B}"/>
+                <a16:creationId xmlns:a16="http://schemas.microsoft.com/office/drawing/2014/main" id="{C8F22E0E-5243-6436-9E54-101DB9722829}"/>
               </a:ext>
             </a:extLst>
           </p:cNvPr>
@@ -20855,48 +19833,173 @@
         </p:nvGrpSpPr>
         <p:grpSpPr>
           <a:xfrm>
-            <a:off x="7049190" y="3122681"/>
-            <a:ext cx="4179288" cy="2009389"/>
-            <a:chOff x="7049190" y="3122681"/>
-            <a:chExt cx="4179288" cy="2009389"/>
+            <a:off x="963522" y="3122681"/>
+            <a:ext cx="10264956" cy="2357498"/>
+            <a:chOff x="963522" y="3122681"/>
+            <a:chExt cx="10264956" cy="2357498"/>
           </a:xfrm>
         </p:grpSpPr>
-        <p:pic>
-          <p:nvPicPr>
-            <p:cNvPr id="15" name="Picture 14">
+        <p:grpSp>
+          <p:nvGrpSpPr>
+            <p:cNvPr id="18" name="Group 17">
               <a:extLst>
                 <a:ext uri="{FF2B5EF4-FFF2-40B4-BE49-F238E27FC236}">
-                  <a16:creationId xmlns:a16="http://schemas.microsoft.com/office/drawing/2014/main" id="{1314EA51-99A6-2CD6-93A6-4DE2E6109446}"/>
+                  <a16:creationId xmlns:a16="http://schemas.microsoft.com/office/drawing/2014/main" id="{B6075168-B32E-BBBB-C3A2-9BC376CD9D8B}"/>
                 </a:ext>
               </a:extLst>
             </p:cNvPr>
-            <p:cNvPicPr>
-              <a:picLocks noChangeAspect="1"/>
-            </p:cNvPicPr>
+            <p:cNvGrpSpPr/>
             <p:nvPr/>
-          </p:nvPicPr>
-          <p:blipFill>
-            <a:blip r:embed="rId3"/>
-            <a:stretch>
-              <a:fillRect/>
-            </a:stretch>
-          </p:blipFill>
-          <p:spPr>
+          </p:nvGrpSpPr>
+          <p:grpSpPr>
             <a:xfrm>
               <a:off x="7049190" y="3122681"/>
-              <a:ext cx="4179288" cy="1957388"/>
+              <a:ext cx="4179288" cy="2009389"/>
+              <a:chOff x="7049190" y="3122681"/>
+              <a:chExt cx="4179288" cy="2009389"/>
             </a:xfrm>
-            <a:prstGeom prst="rect">
-              <a:avLst/>
-            </a:prstGeom>
-          </p:spPr>
-        </p:pic>
+          </p:grpSpPr>
+          <p:pic>
+            <p:nvPicPr>
+              <p:cNvPr id="15" name="Picture 14">
+                <a:extLst>
+                  <a:ext uri="{FF2B5EF4-FFF2-40B4-BE49-F238E27FC236}">
+                    <a16:creationId xmlns:a16="http://schemas.microsoft.com/office/drawing/2014/main" id="{1314EA51-99A6-2CD6-93A6-4DE2E6109446}"/>
+                  </a:ext>
+                </a:extLst>
+              </p:cNvPr>
+              <p:cNvPicPr>
+                <a:picLocks noChangeAspect="1"/>
+              </p:cNvPicPr>
+              <p:nvPr/>
+            </p:nvPicPr>
+            <p:blipFill>
+              <a:blip r:embed="rId4"/>
+              <a:stretch>
+                <a:fillRect/>
+              </a:stretch>
+            </p:blipFill>
+            <p:spPr>
+              <a:xfrm>
+                <a:off x="7049190" y="3122681"/>
+                <a:ext cx="4179288" cy="1957388"/>
+              </a:xfrm>
+              <a:prstGeom prst="rect">
+                <a:avLst/>
+              </a:prstGeom>
+            </p:spPr>
+          </p:pic>
+          <p:sp>
+            <p:nvSpPr>
+              <p:cNvPr id="16" name="Rectangle 15">
+                <a:extLst>
+                  <a:ext uri="{FF2B5EF4-FFF2-40B4-BE49-F238E27FC236}">
+                    <a16:creationId xmlns:a16="http://schemas.microsoft.com/office/drawing/2014/main" id="{09F51898-0056-0438-0AA3-4901FFF1029C}"/>
+                  </a:ext>
+                </a:extLst>
+              </p:cNvPr>
+              <p:cNvSpPr/>
+              <p:nvPr/>
+            </p:nvSpPr>
+            <p:spPr>
+              <a:xfrm>
+                <a:off x="7715250" y="4080510"/>
+                <a:ext cx="3371850" cy="400110"/>
+              </a:xfrm>
+              <a:prstGeom prst="rect">
+                <a:avLst/>
+              </a:prstGeom>
+              <a:noFill/>
+              <a:ln w="50800">
+                <a:solidFill>
+                  <a:srgbClr val="FF0000"/>
+                </a:solidFill>
+              </a:ln>
+            </p:spPr>
+            <p:style>
+              <a:lnRef idx="2">
+                <a:schemeClr val="accent1">
+                  <a:shade val="15000"/>
+                </a:schemeClr>
+              </a:lnRef>
+              <a:fillRef idx="1">
+                <a:schemeClr val="accent1"/>
+              </a:fillRef>
+              <a:effectRef idx="0">
+                <a:schemeClr val="accent1"/>
+              </a:effectRef>
+              <a:fontRef idx="minor">
+                <a:schemeClr val="lt1"/>
+              </a:fontRef>
+            </p:style>
+            <p:txBody>
+              <a:bodyPr rtlCol="0" anchor="ctr"/>
+              <a:lstStyle/>
+              <a:p>
+                <a:pPr algn="ctr"/>
+                <a:endParaRPr lang="en-US"/>
+              </a:p>
+            </p:txBody>
+          </p:sp>
+          <p:sp>
+            <p:nvSpPr>
+              <p:cNvPr id="17" name="Rectangle 16">
+                <a:extLst>
+                  <a:ext uri="{FF2B5EF4-FFF2-40B4-BE49-F238E27FC236}">
+                    <a16:creationId xmlns:a16="http://schemas.microsoft.com/office/drawing/2014/main" id="{ACC9B985-240D-9F99-08B7-E36E00DEA90A}"/>
+                  </a:ext>
+                </a:extLst>
+              </p:cNvPr>
+              <p:cNvSpPr/>
+              <p:nvPr/>
+            </p:nvSpPr>
+            <p:spPr>
+              <a:xfrm>
+                <a:off x="7715250" y="4731960"/>
+                <a:ext cx="3513228" cy="400110"/>
+              </a:xfrm>
+              <a:prstGeom prst="rect">
+                <a:avLst/>
+              </a:prstGeom>
+              <a:noFill/>
+              <a:ln w="50800">
+                <a:solidFill>
+                  <a:srgbClr val="FF0000"/>
+                </a:solidFill>
+              </a:ln>
+            </p:spPr>
+            <p:style>
+              <a:lnRef idx="2">
+                <a:schemeClr val="accent1">
+                  <a:shade val="15000"/>
+                </a:schemeClr>
+              </a:lnRef>
+              <a:fillRef idx="1">
+                <a:schemeClr val="accent1"/>
+              </a:fillRef>
+              <a:effectRef idx="0">
+                <a:schemeClr val="accent1"/>
+              </a:effectRef>
+              <a:fontRef idx="minor">
+                <a:schemeClr val="lt1"/>
+              </a:fontRef>
+            </p:style>
+            <p:txBody>
+              <a:bodyPr rtlCol="0" anchor="ctr"/>
+              <a:lstStyle/>
+              <a:p>
+                <a:pPr algn="ctr"/>
+                <a:endParaRPr lang="en-US"/>
+              </a:p>
+            </p:txBody>
+          </p:sp>
+        </p:grpSp>
         <p:sp>
           <p:nvSpPr>
-            <p:cNvPr id="16" name="Rectangle 15">
+            <p:cNvPr id="3" name="Rectangle 2">
               <a:extLst>
                 <a:ext uri="{FF2B5EF4-FFF2-40B4-BE49-F238E27FC236}">
-                  <a16:creationId xmlns:a16="http://schemas.microsoft.com/office/drawing/2014/main" id="{09F51898-0056-0438-0AA3-4901FFF1029C}"/>
+                  <a16:creationId xmlns:a16="http://schemas.microsoft.com/office/drawing/2014/main" id="{A294FEE9-A18D-5A96-7A35-38B84934B539}"/>
                 </a:ext>
               </a:extLst>
             </p:cNvPr>
@@ -20905,8 +20008,8 @@
           </p:nvSpPr>
           <p:spPr>
             <a:xfrm>
-              <a:off x="7715250" y="4080510"/>
-              <a:ext cx="3371850" cy="400110"/>
+              <a:off x="963522" y="5080069"/>
+              <a:ext cx="2795678" cy="400110"/>
             </a:xfrm>
             <a:prstGeom prst="rect">
               <a:avLst/>
@@ -20943,89 +20046,51 @@
             </a:p>
           </p:txBody>
         </p:sp>
-        <p:sp>
-          <p:nvSpPr>
-            <p:cNvPr id="17" name="Rectangle 16">
+        <p:cxnSp>
+          <p:nvCxnSpPr>
+            <p:cNvPr id="5" name="Straight Arrow Connector 4">
               <a:extLst>
                 <a:ext uri="{FF2B5EF4-FFF2-40B4-BE49-F238E27FC236}">
-                  <a16:creationId xmlns:a16="http://schemas.microsoft.com/office/drawing/2014/main" id="{ACC9B985-240D-9F99-08B7-E36E00DEA90A}"/>
+                  <a16:creationId xmlns:a16="http://schemas.microsoft.com/office/drawing/2014/main" id="{E84BE5CA-8AC8-2284-695D-F850372CA2F9}"/>
                 </a:ext>
               </a:extLst>
             </p:cNvPr>
-            <p:cNvSpPr/>
+            <p:cNvCxnSpPr>
+              <a:stCxn id="3" idx="3"/>
+            </p:cNvCxnSpPr>
             <p:nvPr/>
-          </p:nvSpPr>
+          </p:nvCxnSpPr>
           <p:spPr>
-            <a:xfrm>
-              <a:off x="7715250" y="4731960"/>
-              <a:ext cx="3513228" cy="400110"/>
+            <a:xfrm flipV="1">
+              <a:off x="3759200" y="4731960"/>
+              <a:ext cx="3556000" cy="548164"/>
             </a:xfrm>
-            <a:prstGeom prst="rect">
+            <a:prstGeom prst="straightConnector1">
               <a:avLst/>
             </a:prstGeom>
-            <a:noFill/>
-            <a:ln w="50800">
+            <a:ln w="47625">
               <a:solidFill>
                 <a:srgbClr val="FF0000"/>
               </a:solidFill>
+              <a:tailEnd type="triangle"/>
             </a:ln>
           </p:spPr>
           <p:style>
-            <a:lnRef idx="2">
-              <a:schemeClr val="accent1">
-                <a:shade val="15000"/>
-              </a:schemeClr>
+            <a:lnRef idx="1">
+              <a:schemeClr val="accent1"/>
             </a:lnRef>
-            <a:fillRef idx="1">
+            <a:fillRef idx="0">
               <a:schemeClr val="accent1"/>
             </a:fillRef>
             <a:effectRef idx="0">
               <a:schemeClr val="accent1"/>
             </a:effectRef>
             <a:fontRef idx="minor">
-              <a:schemeClr val="lt1"/>
+              <a:schemeClr val="tx1"/>
             </a:fontRef>
           </p:style>
-          <p:txBody>
-            <a:bodyPr rtlCol="0" anchor="ctr"/>
-            <a:lstStyle/>
-            <a:p>
-              <a:pPr algn="ctr"/>
-              <a:endParaRPr lang="en-US"/>
-            </a:p>
-          </p:txBody>
-        </p:sp>
+        </p:cxnSp>
       </p:grpSp>
-      <p:pic>
-        <p:nvPicPr>
-          <p:cNvPr id="22" name="Picture 21">
-            <a:extLst>
-              <a:ext uri="{FF2B5EF4-FFF2-40B4-BE49-F238E27FC236}">
-                <a16:creationId xmlns:a16="http://schemas.microsoft.com/office/drawing/2014/main" id="{0CA3F68A-CC00-CE9B-E92A-6F48FB11378C}"/>
-              </a:ext>
-            </a:extLst>
-          </p:cNvPr>
-          <p:cNvPicPr>
-            <a:picLocks noChangeAspect="1"/>
-          </p:cNvPicPr>
-          <p:nvPr/>
-        </p:nvPicPr>
-        <p:blipFill>
-          <a:blip r:embed="rId4"/>
-          <a:stretch>
-            <a:fillRect/>
-          </a:stretch>
-        </p:blipFill>
-        <p:spPr>
-          <a:xfrm>
-            <a:off x="7715250" y="991239"/>
-            <a:ext cx="3380942" cy="1957388"/>
-          </a:xfrm>
-          <a:prstGeom prst="rect">
-            <a:avLst/>
-          </a:prstGeom>
-        </p:spPr>
-      </p:pic>
     </p:spTree>
     <p:extLst>
       <p:ext uri="{BB962C8B-B14F-4D97-AF65-F5344CB8AC3E}">
@@ -21070,7 +20135,7 @@
                                           </p:stCondLst>
                                         </p:cTn>
                                         <p:tgtEl>
-                                          <p:spTgt spid="18"/>
+                                          <p:spTgt spid="6"/>
                                         </p:tgtEl>
                                         <p:attrNameLst>
                                           <p:attrName>style.visibility</p:attrName>
@@ -21159,7 +20224,7 @@
 </p:sld>
 </file>
 
-<file path=ppt/slides/slide28.xml><?xml version="1.0" encoding="utf-8"?>
+<file path=ppt/slides/slide27.xml><?xml version="1.0" encoding="utf-8"?>
 <p:sld xmlns:a="http://schemas.openxmlformats.org/drawingml/2006/main" xmlns:r="http://schemas.openxmlformats.org/officeDocument/2006/relationships" xmlns:p="http://schemas.openxmlformats.org/presentationml/2006/main">
   <p:cSld>
     <p:spTree>
@@ -21191,7 +20256,7 @@
         <p:spPr>
           <a:xfrm>
             <a:off x="963522" y="1759833"/>
-            <a:ext cx="9894978" cy="3847207"/>
+            <a:ext cx="9894978" cy="4154984"/>
           </a:xfrm>
           <a:prstGeom prst="rect">
             <a:avLst/>
@@ -21740,14 +20805,16 @@
               </a:rPr>
               <a:t>),</a:t>
             </a:r>
-            <a:r>
-              <a:rPr lang="en-US" sz="2400" dirty="0">
-                <a:solidFill>
-                  <a:srgbClr val="000000"/>
-                </a:solidFill>
-                <a:latin typeface="Consolas" panose="020B0609020204030204" pitchFamily="49" charset="0"/>
-              </a:rPr>
-              <a:t> </a:t>
+          </a:p>
+          <a:p>
+            <a:r>
+              <a:rPr lang="en-US" sz="2400" dirty="0">
+                <a:solidFill>
+                  <a:srgbClr val="808080"/>
+                </a:solidFill>
+                <a:latin typeface="Consolas" panose="020B0609020204030204" pitchFamily="49" charset="0"/>
+              </a:rPr>
+              <a:t>        </a:t>
             </a:r>
             <a:r>
               <a:rPr lang="en-US" sz="2400" dirty="0">
@@ -21931,6 +20998,36 @@
           </a:p>
         </p:txBody>
       </p:sp>
+      <p:pic>
+        <p:nvPicPr>
+          <p:cNvPr id="4" name="Picture 3">
+            <a:extLst>
+              <a:ext uri="{FF2B5EF4-FFF2-40B4-BE49-F238E27FC236}">
+                <a16:creationId xmlns:a16="http://schemas.microsoft.com/office/drawing/2014/main" id="{B285EC1A-558F-757C-350B-E03BB2206091}"/>
+              </a:ext>
+            </a:extLst>
+          </p:cNvPr>
+          <p:cNvPicPr>
+            <a:picLocks noChangeAspect="1"/>
+          </p:cNvPicPr>
+          <p:nvPr/>
+        </p:nvPicPr>
+        <p:blipFill>
+          <a:blip r:embed="rId3"/>
+          <a:stretch>
+            <a:fillRect/>
+          </a:stretch>
+        </p:blipFill>
+        <p:spPr>
+          <a:xfrm>
+            <a:off x="7632720" y="3964326"/>
+            <a:ext cx="3784580" cy="1824222"/>
+          </a:xfrm>
+          <a:prstGeom prst="rect">
+            <a:avLst/>
+          </a:prstGeom>
+        </p:spPr>
+      </p:pic>
       <p:sp>
         <p:nvSpPr>
           <p:cNvPr id="13" name="TextBox 12">
@@ -21961,8 +21058,112 @@
           <a:p>
             <a:r>
               <a:rPr lang="en-US" sz="3200" b="1" dirty="0"/>
-              <a:t>A Gotcha?</a:t>
-            </a:r>
+              <a:t>Another Gotcha! - Fixed</a:t>
+            </a:r>
+          </a:p>
+        </p:txBody>
+      </p:sp>
+      <p:sp>
+        <p:nvSpPr>
+          <p:cNvPr id="5" name="Rectangle 4">
+            <a:extLst>
+              <a:ext uri="{FF2B5EF4-FFF2-40B4-BE49-F238E27FC236}">
+                <a16:creationId xmlns:a16="http://schemas.microsoft.com/office/drawing/2014/main" id="{22574D58-D8CE-5C43-7AF1-0E78ECF85E02}"/>
+              </a:ext>
+            </a:extLst>
+          </p:cNvPr>
+          <p:cNvSpPr/>
+          <p:nvPr/>
+        </p:nvSpPr>
+        <p:spPr>
+          <a:xfrm>
+            <a:off x="8394700" y="4863737"/>
+            <a:ext cx="2273300" cy="292463"/>
+          </a:xfrm>
+          <a:prstGeom prst="rect">
+            <a:avLst/>
+          </a:prstGeom>
+          <a:noFill/>
+          <a:ln w="50800">
+            <a:solidFill>
+              <a:srgbClr val="FF0000"/>
+            </a:solidFill>
+          </a:ln>
+        </p:spPr>
+        <p:style>
+          <a:lnRef idx="2">
+            <a:schemeClr val="accent1">
+              <a:shade val="15000"/>
+            </a:schemeClr>
+          </a:lnRef>
+          <a:fillRef idx="1">
+            <a:schemeClr val="accent1"/>
+          </a:fillRef>
+          <a:effectRef idx="0">
+            <a:schemeClr val="accent1"/>
+          </a:effectRef>
+          <a:fontRef idx="minor">
+            <a:schemeClr val="lt1"/>
+          </a:fontRef>
+        </p:style>
+        <p:txBody>
+          <a:bodyPr rtlCol="0" anchor="ctr"/>
+          <a:lstStyle/>
+          <a:p>
+            <a:pPr algn="ctr"/>
+            <a:endParaRPr lang="en-US"/>
+          </a:p>
+        </p:txBody>
+      </p:sp>
+      <p:sp>
+        <p:nvSpPr>
+          <p:cNvPr id="6" name="Rectangle 5">
+            <a:extLst>
+              <a:ext uri="{FF2B5EF4-FFF2-40B4-BE49-F238E27FC236}">
+                <a16:creationId xmlns:a16="http://schemas.microsoft.com/office/drawing/2014/main" id="{E42474D6-8C29-4D2D-7490-08AE10C8CCC3}"/>
+              </a:ext>
+            </a:extLst>
+          </p:cNvPr>
+          <p:cNvSpPr/>
+          <p:nvPr/>
+        </p:nvSpPr>
+        <p:spPr>
+          <a:xfrm>
+            <a:off x="8420100" y="5460637"/>
+            <a:ext cx="2997200" cy="292463"/>
+          </a:xfrm>
+          <a:prstGeom prst="rect">
+            <a:avLst/>
+          </a:prstGeom>
+          <a:noFill/>
+          <a:ln w="50800">
+            <a:solidFill>
+              <a:srgbClr val="FF0000"/>
+            </a:solidFill>
+          </a:ln>
+        </p:spPr>
+        <p:style>
+          <a:lnRef idx="2">
+            <a:schemeClr val="accent1">
+              <a:shade val="15000"/>
+            </a:schemeClr>
+          </a:lnRef>
+          <a:fillRef idx="1">
+            <a:schemeClr val="accent1"/>
+          </a:fillRef>
+          <a:effectRef idx="0">
+            <a:schemeClr val="accent1"/>
+          </a:effectRef>
+          <a:fontRef idx="minor">
+            <a:schemeClr val="lt1"/>
+          </a:fontRef>
+        </p:style>
+        <p:txBody>
+          <a:bodyPr rtlCol="0" anchor="ctr"/>
+          <a:lstStyle/>
+          <a:p>
+            <a:pPr algn="ctr"/>
+            <a:endParaRPr lang="en-US"/>
           </a:p>
         </p:txBody>
       </p:sp>
@@ -21979,7 +21180,7 @@
 </p:sld>
 </file>
 
-<file path=ppt/slides/slide29.xml><?xml version="1.0" encoding="utf-8"?>
+<file path=ppt/slides/slide28.xml><?xml version="1.0" encoding="utf-8"?>
 <p:sld xmlns:a="http://schemas.openxmlformats.org/drawingml/2006/main" xmlns:r="http://schemas.openxmlformats.org/officeDocument/2006/relationships" xmlns:p="http://schemas.openxmlformats.org/presentationml/2006/main">
   <p:cSld>
     <p:spTree>
@@ -22039,7 +21240,7 @@
         <p:spPr>
           <a:xfrm>
             <a:off x="1155700" y="2146300"/>
-            <a:ext cx="10198100" cy="1477328"/>
+            <a:ext cx="10198100" cy="3416320"/>
           </a:xfrm>
           <a:prstGeom prst="rect">
             <a:avLst/>
@@ -22053,7 +21254,7 @@
           <a:lstStyle/>
           <a:p>
             <a:r>
-              <a:rPr lang="en-US" sz="1800" dirty="0">
+              <a:rPr lang="en-US" sz="2400" dirty="0">
                 <a:solidFill>
                   <a:srgbClr val="FF00FF"/>
                 </a:solidFill>
@@ -22062,7 +21263,7 @@
               <a:t>TRANSLATE</a:t>
             </a:r>
             <a:r>
-              <a:rPr lang="en-US" sz="1800" dirty="0">
+              <a:rPr lang="en-US" sz="2400" dirty="0">
                 <a:solidFill>
                   <a:srgbClr val="808080"/>
                 </a:solidFill>
@@ -22071,16 +21272,16 @@
               <a:t>()</a:t>
             </a:r>
             <a:r>
-              <a:rPr lang="en-US" dirty="0"/>
+              <a:rPr lang="en-US" sz="2400" dirty="0"/>
               <a:t> is used for “one-for-one” character-for-character replacement.</a:t>
             </a:r>
           </a:p>
           <a:p>
-            <a:endParaRPr lang="en-US" dirty="0"/>
-          </a:p>
-          <a:p>
-            <a:r>
-              <a:rPr lang="en-US" sz="1800" dirty="0">
+            <a:endParaRPr lang="en-US" sz="2400" dirty="0"/>
+          </a:p>
+          <a:p>
+            <a:r>
+              <a:rPr lang="en-US" sz="2400" dirty="0">
                 <a:solidFill>
                   <a:srgbClr val="FF00FF"/>
                 </a:solidFill>
@@ -22089,7 +21290,7 @@
               <a:t>TRANSLATE</a:t>
             </a:r>
             <a:r>
-              <a:rPr lang="en-US" sz="1800" dirty="0">
+              <a:rPr lang="en-US" sz="2400" dirty="0">
                 <a:solidFill>
                   <a:srgbClr val="808080"/>
                 </a:solidFill>
@@ -22098,11 +21299,38 @@
               <a:t>()</a:t>
             </a:r>
             <a:r>
-              <a:rPr lang="en-US" dirty="0"/>
+              <a:rPr lang="en-US" sz="2400" dirty="0"/>
+              <a:t> is inherently case-insensitive unless forced otherwise</a:t>
+            </a:r>
+          </a:p>
+          <a:p>
+            <a:endParaRPr lang="en-US" sz="2400" dirty="0"/>
+          </a:p>
+          <a:p>
+            <a:r>
+              <a:rPr lang="en-US" sz="2400" dirty="0">
+                <a:solidFill>
+                  <a:srgbClr val="FF00FF"/>
+                </a:solidFill>
+                <a:latin typeface="Consolas" panose="020B0609020204030204" pitchFamily="49" charset="0"/>
+              </a:rPr>
+              <a:t>TRANSLATE</a:t>
+            </a:r>
+            <a:r>
+              <a:rPr lang="en-US" sz="2400" dirty="0">
+                <a:solidFill>
+                  <a:srgbClr val="808080"/>
+                </a:solidFill>
+                <a:latin typeface="Consolas" panose="020B0609020204030204" pitchFamily="49" charset="0"/>
+              </a:rPr>
+              <a:t>()</a:t>
+            </a:r>
+            <a:r>
+              <a:rPr lang="en-US" sz="2400" dirty="0"/>
               <a:t> fails at character removal. Use </a:t>
             </a:r>
             <a:r>
-              <a:rPr lang="en-US" sz="1800" dirty="0">
+              <a:rPr lang="en-US" sz="2400" dirty="0">
                 <a:solidFill>
                   <a:srgbClr val="FF00FF"/>
                 </a:solidFill>
@@ -22111,7 +21339,7 @@
               <a:t>REPLACE</a:t>
             </a:r>
             <a:r>
-              <a:rPr lang="en-US" sz="1800" dirty="0">
+              <a:rPr lang="en-US" sz="2400" dirty="0">
                 <a:solidFill>
                   <a:srgbClr val="808080"/>
                 </a:solidFill>
@@ -22120,15 +21348,45 @@
               <a:t>()</a:t>
             </a:r>
             <a:r>
-              <a:rPr lang="en-US" dirty="0"/>
+              <a:rPr lang="en-US" sz="2400" dirty="0"/>
               <a:t> for those cases.</a:t>
             </a:r>
           </a:p>
           <a:p>
-            <a:endParaRPr lang="en-US" dirty="0"/>
-          </a:p>
-          <a:p>
-            <a:endParaRPr lang="en-US" dirty="0"/>
+            <a:endParaRPr lang="en-US" sz="2400" dirty="0"/>
+          </a:p>
+          <a:p>
+            <a:r>
+              <a:rPr lang="en-US" sz="2400" dirty="0">
+                <a:solidFill>
+                  <a:srgbClr val="FF00FF"/>
+                </a:solidFill>
+                <a:latin typeface="Consolas" panose="020B0609020204030204" pitchFamily="49" charset="0"/>
+              </a:rPr>
+              <a:t>TRANSLATE</a:t>
+            </a:r>
+            <a:r>
+              <a:rPr lang="en-US" sz="2400" dirty="0">
+                <a:solidFill>
+                  <a:srgbClr val="808080"/>
+                </a:solidFill>
+                <a:latin typeface="Consolas" panose="020B0609020204030204" pitchFamily="49" charset="0"/>
+              </a:rPr>
+              <a:t>()</a:t>
+            </a:r>
+            <a:r>
+              <a:rPr lang="en-US" sz="2400" dirty="0"/>
+              <a:t> casts the resulting value into a varchar(8000), potentially </a:t>
+            </a:r>
+          </a:p>
+          <a:p>
+            <a:r>
+              <a:rPr lang="en-US" sz="2400" dirty="0"/>
+              <a:t>      slowing down ETL.</a:t>
+            </a:r>
+          </a:p>
+          <a:p>
+            <a:endParaRPr lang="en-US" sz="2400" dirty="0"/>
           </a:p>
         </p:txBody>
       </p:sp>
@@ -22145,7 +21403,855 @@
 </p:sld>
 </file>
 
+<file path=ppt/slides/slide29.xml><?xml version="1.0" encoding="utf-8"?>
+<p:sld xmlns:a="http://schemas.openxmlformats.org/drawingml/2006/main" xmlns:r="http://schemas.openxmlformats.org/officeDocument/2006/relationships" xmlns:p="http://schemas.openxmlformats.org/presentationml/2006/main">
+  <p:cSld>
+    <p:spTree>
+      <p:nvGrpSpPr>
+        <p:cNvPr id="1" name=""/>
+        <p:cNvGrpSpPr/>
+        <p:nvPr/>
+      </p:nvGrpSpPr>
+      <p:grpSpPr>
+        <a:xfrm>
+          <a:off x="0" y="0"/>
+          <a:ext cx="0" cy="0"/>
+          <a:chOff x="0" y="0"/>
+          <a:chExt cx="0" cy="0"/>
+        </a:xfrm>
+      </p:grpSpPr>
+      <p:sp>
+        <p:nvSpPr>
+          <p:cNvPr id="3" name="TextBox 2">
+            <a:extLst>
+              <a:ext uri="{FF2B5EF4-FFF2-40B4-BE49-F238E27FC236}">
+                <a16:creationId xmlns:a16="http://schemas.microsoft.com/office/drawing/2014/main" id="{0460B561-9B3E-A968-2B4E-7319150C79C4}"/>
+              </a:ext>
+            </a:extLst>
+          </p:cNvPr>
+          <p:cNvSpPr txBox="1"/>
+          <p:nvPr/>
+        </p:nvSpPr>
+        <p:spPr>
+          <a:xfrm>
+            <a:off x="1510146" y="5437227"/>
+            <a:ext cx="6802581" cy="400110"/>
+          </a:xfrm>
+          <a:prstGeom prst="rect">
+            <a:avLst/>
+          </a:prstGeom>
+          <a:noFill/>
+        </p:spPr>
+        <p:txBody>
+          <a:bodyPr wrap="square">
+            <a:spAutoFit/>
+          </a:bodyPr>
+          <a:lstStyle/>
+          <a:p>
+            <a:r>
+              <a:rPr lang="en-US" sz="2000">
+                <a:latin typeface="Verdana" panose="020B0604030504040204" pitchFamily="34" charset="0"/>
+                <a:ea typeface="Verdana" panose="020B0604030504040204" pitchFamily="34" charset="0"/>
+              </a:rPr>
+              <a:t>https://github.com/jbfoushee/MyPresentations/</a:t>
+            </a:r>
+            <a:endParaRPr lang="en-US" sz="2000" dirty="0">
+              <a:latin typeface="Verdana" panose="020B0604030504040204" pitchFamily="34" charset="0"/>
+              <a:ea typeface="Verdana" panose="020B0604030504040204" pitchFamily="34" charset="0"/>
+            </a:endParaRPr>
+          </a:p>
+        </p:txBody>
+      </p:sp>
+      <p:sp>
+        <p:nvSpPr>
+          <p:cNvPr id="5" name="TextBox 4">
+            <a:extLst>
+              <a:ext uri="{FF2B5EF4-FFF2-40B4-BE49-F238E27FC236}">
+                <a16:creationId xmlns:a16="http://schemas.microsoft.com/office/drawing/2014/main" id="{ABF7E1BF-9545-970E-5C17-B09523F51437}"/>
+              </a:ext>
+            </a:extLst>
+          </p:cNvPr>
+          <p:cNvSpPr txBox="1"/>
+          <p:nvPr/>
+        </p:nvSpPr>
+        <p:spPr>
+          <a:xfrm>
+            <a:off x="1510146" y="4895212"/>
+            <a:ext cx="7439890" cy="400110"/>
+          </a:xfrm>
+          <a:prstGeom prst="rect">
+            <a:avLst/>
+          </a:prstGeom>
+          <a:noFill/>
+        </p:spPr>
+        <p:txBody>
+          <a:bodyPr wrap="square">
+            <a:spAutoFit/>
+          </a:bodyPr>
+          <a:lstStyle/>
+          <a:p>
+            <a:r>
+              <a:rPr lang="en-US" sz="2000" dirty="0">
+                <a:latin typeface="Verdana" panose="020B0604030504040204" pitchFamily="34" charset="0"/>
+                <a:ea typeface="Verdana" panose="020B0604030504040204" pitchFamily="34" charset="0"/>
+              </a:rPr>
+              <a:t>https://www.linkedin.com/in/jeff-foushee-13b80a100/</a:t>
+            </a:r>
+          </a:p>
+        </p:txBody>
+      </p:sp>
+      <p:pic>
+        <p:nvPicPr>
+          <p:cNvPr id="1026" name="Picture 2" descr="Linkedin-logo | myCloudDoor - Expertise for Cloud Transition">
+            <a:extLst>
+              <a:ext uri="{FF2B5EF4-FFF2-40B4-BE49-F238E27FC236}">
+                <a16:creationId xmlns:a16="http://schemas.microsoft.com/office/drawing/2014/main" id="{7541C2E9-3409-6A8C-14FE-E2F786407B3E}"/>
+              </a:ext>
+            </a:extLst>
+          </p:cNvPr>
+          <p:cNvPicPr>
+            <a:picLocks noChangeAspect="1" noChangeArrowheads="1"/>
+          </p:cNvPicPr>
+          <p:nvPr/>
+        </p:nvPicPr>
+        <p:blipFill>
+          <a:blip r:embed="rId2">
+            <a:extLst>
+              <a:ext uri="{28A0092B-C50C-407E-A947-70E740481C1C}">
+                <a14:useLocalDpi xmlns:a14="http://schemas.microsoft.com/office/drawing/2010/main" val="0"/>
+              </a:ext>
+            </a:extLst>
+          </a:blip>
+          <a:srcRect/>
+          <a:stretch>
+            <a:fillRect/>
+          </a:stretch>
+        </p:blipFill>
+        <p:spPr bwMode="auto">
+          <a:xfrm>
+            <a:off x="831273" y="4897215"/>
+            <a:ext cx="678873" cy="381866"/>
+          </a:xfrm>
+          <a:prstGeom prst="rect">
+            <a:avLst/>
+          </a:prstGeom>
+          <a:noFill/>
+          <a:extLst>
+            <a:ext uri="{909E8E84-426E-40DD-AFC4-6F175D3DCCD1}">
+              <a14:hiddenFill xmlns:a14="http://schemas.microsoft.com/office/drawing/2010/main">
+                <a:solidFill>
+                  <a:srgbClr val="FFFFFF"/>
+                </a:solidFill>
+              </a14:hiddenFill>
+            </a:ext>
+          </a:extLst>
+        </p:spPr>
+      </p:pic>
+      <p:pic>
+        <p:nvPicPr>
+          <p:cNvPr id="1028" name="Picture 4" descr="GitHub Logo, symbol, meaning, history, PNG, brand">
+            <a:extLst>
+              <a:ext uri="{FF2B5EF4-FFF2-40B4-BE49-F238E27FC236}">
+                <a16:creationId xmlns:a16="http://schemas.microsoft.com/office/drawing/2014/main" id="{4A4A3218-5674-2C67-8D76-BCC0445E30D3}"/>
+              </a:ext>
+            </a:extLst>
+          </p:cNvPr>
+          <p:cNvPicPr>
+            <a:picLocks noChangeAspect="1" noChangeArrowheads="1"/>
+          </p:cNvPicPr>
+          <p:nvPr/>
+        </p:nvPicPr>
+        <p:blipFill>
+          <a:blip r:embed="rId3">
+            <a:extLst>
+              <a:ext uri="{28A0092B-C50C-407E-A947-70E740481C1C}">
+                <a14:useLocalDpi xmlns:a14="http://schemas.microsoft.com/office/drawing/2010/main" val="0"/>
+              </a:ext>
+            </a:extLst>
+          </a:blip>
+          <a:srcRect/>
+          <a:stretch>
+            <a:fillRect/>
+          </a:stretch>
+        </p:blipFill>
+        <p:spPr bwMode="auto">
+          <a:xfrm>
+            <a:off x="831272" y="5451764"/>
+            <a:ext cx="678874" cy="381867"/>
+          </a:xfrm>
+          <a:prstGeom prst="rect">
+            <a:avLst/>
+          </a:prstGeom>
+          <a:noFill/>
+          <a:extLst>
+            <a:ext uri="{909E8E84-426E-40DD-AFC4-6F175D3DCCD1}">
+              <a14:hiddenFill xmlns:a14="http://schemas.microsoft.com/office/drawing/2010/main">
+                <a:solidFill>
+                  <a:srgbClr val="FFFFFF"/>
+                </a:solidFill>
+              </a14:hiddenFill>
+            </a:ext>
+          </a:extLst>
+        </p:spPr>
+      </p:pic>
+      <p:pic>
+        <p:nvPicPr>
+          <p:cNvPr id="7" name="Picture 6">
+            <a:extLst>
+              <a:ext uri="{FF2B5EF4-FFF2-40B4-BE49-F238E27FC236}">
+                <a16:creationId xmlns:a16="http://schemas.microsoft.com/office/drawing/2014/main" id="{4EF63783-B000-A4BC-CCBD-ECC8D1236DD3}"/>
+              </a:ext>
+            </a:extLst>
+          </p:cNvPr>
+          <p:cNvPicPr>
+            <a:picLocks noChangeAspect="1"/>
+          </p:cNvPicPr>
+          <p:nvPr/>
+        </p:nvPicPr>
+        <p:blipFill>
+          <a:blip r:embed="rId4">
+            <a:extLst>
+              <a:ext uri="{28A0092B-C50C-407E-A947-70E740481C1C}">
+                <a14:useLocalDpi xmlns:a14="http://schemas.microsoft.com/office/drawing/2010/main" val="0"/>
+              </a:ext>
+            </a:extLst>
+          </a:blip>
+          <a:stretch>
+            <a:fillRect/>
+          </a:stretch>
+        </p:blipFill>
+        <p:spPr>
+          <a:xfrm>
+            <a:off x="1039090" y="1578919"/>
+            <a:ext cx="2228212" cy="2228212"/>
+          </a:xfrm>
+          <a:prstGeom prst="rect">
+            <a:avLst/>
+          </a:prstGeom>
+        </p:spPr>
+      </p:pic>
+      <p:sp>
+        <p:nvSpPr>
+          <p:cNvPr id="8" name="TextBox 7">
+            <a:extLst>
+              <a:ext uri="{FF2B5EF4-FFF2-40B4-BE49-F238E27FC236}">
+                <a16:creationId xmlns:a16="http://schemas.microsoft.com/office/drawing/2014/main" id="{98A32F5C-E514-95A5-9E67-696F9A1524ED}"/>
+              </a:ext>
+            </a:extLst>
+          </p:cNvPr>
+          <p:cNvSpPr txBox="1"/>
+          <p:nvPr/>
+        </p:nvSpPr>
+        <p:spPr>
+          <a:xfrm>
+            <a:off x="4225637" y="1020663"/>
+            <a:ext cx="6442363" cy="2985433"/>
+          </a:xfrm>
+          <a:prstGeom prst="rect">
+            <a:avLst/>
+          </a:prstGeom>
+          <a:noFill/>
+        </p:spPr>
+        <p:txBody>
+          <a:bodyPr wrap="square" rtlCol="0">
+            <a:spAutoFit/>
+          </a:bodyPr>
+          <a:lstStyle/>
+          <a:p>
+            <a:r>
+              <a:rPr lang="en-US" sz="3600" dirty="0">
+                <a:latin typeface="Verdana" panose="020B0604030504040204" pitchFamily="34" charset="0"/>
+                <a:ea typeface="Verdana" panose="020B0604030504040204" pitchFamily="34" charset="0"/>
+              </a:rPr>
+              <a:t>Jeff Foushee</a:t>
+            </a:r>
+          </a:p>
+          <a:p>
+            <a:endParaRPr lang="en-US" sz="2400" dirty="0">
+              <a:latin typeface="Verdana" panose="020B0604030504040204" pitchFamily="34" charset="0"/>
+              <a:ea typeface="Verdana" panose="020B0604030504040204" pitchFamily="34" charset="0"/>
+            </a:endParaRPr>
+          </a:p>
+          <a:p>
+            <a:pPr marL="285750" indent="-285750">
+              <a:buFont typeface="Arial" panose="020B0604020202020204" pitchFamily="34" charset="0"/>
+              <a:buChar char="•"/>
+            </a:pPr>
+            <a:r>
+              <a:rPr lang="en-US" sz="2400" dirty="0">
+                <a:latin typeface="Verdana" panose="020B0604030504040204" pitchFamily="34" charset="0"/>
+                <a:ea typeface="Verdana" panose="020B0604030504040204" pitchFamily="34" charset="0"/>
+              </a:rPr>
+              <a:t>SQL Server Database Admin</a:t>
+            </a:r>
+          </a:p>
+          <a:p>
+            <a:pPr marL="285750" indent="-285750">
+              <a:buFont typeface="Arial" panose="020B0604020202020204" pitchFamily="34" charset="0"/>
+              <a:buChar char="•"/>
+            </a:pPr>
+            <a:endParaRPr lang="en-US" sz="1000" dirty="0">
+              <a:latin typeface="Verdana" panose="020B0604030504040204" pitchFamily="34" charset="0"/>
+              <a:ea typeface="Verdana" panose="020B0604030504040204" pitchFamily="34" charset="0"/>
+            </a:endParaRPr>
+          </a:p>
+          <a:p>
+            <a:pPr marL="285750" indent="-285750">
+              <a:buFont typeface="Arial" panose="020B0604020202020204" pitchFamily="34" charset="0"/>
+              <a:buChar char="•"/>
+            </a:pPr>
+            <a:r>
+              <a:rPr lang="en-US" sz="2400" dirty="0">
+                <a:latin typeface="Verdana" panose="020B0604030504040204" pitchFamily="34" charset="0"/>
+                <a:ea typeface="Verdana" panose="020B0604030504040204" pitchFamily="34" charset="0"/>
+              </a:rPr>
+              <a:t>Programmer</a:t>
+            </a:r>
+          </a:p>
+          <a:p>
+            <a:endParaRPr lang="en-US" sz="1000" dirty="0">
+              <a:latin typeface="Verdana" panose="020B0604030504040204" pitchFamily="34" charset="0"/>
+              <a:ea typeface="Verdana" panose="020B0604030504040204" pitchFamily="34" charset="0"/>
+            </a:endParaRPr>
+          </a:p>
+          <a:p>
+            <a:pPr marL="285750" indent="-285750">
+              <a:buFont typeface="Arial" panose="020B0604020202020204" pitchFamily="34" charset="0"/>
+              <a:buChar char="•"/>
+            </a:pPr>
+            <a:r>
+              <a:rPr lang="en-US" sz="2400" dirty="0">
+                <a:latin typeface="Verdana" panose="020B0604030504040204" pitchFamily="34" charset="0"/>
+                <a:ea typeface="Verdana" panose="020B0604030504040204" pitchFamily="34" charset="0"/>
+              </a:rPr>
+              <a:t>SQL Saturday speaker</a:t>
+            </a:r>
+          </a:p>
+          <a:p>
+            <a:pPr marL="285750" indent="-285750">
+              <a:buFont typeface="Arial" panose="020B0604020202020204" pitchFamily="34" charset="0"/>
+              <a:buChar char="•"/>
+            </a:pPr>
+            <a:endParaRPr lang="en-US" sz="1200" dirty="0">
+              <a:latin typeface="Verdana" panose="020B0604030504040204" pitchFamily="34" charset="0"/>
+              <a:ea typeface="Verdana" panose="020B0604030504040204" pitchFamily="34" charset="0"/>
+            </a:endParaRPr>
+          </a:p>
+          <a:p>
+            <a:pPr marL="285750" indent="-285750">
+              <a:buFont typeface="Arial" panose="020B0604020202020204" pitchFamily="34" charset="0"/>
+              <a:buChar char="•"/>
+            </a:pPr>
+            <a:r>
+              <a:rPr lang="en-US" sz="2400" dirty="0">
+                <a:latin typeface="Verdana" panose="020B0604030504040204" pitchFamily="34" charset="0"/>
+                <a:ea typeface="Verdana" panose="020B0604030504040204" pitchFamily="34" charset="0"/>
+              </a:rPr>
+              <a:t>Blackjack dealer</a:t>
+            </a:r>
+          </a:p>
+        </p:txBody>
+      </p:sp>
+    </p:spTree>
+    <p:extLst>
+      <p:ext uri="{BB962C8B-B14F-4D97-AF65-F5344CB8AC3E}">
+        <p14:creationId xmlns:p14="http://schemas.microsoft.com/office/powerpoint/2010/main" val="918283133"/>
+      </p:ext>
+    </p:extLst>
+  </p:cSld>
+  <p:clrMapOvr>
+    <a:masterClrMapping/>
+  </p:clrMapOvr>
+</p:sld>
+</file>
+
 <file path=ppt/slides/slide3.xml><?xml version="1.0" encoding="utf-8"?>
+<p:sld xmlns:a="http://schemas.openxmlformats.org/drawingml/2006/main" xmlns:r="http://schemas.openxmlformats.org/officeDocument/2006/relationships" xmlns:p="http://schemas.openxmlformats.org/presentationml/2006/main">
+  <p:cSld>
+    <p:spTree>
+      <p:nvGrpSpPr>
+        <p:cNvPr id="1" name=""/>
+        <p:cNvGrpSpPr/>
+        <p:nvPr/>
+      </p:nvGrpSpPr>
+      <p:grpSpPr>
+        <a:xfrm>
+          <a:off x="0" y="0"/>
+          <a:ext cx="0" cy="0"/>
+          <a:chOff x="0" y="0"/>
+          <a:chExt cx="0" cy="0"/>
+        </a:xfrm>
+      </p:grpSpPr>
+      <p:sp>
+        <p:nvSpPr>
+          <p:cNvPr id="3" name="TextBox 2">
+            <a:extLst>
+              <a:ext uri="{FF2B5EF4-FFF2-40B4-BE49-F238E27FC236}">
+                <a16:creationId xmlns:a16="http://schemas.microsoft.com/office/drawing/2014/main" id="{4884DBA6-B21C-5ADD-9E6A-294ED35CD087}"/>
+              </a:ext>
+            </a:extLst>
+          </p:cNvPr>
+          <p:cNvSpPr txBox="1"/>
+          <p:nvPr/>
+        </p:nvSpPr>
+        <p:spPr>
+          <a:xfrm>
+            <a:off x="1398270" y="1476405"/>
+            <a:ext cx="9395460" cy="3539430"/>
+          </a:xfrm>
+          <a:prstGeom prst="rect">
+            <a:avLst/>
+          </a:prstGeom>
+          <a:noFill/>
+        </p:spPr>
+        <p:txBody>
+          <a:bodyPr wrap="square">
+            <a:spAutoFit/>
+          </a:bodyPr>
+          <a:lstStyle/>
+          <a:p>
+            <a:r>
+              <a:rPr lang="en-US" sz="2800" dirty="0">
+                <a:solidFill>
+                  <a:srgbClr val="0000FF"/>
+                </a:solidFill>
+                <a:latin typeface="Consolas" panose="020B0609020204030204" pitchFamily="49" charset="0"/>
+              </a:rPr>
+              <a:t>SELECT</a:t>
+            </a:r>
+            <a:r>
+              <a:rPr lang="en-US" sz="2800" dirty="0">
+                <a:solidFill>
+                  <a:srgbClr val="000000"/>
+                </a:solidFill>
+                <a:latin typeface="Consolas" panose="020B0609020204030204" pitchFamily="49" charset="0"/>
+              </a:rPr>
+              <a:t> </a:t>
+            </a:r>
+            <a:r>
+              <a:rPr lang="en-US" sz="2800" dirty="0">
+                <a:solidFill>
+                  <a:srgbClr val="FF00FF"/>
+                </a:solidFill>
+                <a:latin typeface="Consolas" panose="020B0609020204030204" pitchFamily="49" charset="0"/>
+              </a:rPr>
+              <a:t>REPLACE</a:t>
+            </a:r>
+            <a:r>
+              <a:rPr lang="en-US" sz="2800" dirty="0">
+                <a:solidFill>
+                  <a:srgbClr val="808080"/>
+                </a:solidFill>
+                <a:latin typeface="Consolas" panose="020B0609020204030204" pitchFamily="49" charset="0"/>
+              </a:rPr>
+              <a:t>(</a:t>
+            </a:r>
+          </a:p>
+          <a:p>
+            <a:r>
+              <a:rPr lang="en-US" sz="2800" dirty="0">
+                <a:solidFill>
+                  <a:srgbClr val="808080"/>
+                </a:solidFill>
+                <a:latin typeface="Consolas" panose="020B0609020204030204" pitchFamily="49" charset="0"/>
+              </a:rPr>
+              <a:t>	    </a:t>
+            </a:r>
+            <a:r>
+              <a:rPr lang="en-US" sz="2800" dirty="0">
+                <a:solidFill>
+                  <a:srgbClr val="FF00FF"/>
+                </a:solidFill>
+                <a:latin typeface="Consolas" panose="020B0609020204030204" pitchFamily="49" charset="0"/>
+              </a:rPr>
+              <a:t>REPLACE</a:t>
+            </a:r>
+            <a:r>
+              <a:rPr lang="en-US" sz="2800" dirty="0">
+                <a:solidFill>
+                  <a:srgbClr val="808080"/>
+                </a:solidFill>
+                <a:latin typeface="Consolas" panose="020B0609020204030204" pitchFamily="49" charset="0"/>
+              </a:rPr>
+              <a:t>(</a:t>
+            </a:r>
+          </a:p>
+          <a:p>
+            <a:r>
+              <a:rPr lang="en-US" sz="2800" dirty="0">
+                <a:solidFill>
+                  <a:srgbClr val="808080"/>
+                </a:solidFill>
+                <a:latin typeface="Consolas" panose="020B0609020204030204" pitchFamily="49" charset="0"/>
+              </a:rPr>
+              <a:t>	      </a:t>
+            </a:r>
+            <a:r>
+              <a:rPr lang="en-US" sz="2800" dirty="0">
+                <a:solidFill>
+                  <a:srgbClr val="FF00FF"/>
+                </a:solidFill>
+                <a:latin typeface="Consolas" panose="020B0609020204030204" pitchFamily="49" charset="0"/>
+              </a:rPr>
+              <a:t>REPLACE</a:t>
+            </a:r>
+            <a:r>
+              <a:rPr lang="en-US" sz="2800" dirty="0">
+                <a:solidFill>
+                  <a:srgbClr val="808080"/>
+                </a:solidFill>
+                <a:latin typeface="Consolas" panose="020B0609020204030204" pitchFamily="49" charset="0"/>
+              </a:rPr>
+              <a:t>(</a:t>
+            </a:r>
+          </a:p>
+          <a:p>
+            <a:r>
+              <a:rPr lang="en-US" sz="2800" dirty="0">
+                <a:solidFill>
+                  <a:srgbClr val="808080"/>
+                </a:solidFill>
+                <a:latin typeface="Consolas" panose="020B0609020204030204" pitchFamily="49" charset="0"/>
+              </a:rPr>
+              <a:t>	        </a:t>
+            </a:r>
+            <a:r>
+              <a:rPr lang="en-US" sz="2800" dirty="0">
+                <a:solidFill>
+                  <a:srgbClr val="FF00FF"/>
+                </a:solidFill>
+                <a:latin typeface="Consolas" panose="020B0609020204030204" pitchFamily="49" charset="0"/>
+              </a:rPr>
+              <a:t>REPLACE</a:t>
+            </a:r>
+            <a:r>
+              <a:rPr lang="en-US" sz="2800" dirty="0">
+                <a:solidFill>
+                  <a:srgbClr val="808080"/>
+                </a:solidFill>
+                <a:latin typeface="Consolas" panose="020B0609020204030204" pitchFamily="49" charset="0"/>
+              </a:rPr>
+              <a:t>(</a:t>
+            </a:r>
+            <a:r>
+              <a:rPr lang="en-US" sz="2800" dirty="0" err="1">
+                <a:solidFill>
+                  <a:srgbClr val="000000"/>
+                </a:solidFill>
+                <a:latin typeface="Consolas" panose="020B0609020204030204" pitchFamily="49" charset="0"/>
+              </a:rPr>
+              <a:t>ColumnName</a:t>
+            </a:r>
+            <a:r>
+              <a:rPr lang="en-US" sz="2800" dirty="0">
+                <a:solidFill>
+                  <a:srgbClr val="808080"/>
+                </a:solidFill>
+                <a:latin typeface="Consolas" panose="020B0609020204030204" pitchFamily="49" charset="0"/>
+              </a:rPr>
+              <a:t>,</a:t>
+            </a:r>
+            <a:r>
+              <a:rPr lang="en-US" sz="2800" dirty="0">
+                <a:solidFill>
+                  <a:srgbClr val="000000"/>
+                </a:solidFill>
+                <a:latin typeface="Consolas" panose="020B0609020204030204" pitchFamily="49" charset="0"/>
+              </a:rPr>
+              <a:t> </a:t>
+            </a:r>
+            <a:r>
+              <a:rPr lang="en-US" sz="2800" dirty="0">
+                <a:solidFill>
+                  <a:srgbClr val="FF0000"/>
+                </a:solidFill>
+                <a:latin typeface="Consolas" panose="020B0609020204030204" pitchFamily="49" charset="0"/>
+              </a:rPr>
+              <a:t>'['</a:t>
+            </a:r>
+            <a:r>
+              <a:rPr lang="en-US" sz="2800" dirty="0">
+                <a:solidFill>
+                  <a:srgbClr val="808080"/>
+                </a:solidFill>
+                <a:latin typeface="Consolas" panose="020B0609020204030204" pitchFamily="49" charset="0"/>
+              </a:rPr>
+              <a:t>,</a:t>
+            </a:r>
+            <a:r>
+              <a:rPr lang="en-US" sz="2800" dirty="0">
+                <a:solidFill>
+                  <a:srgbClr val="000000"/>
+                </a:solidFill>
+                <a:latin typeface="Consolas" panose="020B0609020204030204" pitchFamily="49" charset="0"/>
+              </a:rPr>
+              <a:t> </a:t>
+            </a:r>
+            <a:r>
+              <a:rPr lang="en-US" sz="2800" dirty="0">
+                <a:solidFill>
+                  <a:srgbClr val="FF0000"/>
+                </a:solidFill>
+                <a:latin typeface="Consolas" panose="020B0609020204030204" pitchFamily="49" charset="0"/>
+              </a:rPr>
+              <a:t>''</a:t>
+            </a:r>
+            <a:r>
+              <a:rPr lang="en-US" sz="2800" dirty="0">
+                <a:solidFill>
+                  <a:srgbClr val="808080"/>
+                </a:solidFill>
+                <a:latin typeface="Consolas" panose="020B0609020204030204" pitchFamily="49" charset="0"/>
+              </a:rPr>
+              <a:t>)</a:t>
+            </a:r>
+          </a:p>
+          <a:p>
+            <a:r>
+              <a:rPr lang="en-US" sz="2800" dirty="0">
+                <a:solidFill>
+                  <a:srgbClr val="808080"/>
+                </a:solidFill>
+                <a:latin typeface="Consolas" panose="020B0609020204030204" pitchFamily="49" charset="0"/>
+              </a:rPr>
+              <a:t>		 ,</a:t>
+            </a:r>
+            <a:r>
+              <a:rPr lang="en-US" sz="2800" dirty="0">
+                <a:solidFill>
+                  <a:srgbClr val="000000"/>
+                </a:solidFill>
+                <a:latin typeface="Consolas" panose="020B0609020204030204" pitchFamily="49" charset="0"/>
+              </a:rPr>
+              <a:t> </a:t>
+            </a:r>
+            <a:r>
+              <a:rPr lang="en-US" sz="2800" dirty="0">
+                <a:solidFill>
+                  <a:srgbClr val="FF0000"/>
+                </a:solidFill>
+                <a:latin typeface="Consolas" panose="020B0609020204030204" pitchFamily="49" charset="0"/>
+              </a:rPr>
+              <a:t>']'</a:t>
+            </a:r>
+            <a:r>
+              <a:rPr lang="en-US" sz="2800" dirty="0">
+                <a:solidFill>
+                  <a:srgbClr val="808080"/>
+                </a:solidFill>
+                <a:latin typeface="Consolas" panose="020B0609020204030204" pitchFamily="49" charset="0"/>
+              </a:rPr>
+              <a:t>,</a:t>
+            </a:r>
+            <a:r>
+              <a:rPr lang="en-US" sz="2800" dirty="0">
+                <a:solidFill>
+                  <a:srgbClr val="000000"/>
+                </a:solidFill>
+                <a:latin typeface="Consolas" panose="020B0609020204030204" pitchFamily="49" charset="0"/>
+              </a:rPr>
+              <a:t> </a:t>
+            </a:r>
+            <a:r>
+              <a:rPr lang="en-US" sz="2800" dirty="0">
+                <a:solidFill>
+                  <a:srgbClr val="FF0000"/>
+                </a:solidFill>
+                <a:latin typeface="Consolas" panose="020B0609020204030204" pitchFamily="49" charset="0"/>
+              </a:rPr>
+              <a:t>''</a:t>
+            </a:r>
+            <a:r>
+              <a:rPr lang="en-US" sz="2800" dirty="0">
+                <a:solidFill>
+                  <a:srgbClr val="808080"/>
+                </a:solidFill>
+                <a:latin typeface="Consolas" panose="020B0609020204030204" pitchFamily="49" charset="0"/>
+              </a:rPr>
+              <a:t>)</a:t>
+            </a:r>
+          </a:p>
+          <a:p>
+            <a:r>
+              <a:rPr lang="en-US" sz="2800" dirty="0">
+                <a:solidFill>
+                  <a:srgbClr val="808080"/>
+                </a:solidFill>
+                <a:latin typeface="Consolas" panose="020B0609020204030204" pitchFamily="49" charset="0"/>
+              </a:rPr>
+              <a:t>	    ,</a:t>
+            </a:r>
+            <a:r>
+              <a:rPr lang="en-US" sz="2800" dirty="0">
+                <a:solidFill>
+                  <a:srgbClr val="000000"/>
+                </a:solidFill>
+                <a:latin typeface="Consolas" panose="020B0609020204030204" pitchFamily="49" charset="0"/>
+              </a:rPr>
+              <a:t> </a:t>
+            </a:r>
+            <a:r>
+              <a:rPr lang="en-US" sz="2800" dirty="0">
+                <a:solidFill>
+                  <a:srgbClr val="FF0000"/>
+                </a:solidFill>
+                <a:latin typeface="Consolas" panose="020B0609020204030204" pitchFamily="49" charset="0"/>
+              </a:rPr>
+              <a:t>'('</a:t>
+            </a:r>
+            <a:r>
+              <a:rPr lang="en-US" sz="2800" dirty="0">
+                <a:solidFill>
+                  <a:srgbClr val="808080"/>
+                </a:solidFill>
+                <a:latin typeface="Consolas" panose="020B0609020204030204" pitchFamily="49" charset="0"/>
+              </a:rPr>
+              <a:t>,</a:t>
+            </a:r>
+            <a:r>
+              <a:rPr lang="en-US" sz="2800" dirty="0">
+                <a:solidFill>
+                  <a:srgbClr val="000000"/>
+                </a:solidFill>
+                <a:latin typeface="Consolas" panose="020B0609020204030204" pitchFamily="49" charset="0"/>
+              </a:rPr>
+              <a:t> </a:t>
+            </a:r>
+            <a:r>
+              <a:rPr lang="en-US" sz="2800" dirty="0">
+                <a:solidFill>
+                  <a:srgbClr val="FF0000"/>
+                </a:solidFill>
+                <a:latin typeface="Consolas" panose="020B0609020204030204" pitchFamily="49" charset="0"/>
+              </a:rPr>
+              <a:t>''</a:t>
+            </a:r>
+            <a:r>
+              <a:rPr lang="en-US" sz="2800" dirty="0">
+                <a:solidFill>
+                  <a:srgbClr val="808080"/>
+                </a:solidFill>
+                <a:latin typeface="Consolas" panose="020B0609020204030204" pitchFamily="49" charset="0"/>
+              </a:rPr>
+              <a:t>)</a:t>
+            </a:r>
+          </a:p>
+          <a:p>
+            <a:r>
+              <a:rPr lang="en-US" sz="2800" dirty="0">
+                <a:solidFill>
+                  <a:srgbClr val="808080"/>
+                </a:solidFill>
+                <a:latin typeface="Consolas" panose="020B0609020204030204" pitchFamily="49" charset="0"/>
+              </a:rPr>
+              <a:t>       ,</a:t>
+            </a:r>
+            <a:r>
+              <a:rPr lang="en-US" sz="2800" dirty="0">
+                <a:solidFill>
+                  <a:srgbClr val="000000"/>
+                </a:solidFill>
+                <a:latin typeface="Consolas" panose="020B0609020204030204" pitchFamily="49" charset="0"/>
+              </a:rPr>
+              <a:t> </a:t>
+            </a:r>
+            <a:r>
+              <a:rPr lang="en-US" sz="2800" dirty="0">
+                <a:solidFill>
+                  <a:srgbClr val="FF0000"/>
+                </a:solidFill>
+                <a:latin typeface="Consolas" panose="020B0609020204030204" pitchFamily="49" charset="0"/>
+              </a:rPr>
+              <a:t>')'</a:t>
+            </a:r>
+            <a:r>
+              <a:rPr lang="en-US" sz="2800" dirty="0">
+                <a:solidFill>
+                  <a:srgbClr val="808080"/>
+                </a:solidFill>
+                <a:latin typeface="Consolas" panose="020B0609020204030204" pitchFamily="49" charset="0"/>
+              </a:rPr>
+              <a:t>,</a:t>
+            </a:r>
+            <a:r>
+              <a:rPr lang="en-US" sz="2800" dirty="0">
+                <a:solidFill>
+                  <a:srgbClr val="000000"/>
+                </a:solidFill>
+                <a:latin typeface="Consolas" panose="020B0609020204030204" pitchFamily="49" charset="0"/>
+              </a:rPr>
+              <a:t> </a:t>
+            </a:r>
+            <a:r>
+              <a:rPr lang="en-US" sz="2800" dirty="0">
+                <a:solidFill>
+                  <a:srgbClr val="FF0000"/>
+                </a:solidFill>
+                <a:latin typeface="Consolas" panose="020B0609020204030204" pitchFamily="49" charset="0"/>
+              </a:rPr>
+              <a:t>''</a:t>
+            </a:r>
+            <a:r>
+              <a:rPr lang="en-US" sz="2800" dirty="0">
+                <a:solidFill>
+                  <a:srgbClr val="808080"/>
+                </a:solidFill>
+                <a:latin typeface="Consolas" panose="020B0609020204030204" pitchFamily="49" charset="0"/>
+              </a:rPr>
+              <a:t>)</a:t>
+            </a:r>
+            <a:endParaRPr lang="en-US" sz="2800" dirty="0">
+              <a:solidFill>
+                <a:srgbClr val="000000"/>
+              </a:solidFill>
+              <a:latin typeface="Consolas" panose="020B0609020204030204" pitchFamily="49" charset="0"/>
+            </a:endParaRPr>
+          </a:p>
+          <a:p>
+            <a:r>
+              <a:rPr lang="en-US" sz="2800" dirty="0">
+                <a:solidFill>
+                  <a:srgbClr val="0000FF"/>
+                </a:solidFill>
+                <a:latin typeface="Consolas" panose="020B0609020204030204" pitchFamily="49" charset="0"/>
+              </a:rPr>
+              <a:t>FROM </a:t>
+            </a:r>
+            <a:r>
+              <a:rPr lang="en-US" sz="2800" dirty="0">
+                <a:solidFill>
+                  <a:schemeClr val="bg1">
+                    <a:lumMod val="50000"/>
+                  </a:schemeClr>
+                </a:solidFill>
+                <a:latin typeface="Consolas" panose="020B0609020204030204" pitchFamily="49" charset="0"/>
+              </a:rPr>
+              <a:t>...</a:t>
+            </a:r>
+            <a:endParaRPr lang="en-US" sz="6000" dirty="0">
+              <a:solidFill>
+                <a:schemeClr val="bg1">
+                  <a:lumMod val="50000"/>
+                </a:schemeClr>
+              </a:solidFill>
+            </a:endParaRPr>
+          </a:p>
+        </p:txBody>
+      </p:sp>
+    </p:spTree>
+    <p:extLst>
+      <p:ext uri="{BB962C8B-B14F-4D97-AF65-F5344CB8AC3E}">
+        <p14:creationId xmlns:p14="http://schemas.microsoft.com/office/powerpoint/2010/main" val="3609271250"/>
+      </p:ext>
+    </p:extLst>
+  </p:cSld>
+  <p:clrMapOvr>
+    <a:masterClrMapping/>
+  </p:clrMapOvr>
+</p:sld>
+</file>
+
+<file path=ppt/slides/slide4.xml><?xml version="1.0" encoding="utf-8"?>
 <p:sld xmlns:a="http://schemas.openxmlformats.org/drawingml/2006/main" xmlns:r="http://schemas.openxmlformats.org/officeDocument/2006/relationships" xmlns:p="http://schemas.openxmlformats.org/presentationml/2006/main">
   <p:cSld>
     <p:spTree>
@@ -22565,7 +22671,7 @@
 </p:sld>
 </file>
 
-<file path=ppt/slides/slide4.xml><?xml version="1.0" encoding="utf-8"?>
+<file path=ppt/slides/slide5.xml><?xml version="1.0" encoding="utf-8"?>
 <p:sld xmlns:a="http://schemas.openxmlformats.org/drawingml/2006/main" xmlns:r="http://schemas.openxmlformats.org/officeDocument/2006/relationships" xmlns:p="http://schemas.openxmlformats.org/presentationml/2006/main">
   <p:cSld>
     <p:spTree>
@@ -22689,85 +22795,372 @@
   <p:clrMapOvr>
     <a:masterClrMapping/>
   </p:clrMapOvr>
-  <p:timing>
-    <p:tnLst>
-      <p:par>
-        <p:cTn id="1" dur="indefinite" restart="never" nodeType="tmRoot">
-          <p:childTnLst>
-            <p:seq concurrent="1" nextAc="seek">
-              <p:cTn id="2" dur="indefinite" nodeType="mainSeq">
-                <p:childTnLst>
-                  <p:par>
-                    <p:cTn id="3" fill="hold">
-                      <p:stCondLst>
-                        <p:cond delay="indefinite"/>
-                      </p:stCondLst>
-                      <p:childTnLst>
-                        <p:par>
-                          <p:cTn id="4" fill="hold">
-                            <p:stCondLst>
-                              <p:cond delay="0"/>
-                            </p:stCondLst>
-                            <p:childTnLst>
-                              <p:par>
-                                <p:cTn id="5" presetID="1" presetClass="entr" presetSubtype="0" fill="hold" nodeType="clickEffect">
-                                  <p:stCondLst>
-                                    <p:cond delay="0"/>
-                                  </p:stCondLst>
-                                  <p:childTnLst>
-                                    <p:set>
-                                      <p:cBhvr>
-                                        <p:cTn id="6" dur="1" fill="hold">
-                                          <p:stCondLst>
-                                            <p:cond delay="0"/>
-                                          </p:stCondLst>
-                                        </p:cTn>
-                                        <p:tgtEl>
-                                          <p:spTgt spid="1026"/>
-                                        </p:tgtEl>
-                                        <p:attrNameLst>
-                                          <p:attrName>style.visibility</p:attrName>
-                                        </p:attrNameLst>
-                                      </p:cBhvr>
-                                      <p:to>
-                                        <p:strVal val="visible"/>
-                                      </p:to>
-                                    </p:set>
-                                  </p:childTnLst>
-                                </p:cTn>
-                              </p:par>
-                            </p:childTnLst>
-                          </p:cTn>
-                        </p:par>
-                      </p:childTnLst>
-                    </p:cTn>
-                  </p:par>
-                </p:childTnLst>
-              </p:cTn>
-              <p:prevCondLst>
-                <p:cond evt="onPrev" delay="0">
-                  <p:tgtEl>
-                    <p:sldTgt/>
-                  </p:tgtEl>
-                </p:cond>
-              </p:prevCondLst>
-              <p:nextCondLst>
-                <p:cond evt="onNext" delay="0">
-                  <p:tgtEl>
-                    <p:sldTgt/>
-                  </p:tgtEl>
-                </p:cond>
-              </p:nextCondLst>
-            </p:seq>
-          </p:childTnLst>
-        </p:cTn>
-      </p:par>
-    </p:tnLst>
-  </p:timing>
 </p:sld>
 </file>
 
-<file path=ppt/slides/slide5.xml><?xml version="1.0" encoding="utf-8"?>
+<file path=ppt/slides/slide6.xml><?xml version="1.0" encoding="utf-8"?>
+<p:sld xmlns:a="http://schemas.openxmlformats.org/drawingml/2006/main" xmlns:r="http://schemas.openxmlformats.org/officeDocument/2006/relationships" xmlns:p="http://schemas.openxmlformats.org/presentationml/2006/main">
+  <p:cSld>
+    <p:spTree>
+      <p:nvGrpSpPr>
+        <p:cNvPr id="1" name=""/>
+        <p:cNvGrpSpPr/>
+        <p:nvPr/>
+      </p:nvGrpSpPr>
+      <p:grpSpPr>
+        <a:xfrm>
+          <a:off x="0" y="0"/>
+          <a:ext cx="0" cy="0"/>
+          <a:chOff x="0" y="0"/>
+          <a:chExt cx="0" cy="0"/>
+        </a:xfrm>
+      </p:grpSpPr>
+      <p:sp>
+        <p:nvSpPr>
+          <p:cNvPr id="3" name="TextBox 2">
+            <a:extLst>
+              <a:ext uri="{FF2B5EF4-FFF2-40B4-BE49-F238E27FC236}">
+                <a16:creationId xmlns:a16="http://schemas.microsoft.com/office/drawing/2014/main" id="{0460B561-9B3E-A968-2B4E-7319150C79C4}"/>
+              </a:ext>
+            </a:extLst>
+          </p:cNvPr>
+          <p:cNvSpPr txBox="1"/>
+          <p:nvPr/>
+        </p:nvSpPr>
+        <p:spPr>
+          <a:xfrm>
+            <a:off x="1510146" y="5437227"/>
+            <a:ext cx="6802581" cy="400110"/>
+          </a:xfrm>
+          <a:prstGeom prst="rect">
+            <a:avLst/>
+          </a:prstGeom>
+          <a:noFill/>
+        </p:spPr>
+        <p:txBody>
+          <a:bodyPr wrap="square">
+            <a:spAutoFit/>
+          </a:bodyPr>
+          <a:lstStyle/>
+          <a:p>
+            <a:r>
+              <a:rPr lang="en-US" sz="2000">
+                <a:latin typeface="Verdana" panose="020B0604030504040204" pitchFamily="34" charset="0"/>
+                <a:ea typeface="Verdana" panose="020B0604030504040204" pitchFamily="34" charset="0"/>
+              </a:rPr>
+              <a:t>https://github.com/jbfoushee/MyPresentations/</a:t>
+            </a:r>
+            <a:endParaRPr lang="en-US" sz="2000" dirty="0">
+              <a:latin typeface="Verdana" panose="020B0604030504040204" pitchFamily="34" charset="0"/>
+              <a:ea typeface="Verdana" panose="020B0604030504040204" pitchFamily="34" charset="0"/>
+            </a:endParaRPr>
+          </a:p>
+        </p:txBody>
+      </p:sp>
+      <p:sp>
+        <p:nvSpPr>
+          <p:cNvPr id="5" name="TextBox 4">
+            <a:extLst>
+              <a:ext uri="{FF2B5EF4-FFF2-40B4-BE49-F238E27FC236}">
+                <a16:creationId xmlns:a16="http://schemas.microsoft.com/office/drawing/2014/main" id="{ABF7E1BF-9545-970E-5C17-B09523F51437}"/>
+              </a:ext>
+            </a:extLst>
+          </p:cNvPr>
+          <p:cNvSpPr txBox="1"/>
+          <p:nvPr/>
+        </p:nvSpPr>
+        <p:spPr>
+          <a:xfrm>
+            <a:off x="1510146" y="4895212"/>
+            <a:ext cx="7439890" cy="400110"/>
+          </a:xfrm>
+          <a:prstGeom prst="rect">
+            <a:avLst/>
+          </a:prstGeom>
+          <a:noFill/>
+        </p:spPr>
+        <p:txBody>
+          <a:bodyPr wrap="square">
+            <a:spAutoFit/>
+          </a:bodyPr>
+          <a:lstStyle/>
+          <a:p>
+            <a:r>
+              <a:rPr lang="en-US" sz="2000" dirty="0">
+                <a:latin typeface="Verdana" panose="020B0604030504040204" pitchFamily="34" charset="0"/>
+                <a:ea typeface="Verdana" panose="020B0604030504040204" pitchFamily="34" charset="0"/>
+              </a:rPr>
+              <a:t>https://www.linkedin.com/in/jeff-foushee-13b80a100/</a:t>
+            </a:r>
+          </a:p>
+        </p:txBody>
+      </p:sp>
+      <p:pic>
+        <p:nvPicPr>
+          <p:cNvPr id="1026" name="Picture 2" descr="Linkedin-logo | myCloudDoor - Expertise for Cloud Transition">
+            <a:extLst>
+              <a:ext uri="{FF2B5EF4-FFF2-40B4-BE49-F238E27FC236}">
+                <a16:creationId xmlns:a16="http://schemas.microsoft.com/office/drawing/2014/main" id="{7541C2E9-3409-6A8C-14FE-E2F786407B3E}"/>
+              </a:ext>
+            </a:extLst>
+          </p:cNvPr>
+          <p:cNvPicPr>
+            <a:picLocks noChangeAspect="1" noChangeArrowheads="1"/>
+          </p:cNvPicPr>
+          <p:nvPr/>
+        </p:nvPicPr>
+        <p:blipFill>
+          <a:blip r:embed="rId2">
+            <a:extLst>
+              <a:ext uri="{28A0092B-C50C-407E-A947-70E740481C1C}">
+                <a14:useLocalDpi xmlns:a14="http://schemas.microsoft.com/office/drawing/2010/main" val="0"/>
+              </a:ext>
+            </a:extLst>
+          </a:blip>
+          <a:srcRect/>
+          <a:stretch>
+            <a:fillRect/>
+          </a:stretch>
+        </p:blipFill>
+        <p:spPr bwMode="auto">
+          <a:xfrm>
+            <a:off x="831273" y="4897215"/>
+            <a:ext cx="678873" cy="381866"/>
+          </a:xfrm>
+          <a:prstGeom prst="rect">
+            <a:avLst/>
+          </a:prstGeom>
+          <a:noFill/>
+          <a:extLst>
+            <a:ext uri="{909E8E84-426E-40DD-AFC4-6F175D3DCCD1}">
+              <a14:hiddenFill xmlns:a14="http://schemas.microsoft.com/office/drawing/2010/main">
+                <a:solidFill>
+                  <a:srgbClr val="FFFFFF"/>
+                </a:solidFill>
+              </a14:hiddenFill>
+            </a:ext>
+          </a:extLst>
+        </p:spPr>
+      </p:pic>
+      <p:pic>
+        <p:nvPicPr>
+          <p:cNvPr id="1028" name="Picture 4" descr="GitHub Logo, symbol, meaning, history, PNG, brand">
+            <a:extLst>
+              <a:ext uri="{FF2B5EF4-FFF2-40B4-BE49-F238E27FC236}">
+                <a16:creationId xmlns:a16="http://schemas.microsoft.com/office/drawing/2014/main" id="{4A4A3218-5674-2C67-8D76-BCC0445E30D3}"/>
+              </a:ext>
+            </a:extLst>
+          </p:cNvPr>
+          <p:cNvPicPr>
+            <a:picLocks noChangeAspect="1" noChangeArrowheads="1"/>
+          </p:cNvPicPr>
+          <p:nvPr/>
+        </p:nvPicPr>
+        <p:blipFill>
+          <a:blip r:embed="rId3">
+            <a:extLst>
+              <a:ext uri="{28A0092B-C50C-407E-A947-70E740481C1C}">
+                <a14:useLocalDpi xmlns:a14="http://schemas.microsoft.com/office/drawing/2010/main" val="0"/>
+              </a:ext>
+            </a:extLst>
+          </a:blip>
+          <a:srcRect/>
+          <a:stretch>
+            <a:fillRect/>
+          </a:stretch>
+        </p:blipFill>
+        <p:spPr bwMode="auto">
+          <a:xfrm>
+            <a:off x="831272" y="5451764"/>
+            <a:ext cx="678874" cy="381867"/>
+          </a:xfrm>
+          <a:prstGeom prst="rect">
+            <a:avLst/>
+          </a:prstGeom>
+          <a:noFill/>
+          <a:extLst>
+            <a:ext uri="{909E8E84-426E-40DD-AFC4-6F175D3DCCD1}">
+              <a14:hiddenFill xmlns:a14="http://schemas.microsoft.com/office/drawing/2010/main">
+                <a:solidFill>
+                  <a:srgbClr val="FFFFFF"/>
+                </a:solidFill>
+              </a14:hiddenFill>
+            </a:ext>
+          </a:extLst>
+        </p:spPr>
+      </p:pic>
+      <p:pic>
+        <p:nvPicPr>
+          <p:cNvPr id="7" name="Picture 6">
+            <a:extLst>
+              <a:ext uri="{FF2B5EF4-FFF2-40B4-BE49-F238E27FC236}">
+                <a16:creationId xmlns:a16="http://schemas.microsoft.com/office/drawing/2014/main" id="{4EF63783-B000-A4BC-CCBD-ECC8D1236DD3}"/>
+              </a:ext>
+            </a:extLst>
+          </p:cNvPr>
+          <p:cNvPicPr>
+            <a:picLocks noChangeAspect="1"/>
+          </p:cNvPicPr>
+          <p:nvPr/>
+        </p:nvPicPr>
+        <p:blipFill>
+          <a:blip r:embed="rId4">
+            <a:extLst>
+              <a:ext uri="{28A0092B-C50C-407E-A947-70E740481C1C}">
+                <a14:useLocalDpi xmlns:a14="http://schemas.microsoft.com/office/drawing/2010/main" val="0"/>
+              </a:ext>
+            </a:extLst>
+          </a:blip>
+          <a:stretch>
+            <a:fillRect/>
+          </a:stretch>
+        </p:blipFill>
+        <p:spPr>
+          <a:xfrm>
+            <a:off x="1039090" y="1578919"/>
+            <a:ext cx="2228212" cy="2228212"/>
+          </a:xfrm>
+          <a:prstGeom prst="rect">
+            <a:avLst/>
+          </a:prstGeom>
+        </p:spPr>
+      </p:pic>
+      <p:sp>
+        <p:nvSpPr>
+          <p:cNvPr id="8" name="TextBox 7">
+            <a:extLst>
+              <a:ext uri="{FF2B5EF4-FFF2-40B4-BE49-F238E27FC236}">
+                <a16:creationId xmlns:a16="http://schemas.microsoft.com/office/drawing/2014/main" id="{98A32F5C-E514-95A5-9E67-696F9A1524ED}"/>
+              </a:ext>
+            </a:extLst>
+          </p:cNvPr>
+          <p:cNvSpPr txBox="1"/>
+          <p:nvPr/>
+        </p:nvSpPr>
+        <p:spPr>
+          <a:xfrm>
+            <a:off x="4225637" y="1020663"/>
+            <a:ext cx="6442363" cy="2985433"/>
+          </a:xfrm>
+          <a:prstGeom prst="rect">
+            <a:avLst/>
+          </a:prstGeom>
+          <a:noFill/>
+        </p:spPr>
+        <p:txBody>
+          <a:bodyPr wrap="square" rtlCol="0">
+            <a:spAutoFit/>
+          </a:bodyPr>
+          <a:lstStyle/>
+          <a:p>
+            <a:r>
+              <a:rPr lang="en-US" sz="3600" dirty="0">
+                <a:latin typeface="Verdana" panose="020B0604030504040204" pitchFamily="34" charset="0"/>
+                <a:ea typeface="Verdana" panose="020B0604030504040204" pitchFamily="34" charset="0"/>
+              </a:rPr>
+              <a:t>Jeff Foushee</a:t>
+            </a:r>
+          </a:p>
+          <a:p>
+            <a:endParaRPr lang="en-US" sz="2400" dirty="0">
+              <a:latin typeface="Verdana" panose="020B0604030504040204" pitchFamily="34" charset="0"/>
+              <a:ea typeface="Verdana" panose="020B0604030504040204" pitchFamily="34" charset="0"/>
+            </a:endParaRPr>
+          </a:p>
+          <a:p>
+            <a:pPr marL="285750" indent="-285750">
+              <a:buFont typeface="Arial" panose="020B0604020202020204" pitchFamily="34" charset="0"/>
+              <a:buChar char="•"/>
+            </a:pPr>
+            <a:r>
+              <a:rPr lang="en-US" sz="2400" dirty="0">
+                <a:latin typeface="Verdana" panose="020B0604030504040204" pitchFamily="34" charset="0"/>
+                <a:ea typeface="Verdana" panose="020B0604030504040204" pitchFamily="34" charset="0"/>
+              </a:rPr>
+              <a:t>SQL Server Database Admin</a:t>
+            </a:r>
+          </a:p>
+          <a:p>
+            <a:pPr marL="285750" indent="-285750">
+              <a:buFont typeface="Arial" panose="020B0604020202020204" pitchFamily="34" charset="0"/>
+              <a:buChar char="•"/>
+            </a:pPr>
+            <a:endParaRPr lang="en-US" sz="1000" dirty="0">
+              <a:latin typeface="Verdana" panose="020B0604030504040204" pitchFamily="34" charset="0"/>
+              <a:ea typeface="Verdana" panose="020B0604030504040204" pitchFamily="34" charset="0"/>
+            </a:endParaRPr>
+          </a:p>
+          <a:p>
+            <a:pPr marL="285750" indent="-285750">
+              <a:buFont typeface="Arial" panose="020B0604020202020204" pitchFamily="34" charset="0"/>
+              <a:buChar char="•"/>
+            </a:pPr>
+            <a:r>
+              <a:rPr lang="en-US" sz="2400" dirty="0">
+                <a:latin typeface="Verdana" panose="020B0604030504040204" pitchFamily="34" charset="0"/>
+                <a:ea typeface="Verdana" panose="020B0604030504040204" pitchFamily="34" charset="0"/>
+              </a:rPr>
+              <a:t>Programmer</a:t>
+            </a:r>
+          </a:p>
+          <a:p>
+            <a:endParaRPr lang="en-US" sz="1000" dirty="0">
+              <a:latin typeface="Verdana" panose="020B0604030504040204" pitchFamily="34" charset="0"/>
+              <a:ea typeface="Verdana" panose="020B0604030504040204" pitchFamily="34" charset="0"/>
+            </a:endParaRPr>
+          </a:p>
+          <a:p>
+            <a:pPr marL="285750" indent="-285750">
+              <a:buFont typeface="Arial" panose="020B0604020202020204" pitchFamily="34" charset="0"/>
+              <a:buChar char="•"/>
+            </a:pPr>
+            <a:r>
+              <a:rPr lang="en-US" sz="2400" dirty="0">
+                <a:latin typeface="Verdana" panose="020B0604030504040204" pitchFamily="34" charset="0"/>
+                <a:ea typeface="Verdana" panose="020B0604030504040204" pitchFamily="34" charset="0"/>
+              </a:rPr>
+              <a:t>SQL Saturday speaker</a:t>
+            </a:r>
+          </a:p>
+          <a:p>
+            <a:pPr marL="285750" indent="-285750">
+              <a:buFont typeface="Arial" panose="020B0604020202020204" pitchFamily="34" charset="0"/>
+              <a:buChar char="•"/>
+            </a:pPr>
+            <a:endParaRPr lang="en-US" sz="1200" dirty="0">
+              <a:latin typeface="Verdana" panose="020B0604030504040204" pitchFamily="34" charset="0"/>
+              <a:ea typeface="Verdana" panose="020B0604030504040204" pitchFamily="34" charset="0"/>
+            </a:endParaRPr>
+          </a:p>
+          <a:p>
+            <a:pPr marL="285750" indent="-285750">
+              <a:buFont typeface="Arial" panose="020B0604020202020204" pitchFamily="34" charset="0"/>
+              <a:buChar char="•"/>
+            </a:pPr>
+            <a:r>
+              <a:rPr lang="en-US" sz="2400" dirty="0">
+                <a:latin typeface="Verdana" panose="020B0604030504040204" pitchFamily="34" charset="0"/>
+                <a:ea typeface="Verdana" panose="020B0604030504040204" pitchFamily="34" charset="0"/>
+              </a:rPr>
+              <a:t>Blackjack dealer</a:t>
+            </a:r>
+          </a:p>
+        </p:txBody>
+      </p:sp>
+    </p:spTree>
+    <p:extLst>
+      <p:ext uri="{BB962C8B-B14F-4D97-AF65-F5344CB8AC3E}">
+        <p14:creationId xmlns:p14="http://schemas.microsoft.com/office/powerpoint/2010/main" val="1691737629"/>
+      </p:ext>
+    </p:extLst>
+  </p:cSld>
+  <p:clrMapOvr>
+    <a:masterClrMapping/>
+  </p:clrMapOvr>
+</p:sld>
+</file>
+
+<file path=ppt/slides/slide7.xml><?xml version="1.0" encoding="utf-8"?>
 <p:sld xmlns:a="http://schemas.openxmlformats.org/drawingml/2006/main" xmlns:r="http://schemas.openxmlformats.org/officeDocument/2006/relationships" xmlns:p="http://schemas.openxmlformats.org/presentationml/2006/main">
   <p:cSld>
     <p:spTree>
@@ -24447,7 +24840,7 @@
         <p:grpSpPr>
           <a:xfrm>
             <a:off x="1697654" y="4490903"/>
-            <a:ext cx="2165686" cy="1082159"/>
+            <a:ext cx="3285826" cy="1592397"/>
             <a:chOff x="1697654" y="5277669"/>
             <a:chExt cx="1448603" cy="704850"/>
           </a:xfrm>
@@ -24694,7 +25087,7 @@
 </p:sld>
 </file>
 
-<file path=ppt/slides/slide6.xml><?xml version="1.0" encoding="utf-8"?>
+<file path=ppt/slides/slide8.xml><?xml version="1.0" encoding="utf-8"?>
 <p:sld xmlns:a="http://schemas.openxmlformats.org/drawingml/2006/main" xmlns:r="http://schemas.openxmlformats.org/officeDocument/2006/relationships" xmlns:p="http://schemas.openxmlformats.org/presentationml/2006/main">
   <p:cSld>
     <p:spTree>
@@ -24726,7 +25119,7 @@
         <p:spPr>
           <a:xfrm>
             <a:off x="1263314" y="1737336"/>
-            <a:ext cx="9298006" cy="1569660"/>
+            <a:ext cx="9798386" cy="2677656"/>
           </a:xfrm>
           <a:prstGeom prst="rect">
             <a:avLst/>
@@ -24782,7 +25175,7 @@
                 </a:solidFill>
                 <a:latin typeface="Consolas" panose="020B0609020204030204" pitchFamily="49" charset="0"/>
               </a:rPr>
-              <a:t>10</a:t>
+              <a:t>12</a:t>
             </a:r>
             <a:r>
               <a:rPr lang="en-US" sz="2400" dirty="0">
@@ -24898,7 +25291,7 @@
                 </a:solidFill>
                 <a:latin typeface="Consolas" panose="020B0609020204030204" pitchFamily="49" charset="0"/>
               </a:rPr>
-              <a:t>10</a:t>
+              <a:t>12</a:t>
             </a:r>
             <a:r>
               <a:rPr lang="es-ES" sz="2400" dirty="0">
@@ -25090,6 +25483,186 @@
               </a:rPr>
               <a:t>)</a:t>
             </a:r>
+          </a:p>
+          <a:p>
+            <a:r>
+              <a:rPr lang="en-US" sz="2400" dirty="0">
+                <a:solidFill>
+                  <a:srgbClr val="0000FF"/>
+                </a:solidFill>
+                <a:latin typeface="Consolas" panose="020B0609020204030204" pitchFamily="49" charset="0"/>
+              </a:rPr>
+              <a:t>SELECT</a:t>
+            </a:r>
+            <a:r>
+              <a:rPr lang="en-US" sz="2400" dirty="0">
+                <a:solidFill>
+                  <a:srgbClr val="000000"/>
+                </a:solidFill>
+                <a:latin typeface="Consolas" panose="020B0609020204030204" pitchFamily="49" charset="0"/>
+              </a:rPr>
+              <a:t> </a:t>
+            </a:r>
+            <a:r>
+              <a:rPr lang="en-US" sz="2400" dirty="0">
+                <a:solidFill>
+                  <a:srgbClr val="FF00FF"/>
+                </a:solidFill>
+                <a:highlight>
+                  <a:srgbClr val="FFFF00"/>
+                </a:highlight>
+                <a:latin typeface="Consolas" panose="020B0609020204030204" pitchFamily="49" charset="0"/>
+              </a:rPr>
+              <a:t>TRANSLATE</a:t>
+            </a:r>
+            <a:r>
+              <a:rPr lang="en-US" sz="2400" dirty="0">
+                <a:solidFill>
+                  <a:srgbClr val="808080"/>
+                </a:solidFill>
+                <a:latin typeface="Consolas" panose="020B0609020204030204" pitchFamily="49" charset="0"/>
+              </a:rPr>
+              <a:t>(</a:t>
+            </a:r>
+          </a:p>
+          <a:p>
+            <a:r>
+              <a:rPr lang="en-US" sz="2400" dirty="0">
+                <a:solidFill>
+                  <a:srgbClr val="808080"/>
+                </a:solidFill>
+                <a:latin typeface="Consolas" panose="020B0609020204030204" pitchFamily="49" charset="0"/>
+              </a:rPr>
+              <a:t>     </a:t>
+            </a:r>
+            <a:r>
+              <a:rPr lang="en-US" sz="2400" dirty="0">
+                <a:solidFill>
+                  <a:srgbClr val="FF0000"/>
+                </a:solidFill>
+                <a:latin typeface="Consolas" panose="020B0609020204030204" pitchFamily="49" charset="0"/>
+              </a:rPr>
+              <a:t>'“</a:t>
+            </a:r>
+            <a:r>
+              <a:rPr lang="en-US" sz="2400" dirty="0" err="1">
+                <a:solidFill>
+                  <a:srgbClr val="FF0000"/>
+                </a:solidFill>
+                <a:latin typeface="Consolas" panose="020B0609020204030204" pitchFamily="49" charset="0"/>
+              </a:rPr>
+              <a:t>héllo</a:t>
+            </a:r>
+            <a:r>
+              <a:rPr lang="en-US" sz="2400" dirty="0">
+                <a:solidFill>
+                  <a:srgbClr val="FF0000"/>
+                </a:solidFill>
+                <a:latin typeface="Consolas" panose="020B0609020204030204" pitchFamily="49" charset="0"/>
+              </a:rPr>
+              <a:t>{}”'</a:t>
+            </a:r>
+            <a:r>
+              <a:rPr lang="en-US" sz="2400" dirty="0">
+                <a:solidFill>
+                  <a:srgbClr val="808080"/>
+                </a:solidFill>
+                <a:latin typeface="Consolas" panose="020B0609020204030204" pitchFamily="49" charset="0"/>
+              </a:rPr>
+              <a:t>,</a:t>
+            </a:r>
+            <a:r>
+              <a:rPr lang="en-US" sz="2400" dirty="0">
+                <a:solidFill>
+                  <a:srgbClr val="000000"/>
+                </a:solidFill>
+                <a:latin typeface="Consolas" panose="020B0609020204030204" pitchFamily="49" charset="0"/>
+              </a:rPr>
+              <a:t> </a:t>
+            </a:r>
+            <a:r>
+              <a:rPr lang="en-US" sz="2400" dirty="0">
+                <a:solidFill>
+                  <a:srgbClr val="FF0000"/>
+                </a:solidFill>
+                <a:latin typeface="Consolas" panose="020B0609020204030204" pitchFamily="49" charset="0"/>
+              </a:rPr>
+              <a:t>'[]{}</a:t>
+            </a:r>
+            <a:r>
+              <a:rPr lang="en-US" sz="2400" dirty="0" err="1">
+                <a:solidFill>
+                  <a:srgbClr val="FF0000"/>
+                </a:solidFill>
+                <a:latin typeface="Consolas" panose="020B0609020204030204" pitchFamily="49" charset="0"/>
+              </a:rPr>
+              <a:t>ñé</a:t>
+            </a:r>
+            <a:r>
+              <a:rPr lang="en-US" sz="2400" dirty="0">
+                <a:solidFill>
+                  <a:srgbClr val="FF0000"/>
+                </a:solidFill>
+                <a:latin typeface="Consolas" panose="020B0609020204030204" pitchFamily="49" charset="0"/>
+              </a:rPr>
+              <a:t>“”‘’'</a:t>
+            </a:r>
+            <a:r>
+              <a:rPr lang="en-US" sz="2400" dirty="0">
+                <a:solidFill>
+                  <a:srgbClr val="808080"/>
+                </a:solidFill>
+                <a:latin typeface="Consolas" panose="020B0609020204030204" pitchFamily="49" charset="0"/>
+              </a:rPr>
+              <a:t>,</a:t>
+            </a:r>
+            <a:r>
+              <a:rPr lang="en-US" sz="2400" dirty="0">
+                <a:solidFill>
+                  <a:srgbClr val="000000"/>
+                </a:solidFill>
+                <a:latin typeface="Consolas" panose="020B0609020204030204" pitchFamily="49" charset="0"/>
+              </a:rPr>
+              <a:t> </a:t>
+            </a:r>
+            <a:r>
+              <a:rPr lang="es-ES" sz="2400" dirty="0">
+                <a:solidFill>
+                  <a:srgbClr val="FF0000"/>
+                </a:solidFill>
+                <a:latin typeface="Consolas" panose="020B0609020204030204" pitchFamily="49" charset="0"/>
+              </a:rPr>
+              <a:t>'()()</a:t>
+            </a:r>
+            <a:r>
+              <a:rPr lang="es-ES" sz="2400" dirty="0" err="1">
+                <a:solidFill>
+                  <a:srgbClr val="FF0000"/>
+                </a:solidFill>
+                <a:latin typeface="Consolas" panose="020B0609020204030204" pitchFamily="49" charset="0"/>
+              </a:rPr>
+              <a:t>ne</a:t>
+            </a:r>
+            <a:r>
+              <a:rPr lang="es-ES" sz="2400" dirty="0">
+                <a:solidFill>
+                  <a:srgbClr val="FF0000"/>
+                </a:solidFill>
+                <a:latin typeface="Consolas" panose="020B0609020204030204" pitchFamily="49" charset="0"/>
+              </a:rPr>
+              <a:t>""'''''</a:t>
+            </a:r>
+            <a:r>
+              <a:rPr lang="en-US" sz="2400" dirty="0">
+                <a:solidFill>
+                  <a:srgbClr val="808080"/>
+                </a:solidFill>
+                <a:latin typeface="Consolas" panose="020B0609020204030204" pitchFamily="49" charset="0"/>
+              </a:rPr>
+              <a:t>)</a:t>
+            </a:r>
+          </a:p>
+          <a:p>
             <a:endParaRPr lang="es-ES" sz="2400" dirty="0">
               <a:solidFill>
                 <a:srgbClr val="000000"/>
@@ -25101,10 +25674,10 @@
       </p:sp>
       <p:pic>
         <p:nvPicPr>
-          <p:cNvPr id="5" name="Picture 4">
+          <p:cNvPr id="3" name="Picture 2">
             <a:extLst>
               <a:ext uri="{FF2B5EF4-FFF2-40B4-BE49-F238E27FC236}">
-                <a16:creationId xmlns:a16="http://schemas.microsoft.com/office/drawing/2014/main" id="{DE16CBFB-4322-4C7A-6C4A-DF03C4F04359}"/>
+                <a16:creationId xmlns:a16="http://schemas.microsoft.com/office/drawing/2014/main" id="{85AF7641-FEE5-2DF0-4ACD-B1E9978FD84B}"/>
               </a:ext>
             </a:extLst>
           </p:cNvPr>
@@ -25121,8 +25694,8 @@
         </p:blipFill>
         <p:spPr>
           <a:xfrm>
-            <a:off x="1361122" y="3551005"/>
-            <a:ext cx="3805238" cy="1885478"/>
+            <a:off x="1263314" y="4267200"/>
+            <a:ext cx="3126468" cy="1435100"/>
           </a:xfrm>
           <a:prstGeom prst="rect">
             <a:avLst/>
@@ -25139,85 +25712,10 @@
   <p:clrMapOvr>
     <a:masterClrMapping/>
   </p:clrMapOvr>
-  <p:timing>
-    <p:tnLst>
-      <p:par>
-        <p:cTn id="1" dur="indefinite" restart="never" nodeType="tmRoot">
-          <p:childTnLst>
-            <p:seq concurrent="1" nextAc="seek">
-              <p:cTn id="2" dur="indefinite" nodeType="mainSeq">
-                <p:childTnLst>
-                  <p:par>
-                    <p:cTn id="3" fill="hold">
-                      <p:stCondLst>
-                        <p:cond delay="indefinite"/>
-                      </p:stCondLst>
-                      <p:childTnLst>
-                        <p:par>
-                          <p:cTn id="4" fill="hold">
-                            <p:stCondLst>
-                              <p:cond delay="0"/>
-                            </p:stCondLst>
-                            <p:childTnLst>
-                              <p:par>
-                                <p:cTn id="5" presetID="1" presetClass="entr" presetSubtype="0" fill="hold" nodeType="clickEffect">
-                                  <p:stCondLst>
-                                    <p:cond delay="0"/>
-                                  </p:stCondLst>
-                                  <p:childTnLst>
-                                    <p:set>
-                                      <p:cBhvr>
-                                        <p:cTn id="6" dur="1" fill="hold">
-                                          <p:stCondLst>
-                                            <p:cond delay="0"/>
-                                          </p:stCondLst>
-                                        </p:cTn>
-                                        <p:tgtEl>
-                                          <p:spTgt spid="5"/>
-                                        </p:tgtEl>
-                                        <p:attrNameLst>
-                                          <p:attrName>style.visibility</p:attrName>
-                                        </p:attrNameLst>
-                                      </p:cBhvr>
-                                      <p:to>
-                                        <p:strVal val="visible"/>
-                                      </p:to>
-                                    </p:set>
-                                  </p:childTnLst>
-                                </p:cTn>
-                              </p:par>
-                            </p:childTnLst>
-                          </p:cTn>
-                        </p:par>
-                      </p:childTnLst>
-                    </p:cTn>
-                  </p:par>
-                </p:childTnLst>
-              </p:cTn>
-              <p:prevCondLst>
-                <p:cond evt="onPrev" delay="0">
-                  <p:tgtEl>
-                    <p:sldTgt/>
-                  </p:tgtEl>
-                </p:cond>
-              </p:prevCondLst>
-              <p:nextCondLst>
-                <p:cond evt="onNext" delay="0">
-                  <p:tgtEl>
-                    <p:sldTgt/>
-                  </p:tgtEl>
-                </p:cond>
-              </p:nextCondLst>
-            </p:seq>
-          </p:childTnLst>
-        </p:cTn>
-      </p:par>
-    </p:tnLst>
-  </p:timing>
 </p:sld>
 </file>
 
-<file path=ppt/slides/slide7.xml><?xml version="1.0" encoding="utf-8"?>
+<file path=ppt/slides/slide9.xml><?xml version="1.0" encoding="utf-8"?>
 <p:sld xmlns:a="http://schemas.openxmlformats.org/drawingml/2006/main" xmlns:r="http://schemas.openxmlformats.org/officeDocument/2006/relationships" xmlns:p="http://schemas.openxmlformats.org/presentationml/2006/main">
   <p:cSld>
     <p:spTree>
@@ -25715,7 +26213,7 @@
         </p:nvSpPr>
         <p:spPr>
           <a:xfrm>
-            <a:off x="6839503" y="3543992"/>
+            <a:off x="6839503" y="3734492"/>
             <a:ext cx="4616923" cy="646331"/>
           </a:xfrm>
           <a:prstGeom prst="rect">
@@ -25751,7 +26249,7 @@
         <p:spPr>
           <a:xfrm>
             <a:off x="6855296" y="2717071"/>
-            <a:ext cx="4585335" cy="646331"/>
+            <a:ext cx="4585335" cy="923330"/>
           </a:xfrm>
           <a:prstGeom prst="rect">
             <a:avLst/>
@@ -25774,7 +26272,23 @@
             </a:r>
             <a:r>
               <a:rPr lang="en-US" dirty="0"/>
-              <a:t>” refers to anything that can be represented as a string</a:t>
+              <a:t>” refers to anything that can be represented as a string, including </a:t>
+            </a:r>
+            <a:r>
+              <a:rPr lang="en-US" dirty="0" err="1"/>
+              <a:t>numerics</a:t>
+            </a:r>
+            <a:r>
+              <a:rPr lang="en-US" dirty="0"/>
+              <a:t>, datetimes, </a:t>
+            </a:r>
+            <a:r>
+              <a:rPr lang="en-US" dirty="0" err="1"/>
+              <a:t>guids</a:t>
+            </a:r>
+            <a:r>
+              <a:rPr lang="en-US" dirty="0"/>
+              <a:t>, etc.</a:t>
             </a:r>
           </a:p>
         </p:txBody>
@@ -25793,7 +26307,7 @@
         </p:nvSpPr>
         <p:spPr>
           <a:xfrm>
-            <a:off x="6839503" y="4341927"/>
+            <a:off x="6839503" y="4523513"/>
             <a:ext cx="4482465" cy="923330"/>
           </a:xfrm>
           <a:prstGeom prst="rect">
@@ -25868,8 +26382,8 @@
         </p:nvSpPr>
         <p:spPr>
           <a:xfrm>
-            <a:off x="6839503" y="5416861"/>
-            <a:ext cx="4251959" cy="646331"/>
+            <a:off x="6839503" y="5594661"/>
+            <a:ext cx="4251959" cy="369332"/>
           </a:xfrm>
           <a:prstGeom prst="rect">
             <a:avLst/>
@@ -25884,33 +26398,7 @@
           <a:p>
             <a:r>
               <a:rPr lang="en-US" dirty="0"/>
-              <a:t>Perfectly fine to re-use characters in </a:t>
-            </a:r>
-            <a:r>
-              <a:rPr lang="en-US" dirty="0" err="1">
-                <a:latin typeface="Consolas" panose="020B0609020204030204" pitchFamily="49" charset="0"/>
-              </a:rPr>
-              <a:t>after_map</a:t>
-            </a:r>
-            <a:r>
-              <a:rPr lang="en-US" dirty="0">
-                <a:latin typeface="Consolas" panose="020B0609020204030204" pitchFamily="49" charset="0"/>
-              </a:rPr>
-              <a:t> </a:t>
-            </a:r>
-            <a:r>
-              <a:rPr lang="en-US" dirty="0"/>
-              <a:t>(or </a:t>
-            </a:r>
-            <a:r>
-              <a:rPr lang="en-US" dirty="0" err="1">
-                <a:latin typeface="Consolas" panose="020B0609020204030204" pitchFamily="49" charset="0"/>
-              </a:rPr>
-              <a:t>before_map</a:t>
-            </a:r>
-            <a:r>
-              <a:rPr lang="en-US" dirty="0"/>
-              <a:t>)</a:t>
+              <a:t>Perfectly fine to re-use characters as targets</a:t>
             </a:r>
           </a:p>
         </p:txBody>
@@ -26254,691 +26742,6 @@
       <p:bldP spid="2" grpId="0"/>
     </p:bldLst>
   </p:timing>
-</p:sld>
-</file>
-
-<file path=ppt/slides/slide8.xml><?xml version="1.0" encoding="utf-8"?>
-<p:sld xmlns:a="http://schemas.openxmlformats.org/drawingml/2006/main" xmlns:r="http://schemas.openxmlformats.org/officeDocument/2006/relationships" xmlns:p="http://schemas.openxmlformats.org/presentationml/2006/main">
-  <p:cSld>
-    <p:spTree>
-      <p:nvGrpSpPr>
-        <p:cNvPr id="1" name=""/>
-        <p:cNvGrpSpPr/>
-        <p:nvPr/>
-      </p:nvGrpSpPr>
-      <p:grpSpPr>
-        <a:xfrm>
-          <a:off x="0" y="0"/>
-          <a:ext cx="0" cy="0"/>
-          <a:chOff x="0" y="0"/>
-          <a:chExt cx="0" cy="0"/>
-        </a:xfrm>
-      </p:grpSpPr>
-      <p:sp>
-        <p:nvSpPr>
-          <p:cNvPr id="11" name="Content Placeholder 10">
-            <a:extLst>
-              <a:ext uri="{FF2B5EF4-FFF2-40B4-BE49-F238E27FC236}">
-                <a16:creationId xmlns:a16="http://schemas.microsoft.com/office/drawing/2014/main" id="{29EE55F7-A509-833B-6B17-93F3A4528D73}"/>
-              </a:ext>
-            </a:extLst>
-          </p:cNvPr>
-          <p:cNvSpPr>
-            <a:spLocks noGrp="1"/>
-          </p:cNvSpPr>
-          <p:nvPr>
-            <p:ph idx="1"/>
-          </p:nvPr>
-        </p:nvSpPr>
-        <p:spPr>
-          <a:xfrm>
-            <a:off x="838200" y="1655504"/>
-            <a:ext cx="10515600" cy="4351338"/>
-          </a:xfrm>
-        </p:spPr>
-        <p:txBody>
-          <a:bodyPr>
-            <a:normAutofit/>
-          </a:bodyPr>
-          <a:lstStyle/>
-          <a:p>
-            <a:pPr marL="0" indent="0">
-              <a:buNone/>
-            </a:pPr>
-            <a:r>
-              <a:rPr lang="en-US" sz="2400" dirty="0">
-                <a:solidFill>
-                  <a:srgbClr val="0000FF"/>
-                </a:solidFill>
-                <a:latin typeface="Consolas" panose="020B0609020204030204" pitchFamily="49" charset="0"/>
-              </a:rPr>
-              <a:t>DECLARE</a:t>
-            </a:r>
-            <a:r>
-              <a:rPr lang="en-US" sz="2400" dirty="0">
-                <a:solidFill>
-                  <a:srgbClr val="000000"/>
-                </a:solidFill>
-                <a:latin typeface="Consolas" panose="020B0609020204030204" pitchFamily="49" charset="0"/>
-              </a:rPr>
-              <a:t> @_beforemap </a:t>
-            </a:r>
-            <a:r>
-              <a:rPr lang="en-US" sz="2400" dirty="0">
-                <a:solidFill>
-                  <a:srgbClr val="0000FF"/>
-                </a:solidFill>
-                <a:latin typeface="Consolas" panose="020B0609020204030204" pitchFamily="49" charset="0"/>
-              </a:rPr>
-              <a:t>varchar</a:t>
-            </a:r>
-            <a:r>
-              <a:rPr lang="en-US" sz="2400" dirty="0">
-                <a:solidFill>
-                  <a:srgbClr val="808080"/>
-                </a:solidFill>
-                <a:latin typeface="Consolas" panose="020B0609020204030204" pitchFamily="49" charset="0"/>
-              </a:rPr>
-              <a:t>(</a:t>
-            </a:r>
-            <a:r>
-              <a:rPr lang="en-US" sz="2400" dirty="0">
-                <a:solidFill>
-                  <a:srgbClr val="000000"/>
-                </a:solidFill>
-                <a:latin typeface="Consolas" panose="020B0609020204030204" pitchFamily="49" charset="0"/>
-              </a:rPr>
-              <a:t>100</a:t>
-            </a:r>
-            <a:r>
-              <a:rPr lang="en-US" sz="2400" dirty="0">
-                <a:solidFill>
-                  <a:srgbClr val="808080"/>
-                </a:solidFill>
-                <a:latin typeface="Consolas" panose="020B0609020204030204" pitchFamily="49" charset="0"/>
-              </a:rPr>
-              <a:t>)</a:t>
-            </a:r>
-            <a:r>
-              <a:rPr lang="en-US" sz="2400" dirty="0">
-                <a:solidFill>
-                  <a:srgbClr val="000000"/>
-                </a:solidFill>
-                <a:latin typeface="Consolas" panose="020B0609020204030204" pitchFamily="49" charset="0"/>
-              </a:rPr>
-              <a:t> </a:t>
-            </a:r>
-          </a:p>
-          <a:p>
-            <a:pPr marL="0" indent="0">
-              <a:buNone/>
-            </a:pPr>
-            <a:r>
-              <a:rPr lang="en-US" sz="2400" dirty="0">
-                <a:solidFill>
-                  <a:srgbClr val="000000"/>
-                </a:solidFill>
-                <a:latin typeface="Consolas" panose="020B0609020204030204" pitchFamily="49" charset="0"/>
-              </a:rPr>
-              <a:t>   </a:t>
-            </a:r>
-            <a:r>
-              <a:rPr lang="en-US" sz="2400" dirty="0">
-                <a:solidFill>
-                  <a:srgbClr val="808080"/>
-                </a:solidFill>
-                <a:latin typeface="Consolas" panose="020B0609020204030204" pitchFamily="49" charset="0"/>
-              </a:rPr>
-              <a:t>=</a:t>
-            </a:r>
-            <a:r>
-              <a:rPr lang="en-US" sz="2400" dirty="0">
-                <a:solidFill>
-                  <a:srgbClr val="000000"/>
-                </a:solidFill>
-                <a:latin typeface="Consolas" panose="020B0609020204030204" pitchFamily="49" charset="0"/>
-              </a:rPr>
-              <a:t> </a:t>
-            </a:r>
-            <a:r>
-              <a:rPr lang="en-US" sz="2400" dirty="0">
-                <a:solidFill>
-                  <a:srgbClr val="FF0000"/>
-                </a:solidFill>
-                <a:latin typeface="Consolas" panose="020B0609020204030204" pitchFamily="49" charset="0"/>
-              </a:rPr>
-              <a:t>'</a:t>
-            </a:r>
-            <a:r>
-              <a:rPr lang="en-US" sz="2400" dirty="0" err="1">
-                <a:solidFill>
-                  <a:srgbClr val="FF0000"/>
-                </a:solidFill>
-                <a:latin typeface="Consolas" panose="020B0609020204030204" pitchFamily="49" charset="0"/>
-              </a:rPr>
-              <a:t>ABCDEFGHIJKLMNOPQRSTUVWXYZabcdefghijklmnopqrstuvwxyz</a:t>
-            </a:r>
-            <a:r>
-              <a:rPr lang="en-US" sz="2400" dirty="0">
-                <a:solidFill>
-                  <a:srgbClr val="FF0000"/>
-                </a:solidFill>
-                <a:latin typeface="Consolas" panose="020B0609020204030204" pitchFamily="49" charset="0"/>
-              </a:rPr>
-              <a:t>'</a:t>
-            </a:r>
-            <a:endParaRPr lang="en-US" sz="2400" dirty="0">
-              <a:solidFill>
-                <a:srgbClr val="000000"/>
-              </a:solidFill>
-              <a:latin typeface="Consolas" panose="020B0609020204030204" pitchFamily="49" charset="0"/>
-            </a:endParaRPr>
-          </a:p>
-          <a:p>
-            <a:pPr marL="0" indent="0">
-              <a:buNone/>
-            </a:pPr>
-            <a:r>
-              <a:rPr lang="en-US" sz="2400" dirty="0">
-                <a:solidFill>
-                  <a:srgbClr val="0000FF"/>
-                </a:solidFill>
-                <a:latin typeface="Consolas" panose="020B0609020204030204" pitchFamily="49" charset="0"/>
-              </a:rPr>
-              <a:t>DECLARE</a:t>
-            </a:r>
-            <a:r>
-              <a:rPr lang="en-US" sz="2400" dirty="0">
-                <a:solidFill>
-                  <a:srgbClr val="000000"/>
-                </a:solidFill>
-                <a:latin typeface="Consolas" panose="020B0609020204030204" pitchFamily="49" charset="0"/>
-              </a:rPr>
-              <a:t> @_aftermap </a:t>
-            </a:r>
-            <a:r>
-              <a:rPr lang="en-US" sz="2400" dirty="0">
-                <a:solidFill>
-                  <a:srgbClr val="0000FF"/>
-                </a:solidFill>
-                <a:latin typeface="Consolas" panose="020B0609020204030204" pitchFamily="49" charset="0"/>
-              </a:rPr>
-              <a:t>varchar</a:t>
-            </a:r>
-            <a:r>
-              <a:rPr lang="en-US" sz="2400" dirty="0">
-                <a:solidFill>
-                  <a:srgbClr val="808080"/>
-                </a:solidFill>
-                <a:latin typeface="Consolas" panose="020B0609020204030204" pitchFamily="49" charset="0"/>
-              </a:rPr>
-              <a:t>(</a:t>
-            </a:r>
-            <a:r>
-              <a:rPr lang="en-US" sz="2400" dirty="0">
-                <a:solidFill>
-                  <a:srgbClr val="000000"/>
-                </a:solidFill>
-                <a:latin typeface="Consolas" panose="020B0609020204030204" pitchFamily="49" charset="0"/>
-              </a:rPr>
-              <a:t>100</a:t>
-            </a:r>
-            <a:r>
-              <a:rPr lang="en-US" sz="2400" dirty="0">
-                <a:solidFill>
-                  <a:srgbClr val="808080"/>
-                </a:solidFill>
-                <a:latin typeface="Consolas" panose="020B0609020204030204" pitchFamily="49" charset="0"/>
-              </a:rPr>
-              <a:t>)</a:t>
-            </a:r>
-            <a:r>
-              <a:rPr lang="en-US" sz="2400" dirty="0">
-                <a:solidFill>
-                  <a:srgbClr val="000000"/>
-                </a:solidFill>
-                <a:latin typeface="Consolas" panose="020B0609020204030204" pitchFamily="49" charset="0"/>
-              </a:rPr>
-              <a:t>  </a:t>
-            </a:r>
-          </a:p>
-          <a:p>
-            <a:pPr marL="0" indent="0">
-              <a:buNone/>
-            </a:pPr>
-            <a:r>
-              <a:rPr lang="en-US" sz="2400" dirty="0">
-                <a:solidFill>
-                  <a:srgbClr val="000000"/>
-                </a:solidFill>
-                <a:latin typeface="Consolas" panose="020B0609020204030204" pitchFamily="49" charset="0"/>
-              </a:rPr>
-              <a:t>   </a:t>
-            </a:r>
-            <a:r>
-              <a:rPr lang="en-US" sz="2400" dirty="0">
-                <a:solidFill>
-                  <a:srgbClr val="808080"/>
-                </a:solidFill>
-                <a:latin typeface="Consolas" panose="020B0609020204030204" pitchFamily="49" charset="0"/>
-              </a:rPr>
-              <a:t>=</a:t>
-            </a:r>
-            <a:r>
-              <a:rPr lang="en-US" sz="2400" dirty="0">
-                <a:solidFill>
-                  <a:srgbClr val="000000"/>
-                </a:solidFill>
-                <a:latin typeface="Consolas" panose="020B0609020204030204" pitchFamily="49" charset="0"/>
-              </a:rPr>
-              <a:t> </a:t>
-            </a:r>
-            <a:r>
-              <a:rPr lang="en-US" sz="2400" dirty="0">
-                <a:solidFill>
-                  <a:srgbClr val="FF0000"/>
-                </a:solidFill>
-                <a:latin typeface="Consolas" panose="020B0609020204030204" pitchFamily="49" charset="0"/>
-              </a:rPr>
-              <a:t>'</a:t>
-            </a:r>
-            <a:r>
-              <a:rPr lang="en-US" sz="2400" dirty="0" err="1">
-                <a:solidFill>
-                  <a:srgbClr val="FF0000"/>
-                </a:solidFill>
-                <a:latin typeface="Consolas" panose="020B0609020204030204" pitchFamily="49" charset="0"/>
-              </a:rPr>
-              <a:t>NOPQRSTUVWXYZABCDEFGHIJKLMnopqrstuvwxyzabcdefghijklm</a:t>
-            </a:r>
-            <a:r>
-              <a:rPr lang="en-US" sz="2400" dirty="0">
-                <a:solidFill>
-                  <a:srgbClr val="FF0000"/>
-                </a:solidFill>
-                <a:latin typeface="Consolas" panose="020B0609020204030204" pitchFamily="49" charset="0"/>
-              </a:rPr>
-              <a:t>'</a:t>
-            </a:r>
-            <a:endParaRPr lang="en-US" sz="2400" dirty="0">
-              <a:solidFill>
-                <a:srgbClr val="000000"/>
-              </a:solidFill>
-              <a:latin typeface="Consolas" panose="020B0609020204030204" pitchFamily="49" charset="0"/>
-            </a:endParaRPr>
-          </a:p>
-          <a:p>
-            <a:endParaRPr lang="en-US" sz="2400" dirty="0">
-              <a:solidFill>
-                <a:srgbClr val="000000"/>
-              </a:solidFill>
-              <a:latin typeface="Consolas" panose="020B0609020204030204" pitchFamily="49" charset="0"/>
-            </a:endParaRPr>
-          </a:p>
-          <a:p>
-            <a:pPr marL="0" indent="0">
-              <a:buNone/>
-            </a:pPr>
-            <a:r>
-              <a:rPr lang="en-US" sz="2400" dirty="0">
-                <a:solidFill>
-                  <a:srgbClr val="0000FF"/>
-                </a:solidFill>
-                <a:latin typeface="Consolas" panose="020B0609020204030204" pitchFamily="49" charset="0"/>
-              </a:rPr>
-              <a:t>SELECT</a:t>
-            </a:r>
-            <a:r>
-              <a:rPr lang="en-US" sz="2400" dirty="0">
-                <a:solidFill>
-                  <a:srgbClr val="000000"/>
-                </a:solidFill>
-                <a:latin typeface="Consolas" panose="020B0609020204030204" pitchFamily="49" charset="0"/>
-              </a:rPr>
-              <a:t> </a:t>
-            </a:r>
-            <a:r>
-              <a:rPr lang="en-US" sz="2400" dirty="0">
-                <a:solidFill>
-                  <a:srgbClr val="FF00FF"/>
-                </a:solidFill>
-                <a:latin typeface="Consolas" panose="020B0609020204030204" pitchFamily="49" charset="0"/>
-              </a:rPr>
-              <a:t>TRANSLATE</a:t>
-            </a:r>
-            <a:r>
-              <a:rPr lang="en-US" sz="2400" dirty="0">
-                <a:solidFill>
-                  <a:srgbClr val="808080"/>
-                </a:solidFill>
-                <a:latin typeface="Consolas" panose="020B0609020204030204" pitchFamily="49" charset="0"/>
-              </a:rPr>
-              <a:t>(</a:t>
-            </a:r>
-          </a:p>
-          <a:p>
-            <a:pPr marL="0" indent="0">
-              <a:buNone/>
-            </a:pPr>
-            <a:r>
-              <a:rPr lang="en-US" sz="2400" dirty="0">
-                <a:solidFill>
-                  <a:srgbClr val="808080"/>
-                </a:solidFill>
-                <a:latin typeface="Consolas" panose="020B0609020204030204" pitchFamily="49" charset="0"/>
-              </a:rPr>
-              <a:t>   </a:t>
-            </a:r>
-            <a:r>
-              <a:rPr lang="en-US" sz="2400" dirty="0">
-                <a:solidFill>
-                  <a:srgbClr val="FF0000"/>
-                </a:solidFill>
-                <a:latin typeface="Consolas" panose="020B0609020204030204" pitchFamily="49" charset="0"/>
-              </a:rPr>
-              <a:t>'hello'</a:t>
-            </a:r>
-            <a:r>
-              <a:rPr lang="en-US" sz="2400" dirty="0">
-                <a:solidFill>
-                  <a:srgbClr val="000000"/>
-                </a:solidFill>
-                <a:latin typeface="Consolas" panose="020B0609020204030204" pitchFamily="49" charset="0"/>
-              </a:rPr>
-              <a:t> </a:t>
-            </a:r>
-            <a:r>
-              <a:rPr lang="en-US" sz="2400" dirty="0">
-                <a:solidFill>
-                  <a:srgbClr val="FF00FF"/>
-                </a:solidFill>
-                <a:latin typeface="Consolas" panose="020B0609020204030204" pitchFamily="49" charset="0"/>
-              </a:rPr>
-              <a:t>COLLATE</a:t>
-            </a:r>
-            <a:r>
-              <a:rPr lang="en-US" sz="2400" dirty="0">
-                <a:solidFill>
-                  <a:srgbClr val="000000"/>
-                </a:solidFill>
-                <a:latin typeface="Consolas" panose="020B0609020204030204" pitchFamily="49" charset="0"/>
-              </a:rPr>
-              <a:t> Latin1_General_CS_AS</a:t>
-            </a:r>
-          </a:p>
-          <a:p>
-            <a:pPr marL="0" indent="0">
-              <a:buNone/>
-            </a:pPr>
-            <a:r>
-              <a:rPr lang="en-US" sz="2400" dirty="0">
-                <a:solidFill>
-                  <a:srgbClr val="000000"/>
-                </a:solidFill>
-                <a:latin typeface="Consolas" panose="020B0609020204030204" pitchFamily="49" charset="0"/>
-              </a:rPr>
-              <a:t>   </a:t>
-            </a:r>
-            <a:r>
-              <a:rPr lang="en-US" sz="2400" dirty="0">
-                <a:solidFill>
-                  <a:srgbClr val="808080"/>
-                </a:solidFill>
-                <a:latin typeface="Consolas" panose="020B0609020204030204" pitchFamily="49" charset="0"/>
-              </a:rPr>
-              <a:t>,</a:t>
-            </a:r>
-            <a:r>
-              <a:rPr lang="en-US" sz="2400" dirty="0">
-                <a:solidFill>
-                  <a:srgbClr val="000000"/>
-                </a:solidFill>
-                <a:latin typeface="Consolas" panose="020B0609020204030204" pitchFamily="49" charset="0"/>
-              </a:rPr>
-              <a:t> @_beforemap</a:t>
-            </a:r>
-          </a:p>
-          <a:p>
-            <a:pPr marL="0" indent="0">
-              <a:buNone/>
-            </a:pPr>
-            <a:r>
-              <a:rPr lang="en-US" sz="2400" dirty="0">
-                <a:solidFill>
-                  <a:srgbClr val="000000"/>
-                </a:solidFill>
-                <a:latin typeface="Consolas" panose="020B0609020204030204" pitchFamily="49" charset="0"/>
-              </a:rPr>
-              <a:t>   </a:t>
-            </a:r>
-            <a:r>
-              <a:rPr lang="en-US" sz="2400" dirty="0">
-                <a:solidFill>
-                  <a:srgbClr val="808080"/>
-                </a:solidFill>
-                <a:latin typeface="Consolas" panose="020B0609020204030204" pitchFamily="49" charset="0"/>
-              </a:rPr>
-              <a:t>,</a:t>
-            </a:r>
-            <a:r>
-              <a:rPr lang="en-US" sz="2400" dirty="0">
-                <a:solidFill>
-                  <a:srgbClr val="000000"/>
-                </a:solidFill>
-                <a:latin typeface="Consolas" panose="020B0609020204030204" pitchFamily="49" charset="0"/>
-              </a:rPr>
-              <a:t> @_aftermap</a:t>
-            </a:r>
-            <a:r>
-              <a:rPr lang="en-US" sz="2400" dirty="0">
-                <a:solidFill>
-                  <a:srgbClr val="808080"/>
-                </a:solidFill>
-                <a:latin typeface="Consolas" panose="020B0609020204030204" pitchFamily="49" charset="0"/>
-              </a:rPr>
-              <a:t>)</a:t>
-            </a:r>
-            <a:r>
-              <a:rPr lang="en-US" sz="2400" dirty="0">
-                <a:solidFill>
-                  <a:srgbClr val="000000"/>
-                </a:solidFill>
-                <a:latin typeface="Consolas" panose="020B0609020204030204" pitchFamily="49" charset="0"/>
-              </a:rPr>
-              <a:t> </a:t>
-            </a:r>
-            <a:r>
-              <a:rPr lang="en-US" sz="2400" dirty="0">
-                <a:solidFill>
-                  <a:srgbClr val="0000FF"/>
-                </a:solidFill>
-                <a:latin typeface="Consolas" panose="020B0609020204030204" pitchFamily="49" charset="0"/>
-              </a:rPr>
-              <a:t>AS</a:t>
-            </a:r>
-            <a:r>
-              <a:rPr lang="en-US" sz="2400" dirty="0">
-                <a:solidFill>
-                  <a:srgbClr val="000000"/>
-                </a:solidFill>
-                <a:latin typeface="Consolas" panose="020B0609020204030204" pitchFamily="49" charset="0"/>
-              </a:rPr>
-              <a:t> [Value]</a:t>
-            </a:r>
-            <a:endParaRPr lang="en-US" sz="2400" dirty="0"/>
-          </a:p>
-        </p:txBody>
-      </p:sp>
-      <p:pic>
-        <p:nvPicPr>
-          <p:cNvPr id="15" name="Picture 14">
-            <a:extLst>
-              <a:ext uri="{FF2B5EF4-FFF2-40B4-BE49-F238E27FC236}">
-                <a16:creationId xmlns:a16="http://schemas.microsoft.com/office/drawing/2014/main" id="{7A6D75F5-155B-D3E2-F1CD-F036230D5073}"/>
-              </a:ext>
-            </a:extLst>
-          </p:cNvPr>
-          <p:cNvPicPr>
-            <a:picLocks noChangeAspect="1"/>
-          </p:cNvPicPr>
-          <p:nvPr/>
-        </p:nvPicPr>
-        <p:blipFill>
-          <a:blip r:embed="rId2"/>
-          <a:stretch>
-            <a:fillRect/>
-          </a:stretch>
-        </p:blipFill>
-        <p:spPr>
-          <a:xfrm>
-            <a:off x="8101124" y="4478222"/>
-            <a:ext cx="2148662" cy="1220830"/>
-          </a:xfrm>
-          <a:prstGeom prst="rect">
-            <a:avLst/>
-          </a:prstGeom>
-        </p:spPr>
-      </p:pic>
-      <p:sp>
-        <p:nvSpPr>
-          <p:cNvPr id="16" name="TextBox 15">
-            <a:extLst>
-              <a:ext uri="{FF2B5EF4-FFF2-40B4-BE49-F238E27FC236}">
-                <a16:creationId xmlns:a16="http://schemas.microsoft.com/office/drawing/2014/main" id="{518F514F-F40E-03CC-E40C-F65960AC64B5}"/>
-              </a:ext>
-            </a:extLst>
-          </p:cNvPr>
-          <p:cNvSpPr txBox="1"/>
-          <p:nvPr/>
-        </p:nvSpPr>
-        <p:spPr>
-          <a:xfrm>
-            <a:off x="7652784" y="558770"/>
-            <a:ext cx="3455581" cy="584775"/>
-          </a:xfrm>
-          <a:prstGeom prst="rect">
-            <a:avLst/>
-          </a:prstGeom>
-          <a:noFill/>
-        </p:spPr>
-        <p:txBody>
-          <a:bodyPr wrap="square" rtlCol="0">
-            <a:spAutoFit/>
-          </a:bodyPr>
-          <a:lstStyle/>
-          <a:p>
-            <a:r>
-              <a:rPr lang="en-US" sz="3200" dirty="0"/>
-              <a:t>ROT-13 Encryption</a:t>
-            </a:r>
-          </a:p>
-        </p:txBody>
-      </p:sp>
-    </p:spTree>
-    <p:extLst>
-      <p:ext uri="{BB962C8B-B14F-4D97-AF65-F5344CB8AC3E}">
-        <p14:creationId xmlns:p14="http://schemas.microsoft.com/office/powerpoint/2010/main" val="3831394830"/>
-      </p:ext>
-    </p:extLst>
-  </p:cSld>
-  <p:clrMapOvr>
-    <a:masterClrMapping/>
-  </p:clrMapOvr>
-</p:sld>
-</file>
-
-<file path=ppt/slides/slide9.xml><?xml version="1.0" encoding="utf-8"?>
-<p:sld xmlns:a="http://schemas.openxmlformats.org/drawingml/2006/main" xmlns:r="http://schemas.openxmlformats.org/officeDocument/2006/relationships" xmlns:p="http://schemas.openxmlformats.org/presentationml/2006/main">
-  <p:cSld>
-    <p:spTree>
-      <p:nvGrpSpPr>
-        <p:cNvPr id="1" name=""/>
-        <p:cNvGrpSpPr/>
-        <p:nvPr/>
-      </p:nvGrpSpPr>
-      <p:grpSpPr>
-        <a:xfrm>
-          <a:off x="0" y="0"/>
-          <a:ext cx="0" cy="0"/>
-          <a:chOff x="0" y="0"/>
-          <a:chExt cx="0" cy="0"/>
-        </a:xfrm>
-      </p:grpSpPr>
-      <p:pic>
-        <p:nvPicPr>
-          <p:cNvPr id="3" name="Picture 2">
-            <a:extLst>
-              <a:ext uri="{FF2B5EF4-FFF2-40B4-BE49-F238E27FC236}">
-                <a16:creationId xmlns:a16="http://schemas.microsoft.com/office/drawing/2014/main" id="{D0BF137E-3617-7DAE-4851-BCD63AB15A2E}"/>
-              </a:ext>
-            </a:extLst>
-          </p:cNvPr>
-          <p:cNvPicPr>
-            <a:picLocks noChangeAspect="1"/>
-          </p:cNvPicPr>
-          <p:nvPr/>
-        </p:nvPicPr>
-        <p:blipFill>
-          <a:blip r:embed="rId2"/>
-          <a:stretch>
-            <a:fillRect/>
-          </a:stretch>
-        </p:blipFill>
-        <p:spPr>
-          <a:xfrm>
-            <a:off x="6783439" y="1252036"/>
-            <a:ext cx="4274288" cy="913684"/>
-          </a:xfrm>
-          <a:prstGeom prst="rect">
-            <a:avLst/>
-          </a:prstGeom>
-        </p:spPr>
-      </p:pic>
-      <p:sp>
-        <p:nvSpPr>
-          <p:cNvPr id="38" name="TextBox 37">
-            <a:extLst>
-              <a:ext uri="{FF2B5EF4-FFF2-40B4-BE49-F238E27FC236}">
-                <a16:creationId xmlns:a16="http://schemas.microsoft.com/office/drawing/2014/main" id="{EDAFEC96-F978-71EC-1DC3-0A44302CC54F}"/>
-              </a:ext>
-            </a:extLst>
-          </p:cNvPr>
-          <p:cNvSpPr txBox="1"/>
-          <p:nvPr/>
-        </p:nvSpPr>
-        <p:spPr>
-          <a:xfrm>
-            <a:off x="7652784" y="558770"/>
-            <a:ext cx="3455581" cy="584775"/>
-          </a:xfrm>
-          <a:prstGeom prst="rect">
-            <a:avLst/>
-          </a:prstGeom>
-          <a:noFill/>
-        </p:spPr>
-        <p:txBody>
-          <a:bodyPr wrap="square" rtlCol="0">
-            <a:spAutoFit/>
-          </a:bodyPr>
-          <a:lstStyle/>
-          <a:p>
-            <a:r>
-              <a:rPr lang="en-US" sz="3200" dirty="0"/>
-              <a:t>ROT-13 Encryption</a:t>
-            </a:r>
-          </a:p>
-        </p:txBody>
-      </p:sp>
-    </p:spTree>
-    <p:extLst>
-      <p:ext uri="{BB962C8B-B14F-4D97-AF65-F5344CB8AC3E}">
-        <p14:creationId xmlns:p14="http://schemas.microsoft.com/office/powerpoint/2010/main" val="3848251333"/>
-      </p:ext>
-    </p:extLst>
-  </p:cSld>
-  <p:clrMapOvr>
-    <a:masterClrMapping/>
-  </p:clrMapOvr>
 </p:sld>
 </file>
 

--- a/TSQL_Translate_Operator/TSQL Translate.pptx
+++ b/TSQL_Translate_Operator/TSQL Translate.pptx
@@ -2697,6 +2697,90 @@
 </p:notes>
 </file>
 
+<file path=ppt/notesSlides/notesSlide10.xml><?xml version="1.0" encoding="utf-8"?>
+<p:notes xmlns:a="http://schemas.openxmlformats.org/drawingml/2006/main" xmlns:r="http://schemas.openxmlformats.org/officeDocument/2006/relationships" xmlns:p="http://schemas.openxmlformats.org/presentationml/2006/main">
+  <p:cSld>
+    <p:spTree>
+      <p:nvGrpSpPr>
+        <p:cNvPr id="1" name=""/>
+        <p:cNvGrpSpPr/>
+        <p:nvPr/>
+      </p:nvGrpSpPr>
+      <p:grpSpPr>
+        <a:xfrm>
+          <a:off x="0" y="0"/>
+          <a:ext cx="0" cy="0"/>
+          <a:chOff x="0" y="0"/>
+          <a:chExt cx="0" cy="0"/>
+        </a:xfrm>
+      </p:grpSpPr>
+      <p:sp>
+        <p:nvSpPr>
+          <p:cNvPr id="2" name="Slide Image Placeholder 1"/>
+          <p:cNvSpPr>
+            <a:spLocks noGrp="1" noRot="1" noChangeAspect="1"/>
+          </p:cNvSpPr>
+          <p:nvPr>
+            <p:ph type="sldImg"/>
+          </p:nvPr>
+        </p:nvSpPr>
+        <p:spPr/>
+      </p:sp>
+      <p:sp>
+        <p:nvSpPr>
+          <p:cNvPr id="3" name="Notes Placeholder 2"/>
+          <p:cNvSpPr>
+            <a:spLocks noGrp="1"/>
+          </p:cNvSpPr>
+          <p:nvPr>
+            <p:ph type="body" idx="1"/>
+          </p:nvPr>
+        </p:nvSpPr>
+        <p:spPr/>
+        <p:txBody>
+          <a:bodyPr/>
+          <a:lstStyle/>
+          <a:p>
+            <a:endParaRPr lang="en-US" dirty="0"/>
+          </a:p>
+        </p:txBody>
+      </p:sp>
+      <p:sp>
+        <p:nvSpPr>
+          <p:cNvPr id="4" name="Slide Number Placeholder 3"/>
+          <p:cNvSpPr>
+            <a:spLocks noGrp="1"/>
+          </p:cNvSpPr>
+          <p:nvPr>
+            <p:ph type="sldNum" sz="quarter" idx="5"/>
+          </p:nvPr>
+        </p:nvSpPr>
+        <p:spPr/>
+        <p:txBody>
+          <a:bodyPr/>
+          <a:lstStyle/>
+          <a:p>
+            <a:fld id="{3FD7DB7D-0C53-4255-829B-DFDF02E6CE3A}" type="slidenum">
+              <a:rPr lang="en-US" smtClean="0"/>
+              <a:t>27</a:t>
+            </a:fld>
+            <a:endParaRPr lang="en-US"/>
+          </a:p>
+        </p:txBody>
+      </p:sp>
+    </p:spTree>
+    <p:extLst>
+      <p:ext uri="{BB962C8B-B14F-4D97-AF65-F5344CB8AC3E}">
+        <p14:creationId xmlns:p14="http://schemas.microsoft.com/office/powerpoint/2010/main" val="2718763898"/>
+      </p:ext>
+    </p:extLst>
+  </p:cSld>
+  <p:clrMapOvr>
+    <a:masterClrMapping/>
+  </p:clrMapOvr>
+</p:notes>
+</file>
+
 <file path=ppt/notesSlides/notesSlide2.xml><?xml version="1.0" encoding="utf-8"?>
 <p:notes xmlns:a="http://schemas.openxmlformats.org/drawingml/2006/main" xmlns:r="http://schemas.openxmlformats.org/officeDocument/2006/relationships" xmlns:p="http://schemas.openxmlformats.org/presentationml/2006/main">
   <p:cSld>
@@ -3016,7 +3100,19 @@
           <a:p>
             <a:r>
               <a:rPr lang="en-US" dirty="0"/>
-              <a:t>It’s also perfectly fine to re-use characters as source. However, the logic exits out on the first match from left-to-right.</a:t>
+              <a:t>So with the prevalence of Autocorrect, smart-quotes and diacritics are becoming more commonplace within free-form data.</a:t>
+            </a:r>
+          </a:p>
+          <a:p>
+            <a:r>
+              <a:rPr lang="en-US" dirty="0"/>
+              <a:t>And they’re not forgiving when you search upon them.</a:t>
+            </a:r>
+          </a:p>
+          <a:p>
+            <a:r>
+              <a:rPr lang="en-US" dirty="0"/>
+              <a:t>With the examples I have here, these represent at least 10 REPLACE functions</a:t>
             </a:r>
           </a:p>
         </p:txBody>
@@ -3038,7 +3134,7 @@
           <a:p>
             <a:fld id="{3FD7DB7D-0C53-4255-829B-DFDF02E6CE3A}" type="slidenum">
               <a:rPr lang="en-US" smtClean="0"/>
-              <a:t>9</a:t>
+              <a:t>7</a:t>
             </a:fld>
             <a:endParaRPr lang="en-US"/>
           </a:p>
@@ -3047,7 +3143,7 @@
     </p:spTree>
     <p:extLst>
       <p:ext uri="{BB962C8B-B14F-4D97-AF65-F5344CB8AC3E}">
-        <p14:creationId xmlns:p14="http://schemas.microsoft.com/office/powerpoint/2010/main" val="3042365892"/>
+        <p14:creationId xmlns:p14="http://schemas.microsoft.com/office/powerpoint/2010/main" val="281805595"/>
       </p:ext>
     </p:extLst>
   </p:cSld>
@@ -3103,7 +3199,7 @@
           <a:p>
             <a:r>
               <a:rPr lang="en-US" dirty="0"/>
-              <a:t>Bonus: Try this exercise again with CHAR(0), the NULL character. What happens?</a:t>
+              <a:t>It’s also perfectly fine to re-use characters as source. However, the logic exits out on the first match from left-to-right.</a:t>
             </a:r>
           </a:p>
         </p:txBody>
@@ -3125,7 +3221,7 @@
           <a:p>
             <a:fld id="{3FD7DB7D-0C53-4255-829B-DFDF02E6CE3A}" type="slidenum">
               <a:rPr lang="en-US" smtClean="0"/>
-              <a:t>24</a:t>
+              <a:t>9</a:t>
             </a:fld>
             <a:endParaRPr lang="en-US"/>
           </a:p>
@@ -3134,7 +3230,7 @@
     </p:spTree>
     <p:extLst>
       <p:ext uri="{BB962C8B-B14F-4D97-AF65-F5344CB8AC3E}">
-        <p14:creationId xmlns:p14="http://schemas.microsoft.com/office/powerpoint/2010/main" val="2614263377"/>
+        <p14:creationId xmlns:p14="http://schemas.microsoft.com/office/powerpoint/2010/main" val="3042365892"/>
       </p:ext>
     </p:extLst>
   </p:cSld>
@@ -3190,7 +3286,52 @@
           <a:p>
             <a:r>
               <a:rPr lang="en-US" dirty="0"/>
-              <a:t>Everything “Translated” turns into a varchar(8000), and truncates beyond the 8000-character mark</a:t>
+              <a:t>The case-sensitive version represents more than 78 REPLACE statements:</a:t>
+            </a:r>
+          </a:p>
+          <a:p>
+            <a:r>
+              <a:rPr lang="en-US" dirty="0"/>
+              <a:t>A replace to transfer lowercase to an emoji character</a:t>
+            </a:r>
+          </a:p>
+          <a:p>
+            <a:r>
+              <a:rPr lang="en-US" dirty="0"/>
+              <a:t>- Nested within a replace to transfer uppercase to lowercase version</a:t>
+            </a:r>
+          </a:p>
+          <a:p>
+            <a:r>
+              <a:rPr lang="en-US" dirty="0"/>
+              <a:t>- Nested within a replace to transfer emoji to upper case version</a:t>
+            </a:r>
+          </a:p>
+          <a:p>
+            <a:endParaRPr lang="en-US" dirty="0"/>
+          </a:p>
+          <a:p>
+            <a:r>
+              <a:rPr lang="en-US" dirty="0"/>
+              <a:t>If you used 52 REPLACE statements to attempt to re-enact this:</a:t>
+            </a:r>
+          </a:p>
+          <a:p>
+            <a:r>
+              <a:rPr lang="en-US" dirty="0"/>
+              <a:t>A replace to transfer lowercase to uppercase</a:t>
+            </a:r>
+          </a:p>
+          <a:p>
+            <a:r>
+              <a:rPr lang="en-US" dirty="0"/>
+              <a:t>- Nested within a replace to transfer uppercase to lowercase</a:t>
+            </a:r>
+          </a:p>
+          <a:p>
+            <a:r>
+              <a:rPr lang="en-US" dirty="0"/>
+              <a:t>Every letter would wind-up lowercase</a:t>
             </a:r>
           </a:p>
         </p:txBody>
@@ -3212,7 +3353,7 @@
           <a:p>
             <a:fld id="{3FD7DB7D-0C53-4255-829B-DFDF02E6CE3A}" type="slidenum">
               <a:rPr lang="en-US" smtClean="0"/>
-              <a:t>26</a:t>
+              <a:t>10</a:t>
             </a:fld>
             <a:endParaRPr lang="en-US"/>
           </a:p>
@@ -3221,7 +3362,7 @@
     </p:spTree>
     <p:extLst>
       <p:ext uri="{BB962C8B-B14F-4D97-AF65-F5344CB8AC3E}">
-        <p14:creationId xmlns:p14="http://schemas.microsoft.com/office/powerpoint/2010/main" val="1592477599"/>
+        <p14:creationId xmlns:p14="http://schemas.microsoft.com/office/powerpoint/2010/main" val="2186496064"/>
       </p:ext>
     </p:extLst>
   </p:cSld>
@@ -3275,7 +3416,10 @@
           <a:bodyPr/>
           <a:lstStyle/>
           <a:p>
-            <a:endParaRPr lang="en-US" dirty="0"/>
+            <a:r>
+              <a:rPr lang="en-US" dirty="0"/>
+              <a:t>Bonus: Try this exercise again with CHAR(0), the NULL character. What happens?</a:t>
+            </a:r>
           </a:p>
         </p:txBody>
       </p:sp>
@@ -3296,7 +3440,7 @@
           <a:p>
             <a:fld id="{3FD7DB7D-0C53-4255-829B-DFDF02E6CE3A}" type="slidenum">
               <a:rPr lang="en-US" smtClean="0"/>
-              <a:t>27</a:t>
+              <a:t>24</a:t>
             </a:fld>
             <a:endParaRPr lang="en-US"/>
           </a:p>
@@ -3305,7 +3449,94 @@
     </p:spTree>
     <p:extLst>
       <p:ext uri="{BB962C8B-B14F-4D97-AF65-F5344CB8AC3E}">
-        <p14:creationId xmlns:p14="http://schemas.microsoft.com/office/powerpoint/2010/main" val="2718763898"/>
+        <p14:creationId xmlns:p14="http://schemas.microsoft.com/office/powerpoint/2010/main" val="2614263377"/>
+      </p:ext>
+    </p:extLst>
+  </p:cSld>
+  <p:clrMapOvr>
+    <a:masterClrMapping/>
+  </p:clrMapOvr>
+</p:notes>
+</file>
+
+<file path=ppt/notesSlides/notesSlide9.xml><?xml version="1.0" encoding="utf-8"?>
+<p:notes xmlns:a="http://schemas.openxmlformats.org/drawingml/2006/main" xmlns:r="http://schemas.openxmlformats.org/officeDocument/2006/relationships" xmlns:p="http://schemas.openxmlformats.org/presentationml/2006/main">
+  <p:cSld>
+    <p:spTree>
+      <p:nvGrpSpPr>
+        <p:cNvPr id="1" name=""/>
+        <p:cNvGrpSpPr/>
+        <p:nvPr/>
+      </p:nvGrpSpPr>
+      <p:grpSpPr>
+        <a:xfrm>
+          <a:off x="0" y="0"/>
+          <a:ext cx="0" cy="0"/>
+          <a:chOff x="0" y="0"/>
+          <a:chExt cx="0" cy="0"/>
+        </a:xfrm>
+      </p:grpSpPr>
+      <p:sp>
+        <p:nvSpPr>
+          <p:cNvPr id="2" name="Slide Image Placeholder 1"/>
+          <p:cNvSpPr>
+            <a:spLocks noGrp="1" noRot="1" noChangeAspect="1"/>
+          </p:cNvSpPr>
+          <p:nvPr>
+            <p:ph type="sldImg"/>
+          </p:nvPr>
+        </p:nvSpPr>
+        <p:spPr/>
+      </p:sp>
+      <p:sp>
+        <p:nvSpPr>
+          <p:cNvPr id="3" name="Notes Placeholder 2"/>
+          <p:cNvSpPr>
+            <a:spLocks noGrp="1"/>
+          </p:cNvSpPr>
+          <p:nvPr>
+            <p:ph type="body" idx="1"/>
+          </p:nvPr>
+        </p:nvSpPr>
+        <p:spPr/>
+        <p:txBody>
+          <a:bodyPr/>
+          <a:lstStyle/>
+          <a:p>
+            <a:r>
+              <a:rPr lang="en-US" dirty="0"/>
+              <a:t>Everything “Translated” turns into a varchar(8000), and truncates beyond the 8000-character mark</a:t>
+            </a:r>
+          </a:p>
+        </p:txBody>
+      </p:sp>
+      <p:sp>
+        <p:nvSpPr>
+          <p:cNvPr id="4" name="Slide Number Placeholder 3"/>
+          <p:cNvSpPr>
+            <a:spLocks noGrp="1"/>
+          </p:cNvSpPr>
+          <p:nvPr>
+            <p:ph type="sldNum" sz="quarter" idx="5"/>
+          </p:nvPr>
+        </p:nvSpPr>
+        <p:spPr/>
+        <p:txBody>
+          <a:bodyPr/>
+          <a:lstStyle/>
+          <a:p>
+            <a:fld id="{3FD7DB7D-0C53-4255-829B-DFDF02E6CE3A}" type="slidenum">
+              <a:rPr lang="en-US" smtClean="0"/>
+              <a:t>26</a:t>
+            </a:fld>
+            <a:endParaRPr lang="en-US"/>
+          </a:p>
+        </p:txBody>
+      </p:sp>
+    </p:spTree>
+    <p:extLst>
+      <p:ext uri="{BB962C8B-B14F-4D97-AF65-F5344CB8AC3E}">
+        <p14:creationId xmlns:p14="http://schemas.microsoft.com/office/powerpoint/2010/main" val="1592477599"/>
       </p:ext>
     </p:extLst>
   </p:cSld>
@@ -7431,7 +7662,7 @@
           <p:nvPr/>
         </p:nvPicPr>
         <p:blipFill>
-          <a:blip r:embed="rId2"/>
+          <a:blip r:embed="rId3"/>
           <a:stretch>
             <a:fillRect/>
           </a:stretch>
@@ -7461,7 +7692,7 @@
           <p:nvPr/>
         </p:nvPicPr>
         <p:blipFill>
-          <a:blip r:embed="rId3"/>
+          <a:blip r:embed="rId4"/>
           <a:stretch>
             <a:fillRect/>
           </a:stretch>
@@ -12417,7 +12648,7 @@
                                           </p:stCondLst>
                                         </p:cTn>
                                         <p:tgtEl>
-                                          <p:spTgt spid="12"/>
+                                          <p:spTgt spid="13"/>
                                         </p:tgtEl>
                                         <p:attrNameLst>
                                           <p:attrName>style.visibility</p:attrName>
@@ -12457,51 +12688,6 @@
                                     <p:set>
                                       <p:cBhvr>
                                         <p:cTn id="10" dur="1" fill="hold">
-                                          <p:stCondLst>
-                                            <p:cond delay="0"/>
-                                          </p:stCondLst>
-                                        </p:cTn>
-                                        <p:tgtEl>
-                                          <p:spTgt spid="13"/>
-                                        </p:tgtEl>
-                                        <p:attrNameLst>
-                                          <p:attrName>style.visibility</p:attrName>
-                                        </p:attrNameLst>
-                                      </p:cBhvr>
-                                      <p:to>
-                                        <p:strVal val="visible"/>
-                                      </p:to>
-                                    </p:set>
-                                  </p:childTnLst>
-                                </p:cTn>
-                              </p:par>
-                            </p:childTnLst>
-                          </p:cTn>
-                        </p:par>
-                      </p:childTnLst>
-                    </p:cTn>
-                  </p:par>
-                  <p:par>
-                    <p:cTn id="11" fill="hold">
-                      <p:stCondLst>
-                        <p:cond delay="indefinite"/>
-                      </p:stCondLst>
-                      <p:childTnLst>
-                        <p:par>
-                          <p:cTn id="12" fill="hold">
-                            <p:stCondLst>
-                              <p:cond delay="0"/>
-                            </p:stCondLst>
-                            <p:childTnLst>
-                              <p:par>
-                                <p:cTn id="13" presetID="1" presetClass="entr" presetSubtype="0" fill="hold" nodeType="clickEffect">
-                                  <p:stCondLst>
-                                    <p:cond delay="0"/>
-                                  </p:stCondLst>
-                                  <p:childTnLst>
-                                    <p:set>
-                                      <p:cBhvr>
-                                        <p:cTn id="14" dur="1" fill="hold">
                                           <p:stCondLst>
                                             <p:cond delay="0"/>
                                           </p:stCondLst>
@@ -24860,7 +25046,7 @@
             <p:nvPr/>
           </p:nvPicPr>
           <p:blipFill>
-            <a:blip r:embed="rId2"/>
+            <a:blip r:embed="rId3"/>
             <a:stretch>
               <a:fillRect/>
             </a:stretch>
@@ -24890,7 +25076,7 @@
             <p:nvPr/>
           </p:nvPicPr>
           <p:blipFill>
-            <a:blip r:embed="rId3"/>
+            <a:blip r:embed="rId4"/>
             <a:stretch>
               <a:fillRect/>
             </a:stretch>

--- a/TSQL_Translate_Operator/TSQL Translate.pptx
+++ b/TSQL_Translate_Operator/TSQL Translate.pptx
@@ -5,7 +5,7 @@
     <p:sldMasterId id="2147483648" r:id="rId1"/>
   </p:sldMasterIdLst>
   <p:notesMasterIdLst>
-    <p:notesMasterId r:id="rId31"/>
+    <p:notesMasterId r:id="rId26"/>
   </p:notesMasterIdLst>
   <p:sldIdLst>
     <p:sldId id="256" r:id="rId2"/>
@@ -18,25 +18,20 @@
     <p:sldId id="260" r:id="rId9"/>
     <p:sldId id="282" r:id="rId10"/>
     <p:sldId id="277" r:id="rId11"/>
-    <p:sldId id="292" r:id="rId12"/>
-    <p:sldId id="293" r:id="rId13"/>
-    <p:sldId id="284" r:id="rId14"/>
-    <p:sldId id="294" r:id="rId15"/>
-    <p:sldId id="281" r:id="rId16"/>
-    <p:sldId id="295" r:id="rId17"/>
-    <p:sldId id="287" r:id="rId18"/>
-    <p:sldId id="288" r:id="rId19"/>
-    <p:sldId id="296" r:id="rId20"/>
-    <p:sldId id="289" r:id="rId21"/>
-    <p:sldId id="278" r:id="rId22"/>
-    <p:sldId id="290" r:id="rId23"/>
-    <p:sldId id="280" r:id="rId24"/>
-    <p:sldId id="301" r:id="rId25"/>
-    <p:sldId id="302" r:id="rId26"/>
-    <p:sldId id="300" r:id="rId27"/>
-    <p:sldId id="297" r:id="rId28"/>
-    <p:sldId id="299" r:id="rId29"/>
-    <p:sldId id="314" r:id="rId30"/>
+    <p:sldId id="295" r:id="rId12"/>
+    <p:sldId id="287" r:id="rId13"/>
+    <p:sldId id="288" r:id="rId14"/>
+    <p:sldId id="296" r:id="rId15"/>
+    <p:sldId id="289" r:id="rId16"/>
+    <p:sldId id="278" r:id="rId17"/>
+    <p:sldId id="290" r:id="rId18"/>
+    <p:sldId id="280" r:id="rId19"/>
+    <p:sldId id="301" r:id="rId20"/>
+    <p:sldId id="302" r:id="rId21"/>
+    <p:sldId id="300" r:id="rId22"/>
+    <p:sldId id="297" r:id="rId23"/>
+    <p:sldId id="299" r:id="rId24"/>
+    <p:sldId id="314" r:id="rId25"/>
   </p:sldIdLst>
   <p:sldSz cx="12192000" cy="6858000"/>
   <p:notesSz cx="6858000" cy="9144000"/>
@@ -2343,7 +2338,7 @@
           <a:p>
             <a:fld id="{D6A2AC56-E20D-4719-9E66-68604E547144}" type="datetimeFigureOut">
               <a:rPr lang="en-US" smtClean="0"/>
-              <a:t>1/23/2024</a:t>
+              <a:t>1/25/2024</a:t>
             </a:fld>
             <a:endParaRPr lang="en-US"/>
           </a:p>
@@ -2762,7 +2757,7 @@
           <a:p>
             <a:fld id="{3FD7DB7D-0C53-4255-829B-DFDF02E6CE3A}" type="slidenum">
               <a:rPr lang="en-US" smtClean="0"/>
-              <a:t>27</a:t>
+              <a:t>22</a:t>
             </a:fld>
             <a:endParaRPr lang="en-US"/>
           </a:p>
@@ -3440,7 +3435,7 @@
           <a:p>
             <a:fld id="{3FD7DB7D-0C53-4255-829B-DFDF02E6CE3A}" type="slidenum">
               <a:rPr lang="en-US" smtClean="0"/>
-              <a:t>24</a:t>
+              <a:t>19</a:t>
             </a:fld>
             <a:endParaRPr lang="en-US"/>
           </a:p>
@@ -3527,7 +3522,7 @@
           <a:p>
             <a:fld id="{3FD7DB7D-0C53-4255-829B-DFDF02E6CE3A}" type="slidenum">
               <a:rPr lang="en-US" smtClean="0"/>
-              <a:t>26</a:t>
+              <a:t>21</a:t>
             </a:fld>
             <a:endParaRPr lang="en-US"/>
           </a:p>
@@ -3693,7 +3688,7 @@
           <a:p>
             <a:fld id="{94E3A28C-D62F-4439-8BFC-9924939B4D00}" type="datetimeFigureOut">
               <a:rPr lang="en-US" smtClean="0"/>
-              <a:t>1/23/2024</a:t>
+              <a:t>1/25/2024</a:t>
             </a:fld>
             <a:endParaRPr lang="en-US"/>
           </a:p>
@@ -3891,7 +3886,7 @@
           <a:p>
             <a:fld id="{94E3A28C-D62F-4439-8BFC-9924939B4D00}" type="datetimeFigureOut">
               <a:rPr lang="en-US" smtClean="0"/>
-              <a:t>1/23/2024</a:t>
+              <a:t>1/25/2024</a:t>
             </a:fld>
             <a:endParaRPr lang="en-US"/>
           </a:p>
@@ -4099,7 +4094,7 @@
           <a:p>
             <a:fld id="{94E3A28C-D62F-4439-8BFC-9924939B4D00}" type="datetimeFigureOut">
               <a:rPr lang="en-US" smtClean="0"/>
-              <a:t>1/23/2024</a:t>
+              <a:t>1/25/2024</a:t>
             </a:fld>
             <a:endParaRPr lang="en-US"/>
           </a:p>
@@ -4297,7 +4292,7 @@
           <a:p>
             <a:fld id="{94E3A28C-D62F-4439-8BFC-9924939B4D00}" type="datetimeFigureOut">
               <a:rPr lang="en-US" smtClean="0"/>
-              <a:t>1/23/2024</a:t>
+              <a:t>1/25/2024</a:t>
             </a:fld>
             <a:endParaRPr lang="en-US"/>
           </a:p>
@@ -4572,7 +4567,7 @@
           <a:p>
             <a:fld id="{94E3A28C-D62F-4439-8BFC-9924939B4D00}" type="datetimeFigureOut">
               <a:rPr lang="en-US" smtClean="0"/>
-              <a:t>1/23/2024</a:t>
+              <a:t>1/25/2024</a:t>
             </a:fld>
             <a:endParaRPr lang="en-US"/>
           </a:p>
@@ -4837,7 +4832,7 @@
           <a:p>
             <a:fld id="{94E3A28C-D62F-4439-8BFC-9924939B4D00}" type="datetimeFigureOut">
               <a:rPr lang="en-US" smtClean="0"/>
-              <a:t>1/23/2024</a:t>
+              <a:t>1/25/2024</a:t>
             </a:fld>
             <a:endParaRPr lang="en-US"/>
           </a:p>
@@ -5249,7 +5244,7 @@
           <a:p>
             <a:fld id="{94E3A28C-D62F-4439-8BFC-9924939B4D00}" type="datetimeFigureOut">
               <a:rPr lang="en-US" smtClean="0"/>
-              <a:t>1/23/2024</a:t>
+              <a:t>1/25/2024</a:t>
             </a:fld>
             <a:endParaRPr lang="en-US"/>
           </a:p>
@@ -5390,7 +5385,7 @@
           <a:p>
             <a:fld id="{94E3A28C-D62F-4439-8BFC-9924939B4D00}" type="datetimeFigureOut">
               <a:rPr lang="en-US" smtClean="0"/>
-              <a:t>1/23/2024</a:t>
+              <a:t>1/25/2024</a:t>
             </a:fld>
             <a:endParaRPr lang="en-US"/>
           </a:p>
@@ -5503,7 +5498,7 @@
           <a:p>
             <a:fld id="{94E3A28C-D62F-4439-8BFC-9924939B4D00}" type="datetimeFigureOut">
               <a:rPr lang="en-US" smtClean="0"/>
-              <a:t>1/23/2024</a:t>
+              <a:t>1/25/2024</a:t>
             </a:fld>
             <a:endParaRPr lang="en-US"/>
           </a:p>
@@ -5814,7 +5809,7 @@
           <a:p>
             <a:fld id="{94E3A28C-D62F-4439-8BFC-9924939B4D00}" type="datetimeFigureOut">
               <a:rPr lang="en-US" smtClean="0"/>
-              <a:t>1/23/2024</a:t>
+              <a:t>1/25/2024</a:t>
             </a:fld>
             <a:endParaRPr lang="en-US"/>
           </a:p>
@@ -6102,7 +6097,7 @@
           <a:p>
             <a:fld id="{94E3A28C-D62F-4439-8BFC-9924939B4D00}" type="datetimeFigureOut">
               <a:rPr lang="en-US" smtClean="0"/>
-              <a:t>1/23/2024</a:t>
+              <a:t>1/25/2024</a:t>
             </a:fld>
             <a:endParaRPr lang="en-US"/>
           </a:p>
@@ -6343,7 +6338,7 @@
           <a:p>
             <a:fld id="{94E3A28C-D62F-4439-8BFC-9924939B4D00}" type="datetimeFigureOut">
               <a:rPr lang="en-US" smtClean="0"/>
-              <a:t>1/23/2024</a:t>
+              <a:t>1/25/2024</a:t>
             </a:fld>
             <a:endParaRPr lang="en-US"/>
           </a:p>
@@ -7892,7 +7887,7 @@
     </p:spTree>
     <p:extLst>
       <p:ext uri="{BB962C8B-B14F-4D97-AF65-F5344CB8AC3E}">
-        <p14:creationId xmlns:p14="http://schemas.microsoft.com/office/powerpoint/2010/main" val="3426700596"/>
+        <p14:creationId xmlns:p14="http://schemas.microsoft.com/office/powerpoint/2010/main" val="4037735718"/>
       </p:ext>
     </p:extLst>
   </p:cSld>
@@ -7903,4988 +7898,6 @@
 </file>
 
 <file path=ppt/slides/slide12.xml><?xml version="1.0" encoding="utf-8"?>
-<p:sld xmlns:a="http://schemas.openxmlformats.org/drawingml/2006/main" xmlns:r="http://schemas.openxmlformats.org/officeDocument/2006/relationships" xmlns:p="http://schemas.openxmlformats.org/presentationml/2006/main">
-  <p:cSld>
-    <p:spTree>
-      <p:nvGrpSpPr>
-        <p:cNvPr id="1" name=""/>
-        <p:cNvGrpSpPr/>
-        <p:nvPr/>
-      </p:nvGrpSpPr>
-      <p:grpSpPr>
-        <a:xfrm>
-          <a:off x="0" y="0"/>
-          <a:ext cx="0" cy="0"/>
-          <a:chOff x="0" y="0"/>
-          <a:chExt cx="0" cy="0"/>
-        </a:xfrm>
-      </p:grpSpPr>
-      <p:sp>
-        <p:nvSpPr>
-          <p:cNvPr id="2" name="Title 1">
-            <a:extLst>
-              <a:ext uri="{FF2B5EF4-FFF2-40B4-BE49-F238E27FC236}">
-                <a16:creationId xmlns:a16="http://schemas.microsoft.com/office/drawing/2014/main" id="{69E5335F-BD36-FF60-9589-F69DED5C8CF2}"/>
-              </a:ext>
-            </a:extLst>
-          </p:cNvPr>
-          <p:cNvSpPr>
-            <a:spLocks noGrp="1"/>
-          </p:cNvSpPr>
-          <p:nvPr>
-            <p:ph type="title"/>
-          </p:nvPr>
-        </p:nvSpPr>
-        <p:spPr>
-          <a:xfrm>
-            <a:off x="838200" y="973848"/>
-            <a:ext cx="10515600" cy="1600937"/>
-          </a:xfrm>
-        </p:spPr>
-        <p:txBody>
-          <a:bodyPr>
-            <a:normAutofit fontScale="90000"/>
-          </a:bodyPr>
-          <a:lstStyle/>
-          <a:p>
-            <a:r>
-              <a:rPr lang="en-US" sz="4000" dirty="0">
-                <a:solidFill>
-                  <a:srgbClr val="FF00FF"/>
-                </a:solidFill>
-                <a:latin typeface="Consolas" panose="020B0609020204030204" pitchFamily="49" charset="0"/>
-              </a:rPr>
-              <a:t>REPLICATE</a:t>
-            </a:r>
-            <a:r>
-              <a:rPr lang="en-US" sz="4000" dirty="0">
-                <a:solidFill>
-                  <a:srgbClr val="808080"/>
-                </a:solidFill>
-                <a:latin typeface="Consolas" panose="020B0609020204030204" pitchFamily="49" charset="0"/>
-              </a:rPr>
-              <a:t>(</a:t>
-            </a:r>
-            <a:r>
-              <a:rPr lang="en-US" sz="4000" dirty="0" err="1">
-                <a:solidFill>
-                  <a:srgbClr val="000000"/>
-                </a:solidFill>
-                <a:latin typeface="Consolas" panose="020B0609020204030204" pitchFamily="49" charset="0"/>
-              </a:rPr>
-              <a:t>stringable</a:t>
-            </a:r>
-            <a:r>
-              <a:rPr lang="en-US" sz="4000" dirty="0">
-                <a:solidFill>
-                  <a:srgbClr val="808080"/>
-                </a:solidFill>
-                <a:latin typeface="Consolas" panose="020B0609020204030204" pitchFamily="49" charset="0"/>
-              </a:rPr>
-              <a:t>,</a:t>
-            </a:r>
-            <a:r>
-              <a:rPr lang="en-US" sz="4000" dirty="0">
-                <a:solidFill>
-                  <a:srgbClr val="000000"/>
-                </a:solidFill>
-                <a:latin typeface="Consolas" panose="020B0609020204030204" pitchFamily="49" charset="0"/>
-              </a:rPr>
-              <a:t> count</a:t>
-            </a:r>
-            <a:r>
-              <a:rPr lang="en-US" sz="4000" dirty="0">
-                <a:solidFill>
-                  <a:srgbClr val="808080"/>
-                </a:solidFill>
-                <a:latin typeface="Consolas" panose="020B0609020204030204" pitchFamily="49" charset="0"/>
-              </a:rPr>
-              <a:t>)</a:t>
-            </a:r>
-            <a:br>
-              <a:rPr lang="en-US" sz="4000" dirty="0">
-                <a:solidFill>
-                  <a:srgbClr val="808080"/>
-                </a:solidFill>
-                <a:latin typeface="Consolas" panose="020B0609020204030204" pitchFamily="49" charset="0"/>
-              </a:rPr>
-            </a:br>
-            <a:r>
-              <a:rPr lang="en-US" sz="4000" dirty="0">
-                <a:solidFill>
-                  <a:srgbClr val="808080"/>
-                </a:solidFill>
-                <a:latin typeface="Consolas" panose="020B0609020204030204" pitchFamily="49" charset="0"/>
-              </a:rPr>
-              <a:t>  AND</a:t>
-            </a:r>
-            <a:br>
-              <a:rPr lang="en-US" sz="4000" dirty="0">
-                <a:solidFill>
-                  <a:srgbClr val="808080"/>
-                </a:solidFill>
-                <a:latin typeface="Consolas" panose="020B0609020204030204" pitchFamily="49" charset="0"/>
-              </a:rPr>
-            </a:br>
-            <a:r>
-              <a:rPr lang="en-US" sz="4000" dirty="0">
-                <a:solidFill>
-                  <a:srgbClr val="FF00FF"/>
-                </a:solidFill>
-                <a:latin typeface="Consolas" panose="020B0609020204030204" pitchFamily="49" charset="0"/>
-              </a:rPr>
-              <a:t>SPACE</a:t>
-            </a:r>
-            <a:r>
-              <a:rPr lang="en-US" sz="4000" dirty="0">
-                <a:solidFill>
-                  <a:srgbClr val="808080"/>
-                </a:solidFill>
-                <a:latin typeface="Consolas" panose="020B0609020204030204" pitchFamily="49" charset="0"/>
-              </a:rPr>
-              <a:t>(</a:t>
-            </a:r>
-            <a:r>
-              <a:rPr lang="en-US" sz="4000" dirty="0">
-                <a:solidFill>
-                  <a:srgbClr val="000000"/>
-                </a:solidFill>
-                <a:latin typeface="Consolas" panose="020B0609020204030204" pitchFamily="49" charset="0"/>
-              </a:rPr>
-              <a:t>count</a:t>
-            </a:r>
-            <a:r>
-              <a:rPr lang="en-US" sz="4000" dirty="0">
-                <a:solidFill>
-                  <a:srgbClr val="808080"/>
-                </a:solidFill>
-                <a:latin typeface="Consolas" panose="020B0609020204030204" pitchFamily="49" charset="0"/>
-              </a:rPr>
-              <a:t>)</a:t>
-            </a:r>
-            <a:endParaRPr lang="en-US" sz="4000" dirty="0"/>
-          </a:p>
-        </p:txBody>
-      </p:sp>
-      <p:sp>
-        <p:nvSpPr>
-          <p:cNvPr id="3" name="Content Placeholder 2">
-            <a:extLst>
-              <a:ext uri="{FF2B5EF4-FFF2-40B4-BE49-F238E27FC236}">
-                <a16:creationId xmlns:a16="http://schemas.microsoft.com/office/drawing/2014/main" id="{A18C4446-111C-602D-98C7-7AFA37DAD986}"/>
-              </a:ext>
-            </a:extLst>
-          </p:cNvPr>
-          <p:cNvSpPr>
-            <a:spLocks noGrp="1"/>
-          </p:cNvSpPr>
-          <p:nvPr>
-            <p:ph idx="1"/>
-          </p:nvPr>
-        </p:nvSpPr>
-        <p:spPr>
-          <a:xfrm>
-            <a:off x="925033" y="5337545"/>
-            <a:ext cx="10515600" cy="457200"/>
-          </a:xfrm>
-        </p:spPr>
-        <p:txBody>
-          <a:bodyPr>
-            <a:normAutofit/>
-          </a:bodyPr>
-          <a:lstStyle/>
-          <a:p>
-            <a:pPr marL="0" indent="0">
-              <a:buNone/>
-            </a:pPr>
-            <a:r>
-              <a:rPr lang="en-US" sz="2400" dirty="0">
-                <a:solidFill>
-                  <a:srgbClr val="0000FF"/>
-                </a:solidFill>
-                <a:latin typeface="Consolas" panose="020B0609020204030204" pitchFamily="49" charset="0"/>
-              </a:rPr>
-              <a:t>SELECT</a:t>
-            </a:r>
-            <a:r>
-              <a:rPr lang="en-US" sz="2400" dirty="0">
-                <a:solidFill>
-                  <a:srgbClr val="000000"/>
-                </a:solidFill>
-                <a:latin typeface="Consolas" panose="020B0609020204030204" pitchFamily="49" charset="0"/>
-              </a:rPr>
-              <a:t> </a:t>
-            </a:r>
-            <a:r>
-              <a:rPr lang="en-US" sz="2400" dirty="0">
-                <a:solidFill>
-                  <a:srgbClr val="FF00FF"/>
-                </a:solidFill>
-                <a:latin typeface="Consolas" panose="020B0609020204030204" pitchFamily="49" charset="0"/>
-              </a:rPr>
-              <a:t>REPLICATE</a:t>
-            </a:r>
-            <a:r>
-              <a:rPr lang="en-US" sz="2400" dirty="0">
-                <a:solidFill>
-                  <a:srgbClr val="808080"/>
-                </a:solidFill>
-                <a:latin typeface="Consolas" panose="020B0609020204030204" pitchFamily="49" charset="0"/>
-              </a:rPr>
-              <a:t>(</a:t>
-            </a:r>
-            <a:r>
-              <a:rPr lang="en-US" sz="2400" dirty="0">
-                <a:solidFill>
-                  <a:srgbClr val="FF0000"/>
-                </a:solidFill>
-                <a:latin typeface="Consolas" panose="020B0609020204030204" pitchFamily="49" charset="0"/>
-              </a:rPr>
-              <a:t>' '</a:t>
-            </a:r>
-            <a:r>
-              <a:rPr lang="en-US" sz="2400" dirty="0">
-                <a:solidFill>
-                  <a:srgbClr val="808080"/>
-                </a:solidFill>
-                <a:latin typeface="Consolas" panose="020B0609020204030204" pitchFamily="49" charset="0"/>
-              </a:rPr>
-              <a:t>,</a:t>
-            </a:r>
-            <a:r>
-              <a:rPr lang="en-US" sz="2400" dirty="0">
-                <a:solidFill>
-                  <a:srgbClr val="000000"/>
-                </a:solidFill>
-                <a:latin typeface="Consolas" panose="020B0609020204030204" pitchFamily="49" charset="0"/>
-              </a:rPr>
-              <a:t> 20</a:t>
-            </a:r>
-            <a:r>
-              <a:rPr lang="en-US" sz="2400" dirty="0">
-                <a:solidFill>
-                  <a:srgbClr val="808080"/>
-                </a:solidFill>
-                <a:latin typeface="Consolas" panose="020B0609020204030204" pitchFamily="49" charset="0"/>
-              </a:rPr>
-              <a:t>)   =  </a:t>
-            </a:r>
-            <a:r>
-              <a:rPr lang="en-US" sz="2400" dirty="0">
-                <a:solidFill>
-                  <a:srgbClr val="0000FF"/>
-                </a:solidFill>
-                <a:latin typeface="Consolas" panose="020B0609020204030204" pitchFamily="49" charset="0"/>
-              </a:rPr>
-              <a:t>SELECT</a:t>
-            </a:r>
-            <a:r>
-              <a:rPr lang="en-US" sz="2400" dirty="0">
-                <a:solidFill>
-                  <a:srgbClr val="000000"/>
-                </a:solidFill>
-                <a:latin typeface="Consolas" panose="020B0609020204030204" pitchFamily="49" charset="0"/>
-              </a:rPr>
-              <a:t> </a:t>
-            </a:r>
-            <a:r>
-              <a:rPr lang="en-US" sz="2400" dirty="0">
-                <a:solidFill>
-                  <a:srgbClr val="FF00FF"/>
-                </a:solidFill>
-                <a:latin typeface="Consolas" panose="020B0609020204030204" pitchFamily="49" charset="0"/>
-              </a:rPr>
-              <a:t>SPACE</a:t>
-            </a:r>
-            <a:r>
-              <a:rPr lang="en-US" sz="2400" dirty="0">
-                <a:solidFill>
-                  <a:srgbClr val="808080"/>
-                </a:solidFill>
-                <a:latin typeface="Consolas" panose="020B0609020204030204" pitchFamily="49" charset="0"/>
-              </a:rPr>
-              <a:t>(</a:t>
-            </a:r>
-            <a:r>
-              <a:rPr lang="en-US" sz="2400" dirty="0">
-                <a:solidFill>
-                  <a:srgbClr val="000000"/>
-                </a:solidFill>
-                <a:latin typeface="Consolas" panose="020B0609020204030204" pitchFamily="49" charset="0"/>
-              </a:rPr>
-              <a:t>20</a:t>
-            </a:r>
-            <a:r>
-              <a:rPr lang="en-US" sz="2400" dirty="0">
-                <a:solidFill>
-                  <a:srgbClr val="808080"/>
-                </a:solidFill>
-                <a:latin typeface="Consolas" panose="020B0609020204030204" pitchFamily="49" charset="0"/>
-              </a:rPr>
-              <a:t>)</a:t>
-            </a:r>
-          </a:p>
-        </p:txBody>
-      </p:sp>
-      <p:pic>
-        <p:nvPicPr>
-          <p:cNvPr id="10" name="Picture 9">
-            <a:extLst>
-              <a:ext uri="{FF2B5EF4-FFF2-40B4-BE49-F238E27FC236}">
-                <a16:creationId xmlns:a16="http://schemas.microsoft.com/office/drawing/2014/main" id="{3C3DAEE3-541C-AD77-0C25-DFB5D45F7C9F}"/>
-              </a:ext>
-            </a:extLst>
-          </p:cNvPr>
-          <p:cNvPicPr>
-            <a:picLocks noChangeAspect="1"/>
-          </p:cNvPicPr>
-          <p:nvPr/>
-        </p:nvPicPr>
-        <p:blipFill>
-          <a:blip r:embed="rId2"/>
-          <a:stretch>
-            <a:fillRect/>
-          </a:stretch>
-        </p:blipFill>
-        <p:spPr>
-          <a:xfrm>
-            <a:off x="7033918" y="3896302"/>
-            <a:ext cx="2687053" cy="813685"/>
-          </a:xfrm>
-          <a:prstGeom prst="rect">
-            <a:avLst/>
-          </a:prstGeom>
-        </p:spPr>
-      </p:pic>
-      <p:graphicFrame>
-        <p:nvGraphicFramePr>
-          <p:cNvPr id="5" name="Table 5">
-            <a:extLst>
-              <a:ext uri="{FF2B5EF4-FFF2-40B4-BE49-F238E27FC236}">
-                <a16:creationId xmlns:a16="http://schemas.microsoft.com/office/drawing/2014/main" id="{BC4BC878-5C15-9DE7-13CE-1048A91FB5F5}"/>
-              </a:ext>
-            </a:extLst>
-          </p:cNvPr>
-          <p:cNvGraphicFramePr>
-            <a:graphicFrameLocks noGrp="1"/>
-          </p:cNvGraphicFramePr>
-          <p:nvPr/>
-        </p:nvGraphicFramePr>
-        <p:xfrm>
-          <a:off x="957816" y="3270365"/>
-          <a:ext cx="10276367" cy="457200"/>
-        </p:xfrm>
-        <a:graphic>
-          <a:graphicData uri="http://schemas.openxmlformats.org/drawingml/2006/table">
-            <a:tbl>
-              <a:tblPr firstRow="1" bandRow="1">
-                <a:tableStyleId>{5C22544A-7EE6-4342-B048-85BDC9FD1C3A}</a:tableStyleId>
-              </a:tblPr>
-              <a:tblGrid>
-                <a:gridCol w="5144298">
-                  <a:extLst>
-                    <a:ext uri="{9D8B030D-6E8A-4147-A177-3AD203B41FA5}">
-                      <a16:colId xmlns:a16="http://schemas.microsoft.com/office/drawing/2014/main" val="2222398054"/>
-                    </a:ext>
-                  </a:extLst>
-                </a:gridCol>
-                <a:gridCol w="5132069">
-                  <a:extLst>
-                    <a:ext uri="{9D8B030D-6E8A-4147-A177-3AD203B41FA5}">
-                      <a16:colId xmlns:a16="http://schemas.microsoft.com/office/drawing/2014/main" val="2934863121"/>
-                    </a:ext>
-                  </a:extLst>
-                </a:gridCol>
-              </a:tblGrid>
-              <a:tr h="370840">
-                <a:tc>
-                  <a:txBody>
-                    <a:bodyPr/>
-                    <a:lstStyle/>
-                    <a:p>
-                      <a:pPr marL="0" marR="0" lvl="0" indent="0" algn="l" defTabSz="914400" rtl="0" eaLnBrk="1" fontAlgn="auto" latinLnBrk="0" hangingPunct="1">
-                        <a:lnSpc>
-                          <a:spcPct val="100000"/>
-                        </a:lnSpc>
-                        <a:spcBef>
-                          <a:spcPts val="0"/>
-                        </a:spcBef>
-                        <a:spcAft>
-                          <a:spcPts val="0"/>
-                        </a:spcAft>
-                        <a:buClrTx/>
-                        <a:buSzTx/>
-                        <a:buFontTx/>
-                        <a:buNone/>
-                        <a:tabLst/>
-                        <a:defRPr/>
-                      </a:pPr>
-                      <a:r>
-                        <a:rPr lang="en-US" sz="2400" b="0" dirty="0">
-                          <a:solidFill>
-                            <a:srgbClr val="0000FF"/>
-                          </a:solidFill>
-                          <a:latin typeface="Consolas" panose="020B0609020204030204" pitchFamily="49" charset="0"/>
-                        </a:rPr>
-                        <a:t>SELECT</a:t>
-                      </a:r>
-                      <a:r>
-                        <a:rPr lang="en-US" sz="2400" b="0" dirty="0">
-                          <a:solidFill>
-                            <a:srgbClr val="000000"/>
-                          </a:solidFill>
-                          <a:latin typeface="Consolas" panose="020B0609020204030204" pitchFamily="49" charset="0"/>
-                        </a:rPr>
-                        <a:t> </a:t>
-                      </a:r>
-                      <a:r>
-                        <a:rPr lang="en-US" sz="2400" b="0" dirty="0">
-                          <a:solidFill>
-                            <a:srgbClr val="FF00FF"/>
-                          </a:solidFill>
-                          <a:latin typeface="Consolas" panose="020B0609020204030204" pitchFamily="49" charset="0"/>
-                        </a:rPr>
-                        <a:t>REPLICATE</a:t>
-                      </a:r>
-                      <a:r>
-                        <a:rPr lang="en-US" sz="2400" b="0" dirty="0">
-                          <a:solidFill>
-                            <a:srgbClr val="808080"/>
-                          </a:solidFill>
-                          <a:latin typeface="Consolas" panose="020B0609020204030204" pitchFamily="49" charset="0"/>
-                        </a:rPr>
-                        <a:t>(</a:t>
-                      </a:r>
-                      <a:r>
-                        <a:rPr lang="en-US" sz="2400" b="0" dirty="0">
-                          <a:solidFill>
-                            <a:srgbClr val="FF0000"/>
-                          </a:solidFill>
-                          <a:latin typeface="Consolas" panose="020B0609020204030204" pitchFamily="49" charset="0"/>
-                        </a:rPr>
-                        <a:t>'-!'</a:t>
-                      </a:r>
-                      <a:r>
-                        <a:rPr lang="en-US" sz="2400" b="0" dirty="0">
-                          <a:solidFill>
-                            <a:srgbClr val="808080"/>
-                          </a:solidFill>
-                          <a:latin typeface="Consolas" panose="020B0609020204030204" pitchFamily="49" charset="0"/>
-                        </a:rPr>
-                        <a:t>,</a:t>
-                      </a:r>
-                      <a:r>
-                        <a:rPr lang="en-US" sz="2400" b="0" dirty="0">
-                          <a:solidFill>
-                            <a:srgbClr val="000000"/>
-                          </a:solidFill>
-                          <a:latin typeface="Consolas" panose="020B0609020204030204" pitchFamily="49" charset="0"/>
-                        </a:rPr>
-                        <a:t> 20</a:t>
-                      </a:r>
-                      <a:r>
-                        <a:rPr lang="en-US" sz="2400" b="0" dirty="0">
-                          <a:solidFill>
-                            <a:srgbClr val="808080"/>
-                          </a:solidFill>
-                          <a:latin typeface="Consolas" panose="020B0609020204030204" pitchFamily="49" charset="0"/>
-                        </a:rPr>
-                        <a:t>)</a:t>
-                      </a:r>
-                    </a:p>
-                  </a:txBody>
-                  <a:tcPr>
-                    <a:noFill/>
-                  </a:tcPr>
-                </a:tc>
-                <a:tc>
-                  <a:txBody>
-                    <a:bodyPr/>
-                    <a:lstStyle/>
-                    <a:p>
-                      <a:pPr marL="0" marR="0" lvl="0" indent="0" algn="l" defTabSz="914400" rtl="0" eaLnBrk="1" fontAlgn="auto" latinLnBrk="0" hangingPunct="1">
-                        <a:lnSpc>
-                          <a:spcPct val="100000"/>
-                        </a:lnSpc>
-                        <a:spcBef>
-                          <a:spcPts val="0"/>
-                        </a:spcBef>
-                        <a:spcAft>
-                          <a:spcPts val="0"/>
-                        </a:spcAft>
-                        <a:buClrTx/>
-                        <a:buSzTx/>
-                        <a:buFontTx/>
-                        <a:buNone/>
-                        <a:tabLst/>
-                        <a:defRPr/>
-                      </a:pPr>
-                      <a:r>
-                        <a:rPr lang="en-US" sz="2400" b="0" dirty="0">
-                          <a:solidFill>
-                            <a:srgbClr val="0000FF"/>
-                          </a:solidFill>
-                          <a:latin typeface="Consolas" panose="020B0609020204030204" pitchFamily="49" charset="0"/>
-                        </a:rPr>
-                        <a:t>SELECT</a:t>
-                      </a:r>
-                      <a:r>
-                        <a:rPr lang="en-US" sz="2400" b="0" dirty="0">
-                          <a:solidFill>
-                            <a:srgbClr val="000000"/>
-                          </a:solidFill>
-                          <a:latin typeface="Consolas" panose="020B0609020204030204" pitchFamily="49" charset="0"/>
-                        </a:rPr>
-                        <a:t> </a:t>
-                      </a:r>
-                      <a:r>
-                        <a:rPr lang="en-US" sz="2400" b="0" dirty="0">
-                          <a:solidFill>
-                            <a:srgbClr val="FF0000"/>
-                          </a:solidFill>
-                          <a:latin typeface="Consolas" panose="020B0609020204030204" pitchFamily="49" charset="0"/>
-                        </a:rPr>
-                        <a:t>'['</a:t>
-                      </a:r>
-                      <a:r>
-                        <a:rPr lang="en-US" sz="2400" b="0" dirty="0">
-                          <a:solidFill>
-                            <a:srgbClr val="808080"/>
-                          </a:solidFill>
-                          <a:latin typeface="Consolas" panose="020B0609020204030204" pitchFamily="49" charset="0"/>
-                        </a:rPr>
-                        <a:t> +</a:t>
-                      </a:r>
-                      <a:r>
-                        <a:rPr lang="en-US" sz="2400" b="0" dirty="0">
-                          <a:solidFill>
-                            <a:srgbClr val="000000"/>
-                          </a:solidFill>
-                          <a:latin typeface="Consolas" panose="020B0609020204030204" pitchFamily="49" charset="0"/>
-                        </a:rPr>
-                        <a:t> </a:t>
-                      </a:r>
-                      <a:r>
-                        <a:rPr lang="en-US" sz="2400" b="0" dirty="0">
-                          <a:solidFill>
-                            <a:srgbClr val="FF00FF"/>
-                          </a:solidFill>
-                          <a:latin typeface="Consolas" panose="020B0609020204030204" pitchFamily="49" charset="0"/>
-                        </a:rPr>
-                        <a:t>SPACE</a:t>
-                      </a:r>
-                      <a:r>
-                        <a:rPr lang="en-US" sz="2400" b="0" dirty="0">
-                          <a:solidFill>
-                            <a:srgbClr val="808080"/>
-                          </a:solidFill>
-                          <a:latin typeface="Consolas" panose="020B0609020204030204" pitchFamily="49" charset="0"/>
-                        </a:rPr>
-                        <a:t>(</a:t>
-                      </a:r>
-                      <a:r>
-                        <a:rPr lang="en-US" sz="2400" b="0" dirty="0">
-                          <a:solidFill>
-                            <a:srgbClr val="000000"/>
-                          </a:solidFill>
-                          <a:latin typeface="Consolas" panose="020B0609020204030204" pitchFamily="49" charset="0"/>
-                        </a:rPr>
-                        <a:t>20</a:t>
-                      </a:r>
-                      <a:r>
-                        <a:rPr lang="en-US" sz="2400" b="0" dirty="0">
-                          <a:solidFill>
-                            <a:srgbClr val="808080"/>
-                          </a:solidFill>
-                          <a:latin typeface="Consolas" panose="020B0609020204030204" pitchFamily="49" charset="0"/>
-                        </a:rPr>
-                        <a:t>) +</a:t>
-                      </a:r>
-                      <a:r>
-                        <a:rPr lang="en-US" sz="2400" b="0" dirty="0">
-                          <a:solidFill>
-                            <a:srgbClr val="000000"/>
-                          </a:solidFill>
-                          <a:latin typeface="Consolas" panose="020B0609020204030204" pitchFamily="49" charset="0"/>
-                        </a:rPr>
-                        <a:t> </a:t>
-                      </a:r>
-                      <a:r>
-                        <a:rPr lang="en-US" sz="2400" b="0" dirty="0">
-                          <a:solidFill>
-                            <a:srgbClr val="FF0000"/>
-                          </a:solidFill>
-                          <a:latin typeface="Consolas" panose="020B0609020204030204" pitchFamily="49" charset="0"/>
-                        </a:rPr>
-                        <a:t>']'</a:t>
-                      </a:r>
-                      <a:endParaRPr lang="en-US" sz="3600" b="0" dirty="0"/>
-                    </a:p>
-                  </a:txBody>
-                  <a:tcPr>
-                    <a:noFill/>
-                  </a:tcPr>
-                </a:tc>
-                <a:extLst>
-                  <a:ext uri="{0D108BD9-81ED-4DB2-BD59-A6C34878D82A}">
-                    <a16:rowId xmlns:a16="http://schemas.microsoft.com/office/drawing/2014/main" val="1024577182"/>
-                  </a:ext>
-                </a:extLst>
-              </a:tr>
-            </a:tbl>
-          </a:graphicData>
-        </a:graphic>
-      </p:graphicFrame>
-      <p:pic>
-        <p:nvPicPr>
-          <p:cNvPr id="9" name="Picture 8">
-            <a:extLst>
-              <a:ext uri="{FF2B5EF4-FFF2-40B4-BE49-F238E27FC236}">
-                <a16:creationId xmlns:a16="http://schemas.microsoft.com/office/drawing/2014/main" id="{3F33579B-7B68-F80E-2AF8-A824F520E537}"/>
-              </a:ext>
-            </a:extLst>
-          </p:cNvPr>
-          <p:cNvPicPr>
-            <a:picLocks noChangeAspect="1"/>
-          </p:cNvPicPr>
-          <p:nvPr/>
-        </p:nvPicPr>
-        <p:blipFill>
-          <a:blip r:embed="rId3"/>
-          <a:stretch>
-            <a:fillRect/>
-          </a:stretch>
-        </p:blipFill>
-        <p:spPr>
-          <a:xfrm>
-            <a:off x="1433218" y="3896302"/>
-            <a:ext cx="3394821" cy="858690"/>
-          </a:xfrm>
-          <a:prstGeom prst="rect">
-            <a:avLst/>
-          </a:prstGeom>
-        </p:spPr>
-      </p:pic>
-    </p:spTree>
-    <p:extLst>
-      <p:ext uri="{BB962C8B-B14F-4D97-AF65-F5344CB8AC3E}">
-        <p14:creationId xmlns:p14="http://schemas.microsoft.com/office/powerpoint/2010/main" val="3112251686"/>
-      </p:ext>
-    </p:extLst>
-  </p:cSld>
-  <p:clrMapOvr>
-    <a:masterClrMapping/>
-  </p:clrMapOvr>
-</p:sld>
-</file>
-
-<file path=ppt/slides/slide13.xml><?xml version="1.0" encoding="utf-8"?>
-<p:sld xmlns:a="http://schemas.openxmlformats.org/drawingml/2006/main" xmlns:r="http://schemas.openxmlformats.org/officeDocument/2006/relationships" xmlns:p="http://schemas.openxmlformats.org/presentationml/2006/main">
-  <p:cSld>
-    <p:spTree>
-      <p:nvGrpSpPr>
-        <p:cNvPr id="1" name=""/>
-        <p:cNvGrpSpPr/>
-        <p:nvPr/>
-      </p:nvGrpSpPr>
-      <p:grpSpPr>
-        <a:xfrm>
-          <a:off x="0" y="0"/>
-          <a:ext cx="0" cy="0"/>
-          <a:chOff x="0" y="0"/>
-          <a:chExt cx="0" cy="0"/>
-        </a:xfrm>
-      </p:grpSpPr>
-      <p:sp>
-        <p:nvSpPr>
-          <p:cNvPr id="2" name="Title 1">
-            <a:extLst>
-              <a:ext uri="{FF2B5EF4-FFF2-40B4-BE49-F238E27FC236}">
-                <a16:creationId xmlns:a16="http://schemas.microsoft.com/office/drawing/2014/main" id="{69E5335F-BD36-FF60-9589-F69DED5C8CF2}"/>
-              </a:ext>
-            </a:extLst>
-          </p:cNvPr>
-          <p:cNvSpPr>
-            <a:spLocks noGrp="1"/>
-          </p:cNvSpPr>
-          <p:nvPr>
-            <p:ph type="title"/>
-          </p:nvPr>
-        </p:nvSpPr>
-        <p:spPr>
-          <a:xfrm>
-            <a:off x="838200" y="973848"/>
-            <a:ext cx="10515600" cy="1600937"/>
-          </a:xfrm>
-        </p:spPr>
-        <p:txBody>
-          <a:bodyPr>
-            <a:normAutofit fontScale="90000"/>
-          </a:bodyPr>
-          <a:lstStyle/>
-          <a:p>
-            <a:r>
-              <a:rPr lang="en-US" sz="4000" dirty="0">
-                <a:solidFill>
-                  <a:srgbClr val="FF00FF"/>
-                </a:solidFill>
-                <a:latin typeface="Consolas" panose="020B0609020204030204" pitchFamily="49" charset="0"/>
-              </a:rPr>
-              <a:t>LEN</a:t>
-            </a:r>
-            <a:r>
-              <a:rPr lang="en-US" sz="4000" dirty="0">
-                <a:solidFill>
-                  <a:srgbClr val="808080"/>
-                </a:solidFill>
-                <a:latin typeface="Consolas" panose="020B0609020204030204" pitchFamily="49" charset="0"/>
-              </a:rPr>
-              <a:t>(</a:t>
-            </a:r>
-            <a:r>
-              <a:rPr lang="en-US" sz="4000" dirty="0" err="1">
-                <a:solidFill>
-                  <a:srgbClr val="000000"/>
-                </a:solidFill>
-                <a:latin typeface="Consolas" panose="020B0609020204030204" pitchFamily="49" charset="0"/>
-              </a:rPr>
-              <a:t>stringable</a:t>
-            </a:r>
-            <a:r>
-              <a:rPr lang="en-US" sz="4000" dirty="0">
-                <a:solidFill>
-                  <a:srgbClr val="808080"/>
-                </a:solidFill>
-                <a:latin typeface="Consolas" panose="020B0609020204030204" pitchFamily="49" charset="0"/>
-              </a:rPr>
-              <a:t>)</a:t>
-            </a:r>
-            <a:br>
-              <a:rPr lang="en-US" sz="4000" dirty="0">
-                <a:solidFill>
-                  <a:srgbClr val="808080"/>
-                </a:solidFill>
-                <a:latin typeface="Consolas" panose="020B0609020204030204" pitchFamily="49" charset="0"/>
-              </a:rPr>
-            </a:br>
-            <a:r>
-              <a:rPr lang="en-US" sz="4000" dirty="0">
-                <a:solidFill>
-                  <a:srgbClr val="808080"/>
-                </a:solidFill>
-                <a:latin typeface="Consolas" panose="020B0609020204030204" pitchFamily="49" charset="0"/>
-              </a:rPr>
-              <a:t>  AND</a:t>
-            </a:r>
-            <a:br>
-              <a:rPr lang="en-US" sz="4000" dirty="0">
-                <a:solidFill>
-                  <a:srgbClr val="808080"/>
-                </a:solidFill>
-                <a:latin typeface="Consolas" panose="020B0609020204030204" pitchFamily="49" charset="0"/>
-              </a:rPr>
-            </a:br>
-            <a:r>
-              <a:rPr lang="en-US" sz="4000" dirty="0">
-                <a:solidFill>
-                  <a:srgbClr val="FF00FF"/>
-                </a:solidFill>
-                <a:latin typeface="Consolas" panose="020B0609020204030204" pitchFamily="49" charset="0"/>
-              </a:rPr>
-              <a:t>DATALENGTH</a:t>
-            </a:r>
-            <a:r>
-              <a:rPr lang="en-US" sz="4000" dirty="0">
-                <a:solidFill>
-                  <a:srgbClr val="808080"/>
-                </a:solidFill>
-                <a:latin typeface="Consolas" panose="020B0609020204030204" pitchFamily="49" charset="0"/>
-              </a:rPr>
-              <a:t>(</a:t>
-            </a:r>
-            <a:r>
-              <a:rPr lang="en-US" sz="4000" dirty="0" err="1">
-                <a:solidFill>
-                  <a:srgbClr val="000000"/>
-                </a:solidFill>
-                <a:latin typeface="Consolas" panose="020B0609020204030204" pitchFamily="49" charset="0"/>
-              </a:rPr>
-              <a:t>stringable</a:t>
-            </a:r>
-            <a:r>
-              <a:rPr lang="en-US" sz="4000" dirty="0">
-                <a:solidFill>
-                  <a:srgbClr val="808080"/>
-                </a:solidFill>
-                <a:latin typeface="Consolas" panose="020B0609020204030204" pitchFamily="49" charset="0"/>
-              </a:rPr>
-              <a:t>)</a:t>
-            </a:r>
-            <a:endParaRPr lang="en-US" sz="4000" dirty="0"/>
-          </a:p>
-        </p:txBody>
-      </p:sp>
-      <p:sp>
-        <p:nvSpPr>
-          <p:cNvPr id="8" name="TextBox 7">
-            <a:extLst>
-              <a:ext uri="{FF2B5EF4-FFF2-40B4-BE49-F238E27FC236}">
-                <a16:creationId xmlns:a16="http://schemas.microsoft.com/office/drawing/2014/main" id="{15108306-61A7-99A8-A8D9-223375198AF0}"/>
-              </a:ext>
-            </a:extLst>
-          </p:cNvPr>
-          <p:cNvSpPr txBox="1"/>
-          <p:nvPr/>
-        </p:nvSpPr>
-        <p:spPr>
-          <a:xfrm>
-            <a:off x="960120" y="2983230"/>
-            <a:ext cx="3154680" cy="1354217"/>
-          </a:xfrm>
-          <a:prstGeom prst="rect">
-            <a:avLst/>
-          </a:prstGeom>
-          <a:noFill/>
-        </p:spPr>
-        <p:txBody>
-          <a:bodyPr wrap="square" rtlCol="0">
-            <a:spAutoFit/>
-          </a:bodyPr>
-          <a:lstStyle/>
-          <a:p>
-            <a:r>
-              <a:rPr lang="en-US" sz="1600" b="1" dirty="0">
-                <a:solidFill>
-                  <a:srgbClr val="0000FF"/>
-                </a:solidFill>
-                <a:latin typeface="Consolas" panose="020B0609020204030204" pitchFamily="49" charset="0"/>
-              </a:rPr>
-              <a:t>DECLARE</a:t>
-            </a:r>
-            <a:r>
-              <a:rPr lang="en-US" sz="1600" b="1" dirty="0">
-                <a:solidFill>
-                  <a:srgbClr val="000000"/>
-                </a:solidFill>
-                <a:latin typeface="Consolas" panose="020B0609020204030204" pitchFamily="49" charset="0"/>
-              </a:rPr>
-              <a:t> @_value </a:t>
-            </a:r>
-          </a:p>
-          <a:p>
-            <a:r>
-              <a:rPr lang="en-US" sz="1600" b="1" dirty="0">
-                <a:solidFill>
-                  <a:srgbClr val="000000"/>
-                </a:solidFill>
-                <a:latin typeface="Consolas" panose="020B0609020204030204" pitchFamily="49" charset="0"/>
-              </a:rPr>
-              <a:t>   </a:t>
-            </a:r>
-            <a:r>
-              <a:rPr lang="en-US" sz="1600" b="1" dirty="0">
-                <a:solidFill>
-                  <a:srgbClr val="0000FF"/>
-                </a:solidFill>
-                <a:latin typeface="Consolas" panose="020B0609020204030204" pitchFamily="49" charset="0"/>
-              </a:rPr>
-              <a:t>varchar</a:t>
-            </a:r>
-            <a:r>
-              <a:rPr lang="en-US" sz="1600" b="1" dirty="0">
-                <a:solidFill>
-                  <a:srgbClr val="808080"/>
-                </a:solidFill>
-                <a:latin typeface="Consolas" panose="020B0609020204030204" pitchFamily="49" charset="0"/>
-              </a:rPr>
-              <a:t>(</a:t>
-            </a:r>
-            <a:r>
-              <a:rPr lang="en-US" sz="1600" b="1" dirty="0">
-                <a:solidFill>
-                  <a:srgbClr val="000000"/>
-                </a:solidFill>
-                <a:latin typeface="Consolas" panose="020B0609020204030204" pitchFamily="49" charset="0"/>
-              </a:rPr>
-              <a:t>20</a:t>
-            </a:r>
-            <a:r>
-              <a:rPr lang="en-US" sz="1600" b="1" dirty="0">
-                <a:solidFill>
-                  <a:srgbClr val="808080"/>
-                </a:solidFill>
-                <a:latin typeface="Consolas" panose="020B0609020204030204" pitchFamily="49" charset="0"/>
-              </a:rPr>
-              <a:t>)</a:t>
-            </a:r>
-            <a:r>
-              <a:rPr lang="en-US" sz="1600" b="1" dirty="0">
-                <a:solidFill>
-                  <a:srgbClr val="000000"/>
-                </a:solidFill>
-                <a:latin typeface="Consolas" panose="020B0609020204030204" pitchFamily="49" charset="0"/>
-              </a:rPr>
-              <a:t> </a:t>
-            </a:r>
-            <a:r>
-              <a:rPr lang="en-US" sz="1600" b="1" dirty="0">
-                <a:solidFill>
-                  <a:srgbClr val="808080"/>
-                </a:solidFill>
-                <a:latin typeface="Consolas" panose="020B0609020204030204" pitchFamily="49" charset="0"/>
-              </a:rPr>
-              <a:t>=</a:t>
-            </a:r>
-            <a:r>
-              <a:rPr lang="en-US" sz="1600" b="1" dirty="0">
-                <a:solidFill>
-                  <a:srgbClr val="000000"/>
-                </a:solidFill>
-                <a:latin typeface="Consolas" panose="020B0609020204030204" pitchFamily="49" charset="0"/>
-              </a:rPr>
-              <a:t> </a:t>
-            </a:r>
-            <a:r>
-              <a:rPr lang="en-US" sz="1600" b="1" dirty="0">
-                <a:solidFill>
-                  <a:srgbClr val="FF0000"/>
-                </a:solidFill>
-                <a:latin typeface="Consolas" panose="020B0609020204030204" pitchFamily="49" charset="0"/>
-              </a:rPr>
-              <a:t>'hello'</a:t>
-            </a:r>
-            <a:endParaRPr lang="en-US" sz="1600" b="1" dirty="0">
-              <a:solidFill>
-                <a:srgbClr val="000000"/>
-              </a:solidFill>
-              <a:latin typeface="Consolas" panose="020B0609020204030204" pitchFamily="49" charset="0"/>
-            </a:endParaRPr>
-          </a:p>
-          <a:p>
-            <a:endParaRPr lang="en-US" sz="1600" b="1" dirty="0">
-              <a:solidFill>
-                <a:srgbClr val="000000"/>
-              </a:solidFill>
-              <a:latin typeface="Consolas" panose="020B0609020204030204" pitchFamily="49" charset="0"/>
-            </a:endParaRPr>
-          </a:p>
-          <a:p>
-            <a:r>
-              <a:rPr lang="en-US" sz="1600" b="1" dirty="0">
-                <a:solidFill>
-                  <a:srgbClr val="0000FF"/>
-                </a:solidFill>
-                <a:latin typeface="Consolas" panose="020B0609020204030204" pitchFamily="49" charset="0"/>
-              </a:rPr>
-              <a:t>PRINT</a:t>
-            </a:r>
-            <a:r>
-              <a:rPr lang="en-US" sz="1600" b="1" dirty="0">
-                <a:solidFill>
-                  <a:srgbClr val="000000"/>
-                </a:solidFill>
-                <a:latin typeface="Consolas" panose="020B0609020204030204" pitchFamily="49" charset="0"/>
-              </a:rPr>
-              <a:t> </a:t>
-            </a:r>
-            <a:r>
-              <a:rPr lang="en-US" sz="1600" b="1" dirty="0">
-                <a:solidFill>
-                  <a:srgbClr val="FF00FF"/>
-                </a:solidFill>
-                <a:latin typeface="Consolas" panose="020B0609020204030204" pitchFamily="49" charset="0"/>
-              </a:rPr>
-              <a:t>LEN</a:t>
-            </a:r>
-            <a:r>
-              <a:rPr lang="en-US" sz="1600" b="1" dirty="0">
-                <a:solidFill>
-                  <a:srgbClr val="808080"/>
-                </a:solidFill>
-                <a:latin typeface="Consolas" panose="020B0609020204030204" pitchFamily="49" charset="0"/>
-              </a:rPr>
-              <a:t>(</a:t>
-            </a:r>
-            <a:r>
-              <a:rPr lang="en-US" sz="1600" b="1" dirty="0">
-                <a:solidFill>
-                  <a:srgbClr val="000000"/>
-                </a:solidFill>
-                <a:latin typeface="Consolas" panose="020B0609020204030204" pitchFamily="49" charset="0"/>
-              </a:rPr>
-              <a:t>@_value</a:t>
-            </a:r>
-            <a:r>
-              <a:rPr lang="en-US" sz="1600" b="1" dirty="0">
-                <a:solidFill>
-                  <a:srgbClr val="808080"/>
-                </a:solidFill>
-                <a:latin typeface="Consolas" panose="020B0609020204030204" pitchFamily="49" charset="0"/>
-              </a:rPr>
-              <a:t>)</a:t>
-            </a:r>
-            <a:endParaRPr lang="en-US" sz="1600" b="1" dirty="0">
-              <a:solidFill>
-                <a:srgbClr val="000000"/>
-              </a:solidFill>
-              <a:latin typeface="Consolas" panose="020B0609020204030204" pitchFamily="49" charset="0"/>
-            </a:endParaRPr>
-          </a:p>
-          <a:p>
-            <a:r>
-              <a:rPr lang="en-US" sz="1600" b="1" dirty="0">
-                <a:solidFill>
-                  <a:srgbClr val="0000FF"/>
-                </a:solidFill>
-                <a:latin typeface="Consolas" panose="020B0609020204030204" pitchFamily="49" charset="0"/>
-              </a:rPr>
-              <a:t>PRINT</a:t>
-            </a:r>
-            <a:r>
-              <a:rPr lang="en-US" sz="1600" b="1" dirty="0">
-                <a:solidFill>
-                  <a:srgbClr val="000000"/>
-                </a:solidFill>
-                <a:latin typeface="Consolas" panose="020B0609020204030204" pitchFamily="49" charset="0"/>
-              </a:rPr>
-              <a:t> </a:t>
-            </a:r>
-            <a:r>
-              <a:rPr lang="en-US" sz="1600" b="1" dirty="0">
-                <a:solidFill>
-                  <a:srgbClr val="FF00FF"/>
-                </a:solidFill>
-                <a:latin typeface="Consolas" panose="020B0609020204030204" pitchFamily="49" charset="0"/>
-              </a:rPr>
-              <a:t>DATALENGTH</a:t>
-            </a:r>
-            <a:r>
-              <a:rPr lang="en-US" sz="1600" b="1" dirty="0">
-                <a:solidFill>
-                  <a:srgbClr val="808080"/>
-                </a:solidFill>
-                <a:latin typeface="Consolas" panose="020B0609020204030204" pitchFamily="49" charset="0"/>
-              </a:rPr>
-              <a:t>(</a:t>
-            </a:r>
-            <a:r>
-              <a:rPr lang="en-US" sz="1600" b="1" dirty="0">
-                <a:solidFill>
-                  <a:srgbClr val="000000"/>
-                </a:solidFill>
-                <a:latin typeface="Consolas" panose="020B0609020204030204" pitchFamily="49" charset="0"/>
-              </a:rPr>
-              <a:t>@_value</a:t>
-            </a:r>
-            <a:r>
-              <a:rPr lang="en-US" sz="1600" b="1" dirty="0">
-                <a:solidFill>
-                  <a:srgbClr val="808080"/>
-                </a:solidFill>
-                <a:latin typeface="Consolas" panose="020B0609020204030204" pitchFamily="49" charset="0"/>
-              </a:rPr>
-              <a:t>)</a:t>
-            </a:r>
-            <a:endParaRPr lang="en-US" sz="1600" b="1" dirty="0"/>
-          </a:p>
-        </p:txBody>
-      </p:sp>
-      <p:pic>
-        <p:nvPicPr>
-          <p:cNvPr id="14" name="Picture 13">
-            <a:extLst>
-              <a:ext uri="{FF2B5EF4-FFF2-40B4-BE49-F238E27FC236}">
-                <a16:creationId xmlns:a16="http://schemas.microsoft.com/office/drawing/2014/main" id="{A639ED75-95D4-A1F7-F4E5-C575A4FD7A1A}"/>
-              </a:ext>
-            </a:extLst>
-          </p:cNvPr>
-          <p:cNvPicPr>
-            <a:picLocks noChangeAspect="1"/>
-          </p:cNvPicPr>
-          <p:nvPr/>
-        </p:nvPicPr>
-        <p:blipFill>
-          <a:blip r:embed="rId2"/>
-          <a:stretch>
-            <a:fillRect/>
-          </a:stretch>
-        </p:blipFill>
-        <p:spPr>
-          <a:xfrm>
-            <a:off x="1570782" y="4635816"/>
-            <a:ext cx="1524188" cy="1010603"/>
-          </a:xfrm>
-          <a:prstGeom prst="rect">
-            <a:avLst/>
-          </a:prstGeom>
-        </p:spPr>
-      </p:pic>
-      <p:sp>
-        <p:nvSpPr>
-          <p:cNvPr id="15" name="TextBox 14">
-            <a:extLst>
-              <a:ext uri="{FF2B5EF4-FFF2-40B4-BE49-F238E27FC236}">
-                <a16:creationId xmlns:a16="http://schemas.microsoft.com/office/drawing/2014/main" id="{EC6D3136-6FAF-2145-D38E-3A3A267EFD9E}"/>
-              </a:ext>
-            </a:extLst>
-          </p:cNvPr>
-          <p:cNvSpPr txBox="1"/>
-          <p:nvPr/>
-        </p:nvSpPr>
-        <p:spPr>
-          <a:xfrm>
-            <a:off x="4583430" y="2983230"/>
-            <a:ext cx="3257550" cy="1354217"/>
-          </a:xfrm>
-          <a:prstGeom prst="rect">
-            <a:avLst/>
-          </a:prstGeom>
-          <a:noFill/>
-        </p:spPr>
-        <p:txBody>
-          <a:bodyPr wrap="square" rtlCol="0">
-            <a:spAutoFit/>
-          </a:bodyPr>
-          <a:lstStyle/>
-          <a:p>
-            <a:r>
-              <a:rPr lang="en-US" sz="1600" b="1" dirty="0">
-                <a:solidFill>
-                  <a:srgbClr val="0000FF"/>
-                </a:solidFill>
-                <a:latin typeface="Consolas" panose="020B0609020204030204" pitchFamily="49" charset="0"/>
-              </a:rPr>
-              <a:t>DECLARE</a:t>
-            </a:r>
-            <a:r>
-              <a:rPr lang="en-US" sz="1600" b="1" dirty="0">
-                <a:solidFill>
-                  <a:srgbClr val="000000"/>
-                </a:solidFill>
-                <a:latin typeface="Consolas" panose="020B0609020204030204" pitchFamily="49" charset="0"/>
-              </a:rPr>
-              <a:t> @_value </a:t>
-            </a:r>
-          </a:p>
-          <a:p>
-            <a:r>
-              <a:rPr lang="en-US" sz="1600" b="1" dirty="0">
-                <a:solidFill>
-                  <a:srgbClr val="000000"/>
-                </a:solidFill>
-                <a:latin typeface="Consolas" panose="020B0609020204030204" pitchFamily="49" charset="0"/>
-              </a:rPr>
-              <a:t>   </a:t>
-            </a:r>
-            <a:r>
-              <a:rPr lang="en-US" sz="1600" b="1" dirty="0">
-                <a:solidFill>
-                  <a:srgbClr val="0000FF"/>
-                </a:solidFill>
-                <a:highlight>
-                  <a:srgbClr val="FFFF00"/>
-                </a:highlight>
-                <a:latin typeface="Consolas" panose="020B0609020204030204" pitchFamily="49" charset="0"/>
-              </a:rPr>
-              <a:t>varchar</a:t>
-            </a:r>
-            <a:r>
-              <a:rPr lang="en-US" sz="1600" b="1" dirty="0">
-                <a:solidFill>
-                  <a:srgbClr val="808080"/>
-                </a:solidFill>
-                <a:highlight>
-                  <a:srgbClr val="FFFF00"/>
-                </a:highlight>
-                <a:latin typeface="Consolas" panose="020B0609020204030204" pitchFamily="49" charset="0"/>
-              </a:rPr>
-              <a:t>(</a:t>
-            </a:r>
-            <a:r>
-              <a:rPr lang="en-US" sz="1600" b="1" dirty="0">
-                <a:solidFill>
-                  <a:srgbClr val="000000"/>
-                </a:solidFill>
-                <a:highlight>
-                  <a:srgbClr val="FFFF00"/>
-                </a:highlight>
-                <a:latin typeface="Consolas" panose="020B0609020204030204" pitchFamily="49" charset="0"/>
-              </a:rPr>
-              <a:t>20</a:t>
-            </a:r>
-            <a:r>
-              <a:rPr lang="en-US" sz="1600" b="1" dirty="0">
-                <a:solidFill>
-                  <a:srgbClr val="808080"/>
-                </a:solidFill>
-                <a:highlight>
-                  <a:srgbClr val="FFFF00"/>
-                </a:highlight>
-                <a:latin typeface="Consolas" panose="020B0609020204030204" pitchFamily="49" charset="0"/>
-              </a:rPr>
-              <a:t>)</a:t>
-            </a:r>
-            <a:r>
-              <a:rPr lang="en-US" sz="1600" b="1" dirty="0">
-                <a:solidFill>
-                  <a:srgbClr val="000000"/>
-                </a:solidFill>
-                <a:highlight>
-                  <a:srgbClr val="FFFF00"/>
-                </a:highlight>
-                <a:latin typeface="Consolas" panose="020B0609020204030204" pitchFamily="49" charset="0"/>
-              </a:rPr>
-              <a:t> </a:t>
-            </a:r>
-            <a:r>
-              <a:rPr lang="en-US" sz="1600" b="1" dirty="0">
-                <a:solidFill>
-                  <a:srgbClr val="808080"/>
-                </a:solidFill>
-                <a:highlight>
-                  <a:srgbClr val="FFFF00"/>
-                </a:highlight>
-                <a:latin typeface="Consolas" panose="020B0609020204030204" pitchFamily="49" charset="0"/>
-              </a:rPr>
-              <a:t>=</a:t>
-            </a:r>
-            <a:r>
-              <a:rPr lang="en-US" sz="1600" b="1" dirty="0">
-                <a:solidFill>
-                  <a:srgbClr val="000000"/>
-                </a:solidFill>
-                <a:highlight>
-                  <a:srgbClr val="FFFF00"/>
-                </a:highlight>
-                <a:latin typeface="Consolas" panose="020B0609020204030204" pitchFamily="49" charset="0"/>
-              </a:rPr>
-              <a:t> </a:t>
-            </a:r>
-            <a:r>
-              <a:rPr lang="en-US" sz="1600" b="1" dirty="0">
-                <a:solidFill>
-                  <a:srgbClr val="FF00FF"/>
-                </a:solidFill>
-                <a:highlight>
-                  <a:srgbClr val="FFFF00"/>
-                </a:highlight>
-                <a:latin typeface="Consolas" panose="020B0609020204030204" pitchFamily="49" charset="0"/>
-              </a:rPr>
-              <a:t>SPACE</a:t>
-            </a:r>
-            <a:r>
-              <a:rPr lang="en-US" sz="1600" b="1" dirty="0">
-                <a:solidFill>
-                  <a:srgbClr val="808080"/>
-                </a:solidFill>
-                <a:highlight>
-                  <a:srgbClr val="FFFF00"/>
-                </a:highlight>
-                <a:latin typeface="Consolas" panose="020B0609020204030204" pitchFamily="49" charset="0"/>
-              </a:rPr>
-              <a:t>(</a:t>
-            </a:r>
-            <a:r>
-              <a:rPr lang="en-US" sz="1600" b="1" dirty="0">
-                <a:solidFill>
-                  <a:srgbClr val="000000"/>
-                </a:solidFill>
-                <a:highlight>
-                  <a:srgbClr val="FFFF00"/>
-                </a:highlight>
-                <a:latin typeface="Consolas" panose="020B0609020204030204" pitchFamily="49" charset="0"/>
-              </a:rPr>
-              <a:t>20</a:t>
-            </a:r>
-            <a:r>
-              <a:rPr lang="en-US" sz="1600" b="1" dirty="0">
-                <a:solidFill>
-                  <a:srgbClr val="808080"/>
-                </a:solidFill>
-                <a:highlight>
-                  <a:srgbClr val="FFFF00"/>
-                </a:highlight>
-                <a:latin typeface="Consolas" panose="020B0609020204030204" pitchFamily="49" charset="0"/>
-              </a:rPr>
-              <a:t>)</a:t>
-            </a:r>
-            <a:endParaRPr lang="en-US" sz="1600" b="1" dirty="0">
-              <a:solidFill>
-                <a:srgbClr val="000000"/>
-              </a:solidFill>
-              <a:highlight>
-                <a:srgbClr val="FFFF00"/>
-              </a:highlight>
-              <a:latin typeface="Consolas" panose="020B0609020204030204" pitchFamily="49" charset="0"/>
-            </a:endParaRPr>
-          </a:p>
-          <a:p>
-            <a:endParaRPr lang="en-US" sz="1600" b="1" dirty="0">
-              <a:solidFill>
-                <a:srgbClr val="000000"/>
-              </a:solidFill>
-              <a:latin typeface="Consolas" panose="020B0609020204030204" pitchFamily="49" charset="0"/>
-            </a:endParaRPr>
-          </a:p>
-          <a:p>
-            <a:r>
-              <a:rPr lang="en-US" sz="1600" b="1" dirty="0">
-                <a:solidFill>
-                  <a:srgbClr val="0000FF"/>
-                </a:solidFill>
-                <a:latin typeface="Consolas" panose="020B0609020204030204" pitchFamily="49" charset="0"/>
-              </a:rPr>
-              <a:t>PRINT</a:t>
-            </a:r>
-            <a:r>
-              <a:rPr lang="en-US" sz="1600" b="1" dirty="0">
-                <a:solidFill>
-                  <a:srgbClr val="000000"/>
-                </a:solidFill>
-                <a:latin typeface="Consolas" panose="020B0609020204030204" pitchFamily="49" charset="0"/>
-              </a:rPr>
-              <a:t> </a:t>
-            </a:r>
-            <a:r>
-              <a:rPr lang="en-US" sz="1600" b="1" dirty="0">
-                <a:solidFill>
-                  <a:srgbClr val="FF00FF"/>
-                </a:solidFill>
-                <a:latin typeface="Consolas" panose="020B0609020204030204" pitchFamily="49" charset="0"/>
-              </a:rPr>
-              <a:t>LEN</a:t>
-            </a:r>
-            <a:r>
-              <a:rPr lang="en-US" sz="1600" b="1" dirty="0">
-                <a:solidFill>
-                  <a:srgbClr val="808080"/>
-                </a:solidFill>
-                <a:latin typeface="Consolas" panose="020B0609020204030204" pitchFamily="49" charset="0"/>
-              </a:rPr>
-              <a:t>(</a:t>
-            </a:r>
-            <a:r>
-              <a:rPr lang="en-US" sz="1600" b="1" dirty="0">
-                <a:solidFill>
-                  <a:srgbClr val="000000"/>
-                </a:solidFill>
-                <a:latin typeface="Consolas" panose="020B0609020204030204" pitchFamily="49" charset="0"/>
-              </a:rPr>
-              <a:t>@_value</a:t>
-            </a:r>
-            <a:r>
-              <a:rPr lang="en-US" sz="1600" b="1" dirty="0">
-                <a:solidFill>
-                  <a:srgbClr val="808080"/>
-                </a:solidFill>
-                <a:latin typeface="Consolas" panose="020B0609020204030204" pitchFamily="49" charset="0"/>
-              </a:rPr>
-              <a:t>)</a:t>
-            </a:r>
-            <a:endParaRPr lang="en-US" sz="1600" b="1" dirty="0">
-              <a:solidFill>
-                <a:srgbClr val="000000"/>
-              </a:solidFill>
-              <a:latin typeface="Consolas" panose="020B0609020204030204" pitchFamily="49" charset="0"/>
-            </a:endParaRPr>
-          </a:p>
-          <a:p>
-            <a:r>
-              <a:rPr lang="en-US" sz="1600" b="1" dirty="0">
-                <a:solidFill>
-                  <a:srgbClr val="0000FF"/>
-                </a:solidFill>
-                <a:latin typeface="Consolas" panose="020B0609020204030204" pitchFamily="49" charset="0"/>
-              </a:rPr>
-              <a:t>PRINT</a:t>
-            </a:r>
-            <a:r>
-              <a:rPr lang="en-US" sz="1600" b="1" dirty="0">
-                <a:solidFill>
-                  <a:srgbClr val="000000"/>
-                </a:solidFill>
-                <a:latin typeface="Consolas" panose="020B0609020204030204" pitchFamily="49" charset="0"/>
-              </a:rPr>
-              <a:t> </a:t>
-            </a:r>
-            <a:r>
-              <a:rPr lang="en-US" sz="1600" b="1" dirty="0">
-                <a:solidFill>
-                  <a:srgbClr val="FF00FF"/>
-                </a:solidFill>
-                <a:latin typeface="Consolas" panose="020B0609020204030204" pitchFamily="49" charset="0"/>
-              </a:rPr>
-              <a:t>DATALENGTH</a:t>
-            </a:r>
-            <a:r>
-              <a:rPr lang="en-US" sz="1600" b="1" dirty="0">
-                <a:solidFill>
-                  <a:srgbClr val="808080"/>
-                </a:solidFill>
-                <a:latin typeface="Consolas" panose="020B0609020204030204" pitchFamily="49" charset="0"/>
-              </a:rPr>
-              <a:t>(</a:t>
-            </a:r>
-            <a:r>
-              <a:rPr lang="en-US" sz="1600" b="1" dirty="0">
-                <a:solidFill>
-                  <a:srgbClr val="000000"/>
-                </a:solidFill>
-                <a:latin typeface="Consolas" panose="020B0609020204030204" pitchFamily="49" charset="0"/>
-              </a:rPr>
-              <a:t>@_value</a:t>
-            </a:r>
-            <a:r>
-              <a:rPr lang="en-US" sz="1600" b="1" dirty="0">
-                <a:solidFill>
-                  <a:srgbClr val="808080"/>
-                </a:solidFill>
-                <a:latin typeface="Consolas" panose="020B0609020204030204" pitchFamily="49" charset="0"/>
-              </a:rPr>
-              <a:t>)</a:t>
-            </a:r>
-            <a:endParaRPr lang="en-US" sz="1600" b="1" dirty="0"/>
-          </a:p>
-        </p:txBody>
-      </p:sp>
-      <p:pic>
-        <p:nvPicPr>
-          <p:cNvPr id="17" name="Picture 16">
-            <a:extLst>
-              <a:ext uri="{FF2B5EF4-FFF2-40B4-BE49-F238E27FC236}">
-                <a16:creationId xmlns:a16="http://schemas.microsoft.com/office/drawing/2014/main" id="{E67DEC4A-5235-937C-CB88-252D1BC3D202}"/>
-              </a:ext>
-            </a:extLst>
-          </p:cNvPr>
-          <p:cNvPicPr>
-            <a:picLocks noChangeAspect="1"/>
-          </p:cNvPicPr>
-          <p:nvPr/>
-        </p:nvPicPr>
-        <p:blipFill>
-          <a:blip r:embed="rId3"/>
-          <a:stretch>
-            <a:fillRect/>
-          </a:stretch>
-        </p:blipFill>
-        <p:spPr>
-          <a:xfrm>
-            <a:off x="5333906" y="4635816"/>
-            <a:ext cx="1524188" cy="1010603"/>
-          </a:xfrm>
-          <a:prstGeom prst="rect">
-            <a:avLst/>
-          </a:prstGeom>
-        </p:spPr>
-      </p:pic>
-      <p:sp>
-        <p:nvSpPr>
-          <p:cNvPr id="18" name="TextBox 17">
-            <a:extLst>
-              <a:ext uri="{FF2B5EF4-FFF2-40B4-BE49-F238E27FC236}">
-                <a16:creationId xmlns:a16="http://schemas.microsoft.com/office/drawing/2014/main" id="{A67B8AA2-A02A-13AA-1ECA-DF21D5B64205}"/>
-              </a:ext>
-            </a:extLst>
-          </p:cNvPr>
-          <p:cNvSpPr txBox="1"/>
-          <p:nvPr/>
-        </p:nvSpPr>
-        <p:spPr>
-          <a:xfrm>
-            <a:off x="8252460" y="2983230"/>
-            <a:ext cx="3257550" cy="1354217"/>
-          </a:xfrm>
-          <a:prstGeom prst="rect">
-            <a:avLst/>
-          </a:prstGeom>
-          <a:noFill/>
-        </p:spPr>
-        <p:txBody>
-          <a:bodyPr wrap="square" rtlCol="0">
-            <a:spAutoFit/>
-          </a:bodyPr>
-          <a:lstStyle/>
-          <a:p>
-            <a:r>
-              <a:rPr lang="en-US" sz="1600" b="1" dirty="0">
-                <a:solidFill>
-                  <a:srgbClr val="0000FF"/>
-                </a:solidFill>
-                <a:latin typeface="Consolas" panose="020B0609020204030204" pitchFamily="49" charset="0"/>
-              </a:rPr>
-              <a:t>DECLARE</a:t>
-            </a:r>
-            <a:r>
-              <a:rPr lang="en-US" sz="1600" b="1" dirty="0">
-                <a:solidFill>
-                  <a:srgbClr val="000000"/>
-                </a:solidFill>
-                <a:latin typeface="Consolas" panose="020B0609020204030204" pitchFamily="49" charset="0"/>
-              </a:rPr>
-              <a:t> @_value </a:t>
-            </a:r>
-          </a:p>
-          <a:p>
-            <a:r>
-              <a:rPr lang="en-US" sz="1600" b="1" dirty="0">
-                <a:solidFill>
-                  <a:srgbClr val="000000"/>
-                </a:solidFill>
-                <a:latin typeface="Consolas" panose="020B0609020204030204" pitchFamily="49" charset="0"/>
-              </a:rPr>
-              <a:t>   </a:t>
-            </a:r>
-            <a:r>
-              <a:rPr lang="en-US" sz="1600" b="1" dirty="0" err="1">
-                <a:solidFill>
-                  <a:srgbClr val="0000FF"/>
-                </a:solidFill>
-                <a:highlight>
-                  <a:srgbClr val="FFFF00"/>
-                </a:highlight>
-                <a:latin typeface="Consolas" panose="020B0609020204030204" pitchFamily="49" charset="0"/>
-              </a:rPr>
-              <a:t>nvarchar</a:t>
-            </a:r>
-            <a:r>
-              <a:rPr lang="en-US" sz="1600" b="1" dirty="0">
-                <a:solidFill>
-                  <a:srgbClr val="808080"/>
-                </a:solidFill>
-                <a:highlight>
-                  <a:srgbClr val="FFFF00"/>
-                </a:highlight>
-                <a:latin typeface="Consolas" panose="020B0609020204030204" pitchFamily="49" charset="0"/>
-              </a:rPr>
-              <a:t>(</a:t>
-            </a:r>
-            <a:r>
-              <a:rPr lang="en-US" sz="1600" b="1" dirty="0">
-                <a:solidFill>
-                  <a:srgbClr val="000000"/>
-                </a:solidFill>
-                <a:highlight>
-                  <a:srgbClr val="FFFF00"/>
-                </a:highlight>
-                <a:latin typeface="Consolas" panose="020B0609020204030204" pitchFamily="49" charset="0"/>
-              </a:rPr>
-              <a:t>20</a:t>
-            </a:r>
-            <a:r>
-              <a:rPr lang="en-US" sz="1600" b="1" dirty="0">
-                <a:solidFill>
-                  <a:srgbClr val="808080"/>
-                </a:solidFill>
-                <a:highlight>
-                  <a:srgbClr val="FFFF00"/>
-                </a:highlight>
-                <a:latin typeface="Consolas" panose="020B0609020204030204" pitchFamily="49" charset="0"/>
-              </a:rPr>
-              <a:t>)</a:t>
-            </a:r>
-            <a:r>
-              <a:rPr lang="en-US" sz="1600" b="1" dirty="0">
-                <a:solidFill>
-                  <a:srgbClr val="000000"/>
-                </a:solidFill>
-                <a:highlight>
-                  <a:srgbClr val="FFFF00"/>
-                </a:highlight>
-                <a:latin typeface="Consolas" panose="020B0609020204030204" pitchFamily="49" charset="0"/>
-              </a:rPr>
-              <a:t> </a:t>
-            </a:r>
-            <a:r>
-              <a:rPr lang="en-US" sz="1600" b="1" dirty="0">
-                <a:solidFill>
-                  <a:srgbClr val="808080"/>
-                </a:solidFill>
-                <a:highlight>
-                  <a:srgbClr val="FFFF00"/>
-                </a:highlight>
-                <a:latin typeface="Consolas" panose="020B0609020204030204" pitchFamily="49" charset="0"/>
-              </a:rPr>
-              <a:t>=</a:t>
-            </a:r>
-            <a:r>
-              <a:rPr lang="en-US" sz="1600" b="1" dirty="0">
-                <a:solidFill>
-                  <a:srgbClr val="000000"/>
-                </a:solidFill>
-                <a:highlight>
-                  <a:srgbClr val="FFFF00"/>
-                </a:highlight>
-                <a:latin typeface="Consolas" panose="020B0609020204030204" pitchFamily="49" charset="0"/>
-              </a:rPr>
-              <a:t> </a:t>
-            </a:r>
-            <a:r>
-              <a:rPr lang="en-US" sz="1600" b="1" dirty="0">
-                <a:solidFill>
-                  <a:srgbClr val="FF00FF"/>
-                </a:solidFill>
-                <a:highlight>
-                  <a:srgbClr val="FFFF00"/>
-                </a:highlight>
-                <a:latin typeface="Consolas" panose="020B0609020204030204" pitchFamily="49" charset="0"/>
-              </a:rPr>
-              <a:t>SPACE</a:t>
-            </a:r>
-            <a:r>
-              <a:rPr lang="en-US" sz="1600" b="1" dirty="0">
-                <a:solidFill>
-                  <a:srgbClr val="808080"/>
-                </a:solidFill>
-                <a:highlight>
-                  <a:srgbClr val="FFFF00"/>
-                </a:highlight>
-                <a:latin typeface="Consolas" panose="020B0609020204030204" pitchFamily="49" charset="0"/>
-              </a:rPr>
-              <a:t>(</a:t>
-            </a:r>
-            <a:r>
-              <a:rPr lang="en-US" sz="1600" b="1" dirty="0">
-                <a:solidFill>
-                  <a:srgbClr val="000000"/>
-                </a:solidFill>
-                <a:highlight>
-                  <a:srgbClr val="FFFF00"/>
-                </a:highlight>
-                <a:latin typeface="Consolas" panose="020B0609020204030204" pitchFamily="49" charset="0"/>
-              </a:rPr>
-              <a:t>20</a:t>
-            </a:r>
-            <a:r>
-              <a:rPr lang="en-US" sz="1600" b="1" dirty="0">
-                <a:solidFill>
-                  <a:srgbClr val="808080"/>
-                </a:solidFill>
-                <a:highlight>
-                  <a:srgbClr val="FFFF00"/>
-                </a:highlight>
-                <a:latin typeface="Consolas" panose="020B0609020204030204" pitchFamily="49" charset="0"/>
-              </a:rPr>
-              <a:t>)</a:t>
-            </a:r>
-            <a:endParaRPr lang="en-US" sz="1600" b="1" dirty="0">
-              <a:solidFill>
-                <a:srgbClr val="000000"/>
-              </a:solidFill>
-              <a:highlight>
-                <a:srgbClr val="FFFF00"/>
-              </a:highlight>
-              <a:latin typeface="Consolas" panose="020B0609020204030204" pitchFamily="49" charset="0"/>
-            </a:endParaRPr>
-          </a:p>
-          <a:p>
-            <a:endParaRPr lang="en-US" sz="1600" b="1" dirty="0">
-              <a:solidFill>
-                <a:srgbClr val="000000"/>
-              </a:solidFill>
-              <a:highlight>
-                <a:srgbClr val="FFFF00"/>
-              </a:highlight>
-              <a:latin typeface="Consolas" panose="020B0609020204030204" pitchFamily="49" charset="0"/>
-            </a:endParaRPr>
-          </a:p>
-          <a:p>
-            <a:r>
-              <a:rPr lang="en-US" sz="1600" b="1" dirty="0">
-                <a:solidFill>
-                  <a:srgbClr val="0000FF"/>
-                </a:solidFill>
-                <a:latin typeface="Consolas" panose="020B0609020204030204" pitchFamily="49" charset="0"/>
-              </a:rPr>
-              <a:t>PRINT</a:t>
-            </a:r>
-            <a:r>
-              <a:rPr lang="en-US" sz="1600" b="1" dirty="0">
-                <a:solidFill>
-                  <a:srgbClr val="000000"/>
-                </a:solidFill>
-                <a:latin typeface="Consolas" panose="020B0609020204030204" pitchFamily="49" charset="0"/>
-              </a:rPr>
-              <a:t> </a:t>
-            </a:r>
-            <a:r>
-              <a:rPr lang="en-US" sz="1600" b="1" dirty="0">
-                <a:solidFill>
-                  <a:srgbClr val="FF00FF"/>
-                </a:solidFill>
-                <a:latin typeface="Consolas" panose="020B0609020204030204" pitchFamily="49" charset="0"/>
-              </a:rPr>
-              <a:t>LEN</a:t>
-            </a:r>
-            <a:r>
-              <a:rPr lang="en-US" sz="1600" b="1" dirty="0">
-                <a:solidFill>
-                  <a:srgbClr val="808080"/>
-                </a:solidFill>
-                <a:latin typeface="Consolas" panose="020B0609020204030204" pitchFamily="49" charset="0"/>
-              </a:rPr>
-              <a:t>(</a:t>
-            </a:r>
-            <a:r>
-              <a:rPr lang="en-US" sz="1600" b="1" dirty="0">
-                <a:solidFill>
-                  <a:srgbClr val="000000"/>
-                </a:solidFill>
-                <a:latin typeface="Consolas" panose="020B0609020204030204" pitchFamily="49" charset="0"/>
-              </a:rPr>
-              <a:t>@_value</a:t>
-            </a:r>
-            <a:r>
-              <a:rPr lang="en-US" sz="1600" b="1" dirty="0">
-                <a:solidFill>
-                  <a:srgbClr val="808080"/>
-                </a:solidFill>
-                <a:latin typeface="Consolas" panose="020B0609020204030204" pitchFamily="49" charset="0"/>
-              </a:rPr>
-              <a:t>)</a:t>
-            </a:r>
-            <a:endParaRPr lang="en-US" sz="1600" b="1" dirty="0">
-              <a:solidFill>
-                <a:srgbClr val="000000"/>
-              </a:solidFill>
-              <a:latin typeface="Consolas" panose="020B0609020204030204" pitchFamily="49" charset="0"/>
-            </a:endParaRPr>
-          </a:p>
-          <a:p>
-            <a:r>
-              <a:rPr lang="en-US" sz="1600" b="1" dirty="0">
-                <a:solidFill>
-                  <a:srgbClr val="0000FF"/>
-                </a:solidFill>
-                <a:latin typeface="Consolas" panose="020B0609020204030204" pitchFamily="49" charset="0"/>
-              </a:rPr>
-              <a:t>PRINT</a:t>
-            </a:r>
-            <a:r>
-              <a:rPr lang="en-US" sz="1600" b="1" dirty="0">
-                <a:solidFill>
-                  <a:srgbClr val="000000"/>
-                </a:solidFill>
-                <a:latin typeface="Consolas" panose="020B0609020204030204" pitchFamily="49" charset="0"/>
-              </a:rPr>
-              <a:t> </a:t>
-            </a:r>
-            <a:r>
-              <a:rPr lang="en-US" sz="1600" b="1" dirty="0">
-                <a:solidFill>
-                  <a:srgbClr val="FF00FF"/>
-                </a:solidFill>
-                <a:latin typeface="Consolas" panose="020B0609020204030204" pitchFamily="49" charset="0"/>
-              </a:rPr>
-              <a:t>DATALENGTH</a:t>
-            </a:r>
-            <a:r>
-              <a:rPr lang="en-US" sz="1600" b="1" dirty="0">
-                <a:solidFill>
-                  <a:srgbClr val="808080"/>
-                </a:solidFill>
-                <a:latin typeface="Consolas" panose="020B0609020204030204" pitchFamily="49" charset="0"/>
-              </a:rPr>
-              <a:t>(</a:t>
-            </a:r>
-            <a:r>
-              <a:rPr lang="en-US" sz="1600" b="1" dirty="0">
-                <a:solidFill>
-                  <a:srgbClr val="000000"/>
-                </a:solidFill>
-                <a:latin typeface="Consolas" panose="020B0609020204030204" pitchFamily="49" charset="0"/>
-              </a:rPr>
-              <a:t>@_value</a:t>
-            </a:r>
-            <a:r>
-              <a:rPr lang="en-US" sz="1600" b="1" dirty="0">
-                <a:solidFill>
-                  <a:srgbClr val="808080"/>
-                </a:solidFill>
-                <a:latin typeface="Consolas" panose="020B0609020204030204" pitchFamily="49" charset="0"/>
-              </a:rPr>
-              <a:t>)</a:t>
-            </a:r>
-            <a:endParaRPr lang="en-US" sz="1600" b="1" dirty="0"/>
-          </a:p>
-        </p:txBody>
-      </p:sp>
-      <p:pic>
-        <p:nvPicPr>
-          <p:cNvPr id="20" name="Picture 19">
-            <a:extLst>
-              <a:ext uri="{FF2B5EF4-FFF2-40B4-BE49-F238E27FC236}">
-                <a16:creationId xmlns:a16="http://schemas.microsoft.com/office/drawing/2014/main" id="{0A96A6F0-B9BE-6478-495F-8696318A4DFA}"/>
-              </a:ext>
-            </a:extLst>
-          </p:cNvPr>
-          <p:cNvPicPr>
-            <a:picLocks noChangeAspect="1"/>
-          </p:cNvPicPr>
-          <p:nvPr/>
-        </p:nvPicPr>
-        <p:blipFill>
-          <a:blip r:embed="rId4"/>
-          <a:stretch>
-            <a:fillRect/>
-          </a:stretch>
-        </p:blipFill>
-        <p:spPr>
-          <a:xfrm>
-            <a:off x="8972550" y="4635816"/>
-            <a:ext cx="1524188" cy="1010603"/>
-          </a:xfrm>
-          <a:prstGeom prst="rect">
-            <a:avLst/>
-          </a:prstGeom>
-        </p:spPr>
-      </p:pic>
-      <p:grpSp>
-        <p:nvGrpSpPr>
-          <p:cNvPr id="39" name="Group 38">
-            <a:extLst>
-              <a:ext uri="{FF2B5EF4-FFF2-40B4-BE49-F238E27FC236}">
-                <a16:creationId xmlns:a16="http://schemas.microsoft.com/office/drawing/2014/main" id="{A1FBA8C5-F54E-6FE3-B76B-7520046D24DA}"/>
-              </a:ext>
-            </a:extLst>
-          </p:cNvPr>
-          <p:cNvGrpSpPr/>
-          <p:nvPr/>
-        </p:nvGrpSpPr>
-        <p:grpSpPr>
-          <a:xfrm>
-            <a:off x="838200" y="2266950"/>
-            <a:ext cx="10260330" cy="3238500"/>
-            <a:chOff x="838200" y="2266950"/>
-            <a:chExt cx="10260330" cy="3238500"/>
-          </a:xfrm>
-        </p:grpSpPr>
-        <p:cxnSp>
-          <p:nvCxnSpPr>
-            <p:cNvPr id="22" name="Straight Connector 21">
-              <a:extLst>
-                <a:ext uri="{FF2B5EF4-FFF2-40B4-BE49-F238E27FC236}">
-                  <a16:creationId xmlns:a16="http://schemas.microsoft.com/office/drawing/2014/main" id="{B6FC9571-1B7B-EE4E-09F4-C66C3EBE4452}"/>
-                </a:ext>
-              </a:extLst>
-            </p:cNvPr>
-            <p:cNvCxnSpPr/>
-            <p:nvPr/>
-          </p:nvCxnSpPr>
-          <p:spPr>
-            <a:xfrm>
-              <a:off x="960120" y="4126230"/>
-              <a:ext cx="2846070" cy="0"/>
-            </a:xfrm>
-            <a:prstGeom prst="line">
-              <a:avLst/>
-            </a:prstGeom>
-            <a:ln w="53975">
-              <a:solidFill>
-                <a:srgbClr val="FF0000"/>
-              </a:solidFill>
-            </a:ln>
-          </p:spPr>
-          <p:style>
-            <a:lnRef idx="1">
-              <a:schemeClr val="accent1"/>
-            </a:lnRef>
-            <a:fillRef idx="0">
-              <a:schemeClr val="accent1"/>
-            </a:fillRef>
-            <a:effectRef idx="0">
-              <a:schemeClr val="accent1"/>
-            </a:effectRef>
-            <a:fontRef idx="minor">
-              <a:schemeClr val="tx1"/>
-            </a:fontRef>
-          </p:style>
-        </p:cxnSp>
-        <p:cxnSp>
-          <p:nvCxnSpPr>
-            <p:cNvPr id="23" name="Straight Connector 22">
-              <a:extLst>
-                <a:ext uri="{FF2B5EF4-FFF2-40B4-BE49-F238E27FC236}">
-                  <a16:creationId xmlns:a16="http://schemas.microsoft.com/office/drawing/2014/main" id="{C169C65D-551B-7D73-F13E-DE695F4E6345}"/>
-                </a:ext>
-              </a:extLst>
-            </p:cNvPr>
-            <p:cNvCxnSpPr/>
-            <p:nvPr/>
-          </p:nvCxnSpPr>
-          <p:spPr>
-            <a:xfrm>
-              <a:off x="4621624" y="4126230"/>
-              <a:ext cx="2846070" cy="0"/>
-            </a:xfrm>
-            <a:prstGeom prst="line">
-              <a:avLst/>
-            </a:prstGeom>
-            <a:ln w="53975">
-              <a:solidFill>
-                <a:srgbClr val="FF0000"/>
-              </a:solidFill>
-            </a:ln>
-          </p:spPr>
-          <p:style>
-            <a:lnRef idx="1">
-              <a:schemeClr val="accent1"/>
-            </a:lnRef>
-            <a:fillRef idx="0">
-              <a:schemeClr val="accent1"/>
-            </a:fillRef>
-            <a:effectRef idx="0">
-              <a:schemeClr val="accent1"/>
-            </a:effectRef>
-            <a:fontRef idx="minor">
-              <a:schemeClr val="tx1"/>
-            </a:fontRef>
-          </p:style>
-        </p:cxnSp>
-        <p:cxnSp>
-          <p:nvCxnSpPr>
-            <p:cNvPr id="24" name="Straight Connector 23">
-              <a:extLst>
-                <a:ext uri="{FF2B5EF4-FFF2-40B4-BE49-F238E27FC236}">
-                  <a16:creationId xmlns:a16="http://schemas.microsoft.com/office/drawing/2014/main" id="{5C8C5D89-A2E8-3AD5-0AFE-3F9C6C7AB460}"/>
-                </a:ext>
-              </a:extLst>
-            </p:cNvPr>
-            <p:cNvCxnSpPr/>
-            <p:nvPr/>
-          </p:nvCxnSpPr>
-          <p:spPr>
-            <a:xfrm>
-              <a:off x="8252460" y="4126230"/>
-              <a:ext cx="2846070" cy="0"/>
-            </a:xfrm>
-            <a:prstGeom prst="line">
-              <a:avLst/>
-            </a:prstGeom>
-            <a:ln w="53975">
-              <a:solidFill>
-                <a:srgbClr val="FF0000"/>
-              </a:solidFill>
-            </a:ln>
-          </p:spPr>
-          <p:style>
-            <a:lnRef idx="1">
-              <a:schemeClr val="accent1"/>
-            </a:lnRef>
-            <a:fillRef idx="0">
-              <a:schemeClr val="accent1"/>
-            </a:fillRef>
-            <a:effectRef idx="0">
-              <a:schemeClr val="accent1"/>
-            </a:effectRef>
-            <a:fontRef idx="minor">
-              <a:schemeClr val="tx1"/>
-            </a:fontRef>
-          </p:style>
-        </p:cxnSp>
-        <p:cxnSp>
-          <p:nvCxnSpPr>
-            <p:cNvPr id="26" name="Straight Connector 25">
-              <a:extLst>
-                <a:ext uri="{FF2B5EF4-FFF2-40B4-BE49-F238E27FC236}">
-                  <a16:creationId xmlns:a16="http://schemas.microsoft.com/office/drawing/2014/main" id="{A798F376-54B6-945A-DFBD-C56B913980BE}"/>
-                </a:ext>
-              </a:extLst>
-            </p:cNvPr>
-            <p:cNvCxnSpPr>
-              <a:cxnSpLocks/>
-            </p:cNvCxnSpPr>
-            <p:nvPr/>
-          </p:nvCxnSpPr>
-          <p:spPr>
-            <a:xfrm>
-              <a:off x="838200" y="2266950"/>
-              <a:ext cx="5756910" cy="0"/>
-            </a:xfrm>
-            <a:prstGeom prst="line">
-              <a:avLst/>
-            </a:prstGeom>
-            <a:ln w="53975">
-              <a:solidFill>
-                <a:srgbClr val="FF0000"/>
-              </a:solidFill>
-            </a:ln>
-          </p:spPr>
-          <p:style>
-            <a:lnRef idx="1">
-              <a:schemeClr val="accent1"/>
-            </a:lnRef>
-            <a:fillRef idx="0">
-              <a:schemeClr val="accent1"/>
-            </a:fillRef>
-            <a:effectRef idx="0">
-              <a:schemeClr val="accent1"/>
-            </a:effectRef>
-            <a:fontRef idx="minor">
-              <a:schemeClr val="tx1"/>
-            </a:fontRef>
-          </p:style>
-        </p:cxnSp>
-        <p:cxnSp>
-          <p:nvCxnSpPr>
-            <p:cNvPr id="35" name="Straight Connector 34">
-              <a:extLst>
-                <a:ext uri="{FF2B5EF4-FFF2-40B4-BE49-F238E27FC236}">
-                  <a16:creationId xmlns:a16="http://schemas.microsoft.com/office/drawing/2014/main" id="{89D3AF69-C4F1-5F0F-F34C-F3430C4ADBF3}"/>
-                </a:ext>
-              </a:extLst>
-            </p:cNvPr>
-            <p:cNvCxnSpPr>
-              <a:cxnSpLocks/>
-            </p:cNvCxnSpPr>
-            <p:nvPr/>
-          </p:nvCxnSpPr>
-          <p:spPr>
-            <a:xfrm>
-              <a:off x="9281160" y="5505450"/>
-              <a:ext cx="674370" cy="0"/>
-            </a:xfrm>
-            <a:prstGeom prst="line">
-              <a:avLst/>
-            </a:prstGeom>
-            <a:ln w="53975">
-              <a:solidFill>
-                <a:srgbClr val="FF0000"/>
-              </a:solidFill>
-            </a:ln>
-          </p:spPr>
-          <p:style>
-            <a:lnRef idx="1">
-              <a:schemeClr val="accent1"/>
-            </a:lnRef>
-            <a:fillRef idx="0">
-              <a:schemeClr val="accent1"/>
-            </a:fillRef>
-            <a:effectRef idx="0">
-              <a:schemeClr val="accent1"/>
-            </a:effectRef>
-            <a:fontRef idx="minor">
-              <a:schemeClr val="tx1"/>
-            </a:fontRef>
-          </p:style>
-        </p:cxnSp>
-      </p:grpSp>
-    </p:spTree>
-    <p:extLst>
-      <p:ext uri="{BB962C8B-B14F-4D97-AF65-F5344CB8AC3E}">
-        <p14:creationId xmlns:p14="http://schemas.microsoft.com/office/powerpoint/2010/main" val="4290165803"/>
-      </p:ext>
-    </p:extLst>
-  </p:cSld>
-  <p:clrMapOvr>
-    <a:masterClrMapping/>
-  </p:clrMapOvr>
-  <p:timing>
-    <p:tnLst>
-      <p:par>
-        <p:cTn id="1" dur="indefinite" restart="never" nodeType="tmRoot">
-          <p:childTnLst>
-            <p:seq concurrent="1" nextAc="seek">
-              <p:cTn id="2" dur="indefinite" nodeType="mainSeq">
-                <p:childTnLst>
-                  <p:par>
-                    <p:cTn id="3" fill="hold">
-                      <p:stCondLst>
-                        <p:cond delay="indefinite"/>
-                      </p:stCondLst>
-                      <p:childTnLst>
-                        <p:par>
-                          <p:cTn id="4" fill="hold">
-                            <p:stCondLst>
-                              <p:cond delay="0"/>
-                            </p:stCondLst>
-                            <p:childTnLst>
-                              <p:par>
-                                <p:cTn id="5" presetID="1" presetClass="entr" presetSubtype="0" fill="hold" nodeType="clickEffect">
-                                  <p:stCondLst>
-                                    <p:cond delay="0"/>
-                                  </p:stCondLst>
-                                  <p:childTnLst>
-                                    <p:set>
-                                      <p:cBhvr>
-                                        <p:cTn id="6" dur="1" fill="hold">
-                                          <p:stCondLst>
-                                            <p:cond delay="0"/>
-                                          </p:stCondLst>
-                                        </p:cTn>
-                                        <p:tgtEl>
-                                          <p:spTgt spid="14"/>
-                                        </p:tgtEl>
-                                        <p:attrNameLst>
-                                          <p:attrName>style.visibility</p:attrName>
-                                        </p:attrNameLst>
-                                      </p:cBhvr>
-                                      <p:to>
-                                        <p:strVal val="visible"/>
-                                      </p:to>
-                                    </p:set>
-                                  </p:childTnLst>
-                                </p:cTn>
-                              </p:par>
-                            </p:childTnLst>
-                          </p:cTn>
-                        </p:par>
-                      </p:childTnLst>
-                    </p:cTn>
-                  </p:par>
-                  <p:par>
-                    <p:cTn id="7" fill="hold">
-                      <p:stCondLst>
-                        <p:cond delay="indefinite"/>
-                      </p:stCondLst>
-                      <p:childTnLst>
-                        <p:par>
-                          <p:cTn id="8" fill="hold">
-                            <p:stCondLst>
-                              <p:cond delay="0"/>
-                            </p:stCondLst>
-                            <p:childTnLst>
-                              <p:par>
-                                <p:cTn id="9" presetID="1" presetClass="entr" presetSubtype="0" fill="hold" grpId="0" nodeType="clickEffect">
-                                  <p:stCondLst>
-                                    <p:cond delay="0"/>
-                                  </p:stCondLst>
-                                  <p:childTnLst>
-                                    <p:set>
-                                      <p:cBhvr>
-                                        <p:cTn id="10" dur="1" fill="hold">
-                                          <p:stCondLst>
-                                            <p:cond delay="0"/>
-                                          </p:stCondLst>
-                                        </p:cTn>
-                                        <p:tgtEl>
-                                          <p:spTgt spid="15"/>
-                                        </p:tgtEl>
-                                        <p:attrNameLst>
-                                          <p:attrName>style.visibility</p:attrName>
-                                        </p:attrNameLst>
-                                      </p:cBhvr>
-                                      <p:to>
-                                        <p:strVal val="visible"/>
-                                      </p:to>
-                                    </p:set>
-                                  </p:childTnLst>
-                                </p:cTn>
-                              </p:par>
-                            </p:childTnLst>
-                          </p:cTn>
-                        </p:par>
-                      </p:childTnLst>
-                    </p:cTn>
-                  </p:par>
-                  <p:par>
-                    <p:cTn id="11" fill="hold">
-                      <p:stCondLst>
-                        <p:cond delay="indefinite"/>
-                      </p:stCondLst>
-                      <p:childTnLst>
-                        <p:par>
-                          <p:cTn id="12" fill="hold">
-                            <p:stCondLst>
-                              <p:cond delay="0"/>
-                            </p:stCondLst>
-                            <p:childTnLst>
-                              <p:par>
-                                <p:cTn id="13" presetID="1" presetClass="entr" presetSubtype="0" fill="hold" nodeType="clickEffect">
-                                  <p:stCondLst>
-                                    <p:cond delay="0"/>
-                                  </p:stCondLst>
-                                  <p:childTnLst>
-                                    <p:set>
-                                      <p:cBhvr>
-                                        <p:cTn id="14" dur="1" fill="hold">
-                                          <p:stCondLst>
-                                            <p:cond delay="0"/>
-                                          </p:stCondLst>
-                                        </p:cTn>
-                                        <p:tgtEl>
-                                          <p:spTgt spid="17"/>
-                                        </p:tgtEl>
-                                        <p:attrNameLst>
-                                          <p:attrName>style.visibility</p:attrName>
-                                        </p:attrNameLst>
-                                      </p:cBhvr>
-                                      <p:to>
-                                        <p:strVal val="visible"/>
-                                      </p:to>
-                                    </p:set>
-                                  </p:childTnLst>
-                                </p:cTn>
-                              </p:par>
-                            </p:childTnLst>
-                          </p:cTn>
-                        </p:par>
-                      </p:childTnLst>
-                    </p:cTn>
-                  </p:par>
-                  <p:par>
-                    <p:cTn id="15" fill="hold">
-                      <p:stCondLst>
-                        <p:cond delay="indefinite"/>
-                      </p:stCondLst>
-                      <p:childTnLst>
-                        <p:par>
-                          <p:cTn id="16" fill="hold">
-                            <p:stCondLst>
-                              <p:cond delay="0"/>
-                            </p:stCondLst>
-                            <p:childTnLst>
-                              <p:par>
-                                <p:cTn id="17" presetID="1" presetClass="entr" presetSubtype="0" fill="hold" grpId="0" nodeType="clickEffect">
-                                  <p:stCondLst>
-                                    <p:cond delay="0"/>
-                                  </p:stCondLst>
-                                  <p:childTnLst>
-                                    <p:set>
-                                      <p:cBhvr>
-                                        <p:cTn id="18" dur="1" fill="hold">
-                                          <p:stCondLst>
-                                            <p:cond delay="0"/>
-                                          </p:stCondLst>
-                                        </p:cTn>
-                                        <p:tgtEl>
-                                          <p:spTgt spid="18"/>
-                                        </p:tgtEl>
-                                        <p:attrNameLst>
-                                          <p:attrName>style.visibility</p:attrName>
-                                        </p:attrNameLst>
-                                      </p:cBhvr>
-                                      <p:to>
-                                        <p:strVal val="visible"/>
-                                      </p:to>
-                                    </p:set>
-                                  </p:childTnLst>
-                                </p:cTn>
-                              </p:par>
-                            </p:childTnLst>
-                          </p:cTn>
-                        </p:par>
-                      </p:childTnLst>
-                    </p:cTn>
-                  </p:par>
-                  <p:par>
-                    <p:cTn id="19" fill="hold">
-                      <p:stCondLst>
-                        <p:cond delay="indefinite"/>
-                      </p:stCondLst>
-                      <p:childTnLst>
-                        <p:par>
-                          <p:cTn id="20" fill="hold">
-                            <p:stCondLst>
-                              <p:cond delay="0"/>
-                            </p:stCondLst>
-                            <p:childTnLst>
-                              <p:par>
-                                <p:cTn id="21" presetID="1" presetClass="entr" presetSubtype="0" fill="hold" nodeType="clickEffect">
-                                  <p:stCondLst>
-                                    <p:cond delay="0"/>
-                                  </p:stCondLst>
-                                  <p:childTnLst>
-                                    <p:set>
-                                      <p:cBhvr>
-                                        <p:cTn id="22" dur="1" fill="hold">
-                                          <p:stCondLst>
-                                            <p:cond delay="0"/>
-                                          </p:stCondLst>
-                                        </p:cTn>
-                                        <p:tgtEl>
-                                          <p:spTgt spid="20"/>
-                                        </p:tgtEl>
-                                        <p:attrNameLst>
-                                          <p:attrName>style.visibility</p:attrName>
-                                        </p:attrNameLst>
-                                      </p:cBhvr>
-                                      <p:to>
-                                        <p:strVal val="visible"/>
-                                      </p:to>
-                                    </p:set>
-                                  </p:childTnLst>
-                                </p:cTn>
-                              </p:par>
-                            </p:childTnLst>
-                          </p:cTn>
-                        </p:par>
-                      </p:childTnLst>
-                    </p:cTn>
-                  </p:par>
-                  <p:par>
-                    <p:cTn id="23" fill="hold">
-                      <p:stCondLst>
-                        <p:cond delay="indefinite"/>
-                      </p:stCondLst>
-                      <p:childTnLst>
-                        <p:par>
-                          <p:cTn id="24" fill="hold">
-                            <p:stCondLst>
-                              <p:cond delay="0"/>
-                            </p:stCondLst>
-                            <p:childTnLst>
-                              <p:par>
-                                <p:cTn id="25" presetID="1" presetClass="entr" presetSubtype="0" fill="hold" nodeType="clickEffect">
-                                  <p:stCondLst>
-                                    <p:cond delay="0"/>
-                                  </p:stCondLst>
-                                  <p:childTnLst>
-                                    <p:set>
-                                      <p:cBhvr>
-                                        <p:cTn id="26" dur="1" fill="hold">
-                                          <p:stCondLst>
-                                            <p:cond delay="0"/>
-                                          </p:stCondLst>
-                                        </p:cTn>
-                                        <p:tgtEl>
-                                          <p:spTgt spid="39"/>
-                                        </p:tgtEl>
-                                        <p:attrNameLst>
-                                          <p:attrName>style.visibility</p:attrName>
-                                        </p:attrNameLst>
-                                      </p:cBhvr>
-                                      <p:to>
-                                        <p:strVal val="visible"/>
-                                      </p:to>
-                                    </p:set>
-                                  </p:childTnLst>
-                                </p:cTn>
-                              </p:par>
-                            </p:childTnLst>
-                          </p:cTn>
-                        </p:par>
-                      </p:childTnLst>
-                    </p:cTn>
-                  </p:par>
-                </p:childTnLst>
-              </p:cTn>
-              <p:prevCondLst>
-                <p:cond evt="onPrev" delay="0">
-                  <p:tgtEl>
-                    <p:sldTgt/>
-                  </p:tgtEl>
-                </p:cond>
-              </p:prevCondLst>
-              <p:nextCondLst>
-                <p:cond evt="onNext" delay="0">
-                  <p:tgtEl>
-                    <p:sldTgt/>
-                  </p:tgtEl>
-                </p:cond>
-              </p:nextCondLst>
-            </p:seq>
-          </p:childTnLst>
-        </p:cTn>
-      </p:par>
-    </p:tnLst>
-    <p:bldLst>
-      <p:bldP spid="15" grpId="0"/>
-      <p:bldP spid="18" grpId="0"/>
-    </p:bldLst>
-  </p:timing>
-</p:sld>
-</file>
-
-<file path=ppt/slides/slide14.xml><?xml version="1.0" encoding="utf-8"?>
-<p:sld xmlns:a="http://schemas.openxmlformats.org/drawingml/2006/main" xmlns:r="http://schemas.openxmlformats.org/officeDocument/2006/relationships" xmlns:p="http://schemas.openxmlformats.org/presentationml/2006/main">
-  <p:cSld>
-    <p:spTree>
-      <p:nvGrpSpPr>
-        <p:cNvPr id="1" name=""/>
-        <p:cNvGrpSpPr/>
-        <p:nvPr/>
-      </p:nvGrpSpPr>
-      <p:grpSpPr>
-        <a:xfrm>
-          <a:off x="0" y="0"/>
-          <a:ext cx="0" cy="0"/>
-          <a:chOff x="0" y="0"/>
-          <a:chExt cx="0" cy="0"/>
-        </a:xfrm>
-      </p:grpSpPr>
-      <p:sp>
-        <p:nvSpPr>
-          <p:cNvPr id="2" name="Title 1">
-            <a:extLst>
-              <a:ext uri="{FF2B5EF4-FFF2-40B4-BE49-F238E27FC236}">
-                <a16:creationId xmlns:a16="http://schemas.microsoft.com/office/drawing/2014/main" id="{69E5335F-BD36-FF60-9589-F69DED5C8CF2}"/>
-              </a:ext>
-            </a:extLst>
-          </p:cNvPr>
-          <p:cNvSpPr>
-            <a:spLocks noGrp="1"/>
-          </p:cNvSpPr>
-          <p:nvPr>
-            <p:ph type="title"/>
-          </p:nvPr>
-        </p:nvSpPr>
-        <p:spPr>
-          <a:xfrm>
-            <a:off x="838200" y="973848"/>
-            <a:ext cx="10515600" cy="1600937"/>
-          </a:xfrm>
-        </p:spPr>
-        <p:txBody>
-          <a:bodyPr>
-            <a:normAutofit fontScale="90000"/>
-          </a:bodyPr>
-          <a:lstStyle/>
-          <a:p>
-            <a:r>
-              <a:rPr lang="en-US" sz="4000" dirty="0">
-                <a:solidFill>
-                  <a:srgbClr val="FF00FF"/>
-                </a:solidFill>
-                <a:latin typeface="Consolas" panose="020B0609020204030204" pitchFamily="49" charset="0"/>
-              </a:rPr>
-              <a:t>LEN</a:t>
-            </a:r>
-            <a:r>
-              <a:rPr lang="en-US" sz="4000" dirty="0">
-                <a:solidFill>
-                  <a:srgbClr val="808080"/>
-                </a:solidFill>
-                <a:latin typeface="Consolas" panose="020B0609020204030204" pitchFamily="49" charset="0"/>
-              </a:rPr>
-              <a:t>(</a:t>
-            </a:r>
-            <a:r>
-              <a:rPr lang="en-US" sz="4000" dirty="0" err="1">
-                <a:solidFill>
-                  <a:srgbClr val="000000"/>
-                </a:solidFill>
-                <a:latin typeface="Consolas" panose="020B0609020204030204" pitchFamily="49" charset="0"/>
-              </a:rPr>
-              <a:t>stringable</a:t>
-            </a:r>
-            <a:r>
-              <a:rPr lang="en-US" sz="4000" dirty="0">
-                <a:solidFill>
-                  <a:srgbClr val="808080"/>
-                </a:solidFill>
-                <a:latin typeface="Consolas" panose="020B0609020204030204" pitchFamily="49" charset="0"/>
-              </a:rPr>
-              <a:t>)</a:t>
-            </a:r>
-            <a:br>
-              <a:rPr lang="en-US" sz="4000" dirty="0">
-                <a:solidFill>
-                  <a:srgbClr val="808080"/>
-                </a:solidFill>
-                <a:latin typeface="Consolas" panose="020B0609020204030204" pitchFamily="49" charset="0"/>
-              </a:rPr>
-            </a:br>
-            <a:br>
-              <a:rPr lang="en-US" sz="4000" dirty="0">
-                <a:solidFill>
-                  <a:srgbClr val="808080"/>
-                </a:solidFill>
-                <a:latin typeface="Consolas" panose="020B0609020204030204" pitchFamily="49" charset="0"/>
-              </a:rPr>
-            </a:br>
-            <a:endParaRPr lang="en-US" sz="4000" dirty="0"/>
-          </a:p>
-        </p:txBody>
-      </p:sp>
-      <p:sp>
-        <p:nvSpPr>
-          <p:cNvPr id="8" name="TextBox 7">
-            <a:extLst>
-              <a:ext uri="{FF2B5EF4-FFF2-40B4-BE49-F238E27FC236}">
-                <a16:creationId xmlns:a16="http://schemas.microsoft.com/office/drawing/2014/main" id="{15108306-61A7-99A8-A8D9-223375198AF0}"/>
-              </a:ext>
-            </a:extLst>
-          </p:cNvPr>
-          <p:cNvSpPr txBox="1"/>
-          <p:nvPr/>
-        </p:nvSpPr>
-        <p:spPr>
-          <a:xfrm>
-            <a:off x="960120" y="2983230"/>
-            <a:ext cx="3257550" cy="1323439"/>
-          </a:xfrm>
-          <a:prstGeom prst="rect">
-            <a:avLst/>
-          </a:prstGeom>
-          <a:noFill/>
-        </p:spPr>
-        <p:txBody>
-          <a:bodyPr wrap="square" rtlCol="0">
-            <a:spAutoFit/>
-          </a:bodyPr>
-          <a:lstStyle/>
-          <a:p>
-            <a:r>
-              <a:rPr lang="en-US" sz="1600" b="1" dirty="0">
-                <a:solidFill>
-                  <a:srgbClr val="0000FF"/>
-                </a:solidFill>
-                <a:latin typeface="Consolas" panose="020B0609020204030204" pitchFamily="49" charset="0"/>
-              </a:rPr>
-              <a:t>DECLARE</a:t>
-            </a:r>
-            <a:r>
-              <a:rPr lang="en-US" sz="1600" b="1" dirty="0">
-                <a:solidFill>
-                  <a:srgbClr val="000000"/>
-                </a:solidFill>
-                <a:latin typeface="Consolas" panose="020B0609020204030204" pitchFamily="49" charset="0"/>
-              </a:rPr>
-              <a:t> @_value </a:t>
-            </a:r>
-          </a:p>
-          <a:p>
-            <a:r>
-              <a:rPr lang="en-US" sz="1600" b="1" dirty="0">
-                <a:solidFill>
-                  <a:srgbClr val="000000"/>
-                </a:solidFill>
-                <a:latin typeface="Consolas" panose="020B0609020204030204" pitchFamily="49" charset="0"/>
-              </a:rPr>
-              <a:t>   </a:t>
-            </a:r>
-            <a:r>
-              <a:rPr lang="en-US" sz="1600" b="1" dirty="0">
-                <a:solidFill>
-                  <a:srgbClr val="0000FF"/>
-                </a:solidFill>
-                <a:latin typeface="Consolas" panose="020B0609020204030204" pitchFamily="49" charset="0"/>
-              </a:rPr>
-              <a:t>varchar</a:t>
-            </a:r>
-            <a:r>
-              <a:rPr lang="en-US" sz="1600" b="1" dirty="0">
-                <a:solidFill>
-                  <a:srgbClr val="808080"/>
-                </a:solidFill>
-                <a:latin typeface="Consolas" panose="020B0609020204030204" pitchFamily="49" charset="0"/>
-              </a:rPr>
-              <a:t>(</a:t>
-            </a:r>
-            <a:r>
-              <a:rPr lang="en-US" sz="1600" b="1" dirty="0">
-                <a:solidFill>
-                  <a:srgbClr val="000000"/>
-                </a:solidFill>
-                <a:latin typeface="Consolas" panose="020B0609020204030204" pitchFamily="49" charset="0"/>
-              </a:rPr>
-              <a:t>20</a:t>
-            </a:r>
-            <a:r>
-              <a:rPr lang="en-US" sz="1600" b="1" dirty="0">
-                <a:solidFill>
-                  <a:srgbClr val="808080"/>
-                </a:solidFill>
-                <a:latin typeface="Consolas" panose="020B0609020204030204" pitchFamily="49" charset="0"/>
-              </a:rPr>
-              <a:t>)</a:t>
-            </a:r>
-            <a:r>
-              <a:rPr lang="en-US" sz="1600" b="1" dirty="0">
-                <a:solidFill>
-                  <a:srgbClr val="000000"/>
-                </a:solidFill>
-                <a:latin typeface="Consolas" panose="020B0609020204030204" pitchFamily="49" charset="0"/>
-              </a:rPr>
-              <a:t> </a:t>
-            </a:r>
-            <a:r>
-              <a:rPr lang="en-US" sz="1600" b="1" dirty="0">
-                <a:solidFill>
-                  <a:srgbClr val="808080"/>
-                </a:solidFill>
-                <a:latin typeface="Consolas" panose="020B0609020204030204" pitchFamily="49" charset="0"/>
-              </a:rPr>
-              <a:t>=</a:t>
-            </a:r>
-            <a:r>
-              <a:rPr lang="en-US" sz="1600" b="1" dirty="0">
-                <a:solidFill>
-                  <a:srgbClr val="000000"/>
-                </a:solidFill>
-                <a:latin typeface="Consolas" panose="020B0609020204030204" pitchFamily="49" charset="0"/>
-              </a:rPr>
-              <a:t> </a:t>
-            </a:r>
-            <a:r>
-              <a:rPr lang="en-US" sz="1600" b="1" dirty="0">
-                <a:solidFill>
-                  <a:srgbClr val="FF0000"/>
-                </a:solidFill>
-                <a:latin typeface="Consolas" panose="020B0609020204030204" pitchFamily="49" charset="0"/>
-              </a:rPr>
-              <a:t>'hello'</a:t>
-            </a:r>
-            <a:endParaRPr lang="en-US" sz="1600" b="1" dirty="0">
-              <a:solidFill>
-                <a:srgbClr val="000000"/>
-              </a:solidFill>
-              <a:latin typeface="Consolas" panose="020B0609020204030204" pitchFamily="49" charset="0"/>
-            </a:endParaRPr>
-          </a:p>
-          <a:p>
-            <a:endParaRPr lang="en-US" sz="1600" b="1" dirty="0">
-              <a:solidFill>
-                <a:srgbClr val="000000"/>
-              </a:solidFill>
-              <a:latin typeface="Consolas" panose="020B0609020204030204" pitchFamily="49" charset="0"/>
-            </a:endParaRPr>
-          </a:p>
-          <a:p>
-            <a:r>
-              <a:rPr lang="en-US" sz="1600" b="1" dirty="0">
-                <a:solidFill>
-                  <a:srgbClr val="0000FF"/>
-                </a:solidFill>
-                <a:latin typeface="Consolas" panose="020B0609020204030204" pitchFamily="49" charset="0"/>
-              </a:rPr>
-              <a:t>PRINT</a:t>
-            </a:r>
-            <a:r>
-              <a:rPr lang="en-US" sz="1600" b="1" dirty="0">
-                <a:solidFill>
-                  <a:srgbClr val="000000"/>
-                </a:solidFill>
-                <a:latin typeface="Consolas" panose="020B0609020204030204" pitchFamily="49" charset="0"/>
-              </a:rPr>
-              <a:t> </a:t>
-            </a:r>
-            <a:r>
-              <a:rPr lang="en-US" sz="1600" b="1" dirty="0">
-                <a:solidFill>
-                  <a:srgbClr val="FF00FF"/>
-                </a:solidFill>
-                <a:latin typeface="Consolas" panose="020B0609020204030204" pitchFamily="49" charset="0"/>
-              </a:rPr>
-              <a:t>LEN</a:t>
-            </a:r>
-            <a:r>
-              <a:rPr lang="en-US" sz="1600" b="1" dirty="0">
-                <a:solidFill>
-                  <a:srgbClr val="808080"/>
-                </a:solidFill>
-                <a:latin typeface="Consolas" panose="020B0609020204030204" pitchFamily="49" charset="0"/>
-              </a:rPr>
-              <a:t>(</a:t>
-            </a:r>
-            <a:r>
-              <a:rPr lang="en-US" sz="1600" b="1" dirty="0">
-                <a:solidFill>
-                  <a:srgbClr val="000000"/>
-                </a:solidFill>
-                <a:latin typeface="Consolas" panose="020B0609020204030204" pitchFamily="49" charset="0"/>
-              </a:rPr>
-              <a:t>@_value</a:t>
-            </a:r>
-            <a:r>
-              <a:rPr lang="en-US" sz="1600" b="1" dirty="0">
-                <a:solidFill>
-                  <a:srgbClr val="808080"/>
-                </a:solidFill>
-                <a:latin typeface="Consolas" panose="020B0609020204030204" pitchFamily="49" charset="0"/>
-              </a:rPr>
-              <a:t>)</a:t>
-            </a:r>
-            <a:endParaRPr lang="en-US" sz="1600" b="1" dirty="0">
-              <a:solidFill>
-                <a:srgbClr val="000000"/>
-              </a:solidFill>
-              <a:latin typeface="Consolas" panose="020B0609020204030204" pitchFamily="49" charset="0"/>
-            </a:endParaRPr>
-          </a:p>
-          <a:p>
-            <a:r>
-              <a:rPr lang="en-US" sz="1600" b="1" dirty="0">
-                <a:solidFill>
-                  <a:srgbClr val="0000FF"/>
-                </a:solidFill>
-                <a:highlight>
-                  <a:srgbClr val="FFFF00"/>
-                </a:highlight>
-                <a:latin typeface="Consolas" panose="020B0609020204030204" pitchFamily="49" charset="0"/>
-              </a:rPr>
-              <a:t>PRINT</a:t>
-            </a:r>
-            <a:r>
-              <a:rPr lang="en-US" sz="1600" b="1" dirty="0">
-                <a:solidFill>
-                  <a:srgbClr val="000000"/>
-                </a:solidFill>
-                <a:highlight>
-                  <a:srgbClr val="FFFF00"/>
-                </a:highlight>
-                <a:latin typeface="Consolas" panose="020B0609020204030204" pitchFamily="49" charset="0"/>
-              </a:rPr>
-              <a:t> </a:t>
-            </a:r>
-            <a:r>
-              <a:rPr lang="en-US" sz="1600" b="1" dirty="0">
-                <a:solidFill>
-                  <a:srgbClr val="FF00FF"/>
-                </a:solidFill>
-                <a:highlight>
-                  <a:srgbClr val="FFFF00"/>
-                </a:highlight>
-                <a:latin typeface="Consolas" panose="020B0609020204030204" pitchFamily="49" charset="0"/>
-              </a:rPr>
-              <a:t>LEN</a:t>
-            </a:r>
-            <a:r>
-              <a:rPr lang="en-US" sz="1600" b="1" dirty="0">
-                <a:solidFill>
-                  <a:srgbClr val="808080"/>
-                </a:solidFill>
-                <a:highlight>
-                  <a:srgbClr val="FFFF00"/>
-                </a:highlight>
-                <a:latin typeface="Consolas" panose="020B0609020204030204" pitchFamily="49" charset="0"/>
-              </a:rPr>
-              <a:t>(</a:t>
-            </a:r>
-            <a:r>
-              <a:rPr lang="en-US" sz="1600" b="1" dirty="0">
-                <a:solidFill>
-                  <a:srgbClr val="000000"/>
-                </a:solidFill>
-                <a:highlight>
-                  <a:srgbClr val="FFFF00"/>
-                </a:highlight>
-                <a:latin typeface="Consolas" panose="020B0609020204030204" pitchFamily="49" charset="0"/>
-              </a:rPr>
-              <a:t>@_value </a:t>
-            </a:r>
-            <a:r>
-              <a:rPr lang="en-US" sz="1600" b="1" dirty="0">
-                <a:solidFill>
-                  <a:srgbClr val="808080"/>
-                </a:solidFill>
-                <a:highlight>
-                  <a:srgbClr val="FFFF00"/>
-                </a:highlight>
-                <a:latin typeface="Consolas" panose="020B0609020204030204" pitchFamily="49" charset="0"/>
-              </a:rPr>
-              <a:t>+</a:t>
-            </a:r>
-            <a:r>
-              <a:rPr lang="en-US" sz="1600" b="1" dirty="0">
-                <a:solidFill>
-                  <a:srgbClr val="000000"/>
-                </a:solidFill>
-                <a:highlight>
-                  <a:srgbClr val="FFFF00"/>
-                </a:highlight>
-                <a:latin typeface="Consolas" panose="020B0609020204030204" pitchFamily="49" charset="0"/>
-              </a:rPr>
-              <a:t> </a:t>
-            </a:r>
-            <a:r>
-              <a:rPr lang="en-US" sz="1600" b="1" dirty="0">
-                <a:solidFill>
-                  <a:srgbClr val="FF0000"/>
-                </a:solidFill>
-                <a:highlight>
-                  <a:srgbClr val="FFFF00"/>
-                </a:highlight>
-                <a:latin typeface="Consolas" panose="020B0609020204030204" pitchFamily="49" charset="0"/>
-              </a:rPr>
-              <a:t>'#'</a:t>
-            </a:r>
-            <a:r>
-              <a:rPr lang="en-US" sz="1600" b="1" dirty="0">
-                <a:solidFill>
-                  <a:srgbClr val="808080"/>
-                </a:solidFill>
-                <a:highlight>
-                  <a:srgbClr val="FFFF00"/>
-                </a:highlight>
-                <a:latin typeface="Consolas" panose="020B0609020204030204" pitchFamily="49" charset="0"/>
-              </a:rPr>
-              <a:t>)</a:t>
-            </a:r>
-            <a:r>
-              <a:rPr lang="en-US" sz="1600" b="1" dirty="0">
-                <a:solidFill>
-                  <a:srgbClr val="000000"/>
-                </a:solidFill>
-                <a:highlight>
-                  <a:srgbClr val="FFFF00"/>
-                </a:highlight>
-                <a:latin typeface="Consolas" panose="020B0609020204030204" pitchFamily="49" charset="0"/>
-              </a:rPr>
-              <a:t> </a:t>
-            </a:r>
-            <a:r>
-              <a:rPr lang="en-US" sz="1600" b="1" dirty="0">
-                <a:solidFill>
-                  <a:srgbClr val="808080"/>
-                </a:solidFill>
-                <a:highlight>
-                  <a:srgbClr val="FFFF00"/>
-                </a:highlight>
-                <a:latin typeface="Consolas" panose="020B0609020204030204" pitchFamily="49" charset="0"/>
-              </a:rPr>
-              <a:t>-</a:t>
-            </a:r>
-            <a:r>
-              <a:rPr lang="en-US" sz="1600" b="1" dirty="0">
-                <a:solidFill>
-                  <a:srgbClr val="000000"/>
-                </a:solidFill>
-                <a:highlight>
-                  <a:srgbClr val="FFFF00"/>
-                </a:highlight>
-                <a:latin typeface="Consolas" panose="020B0609020204030204" pitchFamily="49" charset="0"/>
-              </a:rPr>
-              <a:t>1</a:t>
-            </a:r>
-            <a:endParaRPr lang="en-US" sz="1600" b="1" dirty="0">
-              <a:highlight>
-                <a:srgbClr val="FFFF00"/>
-              </a:highlight>
-            </a:endParaRPr>
-          </a:p>
-        </p:txBody>
-      </p:sp>
-      <p:pic>
-        <p:nvPicPr>
-          <p:cNvPr id="14" name="Picture 13">
-            <a:extLst>
-              <a:ext uri="{FF2B5EF4-FFF2-40B4-BE49-F238E27FC236}">
-                <a16:creationId xmlns:a16="http://schemas.microsoft.com/office/drawing/2014/main" id="{A639ED75-95D4-A1F7-F4E5-C575A4FD7A1A}"/>
-              </a:ext>
-            </a:extLst>
-          </p:cNvPr>
-          <p:cNvPicPr>
-            <a:picLocks noChangeAspect="1"/>
-          </p:cNvPicPr>
-          <p:nvPr/>
-        </p:nvPicPr>
-        <p:blipFill>
-          <a:blip r:embed="rId2"/>
-          <a:stretch>
-            <a:fillRect/>
-          </a:stretch>
-        </p:blipFill>
-        <p:spPr>
-          <a:xfrm>
-            <a:off x="1570782" y="4635816"/>
-            <a:ext cx="1524188" cy="1010603"/>
-          </a:xfrm>
-          <a:prstGeom prst="rect">
-            <a:avLst/>
-          </a:prstGeom>
-        </p:spPr>
-      </p:pic>
-      <p:sp>
-        <p:nvSpPr>
-          <p:cNvPr id="15" name="TextBox 14">
-            <a:extLst>
-              <a:ext uri="{FF2B5EF4-FFF2-40B4-BE49-F238E27FC236}">
-                <a16:creationId xmlns:a16="http://schemas.microsoft.com/office/drawing/2014/main" id="{EC6D3136-6FAF-2145-D38E-3A3A267EFD9E}"/>
-              </a:ext>
-            </a:extLst>
-          </p:cNvPr>
-          <p:cNvSpPr txBox="1"/>
-          <p:nvPr/>
-        </p:nvSpPr>
-        <p:spPr>
-          <a:xfrm>
-            <a:off x="4583430" y="2983230"/>
-            <a:ext cx="3497580" cy="1354217"/>
-          </a:xfrm>
-          <a:prstGeom prst="rect">
-            <a:avLst/>
-          </a:prstGeom>
-          <a:noFill/>
-        </p:spPr>
-        <p:txBody>
-          <a:bodyPr wrap="square" rtlCol="0">
-            <a:spAutoFit/>
-          </a:bodyPr>
-          <a:lstStyle/>
-          <a:p>
-            <a:r>
-              <a:rPr lang="en-US" sz="1600" b="1" dirty="0">
-                <a:solidFill>
-                  <a:srgbClr val="0000FF"/>
-                </a:solidFill>
-                <a:latin typeface="Consolas" panose="020B0609020204030204" pitchFamily="49" charset="0"/>
-              </a:rPr>
-              <a:t>DECLARE</a:t>
-            </a:r>
-            <a:r>
-              <a:rPr lang="en-US" sz="1600" b="1" dirty="0">
-                <a:solidFill>
-                  <a:srgbClr val="000000"/>
-                </a:solidFill>
-                <a:latin typeface="Consolas" panose="020B0609020204030204" pitchFamily="49" charset="0"/>
-              </a:rPr>
-              <a:t> @_value </a:t>
-            </a:r>
-          </a:p>
-          <a:p>
-            <a:r>
-              <a:rPr lang="en-US" sz="1600" b="1" dirty="0">
-                <a:solidFill>
-                  <a:srgbClr val="000000"/>
-                </a:solidFill>
-                <a:latin typeface="Consolas" panose="020B0609020204030204" pitchFamily="49" charset="0"/>
-              </a:rPr>
-              <a:t>   </a:t>
-            </a:r>
-            <a:r>
-              <a:rPr lang="en-US" sz="1600" b="1" dirty="0">
-                <a:solidFill>
-                  <a:srgbClr val="0000FF"/>
-                </a:solidFill>
-                <a:latin typeface="Consolas" panose="020B0609020204030204" pitchFamily="49" charset="0"/>
-              </a:rPr>
-              <a:t>varchar</a:t>
-            </a:r>
-            <a:r>
-              <a:rPr lang="en-US" sz="1600" b="1" dirty="0">
-                <a:solidFill>
-                  <a:srgbClr val="808080"/>
-                </a:solidFill>
-                <a:latin typeface="Consolas" panose="020B0609020204030204" pitchFamily="49" charset="0"/>
-              </a:rPr>
-              <a:t>(</a:t>
-            </a:r>
-            <a:r>
-              <a:rPr lang="en-US" sz="1600" b="1" dirty="0">
-                <a:solidFill>
-                  <a:srgbClr val="000000"/>
-                </a:solidFill>
-                <a:latin typeface="Consolas" panose="020B0609020204030204" pitchFamily="49" charset="0"/>
-              </a:rPr>
-              <a:t>20</a:t>
-            </a:r>
-            <a:r>
-              <a:rPr lang="en-US" sz="1600" b="1" dirty="0">
-                <a:solidFill>
-                  <a:srgbClr val="808080"/>
-                </a:solidFill>
-                <a:latin typeface="Consolas" panose="020B0609020204030204" pitchFamily="49" charset="0"/>
-              </a:rPr>
-              <a:t>)</a:t>
-            </a:r>
-            <a:r>
-              <a:rPr lang="en-US" sz="1600" b="1" dirty="0">
-                <a:solidFill>
-                  <a:srgbClr val="000000"/>
-                </a:solidFill>
-                <a:latin typeface="Consolas" panose="020B0609020204030204" pitchFamily="49" charset="0"/>
-              </a:rPr>
-              <a:t> </a:t>
-            </a:r>
-            <a:r>
-              <a:rPr lang="en-US" sz="1600" b="1" dirty="0">
-                <a:solidFill>
-                  <a:srgbClr val="808080"/>
-                </a:solidFill>
-                <a:latin typeface="Consolas" panose="020B0609020204030204" pitchFamily="49" charset="0"/>
-              </a:rPr>
-              <a:t>=</a:t>
-            </a:r>
-            <a:r>
-              <a:rPr lang="en-US" sz="1600" b="1" dirty="0">
-                <a:solidFill>
-                  <a:srgbClr val="000000"/>
-                </a:solidFill>
-                <a:latin typeface="Consolas" panose="020B0609020204030204" pitchFamily="49" charset="0"/>
-              </a:rPr>
-              <a:t> </a:t>
-            </a:r>
-            <a:r>
-              <a:rPr lang="en-US" sz="1600" b="1" dirty="0">
-                <a:solidFill>
-                  <a:srgbClr val="FF00FF"/>
-                </a:solidFill>
-                <a:latin typeface="Consolas" panose="020B0609020204030204" pitchFamily="49" charset="0"/>
-              </a:rPr>
-              <a:t>SPACE</a:t>
-            </a:r>
-            <a:r>
-              <a:rPr lang="en-US" sz="1600" b="1" dirty="0">
-                <a:solidFill>
-                  <a:srgbClr val="808080"/>
-                </a:solidFill>
-                <a:latin typeface="Consolas" panose="020B0609020204030204" pitchFamily="49" charset="0"/>
-              </a:rPr>
-              <a:t>(</a:t>
-            </a:r>
-            <a:r>
-              <a:rPr lang="en-US" sz="1600" b="1" dirty="0">
-                <a:solidFill>
-                  <a:srgbClr val="000000"/>
-                </a:solidFill>
-                <a:latin typeface="Consolas" panose="020B0609020204030204" pitchFamily="49" charset="0"/>
-              </a:rPr>
-              <a:t>20</a:t>
-            </a:r>
-            <a:r>
-              <a:rPr lang="en-US" sz="1600" b="1" dirty="0">
-                <a:solidFill>
-                  <a:srgbClr val="808080"/>
-                </a:solidFill>
-                <a:latin typeface="Consolas" panose="020B0609020204030204" pitchFamily="49" charset="0"/>
-              </a:rPr>
-              <a:t>)</a:t>
-            </a:r>
-            <a:endParaRPr lang="en-US" sz="1600" b="1" dirty="0">
-              <a:solidFill>
-                <a:srgbClr val="000000"/>
-              </a:solidFill>
-              <a:latin typeface="Consolas" panose="020B0609020204030204" pitchFamily="49" charset="0"/>
-            </a:endParaRPr>
-          </a:p>
-          <a:p>
-            <a:endParaRPr lang="en-US" sz="1600" b="1" dirty="0">
-              <a:solidFill>
-                <a:srgbClr val="000000"/>
-              </a:solidFill>
-              <a:latin typeface="Consolas" panose="020B0609020204030204" pitchFamily="49" charset="0"/>
-            </a:endParaRPr>
-          </a:p>
-          <a:p>
-            <a:r>
-              <a:rPr lang="en-US" sz="1600" b="1" dirty="0">
-                <a:solidFill>
-                  <a:srgbClr val="0000FF"/>
-                </a:solidFill>
-                <a:latin typeface="Consolas" panose="020B0609020204030204" pitchFamily="49" charset="0"/>
-              </a:rPr>
-              <a:t>PRINT</a:t>
-            </a:r>
-            <a:r>
-              <a:rPr lang="en-US" sz="1600" b="1" dirty="0">
-                <a:solidFill>
-                  <a:srgbClr val="000000"/>
-                </a:solidFill>
-                <a:latin typeface="Consolas" panose="020B0609020204030204" pitchFamily="49" charset="0"/>
-              </a:rPr>
-              <a:t> </a:t>
-            </a:r>
-            <a:r>
-              <a:rPr lang="en-US" sz="1600" b="1" dirty="0">
-                <a:solidFill>
-                  <a:srgbClr val="FF00FF"/>
-                </a:solidFill>
-                <a:latin typeface="Consolas" panose="020B0609020204030204" pitchFamily="49" charset="0"/>
-              </a:rPr>
-              <a:t>LEN</a:t>
-            </a:r>
-            <a:r>
-              <a:rPr lang="en-US" sz="1600" b="1" dirty="0">
-                <a:solidFill>
-                  <a:srgbClr val="808080"/>
-                </a:solidFill>
-                <a:latin typeface="Consolas" panose="020B0609020204030204" pitchFamily="49" charset="0"/>
-              </a:rPr>
-              <a:t>(</a:t>
-            </a:r>
-            <a:r>
-              <a:rPr lang="en-US" sz="1600" b="1" dirty="0">
-                <a:solidFill>
-                  <a:srgbClr val="000000"/>
-                </a:solidFill>
-                <a:latin typeface="Consolas" panose="020B0609020204030204" pitchFamily="49" charset="0"/>
-              </a:rPr>
-              <a:t>@_value</a:t>
-            </a:r>
-            <a:r>
-              <a:rPr lang="en-US" sz="1600" b="1" dirty="0">
-                <a:solidFill>
-                  <a:srgbClr val="808080"/>
-                </a:solidFill>
-                <a:latin typeface="Consolas" panose="020B0609020204030204" pitchFamily="49" charset="0"/>
-              </a:rPr>
-              <a:t>)</a:t>
-            </a:r>
-            <a:endParaRPr lang="en-US" sz="1600" b="1" dirty="0">
-              <a:solidFill>
-                <a:srgbClr val="000000"/>
-              </a:solidFill>
-              <a:latin typeface="Consolas" panose="020B0609020204030204" pitchFamily="49" charset="0"/>
-            </a:endParaRPr>
-          </a:p>
-          <a:p>
-            <a:r>
-              <a:rPr lang="en-US" sz="1600" b="1" dirty="0">
-                <a:solidFill>
-                  <a:srgbClr val="0000FF"/>
-                </a:solidFill>
-                <a:highlight>
-                  <a:srgbClr val="FFFF00"/>
-                </a:highlight>
-                <a:latin typeface="Consolas" panose="020B0609020204030204" pitchFamily="49" charset="0"/>
-              </a:rPr>
-              <a:t>PRINT</a:t>
-            </a:r>
-            <a:r>
-              <a:rPr lang="en-US" sz="1600" b="1" dirty="0">
-                <a:solidFill>
-                  <a:srgbClr val="000000"/>
-                </a:solidFill>
-                <a:highlight>
-                  <a:srgbClr val="FFFF00"/>
-                </a:highlight>
-                <a:latin typeface="Consolas" panose="020B0609020204030204" pitchFamily="49" charset="0"/>
-              </a:rPr>
-              <a:t> </a:t>
-            </a:r>
-            <a:r>
-              <a:rPr lang="en-US" sz="1600" b="1" dirty="0">
-                <a:solidFill>
-                  <a:srgbClr val="FF00FF"/>
-                </a:solidFill>
-                <a:highlight>
-                  <a:srgbClr val="FFFF00"/>
-                </a:highlight>
-                <a:latin typeface="Consolas" panose="020B0609020204030204" pitchFamily="49" charset="0"/>
-              </a:rPr>
-              <a:t>LEN</a:t>
-            </a:r>
-            <a:r>
-              <a:rPr lang="en-US" sz="1600" b="1" dirty="0">
-                <a:solidFill>
-                  <a:srgbClr val="808080"/>
-                </a:solidFill>
-                <a:highlight>
-                  <a:srgbClr val="FFFF00"/>
-                </a:highlight>
-                <a:latin typeface="Consolas" panose="020B0609020204030204" pitchFamily="49" charset="0"/>
-              </a:rPr>
-              <a:t>(</a:t>
-            </a:r>
-            <a:r>
-              <a:rPr lang="en-US" sz="1600" b="1" dirty="0">
-                <a:solidFill>
-                  <a:srgbClr val="000000"/>
-                </a:solidFill>
-                <a:highlight>
-                  <a:srgbClr val="FFFF00"/>
-                </a:highlight>
-                <a:latin typeface="Consolas" panose="020B0609020204030204" pitchFamily="49" charset="0"/>
-              </a:rPr>
-              <a:t>@_value </a:t>
-            </a:r>
-            <a:r>
-              <a:rPr lang="en-US" sz="1600" b="1" dirty="0">
-                <a:solidFill>
-                  <a:srgbClr val="808080"/>
-                </a:solidFill>
-                <a:highlight>
-                  <a:srgbClr val="FFFF00"/>
-                </a:highlight>
-                <a:latin typeface="Consolas" panose="020B0609020204030204" pitchFamily="49" charset="0"/>
-              </a:rPr>
-              <a:t>+</a:t>
-            </a:r>
-            <a:r>
-              <a:rPr lang="en-US" sz="1600" b="1" dirty="0">
-                <a:solidFill>
-                  <a:srgbClr val="000000"/>
-                </a:solidFill>
-                <a:highlight>
-                  <a:srgbClr val="FFFF00"/>
-                </a:highlight>
-                <a:latin typeface="Consolas" panose="020B0609020204030204" pitchFamily="49" charset="0"/>
-              </a:rPr>
-              <a:t> </a:t>
-            </a:r>
-            <a:r>
-              <a:rPr lang="en-US" sz="1600" b="1" dirty="0">
-                <a:solidFill>
-                  <a:srgbClr val="FF0000"/>
-                </a:solidFill>
-                <a:highlight>
-                  <a:srgbClr val="FFFF00"/>
-                </a:highlight>
-                <a:latin typeface="Consolas" panose="020B0609020204030204" pitchFamily="49" charset="0"/>
-              </a:rPr>
-              <a:t>'#'</a:t>
-            </a:r>
-            <a:r>
-              <a:rPr lang="en-US" sz="1600" b="1" dirty="0">
-                <a:solidFill>
-                  <a:srgbClr val="808080"/>
-                </a:solidFill>
-                <a:highlight>
-                  <a:srgbClr val="FFFF00"/>
-                </a:highlight>
-                <a:latin typeface="Consolas" panose="020B0609020204030204" pitchFamily="49" charset="0"/>
-              </a:rPr>
-              <a:t>)</a:t>
-            </a:r>
-            <a:r>
-              <a:rPr lang="en-US" sz="1600" b="1" dirty="0">
-                <a:solidFill>
-                  <a:srgbClr val="000000"/>
-                </a:solidFill>
-                <a:highlight>
-                  <a:srgbClr val="FFFF00"/>
-                </a:highlight>
-                <a:latin typeface="Consolas" panose="020B0609020204030204" pitchFamily="49" charset="0"/>
-              </a:rPr>
-              <a:t> </a:t>
-            </a:r>
-            <a:r>
-              <a:rPr lang="en-US" sz="1600" b="1" dirty="0">
-                <a:solidFill>
-                  <a:srgbClr val="808080"/>
-                </a:solidFill>
-                <a:highlight>
-                  <a:srgbClr val="FFFF00"/>
-                </a:highlight>
-                <a:latin typeface="Consolas" panose="020B0609020204030204" pitchFamily="49" charset="0"/>
-              </a:rPr>
-              <a:t>-</a:t>
-            </a:r>
-            <a:r>
-              <a:rPr lang="en-US" sz="1600" b="1" dirty="0">
-                <a:solidFill>
-                  <a:srgbClr val="000000"/>
-                </a:solidFill>
-                <a:highlight>
-                  <a:srgbClr val="FFFF00"/>
-                </a:highlight>
-                <a:latin typeface="Consolas" panose="020B0609020204030204" pitchFamily="49" charset="0"/>
-              </a:rPr>
-              <a:t>1</a:t>
-            </a:r>
-            <a:endParaRPr lang="en-US" sz="1600" b="1" dirty="0">
-              <a:highlight>
-                <a:srgbClr val="FFFF00"/>
-              </a:highlight>
-            </a:endParaRPr>
-          </a:p>
-        </p:txBody>
-      </p:sp>
-      <p:sp>
-        <p:nvSpPr>
-          <p:cNvPr id="18" name="TextBox 17">
-            <a:extLst>
-              <a:ext uri="{FF2B5EF4-FFF2-40B4-BE49-F238E27FC236}">
-                <a16:creationId xmlns:a16="http://schemas.microsoft.com/office/drawing/2014/main" id="{A67B8AA2-A02A-13AA-1ECA-DF21D5B64205}"/>
-              </a:ext>
-            </a:extLst>
-          </p:cNvPr>
-          <p:cNvSpPr txBox="1"/>
-          <p:nvPr/>
-        </p:nvSpPr>
-        <p:spPr>
-          <a:xfrm>
-            <a:off x="8252460" y="2983230"/>
-            <a:ext cx="3257550" cy="1354217"/>
-          </a:xfrm>
-          <a:prstGeom prst="rect">
-            <a:avLst/>
-          </a:prstGeom>
-          <a:noFill/>
-        </p:spPr>
-        <p:txBody>
-          <a:bodyPr wrap="square" rtlCol="0">
-            <a:spAutoFit/>
-          </a:bodyPr>
-          <a:lstStyle/>
-          <a:p>
-            <a:r>
-              <a:rPr lang="en-US" sz="1600" b="1" dirty="0">
-                <a:solidFill>
-                  <a:srgbClr val="0000FF"/>
-                </a:solidFill>
-                <a:latin typeface="Consolas" panose="020B0609020204030204" pitchFamily="49" charset="0"/>
-              </a:rPr>
-              <a:t>DECLARE</a:t>
-            </a:r>
-            <a:r>
-              <a:rPr lang="en-US" sz="1600" b="1" dirty="0">
-                <a:solidFill>
-                  <a:srgbClr val="000000"/>
-                </a:solidFill>
-                <a:latin typeface="Consolas" panose="020B0609020204030204" pitchFamily="49" charset="0"/>
-              </a:rPr>
-              <a:t> @_value </a:t>
-            </a:r>
-          </a:p>
-          <a:p>
-            <a:r>
-              <a:rPr lang="en-US" sz="1600" b="1" dirty="0">
-                <a:solidFill>
-                  <a:srgbClr val="000000"/>
-                </a:solidFill>
-                <a:latin typeface="Consolas" panose="020B0609020204030204" pitchFamily="49" charset="0"/>
-              </a:rPr>
-              <a:t>   </a:t>
-            </a:r>
-            <a:r>
-              <a:rPr lang="en-US" sz="1600" b="1" dirty="0" err="1">
-                <a:solidFill>
-                  <a:srgbClr val="0000FF"/>
-                </a:solidFill>
-                <a:latin typeface="Consolas" panose="020B0609020204030204" pitchFamily="49" charset="0"/>
-              </a:rPr>
-              <a:t>nvarchar</a:t>
-            </a:r>
-            <a:r>
-              <a:rPr lang="en-US" sz="1600" b="1" dirty="0">
-                <a:solidFill>
-                  <a:srgbClr val="808080"/>
-                </a:solidFill>
-                <a:latin typeface="Consolas" panose="020B0609020204030204" pitchFamily="49" charset="0"/>
-              </a:rPr>
-              <a:t>(</a:t>
-            </a:r>
-            <a:r>
-              <a:rPr lang="en-US" sz="1600" b="1" dirty="0">
-                <a:solidFill>
-                  <a:srgbClr val="000000"/>
-                </a:solidFill>
-                <a:latin typeface="Consolas" panose="020B0609020204030204" pitchFamily="49" charset="0"/>
-              </a:rPr>
-              <a:t>20</a:t>
-            </a:r>
-            <a:r>
-              <a:rPr lang="en-US" sz="1600" b="1" dirty="0">
-                <a:solidFill>
-                  <a:srgbClr val="808080"/>
-                </a:solidFill>
-                <a:latin typeface="Consolas" panose="020B0609020204030204" pitchFamily="49" charset="0"/>
-              </a:rPr>
-              <a:t>)</a:t>
-            </a:r>
-            <a:r>
-              <a:rPr lang="en-US" sz="1600" b="1" dirty="0">
-                <a:solidFill>
-                  <a:srgbClr val="000000"/>
-                </a:solidFill>
-                <a:latin typeface="Consolas" panose="020B0609020204030204" pitchFamily="49" charset="0"/>
-              </a:rPr>
-              <a:t> </a:t>
-            </a:r>
-            <a:r>
-              <a:rPr lang="en-US" sz="1600" b="1" dirty="0">
-                <a:solidFill>
-                  <a:srgbClr val="808080"/>
-                </a:solidFill>
-                <a:latin typeface="Consolas" panose="020B0609020204030204" pitchFamily="49" charset="0"/>
-              </a:rPr>
-              <a:t>=</a:t>
-            </a:r>
-            <a:r>
-              <a:rPr lang="en-US" sz="1600" b="1" dirty="0">
-                <a:solidFill>
-                  <a:srgbClr val="000000"/>
-                </a:solidFill>
-                <a:latin typeface="Consolas" panose="020B0609020204030204" pitchFamily="49" charset="0"/>
-              </a:rPr>
-              <a:t> </a:t>
-            </a:r>
-            <a:r>
-              <a:rPr lang="en-US" sz="1600" b="1" dirty="0">
-                <a:solidFill>
-                  <a:srgbClr val="FF00FF"/>
-                </a:solidFill>
-                <a:latin typeface="Consolas" panose="020B0609020204030204" pitchFamily="49" charset="0"/>
-              </a:rPr>
-              <a:t>SPACE</a:t>
-            </a:r>
-            <a:r>
-              <a:rPr lang="en-US" sz="1600" b="1" dirty="0">
-                <a:solidFill>
-                  <a:srgbClr val="808080"/>
-                </a:solidFill>
-                <a:latin typeface="Consolas" panose="020B0609020204030204" pitchFamily="49" charset="0"/>
-              </a:rPr>
-              <a:t>(</a:t>
-            </a:r>
-            <a:r>
-              <a:rPr lang="en-US" sz="1600" b="1" dirty="0">
-                <a:solidFill>
-                  <a:srgbClr val="000000"/>
-                </a:solidFill>
-                <a:latin typeface="Consolas" panose="020B0609020204030204" pitchFamily="49" charset="0"/>
-              </a:rPr>
-              <a:t>20</a:t>
-            </a:r>
-            <a:r>
-              <a:rPr lang="en-US" sz="1600" b="1" dirty="0">
-                <a:solidFill>
-                  <a:srgbClr val="808080"/>
-                </a:solidFill>
-                <a:latin typeface="Consolas" panose="020B0609020204030204" pitchFamily="49" charset="0"/>
-              </a:rPr>
-              <a:t>)</a:t>
-            </a:r>
-            <a:endParaRPr lang="en-US" sz="1600" b="1" dirty="0">
-              <a:solidFill>
-                <a:srgbClr val="000000"/>
-              </a:solidFill>
-              <a:latin typeface="Consolas" panose="020B0609020204030204" pitchFamily="49" charset="0"/>
-            </a:endParaRPr>
-          </a:p>
-          <a:p>
-            <a:endParaRPr lang="en-US" sz="1600" b="1" dirty="0">
-              <a:solidFill>
-                <a:srgbClr val="000000"/>
-              </a:solidFill>
-              <a:latin typeface="Consolas" panose="020B0609020204030204" pitchFamily="49" charset="0"/>
-            </a:endParaRPr>
-          </a:p>
-          <a:p>
-            <a:r>
-              <a:rPr lang="en-US" sz="1600" b="1" dirty="0">
-                <a:solidFill>
-                  <a:srgbClr val="0000FF"/>
-                </a:solidFill>
-                <a:latin typeface="Consolas" panose="020B0609020204030204" pitchFamily="49" charset="0"/>
-              </a:rPr>
-              <a:t>PRINT</a:t>
-            </a:r>
-            <a:r>
-              <a:rPr lang="en-US" sz="1600" b="1" dirty="0">
-                <a:solidFill>
-                  <a:srgbClr val="000000"/>
-                </a:solidFill>
-                <a:latin typeface="Consolas" panose="020B0609020204030204" pitchFamily="49" charset="0"/>
-              </a:rPr>
-              <a:t> </a:t>
-            </a:r>
-            <a:r>
-              <a:rPr lang="en-US" sz="1600" b="1" dirty="0">
-                <a:solidFill>
-                  <a:srgbClr val="FF00FF"/>
-                </a:solidFill>
-                <a:latin typeface="Consolas" panose="020B0609020204030204" pitchFamily="49" charset="0"/>
-              </a:rPr>
-              <a:t>LEN</a:t>
-            </a:r>
-            <a:r>
-              <a:rPr lang="en-US" sz="1600" b="1" dirty="0">
-                <a:solidFill>
-                  <a:srgbClr val="808080"/>
-                </a:solidFill>
-                <a:latin typeface="Consolas" panose="020B0609020204030204" pitchFamily="49" charset="0"/>
-              </a:rPr>
-              <a:t>(</a:t>
-            </a:r>
-            <a:r>
-              <a:rPr lang="en-US" sz="1600" b="1" dirty="0">
-                <a:solidFill>
-                  <a:srgbClr val="000000"/>
-                </a:solidFill>
-                <a:latin typeface="Consolas" panose="020B0609020204030204" pitchFamily="49" charset="0"/>
-              </a:rPr>
-              <a:t>@_value</a:t>
-            </a:r>
-            <a:r>
-              <a:rPr lang="en-US" sz="1600" b="1" dirty="0">
-                <a:solidFill>
-                  <a:srgbClr val="808080"/>
-                </a:solidFill>
-                <a:latin typeface="Consolas" panose="020B0609020204030204" pitchFamily="49" charset="0"/>
-              </a:rPr>
-              <a:t>)</a:t>
-            </a:r>
-            <a:endParaRPr lang="en-US" sz="1600" b="1" dirty="0">
-              <a:solidFill>
-                <a:srgbClr val="000000"/>
-              </a:solidFill>
-              <a:latin typeface="Consolas" panose="020B0609020204030204" pitchFamily="49" charset="0"/>
-            </a:endParaRPr>
-          </a:p>
-          <a:p>
-            <a:r>
-              <a:rPr lang="en-US" sz="1600" b="1" dirty="0">
-                <a:solidFill>
-                  <a:srgbClr val="0000FF"/>
-                </a:solidFill>
-                <a:highlight>
-                  <a:srgbClr val="FFFF00"/>
-                </a:highlight>
-                <a:latin typeface="Consolas" panose="020B0609020204030204" pitchFamily="49" charset="0"/>
-              </a:rPr>
-              <a:t>PRINT</a:t>
-            </a:r>
-            <a:r>
-              <a:rPr lang="en-US" sz="1600" b="1" dirty="0">
-                <a:solidFill>
-                  <a:srgbClr val="000000"/>
-                </a:solidFill>
-                <a:highlight>
-                  <a:srgbClr val="FFFF00"/>
-                </a:highlight>
-                <a:latin typeface="Consolas" panose="020B0609020204030204" pitchFamily="49" charset="0"/>
-              </a:rPr>
-              <a:t> </a:t>
-            </a:r>
-            <a:r>
-              <a:rPr lang="en-US" sz="1600" b="1" dirty="0">
-                <a:solidFill>
-                  <a:srgbClr val="FF00FF"/>
-                </a:solidFill>
-                <a:highlight>
-                  <a:srgbClr val="FFFF00"/>
-                </a:highlight>
-                <a:latin typeface="Consolas" panose="020B0609020204030204" pitchFamily="49" charset="0"/>
-              </a:rPr>
-              <a:t>LEN</a:t>
-            </a:r>
-            <a:r>
-              <a:rPr lang="en-US" sz="1600" b="1" dirty="0">
-                <a:solidFill>
-                  <a:srgbClr val="808080"/>
-                </a:solidFill>
-                <a:highlight>
-                  <a:srgbClr val="FFFF00"/>
-                </a:highlight>
-                <a:latin typeface="Consolas" panose="020B0609020204030204" pitchFamily="49" charset="0"/>
-              </a:rPr>
-              <a:t>(</a:t>
-            </a:r>
-            <a:r>
-              <a:rPr lang="en-US" sz="1600" b="1" dirty="0">
-                <a:solidFill>
-                  <a:srgbClr val="000000"/>
-                </a:solidFill>
-                <a:highlight>
-                  <a:srgbClr val="FFFF00"/>
-                </a:highlight>
-                <a:latin typeface="Consolas" panose="020B0609020204030204" pitchFamily="49" charset="0"/>
-              </a:rPr>
-              <a:t>@_value </a:t>
-            </a:r>
-            <a:r>
-              <a:rPr lang="en-US" sz="1600" b="1" dirty="0">
-                <a:solidFill>
-                  <a:srgbClr val="808080"/>
-                </a:solidFill>
-                <a:highlight>
-                  <a:srgbClr val="FFFF00"/>
-                </a:highlight>
-                <a:latin typeface="Consolas" panose="020B0609020204030204" pitchFamily="49" charset="0"/>
-              </a:rPr>
-              <a:t>+</a:t>
-            </a:r>
-            <a:r>
-              <a:rPr lang="en-US" sz="1600" b="1" dirty="0">
-                <a:solidFill>
-                  <a:srgbClr val="000000"/>
-                </a:solidFill>
-                <a:highlight>
-                  <a:srgbClr val="FFFF00"/>
-                </a:highlight>
-                <a:latin typeface="Consolas" panose="020B0609020204030204" pitchFamily="49" charset="0"/>
-              </a:rPr>
-              <a:t> </a:t>
-            </a:r>
-            <a:r>
-              <a:rPr lang="en-US" sz="1600" b="1" dirty="0">
-                <a:solidFill>
-                  <a:srgbClr val="FF0000"/>
-                </a:solidFill>
-                <a:highlight>
-                  <a:srgbClr val="FFFF00"/>
-                </a:highlight>
-                <a:latin typeface="Consolas" panose="020B0609020204030204" pitchFamily="49" charset="0"/>
-              </a:rPr>
-              <a:t>'#'</a:t>
-            </a:r>
-            <a:r>
-              <a:rPr lang="en-US" sz="1600" b="1" dirty="0">
-                <a:solidFill>
-                  <a:srgbClr val="808080"/>
-                </a:solidFill>
-                <a:highlight>
-                  <a:srgbClr val="FFFF00"/>
-                </a:highlight>
-                <a:latin typeface="Consolas" panose="020B0609020204030204" pitchFamily="49" charset="0"/>
-              </a:rPr>
-              <a:t>)</a:t>
-            </a:r>
-            <a:r>
-              <a:rPr lang="en-US" sz="1600" b="1" dirty="0">
-                <a:solidFill>
-                  <a:srgbClr val="000000"/>
-                </a:solidFill>
-                <a:highlight>
-                  <a:srgbClr val="FFFF00"/>
-                </a:highlight>
-                <a:latin typeface="Consolas" panose="020B0609020204030204" pitchFamily="49" charset="0"/>
-              </a:rPr>
-              <a:t> </a:t>
-            </a:r>
-            <a:r>
-              <a:rPr lang="en-US" sz="1600" b="1" dirty="0">
-                <a:solidFill>
-                  <a:srgbClr val="808080"/>
-                </a:solidFill>
-                <a:highlight>
-                  <a:srgbClr val="FFFF00"/>
-                </a:highlight>
-                <a:latin typeface="Consolas" panose="020B0609020204030204" pitchFamily="49" charset="0"/>
-              </a:rPr>
-              <a:t>-</a:t>
-            </a:r>
-            <a:r>
-              <a:rPr lang="en-US" sz="1600" b="1" dirty="0">
-                <a:solidFill>
-                  <a:srgbClr val="000000"/>
-                </a:solidFill>
-                <a:highlight>
-                  <a:srgbClr val="FFFF00"/>
-                </a:highlight>
-                <a:latin typeface="Consolas" panose="020B0609020204030204" pitchFamily="49" charset="0"/>
-              </a:rPr>
-              <a:t>1</a:t>
-            </a:r>
-            <a:endParaRPr lang="en-US" sz="1600" b="1" dirty="0">
-              <a:highlight>
-                <a:srgbClr val="FFFF00"/>
-              </a:highlight>
-            </a:endParaRPr>
-          </a:p>
-        </p:txBody>
-      </p:sp>
-      <p:pic>
-        <p:nvPicPr>
-          <p:cNvPr id="6" name="Picture 5">
-            <a:extLst>
-              <a:ext uri="{FF2B5EF4-FFF2-40B4-BE49-F238E27FC236}">
-                <a16:creationId xmlns:a16="http://schemas.microsoft.com/office/drawing/2014/main" id="{3F6C8A63-529D-58E7-4AF1-E050BA054FB9}"/>
-              </a:ext>
-            </a:extLst>
-          </p:cNvPr>
-          <p:cNvPicPr>
-            <a:picLocks noChangeAspect="1"/>
-          </p:cNvPicPr>
-          <p:nvPr/>
-        </p:nvPicPr>
-        <p:blipFill>
-          <a:blip r:embed="rId3"/>
-          <a:stretch>
-            <a:fillRect/>
-          </a:stretch>
-        </p:blipFill>
-        <p:spPr>
-          <a:xfrm>
-            <a:off x="5333906" y="4635816"/>
-            <a:ext cx="1524188" cy="1010603"/>
-          </a:xfrm>
-          <a:prstGeom prst="rect">
-            <a:avLst/>
-          </a:prstGeom>
-        </p:spPr>
-      </p:pic>
-      <p:pic>
-        <p:nvPicPr>
-          <p:cNvPr id="7" name="Picture 6">
-            <a:extLst>
-              <a:ext uri="{FF2B5EF4-FFF2-40B4-BE49-F238E27FC236}">
-                <a16:creationId xmlns:a16="http://schemas.microsoft.com/office/drawing/2014/main" id="{9657C65F-9231-288E-6FCF-F1376512E422}"/>
-              </a:ext>
-            </a:extLst>
-          </p:cNvPr>
-          <p:cNvPicPr>
-            <a:picLocks noChangeAspect="1"/>
-          </p:cNvPicPr>
-          <p:nvPr/>
-        </p:nvPicPr>
-        <p:blipFill>
-          <a:blip r:embed="rId3"/>
-          <a:stretch>
-            <a:fillRect/>
-          </a:stretch>
-        </p:blipFill>
-        <p:spPr>
-          <a:xfrm>
-            <a:off x="8961026" y="4647246"/>
-            <a:ext cx="1524188" cy="1010603"/>
-          </a:xfrm>
-          <a:prstGeom prst="rect">
-            <a:avLst/>
-          </a:prstGeom>
-        </p:spPr>
-      </p:pic>
-    </p:spTree>
-    <p:extLst>
-      <p:ext uri="{BB962C8B-B14F-4D97-AF65-F5344CB8AC3E}">
-        <p14:creationId xmlns:p14="http://schemas.microsoft.com/office/powerpoint/2010/main" val="69378111"/>
-      </p:ext>
-    </p:extLst>
-  </p:cSld>
-  <p:clrMapOvr>
-    <a:masterClrMapping/>
-  </p:clrMapOvr>
-</p:sld>
-</file>
-
-<file path=ppt/slides/slide15.xml><?xml version="1.0" encoding="utf-8"?>
-<p:sld xmlns:a="http://schemas.openxmlformats.org/drawingml/2006/main" xmlns:r="http://schemas.openxmlformats.org/officeDocument/2006/relationships" xmlns:p="http://schemas.openxmlformats.org/presentationml/2006/main">
-  <p:cSld>
-    <p:spTree>
-      <p:nvGrpSpPr>
-        <p:cNvPr id="1" name=""/>
-        <p:cNvGrpSpPr/>
-        <p:nvPr/>
-      </p:nvGrpSpPr>
-      <p:grpSpPr>
-        <a:xfrm>
-          <a:off x="0" y="0"/>
-          <a:ext cx="0" cy="0"/>
-          <a:chOff x="0" y="0"/>
-          <a:chExt cx="0" cy="0"/>
-        </a:xfrm>
-      </p:grpSpPr>
-      <p:sp>
-        <p:nvSpPr>
-          <p:cNvPr id="8" name="TextBox 7">
-            <a:extLst>
-              <a:ext uri="{FF2B5EF4-FFF2-40B4-BE49-F238E27FC236}">
-                <a16:creationId xmlns:a16="http://schemas.microsoft.com/office/drawing/2014/main" id="{AF9427ED-5434-D1C9-DA92-5EC1E08E47A1}"/>
-              </a:ext>
-            </a:extLst>
-          </p:cNvPr>
-          <p:cNvSpPr txBox="1"/>
-          <p:nvPr/>
-        </p:nvSpPr>
-        <p:spPr>
-          <a:xfrm>
-            <a:off x="963930" y="1302039"/>
-            <a:ext cx="10264140" cy="3046988"/>
-          </a:xfrm>
-          <a:prstGeom prst="rect">
-            <a:avLst/>
-          </a:prstGeom>
-          <a:noFill/>
-        </p:spPr>
-        <p:txBody>
-          <a:bodyPr wrap="square">
-            <a:spAutoFit/>
-          </a:bodyPr>
-          <a:lstStyle/>
-          <a:p>
-            <a:r>
-              <a:rPr lang="en-US" sz="2400" dirty="0">
-                <a:solidFill>
-                  <a:srgbClr val="0000FF"/>
-                </a:solidFill>
-                <a:latin typeface="Consolas" panose="020B0609020204030204" pitchFamily="49" charset="0"/>
-              </a:rPr>
-              <a:t>DECLARE</a:t>
-            </a:r>
-            <a:r>
-              <a:rPr lang="en-US" sz="2400" dirty="0">
-                <a:solidFill>
-                  <a:srgbClr val="000000"/>
-                </a:solidFill>
-                <a:latin typeface="Consolas" panose="020B0609020204030204" pitchFamily="49" charset="0"/>
-              </a:rPr>
-              <a:t> @_beforemap </a:t>
-            </a:r>
-            <a:r>
-              <a:rPr lang="en-US" sz="2400" dirty="0">
-                <a:solidFill>
-                  <a:srgbClr val="0000FF"/>
-                </a:solidFill>
-                <a:latin typeface="Consolas" panose="020B0609020204030204" pitchFamily="49" charset="0"/>
-              </a:rPr>
-              <a:t>varchar</a:t>
-            </a:r>
-            <a:r>
-              <a:rPr lang="en-US" sz="2400" dirty="0">
-                <a:solidFill>
-                  <a:srgbClr val="808080"/>
-                </a:solidFill>
-                <a:latin typeface="Consolas" panose="020B0609020204030204" pitchFamily="49" charset="0"/>
-              </a:rPr>
-              <a:t>(</a:t>
-            </a:r>
-            <a:r>
-              <a:rPr lang="en-US" sz="2400" dirty="0">
-                <a:solidFill>
-                  <a:srgbClr val="000000"/>
-                </a:solidFill>
-                <a:latin typeface="Consolas" panose="020B0609020204030204" pitchFamily="49" charset="0"/>
-              </a:rPr>
-              <a:t>100</a:t>
-            </a:r>
-            <a:r>
-              <a:rPr lang="en-US" sz="2400" dirty="0">
-                <a:solidFill>
-                  <a:srgbClr val="808080"/>
-                </a:solidFill>
-                <a:latin typeface="Consolas" panose="020B0609020204030204" pitchFamily="49" charset="0"/>
-              </a:rPr>
-              <a:t>)</a:t>
-            </a:r>
-            <a:r>
-              <a:rPr lang="en-US" sz="2400" dirty="0">
-                <a:solidFill>
-                  <a:srgbClr val="000000"/>
-                </a:solidFill>
-                <a:latin typeface="Consolas" panose="020B0609020204030204" pitchFamily="49" charset="0"/>
-              </a:rPr>
-              <a:t> </a:t>
-            </a:r>
-            <a:r>
-              <a:rPr lang="en-US" sz="2400" dirty="0">
-                <a:solidFill>
-                  <a:srgbClr val="808080"/>
-                </a:solidFill>
-                <a:latin typeface="Consolas" panose="020B0609020204030204" pitchFamily="49" charset="0"/>
-              </a:rPr>
-              <a:t>=</a:t>
-            </a:r>
-            <a:r>
-              <a:rPr lang="en-US" sz="2400" dirty="0">
-                <a:solidFill>
-                  <a:srgbClr val="000000"/>
-                </a:solidFill>
-                <a:latin typeface="Consolas" panose="020B0609020204030204" pitchFamily="49" charset="0"/>
-              </a:rPr>
-              <a:t> </a:t>
-            </a:r>
-            <a:r>
-              <a:rPr lang="en-US" sz="2400" dirty="0">
-                <a:solidFill>
-                  <a:srgbClr val="FF0000"/>
-                </a:solidFill>
-                <a:highlight>
-                  <a:srgbClr val="FFFF00"/>
-                </a:highlight>
-                <a:latin typeface="Consolas" panose="020B0609020204030204" pitchFamily="49" charset="0"/>
-              </a:rPr>
-              <a:t>'ABCDEF-'</a:t>
-            </a:r>
-            <a:endParaRPr lang="en-US" sz="2400" dirty="0">
-              <a:solidFill>
-                <a:srgbClr val="000000"/>
-              </a:solidFill>
-              <a:highlight>
-                <a:srgbClr val="FFFF00"/>
-              </a:highlight>
-              <a:latin typeface="Consolas" panose="020B0609020204030204" pitchFamily="49" charset="0"/>
-            </a:endParaRPr>
-          </a:p>
-          <a:p>
-            <a:r>
-              <a:rPr lang="en-US" sz="2400" dirty="0">
-                <a:solidFill>
-                  <a:srgbClr val="0000FF"/>
-                </a:solidFill>
-                <a:latin typeface="Consolas" panose="020B0609020204030204" pitchFamily="49" charset="0"/>
-              </a:rPr>
-              <a:t>DECLARE</a:t>
-            </a:r>
-            <a:r>
-              <a:rPr lang="en-US" sz="2400" dirty="0">
-                <a:solidFill>
-                  <a:srgbClr val="000000"/>
-                </a:solidFill>
-                <a:latin typeface="Consolas" panose="020B0609020204030204" pitchFamily="49" charset="0"/>
-              </a:rPr>
-              <a:t> @_aftermap </a:t>
-            </a:r>
-            <a:r>
-              <a:rPr lang="en-US" sz="2400" dirty="0">
-                <a:solidFill>
-                  <a:srgbClr val="0000FF"/>
-                </a:solidFill>
-                <a:latin typeface="Consolas" panose="020B0609020204030204" pitchFamily="49" charset="0"/>
-              </a:rPr>
-              <a:t>varchar</a:t>
-            </a:r>
-            <a:r>
-              <a:rPr lang="en-US" sz="2400" dirty="0">
-                <a:solidFill>
-                  <a:srgbClr val="808080"/>
-                </a:solidFill>
-                <a:latin typeface="Consolas" panose="020B0609020204030204" pitchFamily="49" charset="0"/>
-              </a:rPr>
-              <a:t>(</a:t>
-            </a:r>
-            <a:r>
-              <a:rPr lang="en-US" sz="2400" dirty="0">
-                <a:solidFill>
-                  <a:srgbClr val="000000"/>
-                </a:solidFill>
-                <a:latin typeface="Consolas" panose="020B0609020204030204" pitchFamily="49" charset="0"/>
-              </a:rPr>
-              <a:t>100</a:t>
-            </a:r>
-            <a:r>
-              <a:rPr lang="en-US" sz="2400" dirty="0">
-                <a:solidFill>
-                  <a:srgbClr val="808080"/>
-                </a:solidFill>
-                <a:latin typeface="Consolas" panose="020B0609020204030204" pitchFamily="49" charset="0"/>
-              </a:rPr>
-              <a:t>)</a:t>
-            </a:r>
-            <a:r>
-              <a:rPr lang="en-US" sz="2400" dirty="0">
-                <a:solidFill>
-                  <a:srgbClr val="000000"/>
-                </a:solidFill>
-                <a:latin typeface="Consolas" panose="020B0609020204030204" pitchFamily="49" charset="0"/>
-              </a:rPr>
-              <a:t> </a:t>
-            </a:r>
-          </a:p>
-          <a:p>
-            <a:r>
-              <a:rPr lang="en-US" sz="2400" dirty="0">
-                <a:solidFill>
-                  <a:srgbClr val="000000"/>
-                </a:solidFill>
-                <a:latin typeface="Consolas" panose="020B0609020204030204" pitchFamily="49" charset="0"/>
-              </a:rPr>
-              <a:t>     </a:t>
-            </a:r>
-            <a:r>
-              <a:rPr lang="en-US" sz="2400" dirty="0">
-                <a:solidFill>
-                  <a:srgbClr val="808080"/>
-                </a:solidFill>
-                <a:latin typeface="Consolas" panose="020B0609020204030204" pitchFamily="49" charset="0"/>
-              </a:rPr>
-              <a:t>=</a:t>
-            </a:r>
-            <a:r>
-              <a:rPr lang="en-US" sz="2400" dirty="0">
-                <a:solidFill>
-                  <a:srgbClr val="000000"/>
-                </a:solidFill>
-                <a:latin typeface="Consolas" panose="020B0609020204030204" pitchFamily="49" charset="0"/>
-              </a:rPr>
-              <a:t> </a:t>
-            </a:r>
-            <a:r>
-              <a:rPr lang="en-US" sz="2400" dirty="0">
-                <a:solidFill>
-                  <a:srgbClr val="FF00FF"/>
-                </a:solidFill>
-                <a:highlight>
-                  <a:srgbClr val="FFFF00"/>
-                </a:highlight>
-                <a:latin typeface="Consolas" panose="020B0609020204030204" pitchFamily="49" charset="0"/>
-              </a:rPr>
-              <a:t>SPACE</a:t>
-            </a:r>
-            <a:r>
-              <a:rPr lang="en-US" sz="2400" dirty="0">
-                <a:solidFill>
-                  <a:srgbClr val="808080"/>
-                </a:solidFill>
-                <a:highlight>
-                  <a:srgbClr val="FFFF00"/>
-                </a:highlight>
-                <a:latin typeface="Consolas" panose="020B0609020204030204" pitchFamily="49" charset="0"/>
-              </a:rPr>
-              <a:t>(</a:t>
-            </a:r>
-            <a:r>
-              <a:rPr lang="en-US" sz="2400" dirty="0">
-                <a:solidFill>
-                  <a:srgbClr val="FF00FF"/>
-                </a:solidFill>
-                <a:highlight>
-                  <a:srgbClr val="FFFF00"/>
-                </a:highlight>
-                <a:latin typeface="Consolas" panose="020B0609020204030204" pitchFamily="49" charset="0"/>
-              </a:rPr>
-              <a:t>LEN</a:t>
-            </a:r>
-            <a:r>
-              <a:rPr lang="en-US" sz="2400" dirty="0">
-                <a:solidFill>
-                  <a:srgbClr val="808080"/>
-                </a:solidFill>
-                <a:highlight>
-                  <a:srgbClr val="FFFF00"/>
-                </a:highlight>
-                <a:latin typeface="Consolas" panose="020B0609020204030204" pitchFamily="49" charset="0"/>
-              </a:rPr>
-              <a:t>(</a:t>
-            </a:r>
-            <a:r>
-              <a:rPr lang="en-US" sz="2400" dirty="0">
-                <a:solidFill>
-                  <a:srgbClr val="000000"/>
-                </a:solidFill>
-                <a:highlight>
-                  <a:srgbClr val="FFFF00"/>
-                </a:highlight>
-                <a:latin typeface="Consolas" panose="020B0609020204030204" pitchFamily="49" charset="0"/>
-              </a:rPr>
-              <a:t>@_beforemap</a:t>
-            </a:r>
-            <a:r>
-              <a:rPr lang="en-US" sz="2400" dirty="0">
-                <a:solidFill>
-                  <a:srgbClr val="808080"/>
-                </a:solidFill>
-                <a:highlight>
-                  <a:srgbClr val="FFFF00"/>
-                </a:highlight>
-                <a:latin typeface="Consolas" panose="020B0609020204030204" pitchFamily="49" charset="0"/>
-              </a:rPr>
-              <a:t>))</a:t>
-            </a:r>
-            <a:endParaRPr lang="en-US" sz="2400" dirty="0">
-              <a:solidFill>
-                <a:srgbClr val="000000"/>
-              </a:solidFill>
-              <a:highlight>
-                <a:srgbClr val="FFFF00"/>
-              </a:highlight>
-              <a:latin typeface="Consolas" panose="020B0609020204030204" pitchFamily="49" charset="0"/>
-            </a:endParaRPr>
-          </a:p>
-          <a:p>
-            <a:endParaRPr lang="en-US" sz="2400" dirty="0">
-              <a:solidFill>
-                <a:srgbClr val="000000"/>
-              </a:solidFill>
-              <a:latin typeface="Consolas" panose="020B0609020204030204" pitchFamily="49" charset="0"/>
-            </a:endParaRPr>
-          </a:p>
-          <a:p>
-            <a:r>
-              <a:rPr lang="en-US" sz="2400" dirty="0">
-                <a:solidFill>
-                  <a:srgbClr val="0000FF"/>
-                </a:solidFill>
-                <a:latin typeface="Consolas" panose="020B0609020204030204" pitchFamily="49" charset="0"/>
-              </a:rPr>
-              <a:t>DECLARE</a:t>
-            </a:r>
-            <a:r>
-              <a:rPr lang="en-US" sz="2400" dirty="0">
-                <a:solidFill>
-                  <a:srgbClr val="000000"/>
-                </a:solidFill>
-                <a:latin typeface="Consolas" panose="020B0609020204030204" pitchFamily="49" charset="0"/>
-              </a:rPr>
-              <a:t> @_value </a:t>
-            </a:r>
-            <a:r>
-              <a:rPr lang="en-US" sz="2400" dirty="0" err="1">
-                <a:solidFill>
-                  <a:srgbClr val="0000FF"/>
-                </a:solidFill>
-                <a:latin typeface="Consolas" panose="020B0609020204030204" pitchFamily="49" charset="0"/>
-              </a:rPr>
-              <a:t>uniqueidentifier</a:t>
-            </a:r>
-            <a:r>
-              <a:rPr lang="en-US" sz="2400" dirty="0">
-                <a:solidFill>
-                  <a:srgbClr val="000000"/>
-                </a:solidFill>
-                <a:latin typeface="Consolas" panose="020B0609020204030204" pitchFamily="49" charset="0"/>
-              </a:rPr>
-              <a:t> </a:t>
-            </a:r>
-            <a:r>
-              <a:rPr lang="en-US" sz="2400" dirty="0">
-                <a:solidFill>
-                  <a:srgbClr val="808080"/>
-                </a:solidFill>
-                <a:latin typeface="Consolas" panose="020B0609020204030204" pitchFamily="49" charset="0"/>
-              </a:rPr>
-              <a:t>=</a:t>
-            </a:r>
-            <a:r>
-              <a:rPr lang="en-US" sz="2400" dirty="0">
-                <a:solidFill>
-                  <a:srgbClr val="000000"/>
-                </a:solidFill>
-                <a:latin typeface="Consolas" panose="020B0609020204030204" pitchFamily="49" charset="0"/>
-              </a:rPr>
-              <a:t> </a:t>
-            </a:r>
-            <a:r>
-              <a:rPr lang="en-US" sz="2400" dirty="0">
-                <a:solidFill>
-                  <a:srgbClr val="FF00FF"/>
-                </a:solidFill>
-                <a:latin typeface="Consolas" panose="020B0609020204030204" pitchFamily="49" charset="0"/>
-              </a:rPr>
-              <a:t>NEWID</a:t>
-            </a:r>
-            <a:r>
-              <a:rPr lang="en-US" sz="2400" dirty="0">
-                <a:solidFill>
-                  <a:srgbClr val="808080"/>
-                </a:solidFill>
-                <a:latin typeface="Consolas" panose="020B0609020204030204" pitchFamily="49" charset="0"/>
-              </a:rPr>
-              <a:t>()</a:t>
-            </a:r>
-            <a:endParaRPr lang="en-US" sz="2400" dirty="0">
-              <a:solidFill>
-                <a:srgbClr val="000000"/>
-              </a:solidFill>
-              <a:latin typeface="Consolas" panose="020B0609020204030204" pitchFamily="49" charset="0"/>
-            </a:endParaRPr>
-          </a:p>
-          <a:p>
-            <a:endParaRPr lang="en-US" sz="2400" dirty="0">
-              <a:solidFill>
-                <a:srgbClr val="000000"/>
-              </a:solidFill>
-              <a:latin typeface="Consolas" panose="020B0609020204030204" pitchFamily="49" charset="0"/>
-            </a:endParaRPr>
-          </a:p>
-          <a:p>
-            <a:r>
-              <a:rPr lang="en-US" sz="2400" dirty="0">
-                <a:solidFill>
-                  <a:srgbClr val="0000FF"/>
-                </a:solidFill>
-                <a:latin typeface="Consolas" panose="020B0609020204030204" pitchFamily="49" charset="0"/>
-              </a:rPr>
-              <a:t>PRINT</a:t>
-            </a:r>
-            <a:r>
-              <a:rPr lang="en-US" sz="2400" dirty="0">
-                <a:solidFill>
-                  <a:srgbClr val="000000"/>
-                </a:solidFill>
-                <a:latin typeface="Consolas" panose="020B0609020204030204" pitchFamily="49" charset="0"/>
-              </a:rPr>
-              <a:t> @_value</a:t>
-            </a:r>
-          </a:p>
-          <a:p>
-            <a:r>
-              <a:rPr lang="en-US" sz="2400" dirty="0">
-                <a:solidFill>
-                  <a:srgbClr val="0000FF"/>
-                </a:solidFill>
-                <a:latin typeface="Consolas" panose="020B0609020204030204" pitchFamily="49" charset="0"/>
-              </a:rPr>
-              <a:t>PRINT</a:t>
-            </a:r>
-            <a:r>
-              <a:rPr lang="en-US" sz="2400" dirty="0">
-                <a:solidFill>
-                  <a:srgbClr val="000000"/>
-                </a:solidFill>
-                <a:latin typeface="Consolas" panose="020B0609020204030204" pitchFamily="49" charset="0"/>
-              </a:rPr>
-              <a:t> </a:t>
-            </a:r>
-            <a:r>
-              <a:rPr lang="en-US" sz="2400" dirty="0">
-                <a:solidFill>
-                  <a:srgbClr val="FF00FF"/>
-                </a:solidFill>
-                <a:latin typeface="Consolas" panose="020B0609020204030204" pitchFamily="49" charset="0"/>
-              </a:rPr>
-              <a:t>TRANSLATE</a:t>
-            </a:r>
-            <a:r>
-              <a:rPr lang="en-US" sz="2400" dirty="0">
-                <a:solidFill>
-                  <a:srgbClr val="808080"/>
-                </a:solidFill>
-                <a:latin typeface="Consolas" panose="020B0609020204030204" pitchFamily="49" charset="0"/>
-              </a:rPr>
-              <a:t>(</a:t>
-            </a:r>
-            <a:r>
-              <a:rPr lang="en-US" sz="2400" dirty="0">
-                <a:solidFill>
-                  <a:srgbClr val="000000"/>
-                </a:solidFill>
-                <a:latin typeface="Consolas" panose="020B0609020204030204" pitchFamily="49" charset="0"/>
-              </a:rPr>
-              <a:t>@_value</a:t>
-            </a:r>
-            <a:r>
-              <a:rPr lang="en-US" sz="2400" dirty="0">
-                <a:solidFill>
-                  <a:srgbClr val="808080"/>
-                </a:solidFill>
-                <a:latin typeface="Consolas" panose="020B0609020204030204" pitchFamily="49" charset="0"/>
-              </a:rPr>
-              <a:t>,</a:t>
-            </a:r>
-            <a:r>
-              <a:rPr lang="en-US" sz="2400" dirty="0">
-                <a:solidFill>
-                  <a:srgbClr val="000000"/>
-                </a:solidFill>
-                <a:latin typeface="Consolas" panose="020B0609020204030204" pitchFamily="49" charset="0"/>
-              </a:rPr>
-              <a:t> @_beforemap</a:t>
-            </a:r>
-            <a:r>
-              <a:rPr lang="en-US" sz="2400" dirty="0">
-                <a:solidFill>
-                  <a:srgbClr val="808080"/>
-                </a:solidFill>
-                <a:latin typeface="Consolas" panose="020B0609020204030204" pitchFamily="49" charset="0"/>
-              </a:rPr>
-              <a:t>,</a:t>
-            </a:r>
-            <a:r>
-              <a:rPr lang="en-US" sz="2400" dirty="0">
-                <a:solidFill>
-                  <a:srgbClr val="000000"/>
-                </a:solidFill>
-                <a:latin typeface="Consolas" panose="020B0609020204030204" pitchFamily="49" charset="0"/>
-              </a:rPr>
-              <a:t> @_aftermap</a:t>
-            </a:r>
-            <a:r>
-              <a:rPr lang="en-US" sz="2400" dirty="0">
-                <a:solidFill>
-                  <a:srgbClr val="808080"/>
-                </a:solidFill>
-                <a:latin typeface="Consolas" panose="020B0609020204030204" pitchFamily="49" charset="0"/>
-              </a:rPr>
-              <a:t>)</a:t>
-            </a:r>
-            <a:endParaRPr lang="es-ES" sz="3200" dirty="0">
-              <a:solidFill>
-                <a:srgbClr val="000000"/>
-              </a:solidFill>
-              <a:latin typeface="Consolas" panose="020B0609020204030204" pitchFamily="49" charset="0"/>
-            </a:endParaRPr>
-          </a:p>
-        </p:txBody>
-      </p:sp>
-      <p:pic>
-        <p:nvPicPr>
-          <p:cNvPr id="12" name="Picture 11">
-            <a:extLst>
-              <a:ext uri="{FF2B5EF4-FFF2-40B4-BE49-F238E27FC236}">
-                <a16:creationId xmlns:a16="http://schemas.microsoft.com/office/drawing/2014/main" id="{8BC75687-FEFD-818A-60AB-2A4B2FA515FE}"/>
-              </a:ext>
-            </a:extLst>
-          </p:cNvPr>
-          <p:cNvPicPr>
-            <a:picLocks noChangeAspect="1"/>
-          </p:cNvPicPr>
-          <p:nvPr/>
-        </p:nvPicPr>
-        <p:blipFill>
-          <a:blip r:embed="rId2"/>
-          <a:stretch>
-            <a:fillRect/>
-          </a:stretch>
-        </p:blipFill>
-        <p:spPr>
-          <a:xfrm>
-            <a:off x="4616767" y="4642792"/>
-            <a:ext cx="6241309" cy="1325078"/>
-          </a:xfrm>
-          <a:prstGeom prst="rect">
-            <a:avLst/>
-          </a:prstGeom>
-        </p:spPr>
-      </p:pic>
-      <p:grpSp>
-        <p:nvGrpSpPr>
-          <p:cNvPr id="13" name="Group 12">
-            <a:extLst>
-              <a:ext uri="{FF2B5EF4-FFF2-40B4-BE49-F238E27FC236}">
-                <a16:creationId xmlns:a16="http://schemas.microsoft.com/office/drawing/2014/main" id="{197BF792-0FEE-5817-4853-3CD347D0D894}"/>
-              </a:ext>
-            </a:extLst>
-          </p:cNvPr>
-          <p:cNvGrpSpPr/>
-          <p:nvPr/>
-        </p:nvGrpSpPr>
-        <p:grpSpPr>
-          <a:xfrm>
-            <a:off x="4616767" y="1305998"/>
-            <a:ext cx="6241309" cy="4633415"/>
-            <a:chOff x="4616767" y="1302039"/>
-            <a:chExt cx="6241309" cy="4633415"/>
-          </a:xfrm>
-        </p:grpSpPr>
-        <p:sp>
-          <p:nvSpPr>
-            <p:cNvPr id="3" name="TextBox 2">
-              <a:extLst>
-                <a:ext uri="{FF2B5EF4-FFF2-40B4-BE49-F238E27FC236}">
-                  <a16:creationId xmlns:a16="http://schemas.microsoft.com/office/drawing/2014/main" id="{76F33F14-E7D1-347E-C70D-1440C1EAA39C}"/>
-                </a:ext>
-              </a:extLst>
-            </p:cNvPr>
-            <p:cNvSpPr txBox="1"/>
-            <p:nvPr/>
-          </p:nvSpPr>
-          <p:spPr>
-            <a:xfrm>
-              <a:off x="6883400" y="1302039"/>
-              <a:ext cx="1930400" cy="461665"/>
-            </a:xfrm>
-            <a:prstGeom prst="rect">
-              <a:avLst/>
-            </a:prstGeom>
-            <a:noFill/>
-          </p:spPr>
-          <p:txBody>
-            <a:bodyPr wrap="square" rtlCol="0">
-              <a:spAutoFit/>
-            </a:bodyPr>
-            <a:lstStyle/>
-            <a:p>
-              <a:r>
-                <a:rPr lang="en-US" sz="2400" dirty="0">
-                  <a:solidFill>
-                    <a:srgbClr val="FF0000"/>
-                  </a:solidFill>
-                  <a:highlight>
-                    <a:srgbClr val="FFFF00"/>
-                  </a:highlight>
-                  <a:latin typeface="Consolas" panose="020B0609020204030204" pitchFamily="49" charset="0"/>
-                </a:rPr>
-                <a:t>'ABCDEF- '</a:t>
-              </a:r>
-              <a:endParaRPr lang="en-US" sz="2400" dirty="0"/>
-            </a:p>
-          </p:txBody>
-        </p:sp>
-        <p:sp>
-          <p:nvSpPr>
-            <p:cNvPr id="5" name="TextBox 4">
-              <a:extLst>
-                <a:ext uri="{FF2B5EF4-FFF2-40B4-BE49-F238E27FC236}">
-                  <a16:creationId xmlns:a16="http://schemas.microsoft.com/office/drawing/2014/main" id="{1401B3D8-6C73-3338-F7A6-395FC1208646}"/>
-                </a:ext>
-              </a:extLst>
-            </p:cNvPr>
-            <p:cNvSpPr txBox="1"/>
-            <p:nvPr/>
-          </p:nvSpPr>
-          <p:spPr>
-            <a:xfrm>
-              <a:off x="4616767" y="4642792"/>
-              <a:ext cx="6241309" cy="1292662"/>
-            </a:xfrm>
-            <a:prstGeom prst="rect">
-              <a:avLst/>
-            </a:prstGeom>
-            <a:solidFill>
-              <a:schemeClr val="bg1"/>
-            </a:solidFill>
-          </p:spPr>
-          <p:txBody>
-            <a:bodyPr wrap="square" rtlCol="0">
-              <a:spAutoFit/>
-            </a:bodyPr>
-            <a:lstStyle/>
-            <a:p>
-              <a:r>
-                <a:rPr lang="en-US" sz="2000" dirty="0">
-                  <a:solidFill>
-                    <a:srgbClr val="FF0000"/>
-                  </a:solidFill>
-                  <a:latin typeface="Consolas" panose="020B0609020204030204" pitchFamily="49" charset="0"/>
-                </a:rPr>
-                <a:t>The second and third arguments of the TRANSLATE built-in function must contain an equal number of characters.</a:t>
-              </a:r>
-            </a:p>
-            <a:p>
-              <a:endParaRPr lang="en-US" dirty="0"/>
-            </a:p>
-          </p:txBody>
-        </p:sp>
-        <p:sp>
-          <p:nvSpPr>
-            <p:cNvPr id="6" name="TextBox 5">
-              <a:extLst>
-                <a:ext uri="{FF2B5EF4-FFF2-40B4-BE49-F238E27FC236}">
-                  <a16:creationId xmlns:a16="http://schemas.microsoft.com/office/drawing/2014/main" id="{679FD45C-05A9-66B4-FF9C-73BA72EF2083}"/>
-                </a:ext>
-              </a:extLst>
-            </p:cNvPr>
-            <p:cNvSpPr txBox="1"/>
-            <p:nvPr/>
-          </p:nvSpPr>
-          <p:spPr>
-            <a:xfrm>
-              <a:off x="8813800" y="1602992"/>
-              <a:ext cx="1676400" cy="369332"/>
-            </a:xfrm>
-            <a:prstGeom prst="rect">
-              <a:avLst/>
-            </a:prstGeom>
-            <a:noFill/>
-          </p:spPr>
-          <p:txBody>
-            <a:bodyPr wrap="square" rtlCol="0">
-              <a:spAutoFit/>
-            </a:bodyPr>
-            <a:lstStyle/>
-            <a:p>
-              <a:r>
-                <a:rPr lang="en-US" dirty="0"/>
-                <a:t>(Trailing space)</a:t>
-              </a:r>
-            </a:p>
-          </p:txBody>
-        </p:sp>
-        <p:cxnSp>
-          <p:nvCxnSpPr>
-            <p:cNvPr id="9" name="Straight Arrow Connector 8">
-              <a:extLst>
-                <a:ext uri="{FF2B5EF4-FFF2-40B4-BE49-F238E27FC236}">
-                  <a16:creationId xmlns:a16="http://schemas.microsoft.com/office/drawing/2014/main" id="{8586F787-B452-007A-714E-3C29D930D500}"/>
-                </a:ext>
-              </a:extLst>
-            </p:cNvPr>
-            <p:cNvCxnSpPr>
-              <a:stCxn id="6" idx="1"/>
-            </p:cNvCxnSpPr>
-            <p:nvPr/>
-          </p:nvCxnSpPr>
-          <p:spPr>
-            <a:xfrm flipH="1" flipV="1">
-              <a:off x="8445500" y="1595246"/>
-              <a:ext cx="368300" cy="192412"/>
-            </a:xfrm>
-            <a:prstGeom prst="straightConnector1">
-              <a:avLst/>
-            </a:prstGeom>
-            <a:ln w="44450">
-              <a:solidFill>
-                <a:srgbClr val="FF0000"/>
-              </a:solidFill>
-              <a:tailEnd type="triangle"/>
-            </a:ln>
-          </p:spPr>
-          <p:style>
-            <a:lnRef idx="1">
-              <a:schemeClr val="accent1"/>
-            </a:lnRef>
-            <a:fillRef idx="0">
-              <a:schemeClr val="accent1"/>
-            </a:fillRef>
-            <a:effectRef idx="0">
-              <a:schemeClr val="accent1"/>
-            </a:effectRef>
-            <a:fontRef idx="minor">
-              <a:schemeClr val="tx1"/>
-            </a:fontRef>
-          </p:style>
-        </p:cxnSp>
-      </p:grpSp>
-      <p:grpSp>
-        <p:nvGrpSpPr>
-          <p:cNvPr id="11" name="Group 10">
-            <a:extLst>
-              <a:ext uri="{FF2B5EF4-FFF2-40B4-BE49-F238E27FC236}">
-                <a16:creationId xmlns:a16="http://schemas.microsoft.com/office/drawing/2014/main" id="{B0B9674F-57AA-99C6-CDBC-2622BB51D298}"/>
-              </a:ext>
-            </a:extLst>
-          </p:cNvPr>
-          <p:cNvGrpSpPr/>
-          <p:nvPr/>
-        </p:nvGrpSpPr>
-        <p:grpSpPr>
-          <a:xfrm>
-            <a:off x="2146300" y="2032636"/>
-            <a:ext cx="8711776" cy="3935234"/>
-            <a:chOff x="2146300" y="2032636"/>
-            <a:chExt cx="8711776" cy="3935234"/>
-          </a:xfrm>
-        </p:grpSpPr>
-        <p:sp>
-          <p:nvSpPr>
-            <p:cNvPr id="2" name="TextBox 1">
-              <a:extLst>
-                <a:ext uri="{FF2B5EF4-FFF2-40B4-BE49-F238E27FC236}">
-                  <a16:creationId xmlns:a16="http://schemas.microsoft.com/office/drawing/2014/main" id="{32448D99-8CAE-77B4-0EAC-1917BD826C76}"/>
-                </a:ext>
-              </a:extLst>
-            </p:cNvPr>
-            <p:cNvSpPr txBox="1"/>
-            <p:nvPr/>
-          </p:nvSpPr>
-          <p:spPr>
-            <a:xfrm>
-              <a:off x="2146300" y="2032636"/>
-              <a:ext cx="6591300" cy="830997"/>
-            </a:xfrm>
-            <a:prstGeom prst="rect">
-              <a:avLst/>
-            </a:prstGeom>
-            <a:noFill/>
-          </p:spPr>
-          <p:txBody>
-            <a:bodyPr wrap="square" rtlCol="0">
-              <a:spAutoFit/>
-            </a:bodyPr>
-            <a:lstStyle/>
-            <a:p>
-              <a:r>
-                <a:rPr lang="en-US" sz="2400" dirty="0">
-                  <a:solidFill>
-                    <a:srgbClr val="FF00FF"/>
-                  </a:solidFill>
-                  <a:highlight>
-                    <a:srgbClr val="FFFF00"/>
-                  </a:highlight>
-                  <a:latin typeface="Consolas" panose="020B0609020204030204" pitchFamily="49" charset="0"/>
-                </a:rPr>
-                <a:t>SPACE</a:t>
-              </a:r>
-              <a:r>
-                <a:rPr lang="en-US" sz="2400" dirty="0">
-                  <a:solidFill>
-                    <a:srgbClr val="808080"/>
-                  </a:solidFill>
-                  <a:highlight>
-                    <a:srgbClr val="FFFF00"/>
-                  </a:highlight>
-                  <a:latin typeface="Consolas" panose="020B0609020204030204" pitchFamily="49" charset="0"/>
-                </a:rPr>
-                <a:t>(</a:t>
-              </a:r>
-              <a:r>
-                <a:rPr lang="en-US" sz="2400" dirty="0">
-                  <a:solidFill>
-                    <a:srgbClr val="FF00FF"/>
-                  </a:solidFill>
-                  <a:highlight>
-                    <a:srgbClr val="FFFF00"/>
-                  </a:highlight>
-                  <a:latin typeface="Consolas" panose="020B0609020204030204" pitchFamily="49" charset="0"/>
-                </a:rPr>
-                <a:t>LEN</a:t>
-              </a:r>
-              <a:r>
-                <a:rPr lang="en-US" sz="2400" dirty="0">
-                  <a:solidFill>
-                    <a:srgbClr val="808080"/>
-                  </a:solidFill>
-                  <a:highlight>
-                    <a:srgbClr val="FFFF00"/>
-                  </a:highlight>
-                  <a:latin typeface="Consolas" panose="020B0609020204030204" pitchFamily="49" charset="0"/>
-                </a:rPr>
-                <a:t>(</a:t>
-              </a:r>
-              <a:r>
-                <a:rPr lang="en-US" sz="2400" dirty="0">
-                  <a:solidFill>
-                    <a:srgbClr val="000000"/>
-                  </a:solidFill>
-                  <a:highlight>
-                    <a:srgbClr val="FFFF00"/>
-                  </a:highlight>
-                  <a:latin typeface="Consolas" panose="020B0609020204030204" pitchFamily="49" charset="0"/>
-                </a:rPr>
-                <a:t>@_beforemap </a:t>
-              </a:r>
-              <a:r>
-                <a:rPr lang="en-US" sz="2400" dirty="0">
-                  <a:solidFill>
-                    <a:srgbClr val="808080"/>
-                  </a:solidFill>
-                  <a:highlight>
-                    <a:srgbClr val="FFFF00"/>
-                  </a:highlight>
-                  <a:latin typeface="Consolas" panose="020B0609020204030204" pitchFamily="49" charset="0"/>
-                </a:rPr>
-                <a:t>+</a:t>
-              </a:r>
-              <a:r>
-                <a:rPr lang="en-US" sz="2400" dirty="0">
-                  <a:solidFill>
-                    <a:srgbClr val="000000"/>
-                  </a:solidFill>
-                  <a:highlight>
-                    <a:srgbClr val="FFFF00"/>
-                  </a:highlight>
-                  <a:latin typeface="Consolas" panose="020B0609020204030204" pitchFamily="49" charset="0"/>
-                </a:rPr>
-                <a:t> </a:t>
-              </a:r>
-              <a:r>
-                <a:rPr lang="en-US" sz="2400" dirty="0">
-                  <a:solidFill>
-                    <a:srgbClr val="FF0000"/>
-                  </a:solidFill>
-                  <a:highlight>
-                    <a:srgbClr val="FFFF00"/>
-                  </a:highlight>
-                  <a:latin typeface="Consolas" panose="020B0609020204030204" pitchFamily="49" charset="0"/>
-                </a:rPr>
-                <a:t>'#'</a:t>
-              </a:r>
-              <a:r>
-                <a:rPr lang="en-US" sz="2400" dirty="0">
-                  <a:solidFill>
-                    <a:srgbClr val="808080"/>
-                  </a:solidFill>
-                  <a:highlight>
-                    <a:srgbClr val="FFFF00"/>
-                  </a:highlight>
-                  <a:latin typeface="Consolas" panose="020B0609020204030204" pitchFamily="49" charset="0"/>
-                </a:rPr>
-                <a:t>) - </a:t>
-              </a:r>
-              <a:r>
-                <a:rPr lang="en-US" sz="2400" dirty="0">
-                  <a:solidFill>
-                    <a:srgbClr val="000000"/>
-                  </a:solidFill>
-                  <a:highlight>
-                    <a:srgbClr val="FFFF00"/>
-                  </a:highlight>
-                  <a:latin typeface="Consolas" panose="020B0609020204030204" pitchFamily="49" charset="0"/>
-                </a:rPr>
-                <a:t>1</a:t>
-              </a:r>
-              <a:r>
-                <a:rPr lang="en-US" sz="2400" dirty="0">
-                  <a:solidFill>
-                    <a:srgbClr val="808080"/>
-                  </a:solidFill>
-                  <a:highlight>
-                    <a:srgbClr val="FFFF00"/>
-                  </a:highlight>
-                  <a:latin typeface="Consolas" panose="020B0609020204030204" pitchFamily="49" charset="0"/>
-                </a:rPr>
-                <a:t>)</a:t>
-              </a:r>
-              <a:endParaRPr lang="en-US" sz="2400" dirty="0">
-                <a:solidFill>
-                  <a:srgbClr val="000000"/>
-                </a:solidFill>
-                <a:highlight>
-                  <a:srgbClr val="FFFF00"/>
-                </a:highlight>
-                <a:latin typeface="Consolas" panose="020B0609020204030204" pitchFamily="49" charset="0"/>
-              </a:endParaRPr>
-            </a:p>
-            <a:p>
-              <a:endParaRPr lang="en-US" sz="2400" dirty="0"/>
-            </a:p>
-          </p:txBody>
-        </p:sp>
-        <p:pic>
-          <p:nvPicPr>
-            <p:cNvPr id="4" name="Picture 3">
-              <a:extLst>
-                <a:ext uri="{FF2B5EF4-FFF2-40B4-BE49-F238E27FC236}">
-                  <a16:creationId xmlns:a16="http://schemas.microsoft.com/office/drawing/2014/main" id="{9A8765DD-D4B4-AB9F-C2D6-019DF942B655}"/>
-                </a:ext>
-              </a:extLst>
-            </p:cNvPr>
-            <p:cNvPicPr>
-              <a:picLocks noChangeAspect="1"/>
-            </p:cNvPicPr>
-            <p:nvPr/>
-          </p:nvPicPr>
-          <p:blipFill>
-            <a:blip r:embed="rId2"/>
-            <a:stretch>
-              <a:fillRect/>
-            </a:stretch>
-          </p:blipFill>
-          <p:spPr>
-            <a:xfrm>
-              <a:off x="4616767" y="4642792"/>
-              <a:ext cx="6241309" cy="1325078"/>
-            </a:xfrm>
-            <a:prstGeom prst="rect">
-              <a:avLst/>
-            </a:prstGeom>
-          </p:spPr>
-        </p:pic>
-      </p:grpSp>
-    </p:spTree>
-    <p:extLst>
-      <p:ext uri="{BB962C8B-B14F-4D97-AF65-F5344CB8AC3E}">
-        <p14:creationId xmlns:p14="http://schemas.microsoft.com/office/powerpoint/2010/main" val="3883440234"/>
-      </p:ext>
-    </p:extLst>
-  </p:cSld>
-  <p:clrMapOvr>
-    <a:masterClrMapping/>
-  </p:clrMapOvr>
-  <p:timing>
-    <p:tnLst>
-      <p:par>
-        <p:cTn id="1" dur="indefinite" restart="never" nodeType="tmRoot">
-          <p:childTnLst>
-            <p:seq concurrent="1" nextAc="seek">
-              <p:cTn id="2" dur="indefinite" nodeType="mainSeq">
-                <p:childTnLst>
-                  <p:par>
-                    <p:cTn id="3" fill="hold">
-                      <p:stCondLst>
-                        <p:cond delay="indefinite"/>
-                      </p:stCondLst>
-                      <p:childTnLst>
-                        <p:par>
-                          <p:cTn id="4" fill="hold">
-                            <p:stCondLst>
-                              <p:cond delay="0"/>
-                            </p:stCondLst>
-                            <p:childTnLst>
-                              <p:par>
-                                <p:cTn id="5" presetID="1" presetClass="entr" presetSubtype="0" fill="hold" nodeType="clickEffect">
-                                  <p:stCondLst>
-                                    <p:cond delay="0"/>
-                                  </p:stCondLst>
-                                  <p:childTnLst>
-                                    <p:set>
-                                      <p:cBhvr>
-                                        <p:cTn id="6" dur="1" fill="hold">
-                                          <p:stCondLst>
-                                            <p:cond delay="0"/>
-                                          </p:stCondLst>
-                                        </p:cTn>
-                                        <p:tgtEl>
-                                          <p:spTgt spid="13"/>
-                                        </p:tgtEl>
-                                        <p:attrNameLst>
-                                          <p:attrName>style.visibility</p:attrName>
-                                        </p:attrNameLst>
-                                      </p:cBhvr>
-                                      <p:to>
-                                        <p:strVal val="visible"/>
-                                      </p:to>
-                                    </p:set>
-                                  </p:childTnLst>
-                                </p:cTn>
-                              </p:par>
-                            </p:childTnLst>
-                          </p:cTn>
-                        </p:par>
-                      </p:childTnLst>
-                    </p:cTn>
-                  </p:par>
-                  <p:par>
-                    <p:cTn id="7" fill="hold">
-                      <p:stCondLst>
-                        <p:cond delay="indefinite"/>
-                      </p:stCondLst>
-                      <p:childTnLst>
-                        <p:par>
-                          <p:cTn id="8" fill="hold">
-                            <p:stCondLst>
-                              <p:cond delay="0"/>
-                            </p:stCondLst>
-                            <p:childTnLst>
-                              <p:par>
-                                <p:cTn id="9" presetID="1" presetClass="entr" presetSubtype="0" fill="hold" nodeType="clickEffect">
-                                  <p:stCondLst>
-                                    <p:cond delay="0"/>
-                                  </p:stCondLst>
-                                  <p:childTnLst>
-                                    <p:set>
-                                      <p:cBhvr>
-                                        <p:cTn id="10" dur="1" fill="hold">
-                                          <p:stCondLst>
-                                            <p:cond delay="0"/>
-                                          </p:stCondLst>
-                                        </p:cTn>
-                                        <p:tgtEl>
-                                          <p:spTgt spid="11"/>
-                                        </p:tgtEl>
-                                        <p:attrNameLst>
-                                          <p:attrName>style.visibility</p:attrName>
-                                        </p:attrNameLst>
-                                      </p:cBhvr>
-                                      <p:to>
-                                        <p:strVal val="visible"/>
-                                      </p:to>
-                                    </p:set>
-                                  </p:childTnLst>
-                                </p:cTn>
-                              </p:par>
-                            </p:childTnLst>
-                          </p:cTn>
-                        </p:par>
-                      </p:childTnLst>
-                    </p:cTn>
-                  </p:par>
-                </p:childTnLst>
-              </p:cTn>
-              <p:prevCondLst>
-                <p:cond evt="onPrev" delay="0">
-                  <p:tgtEl>
-                    <p:sldTgt/>
-                  </p:tgtEl>
-                </p:cond>
-              </p:prevCondLst>
-              <p:nextCondLst>
-                <p:cond evt="onNext" delay="0">
-                  <p:tgtEl>
-                    <p:sldTgt/>
-                  </p:tgtEl>
-                </p:cond>
-              </p:nextCondLst>
-            </p:seq>
-          </p:childTnLst>
-        </p:cTn>
-      </p:par>
-    </p:tnLst>
-  </p:timing>
-</p:sld>
-</file>
-
-<file path=ppt/slides/slide16.xml><?xml version="1.0" encoding="utf-8"?>
-<p:sld xmlns:a="http://schemas.openxmlformats.org/drawingml/2006/main" xmlns:r="http://schemas.openxmlformats.org/officeDocument/2006/relationships" xmlns:p="http://schemas.openxmlformats.org/presentationml/2006/main">
-  <p:cSld>
-    <p:spTree>
-      <p:nvGrpSpPr>
-        <p:cNvPr id="1" name=""/>
-        <p:cNvGrpSpPr/>
-        <p:nvPr/>
-      </p:nvGrpSpPr>
-      <p:grpSpPr>
-        <a:xfrm>
-          <a:off x="0" y="0"/>
-          <a:ext cx="0" cy="0"/>
-          <a:chOff x="0" y="0"/>
-          <a:chExt cx="0" cy="0"/>
-        </a:xfrm>
-      </p:grpSpPr>
-      <p:pic>
-        <p:nvPicPr>
-          <p:cNvPr id="1026" name="Picture 2" descr="Spirit Level Set - Lidl — Northern Ireland - Specials archive">
-            <a:extLst>
-              <a:ext uri="{FF2B5EF4-FFF2-40B4-BE49-F238E27FC236}">
-                <a16:creationId xmlns:a16="http://schemas.microsoft.com/office/drawing/2014/main" id="{C03725A5-E480-063B-31D9-AA91FDF62A0F}"/>
-              </a:ext>
-            </a:extLst>
-          </p:cNvPr>
-          <p:cNvPicPr>
-            <a:picLocks noChangeAspect="1" noChangeArrowheads="1"/>
-          </p:cNvPicPr>
-          <p:nvPr/>
-        </p:nvPicPr>
-        <p:blipFill>
-          <a:blip r:embed="rId2">
-            <a:extLst>
-              <a:ext uri="{28A0092B-C50C-407E-A947-70E740481C1C}">
-                <a14:useLocalDpi xmlns:a14="http://schemas.microsoft.com/office/drawing/2010/main" val="0"/>
-              </a:ext>
-            </a:extLst>
-          </a:blip>
-          <a:srcRect/>
-          <a:stretch>
-            <a:fillRect/>
-          </a:stretch>
-        </p:blipFill>
-        <p:spPr bwMode="auto">
-          <a:xfrm>
-            <a:off x="2575560" y="994410"/>
-            <a:ext cx="7231380" cy="5423535"/>
-          </a:xfrm>
-          <a:prstGeom prst="rect">
-            <a:avLst/>
-          </a:prstGeom>
-          <a:noFill/>
-          <a:extLst>
-            <a:ext uri="{909E8E84-426E-40DD-AFC4-6F175D3DCCD1}">
-              <a14:hiddenFill xmlns:a14="http://schemas.microsoft.com/office/drawing/2010/main">
-                <a:solidFill>
-                  <a:srgbClr val="FFFFFF"/>
-                </a:solidFill>
-              </a14:hiddenFill>
-            </a:ext>
-          </a:extLst>
-        </p:spPr>
-      </p:pic>
-      <p:sp>
-        <p:nvSpPr>
-          <p:cNvPr id="4" name="TextBox 3">
-            <a:extLst>
-              <a:ext uri="{FF2B5EF4-FFF2-40B4-BE49-F238E27FC236}">
-                <a16:creationId xmlns:a16="http://schemas.microsoft.com/office/drawing/2014/main" id="{E0379E86-9C8F-00E3-B9DC-0F7F94CB2C93}"/>
-              </a:ext>
-            </a:extLst>
-          </p:cNvPr>
-          <p:cNvSpPr txBox="1"/>
-          <p:nvPr/>
-        </p:nvSpPr>
-        <p:spPr>
-          <a:xfrm>
-            <a:off x="742950" y="674370"/>
-            <a:ext cx="8873490" cy="584775"/>
-          </a:xfrm>
-          <a:prstGeom prst="rect">
-            <a:avLst/>
-          </a:prstGeom>
-          <a:noFill/>
-        </p:spPr>
-        <p:txBody>
-          <a:bodyPr wrap="square" rtlCol="0">
-            <a:spAutoFit/>
-          </a:bodyPr>
-          <a:lstStyle/>
-          <a:p>
-            <a:r>
-              <a:rPr lang="en-US" sz="3200" dirty="0"/>
-              <a:t>Time for a level-set….</a:t>
-            </a:r>
-          </a:p>
-        </p:txBody>
-      </p:sp>
-      <p:sp>
-        <p:nvSpPr>
-          <p:cNvPr id="5" name="TextBox 4">
-            <a:extLst>
-              <a:ext uri="{FF2B5EF4-FFF2-40B4-BE49-F238E27FC236}">
-                <a16:creationId xmlns:a16="http://schemas.microsoft.com/office/drawing/2014/main" id="{DAADB1CC-A580-CD65-8EA0-59EDAD3F3E47}"/>
-              </a:ext>
-            </a:extLst>
-          </p:cNvPr>
-          <p:cNvSpPr txBox="1"/>
-          <p:nvPr/>
-        </p:nvSpPr>
-        <p:spPr>
-          <a:xfrm>
-            <a:off x="5634990" y="4994910"/>
-            <a:ext cx="1314450" cy="369332"/>
-          </a:xfrm>
-          <a:prstGeom prst="rect">
-            <a:avLst/>
-          </a:prstGeom>
-          <a:noFill/>
-        </p:spPr>
-        <p:txBody>
-          <a:bodyPr wrap="square" rtlCol="0">
-            <a:spAutoFit/>
-          </a:bodyPr>
-          <a:lstStyle/>
-          <a:p>
-            <a:r>
-              <a:rPr lang="en-US" dirty="0"/>
-              <a:t>(level set)</a:t>
-            </a:r>
-          </a:p>
-        </p:txBody>
-      </p:sp>
-    </p:spTree>
-    <p:extLst>
-      <p:ext uri="{BB962C8B-B14F-4D97-AF65-F5344CB8AC3E}">
-        <p14:creationId xmlns:p14="http://schemas.microsoft.com/office/powerpoint/2010/main" val="4037735718"/>
-      </p:ext>
-    </p:extLst>
-  </p:cSld>
-  <p:clrMapOvr>
-    <a:masterClrMapping/>
-  </p:clrMapOvr>
-</p:sld>
-</file>
-
-<file path=ppt/slides/slide17.xml><?xml version="1.0" encoding="utf-8"?>
 <p:sld xmlns:a="http://schemas.openxmlformats.org/drawingml/2006/main" xmlns:r="http://schemas.openxmlformats.org/officeDocument/2006/relationships" xmlns:p="http://schemas.openxmlformats.org/presentationml/2006/main">
   <p:cSld>
     <p:spTree>
@@ -13399,7 +8412,7 @@
 </p:sld>
 </file>
 
-<file path=ppt/slides/slide18.xml><?xml version="1.0" encoding="utf-8"?>
+<file path=ppt/slides/slide13.xml><?xml version="1.0" encoding="utf-8"?>
 <p:sld xmlns:a="http://schemas.openxmlformats.org/drawingml/2006/main" xmlns:r="http://schemas.openxmlformats.org/officeDocument/2006/relationships" xmlns:p="http://schemas.openxmlformats.org/presentationml/2006/main">
   <p:cSld>
     <p:spTree>
@@ -13494,7 +8507,7 @@
 </p:sld>
 </file>
 
-<file path=ppt/slides/slide19.xml><?xml version="1.0" encoding="utf-8"?>
+<file path=ppt/slides/slide14.xml><?xml version="1.0" encoding="utf-8"?>
 <p:sld xmlns:a="http://schemas.openxmlformats.org/drawingml/2006/main" xmlns:r="http://schemas.openxmlformats.org/officeDocument/2006/relationships" xmlns:p="http://schemas.openxmlformats.org/presentationml/2006/main">
   <p:cSld>
     <p:spTree>
@@ -14443,684 +9456,7 @@
 </p:sld>
 </file>
 
-<file path=ppt/slides/slide2.xml><?xml version="1.0" encoding="utf-8"?>
-<p:sld xmlns:a="http://schemas.openxmlformats.org/drawingml/2006/main" xmlns:r="http://schemas.openxmlformats.org/officeDocument/2006/relationships" xmlns:p="http://schemas.openxmlformats.org/presentationml/2006/main">
-  <p:cSld>
-    <p:spTree>
-      <p:nvGrpSpPr>
-        <p:cNvPr id="1" name=""/>
-        <p:cNvGrpSpPr/>
-        <p:nvPr/>
-      </p:nvGrpSpPr>
-      <p:grpSpPr>
-        <a:xfrm>
-          <a:off x="0" y="0"/>
-          <a:ext cx="0" cy="0"/>
-          <a:chOff x="0" y="0"/>
-          <a:chExt cx="0" cy="0"/>
-        </a:xfrm>
-      </p:grpSpPr>
-      <p:sp>
-        <p:nvSpPr>
-          <p:cNvPr id="6" name="TextBox 5">
-            <a:extLst>
-              <a:ext uri="{FF2B5EF4-FFF2-40B4-BE49-F238E27FC236}">
-                <a16:creationId xmlns:a16="http://schemas.microsoft.com/office/drawing/2014/main" id="{44410209-5076-4902-0710-FB5CB3CD3FB0}"/>
-              </a:ext>
-            </a:extLst>
-          </p:cNvPr>
-          <p:cNvSpPr txBox="1"/>
-          <p:nvPr/>
-        </p:nvSpPr>
-        <p:spPr>
-          <a:xfrm>
-            <a:off x="981075" y="2279439"/>
-            <a:ext cx="5406390" cy="430887"/>
-          </a:xfrm>
-          <a:prstGeom prst="rect">
-            <a:avLst/>
-          </a:prstGeom>
-          <a:noFill/>
-        </p:spPr>
-        <p:txBody>
-          <a:bodyPr wrap="square">
-            <a:spAutoFit/>
-          </a:bodyPr>
-          <a:lstStyle/>
-          <a:p>
-            <a:r>
-              <a:rPr lang="en-US" sz="2200" dirty="0">
-                <a:solidFill>
-                  <a:srgbClr val="0000FF"/>
-                </a:solidFill>
-                <a:latin typeface="Consolas" panose="020B0609020204030204" pitchFamily="49" charset="0"/>
-              </a:rPr>
-              <a:t>SELECT</a:t>
-            </a:r>
-            <a:r>
-              <a:rPr lang="en-US" sz="2200" dirty="0">
-                <a:solidFill>
-                  <a:srgbClr val="000000"/>
-                </a:solidFill>
-                <a:latin typeface="Consolas" panose="020B0609020204030204" pitchFamily="49" charset="0"/>
-              </a:rPr>
-              <a:t> </a:t>
-            </a:r>
-            <a:r>
-              <a:rPr lang="en-US" sz="2200" dirty="0">
-                <a:solidFill>
-                  <a:srgbClr val="FF00FF"/>
-                </a:solidFill>
-                <a:latin typeface="Consolas" panose="020B0609020204030204" pitchFamily="49" charset="0"/>
-              </a:rPr>
-              <a:t>REPLACE</a:t>
-            </a:r>
-            <a:r>
-              <a:rPr lang="en-US" sz="2200" dirty="0">
-                <a:solidFill>
-                  <a:srgbClr val="808080"/>
-                </a:solidFill>
-                <a:latin typeface="Consolas" panose="020B0609020204030204" pitchFamily="49" charset="0"/>
-              </a:rPr>
-              <a:t>(</a:t>
-            </a:r>
-            <a:r>
-              <a:rPr lang="en-US" sz="2200" dirty="0">
-                <a:solidFill>
-                  <a:srgbClr val="FF0000"/>
-                </a:solidFill>
-                <a:latin typeface="Consolas" panose="020B0609020204030204" pitchFamily="49" charset="0"/>
-              </a:rPr>
-              <a:t>'hello'</a:t>
-            </a:r>
-            <a:r>
-              <a:rPr lang="en-US" sz="2200" dirty="0">
-                <a:solidFill>
-                  <a:srgbClr val="808080"/>
-                </a:solidFill>
-                <a:latin typeface="Consolas" panose="020B0609020204030204" pitchFamily="49" charset="0"/>
-              </a:rPr>
-              <a:t>,</a:t>
-            </a:r>
-            <a:r>
-              <a:rPr lang="en-US" sz="2200" dirty="0">
-                <a:solidFill>
-                  <a:srgbClr val="000000"/>
-                </a:solidFill>
-                <a:latin typeface="Consolas" panose="020B0609020204030204" pitchFamily="49" charset="0"/>
-              </a:rPr>
-              <a:t> </a:t>
-            </a:r>
-            <a:r>
-              <a:rPr lang="en-US" sz="2200" dirty="0">
-                <a:solidFill>
-                  <a:srgbClr val="FF0000"/>
-                </a:solidFill>
-                <a:latin typeface="Consolas" panose="020B0609020204030204" pitchFamily="49" charset="0"/>
-              </a:rPr>
-              <a:t>'e'</a:t>
-            </a:r>
-            <a:r>
-              <a:rPr lang="en-US" sz="2200" dirty="0">
-                <a:solidFill>
-                  <a:srgbClr val="808080"/>
-                </a:solidFill>
-                <a:latin typeface="Consolas" panose="020B0609020204030204" pitchFamily="49" charset="0"/>
-              </a:rPr>
-              <a:t>,</a:t>
-            </a:r>
-            <a:r>
-              <a:rPr lang="en-US" sz="2200" dirty="0">
-                <a:solidFill>
-                  <a:srgbClr val="000000"/>
-                </a:solidFill>
-                <a:latin typeface="Consolas" panose="020B0609020204030204" pitchFamily="49" charset="0"/>
-              </a:rPr>
-              <a:t> </a:t>
-            </a:r>
-            <a:r>
-              <a:rPr lang="en-US" sz="2200" dirty="0">
-                <a:solidFill>
-                  <a:srgbClr val="FF0000"/>
-                </a:solidFill>
-                <a:latin typeface="Consolas" panose="020B0609020204030204" pitchFamily="49" charset="0"/>
-              </a:rPr>
-              <a:t>'a'</a:t>
-            </a:r>
-            <a:r>
-              <a:rPr lang="en-US" sz="2200" dirty="0">
-                <a:solidFill>
-                  <a:srgbClr val="808080"/>
-                </a:solidFill>
-                <a:latin typeface="Consolas" panose="020B0609020204030204" pitchFamily="49" charset="0"/>
-              </a:rPr>
-              <a:t>)</a:t>
-            </a:r>
-            <a:endParaRPr lang="es-ES" sz="2200" dirty="0">
-              <a:solidFill>
-                <a:srgbClr val="000000"/>
-              </a:solidFill>
-              <a:latin typeface="Consolas" panose="020B0609020204030204" pitchFamily="49" charset="0"/>
-            </a:endParaRPr>
-          </a:p>
-        </p:txBody>
-      </p:sp>
-      <p:sp>
-        <p:nvSpPr>
-          <p:cNvPr id="8" name="TextBox 7">
-            <a:extLst>
-              <a:ext uri="{FF2B5EF4-FFF2-40B4-BE49-F238E27FC236}">
-                <a16:creationId xmlns:a16="http://schemas.microsoft.com/office/drawing/2014/main" id="{604B7F01-18FC-0134-829F-DE82552E8BE8}"/>
-              </a:ext>
-            </a:extLst>
-          </p:cNvPr>
-          <p:cNvSpPr txBox="1"/>
-          <p:nvPr/>
-        </p:nvSpPr>
-        <p:spPr>
-          <a:xfrm>
-            <a:off x="738055" y="744925"/>
-            <a:ext cx="10583913" cy="646331"/>
-          </a:xfrm>
-          <a:prstGeom prst="rect">
-            <a:avLst/>
-          </a:prstGeom>
-          <a:noFill/>
-        </p:spPr>
-        <p:txBody>
-          <a:bodyPr wrap="square">
-            <a:spAutoFit/>
-          </a:bodyPr>
-          <a:lstStyle/>
-          <a:p>
-            <a:r>
-              <a:rPr lang="en-US" sz="3600" dirty="0">
-                <a:solidFill>
-                  <a:srgbClr val="FF00FF"/>
-                </a:solidFill>
-                <a:latin typeface="Consolas" panose="020B0609020204030204" pitchFamily="49" charset="0"/>
-              </a:rPr>
-              <a:t>REPLACE</a:t>
-            </a:r>
-            <a:r>
-              <a:rPr lang="en-US" sz="3600" dirty="0">
-                <a:solidFill>
-                  <a:srgbClr val="808080"/>
-                </a:solidFill>
-                <a:latin typeface="Consolas" panose="020B0609020204030204" pitchFamily="49" charset="0"/>
-              </a:rPr>
-              <a:t>(</a:t>
-            </a:r>
-            <a:r>
-              <a:rPr lang="en-US" sz="3200" dirty="0" err="1">
-                <a:solidFill>
-                  <a:srgbClr val="000000"/>
-                </a:solidFill>
-                <a:latin typeface="Consolas" panose="020B0609020204030204" pitchFamily="49" charset="0"/>
-              </a:rPr>
-              <a:t>stringable</a:t>
-            </a:r>
-            <a:r>
-              <a:rPr lang="en-US" sz="3600" dirty="0">
-                <a:solidFill>
-                  <a:srgbClr val="808080"/>
-                </a:solidFill>
-                <a:latin typeface="Consolas" panose="020B0609020204030204" pitchFamily="49" charset="0"/>
-              </a:rPr>
-              <a:t>,</a:t>
-            </a:r>
-            <a:r>
-              <a:rPr lang="en-US" sz="2400" dirty="0">
-                <a:solidFill>
-                  <a:srgbClr val="000000"/>
-                </a:solidFill>
-                <a:latin typeface="Consolas" panose="020B0609020204030204" pitchFamily="49" charset="0"/>
-              </a:rPr>
-              <a:t> </a:t>
-            </a:r>
-            <a:r>
-              <a:rPr lang="en-US" sz="3200" dirty="0" err="1">
-                <a:solidFill>
-                  <a:srgbClr val="000000"/>
-                </a:solidFill>
-                <a:latin typeface="Consolas" panose="020B0609020204030204" pitchFamily="49" charset="0"/>
-              </a:rPr>
-              <a:t>what_phrase</a:t>
-            </a:r>
-            <a:r>
-              <a:rPr lang="en-US" sz="3600" dirty="0">
-                <a:solidFill>
-                  <a:srgbClr val="808080"/>
-                </a:solidFill>
-                <a:latin typeface="Consolas" panose="020B0609020204030204" pitchFamily="49" charset="0"/>
-              </a:rPr>
-              <a:t>,</a:t>
-            </a:r>
-            <a:r>
-              <a:rPr lang="en-US" sz="2400" dirty="0">
-                <a:solidFill>
-                  <a:srgbClr val="000000"/>
-                </a:solidFill>
-                <a:latin typeface="Consolas" panose="020B0609020204030204" pitchFamily="49" charset="0"/>
-              </a:rPr>
-              <a:t> </a:t>
-            </a:r>
-            <a:r>
-              <a:rPr lang="en-US" sz="3200" dirty="0" err="1">
-                <a:solidFill>
-                  <a:srgbClr val="000000"/>
-                </a:solidFill>
-                <a:latin typeface="Consolas" panose="020B0609020204030204" pitchFamily="49" charset="0"/>
-              </a:rPr>
-              <a:t>with_what</a:t>
-            </a:r>
-            <a:r>
-              <a:rPr lang="en-US" sz="3600" dirty="0">
-                <a:solidFill>
-                  <a:srgbClr val="808080"/>
-                </a:solidFill>
-                <a:latin typeface="Consolas" panose="020B0609020204030204" pitchFamily="49" charset="0"/>
-              </a:rPr>
-              <a:t>)</a:t>
-            </a:r>
-            <a:endParaRPr lang="en-US" sz="3600" dirty="0"/>
-          </a:p>
-        </p:txBody>
-      </p:sp>
-      <p:sp>
-        <p:nvSpPr>
-          <p:cNvPr id="10" name="TextBox 9">
-            <a:extLst>
-              <a:ext uri="{FF2B5EF4-FFF2-40B4-BE49-F238E27FC236}">
-                <a16:creationId xmlns:a16="http://schemas.microsoft.com/office/drawing/2014/main" id="{D9D26083-FA3C-901C-884B-A94F10A0D1FB}"/>
-              </a:ext>
-            </a:extLst>
-          </p:cNvPr>
-          <p:cNvSpPr txBox="1"/>
-          <p:nvPr/>
-        </p:nvSpPr>
-        <p:spPr>
-          <a:xfrm>
-            <a:off x="981075" y="4455914"/>
-            <a:ext cx="5406390" cy="430887"/>
-          </a:xfrm>
-          <a:prstGeom prst="rect">
-            <a:avLst/>
-          </a:prstGeom>
-          <a:noFill/>
-        </p:spPr>
-        <p:txBody>
-          <a:bodyPr wrap="square">
-            <a:spAutoFit/>
-          </a:bodyPr>
-          <a:lstStyle/>
-          <a:p>
-            <a:r>
-              <a:rPr lang="en-US" sz="2200" dirty="0">
-                <a:solidFill>
-                  <a:srgbClr val="0000FF"/>
-                </a:solidFill>
-                <a:latin typeface="Consolas" panose="020B0609020204030204" pitchFamily="49" charset="0"/>
-              </a:rPr>
-              <a:t>SELECT</a:t>
-            </a:r>
-            <a:r>
-              <a:rPr lang="en-US" sz="2200" dirty="0">
-                <a:solidFill>
-                  <a:srgbClr val="000000"/>
-                </a:solidFill>
-                <a:latin typeface="Consolas" panose="020B0609020204030204" pitchFamily="49" charset="0"/>
-              </a:rPr>
-              <a:t> </a:t>
-            </a:r>
-            <a:r>
-              <a:rPr lang="en-US" sz="2200" dirty="0">
-                <a:solidFill>
-                  <a:srgbClr val="FF00FF"/>
-                </a:solidFill>
-                <a:latin typeface="Consolas" panose="020B0609020204030204" pitchFamily="49" charset="0"/>
-              </a:rPr>
-              <a:t>REPLACE</a:t>
-            </a:r>
-            <a:r>
-              <a:rPr lang="en-US" sz="2200" dirty="0">
-                <a:solidFill>
-                  <a:srgbClr val="808080"/>
-                </a:solidFill>
-                <a:latin typeface="Consolas" panose="020B0609020204030204" pitchFamily="49" charset="0"/>
-              </a:rPr>
-              <a:t>(</a:t>
-            </a:r>
-            <a:r>
-              <a:rPr lang="en-US" sz="2200" dirty="0">
-                <a:solidFill>
-                  <a:srgbClr val="000000"/>
-                </a:solidFill>
-                <a:latin typeface="Consolas" panose="020B0609020204030204" pitchFamily="49" charset="0"/>
-              </a:rPr>
-              <a:t>123</a:t>
-            </a:r>
-            <a:r>
-              <a:rPr lang="en-US" sz="2200" dirty="0">
-                <a:solidFill>
-                  <a:srgbClr val="808080"/>
-                </a:solidFill>
-                <a:latin typeface="Consolas" panose="020B0609020204030204" pitchFamily="49" charset="0"/>
-              </a:rPr>
-              <a:t>,</a:t>
-            </a:r>
-            <a:r>
-              <a:rPr lang="en-US" sz="2200" dirty="0">
-                <a:solidFill>
-                  <a:srgbClr val="000000"/>
-                </a:solidFill>
-                <a:latin typeface="Consolas" panose="020B0609020204030204" pitchFamily="49" charset="0"/>
-              </a:rPr>
-              <a:t> </a:t>
-            </a:r>
-            <a:r>
-              <a:rPr lang="en-US" sz="2200" dirty="0">
-                <a:solidFill>
-                  <a:srgbClr val="FF0000"/>
-                </a:solidFill>
-                <a:latin typeface="Consolas" panose="020B0609020204030204" pitchFamily="49" charset="0"/>
-              </a:rPr>
-              <a:t>'3'</a:t>
-            </a:r>
-            <a:r>
-              <a:rPr lang="en-US" sz="2200" dirty="0">
-                <a:solidFill>
-                  <a:srgbClr val="808080"/>
-                </a:solidFill>
-                <a:latin typeface="Consolas" panose="020B0609020204030204" pitchFamily="49" charset="0"/>
-              </a:rPr>
-              <a:t>,</a:t>
-            </a:r>
-            <a:r>
-              <a:rPr lang="en-US" sz="2200" dirty="0">
-                <a:solidFill>
-                  <a:srgbClr val="000000"/>
-                </a:solidFill>
-                <a:latin typeface="Consolas" panose="020B0609020204030204" pitchFamily="49" charset="0"/>
-              </a:rPr>
-              <a:t> </a:t>
-            </a:r>
-            <a:r>
-              <a:rPr lang="en-US" sz="2200" dirty="0">
-                <a:solidFill>
-                  <a:srgbClr val="FF0000"/>
-                </a:solidFill>
-                <a:latin typeface="Consolas" panose="020B0609020204030204" pitchFamily="49" charset="0"/>
-              </a:rPr>
-              <a:t>'6'</a:t>
-            </a:r>
-            <a:r>
-              <a:rPr lang="en-US" sz="2200" dirty="0">
-                <a:solidFill>
-                  <a:srgbClr val="808080"/>
-                </a:solidFill>
-                <a:latin typeface="Consolas" panose="020B0609020204030204" pitchFamily="49" charset="0"/>
-              </a:rPr>
-              <a:t>)</a:t>
-            </a:r>
-            <a:endParaRPr lang="en-US" sz="2200" dirty="0"/>
-          </a:p>
-        </p:txBody>
-      </p:sp>
-      <p:sp>
-        <p:nvSpPr>
-          <p:cNvPr id="14" name="TextBox 13">
-            <a:extLst>
-              <a:ext uri="{FF2B5EF4-FFF2-40B4-BE49-F238E27FC236}">
-                <a16:creationId xmlns:a16="http://schemas.microsoft.com/office/drawing/2014/main" id="{A274B8B0-A303-1D1D-3E99-08F362298D87}"/>
-              </a:ext>
-            </a:extLst>
-          </p:cNvPr>
-          <p:cNvSpPr txBox="1"/>
-          <p:nvPr/>
-        </p:nvSpPr>
-        <p:spPr>
-          <a:xfrm>
-            <a:off x="6839503" y="2088358"/>
-            <a:ext cx="4585335" cy="923330"/>
-          </a:xfrm>
-          <a:prstGeom prst="rect">
-            <a:avLst/>
-          </a:prstGeom>
-          <a:noFill/>
-        </p:spPr>
-        <p:txBody>
-          <a:bodyPr wrap="square" rtlCol="0">
-            <a:spAutoFit/>
-          </a:bodyPr>
-          <a:lstStyle/>
-          <a:p>
-            <a:r>
-              <a:rPr lang="en-US" dirty="0"/>
-              <a:t>“</a:t>
-            </a:r>
-            <a:r>
-              <a:rPr lang="en-US" dirty="0" err="1"/>
-              <a:t>Stringable</a:t>
-            </a:r>
-            <a:r>
-              <a:rPr lang="en-US" dirty="0"/>
-              <a:t>” refers to anything that can be represented as a string, including </a:t>
-            </a:r>
-            <a:r>
-              <a:rPr lang="en-US" dirty="0" err="1"/>
-              <a:t>numerics</a:t>
-            </a:r>
-            <a:r>
-              <a:rPr lang="en-US" dirty="0"/>
-              <a:t>, datetimes, </a:t>
-            </a:r>
-            <a:r>
-              <a:rPr lang="en-US" dirty="0" err="1"/>
-              <a:t>guids</a:t>
-            </a:r>
-            <a:r>
-              <a:rPr lang="en-US" dirty="0"/>
-              <a:t>, etc.</a:t>
-            </a:r>
-          </a:p>
-        </p:txBody>
-      </p:sp>
-      <p:sp>
-        <p:nvSpPr>
-          <p:cNvPr id="15" name="TextBox 14">
-            <a:extLst>
-              <a:ext uri="{FF2B5EF4-FFF2-40B4-BE49-F238E27FC236}">
-                <a16:creationId xmlns:a16="http://schemas.microsoft.com/office/drawing/2014/main" id="{4E95F8E7-F4ED-2BD1-D94C-38120D18DDD4}"/>
-              </a:ext>
-            </a:extLst>
-          </p:cNvPr>
-          <p:cNvSpPr txBox="1"/>
-          <p:nvPr/>
-        </p:nvSpPr>
-        <p:spPr>
-          <a:xfrm>
-            <a:off x="6839503" y="3376414"/>
-            <a:ext cx="4482465" cy="923330"/>
-          </a:xfrm>
-          <a:prstGeom prst="rect">
-            <a:avLst/>
-          </a:prstGeom>
-          <a:noFill/>
-        </p:spPr>
-        <p:txBody>
-          <a:bodyPr wrap="square" rtlCol="0">
-            <a:spAutoFit/>
-          </a:bodyPr>
-          <a:lstStyle/>
-          <a:p>
-            <a:r>
-              <a:rPr lang="en-US" dirty="0"/>
-              <a:t>Number of characters in </a:t>
-            </a:r>
-            <a:r>
-              <a:rPr lang="en-US" dirty="0">
-                <a:latin typeface="Consolas" panose="020B0609020204030204" pitchFamily="49" charset="0"/>
-              </a:rPr>
-              <a:t>(</a:t>
-            </a:r>
-            <a:r>
-              <a:rPr lang="en-US" dirty="0" err="1">
-                <a:solidFill>
-                  <a:srgbClr val="000000"/>
-                </a:solidFill>
-                <a:latin typeface="Consolas" panose="020B0609020204030204" pitchFamily="49" charset="0"/>
-              </a:rPr>
-              <a:t>what_phrase</a:t>
-            </a:r>
-            <a:r>
-              <a:rPr lang="en-US" dirty="0">
-                <a:latin typeface="Consolas" panose="020B0609020204030204" pitchFamily="49" charset="0"/>
-              </a:rPr>
-              <a:t>) </a:t>
-            </a:r>
-            <a:r>
-              <a:rPr lang="en-US" dirty="0"/>
-              <a:t>do </a:t>
-            </a:r>
-            <a:r>
-              <a:rPr lang="en-US" b="1" dirty="0"/>
-              <a:t>not</a:t>
-            </a:r>
-            <a:r>
-              <a:rPr lang="en-US" dirty="0"/>
-              <a:t> have to equal number of characters in </a:t>
-            </a:r>
-            <a:r>
-              <a:rPr lang="en-US" dirty="0">
-                <a:latin typeface="Consolas" panose="020B0609020204030204" pitchFamily="49" charset="0"/>
-              </a:rPr>
-              <a:t>(</a:t>
-            </a:r>
-            <a:r>
-              <a:rPr lang="en-US" dirty="0" err="1">
-                <a:solidFill>
-                  <a:srgbClr val="000000"/>
-                </a:solidFill>
-                <a:latin typeface="Consolas" panose="020B0609020204030204" pitchFamily="49" charset="0"/>
-              </a:rPr>
-              <a:t>with_what</a:t>
-            </a:r>
-            <a:r>
-              <a:rPr lang="en-US" dirty="0">
-                <a:latin typeface="Consolas" panose="020B0609020204030204" pitchFamily="49" charset="0"/>
-              </a:rPr>
-              <a:t>)</a:t>
-            </a:r>
-          </a:p>
-        </p:txBody>
-      </p:sp>
-      <p:sp>
-        <p:nvSpPr>
-          <p:cNvPr id="17" name="TextBox 16">
-            <a:extLst>
-              <a:ext uri="{FF2B5EF4-FFF2-40B4-BE49-F238E27FC236}">
-                <a16:creationId xmlns:a16="http://schemas.microsoft.com/office/drawing/2014/main" id="{B3435BAF-BCE3-BA22-9B52-7A37E3EE1481}"/>
-              </a:ext>
-            </a:extLst>
-          </p:cNvPr>
-          <p:cNvSpPr txBox="1"/>
-          <p:nvPr/>
-        </p:nvSpPr>
-        <p:spPr>
-          <a:xfrm>
-            <a:off x="6839503" y="2279439"/>
-            <a:ext cx="4133297" cy="369332"/>
-          </a:xfrm>
-          <a:prstGeom prst="rect">
-            <a:avLst/>
-          </a:prstGeom>
-          <a:noFill/>
-        </p:spPr>
-        <p:txBody>
-          <a:bodyPr wrap="square" rtlCol="0">
-            <a:spAutoFit/>
-          </a:bodyPr>
-          <a:lstStyle/>
-          <a:p>
-            <a:endParaRPr lang="en-US"/>
-          </a:p>
-        </p:txBody>
-      </p:sp>
-      <p:pic>
-        <p:nvPicPr>
-          <p:cNvPr id="3" name="Picture 2">
-            <a:extLst>
-              <a:ext uri="{FF2B5EF4-FFF2-40B4-BE49-F238E27FC236}">
-                <a16:creationId xmlns:a16="http://schemas.microsoft.com/office/drawing/2014/main" id="{2328E7AE-EB38-9B1C-ABDD-912D660205B1}"/>
-              </a:ext>
-            </a:extLst>
-          </p:cNvPr>
-          <p:cNvPicPr>
-            <a:picLocks noChangeAspect="1"/>
-          </p:cNvPicPr>
-          <p:nvPr/>
-        </p:nvPicPr>
-        <p:blipFill>
-          <a:blip r:embed="rId3"/>
-          <a:stretch>
-            <a:fillRect/>
-          </a:stretch>
-        </p:blipFill>
-        <p:spPr>
-          <a:xfrm>
-            <a:off x="1289684" y="3048421"/>
-            <a:ext cx="3132723" cy="869290"/>
-          </a:xfrm>
-          <a:prstGeom prst="rect">
-            <a:avLst/>
-          </a:prstGeom>
-        </p:spPr>
-      </p:pic>
-      <p:pic>
-        <p:nvPicPr>
-          <p:cNvPr id="5" name="Picture 4">
-            <a:extLst>
-              <a:ext uri="{FF2B5EF4-FFF2-40B4-BE49-F238E27FC236}">
-                <a16:creationId xmlns:a16="http://schemas.microsoft.com/office/drawing/2014/main" id="{6C257DC0-E182-BE6A-F00D-9AFF85521558}"/>
-              </a:ext>
-            </a:extLst>
-          </p:cNvPr>
-          <p:cNvPicPr>
-            <a:picLocks noChangeAspect="1"/>
-          </p:cNvPicPr>
-          <p:nvPr/>
-        </p:nvPicPr>
-        <p:blipFill>
-          <a:blip r:embed="rId4"/>
-          <a:stretch>
-            <a:fillRect/>
-          </a:stretch>
-        </p:blipFill>
-        <p:spPr>
-          <a:xfrm>
-            <a:off x="1289683" y="4912043"/>
-            <a:ext cx="3202061" cy="917257"/>
-          </a:xfrm>
-          <a:prstGeom prst="rect">
-            <a:avLst/>
-          </a:prstGeom>
-        </p:spPr>
-      </p:pic>
-    </p:spTree>
-    <p:extLst>
-      <p:ext uri="{BB962C8B-B14F-4D97-AF65-F5344CB8AC3E}">
-        <p14:creationId xmlns:p14="http://schemas.microsoft.com/office/powerpoint/2010/main" val="584012983"/>
-      </p:ext>
-    </p:extLst>
-  </p:cSld>
-  <p:clrMapOvr>
-    <a:masterClrMapping/>
-  </p:clrMapOvr>
-</p:sld>
-</file>
-
-<file path=ppt/slides/slide20.xml><?xml version="1.0" encoding="utf-8"?>
+<file path=ppt/slides/slide15.xml><?xml version="1.0" encoding="utf-8"?>
 <p:sld xmlns:a="http://schemas.openxmlformats.org/drawingml/2006/main" xmlns:r="http://schemas.openxmlformats.org/officeDocument/2006/relationships" xmlns:p="http://schemas.openxmlformats.org/presentationml/2006/main">
   <p:cSld>
     <p:spTree>
@@ -15215,7 +9551,7 @@
 </p:sld>
 </file>
 
-<file path=ppt/slides/slide21.xml><?xml version="1.0" encoding="utf-8"?>
+<file path=ppt/slides/slide16.xml><?xml version="1.0" encoding="utf-8"?>
 <p:sld xmlns:a="http://schemas.openxmlformats.org/drawingml/2006/main" xmlns:r="http://schemas.openxmlformats.org/officeDocument/2006/relationships" xmlns:p="http://schemas.openxmlformats.org/presentationml/2006/main">
   <p:cSld>
     <p:spTree>
@@ -16296,7 +10632,7 @@
 </p:sld>
 </file>
 
-<file path=ppt/slides/slide22.xml><?xml version="1.0" encoding="utf-8"?>
+<file path=ppt/slides/slide17.xml><?xml version="1.0" encoding="utf-8"?>
 <p:sld xmlns:a="http://schemas.openxmlformats.org/drawingml/2006/main" xmlns:r="http://schemas.openxmlformats.org/officeDocument/2006/relationships" xmlns:p="http://schemas.openxmlformats.org/presentationml/2006/main">
   <p:cSld>
     <p:spTree>
@@ -16391,7 +10727,7 @@
 </p:sld>
 </file>
 
-<file path=ppt/slides/slide23.xml><?xml version="1.0" encoding="utf-8"?>
+<file path=ppt/slides/slide18.xml><?xml version="1.0" encoding="utf-8"?>
 <p:sld xmlns:a="http://schemas.openxmlformats.org/drawingml/2006/main" xmlns:r="http://schemas.openxmlformats.org/officeDocument/2006/relationships" xmlns:p="http://schemas.openxmlformats.org/presentationml/2006/main">
   <p:cSld>
     <p:spTree>
@@ -17896,7 +12232,7 @@
 </p:sld>
 </file>
 
-<file path=ppt/slides/slide24.xml><?xml version="1.0" encoding="utf-8"?>
+<file path=ppt/slides/slide19.xml><?xml version="1.0" encoding="utf-8"?>
 <p:sld xmlns:a="http://schemas.openxmlformats.org/drawingml/2006/main" xmlns:r="http://schemas.openxmlformats.org/officeDocument/2006/relationships" xmlns:p="http://schemas.openxmlformats.org/presentationml/2006/main">
   <p:cSld>
     <p:spTree>
@@ -18106,7 +12442,684 @@
 </p:sld>
 </file>
 
-<file path=ppt/slides/slide25.xml><?xml version="1.0" encoding="utf-8"?>
+<file path=ppt/slides/slide2.xml><?xml version="1.0" encoding="utf-8"?>
+<p:sld xmlns:a="http://schemas.openxmlformats.org/drawingml/2006/main" xmlns:r="http://schemas.openxmlformats.org/officeDocument/2006/relationships" xmlns:p="http://schemas.openxmlformats.org/presentationml/2006/main">
+  <p:cSld>
+    <p:spTree>
+      <p:nvGrpSpPr>
+        <p:cNvPr id="1" name=""/>
+        <p:cNvGrpSpPr/>
+        <p:nvPr/>
+      </p:nvGrpSpPr>
+      <p:grpSpPr>
+        <a:xfrm>
+          <a:off x="0" y="0"/>
+          <a:ext cx="0" cy="0"/>
+          <a:chOff x="0" y="0"/>
+          <a:chExt cx="0" cy="0"/>
+        </a:xfrm>
+      </p:grpSpPr>
+      <p:sp>
+        <p:nvSpPr>
+          <p:cNvPr id="6" name="TextBox 5">
+            <a:extLst>
+              <a:ext uri="{FF2B5EF4-FFF2-40B4-BE49-F238E27FC236}">
+                <a16:creationId xmlns:a16="http://schemas.microsoft.com/office/drawing/2014/main" id="{44410209-5076-4902-0710-FB5CB3CD3FB0}"/>
+              </a:ext>
+            </a:extLst>
+          </p:cNvPr>
+          <p:cNvSpPr txBox="1"/>
+          <p:nvPr/>
+        </p:nvSpPr>
+        <p:spPr>
+          <a:xfrm>
+            <a:off x="981075" y="2279439"/>
+            <a:ext cx="5406390" cy="430887"/>
+          </a:xfrm>
+          <a:prstGeom prst="rect">
+            <a:avLst/>
+          </a:prstGeom>
+          <a:noFill/>
+        </p:spPr>
+        <p:txBody>
+          <a:bodyPr wrap="square">
+            <a:spAutoFit/>
+          </a:bodyPr>
+          <a:lstStyle/>
+          <a:p>
+            <a:r>
+              <a:rPr lang="en-US" sz="2200" dirty="0">
+                <a:solidFill>
+                  <a:srgbClr val="0000FF"/>
+                </a:solidFill>
+                <a:latin typeface="Consolas" panose="020B0609020204030204" pitchFamily="49" charset="0"/>
+              </a:rPr>
+              <a:t>SELECT</a:t>
+            </a:r>
+            <a:r>
+              <a:rPr lang="en-US" sz="2200" dirty="0">
+                <a:solidFill>
+                  <a:srgbClr val="000000"/>
+                </a:solidFill>
+                <a:latin typeface="Consolas" panose="020B0609020204030204" pitchFamily="49" charset="0"/>
+              </a:rPr>
+              <a:t> </a:t>
+            </a:r>
+            <a:r>
+              <a:rPr lang="en-US" sz="2200" dirty="0">
+                <a:solidFill>
+                  <a:srgbClr val="FF00FF"/>
+                </a:solidFill>
+                <a:latin typeface="Consolas" panose="020B0609020204030204" pitchFamily="49" charset="0"/>
+              </a:rPr>
+              <a:t>REPLACE</a:t>
+            </a:r>
+            <a:r>
+              <a:rPr lang="en-US" sz="2200" dirty="0">
+                <a:solidFill>
+                  <a:srgbClr val="808080"/>
+                </a:solidFill>
+                <a:latin typeface="Consolas" panose="020B0609020204030204" pitchFamily="49" charset="0"/>
+              </a:rPr>
+              <a:t>(</a:t>
+            </a:r>
+            <a:r>
+              <a:rPr lang="en-US" sz="2200" dirty="0">
+                <a:solidFill>
+                  <a:srgbClr val="FF0000"/>
+                </a:solidFill>
+                <a:latin typeface="Consolas" panose="020B0609020204030204" pitchFamily="49" charset="0"/>
+              </a:rPr>
+              <a:t>'hello'</a:t>
+            </a:r>
+            <a:r>
+              <a:rPr lang="en-US" sz="2200" dirty="0">
+                <a:solidFill>
+                  <a:srgbClr val="808080"/>
+                </a:solidFill>
+                <a:latin typeface="Consolas" panose="020B0609020204030204" pitchFamily="49" charset="0"/>
+              </a:rPr>
+              <a:t>,</a:t>
+            </a:r>
+            <a:r>
+              <a:rPr lang="en-US" sz="2200" dirty="0">
+                <a:solidFill>
+                  <a:srgbClr val="000000"/>
+                </a:solidFill>
+                <a:latin typeface="Consolas" panose="020B0609020204030204" pitchFamily="49" charset="0"/>
+              </a:rPr>
+              <a:t> </a:t>
+            </a:r>
+            <a:r>
+              <a:rPr lang="en-US" sz="2200" dirty="0">
+                <a:solidFill>
+                  <a:srgbClr val="FF0000"/>
+                </a:solidFill>
+                <a:latin typeface="Consolas" panose="020B0609020204030204" pitchFamily="49" charset="0"/>
+              </a:rPr>
+              <a:t>'e'</a:t>
+            </a:r>
+            <a:r>
+              <a:rPr lang="en-US" sz="2200" dirty="0">
+                <a:solidFill>
+                  <a:srgbClr val="808080"/>
+                </a:solidFill>
+                <a:latin typeface="Consolas" panose="020B0609020204030204" pitchFamily="49" charset="0"/>
+              </a:rPr>
+              <a:t>,</a:t>
+            </a:r>
+            <a:r>
+              <a:rPr lang="en-US" sz="2200" dirty="0">
+                <a:solidFill>
+                  <a:srgbClr val="000000"/>
+                </a:solidFill>
+                <a:latin typeface="Consolas" panose="020B0609020204030204" pitchFamily="49" charset="0"/>
+              </a:rPr>
+              <a:t> </a:t>
+            </a:r>
+            <a:r>
+              <a:rPr lang="en-US" sz="2200" dirty="0">
+                <a:solidFill>
+                  <a:srgbClr val="FF0000"/>
+                </a:solidFill>
+                <a:latin typeface="Consolas" panose="020B0609020204030204" pitchFamily="49" charset="0"/>
+              </a:rPr>
+              <a:t>'a'</a:t>
+            </a:r>
+            <a:r>
+              <a:rPr lang="en-US" sz="2200" dirty="0">
+                <a:solidFill>
+                  <a:srgbClr val="808080"/>
+                </a:solidFill>
+                <a:latin typeface="Consolas" panose="020B0609020204030204" pitchFamily="49" charset="0"/>
+              </a:rPr>
+              <a:t>)</a:t>
+            </a:r>
+            <a:endParaRPr lang="es-ES" sz="2200" dirty="0">
+              <a:solidFill>
+                <a:srgbClr val="000000"/>
+              </a:solidFill>
+              <a:latin typeface="Consolas" panose="020B0609020204030204" pitchFamily="49" charset="0"/>
+            </a:endParaRPr>
+          </a:p>
+        </p:txBody>
+      </p:sp>
+      <p:sp>
+        <p:nvSpPr>
+          <p:cNvPr id="8" name="TextBox 7">
+            <a:extLst>
+              <a:ext uri="{FF2B5EF4-FFF2-40B4-BE49-F238E27FC236}">
+                <a16:creationId xmlns:a16="http://schemas.microsoft.com/office/drawing/2014/main" id="{604B7F01-18FC-0134-829F-DE82552E8BE8}"/>
+              </a:ext>
+            </a:extLst>
+          </p:cNvPr>
+          <p:cNvSpPr txBox="1"/>
+          <p:nvPr/>
+        </p:nvSpPr>
+        <p:spPr>
+          <a:xfrm>
+            <a:off x="738055" y="744925"/>
+            <a:ext cx="10583913" cy="646331"/>
+          </a:xfrm>
+          <a:prstGeom prst="rect">
+            <a:avLst/>
+          </a:prstGeom>
+          <a:noFill/>
+        </p:spPr>
+        <p:txBody>
+          <a:bodyPr wrap="square">
+            <a:spAutoFit/>
+          </a:bodyPr>
+          <a:lstStyle/>
+          <a:p>
+            <a:r>
+              <a:rPr lang="en-US" sz="3600" dirty="0">
+                <a:solidFill>
+                  <a:srgbClr val="FF00FF"/>
+                </a:solidFill>
+                <a:latin typeface="Consolas" panose="020B0609020204030204" pitchFamily="49" charset="0"/>
+              </a:rPr>
+              <a:t>REPLACE</a:t>
+            </a:r>
+            <a:r>
+              <a:rPr lang="en-US" sz="3600" dirty="0">
+                <a:solidFill>
+                  <a:srgbClr val="808080"/>
+                </a:solidFill>
+                <a:latin typeface="Consolas" panose="020B0609020204030204" pitchFamily="49" charset="0"/>
+              </a:rPr>
+              <a:t>(</a:t>
+            </a:r>
+            <a:r>
+              <a:rPr lang="en-US" sz="3200" dirty="0" err="1">
+                <a:solidFill>
+                  <a:srgbClr val="000000"/>
+                </a:solidFill>
+                <a:latin typeface="Consolas" panose="020B0609020204030204" pitchFamily="49" charset="0"/>
+              </a:rPr>
+              <a:t>stringable</a:t>
+            </a:r>
+            <a:r>
+              <a:rPr lang="en-US" sz="3600" dirty="0">
+                <a:solidFill>
+                  <a:srgbClr val="808080"/>
+                </a:solidFill>
+                <a:latin typeface="Consolas" panose="020B0609020204030204" pitchFamily="49" charset="0"/>
+              </a:rPr>
+              <a:t>,</a:t>
+            </a:r>
+            <a:r>
+              <a:rPr lang="en-US" sz="2400" dirty="0">
+                <a:solidFill>
+                  <a:srgbClr val="000000"/>
+                </a:solidFill>
+                <a:latin typeface="Consolas" panose="020B0609020204030204" pitchFamily="49" charset="0"/>
+              </a:rPr>
+              <a:t> </a:t>
+            </a:r>
+            <a:r>
+              <a:rPr lang="en-US" sz="3200" dirty="0" err="1">
+                <a:solidFill>
+                  <a:srgbClr val="000000"/>
+                </a:solidFill>
+                <a:latin typeface="Consolas" panose="020B0609020204030204" pitchFamily="49" charset="0"/>
+              </a:rPr>
+              <a:t>what_phrase</a:t>
+            </a:r>
+            <a:r>
+              <a:rPr lang="en-US" sz="3600" dirty="0">
+                <a:solidFill>
+                  <a:srgbClr val="808080"/>
+                </a:solidFill>
+                <a:latin typeface="Consolas" panose="020B0609020204030204" pitchFamily="49" charset="0"/>
+              </a:rPr>
+              <a:t>,</a:t>
+            </a:r>
+            <a:r>
+              <a:rPr lang="en-US" sz="2400" dirty="0">
+                <a:solidFill>
+                  <a:srgbClr val="000000"/>
+                </a:solidFill>
+                <a:latin typeface="Consolas" panose="020B0609020204030204" pitchFamily="49" charset="0"/>
+              </a:rPr>
+              <a:t> </a:t>
+            </a:r>
+            <a:r>
+              <a:rPr lang="en-US" sz="3200" dirty="0" err="1">
+                <a:solidFill>
+                  <a:srgbClr val="000000"/>
+                </a:solidFill>
+                <a:latin typeface="Consolas" panose="020B0609020204030204" pitchFamily="49" charset="0"/>
+              </a:rPr>
+              <a:t>with_what</a:t>
+            </a:r>
+            <a:r>
+              <a:rPr lang="en-US" sz="3600" dirty="0">
+                <a:solidFill>
+                  <a:srgbClr val="808080"/>
+                </a:solidFill>
+                <a:latin typeface="Consolas" panose="020B0609020204030204" pitchFamily="49" charset="0"/>
+              </a:rPr>
+              <a:t>)</a:t>
+            </a:r>
+            <a:endParaRPr lang="en-US" sz="3600" dirty="0"/>
+          </a:p>
+        </p:txBody>
+      </p:sp>
+      <p:sp>
+        <p:nvSpPr>
+          <p:cNvPr id="10" name="TextBox 9">
+            <a:extLst>
+              <a:ext uri="{FF2B5EF4-FFF2-40B4-BE49-F238E27FC236}">
+                <a16:creationId xmlns:a16="http://schemas.microsoft.com/office/drawing/2014/main" id="{D9D26083-FA3C-901C-884B-A94F10A0D1FB}"/>
+              </a:ext>
+            </a:extLst>
+          </p:cNvPr>
+          <p:cNvSpPr txBox="1"/>
+          <p:nvPr/>
+        </p:nvSpPr>
+        <p:spPr>
+          <a:xfrm>
+            <a:off x="981075" y="4455914"/>
+            <a:ext cx="5406390" cy="430887"/>
+          </a:xfrm>
+          <a:prstGeom prst="rect">
+            <a:avLst/>
+          </a:prstGeom>
+          <a:noFill/>
+        </p:spPr>
+        <p:txBody>
+          <a:bodyPr wrap="square">
+            <a:spAutoFit/>
+          </a:bodyPr>
+          <a:lstStyle/>
+          <a:p>
+            <a:r>
+              <a:rPr lang="en-US" sz="2200" dirty="0">
+                <a:solidFill>
+                  <a:srgbClr val="0000FF"/>
+                </a:solidFill>
+                <a:latin typeface="Consolas" panose="020B0609020204030204" pitchFamily="49" charset="0"/>
+              </a:rPr>
+              <a:t>SELECT</a:t>
+            </a:r>
+            <a:r>
+              <a:rPr lang="en-US" sz="2200" dirty="0">
+                <a:solidFill>
+                  <a:srgbClr val="000000"/>
+                </a:solidFill>
+                <a:latin typeface="Consolas" panose="020B0609020204030204" pitchFamily="49" charset="0"/>
+              </a:rPr>
+              <a:t> </a:t>
+            </a:r>
+            <a:r>
+              <a:rPr lang="en-US" sz="2200" dirty="0">
+                <a:solidFill>
+                  <a:srgbClr val="FF00FF"/>
+                </a:solidFill>
+                <a:latin typeface="Consolas" panose="020B0609020204030204" pitchFamily="49" charset="0"/>
+              </a:rPr>
+              <a:t>REPLACE</a:t>
+            </a:r>
+            <a:r>
+              <a:rPr lang="en-US" sz="2200" dirty="0">
+                <a:solidFill>
+                  <a:srgbClr val="808080"/>
+                </a:solidFill>
+                <a:latin typeface="Consolas" panose="020B0609020204030204" pitchFamily="49" charset="0"/>
+              </a:rPr>
+              <a:t>(</a:t>
+            </a:r>
+            <a:r>
+              <a:rPr lang="en-US" sz="2200" dirty="0">
+                <a:solidFill>
+                  <a:srgbClr val="000000"/>
+                </a:solidFill>
+                <a:latin typeface="Consolas" panose="020B0609020204030204" pitchFamily="49" charset="0"/>
+              </a:rPr>
+              <a:t>123</a:t>
+            </a:r>
+            <a:r>
+              <a:rPr lang="en-US" sz="2200" dirty="0">
+                <a:solidFill>
+                  <a:srgbClr val="808080"/>
+                </a:solidFill>
+                <a:latin typeface="Consolas" panose="020B0609020204030204" pitchFamily="49" charset="0"/>
+              </a:rPr>
+              <a:t>,</a:t>
+            </a:r>
+            <a:r>
+              <a:rPr lang="en-US" sz="2200" dirty="0">
+                <a:solidFill>
+                  <a:srgbClr val="000000"/>
+                </a:solidFill>
+                <a:latin typeface="Consolas" panose="020B0609020204030204" pitchFamily="49" charset="0"/>
+              </a:rPr>
+              <a:t> </a:t>
+            </a:r>
+            <a:r>
+              <a:rPr lang="en-US" sz="2200" dirty="0">
+                <a:solidFill>
+                  <a:srgbClr val="FF0000"/>
+                </a:solidFill>
+                <a:latin typeface="Consolas" panose="020B0609020204030204" pitchFamily="49" charset="0"/>
+              </a:rPr>
+              <a:t>'3'</a:t>
+            </a:r>
+            <a:r>
+              <a:rPr lang="en-US" sz="2200" dirty="0">
+                <a:solidFill>
+                  <a:srgbClr val="808080"/>
+                </a:solidFill>
+                <a:latin typeface="Consolas" panose="020B0609020204030204" pitchFamily="49" charset="0"/>
+              </a:rPr>
+              <a:t>,</a:t>
+            </a:r>
+            <a:r>
+              <a:rPr lang="en-US" sz="2200" dirty="0">
+                <a:solidFill>
+                  <a:srgbClr val="000000"/>
+                </a:solidFill>
+                <a:latin typeface="Consolas" panose="020B0609020204030204" pitchFamily="49" charset="0"/>
+              </a:rPr>
+              <a:t> </a:t>
+            </a:r>
+            <a:r>
+              <a:rPr lang="en-US" sz="2200" dirty="0">
+                <a:solidFill>
+                  <a:srgbClr val="FF0000"/>
+                </a:solidFill>
+                <a:latin typeface="Consolas" panose="020B0609020204030204" pitchFamily="49" charset="0"/>
+              </a:rPr>
+              <a:t>'6'</a:t>
+            </a:r>
+            <a:r>
+              <a:rPr lang="en-US" sz="2200" dirty="0">
+                <a:solidFill>
+                  <a:srgbClr val="808080"/>
+                </a:solidFill>
+                <a:latin typeface="Consolas" panose="020B0609020204030204" pitchFamily="49" charset="0"/>
+              </a:rPr>
+              <a:t>)</a:t>
+            </a:r>
+            <a:endParaRPr lang="en-US" sz="2200" dirty="0"/>
+          </a:p>
+        </p:txBody>
+      </p:sp>
+      <p:sp>
+        <p:nvSpPr>
+          <p:cNvPr id="14" name="TextBox 13">
+            <a:extLst>
+              <a:ext uri="{FF2B5EF4-FFF2-40B4-BE49-F238E27FC236}">
+                <a16:creationId xmlns:a16="http://schemas.microsoft.com/office/drawing/2014/main" id="{A274B8B0-A303-1D1D-3E99-08F362298D87}"/>
+              </a:ext>
+            </a:extLst>
+          </p:cNvPr>
+          <p:cNvSpPr txBox="1"/>
+          <p:nvPr/>
+        </p:nvSpPr>
+        <p:spPr>
+          <a:xfrm>
+            <a:off x="6839503" y="2088358"/>
+            <a:ext cx="4585335" cy="923330"/>
+          </a:xfrm>
+          <a:prstGeom prst="rect">
+            <a:avLst/>
+          </a:prstGeom>
+          <a:noFill/>
+        </p:spPr>
+        <p:txBody>
+          <a:bodyPr wrap="square" rtlCol="0">
+            <a:spAutoFit/>
+          </a:bodyPr>
+          <a:lstStyle/>
+          <a:p>
+            <a:r>
+              <a:rPr lang="en-US" dirty="0"/>
+              <a:t>“</a:t>
+            </a:r>
+            <a:r>
+              <a:rPr lang="en-US" dirty="0" err="1"/>
+              <a:t>Stringable</a:t>
+            </a:r>
+            <a:r>
+              <a:rPr lang="en-US" dirty="0"/>
+              <a:t>” refers to anything that can be represented as a string, including </a:t>
+            </a:r>
+            <a:r>
+              <a:rPr lang="en-US" dirty="0" err="1"/>
+              <a:t>numerics</a:t>
+            </a:r>
+            <a:r>
+              <a:rPr lang="en-US" dirty="0"/>
+              <a:t>, datetimes, </a:t>
+            </a:r>
+            <a:r>
+              <a:rPr lang="en-US" dirty="0" err="1"/>
+              <a:t>guids</a:t>
+            </a:r>
+            <a:r>
+              <a:rPr lang="en-US" dirty="0"/>
+              <a:t>, etc.</a:t>
+            </a:r>
+          </a:p>
+        </p:txBody>
+      </p:sp>
+      <p:sp>
+        <p:nvSpPr>
+          <p:cNvPr id="15" name="TextBox 14">
+            <a:extLst>
+              <a:ext uri="{FF2B5EF4-FFF2-40B4-BE49-F238E27FC236}">
+                <a16:creationId xmlns:a16="http://schemas.microsoft.com/office/drawing/2014/main" id="{4E95F8E7-F4ED-2BD1-D94C-38120D18DDD4}"/>
+              </a:ext>
+            </a:extLst>
+          </p:cNvPr>
+          <p:cNvSpPr txBox="1"/>
+          <p:nvPr/>
+        </p:nvSpPr>
+        <p:spPr>
+          <a:xfrm>
+            <a:off x="6839503" y="3376414"/>
+            <a:ext cx="4482465" cy="923330"/>
+          </a:xfrm>
+          <a:prstGeom prst="rect">
+            <a:avLst/>
+          </a:prstGeom>
+          <a:noFill/>
+        </p:spPr>
+        <p:txBody>
+          <a:bodyPr wrap="square" rtlCol="0">
+            <a:spAutoFit/>
+          </a:bodyPr>
+          <a:lstStyle/>
+          <a:p>
+            <a:r>
+              <a:rPr lang="en-US" dirty="0"/>
+              <a:t>Number of characters in </a:t>
+            </a:r>
+            <a:r>
+              <a:rPr lang="en-US" dirty="0">
+                <a:latin typeface="Consolas" panose="020B0609020204030204" pitchFamily="49" charset="0"/>
+              </a:rPr>
+              <a:t>(</a:t>
+            </a:r>
+            <a:r>
+              <a:rPr lang="en-US" dirty="0" err="1">
+                <a:solidFill>
+                  <a:srgbClr val="000000"/>
+                </a:solidFill>
+                <a:latin typeface="Consolas" panose="020B0609020204030204" pitchFamily="49" charset="0"/>
+              </a:rPr>
+              <a:t>what_phrase</a:t>
+            </a:r>
+            <a:r>
+              <a:rPr lang="en-US" dirty="0">
+                <a:latin typeface="Consolas" panose="020B0609020204030204" pitchFamily="49" charset="0"/>
+              </a:rPr>
+              <a:t>) </a:t>
+            </a:r>
+            <a:r>
+              <a:rPr lang="en-US" dirty="0"/>
+              <a:t>do </a:t>
+            </a:r>
+            <a:r>
+              <a:rPr lang="en-US" b="1" dirty="0"/>
+              <a:t>not</a:t>
+            </a:r>
+            <a:r>
+              <a:rPr lang="en-US" dirty="0"/>
+              <a:t> have to equal number of characters in </a:t>
+            </a:r>
+            <a:r>
+              <a:rPr lang="en-US" dirty="0">
+                <a:latin typeface="Consolas" panose="020B0609020204030204" pitchFamily="49" charset="0"/>
+              </a:rPr>
+              <a:t>(</a:t>
+            </a:r>
+            <a:r>
+              <a:rPr lang="en-US" dirty="0" err="1">
+                <a:solidFill>
+                  <a:srgbClr val="000000"/>
+                </a:solidFill>
+                <a:latin typeface="Consolas" panose="020B0609020204030204" pitchFamily="49" charset="0"/>
+              </a:rPr>
+              <a:t>with_what</a:t>
+            </a:r>
+            <a:r>
+              <a:rPr lang="en-US" dirty="0">
+                <a:latin typeface="Consolas" panose="020B0609020204030204" pitchFamily="49" charset="0"/>
+              </a:rPr>
+              <a:t>)</a:t>
+            </a:r>
+          </a:p>
+        </p:txBody>
+      </p:sp>
+      <p:sp>
+        <p:nvSpPr>
+          <p:cNvPr id="17" name="TextBox 16">
+            <a:extLst>
+              <a:ext uri="{FF2B5EF4-FFF2-40B4-BE49-F238E27FC236}">
+                <a16:creationId xmlns:a16="http://schemas.microsoft.com/office/drawing/2014/main" id="{B3435BAF-BCE3-BA22-9B52-7A37E3EE1481}"/>
+              </a:ext>
+            </a:extLst>
+          </p:cNvPr>
+          <p:cNvSpPr txBox="1"/>
+          <p:nvPr/>
+        </p:nvSpPr>
+        <p:spPr>
+          <a:xfrm>
+            <a:off x="6839503" y="2279439"/>
+            <a:ext cx="4133297" cy="369332"/>
+          </a:xfrm>
+          <a:prstGeom prst="rect">
+            <a:avLst/>
+          </a:prstGeom>
+          <a:noFill/>
+        </p:spPr>
+        <p:txBody>
+          <a:bodyPr wrap="square" rtlCol="0">
+            <a:spAutoFit/>
+          </a:bodyPr>
+          <a:lstStyle/>
+          <a:p>
+            <a:endParaRPr lang="en-US"/>
+          </a:p>
+        </p:txBody>
+      </p:sp>
+      <p:pic>
+        <p:nvPicPr>
+          <p:cNvPr id="3" name="Picture 2">
+            <a:extLst>
+              <a:ext uri="{FF2B5EF4-FFF2-40B4-BE49-F238E27FC236}">
+                <a16:creationId xmlns:a16="http://schemas.microsoft.com/office/drawing/2014/main" id="{2328E7AE-EB38-9B1C-ABDD-912D660205B1}"/>
+              </a:ext>
+            </a:extLst>
+          </p:cNvPr>
+          <p:cNvPicPr>
+            <a:picLocks noChangeAspect="1"/>
+          </p:cNvPicPr>
+          <p:nvPr/>
+        </p:nvPicPr>
+        <p:blipFill>
+          <a:blip r:embed="rId3"/>
+          <a:stretch>
+            <a:fillRect/>
+          </a:stretch>
+        </p:blipFill>
+        <p:spPr>
+          <a:xfrm>
+            <a:off x="1289684" y="3048421"/>
+            <a:ext cx="3132723" cy="869290"/>
+          </a:xfrm>
+          <a:prstGeom prst="rect">
+            <a:avLst/>
+          </a:prstGeom>
+        </p:spPr>
+      </p:pic>
+      <p:pic>
+        <p:nvPicPr>
+          <p:cNvPr id="5" name="Picture 4">
+            <a:extLst>
+              <a:ext uri="{FF2B5EF4-FFF2-40B4-BE49-F238E27FC236}">
+                <a16:creationId xmlns:a16="http://schemas.microsoft.com/office/drawing/2014/main" id="{6C257DC0-E182-BE6A-F00D-9AFF85521558}"/>
+              </a:ext>
+            </a:extLst>
+          </p:cNvPr>
+          <p:cNvPicPr>
+            <a:picLocks noChangeAspect="1"/>
+          </p:cNvPicPr>
+          <p:nvPr/>
+        </p:nvPicPr>
+        <p:blipFill>
+          <a:blip r:embed="rId4"/>
+          <a:stretch>
+            <a:fillRect/>
+          </a:stretch>
+        </p:blipFill>
+        <p:spPr>
+          <a:xfrm>
+            <a:off x="1289683" y="4912043"/>
+            <a:ext cx="3202061" cy="917257"/>
+          </a:xfrm>
+          <a:prstGeom prst="rect">
+            <a:avLst/>
+          </a:prstGeom>
+        </p:spPr>
+      </p:pic>
+    </p:spTree>
+    <p:extLst>
+      <p:ext uri="{BB962C8B-B14F-4D97-AF65-F5344CB8AC3E}">
+        <p14:creationId xmlns:p14="http://schemas.microsoft.com/office/powerpoint/2010/main" val="584012983"/>
+      </p:ext>
+    </p:extLst>
+  </p:cSld>
+  <p:clrMapOvr>
+    <a:masterClrMapping/>
+  </p:clrMapOvr>
+</p:sld>
+</file>
+
+<file path=ppt/slides/slide20.xml><?xml version="1.0" encoding="utf-8"?>
 <p:sld xmlns:a="http://schemas.openxmlformats.org/drawingml/2006/main" xmlns:r="http://schemas.openxmlformats.org/officeDocument/2006/relationships" xmlns:p="http://schemas.openxmlformats.org/presentationml/2006/main">
   <p:cSld>
     <p:spTree>
@@ -19279,7 +14292,7 @@
 </p:sld>
 </file>
 
-<file path=ppt/slides/slide26.xml><?xml version="1.0" encoding="utf-8"?>
+<file path=ppt/slides/slide21.xml><?xml version="1.0" encoding="utf-8"?>
 <p:sld xmlns:a="http://schemas.openxmlformats.org/drawingml/2006/main" xmlns:r="http://schemas.openxmlformats.org/officeDocument/2006/relationships" xmlns:p="http://schemas.openxmlformats.org/presentationml/2006/main">
   <p:cSld>
     <p:spTree>
@@ -20410,7 +15423,7 @@
 </p:sld>
 </file>
 
-<file path=ppt/slides/slide27.xml><?xml version="1.0" encoding="utf-8"?>
+<file path=ppt/slides/slide22.xml><?xml version="1.0" encoding="utf-8"?>
 <p:sld xmlns:a="http://schemas.openxmlformats.org/drawingml/2006/main" xmlns:r="http://schemas.openxmlformats.org/officeDocument/2006/relationships" xmlns:p="http://schemas.openxmlformats.org/presentationml/2006/main">
   <p:cSld>
     <p:spTree>
@@ -21366,7 +16379,7 @@
 </p:sld>
 </file>
 
-<file path=ppt/slides/slide28.xml><?xml version="1.0" encoding="utf-8"?>
+<file path=ppt/slides/slide23.xml><?xml version="1.0" encoding="utf-8"?>
 <p:sld xmlns:a="http://schemas.openxmlformats.org/drawingml/2006/main" xmlns:r="http://schemas.openxmlformats.org/officeDocument/2006/relationships" xmlns:p="http://schemas.openxmlformats.org/presentationml/2006/main">
   <p:cSld>
     <p:spTree>
@@ -21589,7 +16602,7 @@
 </p:sld>
 </file>
 
-<file path=ppt/slides/slide29.xml><?xml version="1.0" encoding="utf-8"?>
+<file path=ppt/slides/slide24.xml><?xml version="1.0" encoding="utf-8"?>
 <p:sld xmlns:a="http://schemas.openxmlformats.org/drawingml/2006/main" xmlns:r="http://schemas.openxmlformats.org/officeDocument/2006/relationships" xmlns:p="http://schemas.openxmlformats.org/presentationml/2006/main">
   <p:cSld>
     <p:spTree>
@@ -26651,7 +21664,7 @@
           <a:p>
             <a:r>
               <a:rPr lang="en-US" dirty="0"/>
-              <a:t>Requires SQL 2017+</a:t>
+              <a:t>Requires MS SQL 2017+</a:t>
             </a:r>
           </a:p>
         </p:txBody>

--- a/TSQL_Translate_Operator/TSQL Translate.pptx
+++ b/TSQL_Translate_Operator/TSQL Translate.pptx
@@ -2338,7 +2338,7 @@
           <a:p>
             <a:fld id="{D6A2AC56-E20D-4719-9E66-68604E547144}" type="datetimeFigureOut">
               <a:rPr lang="en-US" smtClean="0"/>
-              <a:t>1/25/2024</a:t>
+              <a:t>1/29/2024</a:t>
             </a:fld>
             <a:endParaRPr lang="en-US"/>
           </a:p>
@@ -3688,7 +3688,7 @@
           <a:p>
             <a:fld id="{94E3A28C-D62F-4439-8BFC-9924939B4D00}" type="datetimeFigureOut">
               <a:rPr lang="en-US" smtClean="0"/>
-              <a:t>1/25/2024</a:t>
+              <a:t>1/29/2024</a:t>
             </a:fld>
             <a:endParaRPr lang="en-US"/>
           </a:p>
@@ -3886,7 +3886,7 @@
           <a:p>
             <a:fld id="{94E3A28C-D62F-4439-8BFC-9924939B4D00}" type="datetimeFigureOut">
               <a:rPr lang="en-US" smtClean="0"/>
-              <a:t>1/25/2024</a:t>
+              <a:t>1/29/2024</a:t>
             </a:fld>
             <a:endParaRPr lang="en-US"/>
           </a:p>
@@ -4094,7 +4094,7 @@
           <a:p>
             <a:fld id="{94E3A28C-D62F-4439-8BFC-9924939B4D00}" type="datetimeFigureOut">
               <a:rPr lang="en-US" smtClean="0"/>
-              <a:t>1/25/2024</a:t>
+              <a:t>1/29/2024</a:t>
             </a:fld>
             <a:endParaRPr lang="en-US"/>
           </a:p>
@@ -4292,7 +4292,7 @@
           <a:p>
             <a:fld id="{94E3A28C-D62F-4439-8BFC-9924939B4D00}" type="datetimeFigureOut">
               <a:rPr lang="en-US" smtClean="0"/>
-              <a:t>1/25/2024</a:t>
+              <a:t>1/29/2024</a:t>
             </a:fld>
             <a:endParaRPr lang="en-US"/>
           </a:p>
@@ -4567,7 +4567,7 @@
           <a:p>
             <a:fld id="{94E3A28C-D62F-4439-8BFC-9924939B4D00}" type="datetimeFigureOut">
               <a:rPr lang="en-US" smtClean="0"/>
-              <a:t>1/25/2024</a:t>
+              <a:t>1/29/2024</a:t>
             </a:fld>
             <a:endParaRPr lang="en-US"/>
           </a:p>
@@ -4832,7 +4832,7 @@
           <a:p>
             <a:fld id="{94E3A28C-D62F-4439-8BFC-9924939B4D00}" type="datetimeFigureOut">
               <a:rPr lang="en-US" smtClean="0"/>
-              <a:t>1/25/2024</a:t>
+              <a:t>1/29/2024</a:t>
             </a:fld>
             <a:endParaRPr lang="en-US"/>
           </a:p>
@@ -5244,7 +5244,7 @@
           <a:p>
             <a:fld id="{94E3A28C-D62F-4439-8BFC-9924939B4D00}" type="datetimeFigureOut">
               <a:rPr lang="en-US" smtClean="0"/>
-              <a:t>1/25/2024</a:t>
+              <a:t>1/29/2024</a:t>
             </a:fld>
             <a:endParaRPr lang="en-US"/>
           </a:p>
@@ -5385,7 +5385,7 @@
           <a:p>
             <a:fld id="{94E3A28C-D62F-4439-8BFC-9924939B4D00}" type="datetimeFigureOut">
               <a:rPr lang="en-US" smtClean="0"/>
-              <a:t>1/25/2024</a:t>
+              <a:t>1/29/2024</a:t>
             </a:fld>
             <a:endParaRPr lang="en-US"/>
           </a:p>
@@ -5498,7 +5498,7 @@
           <a:p>
             <a:fld id="{94E3A28C-D62F-4439-8BFC-9924939B4D00}" type="datetimeFigureOut">
               <a:rPr lang="en-US" smtClean="0"/>
-              <a:t>1/25/2024</a:t>
+              <a:t>1/29/2024</a:t>
             </a:fld>
             <a:endParaRPr lang="en-US"/>
           </a:p>
@@ -5809,7 +5809,7 @@
           <a:p>
             <a:fld id="{94E3A28C-D62F-4439-8BFC-9924939B4D00}" type="datetimeFigureOut">
               <a:rPr lang="en-US" smtClean="0"/>
-              <a:t>1/25/2024</a:t>
+              <a:t>1/29/2024</a:t>
             </a:fld>
             <a:endParaRPr lang="en-US"/>
           </a:p>
@@ -6097,7 +6097,7 @@
           <a:p>
             <a:fld id="{94E3A28C-D62F-4439-8BFC-9924939B4D00}" type="datetimeFigureOut">
               <a:rPr lang="en-US" smtClean="0"/>
-              <a:t>1/25/2024</a:t>
+              <a:t>1/29/2024</a:t>
             </a:fld>
             <a:endParaRPr lang="en-US"/>
           </a:p>
@@ -6338,7 +6338,7 @@
           <a:p>
             <a:fld id="{94E3A28C-D62F-4439-8BFC-9924939B4D00}" type="datetimeFigureOut">
               <a:rPr lang="en-US" smtClean="0"/>
-              <a:t>1/25/2024</a:t>
+              <a:t>1/29/2024</a:t>
             </a:fld>
             <a:endParaRPr lang="en-US"/>
           </a:p>
@@ -14323,8 +14323,8 @@
         </p:nvSpPr>
         <p:spPr>
           <a:xfrm>
-            <a:off x="963522" y="1759833"/>
-            <a:ext cx="7106058" cy="3785652"/>
+            <a:off x="963522" y="1577876"/>
+            <a:ext cx="9666378" cy="4401205"/>
           </a:xfrm>
           <a:prstGeom prst="rect">
             <a:avLst/>
@@ -14338,7 +14338,7 @@
           <a:lstStyle/>
           <a:p>
             <a:r>
-              <a:rPr lang="en-US" sz="2400" dirty="0">
+              <a:rPr lang="en-US" sz="2000" dirty="0">
                 <a:solidFill>
                   <a:srgbClr val="0000FF"/>
                 </a:solidFill>
@@ -14347,7 +14347,7 @@
               <a:t>DECLARE</a:t>
             </a:r>
             <a:r>
-              <a:rPr lang="en-US" sz="2400" dirty="0">
+              <a:rPr lang="en-US" sz="2000" dirty="0">
                 <a:solidFill>
                   <a:srgbClr val="000000"/>
                 </a:solidFill>
@@ -14356,7 +14356,7 @@
               <a:t> @_myint </a:t>
             </a:r>
             <a:r>
-              <a:rPr lang="en-US" sz="2400" dirty="0">
+              <a:rPr lang="en-US" sz="2000" dirty="0">
                 <a:solidFill>
                   <a:srgbClr val="0000FF"/>
                 </a:solidFill>
@@ -14365,7 +14365,7 @@
               <a:t>int</a:t>
             </a:r>
             <a:r>
-              <a:rPr lang="en-US" sz="2400" dirty="0">
+              <a:rPr lang="en-US" sz="2000" dirty="0">
                 <a:solidFill>
                   <a:srgbClr val="000000"/>
                 </a:solidFill>
@@ -14374,7 +14374,7 @@
               <a:t> </a:t>
             </a:r>
             <a:r>
-              <a:rPr lang="en-US" sz="2400" dirty="0">
+              <a:rPr lang="en-US" sz="2000" dirty="0">
                 <a:solidFill>
                   <a:srgbClr val="808080"/>
                 </a:solidFill>
@@ -14383,7 +14383,7 @@
               <a:t>=</a:t>
             </a:r>
             <a:r>
-              <a:rPr lang="en-US" sz="2400" dirty="0">
+              <a:rPr lang="en-US" sz="2000" dirty="0">
                 <a:solidFill>
                   <a:srgbClr val="000000"/>
                 </a:solidFill>
@@ -14394,7 +14394,7 @@
           </a:p>
           <a:p>
             <a:r>
-              <a:rPr lang="en-US" sz="2400" dirty="0">
+              <a:rPr lang="en-US" sz="2000" dirty="0">
                 <a:solidFill>
                   <a:srgbClr val="0000FF"/>
                 </a:solidFill>
@@ -14403,7 +14403,7 @@
               <a:t>DECLARE</a:t>
             </a:r>
             <a:r>
-              <a:rPr lang="en-US" sz="2400" dirty="0">
+              <a:rPr lang="en-US" sz="2000" dirty="0">
                 <a:solidFill>
                   <a:srgbClr val="000000"/>
                 </a:solidFill>
@@ -14412,7 +14412,7 @@
               <a:t> @_mytext </a:t>
             </a:r>
             <a:r>
-              <a:rPr lang="en-US" sz="2400" dirty="0">
+              <a:rPr lang="en-US" sz="2000" dirty="0">
                 <a:solidFill>
                   <a:srgbClr val="0000FF"/>
                 </a:solidFill>
@@ -14421,7 +14421,7 @@
               <a:t>varchar</a:t>
             </a:r>
             <a:r>
-              <a:rPr lang="en-US" sz="2400" dirty="0">
+              <a:rPr lang="en-US" sz="2000" dirty="0">
                 <a:solidFill>
                   <a:srgbClr val="808080"/>
                 </a:solidFill>
@@ -14430,7 +14430,7 @@
               <a:t>(</a:t>
             </a:r>
             <a:r>
-              <a:rPr lang="en-US" sz="2400" dirty="0">
+              <a:rPr lang="en-US" sz="2000" dirty="0">
                 <a:solidFill>
                   <a:srgbClr val="000000"/>
                 </a:solidFill>
@@ -14439,16 +14439,16 @@
               <a:t>8</a:t>
             </a:r>
             <a:r>
-              <a:rPr lang="en-US" sz="2400" dirty="0">
-                <a:solidFill>
-                  <a:srgbClr val="808080"/>
-                </a:solidFill>
-                <a:latin typeface="Consolas" panose="020B0609020204030204" pitchFamily="49" charset="0"/>
-              </a:rPr>
-              <a:t>) =</a:t>
-            </a:r>
-            <a:r>
-              <a:rPr lang="en-US" sz="2400" dirty="0">
+              <a:rPr lang="en-US" sz="2000" dirty="0">
+                <a:solidFill>
+                  <a:srgbClr val="808080"/>
+                </a:solidFill>
+                <a:latin typeface="Consolas" panose="020B0609020204030204" pitchFamily="49" charset="0"/>
+              </a:rPr>
+              <a:t>)</a:t>
+            </a:r>
+            <a:r>
+              <a:rPr lang="en-US" sz="2000" dirty="0">
                 <a:solidFill>
                   <a:srgbClr val="000000"/>
                 </a:solidFill>
@@ -14457,7 +14457,25 @@
               <a:t> </a:t>
             </a:r>
             <a:r>
-              <a:rPr lang="en-US" sz="2400" dirty="0">
+              <a:rPr lang="en-US" sz="2000" dirty="0">
+                <a:solidFill>
+                  <a:srgbClr val="808080"/>
+                </a:solidFill>
+                <a:latin typeface="Consolas" panose="020B0609020204030204" pitchFamily="49" charset="0"/>
+              </a:rPr>
+              <a:t>=</a:t>
+            </a:r>
+            <a:r>
+              <a:rPr lang="en-US" sz="2000" dirty="0">
+                <a:solidFill>
+                  <a:srgbClr val="000000"/>
+                </a:solidFill>
+                <a:latin typeface="Consolas" panose="020B0609020204030204" pitchFamily="49" charset="0"/>
+              </a:rPr>
+              <a:t> </a:t>
+            </a:r>
+            <a:r>
+              <a:rPr lang="en-US" sz="2000" dirty="0">
                 <a:solidFill>
                   <a:srgbClr val="FF0000"/>
                 </a:solidFill>
@@ -14465,7 +14483,7 @@
               </a:rPr>
               <a:t>'hello'</a:t>
             </a:r>
-            <a:endParaRPr lang="en-US" sz="2400" dirty="0">
+            <a:endParaRPr lang="en-US" sz="2000" dirty="0">
               <a:solidFill>
                 <a:srgbClr val="000000"/>
               </a:solidFill>
@@ -14473,7 +14491,142 @@
             </a:endParaRPr>
           </a:p>
           <a:p>
-            <a:endParaRPr lang="en-US" sz="2400" dirty="0">
+            <a:r>
+              <a:rPr lang="en-US" sz="2000" dirty="0">
+                <a:solidFill>
+                  <a:srgbClr val="0000FF"/>
+                </a:solidFill>
+                <a:latin typeface="Consolas" panose="020B0609020204030204" pitchFamily="49" charset="0"/>
+              </a:rPr>
+              <a:t>DECLARE</a:t>
+            </a:r>
+            <a:r>
+              <a:rPr lang="en-US" sz="2000" dirty="0">
+                <a:solidFill>
+                  <a:srgbClr val="000000"/>
+                </a:solidFill>
+                <a:latin typeface="Consolas" panose="020B0609020204030204" pitchFamily="49" charset="0"/>
+              </a:rPr>
+              <a:t> @_mybigtext </a:t>
+            </a:r>
+            <a:r>
+              <a:rPr lang="en-US" sz="2000" dirty="0">
+                <a:solidFill>
+                  <a:srgbClr val="0000FF"/>
+                </a:solidFill>
+                <a:latin typeface="Consolas" panose="020B0609020204030204" pitchFamily="49" charset="0"/>
+              </a:rPr>
+              <a:t>varchar</a:t>
+            </a:r>
+            <a:r>
+              <a:rPr lang="en-US" sz="2000" dirty="0">
+                <a:solidFill>
+                  <a:srgbClr val="808080"/>
+                </a:solidFill>
+                <a:latin typeface="Consolas" panose="020B0609020204030204" pitchFamily="49" charset="0"/>
+              </a:rPr>
+              <a:t>(</a:t>
+            </a:r>
+            <a:r>
+              <a:rPr lang="en-US" sz="2000" dirty="0">
+                <a:solidFill>
+                  <a:srgbClr val="FF00FF"/>
+                </a:solidFill>
+                <a:latin typeface="Consolas" panose="020B0609020204030204" pitchFamily="49" charset="0"/>
+              </a:rPr>
+              <a:t>max</a:t>
+            </a:r>
+            <a:r>
+              <a:rPr lang="en-US" sz="2000" dirty="0">
+                <a:solidFill>
+                  <a:srgbClr val="808080"/>
+                </a:solidFill>
+                <a:latin typeface="Consolas" panose="020B0609020204030204" pitchFamily="49" charset="0"/>
+              </a:rPr>
+              <a:t>)</a:t>
+            </a:r>
+            <a:r>
+              <a:rPr lang="en-US" sz="2000" dirty="0">
+                <a:solidFill>
+                  <a:srgbClr val="000000"/>
+                </a:solidFill>
+                <a:latin typeface="Consolas" panose="020B0609020204030204" pitchFamily="49" charset="0"/>
+              </a:rPr>
+              <a:t> </a:t>
+            </a:r>
+            <a:r>
+              <a:rPr lang="en-US" sz="2000" dirty="0">
+                <a:solidFill>
+                  <a:srgbClr val="808080"/>
+                </a:solidFill>
+                <a:latin typeface="Consolas" panose="020B0609020204030204" pitchFamily="49" charset="0"/>
+              </a:rPr>
+              <a:t>=</a:t>
+            </a:r>
+            <a:r>
+              <a:rPr lang="en-US" sz="2000" dirty="0">
+                <a:solidFill>
+                  <a:srgbClr val="000000"/>
+                </a:solidFill>
+                <a:latin typeface="Consolas" panose="020B0609020204030204" pitchFamily="49" charset="0"/>
+              </a:rPr>
+              <a:t> </a:t>
+            </a:r>
+            <a:r>
+              <a:rPr lang="en-US" sz="2000" dirty="0">
+                <a:solidFill>
+                  <a:srgbClr val="FF00FF"/>
+                </a:solidFill>
+                <a:latin typeface="Consolas" panose="020B0609020204030204" pitchFamily="49" charset="0"/>
+              </a:rPr>
+              <a:t>REPLICATE</a:t>
+            </a:r>
+            <a:r>
+              <a:rPr lang="en-US" sz="2000" dirty="0">
+                <a:solidFill>
+                  <a:srgbClr val="808080"/>
+                </a:solidFill>
+                <a:latin typeface="Consolas" panose="020B0609020204030204" pitchFamily="49" charset="0"/>
+              </a:rPr>
+              <a:t>(</a:t>
+            </a:r>
+            <a:r>
+              <a:rPr lang="en-US" sz="2000" dirty="0">
+                <a:solidFill>
+                  <a:srgbClr val="FF0000"/>
+                </a:solidFill>
+                <a:latin typeface="Consolas" panose="020B0609020204030204" pitchFamily="49" charset="0"/>
+              </a:rPr>
+              <a:t>'hello '</a:t>
+            </a:r>
+            <a:r>
+              <a:rPr lang="en-US" sz="2000" dirty="0">
+                <a:solidFill>
+                  <a:srgbClr val="808080"/>
+                </a:solidFill>
+                <a:latin typeface="Consolas" panose="020B0609020204030204" pitchFamily="49" charset="0"/>
+              </a:rPr>
+              <a:t>,</a:t>
+            </a:r>
+            <a:r>
+              <a:rPr lang="en-US" sz="2000" dirty="0">
+                <a:solidFill>
+                  <a:srgbClr val="000000"/>
+                </a:solidFill>
+                <a:latin typeface="Consolas" panose="020B0609020204030204" pitchFamily="49" charset="0"/>
+              </a:rPr>
+              <a:t> 2000</a:t>
+            </a:r>
+            <a:r>
+              <a:rPr lang="en-US" sz="2000" dirty="0">
+                <a:solidFill>
+                  <a:srgbClr val="808080"/>
+                </a:solidFill>
+                <a:latin typeface="Consolas" panose="020B0609020204030204" pitchFamily="49" charset="0"/>
+              </a:rPr>
+              <a:t>)</a:t>
+            </a:r>
+            <a:endParaRPr lang="en-US" sz="2000" dirty="0">
               <a:solidFill>
                 <a:srgbClr val="000000"/>
               </a:solidFill>
@@ -14481,52 +14634,7 @@
             </a:endParaRPr>
           </a:p>
           <a:p>
-            <a:r>
-              <a:rPr lang="en-US" sz="2400" dirty="0">
-                <a:solidFill>
-                  <a:srgbClr val="0000FF"/>
-                </a:solidFill>
-                <a:latin typeface="Consolas" panose="020B0609020204030204" pitchFamily="49" charset="0"/>
-              </a:rPr>
-              <a:t>SELECT</a:t>
-            </a:r>
-            <a:r>
-              <a:rPr lang="en-US" sz="2400" dirty="0">
-                <a:solidFill>
-                  <a:srgbClr val="000000"/>
-                </a:solidFill>
-                <a:latin typeface="Consolas" panose="020B0609020204030204" pitchFamily="49" charset="0"/>
-              </a:rPr>
-              <a:t> @_myint </a:t>
-            </a:r>
-            <a:r>
-              <a:rPr lang="en-US" sz="2400" dirty="0">
-                <a:solidFill>
-                  <a:srgbClr val="0000FF"/>
-                </a:solidFill>
-                <a:latin typeface="Consolas" panose="020B0609020204030204" pitchFamily="49" charset="0"/>
-              </a:rPr>
-              <a:t>AS</a:t>
-            </a:r>
-            <a:r>
-              <a:rPr lang="en-US" sz="2400" dirty="0">
-                <a:solidFill>
-                  <a:srgbClr val="000000"/>
-                </a:solidFill>
-                <a:latin typeface="Consolas" panose="020B0609020204030204" pitchFamily="49" charset="0"/>
-              </a:rPr>
-              <a:t> </a:t>
-            </a:r>
-            <a:r>
-              <a:rPr lang="en-US" sz="2400" dirty="0" err="1">
-                <a:solidFill>
-                  <a:srgbClr val="000000"/>
-                </a:solidFill>
-                <a:latin typeface="Consolas" panose="020B0609020204030204" pitchFamily="49" charset="0"/>
-              </a:rPr>
-              <a:t>MyInt</a:t>
-            </a:r>
-            <a:endParaRPr lang="en-US" sz="2400" dirty="0">
+            <a:endParaRPr lang="en-US" sz="2000" dirty="0">
               <a:solidFill>
                 <a:srgbClr val="000000"/>
               </a:solidFill>
@@ -14535,16 +14643,34 @@
           </a:p>
           <a:p>
             <a:r>
-              <a:rPr lang="en-US" sz="2400" dirty="0">
-                <a:solidFill>
-                  <a:srgbClr val="808080"/>
-                </a:solidFill>
-                <a:latin typeface="Consolas" panose="020B0609020204030204" pitchFamily="49" charset="0"/>
-              </a:rPr>
-              <a:t>  ,</a:t>
-            </a:r>
-            <a:r>
-              <a:rPr lang="en-US" sz="2400" dirty="0">
+              <a:rPr lang="en-US" sz="2000" dirty="0">
+                <a:solidFill>
+                  <a:srgbClr val="0000FF"/>
+                </a:solidFill>
+                <a:latin typeface="Consolas" panose="020B0609020204030204" pitchFamily="49" charset="0"/>
+              </a:rPr>
+              <a:t>SELECT</a:t>
+            </a:r>
+            <a:r>
+              <a:rPr lang="en-US" sz="2000" dirty="0">
+                <a:solidFill>
+                  <a:srgbClr val="000000"/>
+                </a:solidFill>
+                <a:latin typeface="Consolas" panose="020B0609020204030204" pitchFamily="49" charset="0"/>
+              </a:rPr>
+              <a:t> @_myint </a:t>
+            </a:r>
+            <a:r>
+              <a:rPr lang="en-US" sz="2000" dirty="0">
+                <a:solidFill>
+                  <a:srgbClr val="0000FF"/>
+                </a:solidFill>
+                <a:latin typeface="Consolas" panose="020B0609020204030204" pitchFamily="49" charset="0"/>
+              </a:rPr>
+              <a:t>AS</a:t>
+            </a:r>
+            <a:r>
+              <a:rPr lang="en-US" sz="2000" dirty="0">
                 <a:solidFill>
                   <a:srgbClr val="000000"/>
                 </a:solidFill>
@@ -14553,143 +14679,15 @@
               <a:t> </a:t>
             </a:r>
             <a:r>
-              <a:rPr lang="en-US" sz="2400" dirty="0">
-                <a:solidFill>
-                  <a:srgbClr val="FF00FF"/>
-                </a:solidFill>
-                <a:latin typeface="Consolas" panose="020B0609020204030204" pitchFamily="49" charset="0"/>
-              </a:rPr>
-              <a:t>TRANSLATE</a:t>
-            </a:r>
-            <a:r>
-              <a:rPr lang="en-US" sz="2400" dirty="0">
-                <a:solidFill>
-                  <a:srgbClr val="808080"/>
-                </a:solidFill>
-                <a:latin typeface="Consolas" panose="020B0609020204030204" pitchFamily="49" charset="0"/>
-              </a:rPr>
-              <a:t>(</a:t>
-            </a:r>
-            <a:r>
-              <a:rPr lang="en-US" sz="2400" dirty="0">
-                <a:solidFill>
-                  <a:srgbClr val="000000"/>
-                </a:solidFill>
-                <a:latin typeface="Consolas" panose="020B0609020204030204" pitchFamily="49" charset="0"/>
-              </a:rPr>
-              <a:t>@_myint</a:t>
-            </a:r>
-            <a:r>
-              <a:rPr lang="en-US" sz="2400" dirty="0">
-                <a:solidFill>
-                  <a:srgbClr val="808080"/>
-                </a:solidFill>
-                <a:latin typeface="Consolas" panose="020B0609020204030204" pitchFamily="49" charset="0"/>
-              </a:rPr>
-              <a:t>,</a:t>
-            </a:r>
-            <a:r>
-              <a:rPr lang="en-US" sz="2400" dirty="0">
-                <a:solidFill>
-                  <a:srgbClr val="000000"/>
-                </a:solidFill>
-                <a:latin typeface="Consolas" panose="020B0609020204030204" pitchFamily="49" charset="0"/>
-              </a:rPr>
-              <a:t> </a:t>
-            </a:r>
-            <a:r>
-              <a:rPr lang="en-US" sz="2400" dirty="0">
-                <a:solidFill>
-                  <a:srgbClr val="FF0000"/>
-                </a:solidFill>
-                <a:latin typeface="Consolas" panose="020B0609020204030204" pitchFamily="49" charset="0"/>
-              </a:rPr>
-              <a:t>'3'</a:t>
-            </a:r>
-            <a:r>
-              <a:rPr lang="en-US" sz="2400" dirty="0">
-                <a:solidFill>
-                  <a:srgbClr val="808080"/>
-                </a:solidFill>
-                <a:latin typeface="Consolas" panose="020B0609020204030204" pitchFamily="49" charset="0"/>
-              </a:rPr>
-              <a:t>,</a:t>
-            </a:r>
-            <a:r>
-              <a:rPr lang="en-US" sz="2400" dirty="0">
-                <a:solidFill>
-                  <a:srgbClr val="000000"/>
-                </a:solidFill>
-                <a:latin typeface="Consolas" panose="020B0609020204030204" pitchFamily="49" charset="0"/>
-              </a:rPr>
-              <a:t> </a:t>
-            </a:r>
-            <a:r>
-              <a:rPr lang="en-US" sz="2400" dirty="0">
-                <a:solidFill>
-                  <a:srgbClr val="FF0000"/>
-                </a:solidFill>
-                <a:latin typeface="Consolas" panose="020B0609020204030204" pitchFamily="49" charset="0"/>
-              </a:rPr>
-              <a:t>'6'</a:t>
-            </a:r>
-            <a:r>
-              <a:rPr lang="en-US" sz="2400" dirty="0">
-                <a:solidFill>
-                  <a:srgbClr val="808080"/>
-                </a:solidFill>
-                <a:latin typeface="Consolas" panose="020B0609020204030204" pitchFamily="49" charset="0"/>
-              </a:rPr>
-              <a:t>)</a:t>
-            </a:r>
-            <a:r>
-              <a:rPr lang="en-US" sz="2400" dirty="0">
-                <a:solidFill>
-                  <a:srgbClr val="000000"/>
-                </a:solidFill>
-                <a:latin typeface="Consolas" panose="020B0609020204030204" pitchFamily="49" charset="0"/>
-              </a:rPr>
-              <a:t> </a:t>
-            </a:r>
-          </a:p>
-          <a:p>
-            <a:r>
-              <a:rPr lang="en-US" sz="2400" dirty="0">
-                <a:solidFill>
-                  <a:srgbClr val="000000"/>
-                </a:solidFill>
-                <a:latin typeface="Consolas" panose="020B0609020204030204" pitchFamily="49" charset="0"/>
-              </a:rPr>
-              <a:t>       </a:t>
-            </a:r>
-            <a:r>
-              <a:rPr lang="en-US" sz="2400" dirty="0">
-                <a:solidFill>
-                  <a:srgbClr val="0000FF"/>
-                </a:solidFill>
-                <a:latin typeface="Consolas" panose="020B0609020204030204" pitchFamily="49" charset="0"/>
-              </a:rPr>
-              <a:t>AS</a:t>
-            </a:r>
-            <a:r>
-              <a:rPr lang="en-US" sz="2400" dirty="0">
-                <a:solidFill>
-                  <a:srgbClr val="000000"/>
-                </a:solidFill>
-                <a:latin typeface="Consolas" panose="020B0609020204030204" pitchFamily="49" charset="0"/>
-              </a:rPr>
-              <a:t> </a:t>
-            </a:r>
-            <a:r>
-              <a:rPr lang="en-US" sz="2400" dirty="0" err="1">
-                <a:solidFill>
-                  <a:srgbClr val="000000"/>
-                </a:solidFill>
-                <a:latin typeface="Consolas" panose="020B0609020204030204" pitchFamily="49" charset="0"/>
-              </a:rPr>
-              <a:t>MyNewInt</a:t>
-            </a:r>
-            <a:endParaRPr lang="en-US" sz="2400" dirty="0">
+              <a:rPr lang="en-US" sz="2000" dirty="0" err="1">
+                <a:solidFill>
+                  <a:srgbClr val="000000"/>
+                </a:solidFill>
+                <a:latin typeface="Consolas" panose="020B0609020204030204" pitchFamily="49" charset="0"/>
+              </a:rPr>
+              <a:t>MyInt</a:t>
+            </a:r>
+            <a:endParaRPr lang="en-US" sz="2000" dirty="0">
               <a:solidFill>
                 <a:srgbClr val="000000"/>
               </a:solidFill>
@@ -14698,25 +14696,144 @@
           </a:p>
           <a:p>
             <a:r>
-              <a:rPr lang="en-US" sz="2400" dirty="0">
-                <a:solidFill>
-                  <a:srgbClr val="808080"/>
-                </a:solidFill>
-                <a:latin typeface="Consolas" panose="020B0609020204030204" pitchFamily="49" charset="0"/>
-              </a:rPr>
-              <a:t>  ,</a:t>
-            </a:r>
-            <a:r>
-              <a:rPr lang="en-US" sz="2400" dirty="0">
-                <a:solidFill>
-                  <a:srgbClr val="000000"/>
-                </a:solidFill>
-                <a:latin typeface="Consolas" panose="020B0609020204030204" pitchFamily="49" charset="0"/>
-              </a:rPr>
-              <a:t> @_mytext </a:t>
-            </a:r>
-            <a:r>
-              <a:rPr lang="en-US" sz="2400" dirty="0">
+              <a:rPr lang="en-US" sz="2000" dirty="0">
+                <a:solidFill>
+                  <a:srgbClr val="000000"/>
+                </a:solidFill>
+                <a:latin typeface="Consolas" panose="020B0609020204030204" pitchFamily="49" charset="0"/>
+              </a:rPr>
+              <a:t>  </a:t>
+            </a:r>
+            <a:r>
+              <a:rPr lang="en-US" sz="2000" dirty="0">
+                <a:solidFill>
+                  <a:srgbClr val="808080"/>
+                </a:solidFill>
+                <a:latin typeface="Consolas" panose="020B0609020204030204" pitchFamily="49" charset="0"/>
+              </a:rPr>
+              <a:t>,</a:t>
+            </a:r>
+            <a:r>
+              <a:rPr lang="en-US" sz="2000" dirty="0">
+                <a:solidFill>
+                  <a:srgbClr val="000000"/>
+                </a:solidFill>
+                <a:latin typeface="Consolas" panose="020B0609020204030204" pitchFamily="49" charset="0"/>
+              </a:rPr>
+              <a:t> </a:t>
+            </a:r>
+            <a:r>
+              <a:rPr lang="en-US" sz="2000" dirty="0">
+                <a:solidFill>
+                  <a:srgbClr val="FF00FF"/>
+                </a:solidFill>
+                <a:latin typeface="Consolas" panose="020B0609020204030204" pitchFamily="49" charset="0"/>
+              </a:rPr>
+              <a:t>TRANSLATE</a:t>
+            </a:r>
+            <a:r>
+              <a:rPr lang="en-US" sz="2000" dirty="0">
+                <a:solidFill>
+                  <a:srgbClr val="808080"/>
+                </a:solidFill>
+                <a:latin typeface="Consolas" panose="020B0609020204030204" pitchFamily="49" charset="0"/>
+              </a:rPr>
+              <a:t>(</a:t>
+            </a:r>
+            <a:r>
+              <a:rPr lang="en-US" sz="2000" dirty="0">
+                <a:solidFill>
+                  <a:srgbClr val="000000"/>
+                </a:solidFill>
+                <a:latin typeface="Consolas" panose="020B0609020204030204" pitchFamily="49" charset="0"/>
+              </a:rPr>
+              <a:t>@_myint</a:t>
+            </a:r>
+            <a:r>
+              <a:rPr lang="en-US" sz="2000" dirty="0">
+                <a:solidFill>
+                  <a:srgbClr val="808080"/>
+                </a:solidFill>
+                <a:latin typeface="Consolas" panose="020B0609020204030204" pitchFamily="49" charset="0"/>
+              </a:rPr>
+              <a:t>,</a:t>
+            </a:r>
+            <a:r>
+              <a:rPr lang="en-US" sz="2000" dirty="0">
+                <a:solidFill>
+                  <a:srgbClr val="000000"/>
+                </a:solidFill>
+                <a:latin typeface="Consolas" panose="020B0609020204030204" pitchFamily="49" charset="0"/>
+              </a:rPr>
+              <a:t> </a:t>
+            </a:r>
+            <a:r>
+              <a:rPr lang="en-US" sz="2000" dirty="0">
+                <a:solidFill>
+                  <a:srgbClr val="FF0000"/>
+                </a:solidFill>
+                <a:latin typeface="Consolas" panose="020B0609020204030204" pitchFamily="49" charset="0"/>
+              </a:rPr>
+              <a:t>'3'</a:t>
+            </a:r>
+            <a:r>
+              <a:rPr lang="en-US" sz="2000" dirty="0">
+                <a:solidFill>
+                  <a:srgbClr val="808080"/>
+                </a:solidFill>
+                <a:latin typeface="Consolas" panose="020B0609020204030204" pitchFamily="49" charset="0"/>
+              </a:rPr>
+              <a:t>,</a:t>
+            </a:r>
+            <a:r>
+              <a:rPr lang="en-US" sz="2000" dirty="0">
+                <a:solidFill>
+                  <a:srgbClr val="000000"/>
+                </a:solidFill>
+                <a:latin typeface="Consolas" panose="020B0609020204030204" pitchFamily="49" charset="0"/>
+              </a:rPr>
+              <a:t> </a:t>
+            </a:r>
+            <a:r>
+              <a:rPr lang="en-US" sz="2000" dirty="0">
+                <a:solidFill>
+                  <a:srgbClr val="FF0000"/>
+                </a:solidFill>
+                <a:latin typeface="Consolas" panose="020B0609020204030204" pitchFamily="49" charset="0"/>
+              </a:rPr>
+              <a:t>'6'</a:t>
+            </a:r>
+            <a:r>
+              <a:rPr lang="en-US" sz="2000" dirty="0">
+                <a:solidFill>
+                  <a:srgbClr val="808080"/>
+                </a:solidFill>
+                <a:latin typeface="Consolas" panose="020B0609020204030204" pitchFamily="49" charset="0"/>
+              </a:rPr>
+              <a:t>)</a:t>
+            </a:r>
+            <a:r>
+              <a:rPr lang="en-US" sz="2000" dirty="0">
+                <a:solidFill>
+                  <a:srgbClr val="000000"/>
+                </a:solidFill>
+                <a:latin typeface="Consolas" panose="020B0609020204030204" pitchFamily="49" charset="0"/>
+              </a:rPr>
+              <a:t> </a:t>
+            </a:r>
+          </a:p>
+          <a:p>
+            <a:r>
+              <a:rPr lang="en-US" sz="2000" dirty="0">
+                <a:solidFill>
+                  <a:srgbClr val="000000"/>
+                </a:solidFill>
+                <a:latin typeface="Consolas" panose="020B0609020204030204" pitchFamily="49" charset="0"/>
+              </a:rPr>
+              <a:t>       </a:t>
+            </a:r>
+            <a:r>
+              <a:rPr lang="en-US" sz="2000" dirty="0">
                 <a:solidFill>
                   <a:srgbClr val="0000FF"/>
                 </a:solidFill>
@@ -14725,7 +14842,7 @@
               <a:t>AS</a:t>
             </a:r>
             <a:r>
-              <a:rPr lang="en-US" sz="2400" dirty="0">
+              <a:rPr lang="en-US" sz="2000" dirty="0">
                 <a:solidFill>
                   <a:srgbClr val="000000"/>
                 </a:solidFill>
@@ -14734,15 +14851,15 @@
               <a:t> </a:t>
             </a:r>
             <a:r>
-              <a:rPr lang="en-US" sz="2400" dirty="0" err="1">
-                <a:solidFill>
-                  <a:srgbClr val="000000"/>
-                </a:solidFill>
-                <a:latin typeface="Consolas" panose="020B0609020204030204" pitchFamily="49" charset="0"/>
-              </a:rPr>
-              <a:t>MyText</a:t>
-            </a:r>
-            <a:endParaRPr lang="en-US" sz="2400" dirty="0">
+              <a:rPr lang="en-US" sz="2000" dirty="0" err="1">
+                <a:solidFill>
+                  <a:srgbClr val="000000"/>
+                </a:solidFill>
+                <a:latin typeface="Consolas" panose="020B0609020204030204" pitchFamily="49" charset="0"/>
+              </a:rPr>
+              <a:t>MyNewInt</a:t>
+            </a:r>
+            <a:endParaRPr lang="en-US" sz="2000" dirty="0">
               <a:solidFill>
                 <a:srgbClr val="000000"/>
               </a:solidFill>
@@ -14751,16 +14868,43 @@
           </a:p>
           <a:p>
             <a:r>
-              <a:rPr lang="en-US" sz="2400" dirty="0">
-                <a:solidFill>
-                  <a:srgbClr val="808080"/>
-                </a:solidFill>
-                <a:latin typeface="Consolas" panose="020B0609020204030204" pitchFamily="49" charset="0"/>
-              </a:rPr>
-              <a:t>  ,</a:t>
-            </a:r>
-            <a:r>
-              <a:rPr lang="en-US" sz="2400" dirty="0">
+              <a:rPr lang="en-US" sz="2000" dirty="0">
+                <a:solidFill>
+                  <a:srgbClr val="000000"/>
+                </a:solidFill>
+                <a:latin typeface="Consolas" panose="020B0609020204030204" pitchFamily="49" charset="0"/>
+              </a:rPr>
+              <a:t>  </a:t>
+            </a:r>
+            <a:r>
+              <a:rPr lang="en-US" sz="2000" dirty="0">
+                <a:solidFill>
+                  <a:srgbClr val="808080"/>
+                </a:solidFill>
+                <a:latin typeface="Consolas" panose="020B0609020204030204" pitchFamily="49" charset="0"/>
+              </a:rPr>
+              <a:t>,</a:t>
+            </a:r>
+            <a:r>
+              <a:rPr lang="en-US" sz="2000" dirty="0">
+                <a:solidFill>
+                  <a:srgbClr val="000000"/>
+                </a:solidFill>
+                <a:latin typeface="Consolas" panose="020B0609020204030204" pitchFamily="49" charset="0"/>
+              </a:rPr>
+              <a:t> @_mytext </a:t>
+            </a:r>
+            <a:r>
+              <a:rPr lang="en-US" sz="2000" dirty="0">
+                <a:solidFill>
+                  <a:srgbClr val="0000FF"/>
+                </a:solidFill>
+                <a:latin typeface="Consolas" panose="020B0609020204030204" pitchFamily="49" charset="0"/>
+              </a:rPr>
+              <a:t>AS</a:t>
+            </a:r>
+            <a:r>
+              <a:rPr lang="en-US" sz="2000" dirty="0">
                 <a:solidFill>
                   <a:srgbClr val="000000"/>
                 </a:solidFill>
@@ -14769,143 +14913,15 @@
               <a:t> </a:t>
             </a:r>
             <a:r>
-              <a:rPr lang="en-US" sz="2400" dirty="0">
-                <a:solidFill>
-                  <a:srgbClr val="FF00FF"/>
-                </a:solidFill>
-                <a:latin typeface="Consolas" panose="020B0609020204030204" pitchFamily="49" charset="0"/>
-              </a:rPr>
-              <a:t>TRANSLATE</a:t>
-            </a:r>
-            <a:r>
-              <a:rPr lang="en-US" sz="2400" dirty="0">
-                <a:solidFill>
-                  <a:srgbClr val="808080"/>
-                </a:solidFill>
-                <a:latin typeface="Consolas" panose="020B0609020204030204" pitchFamily="49" charset="0"/>
-              </a:rPr>
-              <a:t>(</a:t>
-            </a:r>
-            <a:r>
-              <a:rPr lang="en-US" sz="2400" dirty="0">
-                <a:solidFill>
-                  <a:srgbClr val="000000"/>
-                </a:solidFill>
-                <a:latin typeface="Consolas" panose="020B0609020204030204" pitchFamily="49" charset="0"/>
-              </a:rPr>
-              <a:t>@_mytext</a:t>
-            </a:r>
-            <a:r>
-              <a:rPr lang="en-US" sz="2400" dirty="0">
-                <a:solidFill>
-                  <a:srgbClr val="808080"/>
-                </a:solidFill>
-                <a:latin typeface="Consolas" panose="020B0609020204030204" pitchFamily="49" charset="0"/>
-              </a:rPr>
-              <a:t>,</a:t>
-            </a:r>
-            <a:r>
-              <a:rPr lang="en-US" sz="2400" dirty="0">
-                <a:solidFill>
-                  <a:srgbClr val="000000"/>
-                </a:solidFill>
-                <a:latin typeface="Consolas" panose="020B0609020204030204" pitchFamily="49" charset="0"/>
-              </a:rPr>
-              <a:t> </a:t>
-            </a:r>
-            <a:r>
-              <a:rPr lang="en-US" sz="2400" dirty="0">
-                <a:solidFill>
-                  <a:srgbClr val="FF0000"/>
-                </a:solidFill>
-                <a:latin typeface="Consolas" panose="020B0609020204030204" pitchFamily="49" charset="0"/>
-              </a:rPr>
-              <a:t>'E'</a:t>
-            </a:r>
-            <a:r>
-              <a:rPr lang="en-US" sz="2400" dirty="0">
-                <a:solidFill>
-                  <a:srgbClr val="808080"/>
-                </a:solidFill>
-                <a:latin typeface="Consolas" panose="020B0609020204030204" pitchFamily="49" charset="0"/>
-              </a:rPr>
-              <a:t>,</a:t>
-            </a:r>
-            <a:r>
-              <a:rPr lang="en-US" sz="2400" dirty="0">
-                <a:solidFill>
-                  <a:srgbClr val="000000"/>
-                </a:solidFill>
-                <a:latin typeface="Consolas" panose="020B0609020204030204" pitchFamily="49" charset="0"/>
-              </a:rPr>
-              <a:t> </a:t>
-            </a:r>
-            <a:r>
-              <a:rPr lang="en-US" sz="2400" dirty="0">
-                <a:solidFill>
-                  <a:srgbClr val="FF0000"/>
-                </a:solidFill>
-                <a:latin typeface="Consolas" panose="020B0609020204030204" pitchFamily="49" charset="0"/>
-              </a:rPr>
-              <a:t>'A'</a:t>
-            </a:r>
-            <a:r>
-              <a:rPr lang="en-US" sz="2400" dirty="0">
-                <a:solidFill>
-                  <a:srgbClr val="808080"/>
-                </a:solidFill>
-                <a:latin typeface="Consolas" panose="020B0609020204030204" pitchFamily="49" charset="0"/>
-              </a:rPr>
-              <a:t>)</a:t>
-            </a:r>
-            <a:r>
-              <a:rPr lang="en-US" sz="2400" dirty="0">
-                <a:solidFill>
-                  <a:srgbClr val="000000"/>
-                </a:solidFill>
-                <a:latin typeface="Consolas" panose="020B0609020204030204" pitchFamily="49" charset="0"/>
-              </a:rPr>
-              <a:t> </a:t>
-            </a:r>
-          </a:p>
-          <a:p>
-            <a:r>
-              <a:rPr lang="en-US" sz="2400" dirty="0">
-                <a:solidFill>
-                  <a:srgbClr val="000000"/>
-                </a:solidFill>
-                <a:latin typeface="Consolas" panose="020B0609020204030204" pitchFamily="49" charset="0"/>
-              </a:rPr>
-              <a:t>       </a:t>
-            </a:r>
-            <a:r>
-              <a:rPr lang="en-US" sz="2400" dirty="0">
-                <a:solidFill>
-                  <a:srgbClr val="0000FF"/>
-                </a:solidFill>
-                <a:latin typeface="Consolas" panose="020B0609020204030204" pitchFamily="49" charset="0"/>
-              </a:rPr>
-              <a:t>AS</a:t>
-            </a:r>
-            <a:r>
-              <a:rPr lang="en-US" sz="2400" dirty="0">
-                <a:solidFill>
-                  <a:srgbClr val="000000"/>
-                </a:solidFill>
-                <a:latin typeface="Consolas" panose="020B0609020204030204" pitchFamily="49" charset="0"/>
-              </a:rPr>
-              <a:t> </a:t>
-            </a:r>
-            <a:r>
-              <a:rPr lang="en-US" sz="2400" dirty="0" err="1">
-                <a:solidFill>
-                  <a:srgbClr val="000000"/>
-                </a:solidFill>
-                <a:latin typeface="Consolas" panose="020B0609020204030204" pitchFamily="49" charset="0"/>
-              </a:rPr>
-              <a:t>MyNewText</a:t>
-            </a:r>
-            <a:endParaRPr lang="en-US" sz="2400" dirty="0">
+              <a:rPr lang="en-US" sz="2000" dirty="0" err="1">
+                <a:solidFill>
+                  <a:srgbClr val="000000"/>
+                </a:solidFill>
+                <a:latin typeface="Consolas" panose="020B0609020204030204" pitchFamily="49" charset="0"/>
+              </a:rPr>
+              <a:t>MyText</a:t>
+            </a:r>
+            <a:endParaRPr lang="en-US" sz="2000" dirty="0">
               <a:solidFill>
                 <a:srgbClr val="000000"/>
               </a:solidFill>
@@ -14914,16 +14930,422 @@
           </a:p>
           <a:p>
             <a:r>
-              <a:rPr lang="en-US" sz="2400" dirty="0">
+              <a:rPr lang="en-US" sz="2000" dirty="0">
+                <a:solidFill>
+                  <a:srgbClr val="000000"/>
+                </a:solidFill>
+                <a:latin typeface="Consolas" panose="020B0609020204030204" pitchFamily="49" charset="0"/>
+              </a:rPr>
+              <a:t>  </a:t>
+            </a:r>
+            <a:r>
+              <a:rPr lang="en-US" sz="2000" dirty="0">
+                <a:solidFill>
+                  <a:srgbClr val="808080"/>
+                </a:solidFill>
+                <a:latin typeface="Consolas" panose="020B0609020204030204" pitchFamily="49" charset="0"/>
+              </a:rPr>
+              <a:t>,</a:t>
+            </a:r>
+            <a:r>
+              <a:rPr lang="en-US" sz="2000" dirty="0">
+                <a:solidFill>
+                  <a:srgbClr val="000000"/>
+                </a:solidFill>
+                <a:latin typeface="Consolas" panose="020B0609020204030204" pitchFamily="49" charset="0"/>
+              </a:rPr>
+              <a:t> </a:t>
+            </a:r>
+            <a:r>
+              <a:rPr lang="en-US" sz="2000" dirty="0">
+                <a:solidFill>
+                  <a:srgbClr val="FF00FF"/>
+                </a:solidFill>
+                <a:latin typeface="Consolas" panose="020B0609020204030204" pitchFamily="49" charset="0"/>
+              </a:rPr>
+              <a:t>TRANSLATE</a:t>
+            </a:r>
+            <a:r>
+              <a:rPr lang="en-US" sz="2000" dirty="0">
+                <a:solidFill>
+                  <a:srgbClr val="808080"/>
+                </a:solidFill>
+                <a:latin typeface="Consolas" panose="020B0609020204030204" pitchFamily="49" charset="0"/>
+              </a:rPr>
+              <a:t>(</a:t>
+            </a:r>
+            <a:r>
+              <a:rPr lang="en-US" sz="2000" dirty="0">
+                <a:solidFill>
+                  <a:srgbClr val="000000"/>
+                </a:solidFill>
+                <a:latin typeface="Consolas" panose="020B0609020204030204" pitchFamily="49" charset="0"/>
+              </a:rPr>
+              <a:t>@_mytext</a:t>
+            </a:r>
+            <a:r>
+              <a:rPr lang="en-US" sz="2000" dirty="0">
+                <a:solidFill>
+                  <a:srgbClr val="808080"/>
+                </a:solidFill>
+                <a:latin typeface="Consolas" panose="020B0609020204030204" pitchFamily="49" charset="0"/>
+              </a:rPr>
+              <a:t>,</a:t>
+            </a:r>
+            <a:r>
+              <a:rPr lang="en-US" sz="2000" dirty="0">
+                <a:solidFill>
+                  <a:srgbClr val="000000"/>
+                </a:solidFill>
+                <a:latin typeface="Consolas" panose="020B0609020204030204" pitchFamily="49" charset="0"/>
+              </a:rPr>
+              <a:t> </a:t>
+            </a:r>
+            <a:r>
+              <a:rPr lang="en-US" sz="2000" dirty="0">
+                <a:solidFill>
+                  <a:srgbClr val="FF0000"/>
+                </a:solidFill>
+                <a:latin typeface="Consolas" panose="020B0609020204030204" pitchFamily="49" charset="0"/>
+              </a:rPr>
+              <a:t>'E'</a:t>
+            </a:r>
+            <a:r>
+              <a:rPr lang="en-US" sz="2000" dirty="0">
+                <a:solidFill>
+                  <a:srgbClr val="808080"/>
+                </a:solidFill>
+                <a:latin typeface="Consolas" panose="020B0609020204030204" pitchFamily="49" charset="0"/>
+              </a:rPr>
+              <a:t>,</a:t>
+            </a:r>
+            <a:r>
+              <a:rPr lang="en-US" sz="2000" dirty="0">
+                <a:solidFill>
+                  <a:srgbClr val="000000"/>
+                </a:solidFill>
+                <a:latin typeface="Consolas" panose="020B0609020204030204" pitchFamily="49" charset="0"/>
+              </a:rPr>
+              <a:t> </a:t>
+            </a:r>
+            <a:r>
+              <a:rPr lang="en-US" sz="2000" dirty="0">
+                <a:solidFill>
+                  <a:srgbClr val="FF0000"/>
+                </a:solidFill>
+                <a:latin typeface="Consolas" panose="020B0609020204030204" pitchFamily="49" charset="0"/>
+              </a:rPr>
+              <a:t>'A'</a:t>
+            </a:r>
+            <a:r>
+              <a:rPr lang="en-US" sz="2000" dirty="0">
+                <a:solidFill>
+                  <a:srgbClr val="808080"/>
+                </a:solidFill>
+                <a:latin typeface="Consolas" panose="020B0609020204030204" pitchFamily="49" charset="0"/>
+              </a:rPr>
+              <a:t>)</a:t>
+            </a:r>
+            <a:r>
+              <a:rPr lang="en-US" sz="2000" dirty="0">
+                <a:solidFill>
+                  <a:srgbClr val="000000"/>
+                </a:solidFill>
+                <a:latin typeface="Consolas" panose="020B0609020204030204" pitchFamily="49" charset="0"/>
+              </a:rPr>
+              <a:t> </a:t>
+            </a:r>
+          </a:p>
+          <a:p>
+            <a:r>
+              <a:rPr lang="en-US" sz="2000" dirty="0">
+                <a:solidFill>
+                  <a:srgbClr val="000000"/>
+                </a:solidFill>
+                <a:latin typeface="Consolas" panose="020B0609020204030204" pitchFamily="49" charset="0"/>
+              </a:rPr>
+              <a:t>       </a:t>
+            </a:r>
+            <a:r>
+              <a:rPr lang="en-US" sz="2000" dirty="0">
                 <a:solidFill>
                   <a:srgbClr val="0000FF"/>
                 </a:solidFill>
                 <a:latin typeface="Consolas" panose="020B0609020204030204" pitchFamily="49" charset="0"/>
               </a:rPr>
+              <a:t>AS</a:t>
+            </a:r>
+            <a:r>
+              <a:rPr lang="en-US" sz="2000" dirty="0">
+                <a:solidFill>
+                  <a:srgbClr val="000000"/>
+                </a:solidFill>
+                <a:latin typeface="Consolas" panose="020B0609020204030204" pitchFamily="49" charset="0"/>
+              </a:rPr>
+              <a:t> </a:t>
+            </a:r>
+            <a:r>
+              <a:rPr lang="en-US" sz="2000" dirty="0" err="1">
+                <a:solidFill>
+                  <a:srgbClr val="000000"/>
+                </a:solidFill>
+                <a:latin typeface="Consolas" panose="020B0609020204030204" pitchFamily="49" charset="0"/>
+              </a:rPr>
+              <a:t>MyNewText</a:t>
+            </a:r>
+            <a:endParaRPr lang="en-US" sz="2000" dirty="0">
+              <a:solidFill>
+                <a:srgbClr val="000000"/>
+              </a:solidFill>
+              <a:latin typeface="Consolas" panose="020B0609020204030204" pitchFamily="49" charset="0"/>
+            </a:endParaRPr>
+          </a:p>
+          <a:p>
+            <a:r>
+              <a:rPr lang="en-US" sz="2000" dirty="0">
+                <a:solidFill>
+                  <a:srgbClr val="000000"/>
+                </a:solidFill>
+                <a:latin typeface="Consolas" panose="020B0609020204030204" pitchFamily="49" charset="0"/>
+              </a:rPr>
+              <a:t>  </a:t>
+            </a:r>
+            <a:r>
+              <a:rPr lang="en-US" sz="2000" dirty="0">
+                <a:solidFill>
+                  <a:srgbClr val="808080"/>
+                </a:solidFill>
+                <a:latin typeface="Consolas" panose="020B0609020204030204" pitchFamily="49" charset="0"/>
+              </a:rPr>
+              <a:t>,</a:t>
+            </a:r>
+            <a:r>
+              <a:rPr lang="en-US" sz="2000" dirty="0">
+                <a:solidFill>
+                  <a:srgbClr val="000000"/>
+                </a:solidFill>
+                <a:latin typeface="Consolas" panose="020B0609020204030204" pitchFamily="49" charset="0"/>
+              </a:rPr>
+              <a:t> @_mybigtext </a:t>
+            </a:r>
+            <a:r>
+              <a:rPr lang="en-US" sz="2000" dirty="0">
+                <a:solidFill>
+                  <a:srgbClr val="0000FF"/>
+                </a:solidFill>
+                <a:latin typeface="Consolas" panose="020B0609020204030204" pitchFamily="49" charset="0"/>
+              </a:rPr>
+              <a:t>AS</a:t>
+            </a:r>
+            <a:r>
+              <a:rPr lang="en-US" sz="2000" dirty="0">
+                <a:solidFill>
+                  <a:srgbClr val="000000"/>
+                </a:solidFill>
+                <a:latin typeface="Consolas" panose="020B0609020204030204" pitchFamily="49" charset="0"/>
+              </a:rPr>
+              <a:t> </a:t>
+            </a:r>
+            <a:r>
+              <a:rPr lang="en-US" sz="2000" dirty="0" err="1">
+                <a:solidFill>
+                  <a:srgbClr val="000000"/>
+                </a:solidFill>
+                <a:latin typeface="Consolas" panose="020B0609020204030204" pitchFamily="49" charset="0"/>
+              </a:rPr>
+              <a:t>MyBigText</a:t>
+            </a:r>
+            <a:endParaRPr lang="en-US" sz="2000" dirty="0">
+              <a:solidFill>
+                <a:srgbClr val="000000"/>
+              </a:solidFill>
+              <a:latin typeface="Consolas" panose="020B0609020204030204" pitchFamily="49" charset="0"/>
+            </a:endParaRPr>
+          </a:p>
+          <a:p>
+            <a:r>
+              <a:rPr lang="en-US" sz="2000" dirty="0">
+                <a:solidFill>
+                  <a:srgbClr val="000000"/>
+                </a:solidFill>
+                <a:latin typeface="Consolas" panose="020B0609020204030204" pitchFamily="49" charset="0"/>
+              </a:rPr>
+              <a:t>  </a:t>
+            </a:r>
+            <a:r>
+              <a:rPr lang="en-US" sz="2000" dirty="0">
+                <a:solidFill>
+                  <a:srgbClr val="808080"/>
+                </a:solidFill>
+                <a:latin typeface="Consolas" panose="020B0609020204030204" pitchFamily="49" charset="0"/>
+              </a:rPr>
+              <a:t>,</a:t>
+            </a:r>
+            <a:r>
+              <a:rPr lang="en-US" sz="2000" dirty="0">
+                <a:solidFill>
+                  <a:srgbClr val="000000"/>
+                </a:solidFill>
+                <a:latin typeface="Consolas" panose="020B0609020204030204" pitchFamily="49" charset="0"/>
+              </a:rPr>
+              <a:t> </a:t>
+            </a:r>
+            <a:r>
+              <a:rPr lang="en-US" sz="2000" dirty="0">
+                <a:solidFill>
+                  <a:srgbClr val="FF00FF"/>
+                </a:solidFill>
+                <a:latin typeface="Consolas" panose="020B0609020204030204" pitchFamily="49" charset="0"/>
+              </a:rPr>
+              <a:t>TRANSLATE</a:t>
+            </a:r>
+            <a:r>
+              <a:rPr lang="en-US" sz="2000" dirty="0">
+                <a:solidFill>
+                  <a:srgbClr val="808080"/>
+                </a:solidFill>
+                <a:latin typeface="Consolas" panose="020B0609020204030204" pitchFamily="49" charset="0"/>
+              </a:rPr>
+              <a:t>(</a:t>
+            </a:r>
+            <a:r>
+              <a:rPr lang="en-US" sz="2000" dirty="0">
+                <a:solidFill>
+                  <a:srgbClr val="000000"/>
+                </a:solidFill>
+                <a:latin typeface="Consolas" panose="020B0609020204030204" pitchFamily="49" charset="0"/>
+              </a:rPr>
+              <a:t>@_mybigtext</a:t>
+            </a:r>
+            <a:r>
+              <a:rPr lang="en-US" sz="2000" dirty="0">
+                <a:solidFill>
+                  <a:srgbClr val="808080"/>
+                </a:solidFill>
+                <a:latin typeface="Consolas" panose="020B0609020204030204" pitchFamily="49" charset="0"/>
+              </a:rPr>
+              <a:t>,</a:t>
+            </a:r>
+            <a:r>
+              <a:rPr lang="en-US" sz="2000" dirty="0">
+                <a:solidFill>
+                  <a:srgbClr val="000000"/>
+                </a:solidFill>
+                <a:latin typeface="Consolas" panose="020B0609020204030204" pitchFamily="49" charset="0"/>
+              </a:rPr>
+              <a:t> </a:t>
+            </a:r>
+            <a:r>
+              <a:rPr lang="en-US" sz="2000" dirty="0">
+                <a:solidFill>
+                  <a:srgbClr val="FF0000"/>
+                </a:solidFill>
+                <a:latin typeface="Consolas" panose="020B0609020204030204" pitchFamily="49" charset="0"/>
+              </a:rPr>
+              <a:t>'E'</a:t>
+            </a:r>
+            <a:r>
+              <a:rPr lang="en-US" sz="2000" dirty="0">
+                <a:solidFill>
+                  <a:srgbClr val="808080"/>
+                </a:solidFill>
+                <a:latin typeface="Consolas" panose="020B0609020204030204" pitchFamily="49" charset="0"/>
+              </a:rPr>
+              <a:t>,</a:t>
+            </a:r>
+            <a:r>
+              <a:rPr lang="en-US" sz="2000" dirty="0">
+                <a:solidFill>
+                  <a:srgbClr val="000000"/>
+                </a:solidFill>
+                <a:latin typeface="Consolas" panose="020B0609020204030204" pitchFamily="49" charset="0"/>
+              </a:rPr>
+              <a:t> </a:t>
+            </a:r>
+            <a:r>
+              <a:rPr lang="en-US" sz="2000" dirty="0">
+                <a:solidFill>
+                  <a:srgbClr val="FF0000"/>
+                </a:solidFill>
+                <a:latin typeface="Consolas" panose="020B0609020204030204" pitchFamily="49" charset="0"/>
+              </a:rPr>
+              <a:t>'A'</a:t>
+            </a:r>
+            <a:r>
+              <a:rPr lang="en-US" sz="2000" dirty="0">
+                <a:solidFill>
+                  <a:srgbClr val="808080"/>
+                </a:solidFill>
+                <a:latin typeface="Consolas" panose="020B0609020204030204" pitchFamily="49" charset="0"/>
+              </a:rPr>
+              <a:t>)</a:t>
+            </a:r>
+            <a:r>
+              <a:rPr lang="en-US" sz="2000" dirty="0">
+                <a:solidFill>
+                  <a:srgbClr val="000000"/>
+                </a:solidFill>
+                <a:latin typeface="Consolas" panose="020B0609020204030204" pitchFamily="49" charset="0"/>
+              </a:rPr>
+              <a:t> </a:t>
+            </a:r>
+          </a:p>
+          <a:p>
+            <a:r>
+              <a:rPr lang="en-US" sz="2000" dirty="0">
+                <a:solidFill>
+                  <a:srgbClr val="000000"/>
+                </a:solidFill>
+                <a:latin typeface="Consolas" panose="020B0609020204030204" pitchFamily="49" charset="0"/>
+              </a:rPr>
+              <a:t>       </a:t>
+            </a:r>
+            <a:r>
+              <a:rPr lang="en-US" sz="2000" dirty="0">
+                <a:solidFill>
+                  <a:srgbClr val="0000FF"/>
+                </a:solidFill>
+                <a:latin typeface="Consolas" panose="020B0609020204030204" pitchFamily="49" charset="0"/>
+              </a:rPr>
+              <a:t>AS</a:t>
+            </a:r>
+            <a:r>
+              <a:rPr lang="en-US" sz="2000" dirty="0">
+                <a:solidFill>
+                  <a:srgbClr val="000000"/>
+                </a:solidFill>
+                <a:latin typeface="Consolas" panose="020B0609020204030204" pitchFamily="49" charset="0"/>
+              </a:rPr>
+              <a:t> </a:t>
+            </a:r>
+            <a:r>
+              <a:rPr lang="en-US" sz="2000" dirty="0" err="1">
+                <a:solidFill>
+                  <a:srgbClr val="000000"/>
+                </a:solidFill>
+                <a:latin typeface="Consolas" panose="020B0609020204030204" pitchFamily="49" charset="0"/>
+              </a:rPr>
+              <a:t>MyNewBigText</a:t>
+            </a:r>
+            <a:endParaRPr lang="en-US" sz="2000" dirty="0">
+              <a:solidFill>
+                <a:srgbClr val="000000"/>
+              </a:solidFill>
+              <a:latin typeface="Consolas" panose="020B0609020204030204" pitchFamily="49" charset="0"/>
+            </a:endParaRPr>
+          </a:p>
+          <a:p>
+            <a:r>
+              <a:rPr lang="en-US" sz="2000" dirty="0">
+                <a:solidFill>
+                  <a:srgbClr val="0000FF"/>
+                </a:solidFill>
+                <a:latin typeface="Consolas" panose="020B0609020204030204" pitchFamily="49" charset="0"/>
+              </a:rPr>
               <a:t>INTO</a:t>
             </a:r>
             <a:r>
-              <a:rPr lang="en-US" sz="2400" dirty="0">
+              <a:rPr lang="en-US" sz="2000" dirty="0">
                 <a:solidFill>
                   <a:srgbClr val="000000"/>
                 </a:solidFill>
@@ -14932,7 +15354,7 @@
               <a:t> dbo</a:t>
             </a:r>
             <a:r>
-              <a:rPr lang="en-US" sz="2400" dirty="0">
+              <a:rPr lang="en-US" sz="2000" dirty="0">
                 <a:solidFill>
                   <a:srgbClr val="808080"/>
                 </a:solidFill>
@@ -14941,7 +15363,7 @@
               <a:t>.</a:t>
             </a:r>
             <a:r>
-              <a:rPr lang="en-US" sz="2400" dirty="0">
+              <a:rPr lang="en-US" sz="2000" dirty="0">
                 <a:solidFill>
                   <a:srgbClr val="000000"/>
                 </a:solidFill>
@@ -14949,7 +15371,7 @@
               </a:rPr>
               <a:t>Table1</a:t>
             </a:r>
-            <a:endParaRPr lang="en-US" sz="2400" dirty="0"/>
+            <a:endParaRPr lang="en-US" sz="2800" dirty="0"/>
           </a:p>
         </p:txBody>
       </p:sp>
@@ -14988,42 +15410,12 @@
           </a:p>
         </p:txBody>
       </p:sp>
-      <p:pic>
-        <p:nvPicPr>
-          <p:cNvPr id="22" name="Picture 21">
+      <p:grpSp>
+        <p:nvGrpSpPr>
+          <p:cNvPr id="21" name="Group 20">
             <a:extLst>
               <a:ext uri="{FF2B5EF4-FFF2-40B4-BE49-F238E27FC236}">
-                <a16:creationId xmlns:a16="http://schemas.microsoft.com/office/drawing/2014/main" id="{0CA3F68A-CC00-CE9B-E92A-6F48FB11378C}"/>
-              </a:ext>
-            </a:extLst>
-          </p:cNvPr>
-          <p:cNvPicPr>
-            <a:picLocks noChangeAspect="1"/>
-          </p:cNvPicPr>
-          <p:nvPr/>
-        </p:nvPicPr>
-        <p:blipFill>
-          <a:blip r:embed="rId3"/>
-          <a:stretch>
-            <a:fillRect/>
-          </a:stretch>
-        </p:blipFill>
-        <p:spPr>
-          <a:xfrm>
-            <a:off x="7715250" y="991239"/>
-            <a:ext cx="3380942" cy="1957388"/>
-          </a:xfrm>
-          <a:prstGeom prst="rect">
-            <a:avLst/>
-          </a:prstGeom>
-        </p:spPr>
-      </p:pic>
-      <p:grpSp>
-        <p:nvGrpSpPr>
-          <p:cNvPr id="6" name="Group 5">
-            <a:extLst>
-              <a:ext uri="{FF2B5EF4-FFF2-40B4-BE49-F238E27FC236}">
-                <a16:creationId xmlns:a16="http://schemas.microsoft.com/office/drawing/2014/main" id="{C8F22E0E-5243-6436-9E54-101DB9722829}"/>
+                <a16:creationId xmlns:a16="http://schemas.microsoft.com/office/drawing/2014/main" id="{D0E9F364-41B9-91DC-174E-B6C9FF8B2D3E}"/>
               </a:ext>
             </a:extLst>
           </p:cNvPr>
@@ -15032,167 +15424,146 @@
         </p:nvGrpSpPr>
         <p:grpSpPr>
           <a:xfrm>
-            <a:off x="963522" y="3122681"/>
-            <a:ext cx="10264956" cy="2357498"/>
-            <a:chOff x="963522" y="3122681"/>
-            <a:chExt cx="10264956" cy="2357498"/>
+            <a:off x="963522" y="2967563"/>
+            <a:ext cx="10359856" cy="3011518"/>
+            <a:chOff x="963522" y="2967563"/>
+            <a:chExt cx="10359856" cy="3011518"/>
           </a:xfrm>
         </p:grpSpPr>
-        <p:grpSp>
-          <p:nvGrpSpPr>
-            <p:cNvPr id="18" name="Group 17">
+        <p:pic>
+          <p:nvPicPr>
+            <p:cNvPr id="14" name="Picture 13">
               <a:extLst>
                 <a:ext uri="{FF2B5EF4-FFF2-40B4-BE49-F238E27FC236}">
-                  <a16:creationId xmlns:a16="http://schemas.microsoft.com/office/drawing/2014/main" id="{B6075168-B32E-BBBB-C3A2-9BC376CD9D8B}"/>
+                  <a16:creationId xmlns:a16="http://schemas.microsoft.com/office/drawing/2014/main" id="{043F126A-26CD-C59F-0D9E-03E4B6255122}"/>
                 </a:ext>
               </a:extLst>
             </p:cNvPr>
-            <p:cNvGrpSpPr/>
+            <p:cNvPicPr>
+              <a:picLocks noChangeAspect="1"/>
+            </p:cNvPicPr>
             <p:nvPr/>
-          </p:nvGrpSpPr>
-          <p:grpSpPr>
+          </p:nvPicPr>
+          <p:blipFill>
+            <a:blip r:embed="rId3"/>
+            <a:stretch>
+              <a:fillRect/>
+            </a:stretch>
+          </p:blipFill>
+          <p:spPr>
             <a:xfrm>
-              <a:off x="7049190" y="3122681"/>
-              <a:ext cx="4179288" cy="2009389"/>
-              <a:chOff x="7049190" y="3122681"/>
-              <a:chExt cx="4179288" cy="2009389"/>
+              <a:off x="6621722" y="2967563"/>
+              <a:ext cx="4701656" cy="2811463"/>
             </a:xfrm>
-          </p:grpSpPr>
-          <p:pic>
-            <p:nvPicPr>
-              <p:cNvPr id="15" name="Picture 14">
-                <a:extLst>
-                  <a:ext uri="{FF2B5EF4-FFF2-40B4-BE49-F238E27FC236}">
-                    <a16:creationId xmlns:a16="http://schemas.microsoft.com/office/drawing/2014/main" id="{1314EA51-99A6-2CD6-93A6-4DE2E6109446}"/>
-                  </a:ext>
-                </a:extLst>
-              </p:cNvPr>
-              <p:cNvPicPr>
-                <a:picLocks noChangeAspect="1"/>
-              </p:cNvPicPr>
-              <p:nvPr/>
-            </p:nvPicPr>
-            <p:blipFill>
-              <a:blip r:embed="rId4"/>
-              <a:stretch>
-                <a:fillRect/>
-              </a:stretch>
-            </p:blipFill>
-            <p:spPr>
-              <a:xfrm>
-                <a:off x="7049190" y="3122681"/>
-                <a:ext cx="4179288" cy="1957388"/>
-              </a:xfrm>
-              <a:prstGeom prst="rect">
-                <a:avLst/>
-              </a:prstGeom>
-            </p:spPr>
-          </p:pic>
-          <p:sp>
-            <p:nvSpPr>
-              <p:cNvPr id="16" name="Rectangle 15">
-                <a:extLst>
-                  <a:ext uri="{FF2B5EF4-FFF2-40B4-BE49-F238E27FC236}">
-                    <a16:creationId xmlns:a16="http://schemas.microsoft.com/office/drawing/2014/main" id="{09F51898-0056-0438-0AA3-4901FFF1029C}"/>
-                  </a:ext>
-                </a:extLst>
-              </p:cNvPr>
-              <p:cNvSpPr/>
-              <p:nvPr/>
-            </p:nvSpPr>
-            <p:spPr>
-              <a:xfrm>
-                <a:off x="7715250" y="4080510"/>
-                <a:ext cx="3371850" cy="400110"/>
-              </a:xfrm>
-              <a:prstGeom prst="rect">
-                <a:avLst/>
-              </a:prstGeom>
-              <a:noFill/>
-              <a:ln w="50800">
-                <a:solidFill>
-                  <a:srgbClr val="FF0000"/>
-                </a:solidFill>
-              </a:ln>
-            </p:spPr>
-            <p:style>
-              <a:lnRef idx="2">
-                <a:schemeClr val="accent1">
-                  <a:shade val="15000"/>
-                </a:schemeClr>
-              </a:lnRef>
-              <a:fillRef idx="1">
-                <a:schemeClr val="accent1"/>
-              </a:fillRef>
-              <a:effectRef idx="0">
-                <a:schemeClr val="accent1"/>
-              </a:effectRef>
-              <a:fontRef idx="minor">
-                <a:schemeClr val="lt1"/>
-              </a:fontRef>
-            </p:style>
-            <p:txBody>
-              <a:bodyPr rtlCol="0" anchor="ctr"/>
-              <a:lstStyle/>
-              <a:p>
-                <a:pPr algn="ctr"/>
-                <a:endParaRPr lang="en-US"/>
-              </a:p>
-            </p:txBody>
-          </p:sp>
-          <p:sp>
-            <p:nvSpPr>
-              <p:cNvPr id="17" name="Rectangle 16">
-                <a:extLst>
-                  <a:ext uri="{FF2B5EF4-FFF2-40B4-BE49-F238E27FC236}">
-                    <a16:creationId xmlns:a16="http://schemas.microsoft.com/office/drawing/2014/main" id="{ACC9B985-240D-9F99-08B7-E36E00DEA90A}"/>
-                  </a:ext>
-                </a:extLst>
-              </p:cNvPr>
-              <p:cNvSpPr/>
-              <p:nvPr/>
-            </p:nvSpPr>
-            <p:spPr>
-              <a:xfrm>
-                <a:off x="7715250" y="4731960"/>
-                <a:ext cx="3513228" cy="400110"/>
-              </a:xfrm>
-              <a:prstGeom prst="rect">
-                <a:avLst/>
-              </a:prstGeom>
-              <a:noFill/>
-              <a:ln w="50800">
-                <a:solidFill>
-                  <a:srgbClr val="FF0000"/>
-                </a:solidFill>
-              </a:ln>
-            </p:spPr>
-            <p:style>
-              <a:lnRef idx="2">
-                <a:schemeClr val="accent1">
-                  <a:shade val="15000"/>
-                </a:schemeClr>
-              </a:lnRef>
-              <a:fillRef idx="1">
-                <a:schemeClr val="accent1"/>
-              </a:fillRef>
-              <a:effectRef idx="0">
-                <a:schemeClr val="accent1"/>
-              </a:effectRef>
-              <a:fontRef idx="minor">
-                <a:schemeClr val="lt1"/>
-              </a:fontRef>
-            </p:style>
-            <p:txBody>
-              <a:bodyPr rtlCol="0" anchor="ctr"/>
-              <a:lstStyle/>
-              <a:p>
-                <a:pPr algn="ctr"/>
-                <a:endParaRPr lang="en-US"/>
-              </a:p>
-            </p:txBody>
-          </p:sp>
-        </p:grpSp>
+            <a:prstGeom prst="rect">
+              <a:avLst/>
+            </a:prstGeom>
+          </p:spPr>
+        </p:pic>
+        <p:sp>
+          <p:nvSpPr>
+            <p:cNvPr id="16" name="Rectangle 15">
+              <a:extLst>
+                <a:ext uri="{FF2B5EF4-FFF2-40B4-BE49-F238E27FC236}">
+                  <a16:creationId xmlns:a16="http://schemas.microsoft.com/office/drawing/2014/main" id="{09F51898-0056-0438-0AA3-4901FFF1029C}"/>
+                </a:ext>
+              </a:extLst>
+            </p:cNvPr>
+            <p:cNvSpPr/>
+            <p:nvPr/>
+          </p:nvSpPr>
+          <p:spPr>
+            <a:xfrm>
+              <a:off x="7557339" y="3993296"/>
+              <a:ext cx="3371850" cy="400110"/>
+            </a:xfrm>
+            <a:prstGeom prst="rect">
+              <a:avLst/>
+            </a:prstGeom>
+            <a:noFill/>
+            <a:ln w="50800">
+              <a:solidFill>
+                <a:srgbClr val="FF0000"/>
+              </a:solidFill>
+            </a:ln>
+          </p:spPr>
+          <p:style>
+            <a:lnRef idx="2">
+              <a:schemeClr val="accent1">
+                <a:shade val="15000"/>
+              </a:schemeClr>
+            </a:lnRef>
+            <a:fillRef idx="1">
+              <a:schemeClr val="accent1"/>
+            </a:fillRef>
+            <a:effectRef idx="0">
+              <a:schemeClr val="accent1"/>
+            </a:effectRef>
+            <a:fontRef idx="minor">
+              <a:schemeClr val="lt1"/>
+            </a:fontRef>
+          </p:style>
+          <p:txBody>
+            <a:bodyPr rtlCol="0" anchor="ctr"/>
+            <a:lstStyle/>
+            <a:p>
+              <a:pPr algn="ctr"/>
+              <a:endParaRPr lang="en-US"/>
+            </a:p>
+          </p:txBody>
+        </p:sp>
+        <p:sp>
+          <p:nvSpPr>
+            <p:cNvPr id="17" name="Rectangle 16">
+              <a:extLst>
+                <a:ext uri="{FF2B5EF4-FFF2-40B4-BE49-F238E27FC236}">
+                  <a16:creationId xmlns:a16="http://schemas.microsoft.com/office/drawing/2014/main" id="{ACC9B985-240D-9F99-08B7-E36E00DEA90A}"/>
+                </a:ext>
+              </a:extLst>
+            </p:cNvPr>
+            <p:cNvSpPr/>
+            <p:nvPr/>
+          </p:nvSpPr>
+          <p:spPr>
+            <a:xfrm>
+              <a:off x="7529603" y="4686106"/>
+              <a:ext cx="3513228" cy="400110"/>
+            </a:xfrm>
+            <a:prstGeom prst="rect">
+              <a:avLst/>
+            </a:prstGeom>
+            <a:noFill/>
+            <a:ln w="50800">
+              <a:solidFill>
+                <a:srgbClr val="FF0000"/>
+              </a:solidFill>
+            </a:ln>
+          </p:spPr>
+          <p:style>
+            <a:lnRef idx="2">
+              <a:schemeClr val="accent1">
+                <a:shade val="15000"/>
+              </a:schemeClr>
+            </a:lnRef>
+            <a:fillRef idx="1">
+              <a:schemeClr val="accent1"/>
+            </a:fillRef>
+            <a:effectRef idx="0">
+              <a:schemeClr val="accent1"/>
+            </a:effectRef>
+            <a:fontRef idx="minor">
+              <a:schemeClr val="lt1"/>
+            </a:fontRef>
+          </p:style>
+          <p:txBody>
+            <a:bodyPr rtlCol="0" anchor="ctr"/>
+            <a:lstStyle/>
+            <a:p>
+              <a:pPr algn="ctr"/>
+              <a:endParaRPr lang="en-US"/>
+            </a:p>
+          </p:txBody>
+        </p:sp>
         <p:sp>
           <p:nvSpPr>
             <p:cNvPr id="3" name="Rectangle 2">
@@ -15207,7 +15578,7 @@
           </p:nvSpPr>
           <p:spPr>
             <a:xfrm>
-              <a:off x="963522" y="5080069"/>
+              <a:off x="963522" y="5578971"/>
               <a:ext cx="2795678" cy="400110"/>
             </a:xfrm>
             <a:prstGeom prst="rect">
@@ -15255,14 +15626,15 @@
               </a:extLst>
             </p:cNvPr>
             <p:cNvCxnSpPr>
+              <a:cxnSpLocks/>
               <a:stCxn id="3" idx="3"/>
             </p:cNvCxnSpPr>
             <p:nvPr/>
           </p:nvCxnSpPr>
           <p:spPr>
             <a:xfrm flipV="1">
-              <a:off x="3759200" y="4731960"/>
-              <a:ext cx="3556000" cy="548164"/>
+              <a:off x="3759200" y="4559300"/>
+              <a:ext cx="3492500" cy="1219726"/>
             </a:xfrm>
             <a:prstGeom prst="straightConnector1">
               <a:avLst/>
@@ -15289,6 +15661,58 @@
             </a:fontRef>
           </p:style>
         </p:cxnSp>
+        <p:sp>
+          <p:nvSpPr>
+            <p:cNvPr id="20" name="Rectangle 19">
+              <a:extLst>
+                <a:ext uri="{FF2B5EF4-FFF2-40B4-BE49-F238E27FC236}">
+                  <a16:creationId xmlns:a16="http://schemas.microsoft.com/office/drawing/2014/main" id="{8BE6E3BE-ABDD-F27C-C2A5-E77B845CDD87}"/>
+                </a:ext>
+              </a:extLst>
+            </p:cNvPr>
+            <p:cNvSpPr/>
+            <p:nvPr/>
+          </p:nvSpPr>
+          <p:spPr>
+            <a:xfrm>
+              <a:off x="7557338" y="5378916"/>
+              <a:ext cx="3766039" cy="400110"/>
+            </a:xfrm>
+            <a:prstGeom prst="rect">
+              <a:avLst/>
+            </a:prstGeom>
+            <a:noFill/>
+            <a:ln w="50800">
+              <a:solidFill>
+                <a:srgbClr val="FF0000"/>
+              </a:solidFill>
+            </a:ln>
+          </p:spPr>
+          <p:style>
+            <a:lnRef idx="2">
+              <a:schemeClr val="accent1">
+                <a:shade val="15000"/>
+              </a:schemeClr>
+            </a:lnRef>
+            <a:fillRef idx="1">
+              <a:schemeClr val="accent1"/>
+            </a:fillRef>
+            <a:effectRef idx="0">
+              <a:schemeClr val="accent1"/>
+            </a:effectRef>
+            <a:fontRef idx="minor">
+              <a:schemeClr val="lt1"/>
+            </a:fontRef>
+          </p:style>
+          <p:txBody>
+            <a:bodyPr rtlCol="0" anchor="ctr"/>
+            <a:lstStyle/>
+            <a:p>
+              <a:pPr algn="ctr"/>
+              <a:endParaRPr lang="en-US"/>
+            </a:p>
+          </p:txBody>
+        </p:sp>
       </p:grpSp>
     </p:spTree>
     <p:extLst>
@@ -15334,52 +15758,7 @@
                                           </p:stCondLst>
                                         </p:cTn>
                                         <p:tgtEl>
-                                          <p:spTgt spid="6"/>
-                                        </p:tgtEl>
-                                        <p:attrNameLst>
-                                          <p:attrName>style.visibility</p:attrName>
-                                        </p:attrNameLst>
-                                      </p:cBhvr>
-                                      <p:to>
-                                        <p:strVal val="visible"/>
-                                      </p:to>
-                                    </p:set>
-                                  </p:childTnLst>
-                                </p:cTn>
-                              </p:par>
-                            </p:childTnLst>
-                          </p:cTn>
-                        </p:par>
-                      </p:childTnLst>
-                    </p:cTn>
-                  </p:par>
-                  <p:par>
-                    <p:cTn id="7" fill="hold">
-                      <p:stCondLst>
-                        <p:cond delay="indefinite"/>
-                      </p:stCondLst>
-                      <p:childTnLst>
-                        <p:par>
-                          <p:cTn id="8" fill="hold">
-                            <p:stCondLst>
-                              <p:cond delay="0"/>
-                            </p:stCondLst>
-                            <p:childTnLst>
-                              <p:par>
-                                <p:cTn id="9" presetID="1" presetClass="entr" presetSubtype="0" fill="hold" nodeType="clickEffect">
-                                  <p:stCondLst>
-                                    <p:cond delay="0"/>
-                                  </p:stCondLst>
-                                  <p:childTnLst>
-                                    <p:set>
-                                      <p:cBhvr>
-                                        <p:cTn id="10" dur="1" fill="hold">
-                                          <p:stCondLst>
-                                            <p:cond delay="0"/>
-                                          </p:stCondLst>
-                                        </p:cTn>
-                                        <p:tgtEl>
-                                          <p:spTgt spid="22"/>
+                                          <p:spTgt spid="21"/>
                                         </p:tgtEl>
                                         <p:attrNameLst>
                                           <p:attrName>style.visibility</p:attrName>
@@ -16575,7 +16954,7 @@
             </a:r>
             <a:r>
               <a:rPr lang="en-US" sz="2400" dirty="0"/>
-              <a:t> casts the resulting value into a varchar(8000), potentially </a:t>
+              <a:t> can cast the resulting value into a larger datatype, potentially </a:t>
             </a:r>
           </a:p>
           <a:p>

--- a/TSQL_Translate_Operator/TSQL Translate.pptx
+++ b/TSQL_Translate_Operator/TSQL Translate.pptx
@@ -3500,8 +3500,13 @@
           <a:p>
             <a:r>
               <a:rPr lang="en-US" dirty="0"/>
-              <a:t>Everything “Translated” turns into a varchar(8000), and truncates beyond the 8000-character mark</a:t>
-            </a:r>
+              <a:t>Everything “Translated” </a:t>
+            </a:r>
+            <a:r>
+              <a:rPr lang="en-US"/>
+              <a:t>promoted datatypes</a:t>
+            </a:r>
+            <a:endParaRPr lang="en-US" dirty="0"/>
           </a:p>
         </p:txBody>
       </p:sp>

--- a/TSQL_Translate_Operator/TSQL Translate.pptx
+++ b/TSQL_Translate_Operator/TSQL Translate.pptx
@@ -5,33 +5,37 @@
     <p:sldMasterId id="2147483648" r:id="rId1"/>
   </p:sldMasterIdLst>
   <p:notesMasterIdLst>
-    <p:notesMasterId r:id="rId26"/>
+    <p:notesMasterId r:id="rId30"/>
   </p:notesMasterIdLst>
   <p:sldIdLst>
     <p:sldId id="256" r:id="rId2"/>
     <p:sldId id="316" r:id="rId3"/>
     <p:sldId id="257" r:id="rId4"/>
     <p:sldId id="258" r:id="rId5"/>
-    <p:sldId id="283" r:id="rId6"/>
-    <p:sldId id="315" r:id="rId7"/>
-    <p:sldId id="259" r:id="rId8"/>
-    <p:sldId id="260" r:id="rId9"/>
+    <p:sldId id="315" r:id="rId6"/>
+    <p:sldId id="259" r:id="rId7"/>
+    <p:sldId id="260" r:id="rId8"/>
+    <p:sldId id="322" r:id="rId9"/>
     <p:sldId id="282" r:id="rId10"/>
-    <p:sldId id="277" r:id="rId11"/>
-    <p:sldId id="295" r:id="rId12"/>
-    <p:sldId id="287" r:id="rId13"/>
-    <p:sldId id="288" r:id="rId14"/>
-    <p:sldId id="296" r:id="rId15"/>
-    <p:sldId id="289" r:id="rId16"/>
-    <p:sldId id="278" r:id="rId17"/>
-    <p:sldId id="290" r:id="rId18"/>
-    <p:sldId id="280" r:id="rId19"/>
-    <p:sldId id="301" r:id="rId20"/>
-    <p:sldId id="302" r:id="rId21"/>
-    <p:sldId id="300" r:id="rId22"/>
-    <p:sldId id="297" r:id="rId23"/>
-    <p:sldId id="299" r:id="rId24"/>
-    <p:sldId id="314" r:id="rId25"/>
+    <p:sldId id="318" r:id="rId11"/>
+    <p:sldId id="319" r:id="rId12"/>
+    <p:sldId id="320" r:id="rId13"/>
+    <p:sldId id="321" r:id="rId14"/>
+    <p:sldId id="277" r:id="rId15"/>
+    <p:sldId id="295" r:id="rId16"/>
+    <p:sldId id="287" r:id="rId17"/>
+    <p:sldId id="288" r:id="rId18"/>
+    <p:sldId id="296" r:id="rId19"/>
+    <p:sldId id="289" r:id="rId20"/>
+    <p:sldId id="278" r:id="rId21"/>
+    <p:sldId id="290" r:id="rId22"/>
+    <p:sldId id="280" r:id="rId23"/>
+    <p:sldId id="301" r:id="rId24"/>
+    <p:sldId id="302" r:id="rId25"/>
+    <p:sldId id="300" r:id="rId26"/>
+    <p:sldId id="297" r:id="rId27"/>
+    <p:sldId id="299" r:id="rId28"/>
+    <p:sldId id="314" r:id="rId29"/>
   </p:sldIdLst>
   <p:sldSz cx="12192000" cy="6858000"/>
   <p:notesSz cx="6858000" cy="9144000"/>
@@ -2338,7 +2342,7 @@
           <a:p>
             <a:fld id="{D6A2AC56-E20D-4719-9E66-68604E547144}" type="datetimeFigureOut">
               <a:rPr lang="en-US" smtClean="0"/>
-              <a:t>1/29/2024</a:t>
+              <a:t>3/21/2024</a:t>
             </a:fld>
             <a:endParaRPr lang="en-US"/>
           </a:p>
@@ -2692,90 +2696,6 @@
 </p:notes>
 </file>
 
-<file path=ppt/notesSlides/notesSlide10.xml><?xml version="1.0" encoding="utf-8"?>
-<p:notes xmlns:a="http://schemas.openxmlformats.org/drawingml/2006/main" xmlns:r="http://schemas.openxmlformats.org/officeDocument/2006/relationships" xmlns:p="http://schemas.openxmlformats.org/presentationml/2006/main">
-  <p:cSld>
-    <p:spTree>
-      <p:nvGrpSpPr>
-        <p:cNvPr id="1" name=""/>
-        <p:cNvGrpSpPr/>
-        <p:nvPr/>
-      </p:nvGrpSpPr>
-      <p:grpSpPr>
-        <a:xfrm>
-          <a:off x="0" y="0"/>
-          <a:ext cx="0" cy="0"/>
-          <a:chOff x="0" y="0"/>
-          <a:chExt cx="0" cy="0"/>
-        </a:xfrm>
-      </p:grpSpPr>
-      <p:sp>
-        <p:nvSpPr>
-          <p:cNvPr id="2" name="Slide Image Placeholder 1"/>
-          <p:cNvSpPr>
-            <a:spLocks noGrp="1" noRot="1" noChangeAspect="1"/>
-          </p:cNvSpPr>
-          <p:nvPr>
-            <p:ph type="sldImg"/>
-          </p:nvPr>
-        </p:nvSpPr>
-        <p:spPr/>
-      </p:sp>
-      <p:sp>
-        <p:nvSpPr>
-          <p:cNvPr id="3" name="Notes Placeholder 2"/>
-          <p:cNvSpPr>
-            <a:spLocks noGrp="1"/>
-          </p:cNvSpPr>
-          <p:nvPr>
-            <p:ph type="body" idx="1"/>
-          </p:nvPr>
-        </p:nvSpPr>
-        <p:spPr/>
-        <p:txBody>
-          <a:bodyPr/>
-          <a:lstStyle/>
-          <a:p>
-            <a:endParaRPr lang="en-US" dirty="0"/>
-          </a:p>
-        </p:txBody>
-      </p:sp>
-      <p:sp>
-        <p:nvSpPr>
-          <p:cNvPr id="4" name="Slide Number Placeholder 3"/>
-          <p:cNvSpPr>
-            <a:spLocks noGrp="1"/>
-          </p:cNvSpPr>
-          <p:nvPr>
-            <p:ph type="sldNum" sz="quarter" idx="5"/>
-          </p:nvPr>
-        </p:nvSpPr>
-        <p:spPr/>
-        <p:txBody>
-          <a:bodyPr/>
-          <a:lstStyle/>
-          <a:p>
-            <a:fld id="{3FD7DB7D-0C53-4255-829B-DFDF02E6CE3A}" type="slidenum">
-              <a:rPr lang="en-US" smtClean="0"/>
-              <a:t>22</a:t>
-            </a:fld>
-            <a:endParaRPr lang="en-US"/>
-          </a:p>
-        </p:txBody>
-      </p:sp>
-    </p:spTree>
-    <p:extLst>
-      <p:ext uri="{BB962C8B-B14F-4D97-AF65-F5344CB8AC3E}">
-        <p14:creationId xmlns:p14="http://schemas.microsoft.com/office/powerpoint/2010/main" val="2718763898"/>
-      </p:ext>
-    </p:extLst>
-  </p:cSld>
-  <p:clrMapOvr>
-    <a:masterClrMapping/>
-  </p:clrMapOvr>
-</p:notes>
-</file>
-
 <file path=ppt/notesSlides/notesSlide2.xml><?xml version="1.0" encoding="utf-8"?>
 <p:notes xmlns:a="http://schemas.openxmlformats.org/drawingml/2006/main" xmlns:r="http://schemas.openxmlformats.org/officeDocument/2006/relationships" xmlns:p="http://schemas.openxmlformats.org/presentationml/2006/main">
   <p:cSld>
@@ -3008,7 +2928,19 @@
           <a:p>
             <a:r>
               <a:rPr lang="en-US" dirty="0"/>
-              <a:t>Or I go into some SSIS package and don’t get the benefit of fixed-width formatting, so I get this rat’s nest of a statement knowing somewhere in here is a column.</a:t>
+              <a:t>So with the prevalence of Autocorrect, smart-quotes and diacritics are becoming more commonplace within free-form data.</a:t>
+            </a:r>
+          </a:p>
+          <a:p>
+            <a:r>
+              <a:rPr lang="en-US" dirty="0"/>
+              <a:t>And they’re not forgiving when you search upon them.</a:t>
+            </a:r>
+          </a:p>
+          <a:p>
+            <a:r>
+              <a:rPr lang="en-US" dirty="0"/>
+              <a:t>With the examples I have here, these represent at least 10 REPLACE functions</a:t>
             </a:r>
           </a:p>
         </p:txBody>
@@ -3030,7 +2962,7 @@
           <a:p>
             <a:fld id="{3FD7DB7D-0C53-4255-829B-DFDF02E6CE3A}" type="slidenum">
               <a:rPr lang="en-US" smtClean="0"/>
-              <a:t>5</a:t>
+              <a:t>6</a:t>
             </a:fld>
             <a:endParaRPr lang="en-US"/>
           </a:p>
@@ -3039,7 +2971,7 @@
     </p:spTree>
     <p:extLst>
       <p:ext uri="{BB962C8B-B14F-4D97-AF65-F5344CB8AC3E}">
-        <p14:creationId xmlns:p14="http://schemas.microsoft.com/office/powerpoint/2010/main" val="2504445069"/>
+        <p14:creationId xmlns:p14="http://schemas.microsoft.com/office/powerpoint/2010/main" val="281805595"/>
       </p:ext>
     </p:extLst>
   </p:cSld>
@@ -3095,19 +3027,16 @@
           <a:p>
             <a:r>
               <a:rPr lang="en-US" dirty="0"/>
-              <a:t>So with the prevalence of Autocorrect, smart-quotes and diacritics are becoming more commonplace within free-form data.</a:t>
-            </a:r>
+              <a:t>There are similar functions in DB2, Oracle, and PostgreSQL.</a:t>
+            </a:r>
+          </a:p>
+          <a:p>
+            <a:endParaRPr lang="en-US" dirty="0"/>
           </a:p>
           <a:p>
             <a:r>
               <a:rPr lang="en-US" dirty="0"/>
-              <a:t>And they’re not forgiving when you search upon them.</a:t>
-            </a:r>
-          </a:p>
-          <a:p>
-            <a:r>
-              <a:rPr lang="en-US" dirty="0"/>
-              <a:t>With the examples I have here, these represent at least 10 REPLACE functions</a:t>
+              <a:t>It’s also perfectly fine to re-use characters as source. However, the logic exits out on the first match from left-to-right.</a:t>
             </a:r>
           </a:p>
         </p:txBody>
@@ -3129,7 +3058,7 @@
           <a:p>
             <a:fld id="{3FD7DB7D-0C53-4255-829B-DFDF02E6CE3A}" type="slidenum">
               <a:rPr lang="en-US" smtClean="0"/>
-              <a:t>7</a:t>
+              <a:t>9</a:t>
             </a:fld>
             <a:endParaRPr lang="en-US"/>
           </a:p>
@@ -3138,7 +3067,7 @@
     </p:spTree>
     <p:extLst>
       <p:ext uri="{BB962C8B-B14F-4D97-AF65-F5344CB8AC3E}">
-        <p14:creationId xmlns:p14="http://schemas.microsoft.com/office/powerpoint/2010/main" val="281805595"/>
+        <p14:creationId xmlns:p14="http://schemas.microsoft.com/office/powerpoint/2010/main" val="3042365892"/>
       </p:ext>
     </p:extLst>
   </p:cSld>
@@ -3194,7 +3123,52 @@
           <a:p>
             <a:r>
               <a:rPr lang="en-US" dirty="0"/>
-              <a:t>It’s also perfectly fine to re-use characters as source. However, the logic exits out on the first match from left-to-right.</a:t>
+              <a:t>The case-sensitive version represents more than 78 REPLACE statements:</a:t>
+            </a:r>
+          </a:p>
+          <a:p>
+            <a:r>
+              <a:rPr lang="en-US" dirty="0"/>
+              <a:t>A replace to transfer lowercase to an emoji character</a:t>
+            </a:r>
+          </a:p>
+          <a:p>
+            <a:r>
+              <a:rPr lang="en-US" dirty="0"/>
+              <a:t>- Nested within a replace to transfer uppercase to lowercase version</a:t>
+            </a:r>
+          </a:p>
+          <a:p>
+            <a:r>
+              <a:rPr lang="en-US" dirty="0"/>
+              <a:t>- Nested within a replace to transfer emoji to upper case version</a:t>
+            </a:r>
+          </a:p>
+          <a:p>
+            <a:endParaRPr lang="en-US" dirty="0"/>
+          </a:p>
+          <a:p>
+            <a:r>
+              <a:rPr lang="en-US" dirty="0"/>
+              <a:t>If you used 52 REPLACE statements to attempt to re-enact this:</a:t>
+            </a:r>
+          </a:p>
+          <a:p>
+            <a:r>
+              <a:rPr lang="en-US" dirty="0"/>
+              <a:t>A replace to transfer lowercase to uppercase</a:t>
+            </a:r>
+          </a:p>
+          <a:p>
+            <a:r>
+              <a:rPr lang="en-US" dirty="0"/>
+              <a:t>- Nested within a replace to transfer uppercase to lowercase</a:t>
+            </a:r>
+          </a:p>
+          <a:p>
+            <a:r>
+              <a:rPr lang="en-US" dirty="0"/>
+              <a:t>Every letter would wind-up lowercase</a:t>
             </a:r>
           </a:p>
         </p:txBody>
@@ -3216,7 +3190,7 @@
           <a:p>
             <a:fld id="{3FD7DB7D-0C53-4255-829B-DFDF02E6CE3A}" type="slidenum">
               <a:rPr lang="en-US" smtClean="0"/>
-              <a:t>9</a:t>
+              <a:t>14</a:t>
             </a:fld>
             <a:endParaRPr lang="en-US"/>
           </a:p>
@@ -3225,7 +3199,7 @@
     </p:spTree>
     <p:extLst>
       <p:ext uri="{BB962C8B-B14F-4D97-AF65-F5344CB8AC3E}">
-        <p14:creationId xmlns:p14="http://schemas.microsoft.com/office/powerpoint/2010/main" val="3042365892"/>
+        <p14:creationId xmlns:p14="http://schemas.microsoft.com/office/powerpoint/2010/main" val="2186496064"/>
       </p:ext>
     </p:extLst>
   </p:cSld>
@@ -3281,52 +3255,7 @@
           <a:p>
             <a:r>
               <a:rPr lang="en-US" dirty="0"/>
-              <a:t>The case-sensitive version represents more than 78 REPLACE statements:</a:t>
-            </a:r>
-          </a:p>
-          <a:p>
-            <a:r>
-              <a:rPr lang="en-US" dirty="0"/>
-              <a:t>A replace to transfer lowercase to an emoji character</a:t>
-            </a:r>
-          </a:p>
-          <a:p>
-            <a:r>
-              <a:rPr lang="en-US" dirty="0"/>
-              <a:t>- Nested within a replace to transfer uppercase to lowercase version</a:t>
-            </a:r>
-          </a:p>
-          <a:p>
-            <a:r>
-              <a:rPr lang="en-US" dirty="0"/>
-              <a:t>- Nested within a replace to transfer emoji to upper case version</a:t>
-            </a:r>
-          </a:p>
-          <a:p>
-            <a:endParaRPr lang="en-US" dirty="0"/>
-          </a:p>
-          <a:p>
-            <a:r>
-              <a:rPr lang="en-US" dirty="0"/>
-              <a:t>If you used 52 REPLACE statements to attempt to re-enact this:</a:t>
-            </a:r>
-          </a:p>
-          <a:p>
-            <a:r>
-              <a:rPr lang="en-US" dirty="0"/>
-              <a:t>A replace to transfer lowercase to uppercase</a:t>
-            </a:r>
-          </a:p>
-          <a:p>
-            <a:r>
-              <a:rPr lang="en-US" dirty="0"/>
-              <a:t>- Nested within a replace to transfer uppercase to lowercase</a:t>
-            </a:r>
-          </a:p>
-          <a:p>
-            <a:r>
-              <a:rPr lang="en-US" dirty="0"/>
-              <a:t>Every letter would wind-up lowercase</a:t>
+              <a:t>Bonus: Try this exercise again with CHAR(0), the NULL character. What happens?</a:t>
             </a:r>
           </a:p>
         </p:txBody>
@@ -3348,7 +3277,7 @@
           <a:p>
             <a:fld id="{3FD7DB7D-0C53-4255-829B-DFDF02E6CE3A}" type="slidenum">
               <a:rPr lang="en-US" smtClean="0"/>
-              <a:t>10</a:t>
+              <a:t>23</a:t>
             </a:fld>
             <a:endParaRPr lang="en-US"/>
           </a:p>
@@ -3357,7 +3286,7 @@
     </p:spTree>
     <p:extLst>
       <p:ext uri="{BB962C8B-B14F-4D97-AF65-F5344CB8AC3E}">
-        <p14:creationId xmlns:p14="http://schemas.microsoft.com/office/powerpoint/2010/main" val="2186496064"/>
+        <p14:creationId xmlns:p14="http://schemas.microsoft.com/office/powerpoint/2010/main" val="2614263377"/>
       </p:ext>
     </p:extLst>
   </p:cSld>
@@ -3413,8 +3342,13 @@
           <a:p>
             <a:r>
               <a:rPr lang="en-US" dirty="0"/>
-              <a:t>Bonus: Try this exercise again with CHAR(0), the NULL character. What happens?</a:t>
-            </a:r>
+              <a:t>Everything “Translated” </a:t>
+            </a:r>
+            <a:r>
+              <a:rPr lang="en-US"/>
+              <a:t>promoted datatypes</a:t>
+            </a:r>
+            <a:endParaRPr lang="en-US" dirty="0"/>
           </a:p>
         </p:txBody>
       </p:sp>
@@ -3435,7 +3369,7 @@
           <a:p>
             <a:fld id="{3FD7DB7D-0C53-4255-829B-DFDF02E6CE3A}" type="slidenum">
               <a:rPr lang="en-US" smtClean="0"/>
-              <a:t>19</a:t>
+              <a:t>25</a:t>
             </a:fld>
             <a:endParaRPr lang="en-US"/>
           </a:p>
@@ -3444,7 +3378,7 @@
     </p:spTree>
     <p:extLst>
       <p:ext uri="{BB962C8B-B14F-4D97-AF65-F5344CB8AC3E}">
-        <p14:creationId xmlns:p14="http://schemas.microsoft.com/office/powerpoint/2010/main" val="2614263377"/>
+        <p14:creationId xmlns:p14="http://schemas.microsoft.com/office/powerpoint/2010/main" val="1592477599"/>
       </p:ext>
     </p:extLst>
   </p:cSld>
@@ -3498,14 +3432,6 @@
           <a:bodyPr/>
           <a:lstStyle/>
           <a:p>
-            <a:r>
-              <a:rPr lang="en-US" dirty="0"/>
-              <a:t>Everything “Translated” </a:t>
-            </a:r>
-            <a:r>
-              <a:rPr lang="en-US"/>
-              <a:t>promoted datatypes</a:t>
-            </a:r>
             <a:endParaRPr lang="en-US" dirty="0"/>
           </a:p>
         </p:txBody>
@@ -3527,7 +3453,7 @@
           <a:p>
             <a:fld id="{3FD7DB7D-0C53-4255-829B-DFDF02E6CE3A}" type="slidenum">
               <a:rPr lang="en-US" smtClean="0"/>
-              <a:t>21</a:t>
+              <a:t>26</a:t>
             </a:fld>
             <a:endParaRPr lang="en-US"/>
           </a:p>
@@ -3536,7 +3462,7 @@
     </p:spTree>
     <p:extLst>
       <p:ext uri="{BB962C8B-B14F-4D97-AF65-F5344CB8AC3E}">
-        <p14:creationId xmlns:p14="http://schemas.microsoft.com/office/powerpoint/2010/main" val="1592477599"/>
+        <p14:creationId xmlns:p14="http://schemas.microsoft.com/office/powerpoint/2010/main" val="2718763898"/>
       </p:ext>
     </p:extLst>
   </p:cSld>
@@ -3693,7 +3619,7 @@
           <a:p>
             <a:fld id="{94E3A28C-D62F-4439-8BFC-9924939B4D00}" type="datetimeFigureOut">
               <a:rPr lang="en-US" smtClean="0"/>
-              <a:t>1/29/2024</a:t>
+              <a:t>3/21/2024</a:t>
             </a:fld>
             <a:endParaRPr lang="en-US"/>
           </a:p>
@@ -3891,7 +3817,7 @@
           <a:p>
             <a:fld id="{94E3A28C-D62F-4439-8BFC-9924939B4D00}" type="datetimeFigureOut">
               <a:rPr lang="en-US" smtClean="0"/>
-              <a:t>1/29/2024</a:t>
+              <a:t>3/21/2024</a:t>
             </a:fld>
             <a:endParaRPr lang="en-US"/>
           </a:p>
@@ -4099,7 +4025,7 @@
           <a:p>
             <a:fld id="{94E3A28C-D62F-4439-8BFC-9924939B4D00}" type="datetimeFigureOut">
               <a:rPr lang="en-US" smtClean="0"/>
-              <a:t>1/29/2024</a:t>
+              <a:t>3/21/2024</a:t>
             </a:fld>
             <a:endParaRPr lang="en-US"/>
           </a:p>
@@ -4297,7 +4223,7 @@
           <a:p>
             <a:fld id="{94E3A28C-D62F-4439-8BFC-9924939B4D00}" type="datetimeFigureOut">
               <a:rPr lang="en-US" smtClean="0"/>
-              <a:t>1/29/2024</a:t>
+              <a:t>3/21/2024</a:t>
             </a:fld>
             <a:endParaRPr lang="en-US"/>
           </a:p>
@@ -4572,7 +4498,7 @@
           <a:p>
             <a:fld id="{94E3A28C-D62F-4439-8BFC-9924939B4D00}" type="datetimeFigureOut">
               <a:rPr lang="en-US" smtClean="0"/>
-              <a:t>1/29/2024</a:t>
+              <a:t>3/21/2024</a:t>
             </a:fld>
             <a:endParaRPr lang="en-US"/>
           </a:p>
@@ -4837,7 +4763,7 @@
           <a:p>
             <a:fld id="{94E3A28C-D62F-4439-8BFC-9924939B4D00}" type="datetimeFigureOut">
               <a:rPr lang="en-US" smtClean="0"/>
-              <a:t>1/29/2024</a:t>
+              <a:t>3/21/2024</a:t>
             </a:fld>
             <a:endParaRPr lang="en-US"/>
           </a:p>
@@ -5249,7 +5175,7 @@
           <a:p>
             <a:fld id="{94E3A28C-D62F-4439-8BFC-9924939B4D00}" type="datetimeFigureOut">
               <a:rPr lang="en-US" smtClean="0"/>
-              <a:t>1/29/2024</a:t>
+              <a:t>3/21/2024</a:t>
             </a:fld>
             <a:endParaRPr lang="en-US"/>
           </a:p>
@@ -5390,7 +5316,7 @@
           <a:p>
             <a:fld id="{94E3A28C-D62F-4439-8BFC-9924939B4D00}" type="datetimeFigureOut">
               <a:rPr lang="en-US" smtClean="0"/>
-              <a:t>1/29/2024</a:t>
+              <a:t>3/21/2024</a:t>
             </a:fld>
             <a:endParaRPr lang="en-US"/>
           </a:p>
@@ -5503,7 +5429,7 @@
           <a:p>
             <a:fld id="{94E3A28C-D62F-4439-8BFC-9924939B4D00}" type="datetimeFigureOut">
               <a:rPr lang="en-US" smtClean="0"/>
-              <a:t>1/29/2024</a:t>
+              <a:t>3/21/2024</a:t>
             </a:fld>
             <a:endParaRPr lang="en-US"/>
           </a:p>
@@ -5814,7 +5740,7 @@
           <a:p>
             <a:fld id="{94E3A28C-D62F-4439-8BFC-9924939B4D00}" type="datetimeFigureOut">
               <a:rPr lang="en-US" smtClean="0"/>
-              <a:t>1/29/2024</a:t>
+              <a:t>3/21/2024</a:t>
             </a:fld>
             <a:endParaRPr lang="en-US"/>
           </a:p>
@@ -6102,7 +6028,7 @@
           <a:p>
             <a:fld id="{94E3A28C-D62F-4439-8BFC-9924939B4D00}" type="datetimeFigureOut">
               <a:rPr lang="en-US" smtClean="0"/>
-              <a:t>1/29/2024</a:t>
+              <a:t>3/21/2024</a:t>
             </a:fld>
             <a:endParaRPr lang="en-US"/>
           </a:p>
@@ -6343,7 +6269,7 @@
           <a:p>
             <a:fld id="{94E3A28C-D62F-4439-8BFC-9924939B4D00}" type="datetimeFigureOut">
               <a:rPr lang="en-US" smtClean="0"/>
-              <a:t>1/29/2024</a:t>
+              <a:t>3/21/2024</a:t>
             </a:fld>
             <a:endParaRPr lang="en-US"/>
           </a:p>
@@ -6951,6 +6877,2832 @@
       </p:grpSpPr>
       <p:sp>
         <p:nvSpPr>
+          <p:cNvPr id="2" name="Title 1">
+            <a:extLst>
+              <a:ext uri="{FF2B5EF4-FFF2-40B4-BE49-F238E27FC236}">
+                <a16:creationId xmlns:a16="http://schemas.microsoft.com/office/drawing/2014/main" id="{9CE8B567-6659-70E4-8D1A-58FA4C66BE5E}"/>
+              </a:ext>
+            </a:extLst>
+          </p:cNvPr>
+          <p:cNvSpPr>
+            <a:spLocks noGrp="1"/>
+          </p:cNvSpPr>
+          <p:nvPr>
+            <p:ph type="title"/>
+          </p:nvPr>
+        </p:nvSpPr>
+        <p:spPr/>
+        <p:txBody>
+          <a:bodyPr/>
+          <a:lstStyle/>
+          <a:p>
+            <a:r>
+              <a:rPr lang="en-US" dirty="0"/>
+              <a:t>The Collation (Case-Sensitivity) Hierarchy</a:t>
+            </a:r>
+          </a:p>
+        </p:txBody>
+      </p:sp>
+      <p:sp>
+        <p:nvSpPr>
+          <p:cNvPr id="5" name="TextBox 4">
+            <a:extLst>
+              <a:ext uri="{FF2B5EF4-FFF2-40B4-BE49-F238E27FC236}">
+                <a16:creationId xmlns:a16="http://schemas.microsoft.com/office/drawing/2014/main" id="{F1348302-1F57-40F3-55E7-F6BB2DC8725D}"/>
+              </a:ext>
+            </a:extLst>
+          </p:cNvPr>
+          <p:cNvSpPr txBox="1"/>
+          <p:nvPr/>
+        </p:nvSpPr>
+        <p:spPr>
+          <a:xfrm>
+            <a:off x="977029" y="1841326"/>
+            <a:ext cx="4058433" cy="646331"/>
+          </a:xfrm>
+          <a:prstGeom prst="rect">
+            <a:avLst/>
+          </a:prstGeom>
+          <a:noFill/>
+        </p:spPr>
+        <p:txBody>
+          <a:bodyPr wrap="square" rtlCol="0">
+            <a:spAutoFit/>
+          </a:bodyPr>
+          <a:lstStyle/>
+          <a:p>
+            <a:pPr marL="285750" indent="-285750">
+              <a:buFont typeface="Arial" panose="020B0604020202020204" pitchFamily="34" charset="0"/>
+              <a:buChar char="•"/>
+            </a:pPr>
+            <a:r>
+              <a:rPr lang="en-US" dirty="0"/>
+              <a:t>Instance – What was set when SQL Server was first installed?</a:t>
+            </a:r>
+          </a:p>
+        </p:txBody>
+      </p:sp>
+      <p:pic>
+        <p:nvPicPr>
+          <p:cNvPr id="4" name="Picture 3">
+            <a:extLst>
+              <a:ext uri="{FF2B5EF4-FFF2-40B4-BE49-F238E27FC236}">
+                <a16:creationId xmlns:a16="http://schemas.microsoft.com/office/drawing/2014/main" id="{285E3141-A63E-884B-2AD4-9DD5BDE0EA6A}"/>
+              </a:ext>
+            </a:extLst>
+          </p:cNvPr>
+          <p:cNvPicPr>
+            <a:picLocks noChangeAspect="1"/>
+          </p:cNvPicPr>
+          <p:nvPr/>
+        </p:nvPicPr>
+        <p:blipFill>
+          <a:blip r:embed="rId2"/>
+          <a:stretch>
+            <a:fillRect/>
+          </a:stretch>
+        </p:blipFill>
+        <p:spPr>
+          <a:xfrm>
+            <a:off x="5035462" y="1562100"/>
+            <a:ext cx="5648325" cy="4495800"/>
+          </a:xfrm>
+          <a:prstGeom prst="rect">
+            <a:avLst/>
+          </a:prstGeom>
+        </p:spPr>
+      </p:pic>
+      <p:sp>
+        <p:nvSpPr>
+          <p:cNvPr id="8" name="TextBox 7">
+            <a:extLst>
+              <a:ext uri="{FF2B5EF4-FFF2-40B4-BE49-F238E27FC236}">
+                <a16:creationId xmlns:a16="http://schemas.microsoft.com/office/drawing/2014/main" id="{3E53F0D2-EDE0-117B-D759-20EFC0A40B80}"/>
+              </a:ext>
+            </a:extLst>
+          </p:cNvPr>
+          <p:cNvSpPr txBox="1"/>
+          <p:nvPr/>
+        </p:nvSpPr>
+        <p:spPr>
+          <a:xfrm>
+            <a:off x="1216916" y="3121223"/>
+            <a:ext cx="3818546" cy="307777"/>
+          </a:xfrm>
+          <a:prstGeom prst="rect">
+            <a:avLst/>
+          </a:prstGeom>
+          <a:noFill/>
+        </p:spPr>
+        <p:txBody>
+          <a:bodyPr wrap="square">
+            <a:spAutoFit/>
+          </a:bodyPr>
+          <a:lstStyle/>
+          <a:p>
+            <a:r>
+              <a:rPr lang="en-US" sz="1400" dirty="0">
+                <a:solidFill>
+                  <a:srgbClr val="0000FF"/>
+                </a:solidFill>
+                <a:latin typeface="Cascadia Mono" panose="020B0609020000020004" pitchFamily="49" charset="0"/>
+                <a:cs typeface="Cascadia Mono" panose="020B0609020000020004" pitchFamily="49" charset="0"/>
+              </a:rPr>
+              <a:t>SELECT</a:t>
+            </a:r>
+            <a:r>
+              <a:rPr lang="en-US" sz="1400" dirty="0">
+                <a:solidFill>
+                  <a:srgbClr val="000000"/>
+                </a:solidFill>
+                <a:latin typeface="Cascadia Mono" panose="020B0609020000020004" pitchFamily="49" charset="0"/>
+                <a:cs typeface="Cascadia Mono" panose="020B0609020000020004" pitchFamily="49" charset="0"/>
+              </a:rPr>
+              <a:t> </a:t>
+            </a:r>
+            <a:r>
+              <a:rPr lang="en-US" sz="1400" dirty="0">
+                <a:solidFill>
+                  <a:srgbClr val="FF00FF"/>
+                </a:solidFill>
+                <a:latin typeface="Cascadia Mono" panose="020B0609020000020004" pitchFamily="49" charset="0"/>
+                <a:cs typeface="Cascadia Mono" panose="020B0609020000020004" pitchFamily="49" charset="0"/>
+              </a:rPr>
+              <a:t>SERVERPROPERTY</a:t>
+            </a:r>
+            <a:r>
+              <a:rPr lang="en-US" sz="1400" dirty="0">
+                <a:solidFill>
+                  <a:srgbClr val="808080"/>
+                </a:solidFill>
+                <a:latin typeface="Cascadia Mono" panose="020B0609020000020004" pitchFamily="49" charset="0"/>
+                <a:cs typeface="Cascadia Mono" panose="020B0609020000020004" pitchFamily="49" charset="0"/>
+              </a:rPr>
+              <a:t>(</a:t>
+            </a:r>
+            <a:r>
+              <a:rPr lang="en-US" sz="1400" dirty="0">
+                <a:solidFill>
+                  <a:srgbClr val="FF0000"/>
+                </a:solidFill>
+                <a:latin typeface="Cascadia Mono" panose="020B0609020000020004" pitchFamily="49" charset="0"/>
+                <a:cs typeface="Cascadia Mono" panose="020B0609020000020004" pitchFamily="49" charset="0"/>
+              </a:rPr>
+              <a:t>'collation'</a:t>
+            </a:r>
+            <a:r>
+              <a:rPr lang="en-US" sz="1400" dirty="0">
+                <a:solidFill>
+                  <a:srgbClr val="808080"/>
+                </a:solidFill>
+                <a:latin typeface="Cascadia Mono" panose="020B0609020000020004" pitchFamily="49" charset="0"/>
+                <a:cs typeface="Cascadia Mono" panose="020B0609020000020004" pitchFamily="49" charset="0"/>
+              </a:rPr>
+              <a:t>)</a:t>
+            </a:r>
+            <a:endParaRPr lang="en-US" sz="1400" dirty="0">
+              <a:latin typeface="Cascadia Mono" panose="020B0609020000020004" pitchFamily="49" charset="0"/>
+              <a:cs typeface="Cascadia Mono" panose="020B0609020000020004" pitchFamily="49" charset="0"/>
+            </a:endParaRPr>
+          </a:p>
+        </p:txBody>
+      </p:sp>
+    </p:spTree>
+    <p:extLst>
+      <p:ext uri="{BB962C8B-B14F-4D97-AF65-F5344CB8AC3E}">
+        <p14:creationId xmlns:p14="http://schemas.microsoft.com/office/powerpoint/2010/main" val="3105344402"/>
+      </p:ext>
+    </p:extLst>
+  </p:cSld>
+  <p:clrMapOvr>
+    <a:masterClrMapping/>
+  </p:clrMapOvr>
+  <p:timing>
+    <p:tnLst>
+      <p:par>
+        <p:cTn id="1" dur="indefinite" restart="never" nodeType="tmRoot">
+          <p:childTnLst>
+            <p:seq concurrent="1" nextAc="seek">
+              <p:cTn id="2" dur="indefinite" nodeType="mainSeq">
+                <p:childTnLst>
+                  <p:par>
+                    <p:cTn id="3" fill="hold">
+                      <p:stCondLst>
+                        <p:cond delay="indefinite"/>
+                      </p:stCondLst>
+                      <p:childTnLst>
+                        <p:par>
+                          <p:cTn id="4" fill="hold">
+                            <p:stCondLst>
+                              <p:cond delay="0"/>
+                            </p:stCondLst>
+                            <p:childTnLst>
+                              <p:par>
+                                <p:cTn id="5" presetID="1" presetClass="entr" presetSubtype="0" fill="hold" grpId="0" nodeType="clickEffect">
+                                  <p:stCondLst>
+                                    <p:cond delay="0"/>
+                                  </p:stCondLst>
+                                  <p:childTnLst>
+                                    <p:set>
+                                      <p:cBhvr>
+                                        <p:cTn id="6" dur="1" fill="hold">
+                                          <p:stCondLst>
+                                            <p:cond delay="0"/>
+                                          </p:stCondLst>
+                                        </p:cTn>
+                                        <p:tgtEl>
+                                          <p:spTgt spid="8"/>
+                                        </p:tgtEl>
+                                        <p:attrNameLst>
+                                          <p:attrName>style.visibility</p:attrName>
+                                        </p:attrNameLst>
+                                      </p:cBhvr>
+                                      <p:to>
+                                        <p:strVal val="visible"/>
+                                      </p:to>
+                                    </p:set>
+                                  </p:childTnLst>
+                                </p:cTn>
+                              </p:par>
+                            </p:childTnLst>
+                          </p:cTn>
+                        </p:par>
+                      </p:childTnLst>
+                    </p:cTn>
+                  </p:par>
+                </p:childTnLst>
+              </p:cTn>
+              <p:prevCondLst>
+                <p:cond evt="onPrev" delay="0">
+                  <p:tgtEl>
+                    <p:sldTgt/>
+                  </p:tgtEl>
+                </p:cond>
+              </p:prevCondLst>
+              <p:nextCondLst>
+                <p:cond evt="onNext" delay="0">
+                  <p:tgtEl>
+                    <p:sldTgt/>
+                  </p:tgtEl>
+                </p:cond>
+              </p:nextCondLst>
+            </p:seq>
+          </p:childTnLst>
+        </p:cTn>
+      </p:par>
+    </p:tnLst>
+    <p:bldLst>
+      <p:bldP spid="8" grpId="0"/>
+    </p:bldLst>
+  </p:timing>
+</p:sld>
+</file>
+
+<file path=ppt/slides/slide11.xml><?xml version="1.0" encoding="utf-8"?>
+<p:sld xmlns:a="http://schemas.openxmlformats.org/drawingml/2006/main" xmlns:r="http://schemas.openxmlformats.org/officeDocument/2006/relationships" xmlns:p="http://schemas.openxmlformats.org/presentationml/2006/main">
+  <p:cSld>
+    <p:spTree>
+      <p:nvGrpSpPr>
+        <p:cNvPr id="1" name=""/>
+        <p:cNvGrpSpPr/>
+        <p:nvPr/>
+      </p:nvGrpSpPr>
+      <p:grpSpPr>
+        <a:xfrm>
+          <a:off x="0" y="0"/>
+          <a:ext cx="0" cy="0"/>
+          <a:chOff x="0" y="0"/>
+          <a:chExt cx="0" cy="0"/>
+        </a:xfrm>
+      </p:grpSpPr>
+      <p:sp>
+        <p:nvSpPr>
+          <p:cNvPr id="2" name="Title 1">
+            <a:extLst>
+              <a:ext uri="{FF2B5EF4-FFF2-40B4-BE49-F238E27FC236}">
+                <a16:creationId xmlns:a16="http://schemas.microsoft.com/office/drawing/2014/main" id="{9CE8B567-6659-70E4-8D1A-58FA4C66BE5E}"/>
+              </a:ext>
+            </a:extLst>
+          </p:cNvPr>
+          <p:cNvSpPr>
+            <a:spLocks noGrp="1"/>
+          </p:cNvSpPr>
+          <p:nvPr>
+            <p:ph type="title"/>
+          </p:nvPr>
+        </p:nvSpPr>
+        <p:spPr/>
+        <p:txBody>
+          <a:bodyPr/>
+          <a:lstStyle/>
+          <a:p>
+            <a:r>
+              <a:rPr lang="en-US" dirty="0"/>
+              <a:t>The Collation (Case-Sensitivity) Hierarchy</a:t>
+            </a:r>
+          </a:p>
+        </p:txBody>
+      </p:sp>
+      <p:sp>
+        <p:nvSpPr>
+          <p:cNvPr id="5" name="TextBox 4">
+            <a:extLst>
+              <a:ext uri="{FF2B5EF4-FFF2-40B4-BE49-F238E27FC236}">
+                <a16:creationId xmlns:a16="http://schemas.microsoft.com/office/drawing/2014/main" id="{F1348302-1F57-40F3-55E7-F6BB2DC8725D}"/>
+              </a:ext>
+            </a:extLst>
+          </p:cNvPr>
+          <p:cNvSpPr txBox="1"/>
+          <p:nvPr/>
+        </p:nvSpPr>
+        <p:spPr>
+          <a:xfrm>
+            <a:off x="977029" y="1841326"/>
+            <a:ext cx="4058433" cy="646331"/>
+          </a:xfrm>
+          <a:prstGeom prst="rect">
+            <a:avLst/>
+          </a:prstGeom>
+          <a:noFill/>
+        </p:spPr>
+        <p:txBody>
+          <a:bodyPr wrap="square" rtlCol="0">
+            <a:spAutoFit/>
+          </a:bodyPr>
+          <a:lstStyle/>
+          <a:p>
+            <a:pPr marL="285750" indent="-285750">
+              <a:buFont typeface="Arial" panose="020B0604020202020204" pitchFamily="34" charset="0"/>
+              <a:buChar char="•"/>
+            </a:pPr>
+            <a:r>
+              <a:rPr lang="en-US" dirty="0"/>
+              <a:t>Instance – What was set when SQL Server was first installed?</a:t>
+            </a:r>
+          </a:p>
+        </p:txBody>
+      </p:sp>
+      <p:sp>
+        <p:nvSpPr>
+          <p:cNvPr id="9" name="TextBox 8">
+            <a:extLst>
+              <a:ext uri="{FF2B5EF4-FFF2-40B4-BE49-F238E27FC236}">
+                <a16:creationId xmlns:a16="http://schemas.microsoft.com/office/drawing/2014/main" id="{395797DD-918D-ABD0-75B7-821950A001EF}"/>
+              </a:ext>
+            </a:extLst>
+          </p:cNvPr>
+          <p:cNvSpPr txBox="1"/>
+          <p:nvPr/>
+        </p:nvSpPr>
+        <p:spPr>
+          <a:xfrm>
+            <a:off x="1316274" y="2621072"/>
+            <a:ext cx="3379941" cy="369332"/>
+          </a:xfrm>
+          <a:prstGeom prst="rect">
+            <a:avLst/>
+          </a:prstGeom>
+          <a:noFill/>
+        </p:spPr>
+        <p:txBody>
+          <a:bodyPr wrap="square" rtlCol="0">
+            <a:spAutoFit/>
+          </a:bodyPr>
+          <a:lstStyle/>
+          <a:p>
+            <a:pPr marL="285750" indent="-285750">
+              <a:buFont typeface="Arial" panose="020B0604020202020204" pitchFamily="34" charset="0"/>
+              <a:buChar char="•"/>
+            </a:pPr>
+            <a:r>
+              <a:rPr lang="en-US" dirty="0"/>
+              <a:t>Database – Default or explicit?</a:t>
+            </a:r>
+          </a:p>
+        </p:txBody>
+      </p:sp>
+      <p:sp>
+        <p:nvSpPr>
+          <p:cNvPr id="4" name="TextBox 3">
+            <a:extLst>
+              <a:ext uri="{FF2B5EF4-FFF2-40B4-BE49-F238E27FC236}">
+                <a16:creationId xmlns:a16="http://schemas.microsoft.com/office/drawing/2014/main" id="{623C1E75-96EE-AE71-EB80-364BD32CD2B1}"/>
+              </a:ext>
+            </a:extLst>
+          </p:cNvPr>
+          <p:cNvSpPr txBox="1"/>
+          <p:nvPr/>
+        </p:nvSpPr>
+        <p:spPr>
+          <a:xfrm>
+            <a:off x="1280992" y="3867597"/>
+            <a:ext cx="3935348" cy="1384995"/>
+          </a:xfrm>
+          <a:prstGeom prst="rect">
+            <a:avLst/>
+          </a:prstGeom>
+          <a:noFill/>
+        </p:spPr>
+        <p:txBody>
+          <a:bodyPr wrap="square">
+            <a:spAutoFit/>
+          </a:bodyPr>
+          <a:lstStyle/>
+          <a:p>
+            <a:r>
+              <a:rPr lang="en-US" sz="1400" dirty="0">
+                <a:solidFill>
+                  <a:srgbClr val="0000FF"/>
+                </a:solidFill>
+                <a:latin typeface="Cascadia Mono" panose="020B0609020000020004" pitchFamily="49" charset="0"/>
+                <a:cs typeface="Cascadia Mono" panose="020B0609020000020004" pitchFamily="49" charset="0"/>
+              </a:rPr>
+              <a:t>SELECT</a:t>
+            </a:r>
+            <a:r>
+              <a:rPr lang="en-US" sz="1400" dirty="0">
+                <a:solidFill>
+                  <a:srgbClr val="000000"/>
+                </a:solidFill>
+                <a:latin typeface="Cascadia Mono" panose="020B0609020000020004" pitchFamily="49" charset="0"/>
+                <a:cs typeface="Cascadia Mono" panose="020B0609020000020004" pitchFamily="49" charset="0"/>
+              </a:rPr>
+              <a:t> </a:t>
+            </a:r>
+            <a:r>
+              <a:rPr lang="en-US" sz="1400" dirty="0">
+                <a:solidFill>
+                  <a:srgbClr val="FF00FF"/>
+                </a:solidFill>
+                <a:latin typeface="Cascadia Mono" panose="020B0609020000020004" pitchFamily="49" charset="0"/>
+                <a:cs typeface="Cascadia Mono" panose="020B0609020000020004" pitchFamily="49" charset="0"/>
+              </a:rPr>
+              <a:t>DATABASEPROPERTYEX</a:t>
+            </a:r>
+            <a:r>
+              <a:rPr lang="en-US" sz="1400" dirty="0">
+                <a:solidFill>
+                  <a:srgbClr val="808080"/>
+                </a:solidFill>
+                <a:latin typeface="Cascadia Mono" panose="020B0609020000020004" pitchFamily="49" charset="0"/>
+                <a:cs typeface="Cascadia Mono" panose="020B0609020000020004" pitchFamily="49" charset="0"/>
+              </a:rPr>
+              <a:t>(</a:t>
+            </a:r>
+          </a:p>
+          <a:p>
+            <a:r>
+              <a:rPr lang="en-US" sz="1400" dirty="0">
+                <a:solidFill>
+                  <a:srgbClr val="808080"/>
+                </a:solidFill>
+                <a:latin typeface="Cascadia Mono" panose="020B0609020000020004" pitchFamily="49" charset="0"/>
+                <a:cs typeface="Cascadia Mono" panose="020B0609020000020004" pitchFamily="49" charset="0"/>
+              </a:rPr>
+              <a:t>	</a:t>
+            </a:r>
+            <a:r>
+              <a:rPr lang="en-US" sz="1400" dirty="0">
+                <a:solidFill>
+                  <a:srgbClr val="FF00FF"/>
+                </a:solidFill>
+                <a:latin typeface="Cascadia Mono" panose="020B0609020000020004" pitchFamily="49" charset="0"/>
+                <a:cs typeface="Cascadia Mono" panose="020B0609020000020004" pitchFamily="49" charset="0"/>
+              </a:rPr>
+              <a:t>DB_NAME</a:t>
+            </a:r>
+            <a:r>
+              <a:rPr lang="en-US" sz="1400" dirty="0">
+                <a:solidFill>
+                  <a:srgbClr val="808080"/>
+                </a:solidFill>
+                <a:latin typeface="Cascadia Mono" panose="020B0609020000020004" pitchFamily="49" charset="0"/>
+                <a:cs typeface="Cascadia Mono" panose="020B0609020000020004" pitchFamily="49" charset="0"/>
+              </a:rPr>
+              <a:t>(),</a:t>
+            </a:r>
+            <a:r>
+              <a:rPr lang="en-US" sz="1400" dirty="0">
+                <a:solidFill>
+                  <a:srgbClr val="000000"/>
+                </a:solidFill>
+                <a:latin typeface="Cascadia Mono" panose="020B0609020000020004" pitchFamily="49" charset="0"/>
+                <a:cs typeface="Cascadia Mono" panose="020B0609020000020004" pitchFamily="49" charset="0"/>
+              </a:rPr>
+              <a:t> </a:t>
+            </a:r>
+            <a:r>
+              <a:rPr lang="en-US" sz="1400" dirty="0">
+                <a:solidFill>
+                  <a:srgbClr val="FF0000"/>
+                </a:solidFill>
+                <a:latin typeface="Cascadia Mono" panose="020B0609020000020004" pitchFamily="49" charset="0"/>
+                <a:cs typeface="Cascadia Mono" panose="020B0609020000020004" pitchFamily="49" charset="0"/>
+              </a:rPr>
+              <a:t>'collation'</a:t>
+            </a:r>
+            <a:r>
+              <a:rPr lang="en-US" sz="1400" dirty="0">
+                <a:solidFill>
+                  <a:srgbClr val="808080"/>
+                </a:solidFill>
+                <a:latin typeface="Cascadia Mono" panose="020B0609020000020004" pitchFamily="49" charset="0"/>
+                <a:cs typeface="Cascadia Mono" panose="020B0609020000020004" pitchFamily="49" charset="0"/>
+              </a:rPr>
+              <a:t>)</a:t>
+            </a:r>
+          </a:p>
+          <a:p>
+            <a:endParaRPr lang="en-US" sz="1400" dirty="0">
+              <a:solidFill>
+                <a:srgbClr val="808080"/>
+              </a:solidFill>
+              <a:latin typeface="Cascadia Mono" panose="020B0609020000020004" pitchFamily="49" charset="0"/>
+              <a:cs typeface="Cascadia Mono" panose="020B0609020000020004" pitchFamily="49" charset="0"/>
+            </a:endParaRPr>
+          </a:p>
+          <a:p>
+            <a:r>
+              <a:rPr lang="en-US" sz="1400" dirty="0">
+                <a:solidFill>
+                  <a:srgbClr val="0000FF"/>
+                </a:solidFill>
+                <a:latin typeface="Cascadia Mono" panose="020B0609020000020004" pitchFamily="49" charset="0"/>
+                <a:cs typeface="Cascadia Mono" panose="020B0609020000020004" pitchFamily="49" charset="0"/>
+              </a:rPr>
+              <a:t>SELECT</a:t>
+            </a:r>
+            <a:r>
+              <a:rPr lang="en-US" sz="1400" dirty="0">
+                <a:solidFill>
+                  <a:srgbClr val="000000"/>
+                </a:solidFill>
+                <a:latin typeface="Cascadia Mono" panose="020B0609020000020004" pitchFamily="49" charset="0"/>
+                <a:cs typeface="Cascadia Mono" panose="020B0609020000020004" pitchFamily="49" charset="0"/>
+              </a:rPr>
+              <a:t> [name]</a:t>
+            </a:r>
+            <a:r>
+              <a:rPr lang="en-US" sz="1400" dirty="0">
+                <a:solidFill>
+                  <a:srgbClr val="808080"/>
+                </a:solidFill>
+                <a:latin typeface="Cascadia Mono" panose="020B0609020000020004" pitchFamily="49" charset="0"/>
+                <a:cs typeface="Cascadia Mono" panose="020B0609020000020004" pitchFamily="49" charset="0"/>
+              </a:rPr>
+              <a:t>,</a:t>
+            </a:r>
+            <a:r>
+              <a:rPr lang="en-US" sz="1400" dirty="0">
+                <a:solidFill>
+                  <a:srgbClr val="000000"/>
+                </a:solidFill>
+                <a:latin typeface="Cascadia Mono" panose="020B0609020000020004" pitchFamily="49" charset="0"/>
+                <a:cs typeface="Cascadia Mono" panose="020B0609020000020004" pitchFamily="49" charset="0"/>
+              </a:rPr>
+              <a:t> </a:t>
+            </a:r>
+            <a:r>
+              <a:rPr lang="en-US" sz="1400" dirty="0" err="1">
+                <a:solidFill>
+                  <a:srgbClr val="000000"/>
+                </a:solidFill>
+                <a:latin typeface="Cascadia Mono" panose="020B0609020000020004" pitchFamily="49" charset="0"/>
+                <a:cs typeface="Cascadia Mono" panose="020B0609020000020004" pitchFamily="49" charset="0"/>
+              </a:rPr>
+              <a:t>collation_name</a:t>
+            </a:r>
+            <a:endParaRPr lang="en-US" sz="1400" dirty="0">
+              <a:solidFill>
+                <a:srgbClr val="000000"/>
+              </a:solidFill>
+              <a:latin typeface="Cascadia Mono" panose="020B0609020000020004" pitchFamily="49" charset="0"/>
+              <a:cs typeface="Cascadia Mono" panose="020B0609020000020004" pitchFamily="49" charset="0"/>
+            </a:endParaRPr>
+          </a:p>
+          <a:p>
+            <a:r>
+              <a:rPr lang="en-US" sz="1400" dirty="0">
+                <a:solidFill>
+                  <a:srgbClr val="0000FF"/>
+                </a:solidFill>
+                <a:latin typeface="Cascadia Mono" panose="020B0609020000020004" pitchFamily="49" charset="0"/>
+                <a:cs typeface="Cascadia Mono" panose="020B0609020000020004" pitchFamily="49" charset="0"/>
+              </a:rPr>
+              <a:t>FROM</a:t>
+            </a:r>
+            <a:r>
+              <a:rPr lang="en-US" sz="1400" dirty="0">
+                <a:solidFill>
+                  <a:srgbClr val="000000"/>
+                </a:solidFill>
+                <a:latin typeface="Cascadia Mono" panose="020B0609020000020004" pitchFamily="49" charset="0"/>
+                <a:cs typeface="Cascadia Mono" panose="020B0609020000020004" pitchFamily="49" charset="0"/>
+              </a:rPr>
+              <a:t> </a:t>
+            </a:r>
+            <a:r>
+              <a:rPr lang="en-US" sz="1400" dirty="0" err="1">
+                <a:solidFill>
+                  <a:schemeClr val="accent6">
+                    <a:lumMod val="50000"/>
+                  </a:schemeClr>
+                </a:solidFill>
+                <a:latin typeface="Cascadia Mono" panose="020B0609020000020004" pitchFamily="49" charset="0"/>
+                <a:cs typeface="Cascadia Mono" panose="020B0609020000020004" pitchFamily="49" charset="0"/>
+              </a:rPr>
+              <a:t>sys.databases</a:t>
+            </a:r>
+            <a:endParaRPr lang="en-US" sz="1400" dirty="0">
+              <a:solidFill>
+                <a:schemeClr val="accent6">
+                  <a:lumMod val="50000"/>
+                </a:schemeClr>
+              </a:solidFill>
+              <a:latin typeface="Cascadia Mono" panose="020B0609020000020004" pitchFamily="49" charset="0"/>
+              <a:cs typeface="Cascadia Mono" panose="020B0609020000020004" pitchFamily="49" charset="0"/>
+            </a:endParaRPr>
+          </a:p>
+          <a:p>
+            <a:r>
+              <a:rPr lang="en-US" sz="1400" dirty="0">
+                <a:solidFill>
+                  <a:srgbClr val="0000FF"/>
+                </a:solidFill>
+                <a:latin typeface="Cascadia Mono" panose="020B0609020000020004" pitchFamily="49" charset="0"/>
+                <a:cs typeface="Cascadia Mono" panose="020B0609020000020004" pitchFamily="49" charset="0"/>
+              </a:rPr>
+              <a:t>WHERE</a:t>
+            </a:r>
+            <a:r>
+              <a:rPr lang="en-US" sz="1400" dirty="0">
+                <a:solidFill>
+                  <a:srgbClr val="000000"/>
+                </a:solidFill>
+                <a:latin typeface="Cascadia Mono" panose="020B0609020000020004" pitchFamily="49" charset="0"/>
+                <a:cs typeface="Cascadia Mono" panose="020B0609020000020004" pitchFamily="49" charset="0"/>
+              </a:rPr>
+              <a:t> </a:t>
+            </a:r>
+            <a:r>
+              <a:rPr lang="en-US" sz="1400" dirty="0">
+                <a:solidFill>
+                  <a:srgbClr val="0000FF"/>
+                </a:solidFill>
+                <a:latin typeface="Cascadia Mono" panose="020B0609020000020004" pitchFamily="49" charset="0"/>
+                <a:cs typeface="Cascadia Mono" panose="020B0609020000020004" pitchFamily="49" charset="0"/>
+              </a:rPr>
+              <a:t>name</a:t>
+            </a:r>
+            <a:r>
+              <a:rPr lang="en-US" sz="1400" dirty="0">
+                <a:solidFill>
+                  <a:srgbClr val="000000"/>
+                </a:solidFill>
+                <a:latin typeface="Cascadia Mono" panose="020B0609020000020004" pitchFamily="49" charset="0"/>
+                <a:cs typeface="Cascadia Mono" panose="020B0609020000020004" pitchFamily="49" charset="0"/>
+              </a:rPr>
+              <a:t> </a:t>
+            </a:r>
+            <a:r>
+              <a:rPr lang="en-US" sz="1400" dirty="0">
+                <a:solidFill>
+                  <a:srgbClr val="808080"/>
+                </a:solidFill>
+                <a:latin typeface="Cascadia Mono" panose="020B0609020000020004" pitchFamily="49" charset="0"/>
+                <a:cs typeface="Cascadia Mono" panose="020B0609020000020004" pitchFamily="49" charset="0"/>
+              </a:rPr>
+              <a:t>=</a:t>
+            </a:r>
+            <a:r>
+              <a:rPr lang="en-US" sz="1400" dirty="0">
+                <a:solidFill>
+                  <a:srgbClr val="000000"/>
+                </a:solidFill>
+                <a:latin typeface="Cascadia Mono" panose="020B0609020000020004" pitchFamily="49" charset="0"/>
+                <a:cs typeface="Cascadia Mono" panose="020B0609020000020004" pitchFamily="49" charset="0"/>
+              </a:rPr>
+              <a:t> </a:t>
+            </a:r>
+            <a:r>
+              <a:rPr lang="en-US" sz="1400" dirty="0">
+                <a:solidFill>
+                  <a:srgbClr val="FF00FF"/>
+                </a:solidFill>
+                <a:latin typeface="Cascadia Mono" panose="020B0609020000020004" pitchFamily="49" charset="0"/>
+                <a:cs typeface="Cascadia Mono" panose="020B0609020000020004" pitchFamily="49" charset="0"/>
+              </a:rPr>
+              <a:t>DB_NAME</a:t>
+            </a:r>
+            <a:r>
+              <a:rPr lang="en-US" sz="1400" dirty="0">
+                <a:solidFill>
+                  <a:srgbClr val="808080"/>
+                </a:solidFill>
+                <a:latin typeface="Cascadia Mono" panose="020B0609020000020004" pitchFamily="49" charset="0"/>
+                <a:cs typeface="Cascadia Mono" panose="020B0609020000020004" pitchFamily="49" charset="0"/>
+              </a:rPr>
+              <a:t>()</a:t>
+            </a:r>
+            <a:endParaRPr lang="en-US" sz="1400" dirty="0">
+              <a:solidFill>
+                <a:schemeClr val="accent6">
+                  <a:lumMod val="50000"/>
+                </a:schemeClr>
+              </a:solidFill>
+              <a:latin typeface="Cascadia Mono" panose="020B0609020000020004" pitchFamily="49" charset="0"/>
+              <a:cs typeface="Cascadia Mono" panose="020B0609020000020004" pitchFamily="49" charset="0"/>
+            </a:endParaRPr>
+          </a:p>
+        </p:txBody>
+      </p:sp>
+      <p:pic>
+        <p:nvPicPr>
+          <p:cNvPr id="7" name="Picture 6">
+            <a:extLst>
+              <a:ext uri="{FF2B5EF4-FFF2-40B4-BE49-F238E27FC236}">
+                <a16:creationId xmlns:a16="http://schemas.microsoft.com/office/drawing/2014/main" id="{6EA301E4-7435-5DB7-B34C-9A5230A20AF5}"/>
+              </a:ext>
+            </a:extLst>
+          </p:cNvPr>
+          <p:cNvPicPr>
+            <a:picLocks noChangeAspect="1"/>
+          </p:cNvPicPr>
+          <p:nvPr/>
+        </p:nvPicPr>
+        <p:blipFill>
+          <a:blip r:embed="rId2"/>
+          <a:stretch>
+            <a:fillRect/>
+          </a:stretch>
+        </p:blipFill>
+        <p:spPr>
+          <a:xfrm>
+            <a:off x="5397218" y="1841326"/>
+            <a:ext cx="5956582" cy="2856728"/>
+          </a:xfrm>
+          <a:prstGeom prst="rect">
+            <a:avLst/>
+          </a:prstGeom>
+        </p:spPr>
+      </p:pic>
+    </p:spTree>
+    <p:extLst>
+      <p:ext uri="{BB962C8B-B14F-4D97-AF65-F5344CB8AC3E}">
+        <p14:creationId xmlns:p14="http://schemas.microsoft.com/office/powerpoint/2010/main" val="794748866"/>
+      </p:ext>
+    </p:extLst>
+  </p:cSld>
+  <p:clrMapOvr>
+    <a:masterClrMapping/>
+  </p:clrMapOvr>
+  <p:timing>
+    <p:tnLst>
+      <p:par>
+        <p:cTn id="1" dur="indefinite" restart="never" nodeType="tmRoot">
+          <p:childTnLst>
+            <p:seq concurrent="1" nextAc="seek">
+              <p:cTn id="2" dur="indefinite" nodeType="mainSeq">
+                <p:childTnLst>
+                  <p:par>
+                    <p:cTn id="3" fill="hold">
+                      <p:stCondLst>
+                        <p:cond delay="indefinite"/>
+                      </p:stCondLst>
+                      <p:childTnLst>
+                        <p:par>
+                          <p:cTn id="4" fill="hold">
+                            <p:stCondLst>
+                              <p:cond delay="0"/>
+                            </p:stCondLst>
+                            <p:childTnLst>
+                              <p:par>
+                                <p:cTn id="5" presetID="1" presetClass="entr" presetSubtype="0" fill="hold" grpId="0" nodeType="clickEffect">
+                                  <p:stCondLst>
+                                    <p:cond delay="0"/>
+                                  </p:stCondLst>
+                                  <p:childTnLst>
+                                    <p:set>
+                                      <p:cBhvr>
+                                        <p:cTn id="6" dur="1" fill="hold">
+                                          <p:stCondLst>
+                                            <p:cond delay="0"/>
+                                          </p:stCondLst>
+                                        </p:cTn>
+                                        <p:tgtEl>
+                                          <p:spTgt spid="4"/>
+                                        </p:tgtEl>
+                                        <p:attrNameLst>
+                                          <p:attrName>style.visibility</p:attrName>
+                                        </p:attrNameLst>
+                                      </p:cBhvr>
+                                      <p:to>
+                                        <p:strVal val="visible"/>
+                                      </p:to>
+                                    </p:set>
+                                  </p:childTnLst>
+                                </p:cTn>
+                              </p:par>
+                            </p:childTnLst>
+                          </p:cTn>
+                        </p:par>
+                      </p:childTnLst>
+                    </p:cTn>
+                  </p:par>
+                </p:childTnLst>
+              </p:cTn>
+              <p:prevCondLst>
+                <p:cond evt="onPrev" delay="0">
+                  <p:tgtEl>
+                    <p:sldTgt/>
+                  </p:tgtEl>
+                </p:cond>
+              </p:prevCondLst>
+              <p:nextCondLst>
+                <p:cond evt="onNext" delay="0">
+                  <p:tgtEl>
+                    <p:sldTgt/>
+                  </p:tgtEl>
+                </p:cond>
+              </p:nextCondLst>
+            </p:seq>
+          </p:childTnLst>
+        </p:cTn>
+      </p:par>
+    </p:tnLst>
+    <p:bldLst>
+      <p:bldP spid="4" grpId="0"/>
+    </p:bldLst>
+  </p:timing>
+</p:sld>
+</file>
+
+<file path=ppt/slides/slide12.xml><?xml version="1.0" encoding="utf-8"?>
+<p:sld xmlns:a="http://schemas.openxmlformats.org/drawingml/2006/main" xmlns:r="http://schemas.openxmlformats.org/officeDocument/2006/relationships" xmlns:p="http://schemas.openxmlformats.org/presentationml/2006/main">
+  <p:cSld>
+    <p:spTree>
+      <p:nvGrpSpPr>
+        <p:cNvPr id="1" name=""/>
+        <p:cNvGrpSpPr/>
+        <p:nvPr/>
+      </p:nvGrpSpPr>
+      <p:grpSpPr>
+        <a:xfrm>
+          <a:off x="0" y="0"/>
+          <a:ext cx="0" cy="0"/>
+          <a:chOff x="0" y="0"/>
+          <a:chExt cx="0" cy="0"/>
+        </a:xfrm>
+      </p:grpSpPr>
+      <p:sp>
+        <p:nvSpPr>
+          <p:cNvPr id="2" name="Title 1">
+            <a:extLst>
+              <a:ext uri="{FF2B5EF4-FFF2-40B4-BE49-F238E27FC236}">
+                <a16:creationId xmlns:a16="http://schemas.microsoft.com/office/drawing/2014/main" id="{9CE8B567-6659-70E4-8D1A-58FA4C66BE5E}"/>
+              </a:ext>
+            </a:extLst>
+          </p:cNvPr>
+          <p:cNvSpPr>
+            <a:spLocks noGrp="1"/>
+          </p:cNvSpPr>
+          <p:nvPr>
+            <p:ph type="title"/>
+          </p:nvPr>
+        </p:nvSpPr>
+        <p:spPr/>
+        <p:txBody>
+          <a:bodyPr/>
+          <a:lstStyle/>
+          <a:p>
+            <a:r>
+              <a:rPr lang="en-US" dirty="0"/>
+              <a:t>The Collation (Case-Sensitivity) Hierarchy</a:t>
+            </a:r>
+          </a:p>
+        </p:txBody>
+      </p:sp>
+      <p:sp>
+        <p:nvSpPr>
+          <p:cNvPr id="5" name="TextBox 4">
+            <a:extLst>
+              <a:ext uri="{FF2B5EF4-FFF2-40B4-BE49-F238E27FC236}">
+                <a16:creationId xmlns:a16="http://schemas.microsoft.com/office/drawing/2014/main" id="{F1348302-1F57-40F3-55E7-F6BB2DC8725D}"/>
+              </a:ext>
+            </a:extLst>
+          </p:cNvPr>
+          <p:cNvSpPr txBox="1"/>
+          <p:nvPr/>
+        </p:nvSpPr>
+        <p:spPr>
+          <a:xfrm>
+            <a:off x="977029" y="1841326"/>
+            <a:ext cx="4058433" cy="646331"/>
+          </a:xfrm>
+          <a:prstGeom prst="rect">
+            <a:avLst/>
+          </a:prstGeom>
+          <a:noFill/>
+        </p:spPr>
+        <p:txBody>
+          <a:bodyPr wrap="square" rtlCol="0">
+            <a:spAutoFit/>
+          </a:bodyPr>
+          <a:lstStyle/>
+          <a:p>
+            <a:pPr marL="285750" indent="-285750">
+              <a:buFont typeface="Arial" panose="020B0604020202020204" pitchFamily="34" charset="0"/>
+              <a:buChar char="•"/>
+            </a:pPr>
+            <a:r>
+              <a:rPr lang="en-US" dirty="0"/>
+              <a:t>Instance – What was set when SQL Server was first installed?</a:t>
+            </a:r>
+          </a:p>
+        </p:txBody>
+      </p:sp>
+      <p:sp>
+        <p:nvSpPr>
+          <p:cNvPr id="9" name="TextBox 8">
+            <a:extLst>
+              <a:ext uri="{FF2B5EF4-FFF2-40B4-BE49-F238E27FC236}">
+                <a16:creationId xmlns:a16="http://schemas.microsoft.com/office/drawing/2014/main" id="{395797DD-918D-ABD0-75B7-821950A001EF}"/>
+              </a:ext>
+            </a:extLst>
+          </p:cNvPr>
+          <p:cNvSpPr txBox="1"/>
+          <p:nvPr/>
+        </p:nvSpPr>
+        <p:spPr>
+          <a:xfrm>
+            <a:off x="1316274" y="2621072"/>
+            <a:ext cx="3379941" cy="369332"/>
+          </a:xfrm>
+          <a:prstGeom prst="rect">
+            <a:avLst/>
+          </a:prstGeom>
+          <a:noFill/>
+        </p:spPr>
+        <p:txBody>
+          <a:bodyPr wrap="square" rtlCol="0">
+            <a:spAutoFit/>
+          </a:bodyPr>
+          <a:lstStyle/>
+          <a:p>
+            <a:pPr marL="285750" indent="-285750">
+              <a:buFont typeface="Arial" panose="020B0604020202020204" pitchFamily="34" charset="0"/>
+              <a:buChar char="•"/>
+            </a:pPr>
+            <a:r>
+              <a:rPr lang="en-US" dirty="0"/>
+              <a:t>Database – Default or explicit?</a:t>
+            </a:r>
+          </a:p>
+        </p:txBody>
+      </p:sp>
+      <p:pic>
+        <p:nvPicPr>
+          <p:cNvPr id="4" name="Picture 3">
+            <a:extLst>
+              <a:ext uri="{FF2B5EF4-FFF2-40B4-BE49-F238E27FC236}">
+                <a16:creationId xmlns:a16="http://schemas.microsoft.com/office/drawing/2014/main" id="{DCC365DF-CA11-3A1D-7F7A-AD180571F3DD}"/>
+              </a:ext>
+            </a:extLst>
+          </p:cNvPr>
+          <p:cNvPicPr>
+            <a:picLocks noChangeAspect="1"/>
+          </p:cNvPicPr>
+          <p:nvPr/>
+        </p:nvPicPr>
+        <p:blipFill>
+          <a:blip r:embed="rId2"/>
+          <a:stretch>
+            <a:fillRect/>
+          </a:stretch>
+        </p:blipFill>
+        <p:spPr>
+          <a:xfrm>
+            <a:off x="5925332" y="2164491"/>
+            <a:ext cx="4800600" cy="2657475"/>
+          </a:xfrm>
+          <a:prstGeom prst="rect">
+            <a:avLst/>
+          </a:prstGeom>
+        </p:spPr>
+      </p:pic>
+      <p:sp>
+        <p:nvSpPr>
+          <p:cNvPr id="6" name="TextBox 5">
+            <a:extLst>
+              <a:ext uri="{FF2B5EF4-FFF2-40B4-BE49-F238E27FC236}">
+                <a16:creationId xmlns:a16="http://schemas.microsoft.com/office/drawing/2014/main" id="{AEBAEED8-77C3-6C71-B02B-8049F2C40678}"/>
+              </a:ext>
+            </a:extLst>
+          </p:cNvPr>
+          <p:cNvSpPr txBox="1"/>
+          <p:nvPr/>
+        </p:nvSpPr>
+        <p:spPr>
+          <a:xfrm>
+            <a:off x="1655521" y="3429000"/>
+            <a:ext cx="3617937" cy="646331"/>
+          </a:xfrm>
+          <a:prstGeom prst="rect">
+            <a:avLst/>
+          </a:prstGeom>
+          <a:noFill/>
+        </p:spPr>
+        <p:txBody>
+          <a:bodyPr wrap="square" rtlCol="0">
+            <a:spAutoFit/>
+          </a:bodyPr>
+          <a:lstStyle/>
+          <a:p>
+            <a:pPr marL="285750" indent="-285750">
+              <a:buFont typeface="Arial" panose="020B0604020202020204" pitchFamily="34" charset="0"/>
+              <a:buChar char="•"/>
+            </a:pPr>
+            <a:r>
+              <a:rPr lang="en-US" dirty="0"/>
+              <a:t>Table Column – Database default or explicit?</a:t>
+            </a:r>
+          </a:p>
+        </p:txBody>
+      </p:sp>
+      <p:sp>
+        <p:nvSpPr>
+          <p:cNvPr id="7" name="TextBox 6">
+            <a:extLst>
+              <a:ext uri="{FF2B5EF4-FFF2-40B4-BE49-F238E27FC236}">
+                <a16:creationId xmlns:a16="http://schemas.microsoft.com/office/drawing/2014/main" id="{9E93BBBC-860B-7462-E006-437B6656733C}"/>
+              </a:ext>
+            </a:extLst>
+          </p:cNvPr>
+          <p:cNvSpPr txBox="1"/>
+          <p:nvPr/>
+        </p:nvSpPr>
+        <p:spPr>
+          <a:xfrm>
+            <a:off x="1335376" y="4637349"/>
+            <a:ext cx="6098058" cy="1708160"/>
+          </a:xfrm>
+          <a:prstGeom prst="rect">
+            <a:avLst/>
+          </a:prstGeom>
+          <a:noFill/>
+        </p:spPr>
+        <p:txBody>
+          <a:bodyPr wrap="square">
+            <a:spAutoFit/>
+          </a:bodyPr>
+          <a:lstStyle/>
+          <a:p>
+            <a:r>
+              <a:rPr lang="en-US" sz="1050" dirty="0">
+                <a:solidFill>
+                  <a:srgbClr val="0000FF"/>
+                </a:solidFill>
+                <a:latin typeface="Cascadia Mono" panose="020B0609020000020004" pitchFamily="49" charset="0"/>
+                <a:cs typeface="Cascadia Mono" panose="020B0609020000020004" pitchFamily="49" charset="0"/>
+              </a:rPr>
+              <a:t>SELECT</a:t>
+            </a:r>
+            <a:r>
+              <a:rPr lang="en-US" sz="1050" dirty="0">
+                <a:solidFill>
+                  <a:srgbClr val="000000"/>
+                </a:solidFill>
+                <a:latin typeface="Cascadia Mono" panose="020B0609020000020004" pitchFamily="49" charset="0"/>
+                <a:cs typeface="Cascadia Mono" panose="020B0609020000020004" pitchFamily="49" charset="0"/>
+              </a:rPr>
+              <a:t> TABLE_SCHEMA</a:t>
+            </a:r>
+            <a:r>
+              <a:rPr lang="en-US" sz="1050" dirty="0">
+                <a:solidFill>
+                  <a:srgbClr val="808080"/>
+                </a:solidFill>
+                <a:latin typeface="Cascadia Mono" panose="020B0609020000020004" pitchFamily="49" charset="0"/>
+                <a:cs typeface="Cascadia Mono" panose="020B0609020000020004" pitchFamily="49" charset="0"/>
+              </a:rPr>
+              <a:t>,</a:t>
+            </a:r>
+            <a:r>
+              <a:rPr lang="en-US" sz="1050" dirty="0">
+                <a:solidFill>
+                  <a:srgbClr val="000000"/>
+                </a:solidFill>
+                <a:latin typeface="Cascadia Mono" panose="020B0609020000020004" pitchFamily="49" charset="0"/>
+                <a:cs typeface="Cascadia Mono" panose="020B0609020000020004" pitchFamily="49" charset="0"/>
+              </a:rPr>
+              <a:t> TABLE_NAME</a:t>
+            </a:r>
+            <a:r>
+              <a:rPr lang="en-US" sz="1050" dirty="0">
+                <a:solidFill>
+                  <a:srgbClr val="808080"/>
+                </a:solidFill>
+                <a:latin typeface="Cascadia Mono" panose="020B0609020000020004" pitchFamily="49" charset="0"/>
+                <a:cs typeface="Cascadia Mono" panose="020B0609020000020004" pitchFamily="49" charset="0"/>
+              </a:rPr>
+              <a:t>,</a:t>
+            </a:r>
+            <a:r>
+              <a:rPr lang="en-US" sz="1050" dirty="0">
+                <a:solidFill>
+                  <a:srgbClr val="000000"/>
+                </a:solidFill>
+                <a:latin typeface="Cascadia Mono" panose="020B0609020000020004" pitchFamily="49" charset="0"/>
+                <a:cs typeface="Cascadia Mono" panose="020B0609020000020004" pitchFamily="49" charset="0"/>
+              </a:rPr>
+              <a:t> COLUMN_NAME</a:t>
+            </a:r>
+          </a:p>
+          <a:p>
+            <a:r>
+              <a:rPr lang="en-US" sz="1050" dirty="0">
+                <a:solidFill>
+                  <a:srgbClr val="808080"/>
+                </a:solidFill>
+                <a:latin typeface="Cascadia Mono" panose="020B0609020000020004" pitchFamily="49" charset="0"/>
+                <a:cs typeface="Cascadia Mono" panose="020B0609020000020004" pitchFamily="49" charset="0"/>
+              </a:rPr>
+              <a:t>,</a:t>
+            </a:r>
+            <a:r>
+              <a:rPr lang="en-US" sz="1050" dirty="0">
+                <a:solidFill>
+                  <a:srgbClr val="000000"/>
+                </a:solidFill>
+                <a:latin typeface="Cascadia Mono" panose="020B0609020000020004" pitchFamily="49" charset="0"/>
+                <a:cs typeface="Cascadia Mono" panose="020B0609020000020004" pitchFamily="49" charset="0"/>
+              </a:rPr>
+              <a:t> DATA_TYPE</a:t>
+            </a:r>
+          </a:p>
+          <a:p>
+            <a:r>
+              <a:rPr lang="en-US" sz="1050" dirty="0">
+                <a:solidFill>
+                  <a:srgbClr val="808080"/>
+                </a:solidFill>
+                <a:latin typeface="Cascadia Mono" panose="020B0609020000020004" pitchFamily="49" charset="0"/>
+                <a:cs typeface="Cascadia Mono" panose="020B0609020000020004" pitchFamily="49" charset="0"/>
+              </a:rPr>
+              <a:t>,</a:t>
+            </a:r>
+            <a:r>
+              <a:rPr lang="en-US" sz="1050" dirty="0">
+                <a:solidFill>
+                  <a:srgbClr val="000000"/>
+                </a:solidFill>
+                <a:latin typeface="Cascadia Mono" panose="020B0609020000020004" pitchFamily="49" charset="0"/>
+                <a:cs typeface="Cascadia Mono" panose="020B0609020000020004" pitchFamily="49" charset="0"/>
+              </a:rPr>
+              <a:t> COLLATION_NAME</a:t>
+            </a:r>
+          </a:p>
+          <a:p>
+            <a:r>
+              <a:rPr lang="en-US" sz="1050" dirty="0">
+                <a:solidFill>
+                  <a:srgbClr val="808080"/>
+                </a:solidFill>
+                <a:latin typeface="Cascadia Mono" panose="020B0609020000020004" pitchFamily="49" charset="0"/>
+                <a:cs typeface="Cascadia Mono" panose="020B0609020000020004" pitchFamily="49" charset="0"/>
+              </a:rPr>
+              <a:t>,</a:t>
+            </a:r>
+            <a:r>
+              <a:rPr lang="en-US" sz="1050" dirty="0">
+                <a:solidFill>
+                  <a:srgbClr val="000000"/>
+                </a:solidFill>
+                <a:latin typeface="Cascadia Mono" panose="020B0609020000020004" pitchFamily="49" charset="0"/>
+                <a:cs typeface="Cascadia Mono" panose="020B0609020000020004" pitchFamily="49" charset="0"/>
+              </a:rPr>
+              <a:t> </a:t>
+            </a:r>
+            <a:r>
+              <a:rPr lang="en-US" sz="1050" dirty="0">
+                <a:solidFill>
+                  <a:srgbClr val="0000FF"/>
+                </a:solidFill>
+                <a:latin typeface="Cascadia Mono" panose="020B0609020000020004" pitchFamily="49" charset="0"/>
+                <a:cs typeface="Cascadia Mono" panose="020B0609020000020004" pitchFamily="49" charset="0"/>
+              </a:rPr>
+              <a:t>CASE</a:t>
+            </a:r>
+            <a:r>
+              <a:rPr lang="en-US" sz="1050" dirty="0">
+                <a:solidFill>
+                  <a:srgbClr val="000000"/>
+                </a:solidFill>
+                <a:latin typeface="Cascadia Mono" panose="020B0609020000020004" pitchFamily="49" charset="0"/>
+                <a:cs typeface="Cascadia Mono" panose="020B0609020000020004" pitchFamily="49" charset="0"/>
+              </a:rPr>
+              <a:t> </a:t>
+            </a:r>
+            <a:r>
+              <a:rPr lang="en-US" sz="1050" dirty="0">
+                <a:solidFill>
+                  <a:srgbClr val="FF00FF"/>
+                </a:solidFill>
+                <a:latin typeface="Cascadia Mono" panose="020B0609020000020004" pitchFamily="49" charset="0"/>
+                <a:cs typeface="Cascadia Mono" panose="020B0609020000020004" pitchFamily="49" charset="0"/>
+              </a:rPr>
+              <a:t>Convert</a:t>
+            </a:r>
+            <a:r>
+              <a:rPr lang="en-US" sz="1050" dirty="0">
+                <a:solidFill>
+                  <a:srgbClr val="808080"/>
+                </a:solidFill>
+                <a:latin typeface="Cascadia Mono" panose="020B0609020000020004" pitchFamily="49" charset="0"/>
+                <a:cs typeface="Cascadia Mono" panose="020B0609020000020004" pitchFamily="49" charset="0"/>
+              </a:rPr>
+              <a:t>(</a:t>
+            </a:r>
+            <a:r>
+              <a:rPr lang="en-US" sz="1050" dirty="0" err="1">
+                <a:solidFill>
+                  <a:srgbClr val="0000FF"/>
+                </a:solidFill>
+                <a:latin typeface="Cascadia Mono" panose="020B0609020000020004" pitchFamily="49" charset="0"/>
+                <a:cs typeface="Cascadia Mono" panose="020B0609020000020004" pitchFamily="49" charset="0"/>
+              </a:rPr>
+              <a:t>varchar</a:t>
+            </a:r>
+            <a:r>
+              <a:rPr lang="en-US" sz="1050" dirty="0" err="1">
+                <a:solidFill>
+                  <a:srgbClr val="808080"/>
+                </a:solidFill>
+                <a:latin typeface="Cascadia Mono" panose="020B0609020000020004" pitchFamily="49" charset="0"/>
+                <a:cs typeface="Cascadia Mono" panose="020B0609020000020004" pitchFamily="49" charset="0"/>
+              </a:rPr>
+              <a:t>,</a:t>
+            </a:r>
+            <a:r>
+              <a:rPr lang="en-US" sz="1050" dirty="0" err="1">
+                <a:solidFill>
+                  <a:srgbClr val="FF00FF"/>
+                </a:solidFill>
+                <a:latin typeface="Cascadia Mono" panose="020B0609020000020004" pitchFamily="49" charset="0"/>
+                <a:cs typeface="Cascadia Mono" panose="020B0609020000020004" pitchFamily="49" charset="0"/>
+              </a:rPr>
+              <a:t>IsNull</a:t>
+            </a:r>
+            <a:r>
+              <a:rPr lang="en-US" sz="1050" dirty="0">
+                <a:solidFill>
+                  <a:srgbClr val="808080"/>
+                </a:solidFill>
+                <a:latin typeface="Cascadia Mono" panose="020B0609020000020004" pitchFamily="49" charset="0"/>
+                <a:cs typeface="Cascadia Mono" panose="020B0609020000020004" pitchFamily="49" charset="0"/>
+              </a:rPr>
+              <a:t>(</a:t>
+            </a:r>
+            <a:r>
+              <a:rPr lang="en-US" sz="1050" dirty="0">
+                <a:solidFill>
+                  <a:srgbClr val="000000"/>
+                </a:solidFill>
+                <a:latin typeface="Cascadia Mono" panose="020B0609020000020004" pitchFamily="49" charset="0"/>
+                <a:cs typeface="Cascadia Mono" panose="020B0609020000020004" pitchFamily="49" charset="0"/>
+              </a:rPr>
+              <a:t>COLLATION_NAME</a:t>
+            </a:r>
+            <a:r>
+              <a:rPr lang="en-US" sz="1050" dirty="0">
+                <a:solidFill>
+                  <a:srgbClr val="808080"/>
+                </a:solidFill>
+                <a:latin typeface="Cascadia Mono" panose="020B0609020000020004" pitchFamily="49" charset="0"/>
+                <a:cs typeface="Cascadia Mono" panose="020B0609020000020004" pitchFamily="49" charset="0"/>
+              </a:rPr>
+              <a:t>,</a:t>
+            </a:r>
+            <a:r>
+              <a:rPr lang="en-US" sz="1050" dirty="0">
+                <a:solidFill>
+                  <a:srgbClr val="000000"/>
+                </a:solidFill>
+                <a:latin typeface="Cascadia Mono" panose="020B0609020000020004" pitchFamily="49" charset="0"/>
+                <a:cs typeface="Cascadia Mono" panose="020B0609020000020004" pitchFamily="49" charset="0"/>
+              </a:rPr>
+              <a:t> </a:t>
+            </a:r>
+            <a:r>
+              <a:rPr lang="en-US" sz="1050" dirty="0">
+                <a:solidFill>
+                  <a:srgbClr val="FF0000"/>
+                </a:solidFill>
+                <a:latin typeface="Cascadia Mono" panose="020B0609020000020004" pitchFamily="49" charset="0"/>
+                <a:cs typeface="Cascadia Mono" panose="020B0609020000020004" pitchFamily="49" charset="0"/>
+              </a:rPr>
+              <a:t>''</a:t>
+            </a:r>
+            <a:r>
+              <a:rPr lang="en-US" sz="1050" dirty="0">
+                <a:solidFill>
+                  <a:srgbClr val="808080"/>
+                </a:solidFill>
+                <a:latin typeface="Cascadia Mono" panose="020B0609020000020004" pitchFamily="49" charset="0"/>
+                <a:cs typeface="Cascadia Mono" panose="020B0609020000020004" pitchFamily="49" charset="0"/>
+              </a:rPr>
+              <a:t>))</a:t>
+            </a:r>
+            <a:endParaRPr lang="en-US" sz="1050" dirty="0">
+              <a:solidFill>
+                <a:srgbClr val="000000"/>
+              </a:solidFill>
+              <a:latin typeface="Cascadia Mono" panose="020B0609020000020004" pitchFamily="49" charset="0"/>
+              <a:cs typeface="Cascadia Mono" panose="020B0609020000020004" pitchFamily="49" charset="0"/>
+            </a:endParaRPr>
+          </a:p>
+          <a:p>
+            <a:r>
+              <a:rPr lang="en-US" sz="1050" dirty="0">
+                <a:solidFill>
+                  <a:srgbClr val="000000"/>
+                </a:solidFill>
+                <a:latin typeface="Cascadia Mono" panose="020B0609020000020004" pitchFamily="49" charset="0"/>
+                <a:cs typeface="Cascadia Mono" panose="020B0609020000020004" pitchFamily="49" charset="0"/>
+              </a:rPr>
+              <a:t>   </a:t>
+            </a:r>
+            <a:r>
+              <a:rPr lang="en-US" sz="1050" dirty="0">
+                <a:solidFill>
+                  <a:srgbClr val="0000FF"/>
+                </a:solidFill>
+                <a:latin typeface="Cascadia Mono" panose="020B0609020000020004" pitchFamily="49" charset="0"/>
+                <a:cs typeface="Cascadia Mono" panose="020B0609020000020004" pitchFamily="49" charset="0"/>
+              </a:rPr>
+              <a:t>WHEN</a:t>
+            </a:r>
+            <a:r>
+              <a:rPr lang="en-US" sz="1050" dirty="0">
+                <a:solidFill>
+                  <a:srgbClr val="000000"/>
+                </a:solidFill>
+                <a:latin typeface="Cascadia Mono" panose="020B0609020000020004" pitchFamily="49" charset="0"/>
+                <a:cs typeface="Cascadia Mono" panose="020B0609020000020004" pitchFamily="49" charset="0"/>
+              </a:rPr>
+              <a:t> </a:t>
+            </a:r>
+            <a:r>
+              <a:rPr lang="en-US" sz="1050" dirty="0">
+                <a:solidFill>
+                  <a:srgbClr val="FF0000"/>
+                </a:solidFill>
+                <a:latin typeface="Cascadia Mono" panose="020B0609020000020004" pitchFamily="49" charset="0"/>
+                <a:cs typeface="Cascadia Mono" panose="020B0609020000020004" pitchFamily="49" charset="0"/>
+              </a:rPr>
+              <a:t>''</a:t>
+            </a:r>
+            <a:r>
+              <a:rPr lang="en-US" sz="1050" dirty="0">
+                <a:solidFill>
+                  <a:srgbClr val="000000"/>
+                </a:solidFill>
+                <a:latin typeface="Cascadia Mono" panose="020B0609020000020004" pitchFamily="49" charset="0"/>
+                <a:cs typeface="Cascadia Mono" panose="020B0609020000020004" pitchFamily="49" charset="0"/>
+              </a:rPr>
+              <a:t> </a:t>
+            </a:r>
+            <a:r>
+              <a:rPr lang="en-US" sz="1050" dirty="0">
+                <a:solidFill>
+                  <a:srgbClr val="0000FF"/>
+                </a:solidFill>
+                <a:latin typeface="Cascadia Mono" panose="020B0609020000020004" pitchFamily="49" charset="0"/>
+                <a:cs typeface="Cascadia Mono" panose="020B0609020000020004" pitchFamily="49" charset="0"/>
+              </a:rPr>
+              <a:t>THEN</a:t>
+            </a:r>
+            <a:r>
+              <a:rPr lang="en-US" sz="1050" dirty="0">
+                <a:solidFill>
+                  <a:srgbClr val="000000"/>
+                </a:solidFill>
+                <a:latin typeface="Cascadia Mono" panose="020B0609020000020004" pitchFamily="49" charset="0"/>
+                <a:cs typeface="Cascadia Mono" panose="020B0609020000020004" pitchFamily="49" charset="0"/>
+              </a:rPr>
+              <a:t> </a:t>
+            </a:r>
+            <a:r>
+              <a:rPr lang="en-US" sz="1050" dirty="0">
+                <a:solidFill>
+                  <a:srgbClr val="FF0000"/>
+                </a:solidFill>
+                <a:latin typeface="Cascadia Mono" panose="020B0609020000020004" pitchFamily="49" charset="0"/>
+                <a:cs typeface="Cascadia Mono" panose="020B0609020000020004" pitchFamily="49" charset="0"/>
+              </a:rPr>
+              <a:t>''</a:t>
+            </a:r>
+            <a:endParaRPr lang="en-US" sz="1050" dirty="0">
+              <a:solidFill>
+                <a:srgbClr val="000000"/>
+              </a:solidFill>
+              <a:latin typeface="Cascadia Mono" panose="020B0609020000020004" pitchFamily="49" charset="0"/>
+              <a:cs typeface="Cascadia Mono" panose="020B0609020000020004" pitchFamily="49" charset="0"/>
+            </a:endParaRPr>
+          </a:p>
+          <a:p>
+            <a:r>
+              <a:rPr lang="en-US" sz="1050" dirty="0">
+                <a:solidFill>
+                  <a:srgbClr val="000000"/>
+                </a:solidFill>
+                <a:latin typeface="Cascadia Mono" panose="020B0609020000020004" pitchFamily="49" charset="0"/>
+                <a:cs typeface="Cascadia Mono" panose="020B0609020000020004" pitchFamily="49" charset="0"/>
+              </a:rPr>
+              <a:t>   </a:t>
+            </a:r>
+            <a:r>
+              <a:rPr lang="en-US" sz="1050" dirty="0">
+                <a:solidFill>
+                  <a:srgbClr val="0000FF"/>
+                </a:solidFill>
+                <a:latin typeface="Cascadia Mono" panose="020B0609020000020004" pitchFamily="49" charset="0"/>
+                <a:cs typeface="Cascadia Mono" panose="020B0609020000020004" pitchFamily="49" charset="0"/>
+              </a:rPr>
+              <a:t>WHEN</a:t>
+            </a:r>
+            <a:r>
+              <a:rPr lang="en-US" sz="1050" dirty="0">
+                <a:solidFill>
+                  <a:srgbClr val="000000"/>
+                </a:solidFill>
+                <a:latin typeface="Cascadia Mono" panose="020B0609020000020004" pitchFamily="49" charset="0"/>
+                <a:cs typeface="Cascadia Mono" panose="020B0609020000020004" pitchFamily="49" charset="0"/>
+              </a:rPr>
+              <a:t> </a:t>
+            </a:r>
+            <a:r>
+              <a:rPr lang="en-US" sz="1050" dirty="0">
+                <a:solidFill>
+                  <a:srgbClr val="FF00FF"/>
+                </a:solidFill>
+                <a:latin typeface="Cascadia Mono" panose="020B0609020000020004" pitchFamily="49" charset="0"/>
+                <a:cs typeface="Cascadia Mono" panose="020B0609020000020004" pitchFamily="49" charset="0"/>
+              </a:rPr>
+              <a:t>Convert</a:t>
+            </a:r>
+            <a:r>
+              <a:rPr lang="en-US" sz="1050" dirty="0">
+                <a:solidFill>
+                  <a:srgbClr val="808080"/>
+                </a:solidFill>
+                <a:latin typeface="Cascadia Mono" panose="020B0609020000020004" pitchFamily="49" charset="0"/>
+                <a:cs typeface="Cascadia Mono" panose="020B0609020000020004" pitchFamily="49" charset="0"/>
+              </a:rPr>
+              <a:t>(</a:t>
+            </a:r>
+            <a:r>
+              <a:rPr lang="en-US" sz="1050" dirty="0">
+                <a:solidFill>
+                  <a:srgbClr val="0000FF"/>
+                </a:solidFill>
+                <a:latin typeface="Cascadia Mono" panose="020B0609020000020004" pitchFamily="49" charset="0"/>
+                <a:cs typeface="Cascadia Mono" panose="020B0609020000020004" pitchFamily="49" charset="0"/>
+              </a:rPr>
+              <a:t>varchar</a:t>
+            </a:r>
+            <a:r>
+              <a:rPr lang="en-US" sz="1050" dirty="0">
+                <a:solidFill>
+                  <a:srgbClr val="808080"/>
+                </a:solidFill>
+                <a:latin typeface="Cascadia Mono" panose="020B0609020000020004" pitchFamily="49" charset="0"/>
+                <a:cs typeface="Cascadia Mono" panose="020B0609020000020004" pitchFamily="49" charset="0"/>
+              </a:rPr>
+              <a:t>,</a:t>
+            </a:r>
+            <a:r>
+              <a:rPr lang="en-US" sz="1050" dirty="0">
+                <a:solidFill>
+                  <a:srgbClr val="000000"/>
+                </a:solidFill>
+                <a:latin typeface="Cascadia Mono" panose="020B0609020000020004" pitchFamily="49" charset="0"/>
+                <a:cs typeface="Cascadia Mono" panose="020B0609020000020004" pitchFamily="49" charset="0"/>
+              </a:rPr>
+              <a:t> </a:t>
+            </a:r>
+            <a:r>
+              <a:rPr lang="en-US" sz="1050" dirty="0">
+                <a:solidFill>
+                  <a:srgbClr val="FF00FF"/>
+                </a:solidFill>
+                <a:latin typeface="Cascadia Mono" panose="020B0609020000020004" pitchFamily="49" charset="0"/>
+                <a:cs typeface="Cascadia Mono" panose="020B0609020000020004" pitchFamily="49" charset="0"/>
+              </a:rPr>
+              <a:t>DATABASEPROPERTYEX</a:t>
+            </a:r>
+            <a:r>
+              <a:rPr lang="en-US" sz="1050" dirty="0">
+                <a:solidFill>
+                  <a:srgbClr val="808080"/>
+                </a:solidFill>
+                <a:latin typeface="Cascadia Mono" panose="020B0609020000020004" pitchFamily="49" charset="0"/>
+                <a:cs typeface="Cascadia Mono" panose="020B0609020000020004" pitchFamily="49" charset="0"/>
+              </a:rPr>
+              <a:t>(</a:t>
+            </a:r>
+            <a:r>
+              <a:rPr lang="en-US" sz="1050" dirty="0">
+                <a:solidFill>
+                  <a:srgbClr val="FF00FF"/>
+                </a:solidFill>
+                <a:latin typeface="Cascadia Mono" panose="020B0609020000020004" pitchFamily="49" charset="0"/>
+                <a:cs typeface="Cascadia Mono" panose="020B0609020000020004" pitchFamily="49" charset="0"/>
+              </a:rPr>
+              <a:t>DB_NAME</a:t>
+            </a:r>
+            <a:r>
+              <a:rPr lang="en-US" sz="1050" dirty="0">
+                <a:solidFill>
+                  <a:srgbClr val="808080"/>
+                </a:solidFill>
+                <a:latin typeface="Cascadia Mono" panose="020B0609020000020004" pitchFamily="49" charset="0"/>
+                <a:cs typeface="Cascadia Mono" panose="020B0609020000020004" pitchFamily="49" charset="0"/>
+              </a:rPr>
+              <a:t>(),</a:t>
+            </a:r>
+            <a:r>
+              <a:rPr lang="en-US" sz="1050" dirty="0">
+                <a:solidFill>
+                  <a:srgbClr val="000000"/>
+                </a:solidFill>
+                <a:latin typeface="Cascadia Mono" panose="020B0609020000020004" pitchFamily="49" charset="0"/>
+                <a:cs typeface="Cascadia Mono" panose="020B0609020000020004" pitchFamily="49" charset="0"/>
+              </a:rPr>
+              <a:t> </a:t>
+            </a:r>
+            <a:r>
+              <a:rPr lang="en-US" sz="1050" dirty="0">
+                <a:solidFill>
+                  <a:srgbClr val="FF0000"/>
+                </a:solidFill>
+                <a:latin typeface="Cascadia Mono" panose="020B0609020000020004" pitchFamily="49" charset="0"/>
+                <a:cs typeface="Cascadia Mono" panose="020B0609020000020004" pitchFamily="49" charset="0"/>
+              </a:rPr>
+              <a:t>'collation'</a:t>
+            </a:r>
+            <a:r>
+              <a:rPr lang="en-US" sz="1050" dirty="0">
+                <a:solidFill>
+                  <a:srgbClr val="808080"/>
+                </a:solidFill>
+                <a:latin typeface="Cascadia Mono" panose="020B0609020000020004" pitchFamily="49" charset="0"/>
+                <a:cs typeface="Cascadia Mono" panose="020B0609020000020004" pitchFamily="49" charset="0"/>
+              </a:rPr>
+              <a:t>))</a:t>
+            </a:r>
+            <a:r>
+              <a:rPr lang="en-US" sz="1050" dirty="0">
+                <a:solidFill>
+                  <a:srgbClr val="000000"/>
+                </a:solidFill>
+                <a:latin typeface="Cascadia Mono" panose="020B0609020000020004" pitchFamily="49" charset="0"/>
+                <a:cs typeface="Cascadia Mono" panose="020B0609020000020004" pitchFamily="49" charset="0"/>
+              </a:rPr>
+              <a:t> </a:t>
+            </a:r>
+            <a:r>
+              <a:rPr lang="en-US" sz="1050" dirty="0">
+                <a:solidFill>
+                  <a:srgbClr val="0000FF"/>
+                </a:solidFill>
+                <a:latin typeface="Cascadia Mono" panose="020B0609020000020004" pitchFamily="49" charset="0"/>
+                <a:cs typeface="Cascadia Mono" panose="020B0609020000020004" pitchFamily="49" charset="0"/>
+              </a:rPr>
+              <a:t>THEN</a:t>
+            </a:r>
+            <a:r>
+              <a:rPr lang="en-US" sz="1050" dirty="0">
+                <a:solidFill>
+                  <a:srgbClr val="000000"/>
+                </a:solidFill>
+                <a:latin typeface="Cascadia Mono" panose="020B0609020000020004" pitchFamily="49" charset="0"/>
+                <a:cs typeface="Cascadia Mono" panose="020B0609020000020004" pitchFamily="49" charset="0"/>
+              </a:rPr>
+              <a:t> </a:t>
+            </a:r>
+            <a:r>
+              <a:rPr lang="en-US" sz="1050" dirty="0">
+                <a:solidFill>
+                  <a:srgbClr val="FF0000"/>
+                </a:solidFill>
+                <a:latin typeface="Cascadia Mono" panose="020B0609020000020004" pitchFamily="49" charset="0"/>
+                <a:cs typeface="Cascadia Mono" panose="020B0609020000020004" pitchFamily="49" charset="0"/>
+              </a:rPr>
+              <a:t>''</a:t>
+            </a:r>
+            <a:endParaRPr lang="en-US" sz="1050" dirty="0">
+              <a:solidFill>
+                <a:srgbClr val="000000"/>
+              </a:solidFill>
+              <a:latin typeface="Cascadia Mono" panose="020B0609020000020004" pitchFamily="49" charset="0"/>
+              <a:cs typeface="Cascadia Mono" panose="020B0609020000020004" pitchFamily="49" charset="0"/>
+            </a:endParaRPr>
+          </a:p>
+          <a:p>
+            <a:r>
+              <a:rPr lang="en-US" sz="1050" dirty="0">
+                <a:solidFill>
+                  <a:srgbClr val="000000"/>
+                </a:solidFill>
+                <a:latin typeface="Cascadia Mono" panose="020B0609020000020004" pitchFamily="49" charset="0"/>
+                <a:cs typeface="Cascadia Mono" panose="020B0609020000020004" pitchFamily="49" charset="0"/>
+              </a:rPr>
+              <a:t>   </a:t>
+            </a:r>
+            <a:r>
+              <a:rPr lang="en-US" sz="1050" dirty="0">
+                <a:solidFill>
+                  <a:srgbClr val="0000FF"/>
+                </a:solidFill>
+                <a:latin typeface="Cascadia Mono" panose="020B0609020000020004" pitchFamily="49" charset="0"/>
+                <a:cs typeface="Cascadia Mono" panose="020B0609020000020004" pitchFamily="49" charset="0"/>
+              </a:rPr>
+              <a:t>ELSE</a:t>
+            </a:r>
+            <a:r>
+              <a:rPr lang="en-US" sz="1050" dirty="0">
+                <a:solidFill>
+                  <a:srgbClr val="000000"/>
+                </a:solidFill>
+                <a:latin typeface="Cascadia Mono" panose="020B0609020000020004" pitchFamily="49" charset="0"/>
+                <a:cs typeface="Cascadia Mono" panose="020B0609020000020004" pitchFamily="49" charset="0"/>
+              </a:rPr>
+              <a:t> </a:t>
+            </a:r>
+            <a:r>
+              <a:rPr lang="en-US" sz="1050" dirty="0">
+                <a:solidFill>
+                  <a:srgbClr val="FF0000"/>
+                </a:solidFill>
+                <a:latin typeface="Cascadia Mono" panose="020B0609020000020004" pitchFamily="49" charset="0"/>
+                <a:cs typeface="Cascadia Mono" panose="020B0609020000020004" pitchFamily="49" charset="0"/>
+              </a:rPr>
+              <a:t>'*'</a:t>
+            </a:r>
+            <a:endParaRPr lang="en-US" sz="1050" dirty="0">
+              <a:solidFill>
+                <a:srgbClr val="000000"/>
+              </a:solidFill>
+              <a:latin typeface="Cascadia Mono" panose="020B0609020000020004" pitchFamily="49" charset="0"/>
+              <a:cs typeface="Cascadia Mono" panose="020B0609020000020004" pitchFamily="49" charset="0"/>
+            </a:endParaRPr>
+          </a:p>
+          <a:p>
+            <a:r>
+              <a:rPr lang="en-US" sz="1050" dirty="0">
+                <a:solidFill>
+                  <a:srgbClr val="000000"/>
+                </a:solidFill>
+                <a:latin typeface="Cascadia Mono" panose="020B0609020000020004" pitchFamily="49" charset="0"/>
+                <a:cs typeface="Cascadia Mono" panose="020B0609020000020004" pitchFamily="49" charset="0"/>
+              </a:rPr>
+              <a:t>  </a:t>
+            </a:r>
+            <a:r>
+              <a:rPr lang="en-US" sz="1050" dirty="0">
+                <a:solidFill>
+                  <a:srgbClr val="0000FF"/>
+                </a:solidFill>
+                <a:latin typeface="Cascadia Mono" panose="020B0609020000020004" pitchFamily="49" charset="0"/>
+                <a:cs typeface="Cascadia Mono" panose="020B0609020000020004" pitchFamily="49" charset="0"/>
+              </a:rPr>
+              <a:t>END</a:t>
+            </a:r>
+            <a:r>
+              <a:rPr lang="en-US" sz="1050" dirty="0">
+                <a:solidFill>
+                  <a:srgbClr val="000000"/>
+                </a:solidFill>
+                <a:latin typeface="Cascadia Mono" panose="020B0609020000020004" pitchFamily="49" charset="0"/>
+                <a:cs typeface="Cascadia Mono" panose="020B0609020000020004" pitchFamily="49" charset="0"/>
+              </a:rPr>
+              <a:t> </a:t>
+            </a:r>
+            <a:r>
+              <a:rPr lang="en-US" sz="1050" dirty="0">
+                <a:solidFill>
+                  <a:srgbClr val="0000FF"/>
+                </a:solidFill>
+                <a:latin typeface="Cascadia Mono" panose="020B0609020000020004" pitchFamily="49" charset="0"/>
+                <a:cs typeface="Cascadia Mono" panose="020B0609020000020004" pitchFamily="49" charset="0"/>
+              </a:rPr>
+              <a:t>AS</a:t>
+            </a:r>
+            <a:r>
+              <a:rPr lang="en-US" sz="1050" dirty="0">
+                <a:solidFill>
+                  <a:srgbClr val="000000"/>
+                </a:solidFill>
+                <a:latin typeface="Cascadia Mono" panose="020B0609020000020004" pitchFamily="49" charset="0"/>
+                <a:cs typeface="Cascadia Mono" panose="020B0609020000020004" pitchFamily="49" charset="0"/>
+              </a:rPr>
+              <a:t> </a:t>
+            </a:r>
+            <a:r>
+              <a:rPr lang="en-US" sz="1050" dirty="0" err="1">
+                <a:solidFill>
+                  <a:srgbClr val="000000"/>
+                </a:solidFill>
+                <a:latin typeface="Cascadia Mono" panose="020B0609020000020004" pitchFamily="49" charset="0"/>
+                <a:cs typeface="Cascadia Mono" panose="020B0609020000020004" pitchFamily="49" charset="0"/>
+              </a:rPr>
+              <a:t>Not_DB_Collation</a:t>
+            </a:r>
+            <a:endParaRPr lang="en-US" sz="1050" dirty="0">
+              <a:solidFill>
+                <a:srgbClr val="000000"/>
+              </a:solidFill>
+              <a:latin typeface="Cascadia Mono" panose="020B0609020000020004" pitchFamily="49" charset="0"/>
+              <a:cs typeface="Cascadia Mono" panose="020B0609020000020004" pitchFamily="49" charset="0"/>
+            </a:endParaRPr>
+          </a:p>
+          <a:p>
+            <a:r>
+              <a:rPr lang="en-US" sz="1050" dirty="0">
+                <a:solidFill>
+                  <a:srgbClr val="0000FF"/>
+                </a:solidFill>
+                <a:latin typeface="Cascadia Mono" panose="020B0609020000020004" pitchFamily="49" charset="0"/>
+                <a:cs typeface="Cascadia Mono" panose="020B0609020000020004" pitchFamily="49" charset="0"/>
+              </a:rPr>
+              <a:t>FROM</a:t>
+            </a:r>
+            <a:r>
+              <a:rPr lang="en-US" sz="1050" dirty="0">
+                <a:solidFill>
+                  <a:srgbClr val="000000"/>
+                </a:solidFill>
+                <a:latin typeface="Cascadia Mono" panose="020B0609020000020004" pitchFamily="49" charset="0"/>
+                <a:cs typeface="Cascadia Mono" panose="020B0609020000020004" pitchFamily="49" charset="0"/>
+              </a:rPr>
+              <a:t> </a:t>
+            </a:r>
+            <a:r>
+              <a:rPr lang="en-US" sz="1050" dirty="0">
+                <a:solidFill>
+                  <a:schemeClr val="accent6">
+                    <a:lumMod val="50000"/>
+                  </a:schemeClr>
+                </a:solidFill>
+                <a:latin typeface="Cascadia Mono" panose="020B0609020000020004" pitchFamily="49" charset="0"/>
+                <a:cs typeface="Cascadia Mono" panose="020B0609020000020004" pitchFamily="49" charset="0"/>
+              </a:rPr>
+              <a:t>INFORMATION_SCHEMA.COLUMNS</a:t>
+            </a:r>
+          </a:p>
+          <a:p>
+            <a:r>
+              <a:rPr lang="en-US" sz="1050" dirty="0">
+                <a:solidFill>
+                  <a:srgbClr val="0000FF"/>
+                </a:solidFill>
+                <a:latin typeface="Cascadia Mono" panose="020B0609020000020004" pitchFamily="49" charset="0"/>
+                <a:cs typeface="Cascadia Mono" panose="020B0609020000020004" pitchFamily="49" charset="0"/>
+              </a:rPr>
+              <a:t>ORDER</a:t>
+            </a:r>
+            <a:r>
+              <a:rPr lang="en-US" sz="1050" dirty="0">
+                <a:solidFill>
+                  <a:srgbClr val="000000"/>
+                </a:solidFill>
+                <a:latin typeface="Cascadia Mono" panose="020B0609020000020004" pitchFamily="49" charset="0"/>
+                <a:cs typeface="Cascadia Mono" panose="020B0609020000020004" pitchFamily="49" charset="0"/>
+              </a:rPr>
+              <a:t> </a:t>
+            </a:r>
+            <a:r>
+              <a:rPr lang="en-US" sz="1050" dirty="0">
+                <a:solidFill>
+                  <a:srgbClr val="0000FF"/>
+                </a:solidFill>
+                <a:latin typeface="Cascadia Mono" panose="020B0609020000020004" pitchFamily="49" charset="0"/>
+                <a:cs typeface="Cascadia Mono" panose="020B0609020000020004" pitchFamily="49" charset="0"/>
+              </a:rPr>
+              <a:t>BY</a:t>
+            </a:r>
+            <a:r>
+              <a:rPr lang="en-US" sz="1050" dirty="0">
+                <a:solidFill>
+                  <a:srgbClr val="000000"/>
+                </a:solidFill>
+                <a:latin typeface="Cascadia Mono" panose="020B0609020000020004" pitchFamily="49" charset="0"/>
+                <a:cs typeface="Cascadia Mono" panose="020B0609020000020004" pitchFamily="49" charset="0"/>
+              </a:rPr>
+              <a:t> TABLE_SCHEMA</a:t>
+            </a:r>
+            <a:r>
+              <a:rPr lang="en-US" sz="1050" dirty="0">
+                <a:solidFill>
+                  <a:srgbClr val="808080"/>
+                </a:solidFill>
+                <a:latin typeface="Cascadia Mono" panose="020B0609020000020004" pitchFamily="49" charset="0"/>
+                <a:cs typeface="Cascadia Mono" panose="020B0609020000020004" pitchFamily="49" charset="0"/>
+              </a:rPr>
+              <a:t>,</a:t>
+            </a:r>
+            <a:r>
+              <a:rPr lang="en-US" sz="1050" dirty="0">
+                <a:solidFill>
+                  <a:srgbClr val="000000"/>
+                </a:solidFill>
+                <a:latin typeface="Cascadia Mono" panose="020B0609020000020004" pitchFamily="49" charset="0"/>
+                <a:cs typeface="Cascadia Mono" panose="020B0609020000020004" pitchFamily="49" charset="0"/>
+              </a:rPr>
+              <a:t> TABLE_NAME</a:t>
+            </a:r>
+            <a:r>
+              <a:rPr lang="en-US" sz="1050" dirty="0">
+                <a:solidFill>
+                  <a:srgbClr val="808080"/>
+                </a:solidFill>
+                <a:latin typeface="Cascadia Mono" panose="020B0609020000020004" pitchFamily="49" charset="0"/>
+                <a:cs typeface="Cascadia Mono" panose="020B0609020000020004" pitchFamily="49" charset="0"/>
+              </a:rPr>
+              <a:t>,</a:t>
+            </a:r>
+            <a:r>
+              <a:rPr lang="en-US" sz="1050" dirty="0">
+                <a:solidFill>
+                  <a:srgbClr val="000000"/>
+                </a:solidFill>
+                <a:latin typeface="Cascadia Mono" panose="020B0609020000020004" pitchFamily="49" charset="0"/>
+                <a:cs typeface="Cascadia Mono" panose="020B0609020000020004" pitchFamily="49" charset="0"/>
+              </a:rPr>
+              <a:t> COLUMN_NAME</a:t>
+            </a:r>
+            <a:endParaRPr lang="en-US" sz="1050" dirty="0">
+              <a:latin typeface="Cascadia Mono" panose="020B0609020000020004" pitchFamily="49" charset="0"/>
+              <a:cs typeface="Cascadia Mono" panose="020B0609020000020004" pitchFamily="49" charset="0"/>
+            </a:endParaRPr>
+          </a:p>
+        </p:txBody>
+      </p:sp>
+    </p:spTree>
+    <p:extLst>
+      <p:ext uri="{BB962C8B-B14F-4D97-AF65-F5344CB8AC3E}">
+        <p14:creationId xmlns:p14="http://schemas.microsoft.com/office/powerpoint/2010/main" val="2499360181"/>
+      </p:ext>
+    </p:extLst>
+  </p:cSld>
+  <p:clrMapOvr>
+    <a:masterClrMapping/>
+  </p:clrMapOvr>
+  <p:timing>
+    <p:tnLst>
+      <p:par>
+        <p:cTn id="1" dur="indefinite" restart="never" nodeType="tmRoot">
+          <p:childTnLst>
+            <p:seq concurrent="1" nextAc="seek">
+              <p:cTn id="2" dur="indefinite" nodeType="mainSeq">
+                <p:childTnLst>
+                  <p:par>
+                    <p:cTn id="3" fill="hold">
+                      <p:stCondLst>
+                        <p:cond delay="indefinite"/>
+                      </p:stCondLst>
+                      <p:childTnLst>
+                        <p:par>
+                          <p:cTn id="4" fill="hold">
+                            <p:stCondLst>
+                              <p:cond delay="0"/>
+                            </p:stCondLst>
+                            <p:childTnLst>
+                              <p:par>
+                                <p:cTn id="5" presetID="1" presetClass="entr" presetSubtype="0" fill="hold" grpId="0" nodeType="clickEffect">
+                                  <p:stCondLst>
+                                    <p:cond delay="0"/>
+                                  </p:stCondLst>
+                                  <p:childTnLst>
+                                    <p:set>
+                                      <p:cBhvr>
+                                        <p:cTn id="6" dur="1" fill="hold">
+                                          <p:stCondLst>
+                                            <p:cond delay="0"/>
+                                          </p:stCondLst>
+                                        </p:cTn>
+                                        <p:tgtEl>
+                                          <p:spTgt spid="7"/>
+                                        </p:tgtEl>
+                                        <p:attrNameLst>
+                                          <p:attrName>style.visibility</p:attrName>
+                                        </p:attrNameLst>
+                                      </p:cBhvr>
+                                      <p:to>
+                                        <p:strVal val="visible"/>
+                                      </p:to>
+                                    </p:set>
+                                  </p:childTnLst>
+                                </p:cTn>
+                              </p:par>
+                            </p:childTnLst>
+                          </p:cTn>
+                        </p:par>
+                      </p:childTnLst>
+                    </p:cTn>
+                  </p:par>
+                </p:childTnLst>
+              </p:cTn>
+              <p:prevCondLst>
+                <p:cond evt="onPrev" delay="0">
+                  <p:tgtEl>
+                    <p:sldTgt/>
+                  </p:tgtEl>
+                </p:cond>
+              </p:prevCondLst>
+              <p:nextCondLst>
+                <p:cond evt="onNext" delay="0">
+                  <p:tgtEl>
+                    <p:sldTgt/>
+                  </p:tgtEl>
+                </p:cond>
+              </p:nextCondLst>
+            </p:seq>
+          </p:childTnLst>
+        </p:cTn>
+      </p:par>
+    </p:tnLst>
+    <p:bldLst>
+      <p:bldP spid="7" grpId="0"/>
+    </p:bldLst>
+  </p:timing>
+</p:sld>
+</file>
+
+<file path=ppt/slides/slide13.xml><?xml version="1.0" encoding="utf-8"?>
+<p:sld xmlns:a="http://schemas.openxmlformats.org/drawingml/2006/main" xmlns:r="http://schemas.openxmlformats.org/officeDocument/2006/relationships" xmlns:p="http://schemas.openxmlformats.org/presentationml/2006/main">
+  <p:cSld>
+    <p:spTree>
+      <p:nvGrpSpPr>
+        <p:cNvPr id="1" name=""/>
+        <p:cNvGrpSpPr/>
+        <p:nvPr/>
+      </p:nvGrpSpPr>
+      <p:grpSpPr>
+        <a:xfrm>
+          <a:off x="0" y="0"/>
+          <a:ext cx="0" cy="0"/>
+          <a:chOff x="0" y="0"/>
+          <a:chExt cx="0" cy="0"/>
+        </a:xfrm>
+      </p:grpSpPr>
+      <p:sp>
+        <p:nvSpPr>
+          <p:cNvPr id="2" name="Title 1">
+            <a:extLst>
+              <a:ext uri="{FF2B5EF4-FFF2-40B4-BE49-F238E27FC236}">
+                <a16:creationId xmlns:a16="http://schemas.microsoft.com/office/drawing/2014/main" id="{9CE8B567-6659-70E4-8D1A-58FA4C66BE5E}"/>
+              </a:ext>
+            </a:extLst>
+          </p:cNvPr>
+          <p:cNvSpPr>
+            <a:spLocks noGrp="1"/>
+          </p:cNvSpPr>
+          <p:nvPr>
+            <p:ph type="title"/>
+          </p:nvPr>
+        </p:nvSpPr>
+        <p:spPr/>
+        <p:txBody>
+          <a:bodyPr/>
+          <a:lstStyle/>
+          <a:p>
+            <a:r>
+              <a:rPr lang="en-US" dirty="0"/>
+              <a:t>The Collation (Case-Sensitivity) Hierarchy</a:t>
+            </a:r>
+          </a:p>
+        </p:txBody>
+      </p:sp>
+      <p:sp>
+        <p:nvSpPr>
+          <p:cNvPr id="5" name="TextBox 4">
+            <a:extLst>
+              <a:ext uri="{FF2B5EF4-FFF2-40B4-BE49-F238E27FC236}">
+                <a16:creationId xmlns:a16="http://schemas.microsoft.com/office/drawing/2014/main" id="{F1348302-1F57-40F3-55E7-F6BB2DC8725D}"/>
+              </a:ext>
+            </a:extLst>
+          </p:cNvPr>
+          <p:cNvSpPr txBox="1"/>
+          <p:nvPr/>
+        </p:nvSpPr>
+        <p:spPr>
+          <a:xfrm>
+            <a:off x="977029" y="1841326"/>
+            <a:ext cx="4058433" cy="646331"/>
+          </a:xfrm>
+          <a:prstGeom prst="rect">
+            <a:avLst/>
+          </a:prstGeom>
+          <a:noFill/>
+        </p:spPr>
+        <p:txBody>
+          <a:bodyPr wrap="square" rtlCol="0">
+            <a:spAutoFit/>
+          </a:bodyPr>
+          <a:lstStyle/>
+          <a:p>
+            <a:pPr marL="285750" indent="-285750">
+              <a:buFont typeface="Arial" panose="020B0604020202020204" pitchFamily="34" charset="0"/>
+              <a:buChar char="•"/>
+            </a:pPr>
+            <a:r>
+              <a:rPr lang="en-US" dirty="0"/>
+              <a:t>Instance – What was set when SQL Server was first installed?</a:t>
+            </a:r>
+          </a:p>
+        </p:txBody>
+      </p:sp>
+      <p:sp>
+        <p:nvSpPr>
+          <p:cNvPr id="9" name="TextBox 8">
+            <a:extLst>
+              <a:ext uri="{FF2B5EF4-FFF2-40B4-BE49-F238E27FC236}">
+                <a16:creationId xmlns:a16="http://schemas.microsoft.com/office/drawing/2014/main" id="{395797DD-918D-ABD0-75B7-821950A001EF}"/>
+              </a:ext>
+            </a:extLst>
+          </p:cNvPr>
+          <p:cNvSpPr txBox="1"/>
+          <p:nvPr/>
+        </p:nvSpPr>
+        <p:spPr>
+          <a:xfrm>
+            <a:off x="1316274" y="2621072"/>
+            <a:ext cx="3379941" cy="369332"/>
+          </a:xfrm>
+          <a:prstGeom prst="rect">
+            <a:avLst/>
+          </a:prstGeom>
+          <a:noFill/>
+        </p:spPr>
+        <p:txBody>
+          <a:bodyPr wrap="square" rtlCol="0">
+            <a:spAutoFit/>
+          </a:bodyPr>
+          <a:lstStyle/>
+          <a:p>
+            <a:pPr marL="285750" indent="-285750">
+              <a:buFont typeface="Arial" panose="020B0604020202020204" pitchFamily="34" charset="0"/>
+              <a:buChar char="•"/>
+            </a:pPr>
+            <a:r>
+              <a:rPr lang="en-US" dirty="0"/>
+              <a:t>Database – Default or explicit?</a:t>
+            </a:r>
+          </a:p>
+        </p:txBody>
+      </p:sp>
+      <p:sp>
+        <p:nvSpPr>
+          <p:cNvPr id="6" name="TextBox 5">
+            <a:extLst>
+              <a:ext uri="{FF2B5EF4-FFF2-40B4-BE49-F238E27FC236}">
+                <a16:creationId xmlns:a16="http://schemas.microsoft.com/office/drawing/2014/main" id="{AEBAEED8-77C3-6C71-B02B-8049F2C40678}"/>
+              </a:ext>
+            </a:extLst>
+          </p:cNvPr>
+          <p:cNvSpPr txBox="1"/>
+          <p:nvPr/>
+        </p:nvSpPr>
+        <p:spPr>
+          <a:xfrm>
+            <a:off x="1655521" y="3429000"/>
+            <a:ext cx="3617937" cy="646331"/>
+          </a:xfrm>
+          <a:prstGeom prst="rect">
+            <a:avLst/>
+          </a:prstGeom>
+          <a:noFill/>
+        </p:spPr>
+        <p:txBody>
+          <a:bodyPr wrap="square" rtlCol="0">
+            <a:spAutoFit/>
+          </a:bodyPr>
+          <a:lstStyle/>
+          <a:p>
+            <a:pPr marL="285750" indent="-285750">
+              <a:buFont typeface="Arial" panose="020B0604020202020204" pitchFamily="34" charset="0"/>
+              <a:buChar char="•"/>
+            </a:pPr>
+            <a:r>
+              <a:rPr lang="en-US" dirty="0"/>
+              <a:t>Table Column – Database default or explicit?</a:t>
+            </a:r>
+          </a:p>
+        </p:txBody>
+      </p:sp>
+      <p:sp>
+        <p:nvSpPr>
+          <p:cNvPr id="3" name="TextBox 2">
+            <a:extLst>
+              <a:ext uri="{FF2B5EF4-FFF2-40B4-BE49-F238E27FC236}">
+                <a16:creationId xmlns:a16="http://schemas.microsoft.com/office/drawing/2014/main" id="{DA88AFCA-8F9E-FDA2-5AA6-6252AEAA4D13}"/>
+              </a:ext>
+            </a:extLst>
+          </p:cNvPr>
+          <p:cNvSpPr txBox="1"/>
+          <p:nvPr/>
+        </p:nvSpPr>
+        <p:spPr>
+          <a:xfrm>
+            <a:off x="2133598" y="4225969"/>
+            <a:ext cx="3617937" cy="923330"/>
+          </a:xfrm>
+          <a:prstGeom prst="rect">
+            <a:avLst/>
+          </a:prstGeom>
+          <a:noFill/>
+        </p:spPr>
+        <p:txBody>
+          <a:bodyPr wrap="square" rtlCol="0">
+            <a:spAutoFit/>
+          </a:bodyPr>
+          <a:lstStyle/>
+          <a:p>
+            <a:pPr marL="285750" indent="-285750">
+              <a:buFont typeface="Arial" panose="020B0604020202020204" pitchFamily="34" charset="0"/>
+              <a:buChar char="•"/>
+            </a:pPr>
+            <a:r>
+              <a:rPr lang="en-US" dirty="0"/>
+              <a:t>Query-level – temporarily treat it differently for calculation purposes</a:t>
+            </a:r>
+          </a:p>
+        </p:txBody>
+      </p:sp>
+      <p:sp>
+        <p:nvSpPr>
+          <p:cNvPr id="8" name="TextBox 7">
+            <a:extLst>
+              <a:ext uri="{FF2B5EF4-FFF2-40B4-BE49-F238E27FC236}">
+                <a16:creationId xmlns:a16="http://schemas.microsoft.com/office/drawing/2014/main" id="{5C531693-F528-5FD2-0B05-D3A2F61A521D}"/>
+              </a:ext>
+            </a:extLst>
+          </p:cNvPr>
+          <p:cNvSpPr txBox="1"/>
+          <p:nvPr/>
+        </p:nvSpPr>
+        <p:spPr>
+          <a:xfrm>
+            <a:off x="6112703" y="4075331"/>
+            <a:ext cx="4913333" cy="923330"/>
+          </a:xfrm>
+          <a:prstGeom prst="rect">
+            <a:avLst/>
+          </a:prstGeom>
+          <a:noFill/>
+        </p:spPr>
+        <p:txBody>
+          <a:bodyPr wrap="square">
+            <a:spAutoFit/>
+          </a:bodyPr>
+          <a:lstStyle/>
+          <a:p>
+            <a:r>
+              <a:rPr lang="en-US" b="0" i="1" dirty="0">
+                <a:solidFill>
+                  <a:schemeClr val="accent2">
+                    <a:lumMod val="50000"/>
+                  </a:schemeClr>
+                </a:solidFill>
+                <a:effectLst/>
+                <a:latin typeface="-apple-system"/>
+              </a:rPr>
+              <a:t>Cannot resolve the collation conflict between "SQL_Latin1_General_CP1_CI_AS" and "Latin1_General_CI_AS" in the equal to operation.</a:t>
+            </a:r>
+            <a:endParaRPr lang="en-US" dirty="0">
+              <a:solidFill>
+                <a:schemeClr val="accent2">
+                  <a:lumMod val="50000"/>
+                </a:schemeClr>
+              </a:solidFill>
+            </a:endParaRPr>
+          </a:p>
+        </p:txBody>
+      </p:sp>
+      <p:sp>
+        <p:nvSpPr>
+          <p:cNvPr id="10" name="TextBox 9">
+            <a:extLst>
+              <a:ext uri="{FF2B5EF4-FFF2-40B4-BE49-F238E27FC236}">
+                <a16:creationId xmlns:a16="http://schemas.microsoft.com/office/drawing/2014/main" id="{365825F3-9331-6164-FD25-0B6153355097}"/>
+              </a:ext>
+            </a:extLst>
+          </p:cNvPr>
+          <p:cNvSpPr txBox="1"/>
+          <p:nvPr/>
+        </p:nvSpPr>
+        <p:spPr>
+          <a:xfrm>
+            <a:off x="6096000" y="2625056"/>
+            <a:ext cx="5257800" cy="923330"/>
+          </a:xfrm>
+          <a:prstGeom prst="rect">
+            <a:avLst/>
+          </a:prstGeom>
+          <a:noFill/>
+        </p:spPr>
+        <p:txBody>
+          <a:bodyPr wrap="square" rtlCol="0">
+            <a:spAutoFit/>
+          </a:bodyPr>
+          <a:lstStyle/>
+          <a:p>
+            <a:r>
+              <a:rPr lang="en-US" sz="1800">
+                <a:solidFill>
+                  <a:srgbClr val="0000FF"/>
+                </a:solidFill>
+                <a:latin typeface="Cascadia Mono" panose="020B0609020000020004" pitchFamily="49" charset="0"/>
+                <a:cs typeface="Cascadia Mono" panose="020B0609020000020004" pitchFamily="49" charset="0"/>
+              </a:rPr>
+              <a:t>FROM</a:t>
+            </a:r>
+            <a:r>
+              <a:rPr lang="en-US" sz="1800">
+                <a:solidFill>
+                  <a:srgbClr val="000000"/>
+                </a:solidFill>
+                <a:latin typeface="Cascadia Mono" panose="020B0609020000020004" pitchFamily="49" charset="0"/>
+                <a:cs typeface="Cascadia Mono" panose="020B0609020000020004" pitchFamily="49" charset="0"/>
+              </a:rPr>
+              <a:t> Table_1 t1</a:t>
+            </a:r>
+          </a:p>
+          <a:p>
+            <a:r>
+              <a:rPr lang="fr-FR" sz="1800">
+                <a:solidFill>
+                  <a:srgbClr val="000000"/>
+                </a:solidFill>
+                <a:latin typeface="Cascadia Mono" panose="020B0609020000020004" pitchFamily="49" charset="0"/>
+                <a:cs typeface="Cascadia Mono" panose="020B0609020000020004" pitchFamily="49" charset="0"/>
+              </a:rPr>
+              <a:t>  </a:t>
+            </a:r>
+            <a:r>
+              <a:rPr lang="fr-FR" sz="1800">
+                <a:solidFill>
+                  <a:srgbClr val="808080"/>
+                </a:solidFill>
+                <a:latin typeface="Cascadia Mono" panose="020B0609020000020004" pitchFamily="49" charset="0"/>
+                <a:cs typeface="Cascadia Mono" panose="020B0609020000020004" pitchFamily="49" charset="0"/>
+              </a:rPr>
+              <a:t>INNER</a:t>
+            </a:r>
+            <a:r>
+              <a:rPr lang="fr-FR" sz="1800">
+                <a:solidFill>
+                  <a:srgbClr val="000000"/>
+                </a:solidFill>
+                <a:latin typeface="Cascadia Mono" panose="020B0609020000020004" pitchFamily="49" charset="0"/>
+                <a:cs typeface="Cascadia Mono" panose="020B0609020000020004" pitchFamily="49" charset="0"/>
+              </a:rPr>
+              <a:t> </a:t>
+            </a:r>
+            <a:r>
+              <a:rPr lang="fr-FR" sz="1800">
+                <a:solidFill>
+                  <a:srgbClr val="808080"/>
+                </a:solidFill>
+                <a:latin typeface="Cascadia Mono" panose="020B0609020000020004" pitchFamily="49" charset="0"/>
+                <a:cs typeface="Cascadia Mono" panose="020B0609020000020004" pitchFamily="49" charset="0"/>
+              </a:rPr>
+              <a:t>JOIN</a:t>
+            </a:r>
+            <a:r>
+              <a:rPr lang="fr-FR" sz="1800">
+                <a:solidFill>
+                  <a:srgbClr val="000000"/>
+                </a:solidFill>
+                <a:latin typeface="Cascadia Mono" panose="020B0609020000020004" pitchFamily="49" charset="0"/>
+                <a:cs typeface="Cascadia Mono" panose="020B0609020000020004" pitchFamily="49" charset="0"/>
+              </a:rPr>
+              <a:t> Table_2 t2</a:t>
+            </a:r>
+          </a:p>
+          <a:p>
+            <a:r>
+              <a:rPr lang="en-US" sz="1800">
+                <a:solidFill>
+                  <a:srgbClr val="000000"/>
+                </a:solidFill>
+                <a:latin typeface="Cascadia Mono" panose="020B0609020000020004" pitchFamily="49" charset="0"/>
+                <a:cs typeface="Cascadia Mono" panose="020B0609020000020004" pitchFamily="49" charset="0"/>
+              </a:rPr>
+              <a:t>      </a:t>
+            </a:r>
+            <a:r>
+              <a:rPr lang="en-US" sz="1800">
+                <a:solidFill>
+                  <a:srgbClr val="0000FF"/>
+                </a:solidFill>
+                <a:latin typeface="Cascadia Mono" panose="020B0609020000020004" pitchFamily="49" charset="0"/>
+                <a:cs typeface="Cascadia Mono" panose="020B0609020000020004" pitchFamily="49" charset="0"/>
+              </a:rPr>
+              <a:t>ON</a:t>
+            </a:r>
+            <a:r>
+              <a:rPr lang="en-US" sz="1800">
+                <a:solidFill>
+                  <a:srgbClr val="000000"/>
+                </a:solidFill>
+                <a:latin typeface="Cascadia Mono" panose="020B0609020000020004" pitchFamily="49" charset="0"/>
+                <a:cs typeface="Cascadia Mono" panose="020B0609020000020004" pitchFamily="49" charset="0"/>
+              </a:rPr>
+              <a:t> t1</a:t>
+            </a:r>
+            <a:r>
+              <a:rPr lang="en-US" sz="1800">
+                <a:solidFill>
+                  <a:srgbClr val="808080"/>
+                </a:solidFill>
+                <a:latin typeface="Cascadia Mono" panose="020B0609020000020004" pitchFamily="49" charset="0"/>
+                <a:cs typeface="Cascadia Mono" panose="020B0609020000020004" pitchFamily="49" charset="0"/>
+              </a:rPr>
+              <a:t>.</a:t>
+            </a:r>
+            <a:r>
+              <a:rPr lang="en-US" sz="1800">
+                <a:solidFill>
+                  <a:srgbClr val="000000"/>
+                </a:solidFill>
+                <a:latin typeface="Cascadia Mono" panose="020B0609020000020004" pitchFamily="49" charset="0"/>
+                <a:cs typeface="Cascadia Mono" panose="020B0609020000020004" pitchFamily="49" charset="0"/>
+              </a:rPr>
+              <a:t>SomeColumn </a:t>
+            </a:r>
+            <a:r>
+              <a:rPr lang="en-US" sz="1800">
+                <a:solidFill>
+                  <a:srgbClr val="808080"/>
+                </a:solidFill>
+                <a:latin typeface="Cascadia Mono" panose="020B0609020000020004" pitchFamily="49" charset="0"/>
+                <a:cs typeface="Cascadia Mono" panose="020B0609020000020004" pitchFamily="49" charset="0"/>
+              </a:rPr>
+              <a:t>=</a:t>
+            </a:r>
+            <a:r>
+              <a:rPr lang="en-US" sz="1800">
+                <a:solidFill>
+                  <a:srgbClr val="000000"/>
+                </a:solidFill>
+                <a:latin typeface="Cascadia Mono" panose="020B0609020000020004" pitchFamily="49" charset="0"/>
+                <a:cs typeface="Cascadia Mono" panose="020B0609020000020004" pitchFamily="49" charset="0"/>
+              </a:rPr>
+              <a:t> t2</a:t>
+            </a:r>
+            <a:r>
+              <a:rPr lang="en-US" sz="1800">
+                <a:solidFill>
+                  <a:srgbClr val="808080"/>
+                </a:solidFill>
+                <a:latin typeface="Cascadia Mono" panose="020B0609020000020004" pitchFamily="49" charset="0"/>
+                <a:cs typeface="Cascadia Mono" panose="020B0609020000020004" pitchFamily="49" charset="0"/>
+              </a:rPr>
+              <a:t>.</a:t>
+            </a:r>
+            <a:r>
+              <a:rPr lang="en-US" sz="1800">
+                <a:solidFill>
+                  <a:srgbClr val="000000"/>
+                </a:solidFill>
+                <a:latin typeface="Cascadia Mono" panose="020B0609020000020004" pitchFamily="49" charset="0"/>
+                <a:cs typeface="Cascadia Mono" panose="020B0609020000020004" pitchFamily="49" charset="0"/>
+              </a:rPr>
+              <a:t>SomeColumn</a:t>
+            </a:r>
+            <a:endParaRPr lang="en-US" dirty="0">
+              <a:latin typeface="Cascadia Mono" panose="020B0609020000020004" pitchFamily="49" charset="0"/>
+              <a:cs typeface="Cascadia Mono" panose="020B0609020000020004" pitchFamily="49" charset="0"/>
+            </a:endParaRPr>
+          </a:p>
+        </p:txBody>
+      </p:sp>
+      <p:sp>
+        <p:nvSpPr>
+          <p:cNvPr id="11" name="TextBox 10">
+            <a:extLst>
+              <a:ext uri="{FF2B5EF4-FFF2-40B4-BE49-F238E27FC236}">
+                <a16:creationId xmlns:a16="http://schemas.microsoft.com/office/drawing/2014/main" id="{1FDAC6CB-BA0C-C066-3766-66035BDA4E15}"/>
+              </a:ext>
+            </a:extLst>
+          </p:cNvPr>
+          <p:cNvSpPr txBox="1"/>
+          <p:nvPr/>
+        </p:nvSpPr>
+        <p:spPr>
+          <a:xfrm>
+            <a:off x="6041720" y="1905506"/>
+            <a:ext cx="5366359" cy="1754326"/>
+          </a:xfrm>
+          <a:prstGeom prst="rect">
+            <a:avLst/>
+          </a:prstGeom>
+          <a:solidFill>
+            <a:schemeClr val="bg1"/>
+          </a:solidFill>
+        </p:spPr>
+        <p:txBody>
+          <a:bodyPr wrap="square" rtlCol="0">
+            <a:spAutoFit/>
+          </a:bodyPr>
+          <a:lstStyle/>
+          <a:p>
+            <a:r>
+              <a:rPr lang="en-US" sz="1800" dirty="0">
+                <a:solidFill>
+                  <a:srgbClr val="0000FF"/>
+                </a:solidFill>
+                <a:latin typeface="Cascadia Mono" panose="020B0609020000020004" pitchFamily="49" charset="0"/>
+                <a:cs typeface="Cascadia Mono" panose="020B0609020000020004" pitchFamily="49" charset="0"/>
+              </a:rPr>
+              <a:t>FROM</a:t>
+            </a:r>
+            <a:r>
+              <a:rPr lang="en-US" sz="1800" dirty="0">
+                <a:solidFill>
+                  <a:srgbClr val="000000"/>
+                </a:solidFill>
+                <a:latin typeface="Cascadia Mono" panose="020B0609020000020004" pitchFamily="49" charset="0"/>
+                <a:cs typeface="Cascadia Mono" panose="020B0609020000020004" pitchFamily="49" charset="0"/>
+              </a:rPr>
+              <a:t> Table_1 t1</a:t>
+            </a:r>
+          </a:p>
+          <a:p>
+            <a:r>
+              <a:rPr lang="fr-FR" sz="1800" dirty="0">
+                <a:solidFill>
+                  <a:srgbClr val="000000"/>
+                </a:solidFill>
+                <a:latin typeface="Cascadia Mono" panose="020B0609020000020004" pitchFamily="49" charset="0"/>
+                <a:cs typeface="Cascadia Mono" panose="020B0609020000020004" pitchFamily="49" charset="0"/>
+              </a:rPr>
+              <a:t>  </a:t>
+            </a:r>
+            <a:r>
+              <a:rPr lang="fr-FR" sz="1800" dirty="0">
+                <a:solidFill>
+                  <a:srgbClr val="808080"/>
+                </a:solidFill>
+                <a:latin typeface="Cascadia Mono" panose="020B0609020000020004" pitchFamily="49" charset="0"/>
+                <a:cs typeface="Cascadia Mono" panose="020B0609020000020004" pitchFamily="49" charset="0"/>
+              </a:rPr>
+              <a:t>INNER</a:t>
+            </a:r>
+            <a:r>
+              <a:rPr lang="fr-FR" sz="1800" dirty="0">
+                <a:solidFill>
+                  <a:srgbClr val="000000"/>
+                </a:solidFill>
+                <a:latin typeface="Cascadia Mono" panose="020B0609020000020004" pitchFamily="49" charset="0"/>
+                <a:cs typeface="Cascadia Mono" panose="020B0609020000020004" pitchFamily="49" charset="0"/>
+              </a:rPr>
+              <a:t> </a:t>
+            </a:r>
+            <a:r>
+              <a:rPr lang="fr-FR" sz="1800" dirty="0">
+                <a:solidFill>
+                  <a:srgbClr val="808080"/>
+                </a:solidFill>
+                <a:latin typeface="Cascadia Mono" panose="020B0609020000020004" pitchFamily="49" charset="0"/>
+                <a:cs typeface="Cascadia Mono" panose="020B0609020000020004" pitchFamily="49" charset="0"/>
+              </a:rPr>
+              <a:t>JOIN</a:t>
+            </a:r>
+            <a:r>
+              <a:rPr lang="fr-FR" sz="1800" dirty="0">
+                <a:solidFill>
+                  <a:srgbClr val="000000"/>
+                </a:solidFill>
+                <a:latin typeface="Cascadia Mono" panose="020B0609020000020004" pitchFamily="49" charset="0"/>
+                <a:cs typeface="Cascadia Mono" panose="020B0609020000020004" pitchFamily="49" charset="0"/>
+              </a:rPr>
+              <a:t> Table_2 t2</a:t>
+            </a:r>
+          </a:p>
+          <a:p>
+            <a:r>
+              <a:rPr lang="en-US" sz="1800" dirty="0">
+                <a:solidFill>
+                  <a:srgbClr val="000000"/>
+                </a:solidFill>
+                <a:latin typeface="Cascadia Mono" panose="020B0609020000020004" pitchFamily="49" charset="0"/>
+                <a:cs typeface="Cascadia Mono" panose="020B0609020000020004" pitchFamily="49" charset="0"/>
+              </a:rPr>
+              <a:t>      </a:t>
+            </a:r>
+            <a:r>
+              <a:rPr lang="en-US" sz="1800" dirty="0">
+                <a:solidFill>
+                  <a:srgbClr val="0000FF"/>
+                </a:solidFill>
+                <a:latin typeface="Cascadia Mono" panose="020B0609020000020004" pitchFamily="49" charset="0"/>
+                <a:cs typeface="Cascadia Mono" panose="020B0609020000020004" pitchFamily="49" charset="0"/>
+              </a:rPr>
+              <a:t>ON</a:t>
+            </a:r>
+            <a:r>
+              <a:rPr lang="en-US" sz="1800" dirty="0">
+                <a:solidFill>
+                  <a:srgbClr val="000000"/>
+                </a:solidFill>
+                <a:latin typeface="Cascadia Mono" panose="020B0609020000020004" pitchFamily="49" charset="0"/>
+                <a:cs typeface="Cascadia Mono" panose="020B0609020000020004" pitchFamily="49" charset="0"/>
+              </a:rPr>
+              <a:t> t1</a:t>
+            </a:r>
+            <a:r>
+              <a:rPr lang="en-US" sz="1800" dirty="0">
+                <a:solidFill>
+                  <a:srgbClr val="808080"/>
+                </a:solidFill>
+                <a:latin typeface="Cascadia Mono" panose="020B0609020000020004" pitchFamily="49" charset="0"/>
+                <a:cs typeface="Cascadia Mono" panose="020B0609020000020004" pitchFamily="49" charset="0"/>
+              </a:rPr>
+              <a:t>.</a:t>
+            </a:r>
+            <a:r>
+              <a:rPr lang="en-US" sz="1800" dirty="0">
+                <a:solidFill>
+                  <a:srgbClr val="000000"/>
+                </a:solidFill>
+                <a:latin typeface="Cascadia Mono" panose="020B0609020000020004" pitchFamily="49" charset="0"/>
+                <a:cs typeface="Cascadia Mono" panose="020B0609020000020004" pitchFamily="49" charset="0"/>
+              </a:rPr>
+              <a:t>SomeColumn </a:t>
+            </a:r>
+          </a:p>
+          <a:p>
+            <a:r>
+              <a:rPr lang="en-US" dirty="0">
+                <a:solidFill>
+                  <a:srgbClr val="000000"/>
+                </a:solidFill>
+                <a:latin typeface="Cascadia Mono" panose="020B0609020000020004" pitchFamily="49" charset="0"/>
+                <a:cs typeface="Cascadia Mono" panose="020B0609020000020004" pitchFamily="49" charset="0"/>
+              </a:rPr>
+              <a:t>          </a:t>
+            </a:r>
+            <a:r>
+              <a:rPr lang="en-US" sz="1800" dirty="0">
+                <a:solidFill>
+                  <a:srgbClr val="FF00FF"/>
+                </a:solidFill>
+                <a:latin typeface="Cascadia Mono" panose="020B0609020000020004" pitchFamily="49" charset="0"/>
+                <a:cs typeface="Cascadia Mono" panose="020B0609020000020004" pitchFamily="49" charset="0"/>
+              </a:rPr>
+              <a:t>COLLATE</a:t>
+            </a:r>
+          </a:p>
+          <a:p>
+            <a:r>
+              <a:rPr lang="en-US" dirty="0">
+                <a:solidFill>
+                  <a:srgbClr val="FF00FF"/>
+                </a:solidFill>
+                <a:latin typeface="Cascadia Mono" panose="020B0609020000020004" pitchFamily="49" charset="0"/>
+                <a:cs typeface="Cascadia Mono" panose="020B0609020000020004" pitchFamily="49" charset="0"/>
+              </a:rPr>
+              <a:t>       </a:t>
+            </a:r>
+            <a:r>
+              <a:rPr lang="en-US" sz="1800" dirty="0">
+                <a:solidFill>
+                  <a:srgbClr val="000000"/>
+                </a:solidFill>
+                <a:latin typeface="Cascadia Mono" panose="020B0609020000020004" pitchFamily="49" charset="0"/>
+                <a:cs typeface="Cascadia Mono" panose="020B0609020000020004" pitchFamily="49" charset="0"/>
+              </a:rPr>
+              <a:t>   SQL_Latin1_General_CP1_CI_AS</a:t>
+            </a:r>
+          </a:p>
+          <a:p>
+            <a:r>
+              <a:rPr lang="en-US" sz="1800" dirty="0">
+                <a:solidFill>
+                  <a:srgbClr val="000000"/>
+                </a:solidFill>
+                <a:latin typeface="Cascadia Mono" panose="020B0609020000020004" pitchFamily="49" charset="0"/>
+                <a:cs typeface="Cascadia Mono" panose="020B0609020000020004" pitchFamily="49" charset="0"/>
+              </a:rPr>
+              <a:t>       </a:t>
+            </a:r>
+            <a:r>
+              <a:rPr lang="en-US" sz="1800" dirty="0">
+                <a:solidFill>
+                  <a:srgbClr val="808080"/>
+                </a:solidFill>
+                <a:latin typeface="Cascadia Mono" panose="020B0609020000020004" pitchFamily="49" charset="0"/>
+                <a:cs typeface="Cascadia Mono" panose="020B0609020000020004" pitchFamily="49" charset="0"/>
+              </a:rPr>
+              <a:t>=</a:t>
+            </a:r>
+            <a:r>
+              <a:rPr lang="en-US" sz="1800" dirty="0">
+                <a:solidFill>
+                  <a:srgbClr val="000000"/>
+                </a:solidFill>
+                <a:latin typeface="Cascadia Mono" panose="020B0609020000020004" pitchFamily="49" charset="0"/>
+                <a:cs typeface="Cascadia Mono" panose="020B0609020000020004" pitchFamily="49" charset="0"/>
+              </a:rPr>
+              <a:t> t2</a:t>
+            </a:r>
+            <a:r>
+              <a:rPr lang="en-US" sz="1800" dirty="0">
+                <a:solidFill>
+                  <a:srgbClr val="808080"/>
+                </a:solidFill>
+                <a:latin typeface="Cascadia Mono" panose="020B0609020000020004" pitchFamily="49" charset="0"/>
+                <a:cs typeface="Cascadia Mono" panose="020B0609020000020004" pitchFamily="49" charset="0"/>
+              </a:rPr>
+              <a:t>.</a:t>
+            </a:r>
+            <a:r>
+              <a:rPr lang="en-US" sz="1800" dirty="0">
+                <a:solidFill>
+                  <a:srgbClr val="000000"/>
+                </a:solidFill>
+                <a:latin typeface="Cascadia Mono" panose="020B0609020000020004" pitchFamily="49" charset="0"/>
+                <a:cs typeface="Cascadia Mono" panose="020B0609020000020004" pitchFamily="49" charset="0"/>
+              </a:rPr>
+              <a:t>SomeColumn</a:t>
+            </a:r>
+            <a:endParaRPr lang="en-US" dirty="0">
+              <a:latin typeface="Cascadia Mono" panose="020B0609020000020004" pitchFamily="49" charset="0"/>
+              <a:cs typeface="Cascadia Mono" panose="020B0609020000020004" pitchFamily="49" charset="0"/>
+            </a:endParaRPr>
+          </a:p>
+        </p:txBody>
+      </p:sp>
+    </p:spTree>
+    <p:extLst>
+      <p:ext uri="{BB962C8B-B14F-4D97-AF65-F5344CB8AC3E}">
+        <p14:creationId xmlns:p14="http://schemas.microsoft.com/office/powerpoint/2010/main" val="2437821767"/>
+      </p:ext>
+    </p:extLst>
+  </p:cSld>
+  <p:clrMapOvr>
+    <a:masterClrMapping/>
+  </p:clrMapOvr>
+  <p:timing>
+    <p:tnLst>
+      <p:par>
+        <p:cTn id="1" dur="indefinite" restart="never" nodeType="tmRoot">
+          <p:childTnLst>
+            <p:seq concurrent="1" nextAc="seek">
+              <p:cTn id="2" dur="indefinite" nodeType="mainSeq">
+                <p:childTnLst>
+                  <p:par>
+                    <p:cTn id="3" fill="hold">
+                      <p:stCondLst>
+                        <p:cond delay="indefinite"/>
+                      </p:stCondLst>
+                      <p:childTnLst>
+                        <p:par>
+                          <p:cTn id="4" fill="hold">
+                            <p:stCondLst>
+                              <p:cond delay="0"/>
+                            </p:stCondLst>
+                            <p:childTnLst>
+                              <p:par>
+                                <p:cTn id="5" presetID="1" presetClass="entr" presetSubtype="0" fill="hold" grpId="0" nodeType="clickEffect">
+                                  <p:stCondLst>
+                                    <p:cond delay="0"/>
+                                  </p:stCondLst>
+                                  <p:childTnLst>
+                                    <p:set>
+                                      <p:cBhvr>
+                                        <p:cTn id="6" dur="1" fill="hold">
+                                          <p:stCondLst>
+                                            <p:cond delay="0"/>
+                                          </p:stCondLst>
+                                        </p:cTn>
+                                        <p:tgtEl>
+                                          <p:spTgt spid="8"/>
+                                        </p:tgtEl>
+                                        <p:attrNameLst>
+                                          <p:attrName>style.visibility</p:attrName>
+                                        </p:attrNameLst>
+                                      </p:cBhvr>
+                                      <p:to>
+                                        <p:strVal val="visible"/>
+                                      </p:to>
+                                    </p:set>
+                                  </p:childTnLst>
+                                </p:cTn>
+                              </p:par>
+                            </p:childTnLst>
+                          </p:cTn>
+                        </p:par>
+                      </p:childTnLst>
+                    </p:cTn>
+                  </p:par>
+                  <p:par>
+                    <p:cTn id="7" fill="hold">
+                      <p:stCondLst>
+                        <p:cond delay="indefinite"/>
+                      </p:stCondLst>
+                      <p:childTnLst>
+                        <p:par>
+                          <p:cTn id="8" fill="hold">
+                            <p:stCondLst>
+                              <p:cond delay="0"/>
+                            </p:stCondLst>
+                            <p:childTnLst>
+                              <p:par>
+                                <p:cTn id="9" presetID="1" presetClass="entr" presetSubtype="0" fill="hold" grpId="0" nodeType="clickEffect">
+                                  <p:stCondLst>
+                                    <p:cond delay="0"/>
+                                  </p:stCondLst>
+                                  <p:childTnLst>
+                                    <p:set>
+                                      <p:cBhvr>
+                                        <p:cTn id="10" dur="1" fill="hold">
+                                          <p:stCondLst>
+                                            <p:cond delay="0"/>
+                                          </p:stCondLst>
+                                        </p:cTn>
+                                        <p:tgtEl>
+                                          <p:spTgt spid="11"/>
+                                        </p:tgtEl>
+                                        <p:attrNameLst>
+                                          <p:attrName>style.visibility</p:attrName>
+                                        </p:attrNameLst>
+                                      </p:cBhvr>
+                                      <p:to>
+                                        <p:strVal val="visible"/>
+                                      </p:to>
+                                    </p:set>
+                                  </p:childTnLst>
+                                </p:cTn>
+                              </p:par>
+                            </p:childTnLst>
+                          </p:cTn>
+                        </p:par>
+                      </p:childTnLst>
+                    </p:cTn>
+                  </p:par>
+                </p:childTnLst>
+              </p:cTn>
+              <p:prevCondLst>
+                <p:cond evt="onPrev" delay="0">
+                  <p:tgtEl>
+                    <p:sldTgt/>
+                  </p:tgtEl>
+                </p:cond>
+              </p:prevCondLst>
+              <p:nextCondLst>
+                <p:cond evt="onNext" delay="0">
+                  <p:tgtEl>
+                    <p:sldTgt/>
+                  </p:tgtEl>
+                </p:cond>
+              </p:nextCondLst>
+            </p:seq>
+          </p:childTnLst>
+        </p:cTn>
+      </p:par>
+    </p:tnLst>
+    <p:bldLst>
+      <p:bldP spid="8" grpId="0"/>
+      <p:bldP spid="11" grpId="0" animBg="1"/>
+    </p:bldLst>
+  </p:timing>
+</p:sld>
+</file>
+
+<file path=ppt/slides/slide14.xml><?xml version="1.0" encoding="utf-8"?>
+<p:sld xmlns:a="http://schemas.openxmlformats.org/drawingml/2006/main" xmlns:r="http://schemas.openxmlformats.org/officeDocument/2006/relationships" xmlns:p="http://schemas.openxmlformats.org/presentationml/2006/main">
+  <p:cSld>
+    <p:spTree>
+      <p:nvGrpSpPr>
+        <p:cNvPr id="1" name=""/>
+        <p:cNvGrpSpPr/>
+        <p:nvPr/>
+      </p:nvGrpSpPr>
+      <p:grpSpPr>
+        <a:xfrm>
+          <a:off x="0" y="0"/>
+          <a:ext cx="0" cy="0"/>
+          <a:chOff x="0" y="0"/>
+          <a:chExt cx="0" cy="0"/>
+        </a:xfrm>
+      </p:grpSpPr>
+      <p:sp>
+        <p:nvSpPr>
           <p:cNvPr id="11" name="Content Placeholder 10">
             <a:extLst>
               <a:ext uri="{FF2B5EF4-FFF2-40B4-BE49-F238E27FC236}">
@@ -6967,8 +9719,8 @@
         </p:nvSpPr>
         <p:spPr>
           <a:xfrm>
-            <a:off x="838200" y="1655504"/>
-            <a:ext cx="10515600" cy="4351338"/>
+            <a:off x="1026090" y="1655504"/>
+            <a:ext cx="9859027" cy="4351338"/>
           </a:xfrm>
         </p:spPr>
         <p:txBody>
@@ -7669,7 +10421,7 @@
         </p:blipFill>
         <p:spPr>
           <a:xfrm>
-            <a:off x="8264561" y="3429000"/>
+            <a:off x="7988989" y="3429000"/>
             <a:ext cx="2232025" cy="1057275"/>
           </a:xfrm>
           <a:prstGeom prst="rect">
@@ -7699,7 +10451,7 @@
         </p:blipFill>
         <p:spPr>
           <a:xfrm>
-            <a:off x="8315361" y="4903657"/>
+            <a:off x="8039789" y="4903657"/>
             <a:ext cx="2322229" cy="1057275"/>
           </a:xfrm>
           <a:prstGeom prst="rect">
@@ -7721,7 +10473,7 @@
         </p:nvSpPr>
         <p:spPr>
           <a:xfrm>
-            <a:off x="10385407" y="4022366"/>
+            <a:off x="10109835" y="4022366"/>
             <a:ext cx="1397000" cy="369332"/>
           </a:xfrm>
           <a:prstGeom prst="rect">
@@ -7755,7 +10507,7 @@
 </p:sld>
 </file>
 
-<file path=ppt/slides/slide11.xml><?xml version="1.0" encoding="utf-8"?>
+<file path=ppt/slides/slide15.xml><?xml version="1.0" encoding="utf-8"?>
 <p:sld xmlns:a="http://schemas.openxmlformats.org/drawingml/2006/main" xmlns:r="http://schemas.openxmlformats.org/officeDocument/2006/relationships" xmlns:p="http://schemas.openxmlformats.org/presentationml/2006/main">
   <p:cSld>
     <p:spTree>
@@ -7902,7 +10654,7 @@
 </p:sld>
 </file>
 
-<file path=ppt/slides/slide12.xml><?xml version="1.0" encoding="utf-8"?>
+<file path=ppt/slides/slide16.xml><?xml version="1.0" encoding="utf-8"?>
 <p:sld xmlns:a="http://schemas.openxmlformats.org/drawingml/2006/main" xmlns:r="http://schemas.openxmlformats.org/officeDocument/2006/relationships" xmlns:p="http://schemas.openxmlformats.org/presentationml/2006/main">
   <p:cSld>
     <p:spTree>
@@ -8417,7 +11169,7 @@
 </p:sld>
 </file>
 
-<file path=ppt/slides/slide13.xml><?xml version="1.0" encoding="utf-8"?>
+<file path=ppt/slides/slide17.xml><?xml version="1.0" encoding="utf-8"?>
 <p:sld xmlns:a="http://schemas.openxmlformats.org/drawingml/2006/main" xmlns:r="http://schemas.openxmlformats.org/officeDocument/2006/relationships" xmlns:p="http://schemas.openxmlformats.org/presentationml/2006/main">
   <p:cSld>
     <p:spTree>
@@ -8512,7 +11264,7 @@
 </p:sld>
 </file>
 
-<file path=ppt/slides/slide14.xml><?xml version="1.0" encoding="utf-8"?>
+<file path=ppt/slides/slide18.xml><?xml version="1.0" encoding="utf-8"?>
 <p:sld xmlns:a="http://schemas.openxmlformats.org/drawingml/2006/main" xmlns:r="http://schemas.openxmlformats.org/officeDocument/2006/relationships" xmlns:p="http://schemas.openxmlformats.org/presentationml/2006/main">
   <p:cSld>
     <p:spTree>
@@ -9341,7 +12093,7 @@
               <a:avLst/>
             </a:prstGeom>
             <a:noFill/>
-            <a:ln w="38100">
+            <a:ln w="53975">
               <a:solidFill>
                 <a:srgbClr val="FF0000"/>
               </a:solidFill>
@@ -9461,7 +12213,7 @@
 </p:sld>
 </file>
 
-<file path=ppt/slides/slide15.xml><?xml version="1.0" encoding="utf-8"?>
+<file path=ppt/slides/slide19.xml><?xml version="1.0" encoding="utf-8"?>
 <p:sld xmlns:a="http://schemas.openxmlformats.org/drawingml/2006/main" xmlns:r="http://schemas.openxmlformats.org/officeDocument/2006/relationships" xmlns:p="http://schemas.openxmlformats.org/presentationml/2006/main">
   <p:cSld>
     <p:spTree>
@@ -9556,7 +12308,684 @@
 </p:sld>
 </file>
 
-<file path=ppt/slides/slide16.xml><?xml version="1.0" encoding="utf-8"?>
+<file path=ppt/slides/slide2.xml><?xml version="1.0" encoding="utf-8"?>
+<p:sld xmlns:a="http://schemas.openxmlformats.org/drawingml/2006/main" xmlns:r="http://schemas.openxmlformats.org/officeDocument/2006/relationships" xmlns:p="http://schemas.openxmlformats.org/presentationml/2006/main">
+  <p:cSld>
+    <p:spTree>
+      <p:nvGrpSpPr>
+        <p:cNvPr id="1" name=""/>
+        <p:cNvGrpSpPr/>
+        <p:nvPr/>
+      </p:nvGrpSpPr>
+      <p:grpSpPr>
+        <a:xfrm>
+          <a:off x="0" y="0"/>
+          <a:ext cx="0" cy="0"/>
+          <a:chOff x="0" y="0"/>
+          <a:chExt cx="0" cy="0"/>
+        </a:xfrm>
+      </p:grpSpPr>
+      <p:sp>
+        <p:nvSpPr>
+          <p:cNvPr id="6" name="TextBox 5">
+            <a:extLst>
+              <a:ext uri="{FF2B5EF4-FFF2-40B4-BE49-F238E27FC236}">
+                <a16:creationId xmlns:a16="http://schemas.microsoft.com/office/drawing/2014/main" id="{44410209-5076-4902-0710-FB5CB3CD3FB0}"/>
+              </a:ext>
+            </a:extLst>
+          </p:cNvPr>
+          <p:cNvSpPr txBox="1"/>
+          <p:nvPr/>
+        </p:nvSpPr>
+        <p:spPr>
+          <a:xfrm>
+            <a:off x="981075" y="2279439"/>
+            <a:ext cx="5406390" cy="430887"/>
+          </a:xfrm>
+          <a:prstGeom prst="rect">
+            <a:avLst/>
+          </a:prstGeom>
+          <a:noFill/>
+        </p:spPr>
+        <p:txBody>
+          <a:bodyPr wrap="square">
+            <a:spAutoFit/>
+          </a:bodyPr>
+          <a:lstStyle/>
+          <a:p>
+            <a:r>
+              <a:rPr lang="en-US" sz="2200" dirty="0">
+                <a:solidFill>
+                  <a:srgbClr val="0000FF"/>
+                </a:solidFill>
+                <a:latin typeface="Consolas" panose="020B0609020204030204" pitchFamily="49" charset="0"/>
+              </a:rPr>
+              <a:t>SELECT</a:t>
+            </a:r>
+            <a:r>
+              <a:rPr lang="en-US" sz="2200" dirty="0">
+                <a:solidFill>
+                  <a:srgbClr val="000000"/>
+                </a:solidFill>
+                <a:latin typeface="Consolas" panose="020B0609020204030204" pitchFamily="49" charset="0"/>
+              </a:rPr>
+              <a:t> </a:t>
+            </a:r>
+            <a:r>
+              <a:rPr lang="en-US" sz="2200" dirty="0">
+                <a:solidFill>
+                  <a:srgbClr val="FF00FF"/>
+                </a:solidFill>
+                <a:latin typeface="Consolas" panose="020B0609020204030204" pitchFamily="49" charset="0"/>
+              </a:rPr>
+              <a:t>REPLACE</a:t>
+            </a:r>
+            <a:r>
+              <a:rPr lang="en-US" sz="2200" dirty="0">
+                <a:solidFill>
+                  <a:srgbClr val="808080"/>
+                </a:solidFill>
+                <a:latin typeface="Consolas" panose="020B0609020204030204" pitchFamily="49" charset="0"/>
+              </a:rPr>
+              <a:t>(</a:t>
+            </a:r>
+            <a:r>
+              <a:rPr lang="en-US" sz="2200" dirty="0">
+                <a:solidFill>
+                  <a:srgbClr val="FF0000"/>
+                </a:solidFill>
+                <a:latin typeface="Consolas" panose="020B0609020204030204" pitchFamily="49" charset="0"/>
+              </a:rPr>
+              <a:t>'hello'</a:t>
+            </a:r>
+            <a:r>
+              <a:rPr lang="en-US" sz="2200" dirty="0">
+                <a:solidFill>
+                  <a:srgbClr val="808080"/>
+                </a:solidFill>
+                <a:latin typeface="Consolas" panose="020B0609020204030204" pitchFamily="49" charset="0"/>
+              </a:rPr>
+              <a:t>,</a:t>
+            </a:r>
+            <a:r>
+              <a:rPr lang="en-US" sz="2200" dirty="0">
+                <a:solidFill>
+                  <a:srgbClr val="000000"/>
+                </a:solidFill>
+                <a:latin typeface="Consolas" panose="020B0609020204030204" pitchFamily="49" charset="0"/>
+              </a:rPr>
+              <a:t> </a:t>
+            </a:r>
+            <a:r>
+              <a:rPr lang="en-US" sz="2200" dirty="0">
+                <a:solidFill>
+                  <a:srgbClr val="FF0000"/>
+                </a:solidFill>
+                <a:latin typeface="Consolas" panose="020B0609020204030204" pitchFamily="49" charset="0"/>
+              </a:rPr>
+              <a:t>'e'</a:t>
+            </a:r>
+            <a:r>
+              <a:rPr lang="en-US" sz="2200" dirty="0">
+                <a:solidFill>
+                  <a:srgbClr val="808080"/>
+                </a:solidFill>
+                <a:latin typeface="Consolas" panose="020B0609020204030204" pitchFamily="49" charset="0"/>
+              </a:rPr>
+              <a:t>,</a:t>
+            </a:r>
+            <a:r>
+              <a:rPr lang="en-US" sz="2200" dirty="0">
+                <a:solidFill>
+                  <a:srgbClr val="000000"/>
+                </a:solidFill>
+                <a:latin typeface="Consolas" panose="020B0609020204030204" pitchFamily="49" charset="0"/>
+              </a:rPr>
+              <a:t> </a:t>
+            </a:r>
+            <a:r>
+              <a:rPr lang="en-US" sz="2200" dirty="0">
+                <a:solidFill>
+                  <a:srgbClr val="FF0000"/>
+                </a:solidFill>
+                <a:latin typeface="Consolas" panose="020B0609020204030204" pitchFamily="49" charset="0"/>
+              </a:rPr>
+              <a:t>'a'</a:t>
+            </a:r>
+            <a:r>
+              <a:rPr lang="en-US" sz="2200" dirty="0">
+                <a:solidFill>
+                  <a:srgbClr val="808080"/>
+                </a:solidFill>
+                <a:latin typeface="Consolas" panose="020B0609020204030204" pitchFamily="49" charset="0"/>
+              </a:rPr>
+              <a:t>)</a:t>
+            </a:r>
+            <a:endParaRPr lang="es-ES" sz="2200" dirty="0">
+              <a:solidFill>
+                <a:srgbClr val="000000"/>
+              </a:solidFill>
+              <a:latin typeface="Consolas" panose="020B0609020204030204" pitchFamily="49" charset="0"/>
+            </a:endParaRPr>
+          </a:p>
+        </p:txBody>
+      </p:sp>
+      <p:sp>
+        <p:nvSpPr>
+          <p:cNvPr id="8" name="TextBox 7">
+            <a:extLst>
+              <a:ext uri="{FF2B5EF4-FFF2-40B4-BE49-F238E27FC236}">
+                <a16:creationId xmlns:a16="http://schemas.microsoft.com/office/drawing/2014/main" id="{604B7F01-18FC-0134-829F-DE82552E8BE8}"/>
+              </a:ext>
+            </a:extLst>
+          </p:cNvPr>
+          <p:cNvSpPr txBox="1"/>
+          <p:nvPr/>
+        </p:nvSpPr>
+        <p:spPr>
+          <a:xfrm>
+            <a:off x="738055" y="744925"/>
+            <a:ext cx="10583913" cy="646331"/>
+          </a:xfrm>
+          <a:prstGeom prst="rect">
+            <a:avLst/>
+          </a:prstGeom>
+          <a:noFill/>
+        </p:spPr>
+        <p:txBody>
+          <a:bodyPr wrap="square">
+            <a:spAutoFit/>
+          </a:bodyPr>
+          <a:lstStyle/>
+          <a:p>
+            <a:r>
+              <a:rPr lang="en-US" sz="3600" dirty="0">
+                <a:solidFill>
+                  <a:srgbClr val="FF00FF"/>
+                </a:solidFill>
+                <a:latin typeface="Consolas" panose="020B0609020204030204" pitchFamily="49" charset="0"/>
+              </a:rPr>
+              <a:t>REPLACE</a:t>
+            </a:r>
+            <a:r>
+              <a:rPr lang="en-US" sz="3600" dirty="0">
+                <a:solidFill>
+                  <a:srgbClr val="808080"/>
+                </a:solidFill>
+                <a:latin typeface="Consolas" panose="020B0609020204030204" pitchFamily="49" charset="0"/>
+              </a:rPr>
+              <a:t>(</a:t>
+            </a:r>
+            <a:r>
+              <a:rPr lang="en-US" sz="3200" dirty="0" err="1">
+                <a:solidFill>
+                  <a:srgbClr val="000000"/>
+                </a:solidFill>
+                <a:latin typeface="Consolas" panose="020B0609020204030204" pitchFamily="49" charset="0"/>
+              </a:rPr>
+              <a:t>stringable</a:t>
+            </a:r>
+            <a:r>
+              <a:rPr lang="en-US" sz="3600" dirty="0">
+                <a:solidFill>
+                  <a:srgbClr val="808080"/>
+                </a:solidFill>
+                <a:latin typeface="Consolas" panose="020B0609020204030204" pitchFamily="49" charset="0"/>
+              </a:rPr>
+              <a:t>,</a:t>
+            </a:r>
+            <a:r>
+              <a:rPr lang="en-US" sz="2400" dirty="0">
+                <a:solidFill>
+                  <a:srgbClr val="000000"/>
+                </a:solidFill>
+                <a:latin typeface="Consolas" panose="020B0609020204030204" pitchFamily="49" charset="0"/>
+              </a:rPr>
+              <a:t> </a:t>
+            </a:r>
+            <a:r>
+              <a:rPr lang="en-US" sz="3200" dirty="0" err="1">
+                <a:solidFill>
+                  <a:srgbClr val="000000"/>
+                </a:solidFill>
+                <a:latin typeface="Consolas" panose="020B0609020204030204" pitchFamily="49" charset="0"/>
+              </a:rPr>
+              <a:t>what_phrase</a:t>
+            </a:r>
+            <a:r>
+              <a:rPr lang="en-US" sz="3600" dirty="0">
+                <a:solidFill>
+                  <a:srgbClr val="808080"/>
+                </a:solidFill>
+                <a:latin typeface="Consolas" panose="020B0609020204030204" pitchFamily="49" charset="0"/>
+              </a:rPr>
+              <a:t>,</a:t>
+            </a:r>
+            <a:r>
+              <a:rPr lang="en-US" sz="2400" dirty="0">
+                <a:solidFill>
+                  <a:srgbClr val="000000"/>
+                </a:solidFill>
+                <a:latin typeface="Consolas" panose="020B0609020204030204" pitchFamily="49" charset="0"/>
+              </a:rPr>
+              <a:t> </a:t>
+            </a:r>
+            <a:r>
+              <a:rPr lang="en-US" sz="3200" dirty="0" err="1">
+                <a:solidFill>
+                  <a:srgbClr val="000000"/>
+                </a:solidFill>
+                <a:latin typeface="Consolas" panose="020B0609020204030204" pitchFamily="49" charset="0"/>
+              </a:rPr>
+              <a:t>with_what</a:t>
+            </a:r>
+            <a:r>
+              <a:rPr lang="en-US" sz="3600" dirty="0">
+                <a:solidFill>
+                  <a:srgbClr val="808080"/>
+                </a:solidFill>
+                <a:latin typeface="Consolas" panose="020B0609020204030204" pitchFamily="49" charset="0"/>
+              </a:rPr>
+              <a:t>)</a:t>
+            </a:r>
+            <a:endParaRPr lang="en-US" sz="3600" dirty="0"/>
+          </a:p>
+        </p:txBody>
+      </p:sp>
+      <p:sp>
+        <p:nvSpPr>
+          <p:cNvPr id="10" name="TextBox 9">
+            <a:extLst>
+              <a:ext uri="{FF2B5EF4-FFF2-40B4-BE49-F238E27FC236}">
+                <a16:creationId xmlns:a16="http://schemas.microsoft.com/office/drawing/2014/main" id="{D9D26083-FA3C-901C-884B-A94F10A0D1FB}"/>
+              </a:ext>
+            </a:extLst>
+          </p:cNvPr>
+          <p:cNvSpPr txBox="1"/>
+          <p:nvPr/>
+        </p:nvSpPr>
+        <p:spPr>
+          <a:xfrm>
+            <a:off x="981075" y="4455914"/>
+            <a:ext cx="5406390" cy="430887"/>
+          </a:xfrm>
+          <a:prstGeom prst="rect">
+            <a:avLst/>
+          </a:prstGeom>
+          <a:noFill/>
+        </p:spPr>
+        <p:txBody>
+          <a:bodyPr wrap="square">
+            <a:spAutoFit/>
+          </a:bodyPr>
+          <a:lstStyle/>
+          <a:p>
+            <a:r>
+              <a:rPr lang="en-US" sz="2200" dirty="0">
+                <a:solidFill>
+                  <a:srgbClr val="0000FF"/>
+                </a:solidFill>
+                <a:latin typeface="Consolas" panose="020B0609020204030204" pitchFamily="49" charset="0"/>
+              </a:rPr>
+              <a:t>SELECT</a:t>
+            </a:r>
+            <a:r>
+              <a:rPr lang="en-US" sz="2200" dirty="0">
+                <a:solidFill>
+                  <a:srgbClr val="000000"/>
+                </a:solidFill>
+                <a:latin typeface="Consolas" panose="020B0609020204030204" pitchFamily="49" charset="0"/>
+              </a:rPr>
+              <a:t> </a:t>
+            </a:r>
+            <a:r>
+              <a:rPr lang="en-US" sz="2200" dirty="0">
+                <a:solidFill>
+                  <a:srgbClr val="FF00FF"/>
+                </a:solidFill>
+                <a:latin typeface="Consolas" panose="020B0609020204030204" pitchFamily="49" charset="0"/>
+              </a:rPr>
+              <a:t>REPLACE</a:t>
+            </a:r>
+            <a:r>
+              <a:rPr lang="en-US" sz="2200" dirty="0">
+                <a:solidFill>
+                  <a:srgbClr val="808080"/>
+                </a:solidFill>
+                <a:latin typeface="Consolas" panose="020B0609020204030204" pitchFamily="49" charset="0"/>
+              </a:rPr>
+              <a:t>(</a:t>
+            </a:r>
+            <a:r>
+              <a:rPr lang="en-US" sz="2200" dirty="0">
+                <a:solidFill>
+                  <a:srgbClr val="000000"/>
+                </a:solidFill>
+                <a:latin typeface="Consolas" panose="020B0609020204030204" pitchFamily="49" charset="0"/>
+              </a:rPr>
+              <a:t>123</a:t>
+            </a:r>
+            <a:r>
+              <a:rPr lang="en-US" sz="2200" dirty="0">
+                <a:solidFill>
+                  <a:srgbClr val="808080"/>
+                </a:solidFill>
+                <a:latin typeface="Consolas" panose="020B0609020204030204" pitchFamily="49" charset="0"/>
+              </a:rPr>
+              <a:t>,</a:t>
+            </a:r>
+            <a:r>
+              <a:rPr lang="en-US" sz="2200" dirty="0">
+                <a:solidFill>
+                  <a:srgbClr val="000000"/>
+                </a:solidFill>
+                <a:latin typeface="Consolas" panose="020B0609020204030204" pitchFamily="49" charset="0"/>
+              </a:rPr>
+              <a:t> </a:t>
+            </a:r>
+            <a:r>
+              <a:rPr lang="en-US" sz="2200" dirty="0">
+                <a:solidFill>
+                  <a:srgbClr val="FF0000"/>
+                </a:solidFill>
+                <a:latin typeface="Consolas" panose="020B0609020204030204" pitchFamily="49" charset="0"/>
+              </a:rPr>
+              <a:t>'3'</a:t>
+            </a:r>
+            <a:r>
+              <a:rPr lang="en-US" sz="2200" dirty="0">
+                <a:solidFill>
+                  <a:srgbClr val="808080"/>
+                </a:solidFill>
+                <a:latin typeface="Consolas" panose="020B0609020204030204" pitchFamily="49" charset="0"/>
+              </a:rPr>
+              <a:t>,</a:t>
+            </a:r>
+            <a:r>
+              <a:rPr lang="en-US" sz="2200" dirty="0">
+                <a:solidFill>
+                  <a:srgbClr val="000000"/>
+                </a:solidFill>
+                <a:latin typeface="Consolas" panose="020B0609020204030204" pitchFamily="49" charset="0"/>
+              </a:rPr>
+              <a:t> </a:t>
+            </a:r>
+            <a:r>
+              <a:rPr lang="en-US" sz="2200" dirty="0">
+                <a:solidFill>
+                  <a:srgbClr val="FF0000"/>
+                </a:solidFill>
+                <a:latin typeface="Consolas" panose="020B0609020204030204" pitchFamily="49" charset="0"/>
+              </a:rPr>
+              <a:t>'6'</a:t>
+            </a:r>
+            <a:r>
+              <a:rPr lang="en-US" sz="2200" dirty="0">
+                <a:solidFill>
+                  <a:srgbClr val="808080"/>
+                </a:solidFill>
+                <a:latin typeface="Consolas" panose="020B0609020204030204" pitchFamily="49" charset="0"/>
+              </a:rPr>
+              <a:t>)</a:t>
+            </a:r>
+            <a:endParaRPr lang="en-US" sz="2200" dirty="0"/>
+          </a:p>
+        </p:txBody>
+      </p:sp>
+      <p:sp>
+        <p:nvSpPr>
+          <p:cNvPr id="14" name="TextBox 13">
+            <a:extLst>
+              <a:ext uri="{FF2B5EF4-FFF2-40B4-BE49-F238E27FC236}">
+                <a16:creationId xmlns:a16="http://schemas.microsoft.com/office/drawing/2014/main" id="{A274B8B0-A303-1D1D-3E99-08F362298D87}"/>
+              </a:ext>
+            </a:extLst>
+          </p:cNvPr>
+          <p:cNvSpPr txBox="1"/>
+          <p:nvPr/>
+        </p:nvSpPr>
+        <p:spPr>
+          <a:xfrm>
+            <a:off x="6839503" y="2088358"/>
+            <a:ext cx="4585335" cy="923330"/>
+          </a:xfrm>
+          <a:prstGeom prst="rect">
+            <a:avLst/>
+          </a:prstGeom>
+          <a:noFill/>
+        </p:spPr>
+        <p:txBody>
+          <a:bodyPr wrap="square" rtlCol="0">
+            <a:spAutoFit/>
+          </a:bodyPr>
+          <a:lstStyle/>
+          <a:p>
+            <a:r>
+              <a:rPr lang="en-US" dirty="0"/>
+              <a:t>“</a:t>
+            </a:r>
+            <a:r>
+              <a:rPr lang="en-US" dirty="0" err="1"/>
+              <a:t>Stringable</a:t>
+            </a:r>
+            <a:r>
+              <a:rPr lang="en-US" dirty="0"/>
+              <a:t>” refers to anything that can be represented as a string, including </a:t>
+            </a:r>
+            <a:r>
+              <a:rPr lang="en-US" dirty="0" err="1"/>
+              <a:t>numerics</a:t>
+            </a:r>
+            <a:r>
+              <a:rPr lang="en-US" dirty="0"/>
+              <a:t>, datetimes, </a:t>
+            </a:r>
+            <a:r>
+              <a:rPr lang="en-US" dirty="0" err="1"/>
+              <a:t>guids</a:t>
+            </a:r>
+            <a:r>
+              <a:rPr lang="en-US" dirty="0"/>
+              <a:t>, etc.</a:t>
+            </a:r>
+          </a:p>
+        </p:txBody>
+      </p:sp>
+      <p:sp>
+        <p:nvSpPr>
+          <p:cNvPr id="15" name="TextBox 14">
+            <a:extLst>
+              <a:ext uri="{FF2B5EF4-FFF2-40B4-BE49-F238E27FC236}">
+                <a16:creationId xmlns:a16="http://schemas.microsoft.com/office/drawing/2014/main" id="{4E95F8E7-F4ED-2BD1-D94C-38120D18DDD4}"/>
+              </a:ext>
+            </a:extLst>
+          </p:cNvPr>
+          <p:cNvSpPr txBox="1"/>
+          <p:nvPr/>
+        </p:nvSpPr>
+        <p:spPr>
+          <a:xfrm>
+            <a:off x="6839503" y="3376414"/>
+            <a:ext cx="4482465" cy="923330"/>
+          </a:xfrm>
+          <a:prstGeom prst="rect">
+            <a:avLst/>
+          </a:prstGeom>
+          <a:noFill/>
+        </p:spPr>
+        <p:txBody>
+          <a:bodyPr wrap="square" rtlCol="0">
+            <a:spAutoFit/>
+          </a:bodyPr>
+          <a:lstStyle/>
+          <a:p>
+            <a:r>
+              <a:rPr lang="en-US" dirty="0"/>
+              <a:t>Number of characters in </a:t>
+            </a:r>
+            <a:r>
+              <a:rPr lang="en-US" dirty="0">
+                <a:latin typeface="Consolas" panose="020B0609020204030204" pitchFamily="49" charset="0"/>
+              </a:rPr>
+              <a:t>(</a:t>
+            </a:r>
+            <a:r>
+              <a:rPr lang="en-US" dirty="0" err="1">
+                <a:solidFill>
+                  <a:srgbClr val="000000"/>
+                </a:solidFill>
+                <a:latin typeface="Consolas" panose="020B0609020204030204" pitchFamily="49" charset="0"/>
+              </a:rPr>
+              <a:t>what_phrase</a:t>
+            </a:r>
+            <a:r>
+              <a:rPr lang="en-US" dirty="0">
+                <a:latin typeface="Consolas" panose="020B0609020204030204" pitchFamily="49" charset="0"/>
+              </a:rPr>
+              <a:t>) </a:t>
+            </a:r>
+            <a:r>
+              <a:rPr lang="en-US" dirty="0"/>
+              <a:t>do </a:t>
+            </a:r>
+            <a:r>
+              <a:rPr lang="en-US" b="1" dirty="0"/>
+              <a:t>not</a:t>
+            </a:r>
+            <a:r>
+              <a:rPr lang="en-US" dirty="0"/>
+              <a:t> have to equal number of characters in </a:t>
+            </a:r>
+            <a:r>
+              <a:rPr lang="en-US" dirty="0">
+                <a:latin typeface="Consolas" panose="020B0609020204030204" pitchFamily="49" charset="0"/>
+              </a:rPr>
+              <a:t>(</a:t>
+            </a:r>
+            <a:r>
+              <a:rPr lang="en-US" dirty="0" err="1">
+                <a:solidFill>
+                  <a:srgbClr val="000000"/>
+                </a:solidFill>
+                <a:latin typeface="Consolas" panose="020B0609020204030204" pitchFamily="49" charset="0"/>
+              </a:rPr>
+              <a:t>with_what</a:t>
+            </a:r>
+            <a:r>
+              <a:rPr lang="en-US" dirty="0">
+                <a:latin typeface="Consolas" panose="020B0609020204030204" pitchFamily="49" charset="0"/>
+              </a:rPr>
+              <a:t>)</a:t>
+            </a:r>
+          </a:p>
+        </p:txBody>
+      </p:sp>
+      <p:sp>
+        <p:nvSpPr>
+          <p:cNvPr id="17" name="TextBox 16">
+            <a:extLst>
+              <a:ext uri="{FF2B5EF4-FFF2-40B4-BE49-F238E27FC236}">
+                <a16:creationId xmlns:a16="http://schemas.microsoft.com/office/drawing/2014/main" id="{B3435BAF-BCE3-BA22-9B52-7A37E3EE1481}"/>
+              </a:ext>
+            </a:extLst>
+          </p:cNvPr>
+          <p:cNvSpPr txBox="1"/>
+          <p:nvPr/>
+        </p:nvSpPr>
+        <p:spPr>
+          <a:xfrm>
+            <a:off x="6839503" y="2279439"/>
+            <a:ext cx="4133297" cy="369332"/>
+          </a:xfrm>
+          <a:prstGeom prst="rect">
+            <a:avLst/>
+          </a:prstGeom>
+          <a:noFill/>
+        </p:spPr>
+        <p:txBody>
+          <a:bodyPr wrap="square" rtlCol="0">
+            <a:spAutoFit/>
+          </a:bodyPr>
+          <a:lstStyle/>
+          <a:p>
+            <a:endParaRPr lang="en-US"/>
+          </a:p>
+        </p:txBody>
+      </p:sp>
+      <p:pic>
+        <p:nvPicPr>
+          <p:cNvPr id="3" name="Picture 2">
+            <a:extLst>
+              <a:ext uri="{FF2B5EF4-FFF2-40B4-BE49-F238E27FC236}">
+                <a16:creationId xmlns:a16="http://schemas.microsoft.com/office/drawing/2014/main" id="{2328E7AE-EB38-9B1C-ABDD-912D660205B1}"/>
+              </a:ext>
+            </a:extLst>
+          </p:cNvPr>
+          <p:cNvPicPr>
+            <a:picLocks noChangeAspect="1"/>
+          </p:cNvPicPr>
+          <p:nvPr/>
+        </p:nvPicPr>
+        <p:blipFill>
+          <a:blip r:embed="rId3"/>
+          <a:stretch>
+            <a:fillRect/>
+          </a:stretch>
+        </p:blipFill>
+        <p:spPr>
+          <a:xfrm>
+            <a:off x="1289684" y="3048421"/>
+            <a:ext cx="3132723" cy="869290"/>
+          </a:xfrm>
+          <a:prstGeom prst="rect">
+            <a:avLst/>
+          </a:prstGeom>
+        </p:spPr>
+      </p:pic>
+      <p:pic>
+        <p:nvPicPr>
+          <p:cNvPr id="5" name="Picture 4">
+            <a:extLst>
+              <a:ext uri="{FF2B5EF4-FFF2-40B4-BE49-F238E27FC236}">
+                <a16:creationId xmlns:a16="http://schemas.microsoft.com/office/drawing/2014/main" id="{6C257DC0-E182-BE6A-F00D-9AFF85521558}"/>
+              </a:ext>
+            </a:extLst>
+          </p:cNvPr>
+          <p:cNvPicPr>
+            <a:picLocks noChangeAspect="1"/>
+          </p:cNvPicPr>
+          <p:nvPr/>
+        </p:nvPicPr>
+        <p:blipFill>
+          <a:blip r:embed="rId4"/>
+          <a:stretch>
+            <a:fillRect/>
+          </a:stretch>
+        </p:blipFill>
+        <p:spPr>
+          <a:xfrm>
+            <a:off x="1289683" y="4912043"/>
+            <a:ext cx="3202061" cy="917257"/>
+          </a:xfrm>
+          <a:prstGeom prst="rect">
+            <a:avLst/>
+          </a:prstGeom>
+        </p:spPr>
+      </p:pic>
+    </p:spTree>
+    <p:extLst>
+      <p:ext uri="{BB962C8B-B14F-4D97-AF65-F5344CB8AC3E}">
+        <p14:creationId xmlns:p14="http://schemas.microsoft.com/office/powerpoint/2010/main" val="584012983"/>
+      </p:ext>
+    </p:extLst>
+  </p:cSld>
+  <p:clrMapOvr>
+    <a:masterClrMapping/>
+  </p:clrMapOvr>
+</p:sld>
+</file>
+
+<file path=ppt/slides/slide20.xml><?xml version="1.0" encoding="utf-8"?>
 <p:sld xmlns:a="http://schemas.openxmlformats.org/drawingml/2006/main" xmlns:r="http://schemas.openxmlformats.org/officeDocument/2006/relationships" xmlns:p="http://schemas.openxmlformats.org/presentationml/2006/main">
   <p:cSld>
     <p:spTree>
@@ -10637,7 +14066,7 @@
 </p:sld>
 </file>
 
-<file path=ppt/slides/slide17.xml><?xml version="1.0" encoding="utf-8"?>
+<file path=ppt/slides/slide21.xml><?xml version="1.0" encoding="utf-8"?>
 <p:sld xmlns:a="http://schemas.openxmlformats.org/drawingml/2006/main" xmlns:r="http://schemas.openxmlformats.org/officeDocument/2006/relationships" xmlns:p="http://schemas.openxmlformats.org/presentationml/2006/main">
   <p:cSld>
     <p:spTree>
@@ -10732,7 +14161,7 @@
 </p:sld>
 </file>
 
-<file path=ppt/slides/slide18.xml><?xml version="1.0" encoding="utf-8"?>
+<file path=ppt/slides/slide22.xml><?xml version="1.0" encoding="utf-8"?>
 <p:sld xmlns:a="http://schemas.openxmlformats.org/drawingml/2006/main" xmlns:r="http://schemas.openxmlformats.org/officeDocument/2006/relationships" xmlns:p="http://schemas.openxmlformats.org/presentationml/2006/main">
   <p:cSld>
     <p:spTree>
@@ -12237,7 +15666,7 @@
 </p:sld>
 </file>
 
-<file path=ppt/slides/slide19.xml><?xml version="1.0" encoding="utf-8"?>
+<file path=ppt/slides/slide23.xml><?xml version="1.0" encoding="utf-8"?>
 <p:sld xmlns:a="http://schemas.openxmlformats.org/drawingml/2006/main" xmlns:r="http://schemas.openxmlformats.org/officeDocument/2006/relationships" xmlns:p="http://schemas.openxmlformats.org/presentationml/2006/main">
   <p:cSld>
     <p:spTree>
@@ -12447,684 +15876,7 @@
 </p:sld>
 </file>
 
-<file path=ppt/slides/slide2.xml><?xml version="1.0" encoding="utf-8"?>
-<p:sld xmlns:a="http://schemas.openxmlformats.org/drawingml/2006/main" xmlns:r="http://schemas.openxmlformats.org/officeDocument/2006/relationships" xmlns:p="http://schemas.openxmlformats.org/presentationml/2006/main">
-  <p:cSld>
-    <p:spTree>
-      <p:nvGrpSpPr>
-        <p:cNvPr id="1" name=""/>
-        <p:cNvGrpSpPr/>
-        <p:nvPr/>
-      </p:nvGrpSpPr>
-      <p:grpSpPr>
-        <a:xfrm>
-          <a:off x="0" y="0"/>
-          <a:ext cx="0" cy="0"/>
-          <a:chOff x="0" y="0"/>
-          <a:chExt cx="0" cy="0"/>
-        </a:xfrm>
-      </p:grpSpPr>
-      <p:sp>
-        <p:nvSpPr>
-          <p:cNvPr id="6" name="TextBox 5">
-            <a:extLst>
-              <a:ext uri="{FF2B5EF4-FFF2-40B4-BE49-F238E27FC236}">
-                <a16:creationId xmlns:a16="http://schemas.microsoft.com/office/drawing/2014/main" id="{44410209-5076-4902-0710-FB5CB3CD3FB0}"/>
-              </a:ext>
-            </a:extLst>
-          </p:cNvPr>
-          <p:cNvSpPr txBox="1"/>
-          <p:nvPr/>
-        </p:nvSpPr>
-        <p:spPr>
-          <a:xfrm>
-            <a:off x="981075" y="2279439"/>
-            <a:ext cx="5406390" cy="430887"/>
-          </a:xfrm>
-          <a:prstGeom prst="rect">
-            <a:avLst/>
-          </a:prstGeom>
-          <a:noFill/>
-        </p:spPr>
-        <p:txBody>
-          <a:bodyPr wrap="square">
-            <a:spAutoFit/>
-          </a:bodyPr>
-          <a:lstStyle/>
-          <a:p>
-            <a:r>
-              <a:rPr lang="en-US" sz="2200" dirty="0">
-                <a:solidFill>
-                  <a:srgbClr val="0000FF"/>
-                </a:solidFill>
-                <a:latin typeface="Consolas" panose="020B0609020204030204" pitchFamily="49" charset="0"/>
-              </a:rPr>
-              <a:t>SELECT</a:t>
-            </a:r>
-            <a:r>
-              <a:rPr lang="en-US" sz="2200" dirty="0">
-                <a:solidFill>
-                  <a:srgbClr val="000000"/>
-                </a:solidFill>
-                <a:latin typeface="Consolas" panose="020B0609020204030204" pitchFamily="49" charset="0"/>
-              </a:rPr>
-              <a:t> </a:t>
-            </a:r>
-            <a:r>
-              <a:rPr lang="en-US" sz="2200" dirty="0">
-                <a:solidFill>
-                  <a:srgbClr val="FF00FF"/>
-                </a:solidFill>
-                <a:latin typeface="Consolas" panose="020B0609020204030204" pitchFamily="49" charset="0"/>
-              </a:rPr>
-              <a:t>REPLACE</a:t>
-            </a:r>
-            <a:r>
-              <a:rPr lang="en-US" sz="2200" dirty="0">
-                <a:solidFill>
-                  <a:srgbClr val="808080"/>
-                </a:solidFill>
-                <a:latin typeface="Consolas" panose="020B0609020204030204" pitchFamily="49" charset="0"/>
-              </a:rPr>
-              <a:t>(</a:t>
-            </a:r>
-            <a:r>
-              <a:rPr lang="en-US" sz="2200" dirty="0">
-                <a:solidFill>
-                  <a:srgbClr val="FF0000"/>
-                </a:solidFill>
-                <a:latin typeface="Consolas" panose="020B0609020204030204" pitchFamily="49" charset="0"/>
-              </a:rPr>
-              <a:t>'hello'</a:t>
-            </a:r>
-            <a:r>
-              <a:rPr lang="en-US" sz="2200" dirty="0">
-                <a:solidFill>
-                  <a:srgbClr val="808080"/>
-                </a:solidFill>
-                <a:latin typeface="Consolas" panose="020B0609020204030204" pitchFamily="49" charset="0"/>
-              </a:rPr>
-              <a:t>,</a:t>
-            </a:r>
-            <a:r>
-              <a:rPr lang="en-US" sz="2200" dirty="0">
-                <a:solidFill>
-                  <a:srgbClr val="000000"/>
-                </a:solidFill>
-                <a:latin typeface="Consolas" panose="020B0609020204030204" pitchFamily="49" charset="0"/>
-              </a:rPr>
-              <a:t> </a:t>
-            </a:r>
-            <a:r>
-              <a:rPr lang="en-US" sz="2200" dirty="0">
-                <a:solidFill>
-                  <a:srgbClr val="FF0000"/>
-                </a:solidFill>
-                <a:latin typeface="Consolas" panose="020B0609020204030204" pitchFamily="49" charset="0"/>
-              </a:rPr>
-              <a:t>'e'</a:t>
-            </a:r>
-            <a:r>
-              <a:rPr lang="en-US" sz="2200" dirty="0">
-                <a:solidFill>
-                  <a:srgbClr val="808080"/>
-                </a:solidFill>
-                <a:latin typeface="Consolas" panose="020B0609020204030204" pitchFamily="49" charset="0"/>
-              </a:rPr>
-              <a:t>,</a:t>
-            </a:r>
-            <a:r>
-              <a:rPr lang="en-US" sz="2200" dirty="0">
-                <a:solidFill>
-                  <a:srgbClr val="000000"/>
-                </a:solidFill>
-                <a:latin typeface="Consolas" panose="020B0609020204030204" pitchFamily="49" charset="0"/>
-              </a:rPr>
-              <a:t> </a:t>
-            </a:r>
-            <a:r>
-              <a:rPr lang="en-US" sz="2200" dirty="0">
-                <a:solidFill>
-                  <a:srgbClr val="FF0000"/>
-                </a:solidFill>
-                <a:latin typeface="Consolas" panose="020B0609020204030204" pitchFamily="49" charset="0"/>
-              </a:rPr>
-              <a:t>'a'</a:t>
-            </a:r>
-            <a:r>
-              <a:rPr lang="en-US" sz="2200" dirty="0">
-                <a:solidFill>
-                  <a:srgbClr val="808080"/>
-                </a:solidFill>
-                <a:latin typeface="Consolas" panose="020B0609020204030204" pitchFamily="49" charset="0"/>
-              </a:rPr>
-              <a:t>)</a:t>
-            </a:r>
-            <a:endParaRPr lang="es-ES" sz="2200" dirty="0">
-              <a:solidFill>
-                <a:srgbClr val="000000"/>
-              </a:solidFill>
-              <a:latin typeface="Consolas" panose="020B0609020204030204" pitchFamily="49" charset="0"/>
-            </a:endParaRPr>
-          </a:p>
-        </p:txBody>
-      </p:sp>
-      <p:sp>
-        <p:nvSpPr>
-          <p:cNvPr id="8" name="TextBox 7">
-            <a:extLst>
-              <a:ext uri="{FF2B5EF4-FFF2-40B4-BE49-F238E27FC236}">
-                <a16:creationId xmlns:a16="http://schemas.microsoft.com/office/drawing/2014/main" id="{604B7F01-18FC-0134-829F-DE82552E8BE8}"/>
-              </a:ext>
-            </a:extLst>
-          </p:cNvPr>
-          <p:cNvSpPr txBox="1"/>
-          <p:nvPr/>
-        </p:nvSpPr>
-        <p:spPr>
-          <a:xfrm>
-            <a:off x="738055" y="744925"/>
-            <a:ext cx="10583913" cy="646331"/>
-          </a:xfrm>
-          <a:prstGeom prst="rect">
-            <a:avLst/>
-          </a:prstGeom>
-          <a:noFill/>
-        </p:spPr>
-        <p:txBody>
-          <a:bodyPr wrap="square">
-            <a:spAutoFit/>
-          </a:bodyPr>
-          <a:lstStyle/>
-          <a:p>
-            <a:r>
-              <a:rPr lang="en-US" sz="3600" dirty="0">
-                <a:solidFill>
-                  <a:srgbClr val="FF00FF"/>
-                </a:solidFill>
-                <a:latin typeface="Consolas" panose="020B0609020204030204" pitchFamily="49" charset="0"/>
-              </a:rPr>
-              <a:t>REPLACE</a:t>
-            </a:r>
-            <a:r>
-              <a:rPr lang="en-US" sz="3600" dirty="0">
-                <a:solidFill>
-                  <a:srgbClr val="808080"/>
-                </a:solidFill>
-                <a:latin typeface="Consolas" panose="020B0609020204030204" pitchFamily="49" charset="0"/>
-              </a:rPr>
-              <a:t>(</a:t>
-            </a:r>
-            <a:r>
-              <a:rPr lang="en-US" sz="3200" dirty="0" err="1">
-                <a:solidFill>
-                  <a:srgbClr val="000000"/>
-                </a:solidFill>
-                <a:latin typeface="Consolas" panose="020B0609020204030204" pitchFamily="49" charset="0"/>
-              </a:rPr>
-              <a:t>stringable</a:t>
-            </a:r>
-            <a:r>
-              <a:rPr lang="en-US" sz="3600" dirty="0">
-                <a:solidFill>
-                  <a:srgbClr val="808080"/>
-                </a:solidFill>
-                <a:latin typeface="Consolas" panose="020B0609020204030204" pitchFamily="49" charset="0"/>
-              </a:rPr>
-              <a:t>,</a:t>
-            </a:r>
-            <a:r>
-              <a:rPr lang="en-US" sz="2400" dirty="0">
-                <a:solidFill>
-                  <a:srgbClr val="000000"/>
-                </a:solidFill>
-                <a:latin typeface="Consolas" panose="020B0609020204030204" pitchFamily="49" charset="0"/>
-              </a:rPr>
-              <a:t> </a:t>
-            </a:r>
-            <a:r>
-              <a:rPr lang="en-US" sz="3200" dirty="0" err="1">
-                <a:solidFill>
-                  <a:srgbClr val="000000"/>
-                </a:solidFill>
-                <a:latin typeface="Consolas" panose="020B0609020204030204" pitchFamily="49" charset="0"/>
-              </a:rPr>
-              <a:t>what_phrase</a:t>
-            </a:r>
-            <a:r>
-              <a:rPr lang="en-US" sz="3600" dirty="0">
-                <a:solidFill>
-                  <a:srgbClr val="808080"/>
-                </a:solidFill>
-                <a:latin typeface="Consolas" panose="020B0609020204030204" pitchFamily="49" charset="0"/>
-              </a:rPr>
-              <a:t>,</a:t>
-            </a:r>
-            <a:r>
-              <a:rPr lang="en-US" sz="2400" dirty="0">
-                <a:solidFill>
-                  <a:srgbClr val="000000"/>
-                </a:solidFill>
-                <a:latin typeface="Consolas" panose="020B0609020204030204" pitchFamily="49" charset="0"/>
-              </a:rPr>
-              <a:t> </a:t>
-            </a:r>
-            <a:r>
-              <a:rPr lang="en-US" sz="3200" dirty="0" err="1">
-                <a:solidFill>
-                  <a:srgbClr val="000000"/>
-                </a:solidFill>
-                <a:latin typeface="Consolas" panose="020B0609020204030204" pitchFamily="49" charset="0"/>
-              </a:rPr>
-              <a:t>with_what</a:t>
-            </a:r>
-            <a:r>
-              <a:rPr lang="en-US" sz="3600" dirty="0">
-                <a:solidFill>
-                  <a:srgbClr val="808080"/>
-                </a:solidFill>
-                <a:latin typeface="Consolas" panose="020B0609020204030204" pitchFamily="49" charset="0"/>
-              </a:rPr>
-              <a:t>)</a:t>
-            </a:r>
-            <a:endParaRPr lang="en-US" sz="3600" dirty="0"/>
-          </a:p>
-        </p:txBody>
-      </p:sp>
-      <p:sp>
-        <p:nvSpPr>
-          <p:cNvPr id="10" name="TextBox 9">
-            <a:extLst>
-              <a:ext uri="{FF2B5EF4-FFF2-40B4-BE49-F238E27FC236}">
-                <a16:creationId xmlns:a16="http://schemas.microsoft.com/office/drawing/2014/main" id="{D9D26083-FA3C-901C-884B-A94F10A0D1FB}"/>
-              </a:ext>
-            </a:extLst>
-          </p:cNvPr>
-          <p:cNvSpPr txBox="1"/>
-          <p:nvPr/>
-        </p:nvSpPr>
-        <p:spPr>
-          <a:xfrm>
-            <a:off x="981075" y="4455914"/>
-            <a:ext cx="5406390" cy="430887"/>
-          </a:xfrm>
-          <a:prstGeom prst="rect">
-            <a:avLst/>
-          </a:prstGeom>
-          <a:noFill/>
-        </p:spPr>
-        <p:txBody>
-          <a:bodyPr wrap="square">
-            <a:spAutoFit/>
-          </a:bodyPr>
-          <a:lstStyle/>
-          <a:p>
-            <a:r>
-              <a:rPr lang="en-US" sz="2200" dirty="0">
-                <a:solidFill>
-                  <a:srgbClr val="0000FF"/>
-                </a:solidFill>
-                <a:latin typeface="Consolas" panose="020B0609020204030204" pitchFamily="49" charset="0"/>
-              </a:rPr>
-              <a:t>SELECT</a:t>
-            </a:r>
-            <a:r>
-              <a:rPr lang="en-US" sz="2200" dirty="0">
-                <a:solidFill>
-                  <a:srgbClr val="000000"/>
-                </a:solidFill>
-                <a:latin typeface="Consolas" panose="020B0609020204030204" pitchFamily="49" charset="0"/>
-              </a:rPr>
-              <a:t> </a:t>
-            </a:r>
-            <a:r>
-              <a:rPr lang="en-US" sz="2200" dirty="0">
-                <a:solidFill>
-                  <a:srgbClr val="FF00FF"/>
-                </a:solidFill>
-                <a:latin typeface="Consolas" panose="020B0609020204030204" pitchFamily="49" charset="0"/>
-              </a:rPr>
-              <a:t>REPLACE</a:t>
-            </a:r>
-            <a:r>
-              <a:rPr lang="en-US" sz="2200" dirty="0">
-                <a:solidFill>
-                  <a:srgbClr val="808080"/>
-                </a:solidFill>
-                <a:latin typeface="Consolas" panose="020B0609020204030204" pitchFamily="49" charset="0"/>
-              </a:rPr>
-              <a:t>(</a:t>
-            </a:r>
-            <a:r>
-              <a:rPr lang="en-US" sz="2200" dirty="0">
-                <a:solidFill>
-                  <a:srgbClr val="000000"/>
-                </a:solidFill>
-                <a:latin typeface="Consolas" panose="020B0609020204030204" pitchFamily="49" charset="0"/>
-              </a:rPr>
-              <a:t>123</a:t>
-            </a:r>
-            <a:r>
-              <a:rPr lang="en-US" sz="2200" dirty="0">
-                <a:solidFill>
-                  <a:srgbClr val="808080"/>
-                </a:solidFill>
-                <a:latin typeface="Consolas" panose="020B0609020204030204" pitchFamily="49" charset="0"/>
-              </a:rPr>
-              <a:t>,</a:t>
-            </a:r>
-            <a:r>
-              <a:rPr lang="en-US" sz="2200" dirty="0">
-                <a:solidFill>
-                  <a:srgbClr val="000000"/>
-                </a:solidFill>
-                <a:latin typeface="Consolas" panose="020B0609020204030204" pitchFamily="49" charset="0"/>
-              </a:rPr>
-              <a:t> </a:t>
-            </a:r>
-            <a:r>
-              <a:rPr lang="en-US" sz="2200" dirty="0">
-                <a:solidFill>
-                  <a:srgbClr val="FF0000"/>
-                </a:solidFill>
-                <a:latin typeface="Consolas" panose="020B0609020204030204" pitchFamily="49" charset="0"/>
-              </a:rPr>
-              <a:t>'3'</a:t>
-            </a:r>
-            <a:r>
-              <a:rPr lang="en-US" sz="2200" dirty="0">
-                <a:solidFill>
-                  <a:srgbClr val="808080"/>
-                </a:solidFill>
-                <a:latin typeface="Consolas" panose="020B0609020204030204" pitchFamily="49" charset="0"/>
-              </a:rPr>
-              <a:t>,</a:t>
-            </a:r>
-            <a:r>
-              <a:rPr lang="en-US" sz="2200" dirty="0">
-                <a:solidFill>
-                  <a:srgbClr val="000000"/>
-                </a:solidFill>
-                <a:latin typeface="Consolas" panose="020B0609020204030204" pitchFamily="49" charset="0"/>
-              </a:rPr>
-              <a:t> </a:t>
-            </a:r>
-            <a:r>
-              <a:rPr lang="en-US" sz="2200" dirty="0">
-                <a:solidFill>
-                  <a:srgbClr val="FF0000"/>
-                </a:solidFill>
-                <a:latin typeface="Consolas" panose="020B0609020204030204" pitchFamily="49" charset="0"/>
-              </a:rPr>
-              <a:t>'6'</a:t>
-            </a:r>
-            <a:r>
-              <a:rPr lang="en-US" sz="2200" dirty="0">
-                <a:solidFill>
-                  <a:srgbClr val="808080"/>
-                </a:solidFill>
-                <a:latin typeface="Consolas" panose="020B0609020204030204" pitchFamily="49" charset="0"/>
-              </a:rPr>
-              <a:t>)</a:t>
-            </a:r>
-            <a:endParaRPr lang="en-US" sz="2200" dirty="0"/>
-          </a:p>
-        </p:txBody>
-      </p:sp>
-      <p:sp>
-        <p:nvSpPr>
-          <p:cNvPr id="14" name="TextBox 13">
-            <a:extLst>
-              <a:ext uri="{FF2B5EF4-FFF2-40B4-BE49-F238E27FC236}">
-                <a16:creationId xmlns:a16="http://schemas.microsoft.com/office/drawing/2014/main" id="{A274B8B0-A303-1D1D-3E99-08F362298D87}"/>
-              </a:ext>
-            </a:extLst>
-          </p:cNvPr>
-          <p:cNvSpPr txBox="1"/>
-          <p:nvPr/>
-        </p:nvSpPr>
-        <p:spPr>
-          <a:xfrm>
-            <a:off x="6839503" y="2088358"/>
-            <a:ext cx="4585335" cy="923330"/>
-          </a:xfrm>
-          <a:prstGeom prst="rect">
-            <a:avLst/>
-          </a:prstGeom>
-          <a:noFill/>
-        </p:spPr>
-        <p:txBody>
-          <a:bodyPr wrap="square" rtlCol="0">
-            <a:spAutoFit/>
-          </a:bodyPr>
-          <a:lstStyle/>
-          <a:p>
-            <a:r>
-              <a:rPr lang="en-US" dirty="0"/>
-              <a:t>“</a:t>
-            </a:r>
-            <a:r>
-              <a:rPr lang="en-US" dirty="0" err="1"/>
-              <a:t>Stringable</a:t>
-            </a:r>
-            <a:r>
-              <a:rPr lang="en-US" dirty="0"/>
-              <a:t>” refers to anything that can be represented as a string, including </a:t>
-            </a:r>
-            <a:r>
-              <a:rPr lang="en-US" dirty="0" err="1"/>
-              <a:t>numerics</a:t>
-            </a:r>
-            <a:r>
-              <a:rPr lang="en-US" dirty="0"/>
-              <a:t>, datetimes, </a:t>
-            </a:r>
-            <a:r>
-              <a:rPr lang="en-US" dirty="0" err="1"/>
-              <a:t>guids</a:t>
-            </a:r>
-            <a:r>
-              <a:rPr lang="en-US" dirty="0"/>
-              <a:t>, etc.</a:t>
-            </a:r>
-          </a:p>
-        </p:txBody>
-      </p:sp>
-      <p:sp>
-        <p:nvSpPr>
-          <p:cNvPr id="15" name="TextBox 14">
-            <a:extLst>
-              <a:ext uri="{FF2B5EF4-FFF2-40B4-BE49-F238E27FC236}">
-                <a16:creationId xmlns:a16="http://schemas.microsoft.com/office/drawing/2014/main" id="{4E95F8E7-F4ED-2BD1-D94C-38120D18DDD4}"/>
-              </a:ext>
-            </a:extLst>
-          </p:cNvPr>
-          <p:cNvSpPr txBox="1"/>
-          <p:nvPr/>
-        </p:nvSpPr>
-        <p:spPr>
-          <a:xfrm>
-            <a:off x="6839503" y="3376414"/>
-            <a:ext cx="4482465" cy="923330"/>
-          </a:xfrm>
-          <a:prstGeom prst="rect">
-            <a:avLst/>
-          </a:prstGeom>
-          <a:noFill/>
-        </p:spPr>
-        <p:txBody>
-          <a:bodyPr wrap="square" rtlCol="0">
-            <a:spAutoFit/>
-          </a:bodyPr>
-          <a:lstStyle/>
-          <a:p>
-            <a:r>
-              <a:rPr lang="en-US" dirty="0"/>
-              <a:t>Number of characters in </a:t>
-            </a:r>
-            <a:r>
-              <a:rPr lang="en-US" dirty="0">
-                <a:latin typeface="Consolas" panose="020B0609020204030204" pitchFamily="49" charset="0"/>
-              </a:rPr>
-              <a:t>(</a:t>
-            </a:r>
-            <a:r>
-              <a:rPr lang="en-US" dirty="0" err="1">
-                <a:solidFill>
-                  <a:srgbClr val="000000"/>
-                </a:solidFill>
-                <a:latin typeface="Consolas" panose="020B0609020204030204" pitchFamily="49" charset="0"/>
-              </a:rPr>
-              <a:t>what_phrase</a:t>
-            </a:r>
-            <a:r>
-              <a:rPr lang="en-US" dirty="0">
-                <a:latin typeface="Consolas" panose="020B0609020204030204" pitchFamily="49" charset="0"/>
-              </a:rPr>
-              <a:t>) </a:t>
-            </a:r>
-            <a:r>
-              <a:rPr lang="en-US" dirty="0"/>
-              <a:t>do </a:t>
-            </a:r>
-            <a:r>
-              <a:rPr lang="en-US" b="1" dirty="0"/>
-              <a:t>not</a:t>
-            </a:r>
-            <a:r>
-              <a:rPr lang="en-US" dirty="0"/>
-              <a:t> have to equal number of characters in </a:t>
-            </a:r>
-            <a:r>
-              <a:rPr lang="en-US" dirty="0">
-                <a:latin typeface="Consolas" panose="020B0609020204030204" pitchFamily="49" charset="0"/>
-              </a:rPr>
-              <a:t>(</a:t>
-            </a:r>
-            <a:r>
-              <a:rPr lang="en-US" dirty="0" err="1">
-                <a:solidFill>
-                  <a:srgbClr val="000000"/>
-                </a:solidFill>
-                <a:latin typeface="Consolas" panose="020B0609020204030204" pitchFamily="49" charset="0"/>
-              </a:rPr>
-              <a:t>with_what</a:t>
-            </a:r>
-            <a:r>
-              <a:rPr lang="en-US" dirty="0">
-                <a:latin typeface="Consolas" panose="020B0609020204030204" pitchFamily="49" charset="0"/>
-              </a:rPr>
-              <a:t>)</a:t>
-            </a:r>
-          </a:p>
-        </p:txBody>
-      </p:sp>
-      <p:sp>
-        <p:nvSpPr>
-          <p:cNvPr id="17" name="TextBox 16">
-            <a:extLst>
-              <a:ext uri="{FF2B5EF4-FFF2-40B4-BE49-F238E27FC236}">
-                <a16:creationId xmlns:a16="http://schemas.microsoft.com/office/drawing/2014/main" id="{B3435BAF-BCE3-BA22-9B52-7A37E3EE1481}"/>
-              </a:ext>
-            </a:extLst>
-          </p:cNvPr>
-          <p:cNvSpPr txBox="1"/>
-          <p:nvPr/>
-        </p:nvSpPr>
-        <p:spPr>
-          <a:xfrm>
-            <a:off x="6839503" y="2279439"/>
-            <a:ext cx="4133297" cy="369332"/>
-          </a:xfrm>
-          <a:prstGeom prst="rect">
-            <a:avLst/>
-          </a:prstGeom>
-          <a:noFill/>
-        </p:spPr>
-        <p:txBody>
-          <a:bodyPr wrap="square" rtlCol="0">
-            <a:spAutoFit/>
-          </a:bodyPr>
-          <a:lstStyle/>
-          <a:p>
-            <a:endParaRPr lang="en-US"/>
-          </a:p>
-        </p:txBody>
-      </p:sp>
-      <p:pic>
-        <p:nvPicPr>
-          <p:cNvPr id="3" name="Picture 2">
-            <a:extLst>
-              <a:ext uri="{FF2B5EF4-FFF2-40B4-BE49-F238E27FC236}">
-                <a16:creationId xmlns:a16="http://schemas.microsoft.com/office/drawing/2014/main" id="{2328E7AE-EB38-9B1C-ABDD-912D660205B1}"/>
-              </a:ext>
-            </a:extLst>
-          </p:cNvPr>
-          <p:cNvPicPr>
-            <a:picLocks noChangeAspect="1"/>
-          </p:cNvPicPr>
-          <p:nvPr/>
-        </p:nvPicPr>
-        <p:blipFill>
-          <a:blip r:embed="rId3"/>
-          <a:stretch>
-            <a:fillRect/>
-          </a:stretch>
-        </p:blipFill>
-        <p:spPr>
-          <a:xfrm>
-            <a:off x="1289684" y="3048421"/>
-            <a:ext cx="3132723" cy="869290"/>
-          </a:xfrm>
-          <a:prstGeom prst="rect">
-            <a:avLst/>
-          </a:prstGeom>
-        </p:spPr>
-      </p:pic>
-      <p:pic>
-        <p:nvPicPr>
-          <p:cNvPr id="5" name="Picture 4">
-            <a:extLst>
-              <a:ext uri="{FF2B5EF4-FFF2-40B4-BE49-F238E27FC236}">
-                <a16:creationId xmlns:a16="http://schemas.microsoft.com/office/drawing/2014/main" id="{6C257DC0-E182-BE6A-F00D-9AFF85521558}"/>
-              </a:ext>
-            </a:extLst>
-          </p:cNvPr>
-          <p:cNvPicPr>
-            <a:picLocks noChangeAspect="1"/>
-          </p:cNvPicPr>
-          <p:nvPr/>
-        </p:nvPicPr>
-        <p:blipFill>
-          <a:blip r:embed="rId4"/>
-          <a:stretch>
-            <a:fillRect/>
-          </a:stretch>
-        </p:blipFill>
-        <p:spPr>
-          <a:xfrm>
-            <a:off x="1289683" y="4912043"/>
-            <a:ext cx="3202061" cy="917257"/>
-          </a:xfrm>
-          <a:prstGeom prst="rect">
-            <a:avLst/>
-          </a:prstGeom>
-        </p:spPr>
-      </p:pic>
-    </p:spTree>
-    <p:extLst>
-      <p:ext uri="{BB962C8B-B14F-4D97-AF65-F5344CB8AC3E}">
-        <p14:creationId xmlns:p14="http://schemas.microsoft.com/office/powerpoint/2010/main" val="584012983"/>
-      </p:ext>
-    </p:extLst>
-  </p:cSld>
-  <p:clrMapOvr>
-    <a:masterClrMapping/>
-  </p:clrMapOvr>
-</p:sld>
-</file>
-
-<file path=ppt/slides/slide20.xml><?xml version="1.0" encoding="utf-8"?>
+<file path=ppt/slides/slide24.xml><?xml version="1.0" encoding="utf-8"?>
 <p:sld xmlns:a="http://schemas.openxmlformats.org/drawingml/2006/main" xmlns:r="http://schemas.openxmlformats.org/officeDocument/2006/relationships" xmlns:p="http://schemas.openxmlformats.org/presentationml/2006/main">
   <p:cSld>
     <p:spTree>
@@ -14297,7 +17049,7 @@
 </p:sld>
 </file>
 
-<file path=ppt/slides/slide21.xml><?xml version="1.0" encoding="utf-8"?>
+<file path=ppt/slides/slide25.xml><?xml version="1.0" encoding="utf-8"?>
 <p:sld xmlns:a="http://schemas.openxmlformats.org/drawingml/2006/main" xmlns:r="http://schemas.openxmlformats.org/officeDocument/2006/relationships" xmlns:p="http://schemas.openxmlformats.org/presentationml/2006/main">
   <p:cSld>
     <p:spTree>
@@ -15807,7 +18559,7 @@
 </p:sld>
 </file>
 
-<file path=ppt/slides/slide22.xml><?xml version="1.0" encoding="utf-8"?>
+<file path=ppt/slides/slide26.xml><?xml version="1.0" encoding="utf-8"?>
 <p:sld xmlns:a="http://schemas.openxmlformats.org/drawingml/2006/main" xmlns:r="http://schemas.openxmlformats.org/officeDocument/2006/relationships" xmlns:p="http://schemas.openxmlformats.org/presentationml/2006/main">
   <p:cSld>
     <p:spTree>
@@ -16763,7 +19515,7 @@
 </p:sld>
 </file>
 
-<file path=ppt/slides/slide23.xml><?xml version="1.0" encoding="utf-8"?>
+<file path=ppt/slides/slide27.xml><?xml version="1.0" encoding="utf-8"?>
 <p:sld xmlns:a="http://schemas.openxmlformats.org/drawingml/2006/main" xmlns:r="http://schemas.openxmlformats.org/officeDocument/2006/relationships" xmlns:p="http://schemas.openxmlformats.org/presentationml/2006/main">
   <p:cSld>
     <p:spTree>
@@ -16986,7 +19738,7 @@
 </p:sld>
 </file>
 
-<file path=ppt/slides/slide24.xml><?xml version="1.0" encoding="utf-8"?>
+<file path=ppt/slides/slide28.xml><?xml version="1.0" encoding="utf-8"?>
 <p:sld xmlns:a="http://schemas.openxmlformats.org/drawingml/2006/main" xmlns:r="http://schemas.openxmlformats.org/officeDocument/2006/relationships" xmlns:p="http://schemas.openxmlformats.org/presentationml/2006/main">
   <p:cSld>
     <p:spTree>
@@ -18241,92 +20993,12 @@
           </a:p>
         </p:txBody>
       </p:sp>
-    </p:spTree>
-    <p:extLst>
-      <p:ext uri="{BB962C8B-B14F-4D97-AF65-F5344CB8AC3E}">
-        <p14:creationId xmlns:p14="http://schemas.microsoft.com/office/powerpoint/2010/main" val="1863303274"/>
-      </p:ext>
-    </p:extLst>
-  </p:cSld>
-  <p:clrMapOvr>
-    <a:masterClrMapping/>
-  </p:clrMapOvr>
-</p:sld>
-</file>
-
-<file path=ppt/slides/slide5.xml><?xml version="1.0" encoding="utf-8"?>
-<p:sld xmlns:a="http://schemas.openxmlformats.org/drawingml/2006/main" xmlns:r="http://schemas.openxmlformats.org/officeDocument/2006/relationships" xmlns:p="http://schemas.openxmlformats.org/presentationml/2006/main">
-  <p:cSld>
-    <p:spTree>
-      <p:nvGrpSpPr>
-        <p:cNvPr id="1" name=""/>
-        <p:cNvGrpSpPr/>
-        <p:nvPr/>
-      </p:nvGrpSpPr>
-      <p:grpSpPr>
-        <a:xfrm>
-          <a:off x="0" y="0"/>
-          <a:ext cx="0" cy="0"/>
-          <a:chOff x="0" y="0"/>
-          <a:chExt cx="0" cy="0"/>
-        </a:xfrm>
-      </p:grpSpPr>
-      <p:sp>
-        <p:nvSpPr>
-          <p:cNvPr id="3" name="TextBox 2">
+      <p:pic>
+        <p:nvPicPr>
+          <p:cNvPr id="2" name="Picture 2" descr="Sticker de Snake-redfield sur mother of god meme rage comics choque ...">
             <a:extLst>
               <a:ext uri="{FF2B5EF4-FFF2-40B4-BE49-F238E27FC236}">
-                <a16:creationId xmlns:a16="http://schemas.microsoft.com/office/drawing/2014/main" id="{4884DBA6-B21C-5ADD-9E6A-294ED35CD087}"/>
-              </a:ext>
-            </a:extLst>
-          </p:cNvPr>
-          <p:cNvSpPr txBox="1"/>
-          <p:nvPr/>
-        </p:nvSpPr>
-        <p:spPr>
-          <a:xfrm>
-            <a:off x="1325614" y="1933605"/>
-            <a:ext cx="9395460" cy="1384995"/>
-          </a:xfrm>
-          <a:prstGeom prst="rect">
-            <a:avLst/>
-          </a:prstGeom>
-          <a:noFill/>
-        </p:spPr>
-        <p:txBody>
-          <a:bodyPr wrap="square">
-            <a:spAutoFit/>
-          </a:bodyPr>
-          <a:lstStyle/>
-          <a:p>
-            <a:r>
-              <a:rPr lang="en-US" sz="2800" dirty="0"/>
-              <a:t>SELECT REPLACE(REPLACE(REPLACE(REPLACE(</a:t>
-            </a:r>
-            <a:r>
-              <a:rPr lang="en-US" sz="2800" dirty="0" err="1"/>
-              <a:t>ColumnName</a:t>
-            </a:r>
-            <a:r>
-              <a:rPr lang="en-US" sz="2800" dirty="0"/>
-              <a:t>, '[', ''), ']', ''), '(', ''), ')', '')</a:t>
-            </a:r>
-          </a:p>
-          <a:p>
-            <a:r>
-              <a:rPr lang="en-US" sz="2800" dirty="0"/>
-              <a:t>FROM ...</a:t>
-            </a:r>
-            <a:endParaRPr lang="en-US" sz="6000" dirty="0"/>
-          </a:p>
-        </p:txBody>
-      </p:sp>
-      <p:pic>
-        <p:nvPicPr>
-          <p:cNvPr id="1026" name="Picture 2" descr="Sticker de Snake-redfield sur mother of god meme rage comics choque ...">
-            <a:extLst>
-              <a:ext uri="{FF2B5EF4-FFF2-40B4-BE49-F238E27FC236}">
-                <a16:creationId xmlns:a16="http://schemas.microsoft.com/office/drawing/2014/main" id="{53842593-F887-410E-5AE8-1A45AA75A2D7}"/>
+                <a16:creationId xmlns:a16="http://schemas.microsoft.com/office/drawing/2014/main" id="{62380748-2FEE-D864-81E8-29094577C89B}"/>
               </a:ext>
             </a:extLst>
           </p:cNvPr>
@@ -18350,8 +21022,8 @@
         </p:blipFill>
         <p:spPr bwMode="auto">
           <a:xfrm>
-            <a:off x="1493840" y="3669030"/>
-            <a:ext cx="2541492" cy="2606040"/>
+            <a:off x="1493840" y="4660900"/>
+            <a:ext cx="1574189" cy="1614170"/>
           </a:xfrm>
           <a:prstGeom prst="rect">
             <a:avLst/>
@@ -18371,7 +21043,7 @@
     </p:spTree>
     <p:extLst>
       <p:ext uri="{BB962C8B-B14F-4D97-AF65-F5344CB8AC3E}">
-        <p14:creationId xmlns:p14="http://schemas.microsoft.com/office/powerpoint/2010/main" val="3047052231"/>
+        <p14:creationId xmlns:p14="http://schemas.microsoft.com/office/powerpoint/2010/main" val="1863303274"/>
       </p:ext>
     </p:extLst>
   </p:cSld>
@@ -18381,7 +21053,7 @@
 </p:sld>
 </file>
 
-<file path=ppt/slides/slide6.xml><?xml version="1.0" encoding="utf-8"?>
+<file path=ppt/slides/slide5.xml><?xml version="1.0" encoding="utf-8"?>
 <p:sld xmlns:a="http://schemas.openxmlformats.org/drawingml/2006/main" xmlns:r="http://schemas.openxmlformats.org/officeDocument/2006/relationships" xmlns:p="http://schemas.openxmlformats.org/presentationml/2006/main">
   <p:cSld>
     <p:spTree>
@@ -18743,7 +21415,7 @@
 </p:sld>
 </file>
 
-<file path=ppt/slides/slide7.xml><?xml version="1.0" encoding="utf-8"?>
+<file path=ppt/slides/slide6.xml><?xml version="1.0" encoding="utf-8"?>
 <p:sld xmlns:a="http://schemas.openxmlformats.org/drawingml/2006/main" xmlns:r="http://schemas.openxmlformats.org/officeDocument/2006/relationships" xmlns:p="http://schemas.openxmlformats.org/presentationml/2006/main">
   <p:cSld>
     <p:spTree>
@@ -19825,9 +22497,9 @@
         <p:grpSpPr>
           <a:xfrm>
             <a:off x="3589020" y="1165778"/>
-            <a:ext cx="6469381" cy="1560076"/>
+            <a:ext cx="6469381" cy="1562457"/>
             <a:chOff x="3589020" y="1554398"/>
-            <a:chExt cx="6469381" cy="1560076"/>
+            <a:chExt cx="6469381" cy="1562457"/>
           </a:xfrm>
         </p:grpSpPr>
         <p:sp>
@@ -19844,8 +22516,8 @@
           </p:nvSpPr>
           <p:spPr>
             <a:xfrm>
-              <a:off x="3589020" y="2057400"/>
-              <a:ext cx="742950" cy="1057074"/>
+              <a:off x="3589020" y="2061209"/>
+              <a:ext cx="742950" cy="1055169"/>
             </a:xfrm>
             <a:prstGeom prst="rect">
               <a:avLst/>
@@ -19896,8 +22568,8 @@
           </p:nvSpPr>
           <p:spPr>
             <a:xfrm>
-              <a:off x="4331970" y="2068830"/>
-              <a:ext cx="651510" cy="1045644"/>
+              <a:off x="4331970" y="2061210"/>
+              <a:ext cx="651510" cy="1053264"/>
             </a:xfrm>
             <a:prstGeom prst="rect">
               <a:avLst/>
@@ -19949,7 +22621,7 @@
           <p:spPr>
             <a:xfrm>
               <a:off x="4983480" y="2061210"/>
-              <a:ext cx="651510" cy="1045644"/>
+              <a:ext cx="651510" cy="1053264"/>
             </a:xfrm>
             <a:prstGeom prst="rect">
               <a:avLst/>
@@ -20000,8 +22672,8 @@
           </p:nvSpPr>
           <p:spPr>
             <a:xfrm>
-              <a:off x="5634990" y="2053590"/>
-              <a:ext cx="588346" cy="1053264"/>
+              <a:off x="5634990" y="2061209"/>
+              <a:ext cx="588346" cy="1055169"/>
             </a:xfrm>
             <a:prstGeom prst="rect">
               <a:avLst/>
@@ -20052,8 +22724,8 @@
           </p:nvSpPr>
           <p:spPr>
             <a:xfrm>
-              <a:off x="6223336" y="2053590"/>
-              <a:ext cx="651510" cy="1060884"/>
+              <a:off x="6223336" y="2061209"/>
+              <a:ext cx="668954" cy="1055646"/>
             </a:xfrm>
             <a:prstGeom prst="rect">
               <a:avLst/>
@@ -20104,8 +22776,8 @@
           </p:nvSpPr>
           <p:spPr>
             <a:xfrm>
-              <a:off x="6874846" y="2053590"/>
-              <a:ext cx="760394" cy="1060884"/>
+              <a:off x="6892290" y="2059782"/>
+              <a:ext cx="714076" cy="1054692"/>
             </a:xfrm>
             <a:prstGeom prst="rect">
               <a:avLst/>
@@ -20156,8 +22828,8 @@
           </p:nvSpPr>
           <p:spPr>
             <a:xfrm>
-              <a:off x="7635240" y="2057400"/>
-              <a:ext cx="651510" cy="1049454"/>
+              <a:off x="7606366" y="2059781"/>
+              <a:ext cx="680384" cy="1054692"/>
             </a:xfrm>
             <a:prstGeom prst="rect">
               <a:avLst/>
@@ -20208,8 +22880,8 @@
           </p:nvSpPr>
           <p:spPr>
             <a:xfrm>
-              <a:off x="8275320" y="2057400"/>
-              <a:ext cx="651510" cy="1049454"/>
+              <a:off x="8286750" y="2059305"/>
+              <a:ext cx="640080" cy="1054692"/>
             </a:xfrm>
             <a:prstGeom prst="rect">
               <a:avLst/>
@@ -20260,8 +22932,8 @@
           </p:nvSpPr>
           <p:spPr>
             <a:xfrm>
-              <a:off x="8926830" y="2061210"/>
-              <a:ext cx="560070" cy="1049454"/>
+              <a:off x="8926830" y="2059304"/>
+              <a:ext cx="560070" cy="1056121"/>
             </a:xfrm>
             <a:prstGeom prst="rect">
               <a:avLst/>
@@ -20312,8 +22984,8 @@
           </p:nvSpPr>
           <p:spPr>
             <a:xfrm>
-              <a:off x="9486900" y="2068830"/>
-              <a:ext cx="571501" cy="1041834"/>
+              <a:off x="9486900" y="2059305"/>
+              <a:ext cx="571501" cy="1054692"/>
             </a:xfrm>
             <a:prstGeom prst="rect">
               <a:avLst/>
@@ -20670,7 +23342,7 @@
 </p:sld>
 </file>
 
-<file path=ppt/slides/slide8.xml><?xml version="1.0" encoding="utf-8"?>
+<file path=ppt/slides/slide7.xml><?xml version="1.0" encoding="utf-8"?>
 <p:sld xmlns:a="http://schemas.openxmlformats.org/drawingml/2006/main" xmlns:r="http://schemas.openxmlformats.org/officeDocument/2006/relationships" xmlns:p="http://schemas.openxmlformats.org/presentationml/2006/main">
   <p:cSld>
     <p:spTree>
@@ -21289,6 +23961,639 @@
     <p:extLst>
       <p:ext uri="{BB962C8B-B14F-4D97-AF65-F5344CB8AC3E}">
         <p14:creationId xmlns:p14="http://schemas.microsoft.com/office/powerpoint/2010/main" val="716521506"/>
+      </p:ext>
+    </p:extLst>
+  </p:cSld>
+  <p:clrMapOvr>
+    <a:masterClrMapping/>
+  </p:clrMapOvr>
+</p:sld>
+</file>
+
+<file path=ppt/slides/slide8.xml><?xml version="1.0" encoding="utf-8"?>
+<p:sld xmlns:a="http://schemas.openxmlformats.org/drawingml/2006/main" xmlns:r="http://schemas.openxmlformats.org/officeDocument/2006/relationships" xmlns:p="http://schemas.openxmlformats.org/presentationml/2006/main">
+  <p:cSld>
+    <p:spTree>
+      <p:nvGrpSpPr>
+        <p:cNvPr id="1" name=""/>
+        <p:cNvGrpSpPr/>
+        <p:nvPr/>
+      </p:nvGrpSpPr>
+      <p:grpSpPr>
+        <a:xfrm>
+          <a:off x="0" y="0"/>
+          <a:ext cx="0" cy="0"/>
+          <a:chOff x="0" y="0"/>
+          <a:chExt cx="0" cy="0"/>
+        </a:xfrm>
+      </p:grpSpPr>
+      <p:sp>
+        <p:nvSpPr>
+          <p:cNvPr id="5" name="TextBox 4">
+            <a:extLst>
+              <a:ext uri="{FF2B5EF4-FFF2-40B4-BE49-F238E27FC236}">
+                <a16:creationId xmlns:a16="http://schemas.microsoft.com/office/drawing/2014/main" id="{8D57772F-3EC1-B3DB-B492-14ABFE8C82B5}"/>
+              </a:ext>
+            </a:extLst>
+          </p:cNvPr>
+          <p:cNvSpPr txBox="1"/>
+          <p:nvPr/>
+        </p:nvSpPr>
+        <p:spPr>
+          <a:xfrm>
+            <a:off x="1092895" y="1488828"/>
+            <a:ext cx="9704539" cy="3785652"/>
+          </a:xfrm>
+          <a:prstGeom prst="rect">
+            <a:avLst/>
+          </a:prstGeom>
+          <a:noFill/>
+        </p:spPr>
+        <p:txBody>
+          <a:bodyPr wrap="square">
+            <a:spAutoFit/>
+          </a:bodyPr>
+          <a:lstStyle/>
+          <a:p>
+            <a:r>
+              <a:rPr lang="en-US" sz="2000" dirty="0">
+                <a:solidFill>
+                  <a:srgbClr val="0000FF"/>
+                </a:solidFill>
+                <a:latin typeface="Cascadia Mono" panose="020B0609020000020004" pitchFamily="49" charset="0"/>
+                <a:cs typeface="Cascadia Mono" panose="020B0609020000020004" pitchFamily="49" charset="0"/>
+              </a:rPr>
+              <a:t>DECLARE</a:t>
+            </a:r>
+            <a:r>
+              <a:rPr lang="en-US" sz="2000" dirty="0">
+                <a:solidFill>
+                  <a:srgbClr val="000000"/>
+                </a:solidFill>
+                <a:latin typeface="Cascadia Mono" panose="020B0609020000020004" pitchFamily="49" charset="0"/>
+                <a:cs typeface="Cascadia Mono" panose="020B0609020000020004" pitchFamily="49" charset="0"/>
+              </a:rPr>
+              <a:t> @_beforemap </a:t>
+            </a:r>
+            <a:r>
+              <a:rPr lang="en-US" sz="2000" dirty="0">
+                <a:solidFill>
+                  <a:srgbClr val="0000FF"/>
+                </a:solidFill>
+                <a:latin typeface="Cascadia Mono" panose="020B0609020000020004" pitchFamily="49" charset="0"/>
+                <a:cs typeface="Cascadia Mono" panose="020B0609020000020004" pitchFamily="49" charset="0"/>
+              </a:rPr>
+              <a:t>varchar</a:t>
+            </a:r>
+            <a:r>
+              <a:rPr lang="en-US" sz="2000" dirty="0">
+                <a:solidFill>
+                  <a:srgbClr val="808080"/>
+                </a:solidFill>
+                <a:latin typeface="Cascadia Mono" panose="020B0609020000020004" pitchFamily="49" charset="0"/>
+                <a:cs typeface="Cascadia Mono" panose="020B0609020000020004" pitchFamily="49" charset="0"/>
+              </a:rPr>
+              <a:t>(</a:t>
+            </a:r>
+            <a:r>
+              <a:rPr lang="en-US" sz="2000" dirty="0">
+                <a:solidFill>
+                  <a:srgbClr val="000000"/>
+                </a:solidFill>
+                <a:latin typeface="Cascadia Mono" panose="020B0609020000020004" pitchFamily="49" charset="0"/>
+                <a:cs typeface="Cascadia Mono" panose="020B0609020000020004" pitchFamily="49" charset="0"/>
+              </a:rPr>
+              <a:t>3</a:t>
+            </a:r>
+            <a:r>
+              <a:rPr lang="en-US" sz="2000" dirty="0">
+                <a:solidFill>
+                  <a:srgbClr val="808080"/>
+                </a:solidFill>
+                <a:latin typeface="Cascadia Mono" panose="020B0609020000020004" pitchFamily="49" charset="0"/>
+                <a:cs typeface="Cascadia Mono" panose="020B0609020000020004" pitchFamily="49" charset="0"/>
+              </a:rPr>
+              <a:t>)</a:t>
+            </a:r>
+            <a:r>
+              <a:rPr lang="en-US" sz="2000" dirty="0">
+                <a:solidFill>
+                  <a:srgbClr val="000000"/>
+                </a:solidFill>
+                <a:latin typeface="Cascadia Mono" panose="020B0609020000020004" pitchFamily="49" charset="0"/>
+                <a:cs typeface="Cascadia Mono" panose="020B0609020000020004" pitchFamily="49" charset="0"/>
+              </a:rPr>
+              <a:t> </a:t>
+            </a:r>
+            <a:r>
+              <a:rPr lang="en-US" sz="2000" dirty="0">
+                <a:solidFill>
+                  <a:srgbClr val="808080"/>
+                </a:solidFill>
+                <a:latin typeface="Cascadia Mono" panose="020B0609020000020004" pitchFamily="49" charset="0"/>
+                <a:cs typeface="Cascadia Mono" panose="020B0609020000020004" pitchFamily="49" charset="0"/>
+              </a:rPr>
+              <a:t>=</a:t>
+            </a:r>
+            <a:r>
+              <a:rPr lang="en-US" sz="2000" dirty="0">
+                <a:solidFill>
+                  <a:srgbClr val="000000"/>
+                </a:solidFill>
+                <a:latin typeface="Cascadia Mono" panose="020B0609020000020004" pitchFamily="49" charset="0"/>
+                <a:cs typeface="Cascadia Mono" panose="020B0609020000020004" pitchFamily="49" charset="0"/>
+              </a:rPr>
+              <a:t> </a:t>
+            </a:r>
+            <a:r>
+              <a:rPr lang="en-US" sz="2000" dirty="0">
+                <a:solidFill>
+                  <a:srgbClr val="FF0000"/>
+                </a:solidFill>
+                <a:latin typeface="Cascadia Mono" panose="020B0609020000020004" pitchFamily="49" charset="0"/>
+                <a:cs typeface="Cascadia Mono" panose="020B0609020000020004" pitchFamily="49" charset="0"/>
+              </a:rPr>
+              <a:t>'$.,'</a:t>
+            </a:r>
+            <a:endParaRPr lang="en-US" sz="2000" dirty="0">
+              <a:solidFill>
+                <a:srgbClr val="000000"/>
+              </a:solidFill>
+              <a:latin typeface="Cascadia Mono" panose="020B0609020000020004" pitchFamily="49" charset="0"/>
+              <a:cs typeface="Cascadia Mono" panose="020B0609020000020004" pitchFamily="49" charset="0"/>
+            </a:endParaRPr>
+          </a:p>
+          <a:p>
+            <a:r>
+              <a:rPr lang="en-US" sz="2000" dirty="0">
+                <a:solidFill>
+                  <a:srgbClr val="0000FF"/>
+                </a:solidFill>
+                <a:latin typeface="Cascadia Mono" panose="020B0609020000020004" pitchFamily="49" charset="0"/>
+                <a:cs typeface="Cascadia Mono" panose="020B0609020000020004" pitchFamily="49" charset="0"/>
+              </a:rPr>
+              <a:t>DECLARE</a:t>
+            </a:r>
+            <a:r>
+              <a:rPr lang="en-US" sz="2000" dirty="0">
+                <a:solidFill>
+                  <a:srgbClr val="000000"/>
+                </a:solidFill>
+                <a:latin typeface="Cascadia Mono" panose="020B0609020000020004" pitchFamily="49" charset="0"/>
+                <a:cs typeface="Cascadia Mono" panose="020B0609020000020004" pitchFamily="49" charset="0"/>
+              </a:rPr>
+              <a:t> @_aftermap </a:t>
+            </a:r>
+            <a:r>
+              <a:rPr lang="en-US" sz="2000" dirty="0">
+                <a:solidFill>
+                  <a:srgbClr val="0000FF"/>
+                </a:solidFill>
+                <a:latin typeface="Cascadia Mono" panose="020B0609020000020004" pitchFamily="49" charset="0"/>
+                <a:cs typeface="Cascadia Mono" panose="020B0609020000020004" pitchFamily="49" charset="0"/>
+              </a:rPr>
+              <a:t>varchar</a:t>
+            </a:r>
+            <a:r>
+              <a:rPr lang="en-US" sz="2000" dirty="0">
+                <a:solidFill>
+                  <a:srgbClr val="808080"/>
+                </a:solidFill>
+                <a:latin typeface="Cascadia Mono" panose="020B0609020000020004" pitchFamily="49" charset="0"/>
+                <a:cs typeface="Cascadia Mono" panose="020B0609020000020004" pitchFamily="49" charset="0"/>
+              </a:rPr>
+              <a:t>(</a:t>
+            </a:r>
+            <a:r>
+              <a:rPr lang="en-US" sz="2000" dirty="0">
+                <a:solidFill>
+                  <a:srgbClr val="000000"/>
+                </a:solidFill>
+                <a:latin typeface="Cascadia Mono" panose="020B0609020000020004" pitchFamily="49" charset="0"/>
+                <a:cs typeface="Cascadia Mono" panose="020B0609020000020004" pitchFamily="49" charset="0"/>
+              </a:rPr>
+              <a:t>3</a:t>
+            </a:r>
+            <a:r>
+              <a:rPr lang="en-US" sz="2000" dirty="0">
+                <a:solidFill>
+                  <a:srgbClr val="808080"/>
+                </a:solidFill>
+                <a:latin typeface="Cascadia Mono" panose="020B0609020000020004" pitchFamily="49" charset="0"/>
+                <a:cs typeface="Cascadia Mono" panose="020B0609020000020004" pitchFamily="49" charset="0"/>
+              </a:rPr>
+              <a:t>)</a:t>
+            </a:r>
+            <a:r>
+              <a:rPr lang="en-US" sz="2000" dirty="0">
+                <a:solidFill>
+                  <a:srgbClr val="000000"/>
+                </a:solidFill>
+                <a:latin typeface="Cascadia Mono" panose="020B0609020000020004" pitchFamily="49" charset="0"/>
+                <a:cs typeface="Cascadia Mono" panose="020B0609020000020004" pitchFamily="49" charset="0"/>
+              </a:rPr>
+              <a:t> </a:t>
+            </a:r>
+            <a:r>
+              <a:rPr lang="en-US" sz="2000" dirty="0">
+                <a:solidFill>
+                  <a:srgbClr val="808080"/>
+                </a:solidFill>
+                <a:latin typeface="Cascadia Mono" panose="020B0609020000020004" pitchFamily="49" charset="0"/>
+                <a:cs typeface="Cascadia Mono" panose="020B0609020000020004" pitchFamily="49" charset="0"/>
+              </a:rPr>
+              <a:t>=</a:t>
+            </a:r>
+            <a:r>
+              <a:rPr lang="en-US" sz="2000" dirty="0">
+                <a:solidFill>
+                  <a:srgbClr val="000000"/>
+                </a:solidFill>
+                <a:latin typeface="Cascadia Mono" panose="020B0609020000020004" pitchFamily="49" charset="0"/>
+                <a:cs typeface="Cascadia Mono" panose="020B0609020000020004" pitchFamily="49" charset="0"/>
+              </a:rPr>
+              <a:t>  </a:t>
+            </a:r>
+            <a:r>
+              <a:rPr lang="en-US" sz="2000" dirty="0">
+                <a:solidFill>
+                  <a:srgbClr val="FF0000"/>
+                </a:solidFill>
+                <a:latin typeface="Cascadia Mono" panose="020B0609020000020004" pitchFamily="49" charset="0"/>
+                <a:cs typeface="Cascadia Mono" panose="020B0609020000020004" pitchFamily="49" charset="0"/>
+              </a:rPr>
+              <a:t>'€,.'</a:t>
+            </a:r>
+            <a:endParaRPr lang="en-US" sz="2000" dirty="0">
+              <a:solidFill>
+                <a:srgbClr val="000000"/>
+              </a:solidFill>
+              <a:latin typeface="Cascadia Mono" panose="020B0609020000020004" pitchFamily="49" charset="0"/>
+              <a:cs typeface="Cascadia Mono" panose="020B0609020000020004" pitchFamily="49" charset="0"/>
+            </a:endParaRPr>
+          </a:p>
+          <a:p>
+            <a:endParaRPr lang="en-US" sz="2000" dirty="0">
+              <a:solidFill>
+                <a:srgbClr val="000000"/>
+              </a:solidFill>
+              <a:latin typeface="Cascadia Mono" panose="020B0609020000020004" pitchFamily="49" charset="0"/>
+              <a:cs typeface="Cascadia Mono" panose="020B0609020000020004" pitchFamily="49" charset="0"/>
+            </a:endParaRPr>
+          </a:p>
+          <a:p>
+            <a:r>
+              <a:rPr lang="en-US" sz="2000" dirty="0">
+                <a:solidFill>
+                  <a:srgbClr val="0000FF"/>
+                </a:solidFill>
+                <a:latin typeface="Cascadia Mono" panose="020B0609020000020004" pitchFamily="49" charset="0"/>
+                <a:cs typeface="Cascadia Mono" panose="020B0609020000020004" pitchFamily="49" charset="0"/>
+              </a:rPr>
+              <a:t>DECLARE</a:t>
+            </a:r>
+            <a:r>
+              <a:rPr lang="en-US" sz="2000" dirty="0">
+                <a:solidFill>
+                  <a:srgbClr val="000000"/>
+                </a:solidFill>
+                <a:latin typeface="Cascadia Mono" panose="020B0609020000020004" pitchFamily="49" charset="0"/>
+                <a:cs typeface="Cascadia Mono" panose="020B0609020000020004" pitchFamily="49" charset="0"/>
+              </a:rPr>
+              <a:t> @_amount </a:t>
+            </a:r>
+            <a:r>
+              <a:rPr lang="en-US" sz="2000" dirty="0">
+                <a:solidFill>
+                  <a:srgbClr val="0000FF"/>
+                </a:solidFill>
+                <a:latin typeface="Cascadia Mono" panose="020B0609020000020004" pitchFamily="49" charset="0"/>
+                <a:cs typeface="Cascadia Mono" panose="020B0609020000020004" pitchFamily="49" charset="0"/>
+              </a:rPr>
+              <a:t>varchar</a:t>
+            </a:r>
+            <a:r>
+              <a:rPr lang="en-US" sz="2000" dirty="0">
+                <a:solidFill>
+                  <a:srgbClr val="808080"/>
+                </a:solidFill>
+                <a:latin typeface="Cascadia Mono" panose="020B0609020000020004" pitchFamily="49" charset="0"/>
+                <a:cs typeface="Cascadia Mono" panose="020B0609020000020004" pitchFamily="49" charset="0"/>
+              </a:rPr>
+              <a:t>(</a:t>
+            </a:r>
+            <a:r>
+              <a:rPr lang="en-US" sz="2000" dirty="0">
+                <a:solidFill>
+                  <a:srgbClr val="000000"/>
+                </a:solidFill>
+                <a:latin typeface="Cascadia Mono" panose="020B0609020000020004" pitchFamily="49" charset="0"/>
+                <a:cs typeface="Cascadia Mono" panose="020B0609020000020004" pitchFamily="49" charset="0"/>
+              </a:rPr>
+              <a:t>10</a:t>
+            </a:r>
+            <a:r>
+              <a:rPr lang="en-US" sz="2000" dirty="0">
+                <a:solidFill>
+                  <a:srgbClr val="808080"/>
+                </a:solidFill>
+                <a:latin typeface="Cascadia Mono" panose="020B0609020000020004" pitchFamily="49" charset="0"/>
+                <a:cs typeface="Cascadia Mono" panose="020B0609020000020004" pitchFamily="49" charset="0"/>
+              </a:rPr>
+              <a:t>)</a:t>
+            </a:r>
+            <a:r>
+              <a:rPr lang="en-US" sz="2000" dirty="0">
+                <a:solidFill>
+                  <a:srgbClr val="000000"/>
+                </a:solidFill>
+                <a:latin typeface="Cascadia Mono" panose="020B0609020000020004" pitchFamily="49" charset="0"/>
+                <a:cs typeface="Cascadia Mono" panose="020B0609020000020004" pitchFamily="49" charset="0"/>
+              </a:rPr>
+              <a:t> </a:t>
+            </a:r>
+            <a:r>
+              <a:rPr lang="en-US" sz="2000" dirty="0">
+                <a:solidFill>
+                  <a:srgbClr val="808080"/>
+                </a:solidFill>
+                <a:latin typeface="Cascadia Mono" panose="020B0609020000020004" pitchFamily="49" charset="0"/>
+                <a:cs typeface="Cascadia Mono" panose="020B0609020000020004" pitchFamily="49" charset="0"/>
+              </a:rPr>
+              <a:t>=</a:t>
+            </a:r>
+            <a:r>
+              <a:rPr lang="en-US" sz="2000" dirty="0">
+                <a:solidFill>
+                  <a:srgbClr val="000000"/>
+                </a:solidFill>
+                <a:latin typeface="Cascadia Mono" panose="020B0609020000020004" pitchFamily="49" charset="0"/>
+                <a:cs typeface="Cascadia Mono" panose="020B0609020000020004" pitchFamily="49" charset="0"/>
+              </a:rPr>
+              <a:t> </a:t>
+            </a:r>
+            <a:r>
+              <a:rPr lang="en-US" sz="2000" dirty="0">
+                <a:solidFill>
+                  <a:srgbClr val="FF0000"/>
+                </a:solidFill>
+                <a:latin typeface="Cascadia Mono" panose="020B0609020000020004" pitchFamily="49" charset="0"/>
+                <a:cs typeface="Cascadia Mono" panose="020B0609020000020004" pitchFamily="49" charset="0"/>
+              </a:rPr>
+              <a:t>'$2,345.34'</a:t>
+            </a:r>
+          </a:p>
+          <a:p>
+            <a:endParaRPr lang="en-US" sz="2000" dirty="0">
+              <a:solidFill>
+                <a:srgbClr val="FF0000"/>
+              </a:solidFill>
+              <a:latin typeface="Cascadia Mono" panose="020B0609020000020004" pitchFamily="49" charset="0"/>
+              <a:cs typeface="Cascadia Mono" panose="020B0609020000020004" pitchFamily="49" charset="0"/>
+            </a:endParaRPr>
+          </a:p>
+          <a:p>
+            <a:endParaRPr lang="en-US" sz="2000" dirty="0">
+              <a:solidFill>
+                <a:srgbClr val="000000"/>
+              </a:solidFill>
+              <a:latin typeface="Cascadia Mono" panose="020B0609020000020004" pitchFamily="49" charset="0"/>
+              <a:cs typeface="Cascadia Mono" panose="020B0609020000020004" pitchFamily="49" charset="0"/>
+            </a:endParaRPr>
+          </a:p>
+          <a:p>
+            <a:endParaRPr lang="en-US" sz="2000" dirty="0">
+              <a:solidFill>
+                <a:srgbClr val="000000"/>
+              </a:solidFill>
+              <a:latin typeface="Cascadia Mono" panose="020B0609020000020004" pitchFamily="49" charset="0"/>
+              <a:cs typeface="Cascadia Mono" panose="020B0609020000020004" pitchFamily="49" charset="0"/>
+            </a:endParaRPr>
+          </a:p>
+          <a:p>
+            <a:r>
+              <a:rPr lang="en-US" sz="2000" dirty="0">
+                <a:solidFill>
+                  <a:srgbClr val="0000FF"/>
+                </a:solidFill>
+                <a:latin typeface="Cascadia Mono" panose="020B0609020000020004" pitchFamily="49" charset="0"/>
+                <a:cs typeface="Cascadia Mono" panose="020B0609020000020004" pitchFamily="49" charset="0"/>
+              </a:rPr>
+              <a:t>SELECT</a:t>
+            </a:r>
+            <a:r>
+              <a:rPr lang="en-US" sz="2000" dirty="0">
+                <a:solidFill>
+                  <a:srgbClr val="000000"/>
+                </a:solidFill>
+                <a:latin typeface="Cascadia Mono" panose="020B0609020000020004" pitchFamily="49" charset="0"/>
+                <a:cs typeface="Cascadia Mono" panose="020B0609020000020004" pitchFamily="49" charset="0"/>
+              </a:rPr>
+              <a:t> @_amount</a:t>
+            </a:r>
+          </a:p>
+          <a:p>
+            <a:endParaRPr lang="en-US" sz="2000" dirty="0">
+              <a:solidFill>
+                <a:srgbClr val="000000"/>
+              </a:solidFill>
+              <a:latin typeface="Cascadia Mono" panose="020B0609020000020004" pitchFamily="49" charset="0"/>
+              <a:cs typeface="Cascadia Mono" panose="020B0609020000020004" pitchFamily="49" charset="0"/>
+            </a:endParaRPr>
+          </a:p>
+          <a:p>
+            <a:endParaRPr lang="en-US" sz="2000" dirty="0">
+              <a:solidFill>
+                <a:srgbClr val="000000"/>
+              </a:solidFill>
+              <a:latin typeface="Cascadia Mono" panose="020B0609020000020004" pitchFamily="49" charset="0"/>
+              <a:cs typeface="Cascadia Mono" panose="020B0609020000020004" pitchFamily="49" charset="0"/>
+            </a:endParaRPr>
+          </a:p>
+          <a:p>
+            <a:r>
+              <a:rPr lang="en-US" sz="2000" dirty="0">
+                <a:solidFill>
+                  <a:srgbClr val="0000FF"/>
+                </a:solidFill>
+                <a:latin typeface="Cascadia Mono" panose="020B0609020000020004" pitchFamily="49" charset="0"/>
+                <a:cs typeface="Cascadia Mono" panose="020B0609020000020004" pitchFamily="49" charset="0"/>
+              </a:rPr>
+              <a:t>SELECT</a:t>
+            </a:r>
+            <a:r>
+              <a:rPr lang="en-US" sz="2000" dirty="0">
+                <a:solidFill>
+                  <a:srgbClr val="000000"/>
+                </a:solidFill>
+                <a:latin typeface="Cascadia Mono" panose="020B0609020000020004" pitchFamily="49" charset="0"/>
+                <a:cs typeface="Cascadia Mono" panose="020B0609020000020004" pitchFamily="49" charset="0"/>
+              </a:rPr>
+              <a:t> </a:t>
+            </a:r>
+          </a:p>
+          <a:p>
+            <a:r>
+              <a:rPr lang="en-US" sz="2000" dirty="0">
+                <a:solidFill>
+                  <a:srgbClr val="000000"/>
+                </a:solidFill>
+                <a:latin typeface="Cascadia Mono" panose="020B0609020000020004" pitchFamily="49" charset="0"/>
+                <a:cs typeface="Cascadia Mono" panose="020B0609020000020004" pitchFamily="49" charset="0"/>
+              </a:rPr>
+              <a:t>  </a:t>
+            </a:r>
+            <a:r>
+              <a:rPr lang="en-US" sz="2000" dirty="0">
+                <a:solidFill>
+                  <a:srgbClr val="FF00FF"/>
+                </a:solidFill>
+                <a:latin typeface="Cascadia Mono" panose="020B0609020000020004" pitchFamily="49" charset="0"/>
+                <a:cs typeface="Cascadia Mono" panose="020B0609020000020004" pitchFamily="49" charset="0"/>
+              </a:rPr>
+              <a:t>TRANSLATE</a:t>
+            </a:r>
+            <a:r>
+              <a:rPr lang="en-US" sz="2000" dirty="0">
+                <a:solidFill>
+                  <a:srgbClr val="808080"/>
+                </a:solidFill>
+                <a:latin typeface="Cascadia Mono" panose="020B0609020000020004" pitchFamily="49" charset="0"/>
+                <a:cs typeface="Cascadia Mono" panose="020B0609020000020004" pitchFamily="49" charset="0"/>
+              </a:rPr>
+              <a:t>(</a:t>
+            </a:r>
+            <a:r>
+              <a:rPr lang="en-US" sz="2000" dirty="0">
+                <a:solidFill>
+                  <a:srgbClr val="000000"/>
+                </a:solidFill>
+                <a:latin typeface="Cascadia Mono" panose="020B0609020000020004" pitchFamily="49" charset="0"/>
+                <a:cs typeface="Cascadia Mono" panose="020B0609020000020004" pitchFamily="49" charset="0"/>
+              </a:rPr>
+              <a:t>@_amount</a:t>
+            </a:r>
+            <a:r>
+              <a:rPr lang="en-US" sz="2000" dirty="0">
+                <a:solidFill>
+                  <a:srgbClr val="808080"/>
+                </a:solidFill>
+                <a:latin typeface="Cascadia Mono" panose="020B0609020000020004" pitchFamily="49" charset="0"/>
+                <a:cs typeface="Cascadia Mono" panose="020B0609020000020004" pitchFamily="49" charset="0"/>
+              </a:rPr>
+              <a:t>,</a:t>
+            </a:r>
+            <a:r>
+              <a:rPr lang="en-US" sz="2000" dirty="0">
+                <a:solidFill>
+                  <a:srgbClr val="000000"/>
+                </a:solidFill>
+                <a:latin typeface="Cascadia Mono" panose="020B0609020000020004" pitchFamily="49" charset="0"/>
+                <a:cs typeface="Cascadia Mono" panose="020B0609020000020004" pitchFamily="49" charset="0"/>
+              </a:rPr>
+              <a:t> @_beforemap</a:t>
+            </a:r>
+            <a:r>
+              <a:rPr lang="en-US" sz="2000" dirty="0">
+                <a:solidFill>
+                  <a:srgbClr val="808080"/>
+                </a:solidFill>
+                <a:latin typeface="Cascadia Mono" panose="020B0609020000020004" pitchFamily="49" charset="0"/>
+                <a:cs typeface="Cascadia Mono" panose="020B0609020000020004" pitchFamily="49" charset="0"/>
+              </a:rPr>
+              <a:t>,</a:t>
+            </a:r>
+            <a:r>
+              <a:rPr lang="en-US" sz="2000" dirty="0">
+                <a:solidFill>
+                  <a:srgbClr val="000000"/>
+                </a:solidFill>
+                <a:latin typeface="Cascadia Mono" panose="020B0609020000020004" pitchFamily="49" charset="0"/>
+                <a:cs typeface="Cascadia Mono" panose="020B0609020000020004" pitchFamily="49" charset="0"/>
+              </a:rPr>
+              <a:t> @_aftermap</a:t>
+            </a:r>
+            <a:r>
+              <a:rPr lang="en-US" sz="2000" dirty="0">
+                <a:solidFill>
+                  <a:srgbClr val="808080"/>
+                </a:solidFill>
+                <a:latin typeface="Cascadia Mono" panose="020B0609020000020004" pitchFamily="49" charset="0"/>
+                <a:cs typeface="Cascadia Mono" panose="020B0609020000020004" pitchFamily="49" charset="0"/>
+              </a:rPr>
+              <a:t>)</a:t>
+            </a:r>
+            <a:endParaRPr lang="en-US" sz="2000" dirty="0">
+              <a:latin typeface="Cascadia Mono" panose="020B0609020000020004" pitchFamily="49" charset="0"/>
+              <a:cs typeface="Cascadia Mono" panose="020B0609020000020004" pitchFamily="49" charset="0"/>
+            </a:endParaRPr>
+          </a:p>
+        </p:txBody>
+      </p:sp>
+      <p:pic>
+        <p:nvPicPr>
+          <p:cNvPr id="7" name="Picture 6">
+            <a:extLst>
+              <a:ext uri="{FF2B5EF4-FFF2-40B4-BE49-F238E27FC236}">
+                <a16:creationId xmlns:a16="http://schemas.microsoft.com/office/drawing/2014/main" id="{03E6594B-04DE-D927-A606-6F7B3419AE76}"/>
+              </a:ext>
+            </a:extLst>
+          </p:cNvPr>
+          <p:cNvPicPr>
+            <a:picLocks noChangeAspect="1"/>
+          </p:cNvPicPr>
+          <p:nvPr/>
+        </p:nvPicPr>
+        <p:blipFill>
+          <a:blip r:embed="rId2"/>
+          <a:stretch>
+            <a:fillRect/>
+          </a:stretch>
+        </p:blipFill>
+        <p:spPr>
+          <a:xfrm>
+            <a:off x="8478423" y="4596070"/>
+            <a:ext cx="2739765" cy="773102"/>
+          </a:xfrm>
+          <a:prstGeom prst="rect">
+            <a:avLst/>
+          </a:prstGeom>
+        </p:spPr>
+      </p:pic>
+      <p:pic>
+        <p:nvPicPr>
+          <p:cNvPr id="9" name="Picture 8">
+            <a:extLst>
+              <a:ext uri="{FF2B5EF4-FFF2-40B4-BE49-F238E27FC236}">
+                <a16:creationId xmlns:a16="http://schemas.microsoft.com/office/drawing/2014/main" id="{2C83E39D-01BE-CFBE-15B0-1252865F705D}"/>
+              </a:ext>
+            </a:extLst>
+          </p:cNvPr>
+          <p:cNvPicPr>
+            <a:picLocks noChangeAspect="1"/>
+          </p:cNvPicPr>
+          <p:nvPr/>
+        </p:nvPicPr>
+        <p:blipFill>
+          <a:blip r:embed="rId3"/>
+          <a:stretch>
+            <a:fillRect/>
+          </a:stretch>
+        </p:blipFill>
+        <p:spPr>
+          <a:xfrm>
+            <a:off x="8478423" y="3429000"/>
+            <a:ext cx="2739765" cy="776948"/>
+          </a:xfrm>
+          <a:prstGeom prst="rect">
+            <a:avLst/>
+          </a:prstGeom>
+        </p:spPr>
+      </p:pic>
+    </p:spTree>
+    <p:extLst>
+      <p:ext uri="{BB962C8B-B14F-4D97-AF65-F5344CB8AC3E}">
+        <p14:creationId xmlns:p14="http://schemas.microsoft.com/office/powerpoint/2010/main" val="3531732346"/>
       </p:ext>
     </p:extLst>
   </p:cSld>

--- a/TSQL_Translate_Operator/TSQL Translate.pptx
+++ b/TSQL_Translate_Operator/TSQL Translate.pptx
@@ -2342,7 +2342,7 @@
           <a:p>
             <a:fld id="{D6A2AC56-E20D-4719-9E66-68604E547144}" type="datetimeFigureOut">
               <a:rPr lang="en-US" smtClean="0"/>
-              <a:t>3/21/2024</a:t>
+              <a:t>4/12/2024</a:t>
             </a:fld>
             <a:endParaRPr lang="en-US"/>
           </a:p>
@@ -3619,7 +3619,7 @@
           <a:p>
             <a:fld id="{94E3A28C-D62F-4439-8BFC-9924939B4D00}" type="datetimeFigureOut">
               <a:rPr lang="en-US" smtClean="0"/>
-              <a:t>3/21/2024</a:t>
+              <a:t>4/12/2024</a:t>
             </a:fld>
             <a:endParaRPr lang="en-US"/>
           </a:p>
@@ -3817,7 +3817,7 @@
           <a:p>
             <a:fld id="{94E3A28C-D62F-4439-8BFC-9924939B4D00}" type="datetimeFigureOut">
               <a:rPr lang="en-US" smtClean="0"/>
-              <a:t>3/21/2024</a:t>
+              <a:t>4/12/2024</a:t>
             </a:fld>
             <a:endParaRPr lang="en-US"/>
           </a:p>
@@ -4025,7 +4025,7 @@
           <a:p>
             <a:fld id="{94E3A28C-D62F-4439-8BFC-9924939B4D00}" type="datetimeFigureOut">
               <a:rPr lang="en-US" smtClean="0"/>
-              <a:t>3/21/2024</a:t>
+              <a:t>4/12/2024</a:t>
             </a:fld>
             <a:endParaRPr lang="en-US"/>
           </a:p>
@@ -4223,7 +4223,7 @@
           <a:p>
             <a:fld id="{94E3A28C-D62F-4439-8BFC-9924939B4D00}" type="datetimeFigureOut">
               <a:rPr lang="en-US" smtClean="0"/>
-              <a:t>3/21/2024</a:t>
+              <a:t>4/12/2024</a:t>
             </a:fld>
             <a:endParaRPr lang="en-US"/>
           </a:p>
@@ -4498,7 +4498,7 @@
           <a:p>
             <a:fld id="{94E3A28C-D62F-4439-8BFC-9924939B4D00}" type="datetimeFigureOut">
               <a:rPr lang="en-US" smtClean="0"/>
-              <a:t>3/21/2024</a:t>
+              <a:t>4/12/2024</a:t>
             </a:fld>
             <a:endParaRPr lang="en-US"/>
           </a:p>
@@ -4763,7 +4763,7 @@
           <a:p>
             <a:fld id="{94E3A28C-D62F-4439-8BFC-9924939B4D00}" type="datetimeFigureOut">
               <a:rPr lang="en-US" smtClean="0"/>
-              <a:t>3/21/2024</a:t>
+              <a:t>4/12/2024</a:t>
             </a:fld>
             <a:endParaRPr lang="en-US"/>
           </a:p>
@@ -5175,7 +5175,7 @@
           <a:p>
             <a:fld id="{94E3A28C-D62F-4439-8BFC-9924939B4D00}" type="datetimeFigureOut">
               <a:rPr lang="en-US" smtClean="0"/>
-              <a:t>3/21/2024</a:t>
+              <a:t>4/12/2024</a:t>
             </a:fld>
             <a:endParaRPr lang="en-US"/>
           </a:p>
@@ -5316,7 +5316,7 @@
           <a:p>
             <a:fld id="{94E3A28C-D62F-4439-8BFC-9924939B4D00}" type="datetimeFigureOut">
               <a:rPr lang="en-US" smtClean="0"/>
-              <a:t>3/21/2024</a:t>
+              <a:t>4/12/2024</a:t>
             </a:fld>
             <a:endParaRPr lang="en-US"/>
           </a:p>
@@ -5429,7 +5429,7 @@
           <a:p>
             <a:fld id="{94E3A28C-D62F-4439-8BFC-9924939B4D00}" type="datetimeFigureOut">
               <a:rPr lang="en-US" smtClean="0"/>
-              <a:t>3/21/2024</a:t>
+              <a:t>4/12/2024</a:t>
             </a:fld>
             <a:endParaRPr lang="en-US"/>
           </a:p>
@@ -5740,7 +5740,7 @@
           <a:p>
             <a:fld id="{94E3A28C-D62F-4439-8BFC-9924939B4D00}" type="datetimeFigureOut">
               <a:rPr lang="en-US" smtClean="0"/>
-              <a:t>3/21/2024</a:t>
+              <a:t>4/12/2024</a:t>
             </a:fld>
             <a:endParaRPr lang="en-US"/>
           </a:p>
@@ -6028,7 +6028,7 @@
           <a:p>
             <a:fld id="{94E3A28C-D62F-4439-8BFC-9924939B4D00}" type="datetimeFigureOut">
               <a:rPr lang="en-US" smtClean="0"/>
-              <a:t>3/21/2024</a:t>
+              <a:t>4/12/2024</a:t>
             </a:fld>
             <a:endParaRPr lang="en-US"/>
           </a:p>
@@ -6269,7 +6269,7 @@
           <a:p>
             <a:fld id="{94E3A28C-D62F-4439-8BFC-9924939B4D00}" type="datetimeFigureOut">
               <a:rPr lang="en-US" smtClean="0"/>
-              <a:t>3/21/2024</a:t>
+              <a:t>4/12/2024</a:t>
             </a:fld>
             <a:endParaRPr lang="en-US"/>
           </a:p>
@@ -19830,8 +19830,19 @@
                 <a:latin typeface="Verdana" panose="020B0604030504040204" pitchFamily="34" charset="0"/>
                 <a:ea typeface="Verdana" panose="020B0604030504040204" pitchFamily="34" charset="0"/>
               </a:rPr>
-              <a:t>https://www.linkedin.com/in/jeff-foushee-13b80a100/</a:t>
-            </a:r>
+              <a:t>https://www.linkedin.com/in</a:t>
+            </a:r>
+            <a:r>
+              <a:rPr lang="en-US" sz="2000">
+                <a:latin typeface="Verdana" panose="020B0604030504040204" pitchFamily="34" charset="0"/>
+                <a:ea typeface="Verdana" panose="020B0604030504040204" pitchFamily="34" charset="0"/>
+              </a:rPr>
+              <a:t>/jeff-foushee/</a:t>
+            </a:r>
+            <a:endParaRPr lang="en-US" sz="2000" dirty="0">
+              <a:latin typeface="Verdana" panose="020B0604030504040204" pitchFamily="34" charset="0"/>
+              <a:ea typeface="Verdana" panose="020B0604030504040204" pitchFamily="34" charset="0"/>
+            </a:endParaRPr>
           </a:p>
         </p:txBody>
       </p:sp>
@@ -21145,7 +21156,7 @@
                 <a:latin typeface="Verdana" panose="020B0604030504040204" pitchFamily="34" charset="0"/>
                 <a:ea typeface="Verdana" panose="020B0604030504040204" pitchFamily="34" charset="0"/>
               </a:rPr>
-              <a:t>https://www.linkedin.com/in/jeff-foushee-13b80a100/</a:t>
+              <a:t>https://www.linkedin.com/in/jeff-foushee/</a:t>
             </a:r>
           </a:p>
         </p:txBody>

--- a/TSQL_Translate_Operator/TSQL Translate.pptx
+++ b/TSQL_Translate_Operator/TSQL Translate.pptx
@@ -5,37 +5,38 @@
     <p:sldMasterId id="2147483648" r:id="rId1"/>
   </p:sldMasterIdLst>
   <p:notesMasterIdLst>
-    <p:notesMasterId r:id="rId30"/>
+    <p:notesMasterId r:id="rId31"/>
   </p:notesMasterIdLst>
   <p:sldIdLst>
-    <p:sldId id="256" r:id="rId2"/>
-    <p:sldId id="316" r:id="rId3"/>
-    <p:sldId id="257" r:id="rId4"/>
-    <p:sldId id="258" r:id="rId5"/>
-    <p:sldId id="315" r:id="rId6"/>
-    <p:sldId id="259" r:id="rId7"/>
-    <p:sldId id="260" r:id="rId8"/>
-    <p:sldId id="322" r:id="rId9"/>
-    <p:sldId id="282" r:id="rId10"/>
-    <p:sldId id="318" r:id="rId11"/>
-    <p:sldId id="319" r:id="rId12"/>
-    <p:sldId id="320" r:id="rId13"/>
-    <p:sldId id="321" r:id="rId14"/>
-    <p:sldId id="277" r:id="rId15"/>
-    <p:sldId id="295" r:id="rId16"/>
-    <p:sldId id="287" r:id="rId17"/>
-    <p:sldId id="288" r:id="rId18"/>
-    <p:sldId id="296" r:id="rId19"/>
-    <p:sldId id="289" r:id="rId20"/>
-    <p:sldId id="278" r:id="rId21"/>
-    <p:sldId id="290" r:id="rId22"/>
-    <p:sldId id="280" r:id="rId23"/>
-    <p:sldId id="301" r:id="rId24"/>
-    <p:sldId id="302" r:id="rId25"/>
-    <p:sldId id="300" r:id="rId26"/>
-    <p:sldId id="297" r:id="rId27"/>
-    <p:sldId id="299" r:id="rId28"/>
-    <p:sldId id="314" r:id="rId29"/>
+    <p:sldId id="379" r:id="rId2"/>
+    <p:sldId id="256" r:id="rId3"/>
+    <p:sldId id="316" r:id="rId4"/>
+    <p:sldId id="257" r:id="rId5"/>
+    <p:sldId id="258" r:id="rId6"/>
+    <p:sldId id="315" r:id="rId7"/>
+    <p:sldId id="259" r:id="rId8"/>
+    <p:sldId id="260" r:id="rId9"/>
+    <p:sldId id="322" r:id="rId10"/>
+    <p:sldId id="282" r:id="rId11"/>
+    <p:sldId id="318" r:id="rId12"/>
+    <p:sldId id="319" r:id="rId13"/>
+    <p:sldId id="320" r:id="rId14"/>
+    <p:sldId id="321" r:id="rId15"/>
+    <p:sldId id="277" r:id="rId16"/>
+    <p:sldId id="295" r:id="rId17"/>
+    <p:sldId id="287" r:id="rId18"/>
+    <p:sldId id="288" r:id="rId19"/>
+    <p:sldId id="296" r:id="rId20"/>
+    <p:sldId id="289" r:id="rId21"/>
+    <p:sldId id="278" r:id="rId22"/>
+    <p:sldId id="290" r:id="rId23"/>
+    <p:sldId id="280" r:id="rId24"/>
+    <p:sldId id="301" r:id="rId25"/>
+    <p:sldId id="302" r:id="rId26"/>
+    <p:sldId id="300" r:id="rId27"/>
+    <p:sldId id="297" r:id="rId28"/>
+    <p:sldId id="299" r:id="rId29"/>
+    <p:sldId id="314" r:id="rId30"/>
   </p:sldIdLst>
   <p:sldSz cx="12192000" cy="6858000"/>
   <p:notesSz cx="6858000" cy="9144000"/>
@@ -2342,7 +2343,7 @@
           <a:p>
             <a:fld id="{D6A2AC56-E20D-4719-9E66-68604E547144}" type="datetimeFigureOut">
               <a:rPr lang="en-US" smtClean="0"/>
-              <a:t>4/12/2024</a:t>
+              <a:t>5/10/2024</a:t>
             </a:fld>
             <a:endParaRPr lang="en-US"/>
           </a:p>
@@ -2677,7 +2678,7 @@
           <a:p>
             <a:fld id="{3FD7DB7D-0C53-4255-829B-DFDF02E6CE3A}" type="slidenum">
               <a:rPr lang="en-US" smtClean="0"/>
-              <a:t>2</a:t>
+              <a:t>3</a:t>
             </a:fld>
             <a:endParaRPr lang="en-US"/>
           </a:p>
@@ -2776,7 +2777,7 @@
           <a:p>
             <a:fld id="{3FD7DB7D-0C53-4255-829B-DFDF02E6CE3A}" type="slidenum">
               <a:rPr lang="en-US" smtClean="0"/>
-              <a:t>3</a:t>
+              <a:t>4</a:t>
             </a:fld>
             <a:endParaRPr lang="en-US"/>
           </a:p>
@@ -2863,7 +2864,7 @@
           <a:p>
             <a:fld id="{3FD7DB7D-0C53-4255-829B-DFDF02E6CE3A}" type="slidenum">
               <a:rPr lang="en-US" smtClean="0"/>
-              <a:t>4</a:t>
+              <a:t>5</a:t>
             </a:fld>
             <a:endParaRPr lang="en-US"/>
           </a:p>
@@ -2962,7 +2963,7 @@
           <a:p>
             <a:fld id="{3FD7DB7D-0C53-4255-829B-DFDF02E6CE3A}" type="slidenum">
               <a:rPr lang="en-US" smtClean="0"/>
-              <a:t>6</a:t>
+              <a:t>7</a:t>
             </a:fld>
             <a:endParaRPr lang="en-US"/>
           </a:p>
@@ -3058,7 +3059,7 @@
           <a:p>
             <a:fld id="{3FD7DB7D-0C53-4255-829B-DFDF02E6CE3A}" type="slidenum">
               <a:rPr lang="en-US" smtClean="0"/>
-              <a:t>9</a:t>
+              <a:t>10</a:t>
             </a:fld>
             <a:endParaRPr lang="en-US"/>
           </a:p>
@@ -3190,7 +3191,7 @@
           <a:p>
             <a:fld id="{3FD7DB7D-0C53-4255-829B-DFDF02E6CE3A}" type="slidenum">
               <a:rPr lang="en-US" smtClean="0"/>
-              <a:t>14</a:t>
+              <a:t>15</a:t>
             </a:fld>
             <a:endParaRPr lang="en-US"/>
           </a:p>
@@ -3277,7 +3278,7 @@
           <a:p>
             <a:fld id="{3FD7DB7D-0C53-4255-829B-DFDF02E6CE3A}" type="slidenum">
               <a:rPr lang="en-US" smtClean="0"/>
-              <a:t>23</a:t>
+              <a:t>24</a:t>
             </a:fld>
             <a:endParaRPr lang="en-US"/>
           </a:p>
@@ -3369,7 +3370,7 @@
           <a:p>
             <a:fld id="{3FD7DB7D-0C53-4255-829B-DFDF02E6CE3A}" type="slidenum">
               <a:rPr lang="en-US" smtClean="0"/>
-              <a:t>25</a:t>
+              <a:t>26</a:t>
             </a:fld>
             <a:endParaRPr lang="en-US"/>
           </a:p>
@@ -3453,7 +3454,7 @@
           <a:p>
             <a:fld id="{3FD7DB7D-0C53-4255-829B-DFDF02E6CE3A}" type="slidenum">
               <a:rPr lang="en-US" smtClean="0"/>
-              <a:t>26</a:t>
+              <a:t>27</a:t>
             </a:fld>
             <a:endParaRPr lang="en-US"/>
           </a:p>
@@ -3619,7 +3620,7 @@
           <a:p>
             <a:fld id="{94E3A28C-D62F-4439-8BFC-9924939B4D00}" type="datetimeFigureOut">
               <a:rPr lang="en-US" smtClean="0"/>
-              <a:t>4/12/2024</a:t>
+              <a:t>5/10/2024</a:t>
             </a:fld>
             <a:endParaRPr lang="en-US"/>
           </a:p>
@@ -3817,7 +3818,7 @@
           <a:p>
             <a:fld id="{94E3A28C-D62F-4439-8BFC-9924939B4D00}" type="datetimeFigureOut">
               <a:rPr lang="en-US" smtClean="0"/>
-              <a:t>4/12/2024</a:t>
+              <a:t>5/10/2024</a:t>
             </a:fld>
             <a:endParaRPr lang="en-US"/>
           </a:p>
@@ -4025,7 +4026,7 @@
           <a:p>
             <a:fld id="{94E3A28C-D62F-4439-8BFC-9924939B4D00}" type="datetimeFigureOut">
               <a:rPr lang="en-US" smtClean="0"/>
-              <a:t>4/12/2024</a:t>
+              <a:t>5/10/2024</a:t>
             </a:fld>
             <a:endParaRPr lang="en-US"/>
           </a:p>
@@ -4223,7 +4224,7 @@
           <a:p>
             <a:fld id="{94E3A28C-D62F-4439-8BFC-9924939B4D00}" type="datetimeFigureOut">
               <a:rPr lang="en-US" smtClean="0"/>
-              <a:t>4/12/2024</a:t>
+              <a:t>5/10/2024</a:t>
             </a:fld>
             <a:endParaRPr lang="en-US"/>
           </a:p>
@@ -4498,7 +4499,7 @@
           <a:p>
             <a:fld id="{94E3A28C-D62F-4439-8BFC-9924939B4D00}" type="datetimeFigureOut">
               <a:rPr lang="en-US" smtClean="0"/>
-              <a:t>4/12/2024</a:t>
+              <a:t>5/10/2024</a:t>
             </a:fld>
             <a:endParaRPr lang="en-US"/>
           </a:p>
@@ -4763,7 +4764,7 @@
           <a:p>
             <a:fld id="{94E3A28C-D62F-4439-8BFC-9924939B4D00}" type="datetimeFigureOut">
               <a:rPr lang="en-US" smtClean="0"/>
-              <a:t>4/12/2024</a:t>
+              <a:t>5/10/2024</a:t>
             </a:fld>
             <a:endParaRPr lang="en-US"/>
           </a:p>
@@ -5175,7 +5176,7 @@
           <a:p>
             <a:fld id="{94E3A28C-D62F-4439-8BFC-9924939B4D00}" type="datetimeFigureOut">
               <a:rPr lang="en-US" smtClean="0"/>
-              <a:t>4/12/2024</a:t>
+              <a:t>5/10/2024</a:t>
             </a:fld>
             <a:endParaRPr lang="en-US"/>
           </a:p>
@@ -5316,7 +5317,7 @@
           <a:p>
             <a:fld id="{94E3A28C-D62F-4439-8BFC-9924939B4D00}" type="datetimeFigureOut">
               <a:rPr lang="en-US" smtClean="0"/>
-              <a:t>4/12/2024</a:t>
+              <a:t>5/10/2024</a:t>
             </a:fld>
             <a:endParaRPr lang="en-US"/>
           </a:p>
@@ -5429,7 +5430,7 @@
           <a:p>
             <a:fld id="{94E3A28C-D62F-4439-8BFC-9924939B4D00}" type="datetimeFigureOut">
               <a:rPr lang="en-US" smtClean="0"/>
-              <a:t>4/12/2024</a:t>
+              <a:t>5/10/2024</a:t>
             </a:fld>
             <a:endParaRPr lang="en-US"/>
           </a:p>
@@ -5740,7 +5741,7 @@
           <a:p>
             <a:fld id="{94E3A28C-D62F-4439-8BFC-9924939B4D00}" type="datetimeFigureOut">
               <a:rPr lang="en-US" smtClean="0"/>
-              <a:t>4/12/2024</a:t>
+              <a:t>5/10/2024</a:t>
             </a:fld>
             <a:endParaRPr lang="en-US"/>
           </a:p>
@@ -6028,7 +6029,7 @@
           <a:p>
             <a:fld id="{94E3A28C-D62F-4439-8BFC-9924939B4D00}" type="datetimeFigureOut">
               <a:rPr lang="en-US" smtClean="0"/>
-              <a:t>4/12/2024</a:t>
+              <a:t>5/10/2024</a:t>
             </a:fld>
             <a:endParaRPr lang="en-US"/>
           </a:p>
@@ -6269,7 +6270,7 @@
           <a:p>
             <a:fld id="{94E3A28C-D62F-4439-8BFC-9924939B4D00}" type="datetimeFigureOut">
               <a:rPr lang="en-US" smtClean="0"/>
-              <a:t>4/12/2024</a:t>
+              <a:t>5/10/2024</a:t>
             </a:fld>
             <a:endParaRPr lang="en-US"/>
           </a:p>
@@ -6686,51 +6687,62 @@
           <a:chExt cx="0" cy="0"/>
         </a:xfrm>
       </p:grpSpPr>
+      <p:sp>
+        <p:nvSpPr>
+          <p:cNvPr id="2" name="Title 1">
+            <a:extLst>
+              <a:ext uri="{FF2B5EF4-FFF2-40B4-BE49-F238E27FC236}">
+                <a16:creationId xmlns:a16="http://schemas.microsoft.com/office/drawing/2014/main" id="{2C169F34-9CC1-E59F-E59F-51DB3D97E003}"/>
+              </a:ext>
+            </a:extLst>
+          </p:cNvPr>
+          <p:cNvSpPr>
+            <a:spLocks noGrp="1"/>
+          </p:cNvSpPr>
+          <p:nvPr>
+            <p:ph type="title"/>
+          </p:nvPr>
+        </p:nvSpPr>
+        <p:spPr/>
+        <p:txBody>
+          <a:bodyPr/>
+          <a:lstStyle/>
+          <a:p>
+            <a:r>
+              <a:rPr lang="en-US" dirty="0"/>
+              <a:t>Reviewing after the presentation?</a:t>
+            </a:r>
+          </a:p>
+        </p:txBody>
+      </p:sp>
       <p:pic>
         <p:nvPicPr>
-          <p:cNvPr id="5" name="Picture 4" descr="Live Instructor-Led SQL Querying Advanced Training - Hands-on Course">
+          <p:cNvPr id="5" name="Picture 4">
             <a:extLst>
               <a:ext uri="{FF2B5EF4-FFF2-40B4-BE49-F238E27FC236}">
-                <a16:creationId xmlns:a16="http://schemas.microsoft.com/office/drawing/2014/main" id="{DFE403ED-A277-0B1F-929B-84674C9F6C57}"/>
+                <a16:creationId xmlns:a16="http://schemas.microsoft.com/office/drawing/2014/main" id="{9C67A4AD-2DB8-D681-74A7-3A47132B8725}"/>
               </a:ext>
             </a:extLst>
           </p:cNvPr>
           <p:cNvPicPr>
-            <a:picLocks noChangeAspect="1" noChangeArrowheads="1"/>
+            <a:picLocks noChangeAspect="1"/>
           </p:cNvPicPr>
           <p:nvPr/>
         </p:nvPicPr>
         <p:blipFill>
-          <a:blip r:embed="rId2">
-            <a:extLst>
-              <a:ext uri="{28A0092B-C50C-407E-A947-70E740481C1C}">
-                <a14:useLocalDpi xmlns:a14="http://schemas.microsoft.com/office/drawing/2010/main" val="0"/>
-              </a:ext>
-            </a:extLst>
-          </a:blip>
-          <a:srcRect/>
+          <a:blip r:embed="rId2"/>
           <a:stretch>
             <a:fillRect/>
           </a:stretch>
         </p:blipFill>
-        <p:spPr bwMode="auto">
+        <p:spPr>
           <a:xfrm>
-            <a:off x="9742063" y="4829875"/>
-            <a:ext cx="1698570" cy="1787968"/>
+            <a:off x="1047749" y="2184885"/>
+            <a:ext cx="10096500" cy="1362075"/>
           </a:xfrm>
           <a:prstGeom prst="rect">
             <a:avLst/>
           </a:prstGeom>
-          <a:noFill/>
-          <a:extLst>
-            <a:ext uri="{909E8E84-426E-40DD-AFC4-6F175D3DCCD1}">
-              <a14:hiddenFill xmlns:a14="http://schemas.microsoft.com/office/drawing/2010/main">
-                <a:solidFill>
-                  <a:srgbClr val="FFFFFF"/>
-                </a:solidFill>
-              </a14:hiddenFill>
-            </a:ext>
-          </a:extLst>
         </p:spPr>
       </p:pic>
       <p:sp>
@@ -6738,7 +6750,7 @@
           <p:cNvPr id="6" name="TextBox 5">
             <a:extLst>
               <a:ext uri="{FF2B5EF4-FFF2-40B4-BE49-F238E27FC236}">
-                <a16:creationId xmlns:a16="http://schemas.microsoft.com/office/drawing/2014/main" id="{9D44AD19-263C-C364-3CA4-77843A07E6F1}"/>
+                <a16:creationId xmlns:a16="http://schemas.microsoft.com/office/drawing/2014/main" id="{C6330FE9-AB35-44BA-F17A-6FD0DAAB70CE}"/>
               </a:ext>
             </a:extLst>
           </p:cNvPr>
@@ -6747,8 +6759,570 @@
         </p:nvSpPr>
         <p:spPr>
           <a:xfrm>
-            <a:off x="1219200" y="1605776"/>
-            <a:ext cx="9374459" cy="830997"/>
+            <a:off x="2152997" y="4735629"/>
+            <a:ext cx="7886005" cy="523220"/>
+          </a:xfrm>
+          <a:prstGeom prst="rect">
+            <a:avLst/>
+          </a:prstGeom>
+          <a:noFill/>
+        </p:spPr>
+        <p:txBody>
+          <a:bodyPr wrap="none" rtlCol="0">
+            <a:spAutoFit/>
+          </a:bodyPr>
+          <a:lstStyle/>
+          <a:p>
+            <a:pPr marL="0" marR="0" lvl="0" indent="0" algn="l" defTabSz="914400" rtl="0" eaLnBrk="1" fontAlgn="auto" latinLnBrk="0" hangingPunct="1">
+              <a:lnSpc>
+                <a:spcPct val="100000"/>
+              </a:lnSpc>
+              <a:spcBef>
+                <a:spcPts val="0"/>
+              </a:spcBef>
+              <a:spcAft>
+                <a:spcPts val="0"/>
+              </a:spcAft>
+              <a:buClrTx/>
+              <a:buSzTx/>
+              <a:buFontTx/>
+              <a:buNone/>
+              <a:tabLst/>
+              <a:defRPr/>
+            </a:pPr>
+            <a:r>
+              <a:rPr kumimoji="0" lang="en-US" sz="2800" b="0" i="0" u="none" strike="noStrike" kern="1200" cap="none" spc="0" normalizeH="0" baseline="0" noProof="0" dirty="0">
+                <a:ln>
+                  <a:noFill/>
+                </a:ln>
+                <a:solidFill>
+                  <a:prstClr val="black"/>
+                </a:solidFill>
+                <a:effectLst/>
+                <a:uLnTx/>
+                <a:uFillTx/>
+                <a:latin typeface="Calibri" panose="020F0502020204030204"/>
+                <a:ea typeface="+mn-ea"/>
+                <a:cs typeface="+mn-cs"/>
+              </a:rPr>
+              <a:t>Be sure to enable the Notes for slide-specific content</a:t>
+            </a:r>
+          </a:p>
+        </p:txBody>
+      </p:sp>
+    </p:spTree>
+    <p:extLst>
+      <p:ext uri="{BB962C8B-B14F-4D97-AF65-F5344CB8AC3E}">
+        <p14:creationId xmlns:p14="http://schemas.microsoft.com/office/powerpoint/2010/main" val="1346962698"/>
+      </p:ext>
+    </p:extLst>
+  </p:cSld>
+  <p:clrMapOvr>
+    <a:masterClrMapping/>
+  </p:clrMapOvr>
+</p:sld>
+</file>
+
+<file path=ppt/slides/slide10.xml><?xml version="1.0" encoding="utf-8"?>
+<p:sld xmlns:a="http://schemas.openxmlformats.org/drawingml/2006/main" xmlns:r="http://schemas.openxmlformats.org/officeDocument/2006/relationships" xmlns:p="http://schemas.openxmlformats.org/presentationml/2006/main">
+  <p:cSld>
+    <p:spTree>
+      <p:nvGrpSpPr>
+        <p:cNvPr id="1" name=""/>
+        <p:cNvGrpSpPr/>
+        <p:nvPr/>
+      </p:nvGrpSpPr>
+      <p:grpSpPr>
+        <a:xfrm>
+          <a:off x="0" y="0"/>
+          <a:ext cx="0" cy="0"/>
+          <a:chOff x="0" y="0"/>
+          <a:chExt cx="0" cy="0"/>
+        </a:xfrm>
+      </p:grpSpPr>
+      <p:sp>
+        <p:nvSpPr>
+          <p:cNvPr id="6" name="TextBox 5">
+            <a:extLst>
+              <a:ext uri="{FF2B5EF4-FFF2-40B4-BE49-F238E27FC236}">
+                <a16:creationId xmlns:a16="http://schemas.microsoft.com/office/drawing/2014/main" id="{44410209-5076-4902-0710-FB5CB3CD3FB0}"/>
+              </a:ext>
+            </a:extLst>
+          </p:cNvPr>
+          <p:cNvSpPr txBox="1"/>
+          <p:nvPr/>
+        </p:nvSpPr>
+        <p:spPr>
+          <a:xfrm>
+            <a:off x="981075" y="2279439"/>
+            <a:ext cx="5114925" cy="400110"/>
+          </a:xfrm>
+          <a:prstGeom prst="rect">
+            <a:avLst/>
+          </a:prstGeom>
+          <a:noFill/>
+        </p:spPr>
+        <p:txBody>
+          <a:bodyPr wrap="square">
+            <a:spAutoFit/>
+          </a:bodyPr>
+          <a:lstStyle/>
+          <a:p>
+            <a:r>
+              <a:rPr lang="en-US" sz="2000" dirty="0">
+                <a:solidFill>
+                  <a:srgbClr val="0000FF"/>
+                </a:solidFill>
+                <a:latin typeface="Consolas" panose="020B0609020204030204" pitchFamily="49" charset="0"/>
+              </a:rPr>
+              <a:t>SELECT</a:t>
+            </a:r>
+            <a:r>
+              <a:rPr lang="en-US" sz="2000" dirty="0">
+                <a:solidFill>
+                  <a:srgbClr val="000000"/>
+                </a:solidFill>
+                <a:latin typeface="Consolas" panose="020B0609020204030204" pitchFamily="49" charset="0"/>
+              </a:rPr>
+              <a:t> </a:t>
+            </a:r>
+            <a:r>
+              <a:rPr lang="en-US" sz="2000" dirty="0">
+                <a:solidFill>
+                  <a:srgbClr val="FF00FF"/>
+                </a:solidFill>
+                <a:latin typeface="Consolas" panose="020B0609020204030204" pitchFamily="49" charset="0"/>
+              </a:rPr>
+              <a:t>TRANSLATE</a:t>
+            </a:r>
+            <a:r>
+              <a:rPr lang="en-US" sz="2000" dirty="0">
+                <a:solidFill>
+                  <a:srgbClr val="808080"/>
+                </a:solidFill>
+                <a:latin typeface="Consolas" panose="020B0609020204030204" pitchFamily="49" charset="0"/>
+              </a:rPr>
+              <a:t>(</a:t>
+            </a:r>
+            <a:r>
+              <a:rPr lang="en-US" sz="2000" dirty="0">
+                <a:solidFill>
+                  <a:srgbClr val="FF0000"/>
+                </a:solidFill>
+                <a:latin typeface="Consolas" panose="020B0609020204030204" pitchFamily="49" charset="0"/>
+              </a:rPr>
+              <a:t>'hello'</a:t>
+            </a:r>
+            <a:r>
+              <a:rPr lang="en-US" sz="2000" dirty="0">
+                <a:solidFill>
+                  <a:srgbClr val="808080"/>
+                </a:solidFill>
+                <a:latin typeface="Consolas" panose="020B0609020204030204" pitchFamily="49" charset="0"/>
+              </a:rPr>
+              <a:t>,</a:t>
+            </a:r>
+            <a:r>
+              <a:rPr lang="en-US" sz="2000" dirty="0">
+                <a:solidFill>
+                  <a:srgbClr val="000000"/>
+                </a:solidFill>
+                <a:latin typeface="Consolas" panose="020B0609020204030204" pitchFamily="49" charset="0"/>
+              </a:rPr>
+              <a:t> </a:t>
+            </a:r>
+            <a:r>
+              <a:rPr lang="en-US" sz="2000" dirty="0">
+                <a:solidFill>
+                  <a:srgbClr val="FF0000"/>
+                </a:solidFill>
+                <a:latin typeface="Consolas" panose="020B0609020204030204" pitchFamily="49" charset="0"/>
+              </a:rPr>
+              <a:t>'E'</a:t>
+            </a:r>
+            <a:r>
+              <a:rPr lang="en-US" sz="2000" dirty="0">
+                <a:solidFill>
+                  <a:srgbClr val="808080"/>
+                </a:solidFill>
+                <a:latin typeface="Consolas" panose="020B0609020204030204" pitchFamily="49" charset="0"/>
+              </a:rPr>
+              <a:t>,</a:t>
+            </a:r>
+            <a:r>
+              <a:rPr lang="en-US" sz="2000" dirty="0">
+                <a:solidFill>
+                  <a:srgbClr val="000000"/>
+                </a:solidFill>
+                <a:latin typeface="Consolas" panose="020B0609020204030204" pitchFamily="49" charset="0"/>
+              </a:rPr>
+              <a:t> </a:t>
+            </a:r>
+            <a:r>
+              <a:rPr lang="en-US" sz="2000" dirty="0">
+                <a:solidFill>
+                  <a:srgbClr val="FF0000"/>
+                </a:solidFill>
+                <a:latin typeface="Consolas" panose="020B0609020204030204" pitchFamily="49" charset="0"/>
+              </a:rPr>
+              <a:t>'A'</a:t>
+            </a:r>
+            <a:r>
+              <a:rPr lang="en-US" sz="2000" dirty="0">
+                <a:solidFill>
+                  <a:srgbClr val="808080"/>
+                </a:solidFill>
+                <a:latin typeface="Consolas" panose="020B0609020204030204" pitchFamily="49" charset="0"/>
+              </a:rPr>
+              <a:t>)</a:t>
+            </a:r>
+            <a:endParaRPr lang="es-ES" sz="2000" dirty="0">
+              <a:solidFill>
+                <a:srgbClr val="000000"/>
+              </a:solidFill>
+              <a:latin typeface="Consolas" panose="020B0609020204030204" pitchFamily="49" charset="0"/>
+            </a:endParaRPr>
+          </a:p>
+        </p:txBody>
+      </p:sp>
+      <p:pic>
+        <p:nvPicPr>
+          <p:cNvPr id="3" name="Picture 2">
+            <a:extLst>
+              <a:ext uri="{FF2B5EF4-FFF2-40B4-BE49-F238E27FC236}">
+                <a16:creationId xmlns:a16="http://schemas.microsoft.com/office/drawing/2014/main" id="{C5DAC873-F9E8-47FF-1565-EB69C5EBDF62}"/>
+              </a:ext>
+            </a:extLst>
+          </p:cNvPr>
+          <p:cNvPicPr>
+            <a:picLocks noChangeAspect="1"/>
+          </p:cNvPicPr>
+          <p:nvPr/>
+        </p:nvPicPr>
+        <p:blipFill>
+          <a:blip r:embed="rId3"/>
+          <a:stretch>
+            <a:fillRect/>
+          </a:stretch>
+        </p:blipFill>
+        <p:spPr>
+          <a:xfrm>
+            <a:off x="1289685" y="2751641"/>
+            <a:ext cx="3248025" cy="1082675"/>
+          </a:xfrm>
+          <a:prstGeom prst="rect">
+            <a:avLst/>
+          </a:prstGeom>
+        </p:spPr>
+      </p:pic>
+      <p:sp>
+        <p:nvSpPr>
+          <p:cNvPr id="8" name="TextBox 7">
+            <a:extLst>
+              <a:ext uri="{FF2B5EF4-FFF2-40B4-BE49-F238E27FC236}">
+                <a16:creationId xmlns:a16="http://schemas.microsoft.com/office/drawing/2014/main" id="{604B7F01-18FC-0134-829F-DE82552E8BE8}"/>
+              </a:ext>
+            </a:extLst>
+          </p:cNvPr>
+          <p:cNvSpPr txBox="1"/>
+          <p:nvPr/>
+        </p:nvSpPr>
+        <p:spPr>
+          <a:xfrm>
+            <a:off x="738055" y="744925"/>
+            <a:ext cx="10583913" cy="646331"/>
+          </a:xfrm>
+          <a:prstGeom prst="rect">
+            <a:avLst/>
+          </a:prstGeom>
+          <a:noFill/>
+        </p:spPr>
+        <p:txBody>
+          <a:bodyPr wrap="square">
+            <a:spAutoFit/>
+          </a:bodyPr>
+          <a:lstStyle/>
+          <a:p>
+            <a:r>
+              <a:rPr lang="en-US" sz="3600" dirty="0">
+                <a:solidFill>
+                  <a:srgbClr val="FF00FF"/>
+                </a:solidFill>
+                <a:latin typeface="Consolas" panose="020B0609020204030204" pitchFamily="49" charset="0"/>
+              </a:rPr>
+              <a:t>TRANSLATE</a:t>
+            </a:r>
+            <a:r>
+              <a:rPr lang="en-US" sz="3600" dirty="0">
+                <a:solidFill>
+                  <a:srgbClr val="808080"/>
+                </a:solidFill>
+                <a:latin typeface="Consolas" panose="020B0609020204030204" pitchFamily="49" charset="0"/>
+              </a:rPr>
+              <a:t>(</a:t>
+            </a:r>
+            <a:r>
+              <a:rPr lang="en-US" sz="3200" dirty="0" err="1">
+                <a:solidFill>
+                  <a:srgbClr val="000000"/>
+                </a:solidFill>
+                <a:latin typeface="Consolas" panose="020B0609020204030204" pitchFamily="49" charset="0"/>
+              </a:rPr>
+              <a:t>stringable</a:t>
+            </a:r>
+            <a:r>
+              <a:rPr lang="en-US" sz="3600" dirty="0">
+                <a:solidFill>
+                  <a:srgbClr val="808080"/>
+                </a:solidFill>
+                <a:latin typeface="Consolas" panose="020B0609020204030204" pitchFamily="49" charset="0"/>
+              </a:rPr>
+              <a:t>,</a:t>
+            </a:r>
+            <a:r>
+              <a:rPr lang="en-US" sz="2400" dirty="0">
+                <a:solidFill>
+                  <a:srgbClr val="000000"/>
+                </a:solidFill>
+                <a:latin typeface="Consolas" panose="020B0609020204030204" pitchFamily="49" charset="0"/>
+              </a:rPr>
+              <a:t> </a:t>
+            </a:r>
+            <a:r>
+              <a:rPr lang="en-US" sz="3200" dirty="0" err="1">
+                <a:solidFill>
+                  <a:srgbClr val="000000"/>
+                </a:solidFill>
+                <a:latin typeface="Consolas" panose="020B0609020204030204" pitchFamily="49" charset="0"/>
+              </a:rPr>
+              <a:t>before_map</a:t>
+            </a:r>
+            <a:r>
+              <a:rPr lang="en-US" sz="3600" dirty="0">
+                <a:solidFill>
+                  <a:srgbClr val="808080"/>
+                </a:solidFill>
+                <a:latin typeface="Consolas" panose="020B0609020204030204" pitchFamily="49" charset="0"/>
+              </a:rPr>
+              <a:t>,</a:t>
+            </a:r>
+            <a:r>
+              <a:rPr lang="en-US" sz="2400" dirty="0">
+                <a:solidFill>
+                  <a:srgbClr val="000000"/>
+                </a:solidFill>
+                <a:latin typeface="Consolas" panose="020B0609020204030204" pitchFamily="49" charset="0"/>
+              </a:rPr>
+              <a:t> </a:t>
+            </a:r>
+            <a:r>
+              <a:rPr lang="en-US" sz="3200" dirty="0" err="1">
+                <a:solidFill>
+                  <a:srgbClr val="000000"/>
+                </a:solidFill>
+                <a:latin typeface="Consolas" panose="020B0609020204030204" pitchFamily="49" charset="0"/>
+              </a:rPr>
+              <a:t>after_map</a:t>
+            </a:r>
+            <a:r>
+              <a:rPr lang="en-US" sz="3600" dirty="0">
+                <a:solidFill>
+                  <a:srgbClr val="808080"/>
+                </a:solidFill>
+                <a:latin typeface="Consolas" panose="020B0609020204030204" pitchFamily="49" charset="0"/>
+              </a:rPr>
+              <a:t>)</a:t>
+            </a:r>
+            <a:endParaRPr lang="en-US" sz="3600" dirty="0"/>
+          </a:p>
+        </p:txBody>
+      </p:sp>
+      <p:sp>
+        <p:nvSpPr>
+          <p:cNvPr id="10" name="TextBox 9">
+            <a:extLst>
+              <a:ext uri="{FF2B5EF4-FFF2-40B4-BE49-F238E27FC236}">
+                <a16:creationId xmlns:a16="http://schemas.microsoft.com/office/drawing/2014/main" id="{D9D26083-FA3C-901C-884B-A94F10A0D1FB}"/>
+              </a:ext>
+            </a:extLst>
+          </p:cNvPr>
+          <p:cNvSpPr txBox="1"/>
+          <p:nvPr/>
+        </p:nvSpPr>
+        <p:spPr>
+          <a:xfrm>
+            <a:off x="981075" y="4455914"/>
+            <a:ext cx="4653915" cy="400110"/>
+          </a:xfrm>
+          <a:prstGeom prst="rect">
+            <a:avLst/>
+          </a:prstGeom>
+          <a:noFill/>
+        </p:spPr>
+        <p:txBody>
+          <a:bodyPr wrap="square">
+            <a:spAutoFit/>
+          </a:bodyPr>
+          <a:lstStyle/>
+          <a:p>
+            <a:r>
+              <a:rPr lang="en-US" sz="2000" dirty="0">
+                <a:solidFill>
+                  <a:srgbClr val="0000FF"/>
+                </a:solidFill>
+                <a:latin typeface="Consolas" panose="020B0609020204030204" pitchFamily="49" charset="0"/>
+              </a:rPr>
+              <a:t>SELECT</a:t>
+            </a:r>
+            <a:r>
+              <a:rPr lang="en-US" sz="2000" dirty="0">
+                <a:solidFill>
+                  <a:srgbClr val="000000"/>
+                </a:solidFill>
+                <a:latin typeface="Consolas" panose="020B0609020204030204" pitchFamily="49" charset="0"/>
+              </a:rPr>
+              <a:t> </a:t>
+            </a:r>
+            <a:r>
+              <a:rPr lang="en-US" sz="2000" dirty="0">
+                <a:solidFill>
+                  <a:srgbClr val="FF00FF"/>
+                </a:solidFill>
+                <a:latin typeface="Consolas" panose="020B0609020204030204" pitchFamily="49" charset="0"/>
+              </a:rPr>
+              <a:t>TRANSLATE</a:t>
+            </a:r>
+            <a:r>
+              <a:rPr lang="en-US" sz="2000" dirty="0">
+                <a:solidFill>
+                  <a:srgbClr val="808080"/>
+                </a:solidFill>
+                <a:latin typeface="Consolas" panose="020B0609020204030204" pitchFamily="49" charset="0"/>
+              </a:rPr>
+              <a:t>(</a:t>
+            </a:r>
+            <a:r>
+              <a:rPr lang="en-US" sz="2000" dirty="0">
+                <a:solidFill>
+                  <a:srgbClr val="000000"/>
+                </a:solidFill>
+                <a:latin typeface="Consolas" panose="020B0609020204030204" pitchFamily="49" charset="0"/>
+              </a:rPr>
+              <a:t>123</a:t>
+            </a:r>
+            <a:r>
+              <a:rPr lang="en-US" sz="2000" dirty="0">
+                <a:solidFill>
+                  <a:srgbClr val="808080"/>
+                </a:solidFill>
+                <a:latin typeface="Consolas" panose="020B0609020204030204" pitchFamily="49" charset="0"/>
+              </a:rPr>
+              <a:t>,</a:t>
+            </a:r>
+            <a:r>
+              <a:rPr lang="en-US" sz="2000" dirty="0">
+                <a:solidFill>
+                  <a:srgbClr val="000000"/>
+                </a:solidFill>
+                <a:latin typeface="Consolas" panose="020B0609020204030204" pitchFamily="49" charset="0"/>
+              </a:rPr>
+              <a:t> </a:t>
+            </a:r>
+            <a:r>
+              <a:rPr lang="en-US" sz="2000" dirty="0">
+                <a:solidFill>
+                  <a:srgbClr val="FF0000"/>
+                </a:solidFill>
+                <a:latin typeface="Consolas" panose="020B0609020204030204" pitchFamily="49" charset="0"/>
+              </a:rPr>
+              <a:t>'3'</a:t>
+            </a:r>
+            <a:r>
+              <a:rPr lang="en-US" sz="2000" dirty="0">
+                <a:solidFill>
+                  <a:srgbClr val="808080"/>
+                </a:solidFill>
+                <a:latin typeface="Consolas" panose="020B0609020204030204" pitchFamily="49" charset="0"/>
+              </a:rPr>
+              <a:t>,</a:t>
+            </a:r>
+            <a:r>
+              <a:rPr lang="en-US" sz="2000" dirty="0">
+                <a:solidFill>
+                  <a:srgbClr val="000000"/>
+                </a:solidFill>
+                <a:latin typeface="Consolas" panose="020B0609020204030204" pitchFamily="49" charset="0"/>
+              </a:rPr>
+              <a:t> </a:t>
+            </a:r>
+            <a:r>
+              <a:rPr lang="en-US" sz="2000" dirty="0">
+                <a:solidFill>
+                  <a:srgbClr val="FF0000"/>
+                </a:solidFill>
+                <a:latin typeface="Consolas" panose="020B0609020204030204" pitchFamily="49" charset="0"/>
+              </a:rPr>
+              <a:t>'6'</a:t>
+            </a:r>
+            <a:r>
+              <a:rPr lang="en-US" sz="2000" dirty="0">
+                <a:solidFill>
+                  <a:srgbClr val="808080"/>
+                </a:solidFill>
+                <a:latin typeface="Consolas" panose="020B0609020204030204" pitchFamily="49" charset="0"/>
+              </a:rPr>
+              <a:t>)</a:t>
+            </a:r>
+            <a:endParaRPr lang="en-US" sz="2000" dirty="0"/>
+          </a:p>
+        </p:txBody>
+      </p:sp>
+      <p:pic>
+        <p:nvPicPr>
+          <p:cNvPr id="12" name="Picture 11">
+            <a:extLst>
+              <a:ext uri="{FF2B5EF4-FFF2-40B4-BE49-F238E27FC236}">
+                <a16:creationId xmlns:a16="http://schemas.microsoft.com/office/drawing/2014/main" id="{2FB8AAB5-D999-1FB5-A135-CE07AE425384}"/>
+              </a:ext>
+            </a:extLst>
+          </p:cNvPr>
+          <p:cNvPicPr>
+            <a:picLocks noChangeAspect="1"/>
+          </p:cNvPicPr>
+          <p:nvPr/>
+        </p:nvPicPr>
+        <p:blipFill>
+          <a:blip r:embed="rId4"/>
+          <a:stretch>
+            <a:fillRect/>
+          </a:stretch>
+        </p:blipFill>
+        <p:spPr>
+          <a:xfrm>
+            <a:off x="1289685" y="4989453"/>
+            <a:ext cx="3092831" cy="914781"/>
+          </a:xfrm>
+          <a:prstGeom prst="rect">
+            <a:avLst/>
+          </a:prstGeom>
+        </p:spPr>
+      </p:pic>
+      <p:sp>
+        <p:nvSpPr>
+          <p:cNvPr id="13" name="TextBox 12">
+            <a:extLst>
+              <a:ext uri="{FF2B5EF4-FFF2-40B4-BE49-F238E27FC236}">
+                <a16:creationId xmlns:a16="http://schemas.microsoft.com/office/drawing/2014/main" id="{2B23E60F-B8F5-C3A2-3174-0B72A33E9786}"/>
+              </a:ext>
+            </a:extLst>
+          </p:cNvPr>
+          <p:cNvSpPr txBox="1"/>
+          <p:nvPr/>
+        </p:nvSpPr>
+        <p:spPr>
+          <a:xfrm>
+            <a:off x="6839503" y="3734492"/>
+            <a:ext cx="4616923" cy="646331"/>
           </a:xfrm>
           <a:prstGeom prst="rect">
             <a:avLst/>
@@ -6762,41 +7336,18 @@
           <a:lstStyle/>
           <a:p>
             <a:r>
-              <a:rPr lang="en-US" sz="4800" b="1" dirty="0"/>
-              <a:t>The </a:t>
-            </a:r>
-            <a:r>
-              <a:rPr lang="en-US" sz="4800" dirty="0">
-                <a:solidFill>
-                  <a:srgbClr val="FF00FF"/>
-                </a:solidFill>
-                <a:latin typeface="Consolas" panose="020B0609020204030204" pitchFamily="49" charset="0"/>
-              </a:rPr>
-              <a:t>TRANSLATE</a:t>
-            </a:r>
-            <a:r>
-              <a:rPr lang="en-US" sz="4800" dirty="0">
-                <a:solidFill>
-                  <a:srgbClr val="808080"/>
-                </a:solidFill>
-                <a:latin typeface="Consolas" panose="020B0609020204030204" pitchFamily="49" charset="0"/>
-              </a:rPr>
-              <a:t>()</a:t>
-            </a:r>
-            <a:r>
-              <a:rPr lang="en-US" sz="4800" b="1" dirty="0"/>
-              <a:t> TSQL Operator</a:t>
-            </a:r>
-            <a:endParaRPr lang="en-US" sz="4800" dirty="0"/>
+              <a:rPr lang="en-US" dirty="0"/>
+              <a:t>Case-sensitivity is determined by collation hierarchy (instance, database, column, query)</a:t>
+            </a:r>
           </a:p>
         </p:txBody>
       </p:sp>
       <p:sp>
         <p:nvSpPr>
-          <p:cNvPr id="2" name="TextBox 1">
+          <p:cNvPr id="14" name="TextBox 13">
             <a:extLst>
               <a:ext uri="{FF2B5EF4-FFF2-40B4-BE49-F238E27FC236}">
-                <a16:creationId xmlns:a16="http://schemas.microsoft.com/office/drawing/2014/main" id="{C0A837E6-C6D3-8E94-26F7-61AEC17E5634}"/>
+                <a16:creationId xmlns:a16="http://schemas.microsoft.com/office/drawing/2014/main" id="{A274B8B0-A303-1D1D-3E99-08F362298D87}"/>
               </a:ext>
             </a:extLst>
           </p:cNvPr>
@@ -6805,8 +7356,8 @@
         </p:nvSpPr>
         <p:spPr>
           <a:xfrm>
-            <a:off x="3364670" y="2967335"/>
-            <a:ext cx="5563429" cy="523220"/>
+            <a:off x="6855296" y="2717071"/>
+            <a:ext cx="4585335" cy="923330"/>
           </a:xfrm>
           <a:prstGeom prst="rect">
             <a:avLst/>
@@ -6820,45 +7371,489 @@
           <a:lstStyle/>
           <a:p>
             <a:r>
-              <a:rPr lang="en-US" sz="2800" dirty="0"/>
-              <a:t>An alternative to nested-</a:t>
-            </a:r>
-            <a:r>
-              <a:rPr lang="en-US" sz="2800" dirty="0">
-                <a:solidFill>
-                  <a:srgbClr val="FF00FF"/>
-                </a:solidFill>
-                <a:latin typeface="Consolas" panose="020B0609020204030204" pitchFamily="49" charset="0"/>
-              </a:rPr>
-              <a:t>REPLACE</a:t>
-            </a:r>
-            <a:r>
-              <a:rPr lang="en-US" sz="2800" dirty="0">
-                <a:solidFill>
-                  <a:srgbClr val="808080"/>
-                </a:solidFill>
-                <a:latin typeface="Consolas" panose="020B0609020204030204" pitchFamily="49" charset="0"/>
-              </a:rPr>
-              <a:t>()</a:t>
-            </a:r>
-            <a:endParaRPr lang="en-US" sz="2800" dirty="0"/>
+              <a:rPr lang="en-US" dirty="0"/>
+              <a:t>“</a:t>
+            </a:r>
+            <a:r>
+              <a:rPr lang="en-US" dirty="0" err="1"/>
+              <a:t>Stringable</a:t>
+            </a:r>
+            <a:r>
+              <a:rPr lang="en-US" dirty="0"/>
+              <a:t>” refers to anything that can be represented as a string, including </a:t>
+            </a:r>
+            <a:r>
+              <a:rPr lang="en-US" dirty="0" err="1"/>
+              <a:t>numerics</a:t>
+            </a:r>
+            <a:r>
+              <a:rPr lang="en-US" dirty="0"/>
+              <a:t>, datetimes, </a:t>
+            </a:r>
+            <a:r>
+              <a:rPr lang="en-US" dirty="0" err="1"/>
+              <a:t>guids</a:t>
+            </a:r>
+            <a:r>
+              <a:rPr lang="en-US" dirty="0"/>
+              <a:t>, etc.</a:t>
+            </a:r>
+          </a:p>
+        </p:txBody>
+      </p:sp>
+      <p:sp>
+        <p:nvSpPr>
+          <p:cNvPr id="15" name="TextBox 14">
+            <a:extLst>
+              <a:ext uri="{FF2B5EF4-FFF2-40B4-BE49-F238E27FC236}">
+                <a16:creationId xmlns:a16="http://schemas.microsoft.com/office/drawing/2014/main" id="{4E95F8E7-F4ED-2BD1-D94C-38120D18DDD4}"/>
+              </a:ext>
+            </a:extLst>
+          </p:cNvPr>
+          <p:cNvSpPr txBox="1"/>
+          <p:nvPr/>
+        </p:nvSpPr>
+        <p:spPr>
+          <a:xfrm>
+            <a:off x="6839503" y="4523513"/>
+            <a:ext cx="4482465" cy="923330"/>
+          </a:xfrm>
+          <a:prstGeom prst="rect">
+            <a:avLst/>
+          </a:prstGeom>
+          <a:noFill/>
+        </p:spPr>
+        <p:txBody>
+          <a:bodyPr wrap="square" rtlCol="0">
+            <a:spAutoFit/>
+          </a:bodyPr>
+          <a:lstStyle/>
+          <a:p>
+            <a:r>
+              <a:rPr lang="en-US" dirty="0"/>
+              <a:t>Number of characters in </a:t>
+            </a:r>
+            <a:r>
+              <a:rPr lang="en-US" dirty="0">
+                <a:latin typeface="Consolas" panose="020B0609020204030204" pitchFamily="49" charset="0"/>
+              </a:rPr>
+              <a:t>(</a:t>
+            </a:r>
+            <a:r>
+              <a:rPr lang="en-US" dirty="0" err="1">
+                <a:latin typeface="Consolas" panose="020B0609020204030204" pitchFamily="49" charset="0"/>
+              </a:rPr>
+              <a:t>before_map</a:t>
+            </a:r>
+            <a:r>
+              <a:rPr lang="en-US" dirty="0">
+                <a:latin typeface="Consolas" panose="020B0609020204030204" pitchFamily="49" charset="0"/>
+              </a:rPr>
+              <a:t>) </a:t>
+            </a:r>
+            <a:r>
+              <a:rPr lang="en-US" dirty="0"/>
+              <a:t>must equal number of characters in </a:t>
+            </a:r>
+            <a:r>
+              <a:rPr lang="en-US" dirty="0">
+                <a:latin typeface="Consolas" panose="020B0609020204030204" pitchFamily="49" charset="0"/>
+              </a:rPr>
+              <a:t>(</a:t>
+            </a:r>
+            <a:r>
+              <a:rPr lang="en-US" dirty="0" err="1">
+                <a:latin typeface="Consolas" panose="020B0609020204030204" pitchFamily="49" charset="0"/>
+              </a:rPr>
+              <a:t>after_map</a:t>
+            </a:r>
+            <a:r>
+              <a:rPr lang="en-US" dirty="0">
+                <a:latin typeface="Consolas" panose="020B0609020204030204" pitchFamily="49" charset="0"/>
+              </a:rPr>
+              <a:t>)</a:t>
+            </a:r>
+          </a:p>
+        </p:txBody>
+      </p:sp>
+      <p:sp>
+        <p:nvSpPr>
+          <p:cNvPr id="16" name="TextBox 15">
+            <a:extLst>
+              <a:ext uri="{FF2B5EF4-FFF2-40B4-BE49-F238E27FC236}">
+                <a16:creationId xmlns:a16="http://schemas.microsoft.com/office/drawing/2014/main" id="{49ED86D3-6D21-34D8-CF80-4CEED75C90B6}"/>
+              </a:ext>
+            </a:extLst>
+          </p:cNvPr>
+          <p:cNvSpPr txBox="1"/>
+          <p:nvPr/>
+        </p:nvSpPr>
+        <p:spPr>
+          <a:xfrm>
+            <a:off x="6839503" y="5594661"/>
+            <a:ext cx="4251959" cy="369332"/>
+          </a:xfrm>
+          <a:prstGeom prst="rect">
+            <a:avLst/>
+          </a:prstGeom>
+          <a:noFill/>
+        </p:spPr>
+        <p:txBody>
+          <a:bodyPr wrap="square" rtlCol="0">
+            <a:spAutoFit/>
+          </a:bodyPr>
+          <a:lstStyle/>
+          <a:p>
+            <a:r>
+              <a:rPr lang="en-US" dirty="0"/>
+              <a:t>Perfectly fine to re-use characters as targets</a:t>
+            </a:r>
+          </a:p>
+        </p:txBody>
+      </p:sp>
+      <p:sp>
+        <p:nvSpPr>
+          <p:cNvPr id="17" name="TextBox 16">
+            <a:extLst>
+              <a:ext uri="{FF2B5EF4-FFF2-40B4-BE49-F238E27FC236}">
+                <a16:creationId xmlns:a16="http://schemas.microsoft.com/office/drawing/2014/main" id="{B3435BAF-BCE3-BA22-9B52-7A37E3EE1481}"/>
+              </a:ext>
+            </a:extLst>
+          </p:cNvPr>
+          <p:cNvSpPr txBox="1"/>
+          <p:nvPr/>
+        </p:nvSpPr>
+        <p:spPr>
+          <a:xfrm>
+            <a:off x="6839503" y="2279439"/>
+            <a:ext cx="4133297" cy="369332"/>
+          </a:xfrm>
+          <a:prstGeom prst="rect">
+            <a:avLst/>
+          </a:prstGeom>
+          <a:noFill/>
+        </p:spPr>
+        <p:txBody>
+          <a:bodyPr wrap="square" rtlCol="0">
+            <a:spAutoFit/>
+          </a:bodyPr>
+          <a:lstStyle/>
+          <a:p>
+            <a:endParaRPr lang="en-US"/>
+          </a:p>
+        </p:txBody>
+      </p:sp>
+      <p:sp>
+        <p:nvSpPr>
+          <p:cNvPr id="2" name="TextBox 1">
+            <a:extLst>
+              <a:ext uri="{FF2B5EF4-FFF2-40B4-BE49-F238E27FC236}">
+                <a16:creationId xmlns:a16="http://schemas.microsoft.com/office/drawing/2014/main" id="{F3EDE160-7D69-8F14-2226-A936D76799A3}"/>
+              </a:ext>
+            </a:extLst>
+          </p:cNvPr>
+          <p:cNvSpPr txBox="1"/>
+          <p:nvPr/>
+        </p:nvSpPr>
+        <p:spPr>
+          <a:xfrm>
+            <a:off x="6839503" y="2161722"/>
+            <a:ext cx="4019107" cy="369332"/>
+          </a:xfrm>
+          <a:prstGeom prst="rect">
+            <a:avLst/>
+          </a:prstGeom>
+          <a:noFill/>
+        </p:spPr>
+        <p:txBody>
+          <a:bodyPr wrap="square" rtlCol="0">
+            <a:spAutoFit/>
+          </a:bodyPr>
+          <a:lstStyle/>
+          <a:p>
+            <a:r>
+              <a:rPr lang="en-US" dirty="0"/>
+              <a:t>Requires MS SQL 2017+</a:t>
+            </a:r>
           </a:p>
         </p:txBody>
       </p:sp>
     </p:spTree>
     <p:extLst>
       <p:ext uri="{BB962C8B-B14F-4D97-AF65-F5344CB8AC3E}">
-        <p14:creationId xmlns:p14="http://schemas.microsoft.com/office/powerpoint/2010/main" val="4040614481"/>
+        <p14:creationId xmlns:p14="http://schemas.microsoft.com/office/powerpoint/2010/main" val="1393047441"/>
       </p:ext>
     </p:extLst>
   </p:cSld>
   <p:clrMapOvr>
     <a:masterClrMapping/>
   </p:clrMapOvr>
+  <p:timing>
+    <p:tnLst>
+      <p:par>
+        <p:cTn id="1" dur="indefinite" restart="never" nodeType="tmRoot">
+          <p:childTnLst>
+            <p:seq concurrent="1" nextAc="seek">
+              <p:cTn id="2" dur="indefinite" nodeType="mainSeq">
+                <p:childTnLst>
+                  <p:par>
+                    <p:cTn id="3" fill="hold">
+                      <p:stCondLst>
+                        <p:cond delay="indefinite"/>
+                      </p:stCondLst>
+                      <p:childTnLst>
+                        <p:par>
+                          <p:cTn id="4" fill="hold">
+                            <p:stCondLst>
+                              <p:cond delay="0"/>
+                            </p:stCondLst>
+                            <p:childTnLst>
+                              <p:par>
+                                <p:cTn id="5" presetID="1" presetClass="entr" presetSubtype="0" fill="hold" grpId="0" nodeType="clickEffect">
+                                  <p:stCondLst>
+                                    <p:cond delay="0"/>
+                                  </p:stCondLst>
+                                  <p:childTnLst>
+                                    <p:set>
+                                      <p:cBhvr>
+                                        <p:cTn id="6" dur="1" fill="hold">
+                                          <p:stCondLst>
+                                            <p:cond delay="0"/>
+                                          </p:stCondLst>
+                                        </p:cTn>
+                                        <p:tgtEl>
+                                          <p:spTgt spid="2"/>
+                                        </p:tgtEl>
+                                        <p:attrNameLst>
+                                          <p:attrName>style.visibility</p:attrName>
+                                        </p:attrNameLst>
+                                      </p:cBhvr>
+                                      <p:to>
+                                        <p:strVal val="visible"/>
+                                      </p:to>
+                                    </p:set>
+                                  </p:childTnLst>
+                                </p:cTn>
+                              </p:par>
+                            </p:childTnLst>
+                          </p:cTn>
+                        </p:par>
+                      </p:childTnLst>
+                    </p:cTn>
+                  </p:par>
+                  <p:par>
+                    <p:cTn id="7" fill="hold">
+                      <p:stCondLst>
+                        <p:cond delay="indefinite"/>
+                      </p:stCondLst>
+                      <p:childTnLst>
+                        <p:par>
+                          <p:cTn id="8" fill="hold">
+                            <p:stCondLst>
+                              <p:cond delay="0"/>
+                            </p:stCondLst>
+                            <p:childTnLst>
+                              <p:par>
+                                <p:cTn id="9" presetID="1" presetClass="entr" presetSubtype="0" fill="hold" grpId="0" nodeType="clickEffect">
+                                  <p:stCondLst>
+                                    <p:cond delay="0"/>
+                                  </p:stCondLst>
+                                  <p:childTnLst>
+                                    <p:set>
+                                      <p:cBhvr>
+                                        <p:cTn id="10" dur="1" fill="hold">
+                                          <p:stCondLst>
+                                            <p:cond delay="0"/>
+                                          </p:stCondLst>
+                                        </p:cTn>
+                                        <p:tgtEl>
+                                          <p:spTgt spid="14"/>
+                                        </p:tgtEl>
+                                        <p:attrNameLst>
+                                          <p:attrName>style.visibility</p:attrName>
+                                        </p:attrNameLst>
+                                      </p:cBhvr>
+                                      <p:to>
+                                        <p:strVal val="visible"/>
+                                      </p:to>
+                                    </p:set>
+                                  </p:childTnLst>
+                                </p:cTn>
+                              </p:par>
+                            </p:childTnLst>
+                          </p:cTn>
+                        </p:par>
+                      </p:childTnLst>
+                    </p:cTn>
+                  </p:par>
+                  <p:par>
+                    <p:cTn id="11" fill="hold">
+                      <p:stCondLst>
+                        <p:cond delay="indefinite"/>
+                      </p:stCondLst>
+                      <p:childTnLst>
+                        <p:par>
+                          <p:cTn id="12" fill="hold">
+                            <p:stCondLst>
+                              <p:cond delay="0"/>
+                            </p:stCondLst>
+                            <p:childTnLst>
+                              <p:par>
+                                <p:cTn id="13" presetID="1" presetClass="entr" presetSubtype="0" fill="hold" grpId="0" nodeType="clickEffect">
+                                  <p:stCondLst>
+                                    <p:cond delay="0"/>
+                                  </p:stCondLst>
+                                  <p:childTnLst>
+                                    <p:set>
+                                      <p:cBhvr>
+                                        <p:cTn id="14" dur="1" fill="hold">
+                                          <p:stCondLst>
+                                            <p:cond delay="0"/>
+                                          </p:stCondLst>
+                                        </p:cTn>
+                                        <p:tgtEl>
+                                          <p:spTgt spid="13"/>
+                                        </p:tgtEl>
+                                        <p:attrNameLst>
+                                          <p:attrName>style.visibility</p:attrName>
+                                        </p:attrNameLst>
+                                      </p:cBhvr>
+                                      <p:to>
+                                        <p:strVal val="visible"/>
+                                      </p:to>
+                                    </p:set>
+                                  </p:childTnLst>
+                                </p:cTn>
+                              </p:par>
+                            </p:childTnLst>
+                          </p:cTn>
+                        </p:par>
+                      </p:childTnLst>
+                    </p:cTn>
+                  </p:par>
+                  <p:par>
+                    <p:cTn id="15" fill="hold">
+                      <p:stCondLst>
+                        <p:cond delay="indefinite"/>
+                      </p:stCondLst>
+                      <p:childTnLst>
+                        <p:par>
+                          <p:cTn id="16" fill="hold">
+                            <p:stCondLst>
+                              <p:cond delay="0"/>
+                            </p:stCondLst>
+                            <p:childTnLst>
+                              <p:par>
+                                <p:cTn id="17" presetID="1" presetClass="entr" presetSubtype="0" fill="hold" grpId="0" nodeType="clickEffect">
+                                  <p:stCondLst>
+                                    <p:cond delay="0"/>
+                                  </p:stCondLst>
+                                  <p:childTnLst>
+                                    <p:set>
+                                      <p:cBhvr>
+                                        <p:cTn id="18" dur="1" fill="hold">
+                                          <p:stCondLst>
+                                            <p:cond delay="0"/>
+                                          </p:stCondLst>
+                                        </p:cTn>
+                                        <p:tgtEl>
+                                          <p:spTgt spid="15"/>
+                                        </p:tgtEl>
+                                        <p:attrNameLst>
+                                          <p:attrName>style.visibility</p:attrName>
+                                        </p:attrNameLst>
+                                      </p:cBhvr>
+                                      <p:to>
+                                        <p:strVal val="visible"/>
+                                      </p:to>
+                                    </p:set>
+                                  </p:childTnLst>
+                                </p:cTn>
+                              </p:par>
+                            </p:childTnLst>
+                          </p:cTn>
+                        </p:par>
+                      </p:childTnLst>
+                    </p:cTn>
+                  </p:par>
+                  <p:par>
+                    <p:cTn id="19" fill="hold">
+                      <p:stCondLst>
+                        <p:cond delay="indefinite"/>
+                      </p:stCondLst>
+                      <p:childTnLst>
+                        <p:par>
+                          <p:cTn id="20" fill="hold">
+                            <p:stCondLst>
+                              <p:cond delay="0"/>
+                            </p:stCondLst>
+                            <p:childTnLst>
+                              <p:par>
+                                <p:cTn id="21" presetID="1" presetClass="entr" presetSubtype="0" fill="hold" grpId="0" nodeType="clickEffect">
+                                  <p:stCondLst>
+                                    <p:cond delay="0"/>
+                                  </p:stCondLst>
+                                  <p:childTnLst>
+                                    <p:set>
+                                      <p:cBhvr>
+                                        <p:cTn id="22" dur="1" fill="hold">
+                                          <p:stCondLst>
+                                            <p:cond delay="0"/>
+                                          </p:stCondLst>
+                                        </p:cTn>
+                                        <p:tgtEl>
+                                          <p:spTgt spid="16"/>
+                                        </p:tgtEl>
+                                        <p:attrNameLst>
+                                          <p:attrName>style.visibility</p:attrName>
+                                        </p:attrNameLst>
+                                      </p:cBhvr>
+                                      <p:to>
+                                        <p:strVal val="visible"/>
+                                      </p:to>
+                                    </p:set>
+                                  </p:childTnLst>
+                                </p:cTn>
+                              </p:par>
+                            </p:childTnLst>
+                          </p:cTn>
+                        </p:par>
+                      </p:childTnLst>
+                    </p:cTn>
+                  </p:par>
+                </p:childTnLst>
+              </p:cTn>
+              <p:prevCondLst>
+                <p:cond evt="onPrev" delay="0">
+                  <p:tgtEl>
+                    <p:sldTgt/>
+                  </p:tgtEl>
+                </p:cond>
+              </p:prevCondLst>
+              <p:nextCondLst>
+                <p:cond evt="onNext" delay="0">
+                  <p:tgtEl>
+                    <p:sldTgt/>
+                  </p:tgtEl>
+                </p:cond>
+              </p:nextCondLst>
+            </p:seq>
+          </p:childTnLst>
+        </p:cTn>
+      </p:par>
+    </p:tnLst>
+    <p:bldLst>
+      <p:bldP spid="13" grpId="0"/>
+      <p:bldP spid="14" grpId="0"/>
+      <p:bldP spid="15" grpId="0"/>
+      <p:bldP spid="16" grpId="0"/>
+      <p:bldP spid="2" grpId="0"/>
+    </p:bldLst>
+  </p:timing>
 </p:sld>
 </file>
 
-<file path=ppt/slides/slide10.xml><?xml version="1.0" encoding="utf-8"?>
+<file path=ppt/slides/slide11.xml><?xml version="1.0" encoding="utf-8"?>
 <p:sld xmlns:a="http://schemas.openxmlformats.org/drawingml/2006/main" xmlns:r="http://schemas.openxmlformats.org/officeDocument/2006/relationships" xmlns:p="http://schemas.openxmlformats.org/presentationml/2006/main">
   <p:cSld>
     <p:spTree>
@@ -7158,7 +8153,7 @@
 </p:sld>
 </file>
 
-<file path=ppt/slides/slide11.xml><?xml version="1.0" encoding="utf-8"?>
+<file path=ppt/slides/slide12.xml><?xml version="1.0" encoding="utf-8"?>
 <p:sld xmlns:a="http://schemas.openxmlformats.org/drawingml/2006/main" xmlns:r="http://schemas.openxmlformats.org/officeDocument/2006/relationships" xmlns:p="http://schemas.openxmlformats.org/presentationml/2006/main">
   <p:cSld>
     <p:spTree>
@@ -7737,7 +8732,7 @@
 </p:sld>
 </file>
 
-<file path=ppt/slides/slide12.xml><?xml version="1.0" encoding="utf-8"?>
+<file path=ppt/slides/slide13.xml><?xml version="1.0" encoding="utf-8"?>
 <p:sld xmlns:a="http://schemas.openxmlformats.org/drawingml/2006/main" xmlns:r="http://schemas.openxmlformats.org/officeDocument/2006/relationships" xmlns:p="http://schemas.openxmlformats.org/presentationml/2006/main">
   <p:cSld>
     <p:spTree>
@@ -8840,7 +9835,7 @@
 </p:sld>
 </file>
 
-<file path=ppt/slides/slide13.xml><?xml version="1.0" encoding="utf-8"?>
+<file path=ppt/slides/slide14.xml><?xml version="1.0" encoding="utf-8"?>
 <p:sld xmlns:a="http://schemas.openxmlformats.org/drawingml/2006/main" xmlns:r="http://schemas.openxmlformats.org/officeDocument/2006/relationships" xmlns:p="http://schemas.openxmlformats.org/presentationml/2006/main">
   <p:cSld>
     <p:spTree>
@@ -9684,7 +10679,7 @@
 </p:sld>
 </file>
 
-<file path=ppt/slides/slide14.xml><?xml version="1.0" encoding="utf-8"?>
+<file path=ppt/slides/slide15.xml><?xml version="1.0" encoding="utf-8"?>
 <p:sld xmlns:a="http://schemas.openxmlformats.org/drawingml/2006/main" xmlns:r="http://schemas.openxmlformats.org/officeDocument/2006/relationships" xmlns:p="http://schemas.openxmlformats.org/presentationml/2006/main">
   <p:cSld>
     <p:spTree>
@@ -10507,7 +11502,7 @@
 </p:sld>
 </file>
 
-<file path=ppt/slides/slide15.xml><?xml version="1.0" encoding="utf-8"?>
+<file path=ppt/slides/slide16.xml><?xml version="1.0" encoding="utf-8"?>
 <p:sld xmlns:a="http://schemas.openxmlformats.org/drawingml/2006/main" xmlns:r="http://schemas.openxmlformats.org/officeDocument/2006/relationships" xmlns:p="http://schemas.openxmlformats.org/presentationml/2006/main">
   <p:cSld>
     <p:spTree>
@@ -10654,7 +11649,7 @@
 </p:sld>
 </file>
 
-<file path=ppt/slides/slide16.xml><?xml version="1.0" encoding="utf-8"?>
+<file path=ppt/slides/slide17.xml><?xml version="1.0" encoding="utf-8"?>
 <p:sld xmlns:a="http://schemas.openxmlformats.org/drawingml/2006/main" xmlns:r="http://schemas.openxmlformats.org/officeDocument/2006/relationships" xmlns:p="http://schemas.openxmlformats.org/presentationml/2006/main">
   <p:cSld>
     <p:spTree>
@@ -11169,7 +12164,7 @@
 </p:sld>
 </file>
 
-<file path=ppt/slides/slide17.xml><?xml version="1.0" encoding="utf-8"?>
+<file path=ppt/slides/slide18.xml><?xml version="1.0" encoding="utf-8"?>
 <p:sld xmlns:a="http://schemas.openxmlformats.org/drawingml/2006/main" xmlns:r="http://schemas.openxmlformats.org/officeDocument/2006/relationships" xmlns:p="http://schemas.openxmlformats.org/presentationml/2006/main">
   <p:cSld>
     <p:spTree>
@@ -11264,7 +12259,7 @@
 </p:sld>
 </file>
 
-<file path=ppt/slides/slide18.xml><?xml version="1.0" encoding="utf-8"?>
+<file path=ppt/slides/slide19.xml><?xml version="1.0" encoding="utf-8"?>
 <p:sld xmlns:a="http://schemas.openxmlformats.org/drawingml/2006/main" xmlns:r="http://schemas.openxmlformats.org/officeDocument/2006/relationships" xmlns:p="http://schemas.openxmlformats.org/presentationml/2006/main">
   <p:cSld>
     <p:spTree>
@@ -12213,7 +13208,196 @@
 </p:sld>
 </file>
 
-<file path=ppt/slides/slide19.xml><?xml version="1.0" encoding="utf-8"?>
+<file path=ppt/slides/slide2.xml><?xml version="1.0" encoding="utf-8"?>
+<p:sld xmlns:a="http://schemas.openxmlformats.org/drawingml/2006/main" xmlns:r="http://schemas.openxmlformats.org/officeDocument/2006/relationships" xmlns:p="http://schemas.openxmlformats.org/presentationml/2006/main">
+  <p:cSld>
+    <p:spTree>
+      <p:nvGrpSpPr>
+        <p:cNvPr id="1" name=""/>
+        <p:cNvGrpSpPr/>
+        <p:nvPr/>
+      </p:nvGrpSpPr>
+      <p:grpSpPr>
+        <a:xfrm>
+          <a:off x="0" y="0"/>
+          <a:ext cx="0" cy="0"/>
+          <a:chOff x="0" y="0"/>
+          <a:chExt cx="0" cy="0"/>
+        </a:xfrm>
+      </p:grpSpPr>
+      <p:pic>
+        <p:nvPicPr>
+          <p:cNvPr id="5" name="Picture 4" descr="Live Instructor-Led SQL Querying Advanced Training - Hands-on Course">
+            <a:extLst>
+              <a:ext uri="{FF2B5EF4-FFF2-40B4-BE49-F238E27FC236}">
+                <a16:creationId xmlns:a16="http://schemas.microsoft.com/office/drawing/2014/main" id="{DFE403ED-A277-0B1F-929B-84674C9F6C57}"/>
+              </a:ext>
+            </a:extLst>
+          </p:cNvPr>
+          <p:cNvPicPr>
+            <a:picLocks noChangeAspect="1" noChangeArrowheads="1"/>
+          </p:cNvPicPr>
+          <p:nvPr/>
+        </p:nvPicPr>
+        <p:blipFill>
+          <a:blip r:embed="rId2">
+            <a:extLst>
+              <a:ext uri="{28A0092B-C50C-407E-A947-70E740481C1C}">
+                <a14:useLocalDpi xmlns:a14="http://schemas.microsoft.com/office/drawing/2010/main" val="0"/>
+              </a:ext>
+            </a:extLst>
+          </a:blip>
+          <a:srcRect/>
+          <a:stretch>
+            <a:fillRect/>
+          </a:stretch>
+        </p:blipFill>
+        <p:spPr bwMode="auto">
+          <a:xfrm>
+            <a:off x="9742063" y="4829875"/>
+            <a:ext cx="1698570" cy="1787968"/>
+          </a:xfrm>
+          <a:prstGeom prst="rect">
+            <a:avLst/>
+          </a:prstGeom>
+          <a:noFill/>
+          <a:extLst>
+            <a:ext uri="{909E8E84-426E-40DD-AFC4-6F175D3DCCD1}">
+              <a14:hiddenFill xmlns:a14="http://schemas.microsoft.com/office/drawing/2010/main">
+                <a:solidFill>
+                  <a:srgbClr val="FFFFFF"/>
+                </a:solidFill>
+              </a14:hiddenFill>
+            </a:ext>
+          </a:extLst>
+        </p:spPr>
+      </p:pic>
+      <p:sp>
+        <p:nvSpPr>
+          <p:cNvPr id="6" name="TextBox 5">
+            <a:extLst>
+              <a:ext uri="{FF2B5EF4-FFF2-40B4-BE49-F238E27FC236}">
+                <a16:creationId xmlns:a16="http://schemas.microsoft.com/office/drawing/2014/main" id="{9D44AD19-263C-C364-3CA4-77843A07E6F1}"/>
+              </a:ext>
+            </a:extLst>
+          </p:cNvPr>
+          <p:cNvSpPr txBox="1"/>
+          <p:nvPr/>
+        </p:nvSpPr>
+        <p:spPr>
+          <a:xfrm>
+            <a:off x="1219200" y="1605776"/>
+            <a:ext cx="9374459" cy="830997"/>
+          </a:xfrm>
+          <a:prstGeom prst="rect">
+            <a:avLst/>
+          </a:prstGeom>
+          <a:noFill/>
+        </p:spPr>
+        <p:txBody>
+          <a:bodyPr wrap="square" rtlCol="0">
+            <a:spAutoFit/>
+          </a:bodyPr>
+          <a:lstStyle/>
+          <a:p>
+            <a:r>
+              <a:rPr lang="en-US" sz="4800" b="1" dirty="0"/>
+              <a:t>The </a:t>
+            </a:r>
+            <a:r>
+              <a:rPr lang="en-US" sz="4800" dirty="0">
+                <a:solidFill>
+                  <a:srgbClr val="FF00FF"/>
+                </a:solidFill>
+                <a:latin typeface="Consolas" panose="020B0609020204030204" pitchFamily="49" charset="0"/>
+              </a:rPr>
+              <a:t>TRANSLATE</a:t>
+            </a:r>
+            <a:r>
+              <a:rPr lang="en-US" sz="4800" dirty="0">
+                <a:solidFill>
+                  <a:srgbClr val="808080"/>
+                </a:solidFill>
+                <a:latin typeface="Consolas" panose="020B0609020204030204" pitchFamily="49" charset="0"/>
+              </a:rPr>
+              <a:t>()</a:t>
+            </a:r>
+            <a:r>
+              <a:rPr lang="en-US" sz="4800" b="1" dirty="0"/>
+              <a:t> TSQL Operator</a:t>
+            </a:r>
+            <a:endParaRPr lang="en-US" sz="4800" dirty="0"/>
+          </a:p>
+        </p:txBody>
+      </p:sp>
+      <p:sp>
+        <p:nvSpPr>
+          <p:cNvPr id="2" name="TextBox 1">
+            <a:extLst>
+              <a:ext uri="{FF2B5EF4-FFF2-40B4-BE49-F238E27FC236}">
+                <a16:creationId xmlns:a16="http://schemas.microsoft.com/office/drawing/2014/main" id="{C0A837E6-C6D3-8E94-26F7-61AEC17E5634}"/>
+              </a:ext>
+            </a:extLst>
+          </p:cNvPr>
+          <p:cNvSpPr txBox="1"/>
+          <p:nvPr/>
+        </p:nvSpPr>
+        <p:spPr>
+          <a:xfrm>
+            <a:off x="3364670" y="2967335"/>
+            <a:ext cx="5563429" cy="523220"/>
+          </a:xfrm>
+          <a:prstGeom prst="rect">
+            <a:avLst/>
+          </a:prstGeom>
+          <a:noFill/>
+        </p:spPr>
+        <p:txBody>
+          <a:bodyPr wrap="square" rtlCol="0">
+            <a:spAutoFit/>
+          </a:bodyPr>
+          <a:lstStyle/>
+          <a:p>
+            <a:r>
+              <a:rPr lang="en-US" sz="2800" dirty="0"/>
+              <a:t>An alternative to nested-</a:t>
+            </a:r>
+            <a:r>
+              <a:rPr lang="en-US" sz="2800" dirty="0">
+                <a:solidFill>
+                  <a:srgbClr val="FF00FF"/>
+                </a:solidFill>
+                <a:latin typeface="Consolas" panose="020B0609020204030204" pitchFamily="49" charset="0"/>
+              </a:rPr>
+              <a:t>REPLACE</a:t>
+            </a:r>
+            <a:r>
+              <a:rPr lang="en-US" sz="2800" dirty="0">
+                <a:solidFill>
+                  <a:srgbClr val="808080"/>
+                </a:solidFill>
+                <a:latin typeface="Consolas" panose="020B0609020204030204" pitchFamily="49" charset="0"/>
+              </a:rPr>
+              <a:t>()</a:t>
+            </a:r>
+            <a:endParaRPr lang="en-US" sz="2800" dirty="0"/>
+          </a:p>
+        </p:txBody>
+      </p:sp>
+    </p:spTree>
+    <p:extLst>
+      <p:ext uri="{BB962C8B-B14F-4D97-AF65-F5344CB8AC3E}">
+        <p14:creationId xmlns:p14="http://schemas.microsoft.com/office/powerpoint/2010/main" val="4040614481"/>
+      </p:ext>
+    </p:extLst>
+  </p:cSld>
+  <p:clrMapOvr>
+    <a:masterClrMapping/>
+  </p:clrMapOvr>
+</p:sld>
+</file>
+
+<file path=ppt/slides/slide20.xml><?xml version="1.0" encoding="utf-8"?>
 <p:sld xmlns:a="http://schemas.openxmlformats.org/drawingml/2006/main" xmlns:r="http://schemas.openxmlformats.org/officeDocument/2006/relationships" xmlns:p="http://schemas.openxmlformats.org/presentationml/2006/main">
   <p:cSld>
     <p:spTree>
@@ -12308,684 +13492,7 @@
 </p:sld>
 </file>
 
-<file path=ppt/slides/slide2.xml><?xml version="1.0" encoding="utf-8"?>
-<p:sld xmlns:a="http://schemas.openxmlformats.org/drawingml/2006/main" xmlns:r="http://schemas.openxmlformats.org/officeDocument/2006/relationships" xmlns:p="http://schemas.openxmlformats.org/presentationml/2006/main">
-  <p:cSld>
-    <p:spTree>
-      <p:nvGrpSpPr>
-        <p:cNvPr id="1" name=""/>
-        <p:cNvGrpSpPr/>
-        <p:nvPr/>
-      </p:nvGrpSpPr>
-      <p:grpSpPr>
-        <a:xfrm>
-          <a:off x="0" y="0"/>
-          <a:ext cx="0" cy="0"/>
-          <a:chOff x="0" y="0"/>
-          <a:chExt cx="0" cy="0"/>
-        </a:xfrm>
-      </p:grpSpPr>
-      <p:sp>
-        <p:nvSpPr>
-          <p:cNvPr id="6" name="TextBox 5">
-            <a:extLst>
-              <a:ext uri="{FF2B5EF4-FFF2-40B4-BE49-F238E27FC236}">
-                <a16:creationId xmlns:a16="http://schemas.microsoft.com/office/drawing/2014/main" id="{44410209-5076-4902-0710-FB5CB3CD3FB0}"/>
-              </a:ext>
-            </a:extLst>
-          </p:cNvPr>
-          <p:cNvSpPr txBox="1"/>
-          <p:nvPr/>
-        </p:nvSpPr>
-        <p:spPr>
-          <a:xfrm>
-            <a:off x="981075" y="2279439"/>
-            <a:ext cx="5406390" cy="430887"/>
-          </a:xfrm>
-          <a:prstGeom prst="rect">
-            <a:avLst/>
-          </a:prstGeom>
-          <a:noFill/>
-        </p:spPr>
-        <p:txBody>
-          <a:bodyPr wrap="square">
-            <a:spAutoFit/>
-          </a:bodyPr>
-          <a:lstStyle/>
-          <a:p>
-            <a:r>
-              <a:rPr lang="en-US" sz="2200" dirty="0">
-                <a:solidFill>
-                  <a:srgbClr val="0000FF"/>
-                </a:solidFill>
-                <a:latin typeface="Consolas" panose="020B0609020204030204" pitchFamily="49" charset="0"/>
-              </a:rPr>
-              <a:t>SELECT</a:t>
-            </a:r>
-            <a:r>
-              <a:rPr lang="en-US" sz="2200" dirty="0">
-                <a:solidFill>
-                  <a:srgbClr val="000000"/>
-                </a:solidFill>
-                <a:latin typeface="Consolas" panose="020B0609020204030204" pitchFamily="49" charset="0"/>
-              </a:rPr>
-              <a:t> </a:t>
-            </a:r>
-            <a:r>
-              <a:rPr lang="en-US" sz="2200" dirty="0">
-                <a:solidFill>
-                  <a:srgbClr val="FF00FF"/>
-                </a:solidFill>
-                <a:latin typeface="Consolas" panose="020B0609020204030204" pitchFamily="49" charset="0"/>
-              </a:rPr>
-              <a:t>REPLACE</a:t>
-            </a:r>
-            <a:r>
-              <a:rPr lang="en-US" sz="2200" dirty="0">
-                <a:solidFill>
-                  <a:srgbClr val="808080"/>
-                </a:solidFill>
-                <a:latin typeface="Consolas" panose="020B0609020204030204" pitchFamily="49" charset="0"/>
-              </a:rPr>
-              <a:t>(</a:t>
-            </a:r>
-            <a:r>
-              <a:rPr lang="en-US" sz="2200" dirty="0">
-                <a:solidFill>
-                  <a:srgbClr val="FF0000"/>
-                </a:solidFill>
-                <a:latin typeface="Consolas" panose="020B0609020204030204" pitchFamily="49" charset="0"/>
-              </a:rPr>
-              <a:t>'hello'</a:t>
-            </a:r>
-            <a:r>
-              <a:rPr lang="en-US" sz="2200" dirty="0">
-                <a:solidFill>
-                  <a:srgbClr val="808080"/>
-                </a:solidFill>
-                <a:latin typeface="Consolas" panose="020B0609020204030204" pitchFamily="49" charset="0"/>
-              </a:rPr>
-              <a:t>,</a:t>
-            </a:r>
-            <a:r>
-              <a:rPr lang="en-US" sz="2200" dirty="0">
-                <a:solidFill>
-                  <a:srgbClr val="000000"/>
-                </a:solidFill>
-                <a:latin typeface="Consolas" panose="020B0609020204030204" pitchFamily="49" charset="0"/>
-              </a:rPr>
-              <a:t> </a:t>
-            </a:r>
-            <a:r>
-              <a:rPr lang="en-US" sz="2200" dirty="0">
-                <a:solidFill>
-                  <a:srgbClr val="FF0000"/>
-                </a:solidFill>
-                <a:latin typeface="Consolas" panose="020B0609020204030204" pitchFamily="49" charset="0"/>
-              </a:rPr>
-              <a:t>'e'</a:t>
-            </a:r>
-            <a:r>
-              <a:rPr lang="en-US" sz="2200" dirty="0">
-                <a:solidFill>
-                  <a:srgbClr val="808080"/>
-                </a:solidFill>
-                <a:latin typeface="Consolas" panose="020B0609020204030204" pitchFamily="49" charset="0"/>
-              </a:rPr>
-              <a:t>,</a:t>
-            </a:r>
-            <a:r>
-              <a:rPr lang="en-US" sz="2200" dirty="0">
-                <a:solidFill>
-                  <a:srgbClr val="000000"/>
-                </a:solidFill>
-                <a:latin typeface="Consolas" panose="020B0609020204030204" pitchFamily="49" charset="0"/>
-              </a:rPr>
-              <a:t> </a:t>
-            </a:r>
-            <a:r>
-              <a:rPr lang="en-US" sz="2200" dirty="0">
-                <a:solidFill>
-                  <a:srgbClr val="FF0000"/>
-                </a:solidFill>
-                <a:latin typeface="Consolas" panose="020B0609020204030204" pitchFamily="49" charset="0"/>
-              </a:rPr>
-              <a:t>'a'</a:t>
-            </a:r>
-            <a:r>
-              <a:rPr lang="en-US" sz="2200" dirty="0">
-                <a:solidFill>
-                  <a:srgbClr val="808080"/>
-                </a:solidFill>
-                <a:latin typeface="Consolas" panose="020B0609020204030204" pitchFamily="49" charset="0"/>
-              </a:rPr>
-              <a:t>)</a:t>
-            </a:r>
-            <a:endParaRPr lang="es-ES" sz="2200" dirty="0">
-              <a:solidFill>
-                <a:srgbClr val="000000"/>
-              </a:solidFill>
-              <a:latin typeface="Consolas" panose="020B0609020204030204" pitchFamily="49" charset="0"/>
-            </a:endParaRPr>
-          </a:p>
-        </p:txBody>
-      </p:sp>
-      <p:sp>
-        <p:nvSpPr>
-          <p:cNvPr id="8" name="TextBox 7">
-            <a:extLst>
-              <a:ext uri="{FF2B5EF4-FFF2-40B4-BE49-F238E27FC236}">
-                <a16:creationId xmlns:a16="http://schemas.microsoft.com/office/drawing/2014/main" id="{604B7F01-18FC-0134-829F-DE82552E8BE8}"/>
-              </a:ext>
-            </a:extLst>
-          </p:cNvPr>
-          <p:cNvSpPr txBox="1"/>
-          <p:nvPr/>
-        </p:nvSpPr>
-        <p:spPr>
-          <a:xfrm>
-            <a:off x="738055" y="744925"/>
-            <a:ext cx="10583913" cy="646331"/>
-          </a:xfrm>
-          <a:prstGeom prst="rect">
-            <a:avLst/>
-          </a:prstGeom>
-          <a:noFill/>
-        </p:spPr>
-        <p:txBody>
-          <a:bodyPr wrap="square">
-            <a:spAutoFit/>
-          </a:bodyPr>
-          <a:lstStyle/>
-          <a:p>
-            <a:r>
-              <a:rPr lang="en-US" sz="3600" dirty="0">
-                <a:solidFill>
-                  <a:srgbClr val="FF00FF"/>
-                </a:solidFill>
-                <a:latin typeface="Consolas" panose="020B0609020204030204" pitchFamily="49" charset="0"/>
-              </a:rPr>
-              <a:t>REPLACE</a:t>
-            </a:r>
-            <a:r>
-              <a:rPr lang="en-US" sz="3600" dirty="0">
-                <a:solidFill>
-                  <a:srgbClr val="808080"/>
-                </a:solidFill>
-                <a:latin typeface="Consolas" panose="020B0609020204030204" pitchFamily="49" charset="0"/>
-              </a:rPr>
-              <a:t>(</a:t>
-            </a:r>
-            <a:r>
-              <a:rPr lang="en-US" sz="3200" dirty="0" err="1">
-                <a:solidFill>
-                  <a:srgbClr val="000000"/>
-                </a:solidFill>
-                <a:latin typeface="Consolas" panose="020B0609020204030204" pitchFamily="49" charset="0"/>
-              </a:rPr>
-              <a:t>stringable</a:t>
-            </a:r>
-            <a:r>
-              <a:rPr lang="en-US" sz="3600" dirty="0">
-                <a:solidFill>
-                  <a:srgbClr val="808080"/>
-                </a:solidFill>
-                <a:latin typeface="Consolas" panose="020B0609020204030204" pitchFamily="49" charset="0"/>
-              </a:rPr>
-              <a:t>,</a:t>
-            </a:r>
-            <a:r>
-              <a:rPr lang="en-US" sz="2400" dirty="0">
-                <a:solidFill>
-                  <a:srgbClr val="000000"/>
-                </a:solidFill>
-                <a:latin typeface="Consolas" panose="020B0609020204030204" pitchFamily="49" charset="0"/>
-              </a:rPr>
-              <a:t> </a:t>
-            </a:r>
-            <a:r>
-              <a:rPr lang="en-US" sz="3200" dirty="0" err="1">
-                <a:solidFill>
-                  <a:srgbClr val="000000"/>
-                </a:solidFill>
-                <a:latin typeface="Consolas" panose="020B0609020204030204" pitchFamily="49" charset="0"/>
-              </a:rPr>
-              <a:t>what_phrase</a:t>
-            </a:r>
-            <a:r>
-              <a:rPr lang="en-US" sz="3600" dirty="0">
-                <a:solidFill>
-                  <a:srgbClr val="808080"/>
-                </a:solidFill>
-                <a:latin typeface="Consolas" panose="020B0609020204030204" pitchFamily="49" charset="0"/>
-              </a:rPr>
-              <a:t>,</a:t>
-            </a:r>
-            <a:r>
-              <a:rPr lang="en-US" sz="2400" dirty="0">
-                <a:solidFill>
-                  <a:srgbClr val="000000"/>
-                </a:solidFill>
-                <a:latin typeface="Consolas" panose="020B0609020204030204" pitchFamily="49" charset="0"/>
-              </a:rPr>
-              <a:t> </a:t>
-            </a:r>
-            <a:r>
-              <a:rPr lang="en-US" sz="3200" dirty="0" err="1">
-                <a:solidFill>
-                  <a:srgbClr val="000000"/>
-                </a:solidFill>
-                <a:latin typeface="Consolas" panose="020B0609020204030204" pitchFamily="49" charset="0"/>
-              </a:rPr>
-              <a:t>with_what</a:t>
-            </a:r>
-            <a:r>
-              <a:rPr lang="en-US" sz="3600" dirty="0">
-                <a:solidFill>
-                  <a:srgbClr val="808080"/>
-                </a:solidFill>
-                <a:latin typeface="Consolas" panose="020B0609020204030204" pitchFamily="49" charset="0"/>
-              </a:rPr>
-              <a:t>)</a:t>
-            </a:r>
-            <a:endParaRPr lang="en-US" sz="3600" dirty="0"/>
-          </a:p>
-        </p:txBody>
-      </p:sp>
-      <p:sp>
-        <p:nvSpPr>
-          <p:cNvPr id="10" name="TextBox 9">
-            <a:extLst>
-              <a:ext uri="{FF2B5EF4-FFF2-40B4-BE49-F238E27FC236}">
-                <a16:creationId xmlns:a16="http://schemas.microsoft.com/office/drawing/2014/main" id="{D9D26083-FA3C-901C-884B-A94F10A0D1FB}"/>
-              </a:ext>
-            </a:extLst>
-          </p:cNvPr>
-          <p:cNvSpPr txBox="1"/>
-          <p:nvPr/>
-        </p:nvSpPr>
-        <p:spPr>
-          <a:xfrm>
-            <a:off x="981075" y="4455914"/>
-            <a:ext cx="5406390" cy="430887"/>
-          </a:xfrm>
-          <a:prstGeom prst="rect">
-            <a:avLst/>
-          </a:prstGeom>
-          <a:noFill/>
-        </p:spPr>
-        <p:txBody>
-          <a:bodyPr wrap="square">
-            <a:spAutoFit/>
-          </a:bodyPr>
-          <a:lstStyle/>
-          <a:p>
-            <a:r>
-              <a:rPr lang="en-US" sz="2200" dirty="0">
-                <a:solidFill>
-                  <a:srgbClr val="0000FF"/>
-                </a:solidFill>
-                <a:latin typeface="Consolas" panose="020B0609020204030204" pitchFamily="49" charset="0"/>
-              </a:rPr>
-              <a:t>SELECT</a:t>
-            </a:r>
-            <a:r>
-              <a:rPr lang="en-US" sz="2200" dirty="0">
-                <a:solidFill>
-                  <a:srgbClr val="000000"/>
-                </a:solidFill>
-                <a:latin typeface="Consolas" panose="020B0609020204030204" pitchFamily="49" charset="0"/>
-              </a:rPr>
-              <a:t> </a:t>
-            </a:r>
-            <a:r>
-              <a:rPr lang="en-US" sz="2200" dirty="0">
-                <a:solidFill>
-                  <a:srgbClr val="FF00FF"/>
-                </a:solidFill>
-                <a:latin typeface="Consolas" panose="020B0609020204030204" pitchFamily="49" charset="0"/>
-              </a:rPr>
-              <a:t>REPLACE</a:t>
-            </a:r>
-            <a:r>
-              <a:rPr lang="en-US" sz="2200" dirty="0">
-                <a:solidFill>
-                  <a:srgbClr val="808080"/>
-                </a:solidFill>
-                <a:latin typeface="Consolas" panose="020B0609020204030204" pitchFamily="49" charset="0"/>
-              </a:rPr>
-              <a:t>(</a:t>
-            </a:r>
-            <a:r>
-              <a:rPr lang="en-US" sz="2200" dirty="0">
-                <a:solidFill>
-                  <a:srgbClr val="000000"/>
-                </a:solidFill>
-                <a:latin typeface="Consolas" panose="020B0609020204030204" pitchFamily="49" charset="0"/>
-              </a:rPr>
-              <a:t>123</a:t>
-            </a:r>
-            <a:r>
-              <a:rPr lang="en-US" sz="2200" dirty="0">
-                <a:solidFill>
-                  <a:srgbClr val="808080"/>
-                </a:solidFill>
-                <a:latin typeface="Consolas" panose="020B0609020204030204" pitchFamily="49" charset="0"/>
-              </a:rPr>
-              <a:t>,</a:t>
-            </a:r>
-            <a:r>
-              <a:rPr lang="en-US" sz="2200" dirty="0">
-                <a:solidFill>
-                  <a:srgbClr val="000000"/>
-                </a:solidFill>
-                <a:latin typeface="Consolas" panose="020B0609020204030204" pitchFamily="49" charset="0"/>
-              </a:rPr>
-              <a:t> </a:t>
-            </a:r>
-            <a:r>
-              <a:rPr lang="en-US" sz="2200" dirty="0">
-                <a:solidFill>
-                  <a:srgbClr val="FF0000"/>
-                </a:solidFill>
-                <a:latin typeface="Consolas" panose="020B0609020204030204" pitchFamily="49" charset="0"/>
-              </a:rPr>
-              <a:t>'3'</a:t>
-            </a:r>
-            <a:r>
-              <a:rPr lang="en-US" sz="2200" dirty="0">
-                <a:solidFill>
-                  <a:srgbClr val="808080"/>
-                </a:solidFill>
-                <a:latin typeface="Consolas" panose="020B0609020204030204" pitchFamily="49" charset="0"/>
-              </a:rPr>
-              <a:t>,</a:t>
-            </a:r>
-            <a:r>
-              <a:rPr lang="en-US" sz="2200" dirty="0">
-                <a:solidFill>
-                  <a:srgbClr val="000000"/>
-                </a:solidFill>
-                <a:latin typeface="Consolas" panose="020B0609020204030204" pitchFamily="49" charset="0"/>
-              </a:rPr>
-              <a:t> </a:t>
-            </a:r>
-            <a:r>
-              <a:rPr lang="en-US" sz="2200" dirty="0">
-                <a:solidFill>
-                  <a:srgbClr val="FF0000"/>
-                </a:solidFill>
-                <a:latin typeface="Consolas" panose="020B0609020204030204" pitchFamily="49" charset="0"/>
-              </a:rPr>
-              <a:t>'6'</a:t>
-            </a:r>
-            <a:r>
-              <a:rPr lang="en-US" sz="2200" dirty="0">
-                <a:solidFill>
-                  <a:srgbClr val="808080"/>
-                </a:solidFill>
-                <a:latin typeface="Consolas" panose="020B0609020204030204" pitchFamily="49" charset="0"/>
-              </a:rPr>
-              <a:t>)</a:t>
-            </a:r>
-            <a:endParaRPr lang="en-US" sz="2200" dirty="0"/>
-          </a:p>
-        </p:txBody>
-      </p:sp>
-      <p:sp>
-        <p:nvSpPr>
-          <p:cNvPr id="14" name="TextBox 13">
-            <a:extLst>
-              <a:ext uri="{FF2B5EF4-FFF2-40B4-BE49-F238E27FC236}">
-                <a16:creationId xmlns:a16="http://schemas.microsoft.com/office/drawing/2014/main" id="{A274B8B0-A303-1D1D-3E99-08F362298D87}"/>
-              </a:ext>
-            </a:extLst>
-          </p:cNvPr>
-          <p:cNvSpPr txBox="1"/>
-          <p:nvPr/>
-        </p:nvSpPr>
-        <p:spPr>
-          <a:xfrm>
-            <a:off x="6839503" y="2088358"/>
-            <a:ext cx="4585335" cy="923330"/>
-          </a:xfrm>
-          <a:prstGeom prst="rect">
-            <a:avLst/>
-          </a:prstGeom>
-          <a:noFill/>
-        </p:spPr>
-        <p:txBody>
-          <a:bodyPr wrap="square" rtlCol="0">
-            <a:spAutoFit/>
-          </a:bodyPr>
-          <a:lstStyle/>
-          <a:p>
-            <a:r>
-              <a:rPr lang="en-US" dirty="0"/>
-              <a:t>“</a:t>
-            </a:r>
-            <a:r>
-              <a:rPr lang="en-US" dirty="0" err="1"/>
-              <a:t>Stringable</a:t>
-            </a:r>
-            <a:r>
-              <a:rPr lang="en-US" dirty="0"/>
-              <a:t>” refers to anything that can be represented as a string, including </a:t>
-            </a:r>
-            <a:r>
-              <a:rPr lang="en-US" dirty="0" err="1"/>
-              <a:t>numerics</a:t>
-            </a:r>
-            <a:r>
-              <a:rPr lang="en-US" dirty="0"/>
-              <a:t>, datetimes, </a:t>
-            </a:r>
-            <a:r>
-              <a:rPr lang="en-US" dirty="0" err="1"/>
-              <a:t>guids</a:t>
-            </a:r>
-            <a:r>
-              <a:rPr lang="en-US" dirty="0"/>
-              <a:t>, etc.</a:t>
-            </a:r>
-          </a:p>
-        </p:txBody>
-      </p:sp>
-      <p:sp>
-        <p:nvSpPr>
-          <p:cNvPr id="15" name="TextBox 14">
-            <a:extLst>
-              <a:ext uri="{FF2B5EF4-FFF2-40B4-BE49-F238E27FC236}">
-                <a16:creationId xmlns:a16="http://schemas.microsoft.com/office/drawing/2014/main" id="{4E95F8E7-F4ED-2BD1-D94C-38120D18DDD4}"/>
-              </a:ext>
-            </a:extLst>
-          </p:cNvPr>
-          <p:cNvSpPr txBox="1"/>
-          <p:nvPr/>
-        </p:nvSpPr>
-        <p:spPr>
-          <a:xfrm>
-            <a:off x="6839503" y="3376414"/>
-            <a:ext cx="4482465" cy="923330"/>
-          </a:xfrm>
-          <a:prstGeom prst="rect">
-            <a:avLst/>
-          </a:prstGeom>
-          <a:noFill/>
-        </p:spPr>
-        <p:txBody>
-          <a:bodyPr wrap="square" rtlCol="0">
-            <a:spAutoFit/>
-          </a:bodyPr>
-          <a:lstStyle/>
-          <a:p>
-            <a:r>
-              <a:rPr lang="en-US" dirty="0"/>
-              <a:t>Number of characters in </a:t>
-            </a:r>
-            <a:r>
-              <a:rPr lang="en-US" dirty="0">
-                <a:latin typeface="Consolas" panose="020B0609020204030204" pitchFamily="49" charset="0"/>
-              </a:rPr>
-              <a:t>(</a:t>
-            </a:r>
-            <a:r>
-              <a:rPr lang="en-US" dirty="0" err="1">
-                <a:solidFill>
-                  <a:srgbClr val="000000"/>
-                </a:solidFill>
-                <a:latin typeface="Consolas" panose="020B0609020204030204" pitchFamily="49" charset="0"/>
-              </a:rPr>
-              <a:t>what_phrase</a:t>
-            </a:r>
-            <a:r>
-              <a:rPr lang="en-US" dirty="0">
-                <a:latin typeface="Consolas" panose="020B0609020204030204" pitchFamily="49" charset="0"/>
-              </a:rPr>
-              <a:t>) </a:t>
-            </a:r>
-            <a:r>
-              <a:rPr lang="en-US" dirty="0"/>
-              <a:t>do </a:t>
-            </a:r>
-            <a:r>
-              <a:rPr lang="en-US" b="1" dirty="0"/>
-              <a:t>not</a:t>
-            </a:r>
-            <a:r>
-              <a:rPr lang="en-US" dirty="0"/>
-              <a:t> have to equal number of characters in </a:t>
-            </a:r>
-            <a:r>
-              <a:rPr lang="en-US" dirty="0">
-                <a:latin typeface="Consolas" panose="020B0609020204030204" pitchFamily="49" charset="0"/>
-              </a:rPr>
-              <a:t>(</a:t>
-            </a:r>
-            <a:r>
-              <a:rPr lang="en-US" dirty="0" err="1">
-                <a:solidFill>
-                  <a:srgbClr val="000000"/>
-                </a:solidFill>
-                <a:latin typeface="Consolas" panose="020B0609020204030204" pitchFamily="49" charset="0"/>
-              </a:rPr>
-              <a:t>with_what</a:t>
-            </a:r>
-            <a:r>
-              <a:rPr lang="en-US" dirty="0">
-                <a:latin typeface="Consolas" panose="020B0609020204030204" pitchFamily="49" charset="0"/>
-              </a:rPr>
-              <a:t>)</a:t>
-            </a:r>
-          </a:p>
-        </p:txBody>
-      </p:sp>
-      <p:sp>
-        <p:nvSpPr>
-          <p:cNvPr id="17" name="TextBox 16">
-            <a:extLst>
-              <a:ext uri="{FF2B5EF4-FFF2-40B4-BE49-F238E27FC236}">
-                <a16:creationId xmlns:a16="http://schemas.microsoft.com/office/drawing/2014/main" id="{B3435BAF-BCE3-BA22-9B52-7A37E3EE1481}"/>
-              </a:ext>
-            </a:extLst>
-          </p:cNvPr>
-          <p:cNvSpPr txBox="1"/>
-          <p:nvPr/>
-        </p:nvSpPr>
-        <p:spPr>
-          <a:xfrm>
-            <a:off x="6839503" y="2279439"/>
-            <a:ext cx="4133297" cy="369332"/>
-          </a:xfrm>
-          <a:prstGeom prst="rect">
-            <a:avLst/>
-          </a:prstGeom>
-          <a:noFill/>
-        </p:spPr>
-        <p:txBody>
-          <a:bodyPr wrap="square" rtlCol="0">
-            <a:spAutoFit/>
-          </a:bodyPr>
-          <a:lstStyle/>
-          <a:p>
-            <a:endParaRPr lang="en-US"/>
-          </a:p>
-        </p:txBody>
-      </p:sp>
-      <p:pic>
-        <p:nvPicPr>
-          <p:cNvPr id="3" name="Picture 2">
-            <a:extLst>
-              <a:ext uri="{FF2B5EF4-FFF2-40B4-BE49-F238E27FC236}">
-                <a16:creationId xmlns:a16="http://schemas.microsoft.com/office/drawing/2014/main" id="{2328E7AE-EB38-9B1C-ABDD-912D660205B1}"/>
-              </a:ext>
-            </a:extLst>
-          </p:cNvPr>
-          <p:cNvPicPr>
-            <a:picLocks noChangeAspect="1"/>
-          </p:cNvPicPr>
-          <p:nvPr/>
-        </p:nvPicPr>
-        <p:blipFill>
-          <a:blip r:embed="rId3"/>
-          <a:stretch>
-            <a:fillRect/>
-          </a:stretch>
-        </p:blipFill>
-        <p:spPr>
-          <a:xfrm>
-            <a:off x="1289684" y="3048421"/>
-            <a:ext cx="3132723" cy="869290"/>
-          </a:xfrm>
-          <a:prstGeom prst="rect">
-            <a:avLst/>
-          </a:prstGeom>
-        </p:spPr>
-      </p:pic>
-      <p:pic>
-        <p:nvPicPr>
-          <p:cNvPr id="5" name="Picture 4">
-            <a:extLst>
-              <a:ext uri="{FF2B5EF4-FFF2-40B4-BE49-F238E27FC236}">
-                <a16:creationId xmlns:a16="http://schemas.microsoft.com/office/drawing/2014/main" id="{6C257DC0-E182-BE6A-F00D-9AFF85521558}"/>
-              </a:ext>
-            </a:extLst>
-          </p:cNvPr>
-          <p:cNvPicPr>
-            <a:picLocks noChangeAspect="1"/>
-          </p:cNvPicPr>
-          <p:nvPr/>
-        </p:nvPicPr>
-        <p:blipFill>
-          <a:blip r:embed="rId4"/>
-          <a:stretch>
-            <a:fillRect/>
-          </a:stretch>
-        </p:blipFill>
-        <p:spPr>
-          <a:xfrm>
-            <a:off x="1289683" y="4912043"/>
-            <a:ext cx="3202061" cy="917257"/>
-          </a:xfrm>
-          <a:prstGeom prst="rect">
-            <a:avLst/>
-          </a:prstGeom>
-        </p:spPr>
-      </p:pic>
-    </p:spTree>
-    <p:extLst>
-      <p:ext uri="{BB962C8B-B14F-4D97-AF65-F5344CB8AC3E}">
-        <p14:creationId xmlns:p14="http://schemas.microsoft.com/office/powerpoint/2010/main" val="584012983"/>
-      </p:ext>
-    </p:extLst>
-  </p:cSld>
-  <p:clrMapOvr>
-    <a:masterClrMapping/>
-  </p:clrMapOvr>
-</p:sld>
-</file>
-
-<file path=ppt/slides/slide20.xml><?xml version="1.0" encoding="utf-8"?>
+<file path=ppt/slides/slide21.xml><?xml version="1.0" encoding="utf-8"?>
 <p:sld xmlns:a="http://schemas.openxmlformats.org/drawingml/2006/main" xmlns:r="http://schemas.openxmlformats.org/officeDocument/2006/relationships" xmlns:p="http://schemas.openxmlformats.org/presentationml/2006/main">
   <p:cSld>
     <p:spTree>
@@ -14066,7 +14573,7 @@
 </p:sld>
 </file>
 
-<file path=ppt/slides/slide21.xml><?xml version="1.0" encoding="utf-8"?>
+<file path=ppt/slides/slide22.xml><?xml version="1.0" encoding="utf-8"?>
 <p:sld xmlns:a="http://schemas.openxmlformats.org/drawingml/2006/main" xmlns:r="http://schemas.openxmlformats.org/officeDocument/2006/relationships" xmlns:p="http://schemas.openxmlformats.org/presentationml/2006/main">
   <p:cSld>
     <p:spTree>
@@ -14161,7 +14668,7 @@
 </p:sld>
 </file>
 
-<file path=ppt/slides/slide22.xml><?xml version="1.0" encoding="utf-8"?>
+<file path=ppt/slides/slide23.xml><?xml version="1.0" encoding="utf-8"?>
 <p:sld xmlns:a="http://schemas.openxmlformats.org/drawingml/2006/main" xmlns:r="http://schemas.openxmlformats.org/officeDocument/2006/relationships" xmlns:p="http://schemas.openxmlformats.org/presentationml/2006/main">
   <p:cSld>
     <p:spTree>
@@ -15666,7 +16173,7 @@
 </p:sld>
 </file>
 
-<file path=ppt/slides/slide23.xml><?xml version="1.0" encoding="utf-8"?>
+<file path=ppt/slides/slide24.xml><?xml version="1.0" encoding="utf-8"?>
 <p:sld xmlns:a="http://schemas.openxmlformats.org/drawingml/2006/main" xmlns:r="http://schemas.openxmlformats.org/officeDocument/2006/relationships" xmlns:p="http://schemas.openxmlformats.org/presentationml/2006/main">
   <p:cSld>
     <p:spTree>
@@ -15876,7 +16383,7 @@
 </p:sld>
 </file>
 
-<file path=ppt/slides/slide24.xml><?xml version="1.0" encoding="utf-8"?>
+<file path=ppt/slides/slide25.xml><?xml version="1.0" encoding="utf-8"?>
 <p:sld xmlns:a="http://schemas.openxmlformats.org/drawingml/2006/main" xmlns:r="http://schemas.openxmlformats.org/officeDocument/2006/relationships" xmlns:p="http://schemas.openxmlformats.org/presentationml/2006/main">
   <p:cSld>
     <p:spTree>
@@ -17049,7 +17556,7 @@
 </p:sld>
 </file>
 
-<file path=ppt/slides/slide25.xml><?xml version="1.0" encoding="utf-8"?>
+<file path=ppt/slides/slide26.xml><?xml version="1.0" encoding="utf-8"?>
 <p:sld xmlns:a="http://schemas.openxmlformats.org/drawingml/2006/main" xmlns:r="http://schemas.openxmlformats.org/officeDocument/2006/relationships" xmlns:p="http://schemas.openxmlformats.org/presentationml/2006/main">
   <p:cSld>
     <p:spTree>
@@ -18559,7 +19066,7 @@
 </p:sld>
 </file>
 
-<file path=ppt/slides/slide26.xml><?xml version="1.0" encoding="utf-8"?>
+<file path=ppt/slides/slide27.xml><?xml version="1.0" encoding="utf-8"?>
 <p:sld xmlns:a="http://schemas.openxmlformats.org/drawingml/2006/main" xmlns:r="http://schemas.openxmlformats.org/officeDocument/2006/relationships" xmlns:p="http://schemas.openxmlformats.org/presentationml/2006/main">
   <p:cSld>
     <p:spTree>
@@ -19515,7 +20022,7 @@
 </p:sld>
 </file>
 
-<file path=ppt/slides/slide27.xml><?xml version="1.0" encoding="utf-8"?>
+<file path=ppt/slides/slide28.xml><?xml version="1.0" encoding="utf-8"?>
 <p:sld xmlns:a="http://schemas.openxmlformats.org/drawingml/2006/main" xmlns:r="http://schemas.openxmlformats.org/officeDocument/2006/relationships" xmlns:p="http://schemas.openxmlformats.org/presentationml/2006/main">
   <p:cSld>
     <p:spTree>
@@ -19738,7 +20245,7 @@
 </p:sld>
 </file>
 
-<file path=ppt/slides/slide28.xml><?xml version="1.0" encoding="utf-8"?>
+<file path=ppt/slides/slide29.xml><?xml version="1.0" encoding="utf-8"?>
 <p:sld xmlns:a="http://schemas.openxmlformats.org/drawingml/2006/main" xmlns:r="http://schemas.openxmlformats.org/officeDocument/2006/relationships" xmlns:p="http://schemas.openxmlformats.org/presentationml/2006/main">
   <p:cSld>
     <p:spTree>
@@ -20130,6 +20637,683 @@
       </p:grpSpPr>
       <p:sp>
         <p:nvSpPr>
+          <p:cNvPr id="6" name="TextBox 5">
+            <a:extLst>
+              <a:ext uri="{FF2B5EF4-FFF2-40B4-BE49-F238E27FC236}">
+                <a16:creationId xmlns:a16="http://schemas.microsoft.com/office/drawing/2014/main" id="{44410209-5076-4902-0710-FB5CB3CD3FB0}"/>
+              </a:ext>
+            </a:extLst>
+          </p:cNvPr>
+          <p:cNvSpPr txBox="1"/>
+          <p:nvPr/>
+        </p:nvSpPr>
+        <p:spPr>
+          <a:xfrm>
+            <a:off x="981075" y="2279439"/>
+            <a:ext cx="5406390" cy="430887"/>
+          </a:xfrm>
+          <a:prstGeom prst="rect">
+            <a:avLst/>
+          </a:prstGeom>
+          <a:noFill/>
+        </p:spPr>
+        <p:txBody>
+          <a:bodyPr wrap="square">
+            <a:spAutoFit/>
+          </a:bodyPr>
+          <a:lstStyle/>
+          <a:p>
+            <a:r>
+              <a:rPr lang="en-US" sz="2200" dirty="0">
+                <a:solidFill>
+                  <a:srgbClr val="0000FF"/>
+                </a:solidFill>
+                <a:latin typeface="Consolas" panose="020B0609020204030204" pitchFamily="49" charset="0"/>
+              </a:rPr>
+              <a:t>SELECT</a:t>
+            </a:r>
+            <a:r>
+              <a:rPr lang="en-US" sz="2200" dirty="0">
+                <a:solidFill>
+                  <a:srgbClr val="000000"/>
+                </a:solidFill>
+                <a:latin typeface="Consolas" panose="020B0609020204030204" pitchFamily="49" charset="0"/>
+              </a:rPr>
+              <a:t> </a:t>
+            </a:r>
+            <a:r>
+              <a:rPr lang="en-US" sz="2200" dirty="0">
+                <a:solidFill>
+                  <a:srgbClr val="FF00FF"/>
+                </a:solidFill>
+                <a:latin typeface="Consolas" panose="020B0609020204030204" pitchFamily="49" charset="0"/>
+              </a:rPr>
+              <a:t>REPLACE</a:t>
+            </a:r>
+            <a:r>
+              <a:rPr lang="en-US" sz="2200" dirty="0">
+                <a:solidFill>
+                  <a:srgbClr val="808080"/>
+                </a:solidFill>
+                <a:latin typeface="Consolas" panose="020B0609020204030204" pitchFamily="49" charset="0"/>
+              </a:rPr>
+              <a:t>(</a:t>
+            </a:r>
+            <a:r>
+              <a:rPr lang="en-US" sz="2200" dirty="0">
+                <a:solidFill>
+                  <a:srgbClr val="FF0000"/>
+                </a:solidFill>
+                <a:latin typeface="Consolas" panose="020B0609020204030204" pitchFamily="49" charset="0"/>
+              </a:rPr>
+              <a:t>'hello'</a:t>
+            </a:r>
+            <a:r>
+              <a:rPr lang="en-US" sz="2200" dirty="0">
+                <a:solidFill>
+                  <a:srgbClr val="808080"/>
+                </a:solidFill>
+                <a:latin typeface="Consolas" panose="020B0609020204030204" pitchFamily="49" charset="0"/>
+              </a:rPr>
+              <a:t>,</a:t>
+            </a:r>
+            <a:r>
+              <a:rPr lang="en-US" sz="2200" dirty="0">
+                <a:solidFill>
+                  <a:srgbClr val="000000"/>
+                </a:solidFill>
+                <a:latin typeface="Consolas" panose="020B0609020204030204" pitchFamily="49" charset="0"/>
+              </a:rPr>
+              <a:t> </a:t>
+            </a:r>
+            <a:r>
+              <a:rPr lang="en-US" sz="2200" dirty="0">
+                <a:solidFill>
+                  <a:srgbClr val="FF0000"/>
+                </a:solidFill>
+                <a:latin typeface="Consolas" panose="020B0609020204030204" pitchFamily="49" charset="0"/>
+              </a:rPr>
+              <a:t>'e'</a:t>
+            </a:r>
+            <a:r>
+              <a:rPr lang="en-US" sz="2200" dirty="0">
+                <a:solidFill>
+                  <a:srgbClr val="808080"/>
+                </a:solidFill>
+                <a:latin typeface="Consolas" panose="020B0609020204030204" pitchFamily="49" charset="0"/>
+              </a:rPr>
+              <a:t>,</a:t>
+            </a:r>
+            <a:r>
+              <a:rPr lang="en-US" sz="2200" dirty="0">
+                <a:solidFill>
+                  <a:srgbClr val="000000"/>
+                </a:solidFill>
+                <a:latin typeface="Consolas" panose="020B0609020204030204" pitchFamily="49" charset="0"/>
+              </a:rPr>
+              <a:t> </a:t>
+            </a:r>
+            <a:r>
+              <a:rPr lang="en-US" sz="2200" dirty="0">
+                <a:solidFill>
+                  <a:srgbClr val="FF0000"/>
+                </a:solidFill>
+                <a:latin typeface="Consolas" panose="020B0609020204030204" pitchFamily="49" charset="0"/>
+              </a:rPr>
+              <a:t>'a'</a:t>
+            </a:r>
+            <a:r>
+              <a:rPr lang="en-US" sz="2200" dirty="0">
+                <a:solidFill>
+                  <a:srgbClr val="808080"/>
+                </a:solidFill>
+                <a:latin typeface="Consolas" panose="020B0609020204030204" pitchFamily="49" charset="0"/>
+              </a:rPr>
+              <a:t>)</a:t>
+            </a:r>
+            <a:endParaRPr lang="es-ES" sz="2200" dirty="0">
+              <a:solidFill>
+                <a:srgbClr val="000000"/>
+              </a:solidFill>
+              <a:latin typeface="Consolas" panose="020B0609020204030204" pitchFamily="49" charset="0"/>
+            </a:endParaRPr>
+          </a:p>
+        </p:txBody>
+      </p:sp>
+      <p:sp>
+        <p:nvSpPr>
+          <p:cNvPr id="8" name="TextBox 7">
+            <a:extLst>
+              <a:ext uri="{FF2B5EF4-FFF2-40B4-BE49-F238E27FC236}">
+                <a16:creationId xmlns:a16="http://schemas.microsoft.com/office/drawing/2014/main" id="{604B7F01-18FC-0134-829F-DE82552E8BE8}"/>
+              </a:ext>
+            </a:extLst>
+          </p:cNvPr>
+          <p:cNvSpPr txBox="1"/>
+          <p:nvPr/>
+        </p:nvSpPr>
+        <p:spPr>
+          <a:xfrm>
+            <a:off x="738055" y="744925"/>
+            <a:ext cx="10583913" cy="646331"/>
+          </a:xfrm>
+          <a:prstGeom prst="rect">
+            <a:avLst/>
+          </a:prstGeom>
+          <a:noFill/>
+        </p:spPr>
+        <p:txBody>
+          <a:bodyPr wrap="square">
+            <a:spAutoFit/>
+          </a:bodyPr>
+          <a:lstStyle/>
+          <a:p>
+            <a:r>
+              <a:rPr lang="en-US" sz="3600" dirty="0">
+                <a:solidFill>
+                  <a:srgbClr val="FF00FF"/>
+                </a:solidFill>
+                <a:latin typeface="Consolas" panose="020B0609020204030204" pitchFamily="49" charset="0"/>
+              </a:rPr>
+              <a:t>REPLACE</a:t>
+            </a:r>
+            <a:r>
+              <a:rPr lang="en-US" sz="3600" dirty="0">
+                <a:solidFill>
+                  <a:srgbClr val="808080"/>
+                </a:solidFill>
+                <a:latin typeface="Consolas" panose="020B0609020204030204" pitchFamily="49" charset="0"/>
+              </a:rPr>
+              <a:t>(</a:t>
+            </a:r>
+            <a:r>
+              <a:rPr lang="en-US" sz="3200" dirty="0" err="1">
+                <a:solidFill>
+                  <a:srgbClr val="000000"/>
+                </a:solidFill>
+                <a:latin typeface="Consolas" panose="020B0609020204030204" pitchFamily="49" charset="0"/>
+              </a:rPr>
+              <a:t>stringable</a:t>
+            </a:r>
+            <a:r>
+              <a:rPr lang="en-US" sz="3600" dirty="0">
+                <a:solidFill>
+                  <a:srgbClr val="808080"/>
+                </a:solidFill>
+                <a:latin typeface="Consolas" panose="020B0609020204030204" pitchFamily="49" charset="0"/>
+              </a:rPr>
+              <a:t>,</a:t>
+            </a:r>
+            <a:r>
+              <a:rPr lang="en-US" sz="2400" dirty="0">
+                <a:solidFill>
+                  <a:srgbClr val="000000"/>
+                </a:solidFill>
+                <a:latin typeface="Consolas" panose="020B0609020204030204" pitchFamily="49" charset="0"/>
+              </a:rPr>
+              <a:t> </a:t>
+            </a:r>
+            <a:r>
+              <a:rPr lang="en-US" sz="3200" dirty="0" err="1">
+                <a:solidFill>
+                  <a:srgbClr val="000000"/>
+                </a:solidFill>
+                <a:latin typeface="Consolas" panose="020B0609020204030204" pitchFamily="49" charset="0"/>
+              </a:rPr>
+              <a:t>what_phrase</a:t>
+            </a:r>
+            <a:r>
+              <a:rPr lang="en-US" sz="3600" dirty="0">
+                <a:solidFill>
+                  <a:srgbClr val="808080"/>
+                </a:solidFill>
+                <a:latin typeface="Consolas" panose="020B0609020204030204" pitchFamily="49" charset="0"/>
+              </a:rPr>
+              <a:t>,</a:t>
+            </a:r>
+            <a:r>
+              <a:rPr lang="en-US" sz="2400" dirty="0">
+                <a:solidFill>
+                  <a:srgbClr val="000000"/>
+                </a:solidFill>
+                <a:latin typeface="Consolas" panose="020B0609020204030204" pitchFamily="49" charset="0"/>
+              </a:rPr>
+              <a:t> </a:t>
+            </a:r>
+            <a:r>
+              <a:rPr lang="en-US" sz="3200" dirty="0" err="1">
+                <a:solidFill>
+                  <a:srgbClr val="000000"/>
+                </a:solidFill>
+                <a:latin typeface="Consolas" panose="020B0609020204030204" pitchFamily="49" charset="0"/>
+              </a:rPr>
+              <a:t>with_what</a:t>
+            </a:r>
+            <a:r>
+              <a:rPr lang="en-US" sz="3600" dirty="0">
+                <a:solidFill>
+                  <a:srgbClr val="808080"/>
+                </a:solidFill>
+                <a:latin typeface="Consolas" panose="020B0609020204030204" pitchFamily="49" charset="0"/>
+              </a:rPr>
+              <a:t>)</a:t>
+            </a:r>
+            <a:endParaRPr lang="en-US" sz="3600" dirty="0"/>
+          </a:p>
+        </p:txBody>
+      </p:sp>
+      <p:sp>
+        <p:nvSpPr>
+          <p:cNvPr id="10" name="TextBox 9">
+            <a:extLst>
+              <a:ext uri="{FF2B5EF4-FFF2-40B4-BE49-F238E27FC236}">
+                <a16:creationId xmlns:a16="http://schemas.microsoft.com/office/drawing/2014/main" id="{D9D26083-FA3C-901C-884B-A94F10A0D1FB}"/>
+              </a:ext>
+            </a:extLst>
+          </p:cNvPr>
+          <p:cNvSpPr txBox="1"/>
+          <p:nvPr/>
+        </p:nvSpPr>
+        <p:spPr>
+          <a:xfrm>
+            <a:off x="981075" y="4455914"/>
+            <a:ext cx="5406390" cy="430887"/>
+          </a:xfrm>
+          <a:prstGeom prst="rect">
+            <a:avLst/>
+          </a:prstGeom>
+          <a:noFill/>
+        </p:spPr>
+        <p:txBody>
+          <a:bodyPr wrap="square">
+            <a:spAutoFit/>
+          </a:bodyPr>
+          <a:lstStyle/>
+          <a:p>
+            <a:r>
+              <a:rPr lang="en-US" sz="2200" dirty="0">
+                <a:solidFill>
+                  <a:srgbClr val="0000FF"/>
+                </a:solidFill>
+                <a:latin typeface="Consolas" panose="020B0609020204030204" pitchFamily="49" charset="0"/>
+              </a:rPr>
+              <a:t>SELECT</a:t>
+            </a:r>
+            <a:r>
+              <a:rPr lang="en-US" sz="2200" dirty="0">
+                <a:solidFill>
+                  <a:srgbClr val="000000"/>
+                </a:solidFill>
+                <a:latin typeface="Consolas" panose="020B0609020204030204" pitchFamily="49" charset="0"/>
+              </a:rPr>
+              <a:t> </a:t>
+            </a:r>
+            <a:r>
+              <a:rPr lang="en-US" sz="2200" dirty="0">
+                <a:solidFill>
+                  <a:srgbClr val="FF00FF"/>
+                </a:solidFill>
+                <a:latin typeface="Consolas" panose="020B0609020204030204" pitchFamily="49" charset="0"/>
+              </a:rPr>
+              <a:t>REPLACE</a:t>
+            </a:r>
+            <a:r>
+              <a:rPr lang="en-US" sz="2200" dirty="0">
+                <a:solidFill>
+                  <a:srgbClr val="808080"/>
+                </a:solidFill>
+                <a:latin typeface="Consolas" panose="020B0609020204030204" pitchFamily="49" charset="0"/>
+              </a:rPr>
+              <a:t>(</a:t>
+            </a:r>
+            <a:r>
+              <a:rPr lang="en-US" sz="2200" dirty="0">
+                <a:solidFill>
+                  <a:srgbClr val="000000"/>
+                </a:solidFill>
+                <a:latin typeface="Consolas" panose="020B0609020204030204" pitchFamily="49" charset="0"/>
+              </a:rPr>
+              <a:t>123</a:t>
+            </a:r>
+            <a:r>
+              <a:rPr lang="en-US" sz="2200" dirty="0">
+                <a:solidFill>
+                  <a:srgbClr val="808080"/>
+                </a:solidFill>
+                <a:latin typeface="Consolas" panose="020B0609020204030204" pitchFamily="49" charset="0"/>
+              </a:rPr>
+              <a:t>,</a:t>
+            </a:r>
+            <a:r>
+              <a:rPr lang="en-US" sz="2200" dirty="0">
+                <a:solidFill>
+                  <a:srgbClr val="000000"/>
+                </a:solidFill>
+                <a:latin typeface="Consolas" panose="020B0609020204030204" pitchFamily="49" charset="0"/>
+              </a:rPr>
+              <a:t> </a:t>
+            </a:r>
+            <a:r>
+              <a:rPr lang="en-US" sz="2200" dirty="0">
+                <a:solidFill>
+                  <a:srgbClr val="FF0000"/>
+                </a:solidFill>
+                <a:latin typeface="Consolas" panose="020B0609020204030204" pitchFamily="49" charset="0"/>
+              </a:rPr>
+              <a:t>'3'</a:t>
+            </a:r>
+            <a:r>
+              <a:rPr lang="en-US" sz="2200" dirty="0">
+                <a:solidFill>
+                  <a:srgbClr val="808080"/>
+                </a:solidFill>
+                <a:latin typeface="Consolas" panose="020B0609020204030204" pitchFamily="49" charset="0"/>
+              </a:rPr>
+              <a:t>,</a:t>
+            </a:r>
+            <a:r>
+              <a:rPr lang="en-US" sz="2200" dirty="0">
+                <a:solidFill>
+                  <a:srgbClr val="000000"/>
+                </a:solidFill>
+                <a:latin typeface="Consolas" panose="020B0609020204030204" pitchFamily="49" charset="0"/>
+              </a:rPr>
+              <a:t> </a:t>
+            </a:r>
+            <a:r>
+              <a:rPr lang="en-US" sz="2200" dirty="0">
+                <a:solidFill>
+                  <a:srgbClr val="FF0000"/>
+                </a:solidFill>
+                <a:latin typeface="Consolas" panose="020B0609020204030204" pitchFamily="49" charset="0"/>
+              </a:rPr>
+              <a:t>'6'</a:t>
+            </a:r>
+            <a:r>
+              <a:rPr lang="en-US" sz="2200" dirty="0">
+                <a:solidFill>
+                  <a:srgbClr val="808080"/>
+                </a:solidFill>
+                <a:latin typeface="Consolas" panose="020B0609020204030204" pitchFamily="49" charset="0"/>
+              </a:rPr>
+              <a:t>)</a:t>
+            </a:r>
+            <a:endParaRPr lang="en-US" sz="2200" dirty="0"/>
+          </a:p>
+        </p:txBody>
+      </p:sp>
+      <p:sp>
+        <p:nvSpPr>
+          <p:cNvPr id="14" name="TextBox 13">
+            <a:extLst>
+              <a:ext uri="{FF2B5EF4-FFF2-40B4-BE49-F238E27FC236}">
+                <a16:creationId xmlns:a16="http://schemas.microsoft.com/office/drawing/2014/main" id="{A274B8B0-A303-1D1D-3E99-08F362298D87}"/>
+              </a:ext>
+            </a:extLst>
+          </p:cNvPr>
+          <p:cNvSpPr txBox="1"/>
+          <p:nvPr/>
+        </p:nvSpPr>
+        <p:spPr>
+          <a:xfrm>
+            <a:off x="6839503" y="2088358"/>
+            <a:ext cx="4585335" cy="923330"/>
+          </a:xfrm>
+          <a:prstGeom prst="rect">
+            <a:avLst/>
+          </a:prstGeom>
+          <a:noFill/>
+        </p:spPr>
+        <p:txBody>
+          <a:bodyPr wrap="square" rtlCol="0">
+            <a:spAutoFit/>
+          </a:bodyPr>
+          <a:lstStyle/>
+          <a:p>
+            <a:r>
+              <a:rPr lang="en-US" dirty="0"/>
+              <a:t>“</a:t>
+            </a:r>
+            <a:r>
+              <a:rPr lang="en-US" dirty="0" err="1"/>
+              <a:t>Stringable</a:t>
+            </a:r>
+            <a:r>
+              <a:rPr lang="en-US" dirty="0"/>
+              <a:t>” refers to anything that can be represented as a string, including </a:t>
+            </a:r>
+            <a:r>
+              <a:rPr lang="en-US" dirty="0" err="1"/>
+              <a:t>numerics</a:t>
+            </a:r>
+            <a:r>
+              <a:rPr lang="en-US" dirty="0"/>
+              <a:t>, datetimes, </a:t>
+            </a:r>
+            <a:r>
+              <a:rPr lang="en-US" dirty="0" err="1"/>
+              <a:t>guids</a:t>
+            </a:r>
+            <a:r>
+              <a:rPr lang="en-US" dirty="0"/>
+              <a:t>, etc.</a:t>
+            </a:r>
+          </a:p>
+        </p:txBody>
+      </p:sp>
+      <p:sp>
+        <p:nvSpPr>
+          <p:cNvPr id="15" name="TextBox 14">
+            <a:extLst>
+              <a:ext uri="{FF2B5EF4-FFF2-40B4-BE49-F238E27FC236}">
+                <a16:creationId xmlns:a16="http://schemas.microsoft.com/office/drawing/2014/main" id="{4E95F8E7-F4ED-2BD1-D94C-38120D18DDD4}"/>
+              </a:ext>
+            </a:extLst>
+          </p:cNvPr>
+          <p:cNvSpPr txBox="1"/>
+          <p:nvPr/>
+        </p:nvSpPr>
+        <p:spPr>
+          <a:xfrm>
+            <a:off x="6839503" y="3376414"/>
+            <a:ext cx="4482465" cy="923330"/>
+          </a:xfrm>
+          <a:prstGeom prst="rect">
+            <a:avLst/>
+          </a:prstGeom>
+          <a:noFill/>
+        </p:spPr>
+        <p:txBody>
+          <a:bodyPr wrap="square" rtlCol="0">
+            <a:spAutoFit/>
+          </a:bodyPr>
+          <a:lstStyle/>
+          <a:p>
+            <a:r>
+              <a:rPr lang="en-US" dirty="0"/>
+              <a:t>Number of characters in </a:t>
+            </a:r>
+            <a:r>
+              <a:rPr lang="en-US" dirty="0">
+                <a:latin typeface="Consolas" panose="020B0609020204030204" pitchFamily="49" charset="0"/>
+              </a:rPr>
+              <a:t>(</a:t>
+            </a:r>
+            <a:r>
+              <a:rPr lang="en-US" dirty="0" err="1">
+                <a:solidFill>
+                  <a:srgbClr val="000000"/>
+                </a:solidFill>
+                <a:latin typeface="Consolas" panose="020B0609020204030204" pitchFamily="49" charset="0"/>
+              </a:rPr>
+              <a:t>what_phrase</a:t>
+            </a:r>
+            <a:r>
+              <a:rPr lang="en-US" dirty="0">
+                <a:latin typeface="Consolas" panose="020B0609020204030204" pitchFamily="49" charset="0"/>
+              </a:rPr>
+              <a:t>) </a:t>
+            </a:r>
+            <a:r>
+              <a:rPr lang="en-US" dirty="0"/>
+              <a:t>do </a:t>
+            </a:r>
+            <a:r>
+              <a:rPr lang="en-US" b="1" dirty="0"/>
+              <a:t>not</a:t>
+            </a:r>
+            <a:r>
+              <a:rPr lang="en-US" dirty="0"/>
+              <a:t> have to equal number of characters in </a:t>
+            </a:r>
+            <a:r>
+              <a:rPr lang="en-US" dirty="0">
+                <a:latin typeface="Consolas" panose="020B0609020204030204" pitchFamily="49" charset="0"/>
+              </a:rPr>
+              <a:t>(</a:t>
+            </a:r>
+            <a:r>
+              <a:rPr lang="en-US" dirty="0" err="1">
+                <a:solidFill>
+                  <a:srgbClr val="000000"/>
+                </a:solidFill>
+                <a:latin typeface="Consolas" panose="020B0609020204030204" pitchFamily="49" charset="0"/>
+              </a:rPr>
+              <a:t>with_what</a:t>
+            </a:r>
+            <a:r>
+              <a:rPr lang="en-US" dirty="0">
+                <a:latin typeface="Consolas" panose="020B0609020204030204" pitchFamily="49" charset="0"/>
+              </a:rPr>
+              <a:t>)</a:t>
+            </a:r>
+          </a:p>
+        </p:txBody>
+      </p:sp>
+      <p:sp>
+        <p:nvSpPr>
+          <p:cNvPr id="17" name="TextBox 16">
+            <a:extLst>
+              <a:ext uri="{FF2B5EF4-FFF2-40B4-BE49-F238E27FC236}">
+                <a16:creationId xmlns:a16="http://schemas.microsoft.com/office/drawing/2014/main" id="{B3435BAF-BCE3-BA22-9B52-7A37E3EE1481}"/>
+              </a:ext>
+            </a:extLst>
+          </p:cNvPr>
+          <p:cNvSpPr txBox="1"/>
+          <p:nvPr/>
+        </p:nvSpPr>
+        <p:spPr>
+          <a:xfrm>
+            <a:off x="6839503" y="2279439"/>
+            <a:ext cx="4133297" cy="369332"/>
+          </a:xfrm>
+          <a:prstGeom prst="rect">
+            <a:avLst/>
+          </a:prstGeom>
+          <a:noFill/>
+        </p:spPr>
+        <p:txBody>
+          <a:bodyPr wrap="square" rtlCol="0">
+            <a:spAutoFit/>
+          </a:bodyPr>
+          <a:lstStyle/>
+          <a:p>
+            <a:endParaRPr lang="en-US"/>
+          </a:p>
+        </p:txBody>
+      </p:sp>
+      <p:pic>
+        <p:nvPicPr>
+          <p:cNvPr id="3" name="Picture 2">
+            <a:extLst>
+              <a:ext uri="{FF2B5EF4-FFF2-40B4-BE49-F238E27FC236}">
+                <a16:creationId xmlns:a16="http://schemas.microsoft.com/office/drawing/2014/main" id="{2328E7AE-EB38-9B1C-ABDD-912D660205B1}"/>
+              </a:ext>
+            </a:extLst>
+          </p:cNvPr>
+          <p:cNvPicPr>
+            <a:picLocks noChangeAspect="1"/>
+          </p:cNvPicPr>
+          <p:nvPr/>
+        </p:nvPicPr>
+        <p:blipFill>
+          <a:blip r:embed="rId3"/>
+          <a:stretch>
+            <a:fillRect/>
+          </a:stretch>
+        </p:blipFill>
+        <p:spPr>
+          <a:xfrm>
+            <a:off x="1289684" y="3048421"/>
+            <a:ext cx="3132723" cy="869290"/>
+          </a:xfrm>
+          <a:prstGeom prst="rect">
+            <a:avLst/>
+          </a:prstGeom>
+        </p:spPr>
+      </p:pic>
+      <p:pic>
+        <p:nvPicPr>
+          <p:cNvPr id="5" name="Picture 4">
+            <a:extLst>
+              <a:ext uri="{FF2B5EF4-FFF2-40B4-BE49-F238E27FC236}">
+                <a16:creationId xmlns:a16="http://schemas.microsoft.com/office/drawing/2014/main" id="{6C257DC0-E182-BE6A-F00D-9AFF85521558}"/>
+              </a:ext>
+            </a:extLst>
+          </p:cNvPr>
+          <p:cNvPicPr>
+            <a:picLocks noChangeAspect="1"/>
+          </p:cNvPicPr>
+          <p:nvPr/>
+        </p:nvPicPr>
+        <p:blipFill>
+          <a:blip r:embed="rId4"/>
+          <a:stretch>
+            <a:fillRect/>
+          </a:stretch>
+        </p:blipFill>
+        <p:spPr>
+          <a:xfrm>
+            <a:off x="1289683" y="4912043"/>
+            <a:ext cx="3202061" cy="917257"/>
+          </a:xfrm>
+          <a:prstGeom prst="rect">
+            <a:avLst/>
+          </a:prstGeom>
+        </p:spPr>
+      </p:pic>
+    </p:spTree>
+    <p:extLst>
+      <p:ext uri="{BB962C8B-B14F-4D97-AF65-F5344CB8AC3E}">
+        <p14:creationId xmlns:p14="http://schemas.microsoft.com/office/powerpoint/2010/main" val="584012983"/>
+      </p:ext>
+    </p:extLst>
+  </p:cSld>
+  <p:clrMapOvr>
+    <a:masterClrMapping/>
+  </p:clrMapOvr>
+</p:sld>
+</file>
+
+<file path=ppt/slides/slide4.xml><?xml version="1.0" encoding="utf-8"?>
+<p:sld xmlns:a="http://schemas.openxmlformats.org/drawingml/2006/main" xmlns:r="http://schemas.openxmlformats.org/officeDocument/2006/relationships" xmlns:p="http://schemas.openxmlformats.org/presentationml/2006/main">
+  <p:cSld>
+    <p:spTree>
+      <p:nvGrpSpPr>
+        <p:cNvPr id="1" name=""/>
+        <p:cNvGrpSpPr/>
+        <p:nvPr/>
+      </p:nvGrpSpPr>
+      <p:grpSpPr>
+        <a:xfrm>
+          <a:off x="0" y="0"/>
+          <a:ext cx="0" cy="0"/>
+          <a:chOff x="0" y="0"/>
+          <a:chExt cx="0" cy="0"/>
+        </a:xfrm>
+      </p:grpSpPr>
+      <p:sp>
+        <p:nvSpPr>
           <p:cNvPr id="3" name="TextBox 2">
             <a:extLst>
               <a:ext uri="{FF2B5EF4-FFF2-40B4-BE49-F238E27FC236}">
@@ -20597,7 +21781,7 @@
 </p:sld>
 </file>
 
-<file path=ppt/slides/slide4.xml><?xml version="1.0" encoding="utf-8"?>
+<file path=ppt/slides/slide5.xml><?xml version="1.0" encoding="utf-8"?>
 <p:sld xmlns:a="http://schemas.openxmlformats.org/drawingml/2006/main" xmlns:r="http://schemas.openxmlformats.org/officeDocument/2006/relationships" xmlns:p="http://schemas.openxmlformats.org/presentationml/2006/main">
   <p:cSld>
     <p:spTree>
@@ -21064,7 +22248,7 @@
 </p:sld>
 </file>
 
-<file path=ppt/slides/slide5.xml><?xml version="1.0" encoding="utf-8"?>
+<file path=ppt/slides/slide6.xml><?xml version="1.0" encoding="utf-8"?>
 <p:sld xmlns:a="http://schemas.openxmlformats.org/drawingml/2006/main" xmlns:r="http://schemas.openxmlformats.org/officeDocument/2006/relationships" xmlns:p="http://schemas.openxmlformats.org/presentationml/2006/main">
   <p:cSld>
     <p:spTree>
@@ -21426,7 +22610,7 @@
 </p:sld>
 </file>
 
-<file path=ppt/slides/slide6.xml><?xml version="1.0" encoding="utf-8"?>
+<file path=ppt/slides/slide7.xml><?xml version="1.0" encoding="utf-8"?>
 <p:sld xmlns:a="http://schemas.openxmlformats.org/drawingml/2006/main" xmlns:r="http://schemas.openxmlformats.org/officeDocument/2006/relationships" xmlns:p="http://schemas.openxmlformats.org/presentationml/2006/main">
   <p:cSld>
     <p:spTree>
@@ -23353,7 +24537,7 @@
 </p:sld>
 </file>
 
-<file path=ppt/slides/slide7.xml><?xml version="1.0" encoding="utf-8"?>
+<file path=ppt/slides/slide8.xml><?xml version="1.0" encoding="utf-8"?>
 <p:sld xmlns:a="http://schemas.openxmlformats.org/drawingml/2006/main" xmlns:r="http://schemas.openxmlformats.org/officeDocument/2006/relationships" xmlns:p="http://schemas.openxmlformats.org/presentationml/2006/main">
   <p:cSld>
     <p:spTree>
@@ -23981,7 +25165,7 @@
 </p:sld>
 </file>
 
-<file path=ppt/slides/slide8.xml><?xml version="1.0" encoding="utf-8"?>
+<file path=ppt/slides/slide9.xml><?xml version="1.0" encoding="utf-8"?>
 <p:sld xmlns:a="http://schemas.openxmlformats.org/drawingml/2006/main" xmlns:r="http://schemas.openxmlformats.org/officeDocument/2006/relationships" xmlns:p="http://schemas.openxmlformats.org/presentationml/2006/main">
   <p:cSld>
     <p:spTree>
@@ -24611,1036 +25795,6 @@
   <p:clrMapOvr>
     <a:masterClrMapping/>
   </p:clrMapOvr>
-</p:sld>
-</file>
-
-<file path=ppt/slides/slide9.xml><?xml version="1.0" encoding="utf-8"?>
-<p:sld xmlns:a="http://schemas.openxmlformats.org/drawingml/2006/main" xmlns:r="http://schemas.openxmlformats.org/officeDocument/2006/relationships" xmlns:p="http://schemas.openxmlformats.org/presentationml/2006/main">
-  <p:cSld>
-    <p:spTree>
-      <p:nvGrpSpPr>
-        <p:cNvPr id="1" name=""/>
-        <p:cNvGrpSpPr/>
-        <p:nvPr/>
-      </p:nvGrpSpPr>
-      <p:grpSpPr>
-        <a:xfrm>
-          <a:off x="0" y="0"/>
-          <a:ext cx="0" cy="0"/>
-          <a:chOff x="0" y="0"/>
-          <a:chExt cx="0" cy="0"/>
-        </a:xfrm>
-      </p:grpSpPr>
-      <p:sp>
-        <p:nvSpPr>
-          <p:cNvPr id="6" name="TextBox 5">
-            <a:extLst>
-              <a:ext uri="{FF2B5EF4-FFF2-40B4-BE49-F238E27FC236}">
-                <a16:creationId xmlns:a16="http://schemas.microsoft.com/office/drawing/2014/main" id="{44410209-5076-4902-0710-FB5CB3CD3FB0}"/>
-              </a:ext>
-            </a:extLst>
-          </p:cNvPr>
-          <p:cNvSpPr txBox="1"/>
-          <p:nvPr/>
-        </p:nvSpPr>
-        <p:spPr>
-          <a:xfrm>
-            <a:off x="981075" y="2279439"/>
-            <a:ext cx="5114925" cy="400110"/>
-          </a:xfrm>
-          <a:prstGeom prst="rect">
-            <a:avLst/>
-          </a:prstGeom>
-          <a:noFill/>
-        </p:spPr>
-        <p:txBody>
-          <a:bodyPr wrap="square">
-            <a:spAutoFit/>
-          </a:bodyPr>
-          <a:lstStyle/>
-          <a:p>
-            <a:r>
-              <a:rPr lang="en-US" sz="2000" dirty="0">
-                <a:solidFill>
-                  <a:srgbClr val="0000FF"/>
-                </a:solidFill>
-                <a:latin typeface="Consolas" panose="020B0609020204030204" pitchFamily="49" charset="0"/>
-              </a:rPr>
-              <a:t>SELECT</a:t>
-            </a:r>
-            <a:r>
-              <a:rPr lang="en-US" sz="2000" dirty="0">
-                <a:solidFill>
-                  <a:srgbClr val="000000"/>
-                </a:solidFill>
-                <a:latin typeface="Consolas" panose="020B0609020204030204" pitchFamily="49" charset="0"/>
-              </a:rPr>
-              <a:t> </a:t>
-            </a:r>
-            <a:r>
-              <a:rPr lang="en-US" sz="2000" dirty="0">
-                <a:solidFill>
-                  <a:srgbClr val="FF00FF"/>
-                </a:solidFill>
-                <a:latin typeface="Consolas" panose="020B0609020204030204" pitchFamily="49" charset="0"/>
-              </a:rPr>
-              <a:t>TRANSLATE</a:t>
-            </a:r>
-            <a:r>
-              <a:rPr lang="en-US" sz="2000" dirty="0">
-                <a:solidFill>
-                  <a:srgbClr val="808080"/>
-                </a:solidFill>
-                <a:latin typeface="Consolas" panose="020B0609020204030204" pitchFamily="49" charset="0"/>
-              </a:rPr>
-              <a:t>(</a:t>
-            </a:r>
-            <a:r>
-              <a:rPr lang="en-US" sz="2000" dirty="0">
-                <a:solidFill>
-                  <a:srgbClr val="FF0000"/>
-                </a:solidFill>
-                <a:latin typeface="Consolas" panose="020B0609020204030204" pitchFamily="49" charset="0"/>
-              </a:rPr>
-              <a:t>'hello'</a:t>
-            </a:r>
-            <a:r>
-              <a:rPr lang="en-US" sz="2000" dirty="0">
-                <a:solidFill>
-                  <a:srgbClr val="808080"/>
-                </a:solidFill>
-                <a:latin typeface="Consolas" panose="020B0609020204030204" pitchFamily="49" charset="0"/>
-              </a:rPr>
-              <a:t>,</a:t>
-            </a:r>
-            <a:r>
-              <a:rPr lang="en-US" sz="2000" dirty="0">
-                <a:solidFill>
-                  <a:srgbClr val="000000"/>
-                </a:solidFill>
-                <a:latin typeface="Consolas" panose="020B0609020204030204" pitchFamily="49" charset="0"/>
-              </a:rPr>
-              <a:t> </a:t>
-            </a:r>
-            <a:r>
-              <a:rPr lang="en-US" sz="2000" dirty="0">
-                <a:solidFill>
-                  <a:srgbClr val="FF0000"/>
-                </a:solidFill>
-                <a:latin typeface="Consolas" panose="020B0609020204030204" pitchFamily="49" charset="0"/>
-              </a:rPr>
-              <a:t>'E'</a:t>
-            </a:r>
-            <a:r>
-              <a:rPr lang="en-US" sz="2000" dirty="0">
-                <a:solidFill>
-                  <a:srgbClr val="808080"/>
-                </a:solidFill>
-                <a:latin typeface="Consolas" panose="020B0609020204030204" pitchFamily="49" charset="0"/>
-              </a:rPr>
-              <a:t>,</a:t>
-            </a:r>
-            <a:r>
-              <a:rPr lang="en-US" sz="2000" dirty="0">
-                <a:solidFill>
-                  <a:srgbClr val="000000"/>
-                </a:solidFill>
-                <a:latin typeface="Consolas" panose="020B0609020204030204" pitchFamily="49" charset="0"/>
-              </a:rPr>
-              <a:t> </a:t>
-            </a:r>
-            <a:r>
-              <a:rPr lang="en-US" sz="2000" dirty="0">
-                <a:solidFill>
-                  <a:srgbClr val="FF0000"/>
-                </a:solidFill>
-                <a:latin typeface="Consolas" panose="020B0609020204030204" pitchFamily="49" charset="0"/>
-              </a:rPr>
-              <a:t>'A'</a:t>
-            </a:r>
-            <a:r>
-              <a:rPr lang="en-US" sz="2000" dirty="0">
-                <a:solidFill>
-                  <a:srgbClr val="808080"/>
-                </a:solidFill>
-                <a:latin typeface="Consolas" panose="020B0609020204030204" pitchFamily="49" charset="0"/>
-              </a:rPr>
-              <a:t>)</a:t>
-            </a:r>
-            <a:endParaRPr lang="es-ES" sz="2000" dirty="0">
-              <a:solidFill>
-                <a:srgbClr val="000000"/>
-              </a:solidFill>
-              <a:latin typeface="Consolas" panose="020B0609020204030204" pitchFamily="49" charset="0"/>
-            </a:endParaRPr>
-          </a:p>
-        </p:txBody>
-      </p:sp>
-      <p:pic>
-        <p:nvPicPr>
-          <p:cNvPr id="3" name="Picture 2">
-            <a:extLst>
-              <a:ext uri="{FF2B5EF4-FFF2-40B4-BE49-F238E27FC236}">
-                <a16:creationId xmlns:a16="http://schemas.microsoft.com/office/drawing/2014/main" id="{C5DAC873-F9E8-47FF-1565-EB69C5EBDF62}"/>
-              </a:ext>
-            </a:extLst>
-          </p:cNvPr>
-          <p:cNvPicPr>
-            <a:picLocks noChangeAspect="1"/>
-          </p:cNvPicPr>
-          <p:nvPr/>
-        </p:nvPicPr>
-        <p:blipFill>
-          <a:blip r:embed="rId3"/>
-          <a:stretch>
-            <a:fillRect/>
-          </a:stretch>
-        </p:blipFill>
-        <p:spPr>
-          <a:xfrm>
-            <a:off x="1289685" y="2751641"/>
-            <a:ext cx="3248025" cy="1082675"/>
-          </a:xfrm>
-          <a:prstGeom prst="rect">
-            <a:avLst/>
-          </a:prstGeom>
-        </p:spPr>
-      </p:pic>
-      <p:sp>
-        <p:nvSpPr>
-          <p:cNvPr id="8" name="TextBox 7">
-            <a:extLst>
-              <a:ext uri="{FF2B5EF4-FFF2-40B4-BE49-F238E27FC236}">
-                <a16:creationId xmlns:a16="http://schemas.microsoft.com/office/drawing/2014/main" id="{604B7F01-18FC-0134-829F-DE82552E8BE8}"/>
-              </a:ext>
-            </a:extLst>
-          </p:cNvPr>
-          <p:cNvSpPr txBox="1"/>
-          <p:nvPr/>
-        </p:nvSpPr>
-        <p:spPr>
-          <a:xfrm>
-            <a:off x="738055" y="744925"/>
-            <a:ext cx="10583913" cy="646331"/>
-          </a:xfrm>
-          <a:prstGeom prst="rect">
-            <a:avLst/>
-          </a:prstGeom>
-          <a:noFill/>
-        </p:spPr>
-        <p:txBody>
-          <a:bodyPr wrap="square">
-            <a:spAutoFit/>
-          </a:bodyPr>
-          <a:lstStyle/>
-          <a:p>
-            <a:r>
-              <a:rPr lang="en-US" sz="3600" dirty="0">
-                <a:solidFill>
-                  <a:srgbClr val="FF00FF"/>
-                </a:solidFill>
-                <a:latin typeface="Consolas" panose="020B0609020204030204" pitchFamily="49" charset="0"/>
-              </a:rPr>
-              <a:t>TRANSLATE</a:t>
-            </a:r>
-            <a:r>
-              <a:rPr lang="en-US" sz="3600" dirty="0">
-                <a:solidFill>
-                  <a:srgbClr val="808080"/>
-                </a:solidFill>
-                <a:latin typeface="Consolas" panose="020B0609020204030204" pitchFamily="49" charset="0"/>
-              </a:rPr>
-              <a:t>(</a:t>
-            </a:r>
-            <a:r>
-              <a:rPr lang="en-US" sz="3200" dirty="0" err="1">
-                <a:solidFill>
-                  <a:srgbClr val="000000"/>
-                </a:solidFill>
-                <a:latin typeface="Consolas" panose="020B0609020204030204" pitchFamily="49" charset="0"/>
-              </a:rPr>
-              <a:t>stringable</a:t>
-            </a:r>
-            <a:r>
-              <a:rPr lang="en-US" sz="3600" dirty="0">
-                <a:solidFill>
-                  <a:srgbClr val="808080"/>
-                </a:solidFill>
-                <a:latin typeface="Consolas" panose="020B0609020204030204" pitchFamily="49" charset="0"/>
-              </a:rPr>
-              <a:t>,</a:t>
-            </a:r>
-            <a:r>
-              <a:rPr lang="en-US" sz="2400" dirty="0">
-                <a:solidFill>
-                  <a:srgbClr val="000000"/>
-                </a:solidFill>
-                <a:latin typeface="Consolas" panose="020B0609020204030204" pitchFamily="49" charset="0"/>
-              </a:rPr>
-              <a:t> </a:t>
-            </a:r>
-            <a:r>
-              <a:rPr lang="en-US" sz="3200" dirty="0" err="1">
-                <a:solidFill>
-                  <a:srgbClr val="000000"/>
-                </a:solidFill>
-                <a:latin typeface="Consolas" panose="020B0609020204030204" pitchFamily="49" charset="0"/>
-              </a:rPr>
-              <a:t>before_map</a:t>
-            </a:r>
-            <a:r>
-              <a:rPr lang="en-US" sz="3600" dirty="0">
-                <a:solidFill>
-                  <a:srgbClr val="808080"/>
-                </a:solidFill>
-                <a:latin typeface="Consolas" panose="020B0609020204030204" pitchFamily="49" charset="0"/>
-              </a:rPr>
-              <a:t>,</a:t>
-            </a:r>
-            <a:r>
-              <a:rPr lang="en-US" sz="2400" dirty="0">
-                <a:solidFill>
-                  <a:srgbClr val="000000"/>
-                </a:solidFill>
-                <a:latin typeface="Consolas" panose="020B0609020204030204" pitchFamily="49" charset="0"/>
-              </a:rPr>
-              <a:t> </a:t>
-            </a:r>
-            <a:r>
-              <a:rPr lang="en-US" sz="3200" dirty="0" err="1">
-                <a:solidFill>
-                  <a:srgbClr val="000000"/>
-                </a:solidFill>
-                <a:latin typeface="Consolas" panose="020B0609020204030204" pitchFamily="49" charset="0"/>
-              </a:rPr>
-              <a:t>after_map</a:t>
-            </a:r>
-            <a:r>
-              <a:rPr lang="en-US" sz="3600" dirty="0">
-                <a:solidFill>
-                  <a:srgbClr val="808080"/>
-                </a:solidFill>
-                <a:latin typeface="Consolas" panose="020B0609020204030204" pitchFamily="49" charset="0"/>
-              </a:rPr>
-              <a:t>)</a:t>
-            </a:r>
-            <a:endParaRPr lang="en-US" sz="3600" dirty="0"/>
-          </a:p>
-        </p:txBody>
-      </p:sp>
-      <p:sp>
-        <p:nvSpPr>
-          <p:cNvPr id="10" name="TextBox 9">
-            <a:extLst>
-              <a:ext uri="{FF2B5EF4-FFF2-40B4-BE49-F238E27FC236}">
-                <a16:creationId xmlns:a16="http://schemas.microsoft.com/office/drawing/2014/main" id="{D9D26083-FA3C-901C-884B-A94F10A0D1FB}"/>
-              </a:ext>
-            </a:extLst>
-          </p:cNvPr>
-          <p:cNvSpPr txBox="1"/>
-          <p:nvPr/>
-        </p:nvSpPr>
-        <p:spPr>
-          <a:xfrm>
-            <a:off x="981075" y="4455914"/>
-            <a:ext cx="4653915" cy="400110"/>
-          </a:xfrm>
-          <a:prstGeom prst="rect">
-            <a:avLst/>
-          </a:prstGeom>
-          <a:noFill/>
-        </p:spPr>
-        <p:txBody>
-          <a:bodyPr wrap="square">
-            <a:spAutoFit/>
-          </a:bodyPr>
-          <a:lstStyle/>
-          <a:p>
-            <a:r>
-              <a:rPr lang="en-US" sz="2000" dirty="0">
-                <a:solidFill>
-                  <a:srgbClr val="0000FF"/>
-                </a:solidFill>
-                <a:latin typeface="Consolas" panose="020B0609020204030204" pitchFamily="49" charset="0"/>
-              </a:rPr>
-              <a:t>SELECT</a:t>
-            </a:r>
-            <a:r>
-              <a:rPr lang="en-US" sz="2000" dirty="0">
-                <a:solidFill>
-                  <a:srgbClr val="000000"/>
-                </a:solidFill>
-                <a:latin typeface="Consolas" panose="020B0609020204030204" pitchFamily="49" charset="0"/>
-              </a:rPr>
-              <a:t> </a:t>
-            </a:r>
-            <a:r>
-              <a:rPr lang="en-US" sz="2000" dirty="0">
-                <a:solidFill>
-                  <a:srgbClr val="FF00FF"/>
-                </a:solidFill>
-                <a:latin typeface="Consolas" panose="020B0609020204030204" pitchFamily="49" charset="0"/>
-              </a:rPr>
-              <a:t>TRANSLATE</a:t>
-            </a:r>
-            <a:r>
-              <a:rPr lang="en-US" sz="2000" dirty="0">
-                <a:solidFill>
-                  <a:srgbClr val="808080"/>
-                </a:solidFill>
-                <a:latin typeface="Consolas" panose="020B0609020204030204" pitchFamily="49" charset="0"/>
-              </a:rPr>
-              <a:t>(</a:t>
-            </a:r>
-            <a:r>
-              <a:rPr lang="en-US" sz="2000" dirty="0">
-                <a:solidFill>
-                  <a:srgbClr val="000000"/>
-                </a:solidFill>
-                <a:latin typeface="Consolas" panose="020B0609020204030204" pitchFamily="49" charset="0"/>
-              </a:rPr>
-              <a:t>123</a:t>
-            </a:r>
-            <a:r>
-              <a:rPr lang="en-US" sz="2000" dirty="0">
-                <a:solidFill>
-                  <a:srgbClr val="808080"/>
-                </a:solidFill>
-                <a:latin typeface="Consolas" panose="020B0609020204030204" pitchFamily="49" charset="0"/>
-              </a:rPr>
-              <a:t>,</a:t>
-            </a:r>
-            <a:r>
-              <a:rPr lang="en-US" sz="2000" dirty="0">
-                <a:solidFill>
-                  <a:srgbClr val="000000"/>
-                </a:solidFill>
-                <a:latin typeface="Consolas" panose="020B0609020204030204" pitchFamily="49" charset="0"/>
-              </a:rPr>
-              <a:t> </a:t>
-            </a:r>
-            <a:r>
-              <a:rPr lang="en-US" sz="2000" dirty="0">
-                <a:solidFill>
-                  <a:srgbClr val="FF0000"/>
-                </a:solidFill>
-                <a:latin typeface="Consolas" panose="020B0609020204030204" pitchFamily="49" charset="0"/>
-              </a:rPr>
-              <a:t>'3'</a:t>
-            </a:r>
-            <a:r>
-              <a:rPr lang="en-US" sz="2000" dirty="0">
-                <a:solidFill>
-                  <a:srgbClr val="808080"/>
-                </a:solidFill>
-                <a:latin typeface="Consolas" panose="020B0609020204030204" pitchFamily="49" charset="0"/>
-              </a:rPr>
-              <a:t>,</a:t>
-            </a:r>
-            <a:r>
-              <a:rPr lang="en-US" sz="2000" dirty="0">
-                <a:solidFill>
-                  <a:srgbClr val="000000"/>
-                </a:solidFill>
-                <a:latin typeface="Consolas" panose="020B0609020204030204" pitchFamily="49" charset="0"/>
-              </a:rPr>
-              <a:t> </a:t>
-            </a:r>
-            <a:r>
-              <a:rPr lang="en-US" sz="2000" dirty="0">
-                <a:solidFill>
-                  <a:srgbClr val="FF0000"/>
-                </a:solidFill>
-                <a:latin typeface="Consolas" panose="020B0609020204030204" pitchFamily="49" charset="0"/>
-              </a:rPr>
-              <a:t>'6'</a:t>
-            </a:r>
-            <a:r>
-              <a:rPr lang="en-US" sz="2000" dirty="0">
-                <a:solidFill>
-                  <a:srgbClr val="808080"/>
-                </a:solidFill>
-                <a:latin typeface="Consolas" panose="020B0609020204030204" pitchFamily="49" charset="0"/>
-              </a:rPr>
-              <a:t>)</a:t>
-            </a:r>
-            <a:endParaRPr lang="en-US" sz="2000" dirty="0"/>
-          </a:p>
-        </p:txBody>
-      </p:sp>
-      <p:pic>
-        <p:nvPicPr>
-          <p:cNvPr id="12" name="Picture 11">
-            <a:extLst>
-              <a:ext uri="{FF2B5EF4-FFF2-40B4-BE49-F238E27FC236}">
-                <a16:creationId xmlns:a16="http://schemas.microsoft.com/office/drawing/2014/main" id="{2FB8AAB5-D999-1FB5-A135-CE07AE425384}"/>
-              </a:ext>
-            </a:extLst>
-          </p:cNvPr>
-          <p:cNvPicPr>
-            <a:picLocks noChangeAspect="1"/>
-          </p:cNvPicPr>
-          <p:nvPr/>
-        </p:nvPicPr>
-        <p:blipFill>
-          <a:blip r:embed="rId4"/>
-          <a:stretch>
-            <a:fillRect/>
-          </a:stretch>
-        </p:blipFill>
-        <p:spPr>
-          <a:xfrm>
-            <a:off x="1289685" y="4989453"/>
-            <a:ext cx="3092831" cy="914781"/>
-          </a:xfrm>
-          <a:prstGeom prst="rect">
-            <a:avLst/>
-          </a:prstGeom>
-        </p:spPr>
-      </p:pic>
-      <p:sp>
-        <p:nvSpPr>
-          <p:cNvPr id="13" name="TextBox 12">
-            <a:extLst>
-              <a:ext uri="{FF2B5EF4-FFF2-40B4-BE49-F238E27FC236}">
-                <a16:creationId xmlns:a16="http://schemas.microsoft.com/office/drawing/2014/main" id="{2B23E60F-B8F5-C3A2-3174-0B72A33E9786}"/>
-              </a:ext>
-            </a:extLst>
-          </p:cNvPr>
-          <p:cNvSpPr txBox="1"/>
-          <p:nvPr/>
-        </p:nvSpPr>
-        <p:spPr>
-          <a:xfrm>
-            <a:off x="6839503" y="3734492"/>
-            <a:ext cx="4616923" cy="646331"/>
-          </a:xfrm>
-          <a:prstGeom prst="rect">
-            <a:avLst/>
-          </a:prstGeom>
-          <a:noFill/>
-        </p:spPr>
-        <p:txBody>
-          <a:bodyPr wrap="square" rtlCol="0">
-            <a:spAutoFit/>
-          </a:bodyPr>
-          <a:lstStyle/>
-          <a:p>
-            <a:r>
-              <a:rPr lang="en-US" dirty="0"/>
-              <a:t>Case-sensitivity is determined by collation hierarchy (instance, database, column, query)</a:t>
-            </a:r>
-          </a:p>
-        </p:txBody>
-      </p:sp>
-      <p:sp>
-        <p:nvSpPr>
-          <p:cNvPr id="14" name="TextBox 13">
-            <a:extLst>
-              <a:ext uri="{FF2B5EF4-FFF2-40B4-BE49-F238E27FC236}">
-                <a16:creationId xmlns:a16="http://schemas.microsoft.com/office/drawing/2014/main" id="{A274B8B0-A303-1D1D-3E99-08F362298D87}"/>
-              </a:ext>
-            </a:extLst>
-          </p:cNvPr>
-          <p:cNvSpPr txBox="1"/>
-          <p:nvPr/>
-        </p:nvSpPr>
-        <p:spPr>
-          <a:xfrm>
-            <a:off x="6855296" y="2717071"/>
-            <a:ext cx="4585335" cy="923330"/>
-          </a:xfrm>
-          <a:prstGeom prst="rect">
-            <a:avLst/>
-          </a:prstGeom>
-          <a:noFill/>
-        </p:spPr>
-        <p:txBody>
-          <a:bodyPr wrap="square" rtlCol="0">
-            <a:spAutoFit/>
-          </a:bodyPr>
-          <a:lstStyle/>
-          <a:p>
-            <a:r>
-              <a:rPr lang="en-US" dirty="0"/>
-              <a:t>“</a:t>
-            </a:r>
-            <a:r>
-              <a:rPr lang="en-US" dirty="0" err="1"/>
-              <a:t>Stringable</a:t>
-            </a:r>
-            <a:r>
-              <a:rPr lang="en-US" dirty="0"/>
-              <a:t>” refers to anything that can be represented as a string, including </a:t>
-            </a:r>
-            <a:r>
-              <a:rPr lang="en-US" dirty="0" err="1"/>
-              <a:t>numerics</a:t>
-            </a:r>
-            <a:r>
-              <a:rPr lang="en-US" dirty="0"/>
-              <a:t>, datetimes, </a:t>
-            </a:r>
-            <a:r>
-              <a:rPr lang="en-US" dirty="0" err="1"/>
-              <a:t>guids</a:t>
-            </a:r>
-            <a:r>
-              <a:rPr lang="en-US" dirty="0"/>
-              <a:t>, etc.</a:t>
-            </a:r>
-          </a:p>
-        </p:txBody>
-      </p:sp>
-      <p:sp>
-        <p:nvSpPr>
-          <p:cNvPr id="15" name="TextBox 14">
-            <a:extLst>
-              <a:ext uri="{FF2B5EF4-FFF2-40B4-BE49-F238E27FC236}">
-                <a16:creationId xmlns:a16="http://schemas.microsoft.com/office/drawing/2014/main" id="{4E95F8E7-F4ED-2BD1-D94C-38120D18DDD4}"/>
-              </a:ext>
-            </a:extLst>
-          </p:cNvPr>
-          <p:cNvSpPr txBox="1"/>
-          <p:nvPr/>
-        </p:nvSpPr>
-        <p:spPr>
-          <a:xfrm>
-            <a:off x="6839503" y="4523513"/>
-            <a:ext cx="4482465" cy="923330"/>
-          </a:xfrm>
-          <a:prstGeom prst="rect">
-            <a:avLst/>
-          </a:prstGeom>
-          <a:noFill/>
-        </p:spPr>
-        <p:txBody>
-          <a:bodyPr wrap="square" rtlCol="0">
-            <a:spAutoFit/>
-          </a:bodyPr>
-          <a:lstStyle/>
-          <a:p>
-            <a:r>
-              <a:rPr lang="en-US" dirty="0"/>
-              <a:t>Number of characters in </a:t>
-            </a:r>
-            <a:r>
-              <a:rPr lang="en-US" dirty="0">
-                <a:latin typeface="Consolas" panose="020B0609020204030204" pitchFamily="49" charset="0"/>
-              </a:rPr>
-              <a:t>(</a:t>
-            </a:r>
-            <a:r>
-              <a:rPr lang="en-US" dirty="0" err="1">
-                <a:latin typeface="Consolas" panose="020B0609020204030204" pitchFamily="49" charset="0"/>
-              </a:rPr>
-              <a:t>before_map</a:t>
-            </a:r>
-            <a:r>
-              <a:rPr lang="en-US" dirty="0">
-                <a:latin typeface="Consolas" panose="020B0609020204030204" pitchFamily="49" charset="0"/>
-              </a:rPr>
-              <a:t>) </a:t>
-            </a:r>
-            <a:r>
-              <a:rPr lang="en-US" dirty="0"/>
-              <a:t>must equal number of characters in </a:t>
-            </a:r>
-            <a:r>
-              <a:rPr lang="en-US" dirty="0">
-                <a:latin typeface="Consolas" panose="020B0609020204030204" pitchFamily="49" charset="0"/>
-              </a:rPr>
-              <a:t>(</a:t>
-            </a:r>
-            <a:r>
-              <a:rPr lang="en-US" dirty="0" err="1">
-                <a:latin typeface="Consolas" panose="020B0609020204030204" pitchFamily="49" charset="0"/>
-              </a:rPr>
-              <a:t>after_map</a:t>
-            </a:r>
-            <a:r>
-              <a:rPr lang="en-US" dirty="0">
-                <a:latin typeface="Consolas" panose="020B0609020204030204" pitchFamily="49" charset="0"/>
-              </a:rPr>
-              <a:t>)</a:t>
-            </a:r>
-          </a:p>
-        </p:txBody>
-      </p:sp>
-      <p:sp>
-        <p:nvSpPr>
-          <p:cNvPr id="16" name="TextBox 15">
-            <a:extLst>
-              <a:ext uri="{FF2B5EF4-FFF2-40B4-BE49-F238E27FC236}">
-                <a16:creationId xmlns:a16="http://schemas.microsoft.com/office/drawing/2014/main" id="{49ED86D3-6D21-34D8-CF80-4CEED75C90B6}"/>
-              </a:ext>
-            </a:extLst>
-          </p:cNvPr>
-          <p:cNvSpPr txBox="1"/>
-          <p:nvPr/>
-        </p:nvSpPr>
-        <p:spPr>
-          <a:xfrm>
-            <a:off x="6839503" y="5594661"/>
-            <a:ext cx="4251959" cy="369332"/>
-          </a:xfrm>
-          <a:prstGeom prst="rect">
-            <a:avLst/>
-          </a:prstGeom>
-          <a:noFill/>
-        </p:spPr>
-        <p:txBody>
-          <a:bodyPr wrap="square" rtlCol="0">
-            <a:spAutoFit/>
-          </a:bodyPr>
-          <a:lstStyle/>
-          <a:p>
-            <a:r>
-              <a:rPr lang="en-US" dirty="0"/>
-              <a:t>Perfectly fine to re-use characters as targets</a:t>
-            </a:r>
-          </a:p>
-        </p:txBody>
-      </p:sp>
-      <p:sp>
-        <p:nvSpPr>
-          <p:cNvPr id="17" name="TextBox 16">
-            <a:extLst>
-              <a:ext uri="{FF2B5EF4-FFF2-40B4-BE49-F238E27FC236}">
-                <a16:creationId xmlns:a16="http://schemas.microsoft.com/office/drawing/2014/main" id="{B3435BAF-BCE3-BA22-9B52-7A37E3EE1481}"/>
-              </a:ext>
-            </a:extLst>
-          </p:cNvPr>
-          <p:cNvSpPr txBox="1"/>
-          <p:nvPr/>
-        </p:nvSpPr>
-        <p:spPr>
-          <a:xfrm>
-            <a:off x="6839503" y="2279439"/>
-            <a:ext cx="4133297" cy="369332"/>
-          </a:xfrm>
-          <a:prstGeom prst="rect">
-            <a:avLst/>
-          </a:prstGeom>
-          <a:noFill/>
-        </p:spPr>
-        <p:txBody>
-          <a:bodyPr wrap="square" rtlCol="0">
-            <a:spAutoFit/>
-          </a:bodyPr>
-          <a:lstStyle/>
-          <a:p>
-            <a:endParaRPr lang="en-US"/>
-          </a:p>
-        </p:txBody>
-      </p:sp>
-      <p:sp>
-        <p:nvSpPr>
-          <p:cNvPr id="2" name="TextBox 1">
-            <a:extLst>
-              <a:ext uri="{FF2B5EF4-FFF2-40B4-BE49-F238E27FC236}">
-                <a16:creationId xmlns:a16="http://schemas.microsoft.com/office/drawing/2014/main" id="{F3EDE160-7D69-8F14-2226-A936D76799A3}"/>
-              </a:ext>
-            </a:extLst>
-          </p:cNvPr>
-          <p:cNvSpPr txBox="1"/>
-          <p:nvPr/>
-        </p:nvSpPr>
-        <p:spPr>
-          <a:xfrm>
-            <a:off x="6839503" y="2161722"/>
-            <a:ext cx="4019107" cy="369332"/>
-          </a:xfrm>
-          <a:prstGeom prst="rect">
-            <a:avLst/>
-          </a:prstGeom>
-          <a:noFill/>
-        </p:spPr>
-        <p:txBody>
-          <a:bodyPr wrap="square" rtlCol="0">
-            <a:spAutoFit/>
-          </a:bodyPr>
-          <a:lstStyle/>
-          <a:p>
-            <a:r>
-              <a:rPr lang="en-US" dirty="0"/>
-              <a:t>Requires MS SQL 2017+</a:t>
-            </a:r>
-          </a:p>
-        </p:txBody>
-      </p:sp>
-    </p:spTree>
-    <p:extLst>
-      <p:ext uri="{BB962C8B-B14F-4D97-AF65-F5344CB8AC3E}">
-        <p14:creationId xmlns:p14="http://schemas.microsoft.com/office/powerpoint/2010/main" val="1393047441"/>
-      </p:ext>
-    </p:extLst>
-  </p:cSld>
-  <p:clrMapOvr>
-    <a:masterClrMapping/>
-  </p:clrMapOvr>
-  <p:timing>
-    <p:tnLst>
-      <p:par>
-        <p:cTn id="1" dur="indefinite" restart="never" nodeType="tmRoot">
-          <p:childTnLst>
-            <p:seq concurrent="1" nextAc="seek">
-              <p:cTn id="2" dur="indefinite" nodeType="mainSeq">
-                <p:childTnLst>
-                  <p:par>
-                    <p:cTn id="3" fill="hold">
-                      <p:stCondLst>
-                        <p:cond delay="indefinite"/>
-                      </p:stCondLst>
-                      <p:childTnLst>
-                        <p:par>
-                          <p:cTn id="4" fill="hold">
-                            <p:stCondLst>
-                              <p:cond delay="0"/>
-                            </p:stCondLst>
-                            <p:childTnLst>
-                              <p:par>
-                                <p:cTn id="5" presetID="1" presetClass="entr" presetSubtype="0" fill="hold" grpId="0" nodeType="clickEffect">
-                                  <p:stCondLst>
-                                    <p:cond delay="0"/>
-                                  </p:stCondLst>
-                                  <p:childTnLst>
-                                    <p:set>
-                                      <p:cBhvr>
-                                        <p:cTn id="6" dur="1" fill="hold">
-                                          <p:stCondLst>
-                                            <p:cond delay="0"/>
-                                          </p:stCondLst>
-                                        </p:cTn>
-                                        <p:tgtEl>
-                                          <p:spTgt spid="2"/>
-                                        </p:tgtEl>
-                                        <p:attrNameLst>
-                                          <p:attrName>style.visibility</p:attrName>
-                                        </p:attrNameLst>
-                                      </p:cBhvr>
-                                      <p:to>
-                                        <p:strVal val="visible"/>
-                                      </p:to>
-                                    </p:set>
-                                  </p:childTnLst>
-                                </p:cTn>
-                              </p:par>
-                            </p:childTnLst>
-                          </p:cTn>
-                        </p:par>
-                      </p:childTnLst>
-                    </p:cTn>
-                  </p:par>
-                  <p:par>
-                    <p:cTn id="7" fill="hold">
-                      <p:stCondLst>
-                        <p:cond delay="indefinite"/>
-                      </p:stCondLst>
-                      <p:childTnLst>
-                        <p:par>
-                          <p:cTn id="8" fill="hold">
-                            <p:stCondLst>
-                              <p:cond delay="0"/>
-                            </p:stCondLst>
-                            <p:childTnLst>
-                              <p:par>
-                                <p:cTn id="9" presetID="1" presetClass="entr" presetSubtype="0" fill="hold" grpId="0" nodeType="clickEffect">
-                                  <p:stCondLst>
-                                    <p:cond delay="0"/>
-                                  </p:stCondLst>
-                                  <p:childTnLst>
-                                    <p:set>
-                                      <p:cBhvr>
-                                        <p:cTn id="10" dur="1" fill="hold">
-                                          <p:stCondLst>
-                                            <p:cond delay="0"/>
-                                          </p:stCondLst>
-                                        </p:cTn>
-                                        <p:tgtEl>
-                                          <p:spTgt spid="14"/>
-                                        </p:tgtEl>
-                                        <p:attrNameLst>
-                                          <p:attrName>style.visibility</p:attrName>
-                                        </p:attrNameLst>
-                                      </p:cBhvr>
-                                      <p:to>
-                                        <p:strVal val="visible"/>
-                                      </p:to>
-                                    </p:set>
-                                  </p:childTnLst>
-                                </p:cTn>
-                              </p:par>
-                            </p:childTnLst>
-                          </p:cTn>
-                        </p:par>
-                      </p:childTnLst>
-                    </p:cTn>
-                  </p:par>
-                  <p:par>
-                    <p:cTn id="11" fill="hold">
-                      <p:stCondLst>
-                        <p:cond delay="indefinite"/>
-                      </p:stCondLst>
-                      <p:childTnLst>
-                        <p:par>
-                          <p:cTn id="12" fill="hold">
-                            <p:stCondLst>
-                              <p:cond delay="0"/>
-                            </p:stCondLst>
-                            <p:childTnLst>
-                              <p:par>
-                                <p:cTn id="13" presetID="1" presetClass="entr" presetSubtype="0" fill="hold" grpId="0" nodeType="clickEffect">
-                                  <p:stCondLst>
-                                    <p:cond delay="0"/>
-                                  </p:stCondLst>
-                                  <p:childTnLst>
-                                    <p:set>
-                                      <p:cBhvr>
-                                        <p:cTn id="14" dur="1" fill="hold">
-                                          <p:stCondLst>
-                                            <p:cond delay="0"/>
-                                          </p:stCondLst>
-                                        </p:cTn>
-                                        <p:tgtEl>
-                                          <p:spTgt spid="13"/>
-                                        </p:tgtEl>
-                                        <p:attrNameLst>
-                                          <p:attrName>style.visibility</p:attrName>
-                                        </p:attrNameLst>
-                                      </p:cBhvr>
-                                      <p:to>
-                                        <p:strVal val="visible"/>
-                                      </p:to>
-                                    </p:set>
-                                  </p:childTnLst>
-                                </p:cTn>
-                              </p:par>
-                            </p:childTnLst>
-                          </p:cTn>
-                        </p:par>
-                      </p:childTnLst>
-                    </p:cTn>
-                  </p:par>
-                  <p:par>
-                    <p:cTn id="15" fill="hold">
-                      <p:stCondLst>
-                        <p:cond delay="indefinite"/>
-                      </p:stCondLst>
-                      <p:childTnLst>
-                        <p:par>
-                          <p:cTn id="16" fill="hold">
-                            <p:stCondLst>
-                              <p:cond delay="0"/>
-                            </p:stCondLst>
-                            <p:childTnLst>
-                              <p:par>
-                                <p:cTn id="17" presetID="1" presetClass="entr" presetSubtype="0" fill="hold" grpId="0" nodeType="clickEffect">
-                                  <p:stCondLst>
-                                    <p:cond delay="0"/>
-                                  </p:stCondLst>
-                                  <p:childTnLst>
-                                    <p:set>
-                                      <p:cBhvr>
-                                        <p:cTn id="18" dur="1" fill="hold">
-                                          <p:stCondLst>
-                                            <p:cond delay="0"/>
-                                          </p:stCondLst>
-                                        </p:cTn>
-                                        <p:tgtEl>
-                                          <p:spTgt spid="15"/>
-                                        </p:tgtEl>
-                                        <p:attrNameLst>
-                                          <p:attrName>style.visibility</p:attrName>
-                                        </p:attrNameLst>
-                                      </p:cBhvr>
-                                      <p:to>
-                                        <p:strVal val="visible"/>
-                                      </p:to>
-                                    </p:set>
-                                  </p:childTnLst>
-                                </p:cTn>
-                              </p:par>
-                            </p:childTnLst>
-                          </p:cTn>
-                        </p:par>
-                      </p:childTnLst>
-                    </p:cTn>
-                  </p:par>
-                  <p:par>
-                    <p:cTn id="19" fill="hold">
-                      <p:stCondLst>
-                        <p:cond delay="indefinite"/>
-                      </p:stCondLst>
-                      <p:childTnLst>
-                        <p:par>
-                          <p:cTn id="20" fill="hold">
-                            <p:stCondLst>
-                              <p:cond delay="0"/>
-                            </p:stCondLst>
-                            <p:childTnLst>
-                              <p:par>
-                                <p:cTn id="21" presetID="1" presetClass="entr" presetSubtype="0" fill="hold" grpId="0" nodeType="clickEffect">
-                                  <p:stCondLst>
-                                    <p:cond delay="0"/>
-                                  </p:stCondLst>
-                                  <p:childTnLst>
-                                    <p:set>
-                                      <p:cBhvr>
-                                        <p:cTn id="22" dur="1" fill="hold">
-                                          <p:stCondLst>
-                                            <p:cond delay="0"/>
-                                          </p:stCondLst>
-                                        </p:cTn>
-                                        <p:tgtEl>
-                                          <p:spTgt spid="16"/>
-                                        </p:tgtEl>
-                                        <p:attrNameLst>
-                                          <p:attrName>style.visibility</p:attrName>
-                                        </p:attrNameLst>
-                                      </p:cBhvr>
-                                      <p:to>
-                                        <p:strVal val="visible"/>
-                                      </p:to>
-                                    </p:set>
-                                  </p:childTnLst>
-                                </p:cTn>
-                              </p:par>
-                            </p:childTnLst>
-                          </p:cTn>
-                        </p:par>
-                      </p:childTnLst>
-                    </p:cTn>
-                  </p:par>
-                </p:childTnLst>
-              </p:cTn>
-              <p:prevCondLst>
-                <p:cond evt="onPrev" delay="0">
-                  <p:tgtEl>
-                    <p:sldTgt/>
-                  </p:tgtEl>
-                </p:cond>
-              </p:prevCondLst>
-              <p:nextCondLst>
-                <p:cond evt="onNext" delay="0">
-                  <p:tgtEl>
-                    <p:sldTgt/>
-                  </p:tgtEl>
-                </p:cond>
-              </p:nextCondLst>
-            </p:seq>
-          </p:childTnLst>
-        </p:cTn>
-      </p:par>
-    </p:tnLst>
-    <p:bldLst>
-      <p:bldP spid="13" grpId="0"/>
-      <p:bldP spid="14" grpId="0"/>
-      <p:bldP spid="15" grpId="0"/>
-      <p:bldP spid="16" grpId="0"/>
-      <p:bldP spid="2" grpId="0"/>
-    </p:bldLst>
-  </p:timing>
 </p:sld>
 </file>
 

--- a/TSQL_Translate_Operator/TSQL Translate.pptx
+++ b/TSQL_Translate_Operator/TSQL Translate.pptx
@@ -13,7 +13,7 @@
     <p:sldId id="316" r:id="rId4"/>
     <p:sldId id="257" r:id="rId5"/>
     <p:sldId id="258" r:id="rId6"/>
-    <p:sldId id="315" r:id="rId7"/>
+    <p:sldId id="349" r:id="rId7"/>
     <p:sldId id="259" r:id="rId8"/>
     <p:sldId id="260" r:id="rId9"/>
     <p:sldId id="322" r:id="rId10"/>
@@ -2343,7 +2343,7 @@
           <a:p>
             <a:fld id="{D6A2AC56-E20D-4719-9E66-68604E547144}" type="datetimeFigureOut">
               <a:rPr lang="en-US" smtClean="0"/>
-              <a:t>5/10/2024</a:t>
+              <a:t>7/21/2024</a:t>
             </a:fld>
             <a:endParaRPr lang="en-US"/>
           </a:p>
@@ -3620,7 +3620,7 @@
           <a:p>
             <a:fld id="{94E3A28C-D62F-4439-8BFC-9924939B4D00}" type="datetimeFigureOut">
               <a:rPr lang="en-US" smtClean="0"/>
-              <a:t>5/10/2024</a:t>
+              <a:t>7/21/2024</a:t>
             </a:fld>
             <a:endParaRPr lang="en-US"/>
           </a:p>
@@ -3818,7 +3818,7 @@
           <a:p>
             <a:fld id="{94E3A28C-D62F-4439-8BFC-9924939B4D00}" type="datetimeFigureOut">
               <a:rPr lang="en-US" smtClean="0"/>
-              <a:t>5/10/2024</a:t>
+              <a:t>7/21/2024</a:t>
             </a:fld>
             <a:endParaRPr lang="en-US"/>
           </a:p>
@@ -4026,7 +4026,7 @@
           <a:p>
             <a:fld id="{94E3A28C-D62F-4439-8BFC-9924939B4D00}" type="datetimeFigureOut">
               <a:rPr lang="en-US" smtClean="0"/>
-              <a:t>5/10/2024</a:t>
+              <a:t>7/21/2024</a:t>
             </a:fld>
             <a:endParaRPr lang="en-US"/>
           </a:p>
@@ -4224,7 +4224,7 @@
           <a:p>
             <a:fld id="{94E3A28C-D62F-4439-8BFC-9924939B4D00}" type="datetimeFigureOut">
               <a:rPr lang="en-US" smtClean="0"/>
-              <a:t>5/10/2024</a:t>
+              <a:t>7/21/2024</a:t>
             </a:fld>
             <a:endParaRPr lang="en-US"/>
           </a:p>
@@ -4499,7 +4499,7 @@
           <a:p>
             <a:fld id="{94E3A28C-D62F-4439-8BFC-9924939B4D00}" type="datetimeFigureOut">
               <a:rPr lang="en-US" smtClean="0"/>
-              <a:t>5/10/2024</a:t>
+              <a:t>7/21/2024</a:t>
             </a:fld>
             <a:endParaRPr lang="en-US"/>
           </a:p>
@@ -4764,7 +4764,7 @@
           <a:p>
             <a:fld id="{94E3A28C-D62F-4439-8BFC-9924939B4D00}" type="datetimeFigureOut">
               <a:rPr lang="en-US" smtClean="0"/>
-              <a:t>5/10/2024</a:t>
+              <a:t>7/21/2024</a:t>
             </a:fld>
             <a:endParaRPr lang="en-US"/>
           </a:p>
@@ -5176,7 +5176,7 @@
           <a:p>
             <a:fld id="{94E3A28C-D62F-4439-8BFC-9924939B4D00}" type="datetimeFigureOut">
               <a:rPr lang="en-US" smtClean="0"/>
-              <a:t>5/10/2024</a:t>
+              <a:t>7/21/2024</a:t>
             </a:fld>
             <a:endParaRPr lang="en-US"/>
           </a:p>
@@ -5317,7 +5317,7 @@
           <a:p>
             <a:fld id="{94E3A28C-D62F-4439-8BFC-9924939B4D00}" type="datetimeFigureOut">
               <a:rPr lang="en-US" smtClean="0"/>
-              <a:t>5/10/2024</a:t>
+              <a:t>7/21/2024</a:t>
             </a:fld>
             <a:endParaRPr lang="en-US"/>
           </a:p>
@@ -5430,7 +5430,7 @@
           <a:p>
             <a:fld id="{94E3A28C-D62F-4439-8BFC-9924939B4D00}" type="datetimeFigureOut">
               <a:rPr lang="en-US" smtClean="0"/>
-              <a:t>5/10/2024</a:t>
+              <a:t>7/21/2024</a:t>
             </a:fld>
             <a:endParaRPr lang="en-US"/>
           </a:p>
@@ -5741,7 +5741,7 @@
           <a:p>
             <a:fld id="{94E3A28C-D62F-4439-8BFC-9924939B4D00}" type="datetimeFigureOut">
               <a:rPr lang="en-US" smtClean="0"/>
-              <a:t>5/10/2024</a:t>
+              <a:t>7/21/2024</a:t>
             </a:fld>
             <a:endParaRPr lang="en-US"/>
           </a:p>
@@ -6029,7 +6029,7 @@
           <a:p>
             <a:fld id="{94E3A28C-D62F-4439-8BFC-9924939B4D00}" type="datetimeFigureOut">
               <a:rPr lang="en-US" smtClean="0"/>
-              <a:t>5/10/2024</a:t>
+              <a:t>7/21/2024</a:t>
             </a:fld>
             <a:endParaRPr lang="en-US"/>
           </a:p>
@@ -6270,7 +6270,7 @@
           <a:p>
             <a:fld id="{94E3A28C-D62F-4439-8BFC-9924939B4D00}" type="datetimeFigureOut">
               <a:rPr lang="en-US" smtClean="0"/>
-              <a:t>5/10/2024</a:t>
+              <a:t>7/21/2024</a:t>
             </a:fld>
             <a:endParaRPr lang="en-US"/>
           </a:p>
@@ -22467,8 +22467,8 @@
         </p:blipFill>
         <p:spPr>
           <a:xfrm>
-            <a:off x="1039090" y="1578919"/>
-            <a:ext cx="2228212" cy="2228212"/>
+            <a:off x="1065013" y="1145792"/>
+            <a:ext cx="2049795" cy="2049795"/>
           </a:xfrm>
           <a:prstGeom prst="rect">
             <a:avLst/>
@@ -22489,7 +22489,7 @@
         </p:nvSpPr>
         <p:spPr>
           <a:xfrm>
-            <a:off x="4225637" y="1020663"/>
+            <a:off x="3426741" y="1020663"/>
             <a:ext cx="6442363" cy="2985433"/>
           </a:xfrm>
           <a:prstGeom prst="rect">
@@ -22597,10 +22597,70 @@
           </a:p>
         </p:txBody>
       </p:sp>
+      <p:pic>
+        <p:nvPicPr>
+          <p:cNvPr id="2" name="Picture 1">
+            <a:extLst>
+              <a:ext uri="{FF2B5EF4-FFF2-40B4-BE49-F238E27FC236}">
+                <a16:creationId xmlns:a16="http://schemas.microsoft.com/office/drawing/2014/main" id="{1014BE0B-5E89-8A06-24B5-EF1DF4E65AD0}"/>
+              </a:ext>
+            </a:extLst>
+          </p:cNvPr>
+          <p:cNvPicPr>
+            <a:picLocks noChangeAspect="1"/>
+          </p:cNvPicPr>
+          <p:nvPr/>
+        </p:nvPicPr>
+        <p:blipFill>
+          <a:blip r:embed="rId5"/>
+          <a:stretch>
+            <a:fillRect/>
+          </a:stretch>
+        </p:blipFill>
+        <p:spPr>
+          <a:xfrm>
+            <a:off x="9357879" y="4371263"/>
+            <a:ext cx="1628368" cy="1616653"/>
+          </a:xfrm>
+          <a:prstGeom prst="rect">
+            <a:avLst/>
+          </a:prstGeom>
+        </p:spPr>
+      </p:pic>
+      <p:pic>
+        <p:nvPicPr>
+          <p:cNvPr id="14" name="Picture 13">
+            <a:extLst>
+              <a:ext uri="{FF2B5EF4-FFF2-40B4-BE49-F238E27FC236}">
+                <a16:creationId xmlns:a16="http://schemas.microsoft.com/office/drawing/2014/main" id="{E677BCE5-5CCD-CDCE-8476-CA5DF0421C63}"/>
+              </a:ext>
+            </a:extLst>
+          </p:cNvPr>
+          <p:cNvPicPr>
+            <a:picLocks noChangeAspect="1"/>
+          </p:cNvPicPr>
+          <p:nvPr/>
+        </p:nvPicPr>
+        <p:blipFill>
+          <a:blip r:embed="rId6"/>
+          <a:stretch>
+            <a:fillRect/>
+          </a:stretch>
+        </p:blipFill>
+        <p:spPr>
+          <a:xfrm>
+            <a:off x="8505416" y="1315960"/>
+            <a:ext cx="2308474" cy="1879627"/>
+          </a:xfrm>
+          <a:prstGeom prst="rect">
+            <a:avLst/>
+          </a:prstGeom>
+        </p:spPr>
+      </p:pic>
     </p:spTree>
     <p:extLst>
       <p:ext uri="{BB962C8B-B14F-4D97-AF65-F5344CB8AC3E}">
-        <p14:creationId xmlns:p14="http://schemas.microsoft.com/office/powerpoint/2010/main" val="1691737629"/>
+        <p14:creationId xmlns:p14="http://schemas.microsoft.com/office/powerpoint/2010/main" val="904236353"/>
       </p:ext>
     </p:extLst>
   </p:cSld>
